--- a/Docs/Apresentação.pptx
+++ b/Docs/Apresentação.pptx
@@ -5,7 +5,7 @@
     <p:sldMasterId id="2147483785" r:id="rId1"/>
   </p:sldMasterIdLst>
   <p:notesMasterIdLst>
-    <p:notesMasterId r:id="rId43"/>
+    <p:notesMasterId r:id="rId45"/>
   </p:notesMasterIdLst>
   <p:sldIdLst>
     <p:sldId id="256" r:id="rId2"/>
@@ -27,28 +27,30 @@
     <p:sldId id="268" r:id="rId18"/>
     <p:sldId id="269" r:id="rId19"/>
     <p:sldId id="270" r:id="rId20"/>
-    <p:sldId id="271" r:id="rId21"/>
-    <p:sldId id="272" r:id="rId22"/>
-    <p:sldId id="286" r:id="rId23"/>
-    <p:sldId id="287" r:id="rId24"/>
-    <p:sldId id="288" r:id="rId25"/>
-    <p:sldId id="289" r:id="rId26"/>
-    <p:sldId id="290" r:id="rId27"/>
-    <p:sldId id="291" r:id="rId28"/>
-    <p:sldId id="292" r:id="rId29"/>
-    <p:sldId id="293" r:id="rId30"/>
-    <p:sldId id="294" r:id="rId31"/>
-    <p:sldId id="295" r:id="rId32"/>
-    <p:sldId id="296" r:id="rId33"/>
-    <p:sldId id="297" r:id="rId34"/>
-    <p:sldId id="273" r:id="rId35"/>
-    <p:sldId id="274" r:id="rId36"/>
-    <p:sldId id="298" r:id="rId37"/>
-    <p:sldId id="299" r:id="rId38"/>
-    <p:sldId id="275" r:id="rId39"/>
-    <p:sldId id="276" r:id="rId40"/>
-    <p:sldId id="300" r:id="rId41"/>
-    <p:sldId id="279" r:id="rId42"/>
+    <p:sldId id="301" r:id="rId21"/>
+    <p:sldId id="271" r:id="rId22"/>
+    <p:sldId id="272" r:id="rId23"/>
+    <p:sldId id="286" r:id="rId24"/>
+    <p:sldId id="287" r:id="rId25"/>
+    <p:sldId id="288" r:id="rId26"/>
+    <p:sldId id="289" r:id="rId27"/>
+    <p:sldId id="290" r:id="rId28"/>
+    <p:sldId id="302" r:id="rId29"/>
+    <p:sldId id="291" r:id="rId30"/>
+    <p:sldId id="292" r:id="rId31"/>
+    <p:sldId id="303" r:id="rId32"/>
+    <p:sldId id="293" r:id="rId33"/>
+    <p:sldId id="294" r:id="rId34"/>
+    <p:sldId id="295" r:id="rId35"/>
+    <p:sldId id="297" r:id="rId36"/>
+    <p:sldId id="273" r:id="rId37"/>
+    <p:sldId id="274" r:id="rId38"/>
+    <p:sldId id="298" r:id="rId39"/>
+    <p:sldId id="299" r:id="rId40"/>
+    <p:sldId id="275" r:id="rId41"/>
+    <p:sldId id="276" r:id="rId42"/>
+    <p:sldId id="300" r:id="rId43"/>
+    <p:sldId id="279" r:id="rId44"/>
   </p:sldIdLst>
   <p:sldSz cx="12192000" cy="6858000"/>
   <p:notesSz cx="6858000" cy="9144000"/>
@@ -147,6 +149,11 @@
       </a:defRPr>
     </a:lvl9pPr>
   </p:defaultTextStyle>
+  <p:extLst>
+    <p:ext uri="{EFAFB233-063F-42B5-8137-9DF3F51BA10A}">
+      <p15:sldGuideLst xmlns:p15="http://schemas.microsoft.com/office/powerpoint/2012/main"/>
+    </p:ext>
+  </p:extLst>
 </p:presentation>
 </file>
 
@@ -232,7 +239,7 @@
           <a:p>
             <a:fld id="{CDED6E2B-49A8-4231-AE69-C6B89EC85462}" type="datetimeFigureOut">
               <a:rPr lang="pt-BR" smtClean="0"/>
-              <a:t>10/12/2017</a:t>
+              <a:t>11/12/2017</a:t>
             </a:fld>
             <a:endParaRPr lang="pt-BR"/>
           </a:p>
@@ -774,7 +781,7 @@
           <a:p>
             <a:fld id="{95A7C2C1-01F5-47C0-8773-A38930127B25}" type="datetimeFigureOut">
               <a:rPr lang="pt-BR" smtClean="0"/>
-              <a:t>10/12/2017</a:t>
+              <a:t>11/12/2017</a:t>
             </a:fld>
             <a:endParaRPr lang="pt-BR"/>
           </a:p>
@@ -1188,7 +1195,7 @@
           <a:p>
             <a:fld id="{95A7C2C1-01F5-47C0-8773-A38930127B25}" type="datetimeFigureOut">
               <a:rPr lang="pt-BR" smtClean="0"/>
-              <a:t>10/12/2017</a:t>
+              <a:t>11/12/2017</a:t>
             </a:fld>
             <a:endParaRPr lang="pt-BR"/>
           </a:p>
@@ -1524,7 +1531,7 @@
           <a:p>
             <a:fld id="{95A7C2C1-01F5-47C0-8773-A38930127B25}" type="datetimeFigureOut">
               <a:rPr lang="pt-BR" smtClean="0"/>
-              <a:t>10/12/2017</a:t>
+              <a:t>11/12/2017</a:t>
             </a:fld>
             <a:endParaRPr lang="pt-BR"/>
           </a:p>
@@ -1929,7 +1936,7 @@
           <a:p>
             <a:fld id="{95A7C2C1-01F5-47C0-8773-A38930127B25}" type="datetimeFigureOut">
               <a:rPr lang="pt-BR" smtClean="0"/>
-              <a:t>10/12/2017</a:t>
+              <a:t>11/12/2017</a:t>
             </a:fld>
             <a:endParaRPr lang="pt-BR"/>
           </a:p>
@@ -2497,7 +2504,7 @@
           <a:p>
             <a:fld id="{95A7C2C1-01F5-47C0-8773-A38930127B25}" type="datetimeFigureOut">
               <a:rPr lang="pt-BR" smtClean="0"/>
-              <a:t>10/12/2017</a:t>
+              <a:t>11/12/2017</a:t>
             </a:fld>
             <a:endParaRPr lang="pt-BR"/>
           </a:p>
@@ -3178,7 +3185,7 @@
           <a:p>
             <a:fld id="{95A7C2C1-01F5-47C0-8773-A38930127B25}" type="datetimeFigureOut">
               <a:rPr lang="pt-BR" smtClean="0"/>
-              <a:t>10/12/2017</a:t>
+              <a:t>11/12/2017</a:t>
             </a:fld>
             <a:endParaRPr lang="pt-BR"/>
           </a:p>
@@ -4091,7 +4098,7 @@
           <a:p>
             <a:fld id="{95A7C2C1-01F5-47C0-8773-A38930127B25}" type="datetimeFigureOut">
               <a:rPr lang="pt-BR" smtClean="0"/>
-              <a:t>10/12/2017</a:t>
+              <a:t>11/12/2017</a:t>
             </a:fld>
             <a:endParaRPr lang="pt-BR"/>
           </a:p>
@@ -4404,7 +4411,7 @@
           <a:p>
             <a:fld id="{95A7C2C1-01F5-47C0-8773-A38930127B25}" type="datetimeFigureOut">
               <a:rPr lang="pt-BR" smtClean="0"/>
-              <a:t>10/12/2017</a:t>
+              <a:t>11/12/2017</a:t>
             </a:fld>
             <a:endParaRPr lang="pt-BR"/>
           </a:p>
@@ -4668,7 +4675,7 @@
           <a:p>
             <a:fld id="{95A7C2C1-01F5-47C0-8773-A38930127B25}" type="datetimeFigureOut">
               <a:rPr lang="pt-BR" smtClean="0"/>
-              <a:t>10/12/2017</a:t>
+              <a:t>11/12/2017</a:t>
             </a:fld>
             <a:endParaRPr lang="pt-BR"/>
           </a:p>
@@ -4991,7 +4998,7 @@
           <a:p>
             <a:fld id="{95A7C2C1-01F5-47C0-8773-A38930127B25}" type="datetimeFigureOut">
               <a:rPr lang="pt-BR" smtClean="0"/>
-              <a:t>10/12/2017</a:t>
+              <a:t>11/12/2017</a:t>
             </a:fld>
             <a:endParaRPr lang="pt-BR"/>
           </a:p>
@@ -5380,7 +5387,7 @@
           <a:p>
             <a:fld id="{95A7C2C1-01F5-47C0-8773-A38930127B25}" type="datetimeFigureOut">
               <a:rPr lang="pt-BR" smtClean="0"/>
-              <a:t>10/12/2017</a:t>
+              <a:t>11/12/2017</a:t>
             </a:fld>
             <a:endParaRPr lang="pt-BR"/>
           </a:p>
@@ -5756,7 +5763,7 @@
           <a:p>
             <a:fld id="{95A7C2C1-01F5-47C0-8773-A38930127B25}" type="datetimeFigureOut">
               <a:rPr lang="pt-BR" smtClean="0"/>
-              <a:t>10/12/2017</a:t>
+              <a:t>11/12/2017</a:t>
             </a:fld>
             <a:endParaRPr lang="pt-BR"/>
           </a:p>
@@ -6262,7 +6269,7 @@
           <a:p>
             <a:fld id="{95A7C2C1-01F5-47C0-8773-A38930127B25}" type="datetimeFigureOut">
               <a:rPr lang="pt-BR" smtClean="0"/>
-              <a:t>10/12/2017</a:t>
+              <a:t>11/12/2017</a:t>
             </a:fld>
             <a:endParaRPr lang="pt-BR"/>
           </a:p>
@@ -6519,7 +6526,7 @@
           <a:p>
             <a:fld id="{95A7C2C1-01F5-47C0-8773-A38930127B25}" type="datetimeFigureOut">
               <a:rPr lang="pt-BR" smtClean="0"/>
-              <a:t>10/12/2017</a:t>
+              <a:t>11/12/2017</a:t>
             </a:fld>
             <a:endParaRPr lang="pt-BR"/>
           </a:p>
@@ -6682,7 +6689,7 @@
           <a:p>
             <a:fld id="{95A7C2C1-01F5-47C0-8773-A38930127B25}" type="datetimeFigureOut">
               <a:rPr lang="pt-BR" smtClean="0"/>
-              <a:t>10/12/2017</a:t>
+              <a:t>11/12/2017</a:t>
             </a:fld>
             <a:endParaRPr lang="pt-BR"/>
           </a:p>
@@ -7072,7 +7079,7 @@
           <a:p>
             <a:fld id="{95A7C2C1-01F5-47C0-8773-A38930127B25}" type="datetimeFigureOut">
               <a:rPr lang="pt-BR" smtClean="0"/>
-              <a:t>10/12/2017</a:t>
+              <a:t>11/12/2017</a:t>
             </a:fld>
             <a:endParaRPr lang="pt-BR"/>
           </a:p>
@@ -7481,7 +7488,7 @@
           <a:p>
             <a:fld id="{95A7C2C1-01F5-47C0-8773-A38930127B25}" type="datetimeFigureOut">
               <a:rPr lang="pt-BR" smtClean="0"/>
-              <a:t>10/12/2017</a:t>
+              <a:t>11/12/2017</a:t>
             </a:fld>
             <a:endParaRPr lang="pt-BR"/>
           </a:p>
@@ -7744,7 +7751,7 @@
           <a:p>
             <a:fld id="{95A7C2C1-01F5-47C0-8773-A38930127B25}" type="datetimeFigureOut">
               <a:rPr lang="pt-BR" smtClean="0"/>
-              <a:t>10/12/2017</a:t>
+              <a:t>11/12/2017</a:t>
             </a:fld>
             <a:endParaRPr lang="pt-BR"/>
           </a:p>
@@ -8839,11 +8846,12 @@
           <a:p>
             <a:r>
               <a:rPr lang="pt-BR" dirty="0"/>
-              <a:t>É necessário garantir que um novo código esteja apto a ser disponibilizado frequentemente. Controlando as construções, versionamento, validações e testes. Para que o processo de frequentes alterações parciais enteja disponível de maneira automática e com garantia de que a plataforma funcione como esperado. A Figura 3 demonstra os processos realizados na Integração Contínua.</a:t>
-            </a:r>
-          </a:p>
-          <a:p>
-            <a:endParaRPr lang="pt-BR" dirty="0"/>
+              <a:t>É necessário garantir que um novo código esteja apto a ser disponibilizado frequentemente. Controlando as construções, versionamento, validações e testes. Para que o processo de frequentes alterações parciais enteja disponível de maneira </a:t>
+            </a:r>
+            <a:r>
+              <a:rPr lang="pt-BR" dirty="0" smtClean="0"/>
+              <a:t>automática.</a:t>
+            </a:r>
           </a:p>
         </p:txBody>
       </p:sp>
@@ -8869,8 +8877,8 @@
         </p:blipFill>
         <p:spPr>
           <a:xfrm>
-            <a:off x="6712782" y="4429121"/>
-            <a:ext cx="3581400" cy="2009775"/>
+            <a:off x="6400800" y="4023361"/>
+            <a:ext cx="5055976" cy="2611480"/>
           </a:xfrm>
           <a:prstGeom prst="rect">
             <a:avLst/>
@@ -9624,106 +9632,42 @@
           <a:lstStyle/>
           <a:p>
             <a:r>
-              <a:rPr lang="pt-BR" dirty="0" err="1" smtClean="0"/>
-              <a:t>Tomcat</a:t>
-            </a:r>
-            <a:r>
-              <a:rPr lang="pt-BR" dirty="0"/>
-              <a:t>-</a:t>
-            </a:r>
-            <a:r>
-              <a:rPr lang="pt-BR" dirty="0" smtClean="0"/>
-              <a:t>Back</a:t>
+              <a:rPr lang="pt-BR" dirty="0" err="1"/>
+              <a:t>Mapskills-Cadvisor</a:t>
             </a:r>
             <a:endParaRPr lang="pt-BR" dirty="0"/>
           </a:p>
         </p:txBody>
       </p:sp>
-      <p:sp>
-        <p:nvSpPr>
-          <p:cNvPr id="3" name="Espaço Reservado para Conteúdo 2"/>
-          <p:cNvSpPr>
-            <a:spLocks noGrp="1"/>
-          </p:cNvSpPr>
+      <p:pic>
+        <p:nvPicPr>
+          <p:cNvPr id="4" name="Espaço Reservado para Conteúdo 3"/>
+          <p:cNvPicPr>
+            <a:picLocks noGrp="1" noChangeAspect="1"/>
+          </p:cNvPicPr>
           <p:nvPr>
             <p:ph idx="1"/>
           </p:nvPr>
-        </p:nvSpPr>
-        <p:spPr/>
-        <p:txBody>
-          <a:bodyPr/>
-          <a:lstStyle/>
-          <a:p>
-            <a:pPr hangingPunct="0"/>
-            <a:r>
-              <a:rPr lang="pt-BR" dirty="0"/>
-              <a:t>Container responsável por conter o projeto Java de </a:t>
-            </a:r>
-            <a:r>
-              <a:rPr lang="pt-BR" i="1" dirty="0" err="1"/>
-              <a:t>back-end</a:t>
-            </a:r>
-            <a:r>
-              <a:rPr lang="pt-BR" dirty="0"/>
-              <a:t>, </a:t>
-            </a:r>
-            <a:r>
-              <a:rPr lang="pt-BR" i="1" dirty="0" err="1"/>
-              <a:t>mapskills.war</a:t>
-            </a:r>
-            <a:r>
-              <a:rPr lang="pt-BR" dirty="0"/>
-              <a:t>. Neste container está instalado o Java na versão 1.8 e o </a:t>
-            </a:r>
-            <a:r>
-              <a:rPr lang="pt-BR" dirty="0" err="1"/>
-              <a:t>Tomcat</a:t>
-            </a:r>
-            <a:r>
-              <a:rPr lang="pt-BR" dirty="0"/>
-              <a:t> na versão 8.5, para criação deste container foi utilizada uma Imagem </a:t>
-            </a:r>
-            <a:r>
-              <a:rPr lang="pt-BR" dirty="0" err="1"/>
-              <a:t>Alpine</a:t>
-            </a:r>
-            <a:r>
-              <a:rPr lang="pt-BR" dirty="0"/>
-              <a:t>, pois reduziu significativamente o tamanho da imagem, rodando apenas um processo Java.</a:t>
-            </a:r>
-          </a:p>
-          <a:p>
-            <a:pPr hangingPunct="0"/>
-            <a:r>
-              <a:rPr lang="pt-BR" dirty="0" smtClean="0"/>
-              <a:t>Para </a:t>
-            </a:r>
-            <a:r>
-              <a:rPr lang="pt-BR" dirty="0"/>
-              <a:t>se encaminhar uma requisição ao </a:t>
-            </a:r>
-            <a:r>
-              <a:rPr lang="pt-BR" i="1" dirty="0" err="1"/>
-              <a:t>back-end</a:t>
-            </a:r>
-            <a:r>
-              <a:rPr lang="pt-BR" dirty="0"/>
-              <a:t> é necessário acessar aplicação através da url: http://ip_do_host:8080/</a:t>
-            </a:r>
-            <a:r>
-              <a:rPr lang="pt-BR" i="1" dirty="0"/>
-              <a:t>mapskills</a:t>
-            </a:r>
-            <a:endParaRPr lang="pt-BR" dirty="0"/>
-          </a:p>
-          <a:p>
-            <a:endParaRPr lang="pt-BR" dirty="0"/>
-          </a:p>
-        </p:txBody>
-      </p:sp>
-      <p:sp>
-        <p:nvSpPr>
-          <p:cNvPr id="4" name="Retângulo 3"/>
+        </p:nvPicPr>
+        <p:blipFill>
+          <a:blip r:embed="rId2"/>
+          <a:stretch>
+            <a:fillRect/>
+          </a:stretch>
+        </p:blipFill>
+        <p:spPr>
+          <a:xfrm>
+            <a:off x="2377441" y="2611120"/>
+            <a:ext cx="6805748" cy="3763554"/>
+          </a:xfrm>
+          <a:prstGeom prst="rect">
+            <a:avLst/>
+          </a:prstGeom>
+        </p:spPr>
+      </p:pic>
+      <p:sp>
+        <p:nvSpPr>
+          <p:cNvPr id="5" name="Retângulo 4"/>
           <p:cNvSpPr/>
           <p:nvPr/>
         </p:nvSpPr>
@@ -9757,7 +9701,7 @@
     </p:spTree>
     <p:extLst>
       <p:ext uri="{BB962C8B-B14F-4D97-AF65-F5344CB8AC3E}">
-        <p14:creationId xmlns:p14="http://schemas.microsoft.com/office/powerpoint/2010/main" val="3385733950"/>
+        <p14:creationId xmlns:p14="http://schemas.microsoft.com/office/powerpoint/2010/main" val="3599699526"/>
       </p:ext>
     </p:extLst>
   </p:cSld>
@@ -9804,8 +9748,12 @@
               <a:t>Tomcat</a:t>
             </a:r>
             <a:r>
+              <a:rPr lang="pt-BR" dirty="0"/>
+              <a:t>-</a:t>
+            </a:r>
+            <a:r>
               <a:rPr lang="pt-BR" dirty="0" smtClean="0"/>
-              <a:t>-Front</a:t>
+              <a:t>Back</a:t>
             </a:r>
             <a:endParaRPr lang="pt-BR" dirty="0"/>
           </a:p>
@@ -9829,15 +9777,23 @@
             <a:pPr hangingPunct="0"/>
             <a:r>
               <a:rPr lang="pt-BR" dirty="0"/>
-              <a:t>Container responsável por conter o projeto de Interface Front-Web, </a:t>
-            </a:r>
-            <a:r>
-              <a:rPr lang="pt-BR" dirty="0" err="1"/>
-              <a:t>mapskills-web.war</a:t>
-            </a:r>
-            <a:r>
-              <a:rPr lang="pt-BR" dirty="0"/>
-              <a:t>. Neste container também está instalado o Java na versão 1.8 e o </a:t>
+              <a:t>Container responsável por conter o projeto Java de </a:t>
+            </a:r>
+            <a:r>
+              <a:rPr lang="pt-BR" i="1" dirty="0" err="1"/>
+              <a:t>back-end</a:t>
+            </a:r>
+            <a:r>
+              <a:rPr lang="pt-BR" dirty="0"/>
+              <a:t>, </a:t>
+            </a:r>
+            <a:r>
+              <a:rPr lang="pt-BR" i="1" dirty="0" err="1"/>
+              <a:t>mapskills.war</a:t>
+            </a:r>
+            <a:r>
+              <a:rPr lang="pt-BR" dirty="0"/>
+              <a:t>. Neste container está instalado o Java na versão 1.8 e o </a:t>
             </a:r>
             <a:r>
               <a:rPr lang="pt-BR" dirty="0" err="1"/>
@@ -9848,32 +9804,43 @@
               <a:t> na versão 8.5, para criação deste container foi utilizada uma Imagem </a:t>
             </a:r>
             <a:r>
-              <a:rPr lang="pt-BR" i="1" dirty="0" err="1"/>
+              <a:rPr lang="pt-BR" dirty="0" err="1"/>
               <a:t>Alpine</a:t>
             </a:r>
             <a:r>
               <a:rPr lang="pt-BR" dirty="0"/>
-              <a:t>, pois reduziu significativamente o tamanho da imagem, rodando apenas um processo Java.</a:t>
-            </a:r>
+              <a:t>, pois reduziu significativamente o tamanho da imagem, rodando apenas um processo Java</a:t>
+            </a:r>
+            <a:r>
+              <a:rPr lang="pt-BR" dirty="0" smtClean="0"/>
+              <a:t>.</a:t>
+            </a:r>
+          </a:p>
+          <a:p>
+            <a:pPr marL="0" indent="0" hangingPunct="0">
+              <a:buNone/>
+            </a:pPr>
+            <a:endParaRPr lang="pt-BR" dirty="0"/>
           </a:p>
           <a:p>
             <a:pPr hangingPunct="0"/>
             <a:r>
+              <a:rPr lang="pt-BR" dirty="0" err="1" smtClean="0"/>
+              <a:t>Url</a:t>
+            </a:r>
+            <a:r>
               <a:rPr lang="pt-BR" dirty="0" smtClean="0"/>
-              <a:t>Para </a:t>
-            </a:r>
-            <a:r>
-              <a:rPr lang="pt-BR" dirty="0"/>
-              <a:t>se encaminhar uma requisição ao front-</a:t>
-            </a:r>
-            <a:r>
-              <a:rPr lang="pt-BR" dirty="0" err="1"/>
-              <a:t>end</a:t>
-            </a:r>
-            <a:r>
-              <a:rPr lang="pt-BR" dirty="0"/>
-              <a:t> é necessário acessar aplicação através da url: http://ip_do_host:80/mapskills-web</a:t>
-            </a:r>
+              <a:t> de acesso a API: http</a:t>
+            </a:r>
+            <a:r>
+              <a:rPr lang="pt-BR" dirty="0"/>
+              <a:t>://ip_do_host:8080/</a:t>
+            </a:r>
+            <a:r>
+              <a:rPr lang="pt-BR" i="1" dirty="0"/>
+              <a:t>mapskills</a:t>
+            </a:r>
+            <a:endParaRPr lang="pt-BR" dirty="0"/>
           </a:p>
           <a:p>
             <a:endParaRPr lang="pt-BR" dirty="0"/>
@@ -9916,7 +9883,7 @@
     </p:spTree>
     <p:extLst>
       <p:ext uri="{BB962C8B-B14F-4D97-AF65-F5344CB8AC3E}">
-        <p14:creationId xmlns:p14="http://schemas.microsoft.com/office/powerpoint/2010/main" val="1993514350"/>
+        <p14:creationId xmlns:p14="http://schemas.microsoft.com/office/powerpoint/2010/main" val="3385733950"/>
       </p:ext>
     </p:extLst>
   </p:cSld>
@@ -9960,7 +9927,11 @@
           <a:p>
             <a:r>
               <a:rPr lang="pt-BR" dirty="0" err="1" smtClean="0"/>
-              <a:t>Mapskills-Mysql</a:t>
+              <a:t>Tomcat</a:t>
+            </a:r>
+            <a:r>
+              <a:rPr lang="pt-BR" dirty="0" smtClean="0"/>
+              <a:t>-Front</a:t>
             </a:r>
             <a:endParaRPr lang="pt-BR" dirty="0"/>
           </a:p>
@@ -9976,86 +9947,28 @@
             <p:ph idx="1"/>
           </p:nvPr>
         </p:nvSpPr>
-        <p:spPr/>
-        <p:txBody>
-          <a:bodyPr>
-            <a:normAutofit fontScale="92500" lnSpcReduction="10000"/>
-          </a:bodyPr>
+        <p:spPr>
+          <a:xfrm>
+            <a:off x="680320" y="2310748"/>
+            <a:ext cx="9613861" cy="3599316"/>
+          </a:xfrm>
+        </p:spPr>
+        <p:txBody>
+          <a:bodyPr/>
           <a:lstStyle/>
           <a:p>
             <a:pPr hangingPunct="0"/>
             <a:r>
               <a:rPr lang="pt-BR" dirty="0"/>
-              <a:t>Container responsável por armazenar todas informações referente a plataforma.</a:t>
-            </a:r>
-          </a:p>
-          <a:p>
-            <a:pPr hangingPunct="0"/>
-            <a:r>
-              <a:rPr lang="pt-BR" dirty="0" smtClean="0"/>
-              <a:t>Foi </a:t>
-            </a:r>
-            <a:r>
-              <a:rPr lang="pt-BR" dirty="0"/>
-              <a:t>configurado para permitir acesso remoto ao banco de dados, pois a aplicação pode não estar no mesmo servidor que a plataforma. Para isto, foi alterado o valor do parâmetro </a:t>
-            </a:r>
-            <a:r>
-              <a:rPr lang="pt-BR" i="1" dirty="0" err="1"/>
-              <a:t>bind-address</a:t>
-            </a:r>
-            <a:r>
-              <a:rPr lang="pt-BR" dirty="0"/>
-              <a:t> para </a:t>
-            </a:r>
-            <a:r>
-              <a:rPr lang="pt-BR" i="1" dirty="0"/>
-              <a:t>0.0.0.0 </a:t>
-            </a:r>
-            <a:r>
-              <a:rPr lang="pt-BR" dirty="0"/>
-              <a:t>no arquivo </a:t>
-            </a:r>
-            <a:r>
-              <a:rPr lang="pt-BR" i="1" dirty="0" err="1"/>
-              <a:t>my.cnf</a:t>
-            </a:r>
-            <a:r>
-              <a:rPr lang="pt-BR" i="1" dirty="0"/>
-              <a:t> </a:t>
-            </a:r>
-            <a:r>
-              <a:rPr lang="pt-BR" dirty="0"/>
-              <a:t>permitindo acesso remoto.</a:t>
-            </a:r>
-          </a:p>
-          <a:p>
-            <a:pPr hangingPunct="0"/>
-            <a:r>
-              <a:rPr lang="pt-BR" dirty="0" smtClean="0"/>
-              <a:t>Um </a:t>
-            </a:r>
-            <a:r>
-              <a:rPr lang="pt-BR" dirty="0"/>
-              <a:t>usuário com permissões para consultar, inserir, alterar ou deletar informações na Base de Dados </a:t>
+              <a:t>Container responsável por conter o projeto de Interface Front-Web, </a:t>
             </a:r>
             <a:r>
               <a:rPr lang="pt-BR" dirty="0" err="1"/>
-              <a:t>Mapskills</a:t>
-            </a:r>
-            <a:r>
-              <a:rPr lang="pt-BR" dirty="0"/>
-              <a:t> foi criado. Este é o único usuário que tem acesso remoto as informações do Banco de Dados.</a:t>
-            </a:r>
-          </a:p>
-          <a:p>
-            <a:pPr hangingPunct="0"/>
-            <a:r>
-              <a:rPr lang="pt-BR" dirty="0" smtClean="0"/>
-              <a:t>Somente </a:t>
-            </a:r>
-            <a:r>
-              <a:rPr lang="pt-BR" dirty="0"/>
-              <a:t>o Container </a:t>
+              <a:t>mapskills-web.war</a:t>
+            </a:r>
+            <a:r>
+              <a:rPr lang="pt-BR" dirty="0"/>
+              <a:t>. Neste container também está instalado o Java na versão 1.8 e o </a:t>
             </a:r>
             <a:r>
               <a:rPr lang="pt-BR" dirty="0" err="1"/>
@@ -10063,15 +9976,62 @@
             </a:r>
             <a:r>
               <a:rPr lang="pt-BR" dirty="0"/>
-              <a:t>-Back-</a:t>
+              <a:t> na versão 8.5, para criação deste container </a:t>
+            </a:r>
+            <a:r>
+              <a:rPr lang="pt-BR" dirty="0" smtClean="0"/>
+              <a:t>também foi </a:t>
+            </a:r>
+            <a:r>
+              <a:rPr lang="pt-BR" dirty="0"/>
+              <a:t>utilizada uma Imagem </a:t>
+            </a:r>
+            <a:r>
+              <a:rPr lang="pt-BR" i="1" dirty="0" err="1"/>
+              <a:t>Alpine</a:t>
+            </a:r>
+            <a:r>
+              <a:rPr lang="pt-BR" dirty="0"/>
+              <a:t>, </a:t>
+            </a:r>
+            <a:r>
+              <a:rPr lang="pt-BR" dirty="0" smtClean="0"/>
+              <a:t>rodando </a:t>
+            </a:r>
+            <a:r>
+              <a:rPr lang="pt-BR" dirty="0"/>
+              <a:t>apenas um processo Java.</a:t>
+            </a:r>
+          </a:p>
+          <a:p>
+            <a:pPr hangingPunct="0"/>
+            <a:r>
+              <a:rPr lang="pt-BR" dirty="0" smtClean="0"/>
+              <a:t>Para </a:t>
+            </a:r>
+            <a:r>
+              <a:rPr lang="pt-BR" dirty="0"/>
+              <a:t>se encaminhar uma requisição ao front-</a:t>
             </a:r>
             <a:r>
               <a:rPr lang="pt-BR" dirty="0" err="1"/>
-              <a:t>End</a:t>
-            </a:r>
-            <a:r>
-              <a:rPr lang="pt-BR" dirty="0"/>
-              <a:t> pode se comunicar com a Base de Dados, desta forma, foi isolado o acesso aos dados. </a:t>
+              <a:t>end</a:t>
+            </a:r>
+            <a:r>
+              <a:rPr lang="pt-BR" dirty="0"/>
+              <a:t> é necessário acessar aplicação através da url: </a:t>
+            </a:r>
+            <a:endParaRPr lang="pt-BR" dirty="0" smtClean="0"/>
+          </a:p>
+          <a:p>
+            <a:pPr hangingPunct="0"/>
+            <a:r>
+              <a:rPr lang="pt-BR" dirty="0" smtClean="0"/>
+              <a:t>http</a:t>
+            </a:r>
+            <a:r>
+              <a:rPr lang="pt-BR" dirty="0"/>
+              <a:t>://ip_do_host:80/mapskills-web</a:t>
             </a:r>
           </a:p>
           <a:p>
@@ -10115,7 +10075,7 @@
     </p:spTree>
     <p:extLst>
       <p:ext uri="{BB962C8B-B14F-4D97-AF65-F5344CB8AC3E}">
-        <p14:creationId xmlns:p14="http://schemas.microsoft.com/office/powerpoint/2010/main" val="3414724196"/>
+        <p14:creationId xmlns:p14="http://schemas.microsoft.com/office/powerpoint/2010/main" val="1993514350"/>
       </p:ext>
     </p:extLst>
   </p:cSld>
@@ -10159,7 +10119,7 @@
           <a:p>
             <a:r>
               <a:rPr lang="pt-BR" dirty="0" err="1" smtClean="0"/>
-              <a:t>Mapskills-Haproxy</a:t>
+              <a:t>Mapskills-Mysql</a:t>
             </a:r>
             <a:endParaRPr lang="pt-BR" dirty="0"/>
           </a:p>
@@ -10178,76 +10138,99 @@
         <p:spPr/>
         <p:txBody>
           <a:bodyPr>
-            <a:normAutofit fontScale="70000" lnSpcReduction="20000"/>
+            <a:normAutofit/>
           </a:bodyPr>
           <a:lstStyle/>
           <a:p>
             <a:pPr hangingPunct="0"/>
             <a:r>
               <a:rPr lang="pt-BR" dirty="0"/>
-              <a:t>O </a:t>
-            </a:r>
-            <a:r>
-              <a:rPr lang="pt-BR" dirty="0" err="1"/>
-              <a:t>Haproxy</a:t>
-            </a:r>
-            <a:r>
-              <a:rPr lang="pt-BR" dirty="0"/>
-              <a:t> tem a finalidade gerenciar todas requisições HTTP destinadas ao </a:t>
-            </a:r>
-            <a:r>
-              <a:rPr lang="pt-BR" dirty="0" err="1"/>
-              <a:t>Mapskills-app</a:t>
-            </a:r>
-            <a:r>
-              <a:rPr lang="pt-BR" dirty="0"/>
-              <a:t>, realizando o balanceamento de carga entre os containers do </a:t>
+              <a:t>Container responsável por armazenar todas informações referente a plataforma.</a:t>
+            </a:r>
+          </a:p>
+          <a:p>
+            <a:pPr hangingPunct="0"/>
+            <a:r>
+              <a:rPr lang="pt-BR" dirty="0" smtClean="0"/>
+              <a:t>Foi </a:t>
+            </a:r>
+            <a:r>
+              <a:rPr lang="pt-BR" dirty="0"/>
+              <a:t>configurado </a:t>
+            </a:r>
+            <a:r>
+              <a:rPr lang="pt-BR" dirty="0" smtClean="0"/>
+              <a:t>o </a:t>
+            </a:r>
+            <a:r>
+              <a:rPr lang="pt-BR" dirty="0"/>
+              <a:t>valor do parâmetro </a:t>
             </a:r>
             <a:r>
               <a:rPr lang="pt-BR" i="1" dirty="0" err="1"/>
-              <a:t>back</a:t>
+              <a:t>bind-address</a:t>
+            </a:r>
+            <a:r>
+              <a:rPr lang="pt-BR" dirty="0"/>
+              <a:t> para </a:t>
             </a:r>
             <a:r>
               <a:rPr lang="pt-BR" i="1" dirty="0"/>
-              <a:t>-end</a:t>
-            </a:r>
-            <a:r>
-              <a:rPr lang="pt-BR" dirty="0"/>
-              <a:t>. </a:t>
+              <a:t>0.0.0.0 </a:t>
+            </a:r>
+            <a:r>
+              <a:rPr lang="pt-BR" dirty="0"/>
+              <a:t>no arquivo </a:t>
+            </a:r>
+            <a:r>
+              <a:rPr lang="pt-BR" i="1" dirty="0" err="1"/>
+              <a:t>my.cnf</a:t>
+            </a:r>
+            <a:r>
+              <a:rPr lang="pt-BR" i="1" dirty="0"/>
+              <a:t> </a:t>
+            </a:r>
+            <a:r>
+              <a:rPr lang="pt-BR" dirty="0"/>
+              <a:t>permitindo acesso remoto.</a:t>
             </a:r>
           </a:p>
           <a:p>
             <a:pPr hangingPunct="0"/>
             <a:r>
               <a:rPr lang="pt-BR" dirty="0" smtClean="0"/>
-              <a:t>Para </a:t>
-            </a:r>
-            <a:r>
-              <a:rPr lang="pt-BR" dirty="0"/>
-              <a:t>isto, o </a:t>
-            </a:r>
-            <a:r>
-              <a:rPr lang="pt-BR" dirty="0" err="1"/>
-              <a:t>Haproxy</a:t>
-            </a:r>
-            <a:r>
-              <a:rPr lang="pt-BR" dirty="0"/>
-              <a:t> utiliza do algoritmo Round Robin, este algoritmo tratar os servers como iguais, independente do número de conexões solicitadas, sempre redirecionando a próxima requisição ao server seguinte, desta forma, todos servers terão o mesmo número de conexões. </a:t>
+              <a:t>Usuário </a:t>
+            </a:r>
+            <a:r>
+              <a:rPr lang="pt-BR" dirty="0" err="1" smtClean="0"/>
+              <a:t>mapskills</a:t>
+            </a:r>
+            <a:r>
+              <a:rPr lang="pt-BR" dirty="0" smtClean="0"/>
+              <a:t>: consultar</a:t>
+            </a:r>
+            <a:r>
+              <a:rPr lang="pt-BR" dirty="0"/>
+              <a:t>, inserir, alterar ou deletar informações na Base de Dados </a:t>
+            </a:r>
+            <a:r>
+              <a:rPr lang="pt-BR" dirty="0" err="1" smtClean="0"/>
+              <a:t>Mapskills</a:t>
+            </a:r>
+            <a:r>
+              <a:rPr lang="pt-BR" dirty="0" smtClean="0"/>
+              <a:t>.</a:t>
             </a:r>
           </a:p>
           <a:p>
             <a:pPr hangingPunct="0"/>
             <a:r>
               <a:rPr lang="pt-BR" dirty="0" smtClean="0"/>
-              <a:t>O </a:t>
-            </a:r>
-            <a:r>
-              <a:rPr lang="pt-BR" dirty="0" err="1"/>
-              <a:t>Haproxy</a:t>
-            </a:r>
-            <a:r>
-              <a:rPr lang="pt-BR" dirty="0"/>
-              <a:t> trabalha como um Proxy Reverso, recebendo todas requisições através da porta 80 e redirecionando internamente a porta 8080 destinada ao </a:t>
+              <a:t>Somente </a:t>
+            </a:r>
+            <a:r>
+              <a:rPr lang="pt-BR" dirty="0"/>
+              <a:t>o Container </a:t>
             </a:r>
             <a:r>
               <a:rPr lang="pt-BR" dirty="0" err="1"/>
@@ -10255,42 +10238,15 @@
             </a:r>
             <a:r>
               <a:rPr lang="pt-BR" dirty="0"/>
-              <a:t> que contém o </a:t>
+              <a:t>-Back-</a:t>
             </a:r>
             <a:r>
               <a:rPr lang="pt-BR" dirty="0" err="1"/>
-              <a:t>mapskills-war</a:t>
-            </a:r>
-            <a:r>
-              <a:rPr lang="pt-BR" dirty="0"/>
-              <a:t>. O balanceamento de carga utilizado e de camada 4 (camada de transporte) da tabela OSI, encaminhando o tráfego do usuário com base no alcance e na porta do IP, no caso definida como 80.</a:t>
-            </a:r>
-          </a:p>
-          <a:p>
-            <a:pPr hangingPunct="0"/>
-            <a:r>
-              <a:rPr lang="pt-BR" dirty="0" smtClean="0"/>
-              <a:t>Além </a:t>
-            </a:r>
-            <a:r>
-              <a:rPr lang="pt-BR" dirty="0"/>
-              <a:t>de controlar as requisições o </a:t>
-            </a:r>
-            <a:r>
-              <a:rPr lang="pt-BR" dirty="0" err="1"/>
-              <a:t>Haproxy</a:t>
-            </a:r>
-            <a:r>
-              <a:rPr lang="pt-BR" dirty="0"/>
-              <a:t> exibe também fornece um </a:t>
-            </a:r>
-            <a:r>
-              <a:rPr lang="pt-BR" dirty="0" err="1"/>
-              <a:t>Dashboard</a:t>
-            </a:r>
-            <a:r>
-              <a:rPr lang="pt-BR" dirty="0"/>
-              <a:t> para visualização dos servers, números de requisições com sucesso e falha, bem como saber em tempo real a quantidade de Kbps que foi trafegada pela rede, conforme figura abaixo.</a:t>
+              <a:t>End</a:t>
+            </a:r>
+            <a:r>
+              <a:rPr lang="pt-BR" dirty="0"/>
+              <a:t> pode se comunicar com a Base de Dados, desta forma, foi isolado o acesso aos dados. </a:t>
             </a:r>
           </a:p>
           <a:p>
@@ -10334,7 +10290,7 @@
     </p:spTree>
     <p:extLst>
       <p:ext uri="{BB962C8B-B14F-4D97-AF65-F5344CB8AC3E}">
-        <p14:creationId xmlns:p14="http://schemas.microsoft.com/office/powerpoint/2010/main" val="1443225755"/>
+        <p14:creationId xmlns:p14="http://schemas.microsoft.com/office/powerpoint/2010/main" val="3414724196"/>
       </p:ext>
     </p:extLst>
   </p:cSld>
@@ -10384,35 +10340,130 @@
           </a:p>
         </p:txBody>
       </p:sp>
-      <p:pic>
-        <p:nvPicPr>
-          <p:cNvPr id="4" name="Figura4"/>
-          <p:cNvPicPr>
-            <a:picLocks noGrp="1"/>
-          </p:cNvPicPr>
+      <p:sp>
+        <p:nvSpPr>
+          <p:cNvPr id="3" name="Espaço Reservado para Conteúdo 2"/>
+          <p:cNvSpPr>
+            <a:spLocks noGrp="1"/>
+          </p:cNvSpPr>
           <p:nvPr>
             <p:ph idx="1"/>
           </p:nvPr>
-        </p:nvPicPr>
-        <p:blipFill>
-          <a:blip r:embed="rId2"/>
-          <a:stretch>
-            <a:fillRect/>
-          </a:stretch>
-        </p:blipFill>
-        <p:spPr bwMode="auto">
-          <a:xfrm>
-            <a:off x="1410789" y="2336800"/>
-            <a:ext cx="8386353" cy="3598863"/>
-          </a:xfrm>
-          <a:prstGeom prst="rect">
-            <a:avLst/>
-          </a:prstGeom>
-        </p:spPr>
-      </p:pic>
-      <p:sp>
-        <p:nvSpPr>
-          <p:cNvPr id="5" name="Retângulo 4"/>
+        </p:nvSpPr>
+        <p:spPr/>
+        <p:txBody>
+          <a:bodyPr>
+            <a:normAutofit fontScale="77500" lnSpcReduction="20000"/>
+          </a:bodyPr>
+          <a:lstStyle/>
+          <a:p>
+            <a:pPr hangingPunct="0"/>
+            <a:r>
+              <a:rPr lang="pt-BR" dirty="0"/>
+              <a:t>O </a:t>
+            </a:r>
+            <a:r>
+              <a:rPr lang="pt-BR" dirty="0" err="1"/>
+              <a:t>Haproxy</a:t>
+            </a:r>
+            <a:r>
+              <a:rPr lang="pt-BR" dirty="0"/>
+              <a:t> tem a finalidade gerenciar todas requisições HTTP destinadas ao </a:t>
+            </a:r>
+            <a:r>
+              <a:rPr lang="pt-BR" dirty="0" err="1"/>
+              <a:t>Mapskills-app</a:t>
+            </a:r>
+            <a:r>
+              <a:rPr lang="pt-BR" dirty="0"/>
+              <a:t>, realizando o balanceamento de carga entre os containers do </a:t>
+            </a:r>
+            <a:r>
+              <a:rPr lang="pt-BR" i="1" dirty="0" err="1"/>
+              <a:t>back</a:t>
+            </a:r>
+            <a:r>
+              <a:rPr lang="pt-BR" i="1" dirty="0"/>
+              <a:t>-end</a:t>
+            </a:r>
+            <a:r>
+              <a:rPr lang="pt-BR" dirty="0"/>
+              <a:t>. </a:t>
+            </a:r>
+          </a:p>
+          <a:p>
+            <a:pPr hangingPunct="0"/>
+            <a:r>
+              <a:rPr lang="pt-BR" dirty="0" smtClean="0"/>
+              <a:t>Algoritmo Round </a:t>
+            </a:r>
+            <a:r>
+              <a:rPr lang="pt-BR" dirty="0"/>
+              <a:t>Robin, este algoritmo tratar os servers como iguais, independente do número de conexões solicitadas, sempre redirecionando a próxima requisição ao server seguinte, desta forma, todos servers terão o mesmo número de conexões. </a:t>
+            </a:r>
+          </a:p>
+          <a:p>
+            <a:pPr hangingPunct="0"/>
+            <a:r>
+              <a:rPr lang="pt-BR" dirty="0" smtClean="0"/>
+              <a:t>O </a:t>
+            </a:r>
+            <a:r>
+              <a:rPr lang="pt-BR" dirty="0" err="1"/>
+              <a:t>Haproxy</a:t>
+            </a:r>
+            <a:r>
+              <a:rPr lang="pt-BR" dirty="0"/>
+              <a:t> trabalha como um Proxy Reverso, recebendo todas requisições através da porta 80 e redirecionando internamente a porta 8080 destinada ao </a:t>
+            </a:r>
+            <a:r>
+              <a:rPr lang="pt-BR" dirty="0" err="1"/>
+              <a:t>Tomcat</a:t>
+            </a:r>
+            <a:r>
+              <a:rPr lang="pt-BR" dirty="0"/>
+              <a:t> que contém o </a:t>
+            </a:r>
+            <a:r>
+              <a:rPr lang="pt-BR" dirty="0" err="1"/>
+              <a:t>mapskills-war</a:t>
+            </a:r>
+            <a:r>
+              <a:rPr lang="pt-BR" dirty="0"/>
+              <a:t>. O balanceamento de carga utilizado </a:t>
+            </a:r>
+            <a:r>
+              <a:rPr lang="pt-BR" dirty="0" smtClean="0"/>
+              <a:t>é </a:t>
+            </a:r>
+            <a:r>
+              <a:rPr lang="pt-BR" dirty="0"/>
+              <a:t>de camada 4 (camada de transporte) da tabela OSI, encaminhando o tráfego do usuário com base no alcance e na porta do IP, no caso definida como 80.</a:t>
+            </a:r>
+          </a:p>
+          <a:p>
+            <a:pPr hangingPunct="0"/>
+            <a:r>
+              <a:rPr lang="pt-BR" dirty="0" err="1" smtClean="0"/>
+              <a:t>Dashboard</a:t>
+            </a:r>
+            <a:r>
+              <a:rPr lang="pt-BR" dirty="0" smtClean="0"/>
+              <a:t> </a:t>
+            </a:r>
+            <a:r>
+              <a:rPr lang="pt-BR" dirty="0"/>
+              <a:t>para visualização dos servers, números de requisições com sucesso e falha, bem como saber em tempo real a quantidade de Kbps que foi trafegada pela rede, conforme figura abaixo.</a:t>
+            </a:r>
+          </a:p>
+          <a:p>
+            <a:endParaRPr lang="pt-BR" dirty="0"/>
+          </a:p>
+        </p:txBody>
+      </p:sp>
+      <p:sp>
+        <p:nvSpPr>
+          <p:cNvPr id="4" name="Retângulo 3"/>
           <p:cNvSpPr/>
           <p:nvPr/>
         </p:nvSpPr>
@@ -10446,7 +10497,7 @@
     </p:spTree>
     <p:extLst>
       <p:ext uri="{BB962C8B-B14F-4D97-AF65-F5344CB8AC3E}">
-        <p14:creationId xmlns:p14="http://schemas.microsoft.com/office/powerpoint/2010/main" val="1829818420"/>
+        <p14:creationId xmlns:p14="http://schemas.microsoft.com/office/powerpoint/2010/main" val="1443225755"/>
       </p:ext>
     </p:extLst>
   </p:cSld>
@@ -10490,180 +10541,41 @@
           <a:p>
             <a:r>
               <a:rPr lang="pt-BR" dirty="0" err="1" smtClean="0"/>
-              <a:t>Docker-Compose</a:t>
+              <a:t>Mapskills-Haproxy</a:t>
             </a:r>
             <a:endParaRPr lang="pt-BR" dirty="0"/>
           </a:p>
         </p:txBody>
       </p:sp>
-      <p:sp>
-        <p:nvSpPr>
-          <p:cNvPr id="3" name="Espaço Reservado para Conteúdo 2"/>
-          <p:cNvSpPr>
-            <a:spLocks noGrp="1"/>
-          </p:cNvSpPr>
+      <p:pic>
+        <p:nvPicPr>
+          <p:cNvPr id="4" name="Figura4"/>
+          <p:cNvPicPr>
+            <a:picLocks noGrp="1"/>
+          </p:cNvPicPr>
           <p:nvPr>
             <p:ph idx="1"/>
           </p:nvPr>
-        </p:nvSpPr>
-        <p:spPr/>
-        <p:txBody>
-          <a:bodyPr>
-            <a:normAutofit fontScale="85000" lnSpcReduction="20000"/>
-          </a:bodyPr>
-          <a:lstStyle/>
-          <a:p>
-            <a:pPr hangingPunct="0"/>
-            <a:r>
-              <a:rPr lang="pt-BR" dirty="0"/>
-              <a:t>Este arquivo de configuração tem a finalidade de automatizar a implantação de todo ambiente de produção necessário para que o </a:t>
-            </a:r>
-            <a:r>
-              <a:rPr lang="pt-BR" dirty="0" err="1"/>
-              <a:t>Mapskills</a:t>
-            </a:r>
-            <a:r>
-              <a:rPr lang="pt-BR" dirty="0"/>
-              <a:t> funcione. O arquivo </a:t>
-            </a:r>
-            <a:r>
-              <a:rPr lang="pt-BR" dirty="0" err="1"/>
-              <a:t>docker-compose.yml</a:t>
-            </a:r>
-            <a:r>
-              <a:rPr lang="pt-BR" dirty="0"/>
-              <a:t> criara e iniciara todos serviços definidos.</a:t>
-            </a:r>
-          </a:p>
-          <a:p>
-            <a:pPr hangingPunct="0"/>
-            <a:r>
-              <a:rPr lang="pt-BR" dirty="0" smtClean="0"/>
-              <a:t>Para </a:t>
-            </a:r>
-            <a:r>
-              <a:rPr lang="pt-BR" dirty="0"/>
-              <a:t>separar o software </a:t>
-            </a:r>
-            <a:r>
-              <a:rPr lang="pt-BR" dirty="0" err="1"/>
-              <a:t>Mapskills</a:t>
-            </a:r>
-            <a:r>
-              <a:rPr lang="pt-BR" dirty="0"/>
-              <a:t> dos aplicativos que realizam o gerenciamento da aplicação, foi necessário criar dois arquivos. Em um arquivo </a:t>
-            </a:r>
-            <a:r>
-              <a:rPr lang="pt-BR" dirty="0" err="1"/>
-              <a:t>docker-compose</a:t>
-            </a:r>
-            <a:r>
-              <a:rPr lang="pt-BR" dirty="0"/>
-              <a:t> será responsável por gerenciar as aplicações </a:t>
-            </a:r>
-            <a:r>
-              <a:rPr lang="pt-BR" dirty="0" err="1"/>
-              <a:t>Jenkins</a:t>
-            </a:r>
-            <a:r>
-              <a:rPr lang="pt-BR" dirty="0"/>
-              <a:t>, </a:t>
-            </a:r>
-            <a:r>
-              <a:rPr lang="pt-BR" dirty="0" err="1"/>
-              <a:t>Cavisor</a:t>
-            </a:r>
-            <a:r>
-              <a:rPr lang="pt-BR" dirty="0"/>
-              <a:t> e o Banco de Dados </a:t>
-            </a:r>
-            <a:r>
-              <a:rPr lang="pt-BR" dirty="0" err="1"/>
-              <a:t>Mysql</a:t>
-            </a:r>
-            <a:r>
-              <a:rPr lang="pt-BR" dirty="0"/>
-              <a:t>. </a:t>
-            </a:r>
-          </a:p>
-          <a:p>
-            <a:pPr hangingPunct="0"/>
-            <a:r>
-              <a:rPr lang="pt-BR" dirty="0" smtClean="0"/>
-              <a:t>Este </a:t>
-            </a:r>
-            <a:r>
-              <a:rPr lang="pt-BR" dirty="0"/>
-              <a:t>arquivo localizado no diretório /</a:t>
-            </a:r>
-            <a:r>
-              <a:rPr lang="pt-BR" dirty="0" err="1"/>
-              <a:t>opt</a:t>
-            </a:r>
-            <a:r>
-              <a:rPr lang="pt-BR" dirty="0"/>
-              <a:t>/</a:t>
-            </a:r>
-            <a:r>
-              <a:rPr lang="pt-BR" dirty="0" err="1"/>
-              <a:t>mapskills</a:t>
-            </a:r>
-            <a:r>
-              <a:rPr lang="pt-BR" dirty="0"/>
-              <a:t>/manager, é inicializado primeiro, pois desta forma a segunda parte poderá cair, a qualquer momento que os dados pertinentes ao gerenciamento da aplicação, bem como a base de dados não serão perdidos. </a:t>
-            </a:r>
-          </a:p>
-          <a:p>
-            <a:pPr hangingPunct="0"/>
-            <a:r>
-              <a:rPr lang="pt-BR" dirty="0" smtClean="0"/>
-              <a:t>Para </a:t>
-            </a:r>
-            <a:r>
-              <a:rPr lang="pt-BR" dirty="0"/>
-              <a:t>que a segunda parte seja inicializada, é necessário que a primeira esteja com todos serviços ativos. Neste arquivo </a:t>
-            </a:r>
-            <a:r>
-              <a:rPr lang="pt-BR" dirty="0" err="1"/>
-              <a:t>docker-compose</a:t>
-            </a:r>
-            <a:r>
-              <a:rPr lang="pt-BR" dirty="0"/>
-              <a:t>, serão inicializados os containers </a:t>
-            </a:r>
-            <a:r>
-              <a:rPr lang="pt-BR" dirty="0" err="1"/>
-              <a:t>Mapkills-app</a:t>
-            </a:r>
-            <a:r>
-              <a:rPr lang="pt-BR" dirty="0"/>
-              <a:t>, </a:t>
-            </a:r>
-            <a:r>
-              <a:rPr lang="pt-BR" dirty="0" err="1"/>
-              <a:t>Mapskills</a:t>
-            </a:r>
-            <a:r>
-              <a:rPr lang="pt-BR" dirty="0"/>
-              <a:t>-web e </a:t>
-            </a:r>
-            <a:r>
-              <a:rPr lang="pt-BR" dirty="0" err="1"/>
-              <a:t>Mapkills-Haproxy</a:t>
-            </a:r>
-            <a:r>
-              <a:rPr lang="pt-BR" dirty="0"/>
-              <a:t>. </a:t>
-            </a:r>
-          </a:p>
-          <a:p>
-            <a:endParaRPr lang="pt-BR" dirty="0"/>
-          </a:p>
-        </p:txBody>
-      </p:sp>
-      <p:sp>
-        <p:nvSpPr>
-          <p:cNvPr id="4" name="Retângulo 3"/>
+        </p:nvPicPr>
+        <p:blipFill>
+          <a:blip r:embed="rId2"/>
+          <a:stretch>
+            <a:fillRect/>
+          </a:stretch>
+        </p:blipFill>
+        <p:spPr bwMode="auto">
+          <a:xfrm>
+            <a:off x="1410789" y="2336800"/>
+            <a:ext cx="8386353" cy="3598863"/>
+          </a:xfrm>
+          <a:prstGeom prst="rect">
+            <a:avLst/>
+          </a:prstGeom>
+        </p:spPr>
+      </p:pic>
+      <p:sp>
+        <p:nvSpPr>
+          <p:cNvPr id="5" name="Retângulo 4"/>
           <p:cNvSpPr/>
           <p:nvPr/>
         </p:nvSpPr>
@@ -10697,7 +10609,7 @@
     </p:spTree>
     <p:extLst>
       <p:ext uri="{BB962C8B-B14F-4D97-AF65-F5344CB8AC3E}">
-        <p14:creationId xmlns:p14="http://schemas.microsoft.com/office/powerpoint/2010/main" val="990325619"/>
+        <p14:creationId xmlns:p14="http://schemas.microsoft.com/office/powerpoint/2010/main" val="1829818420"/>
       </p:ext>
     </p:extLst>
   </p:cSld>
@@ -10740,8 +10652,8 @@
           <a:lstStyle/>
           <a:p>
             <a:r>
-              <a:rPr lang="pt-BR" dirty="0" smtClean="0"/>
-              <a:t>Links</a:t>
+              <a:rPr lang="pt-BR" dirty="0" err="1" smtClean="0"/>
+              <a:t>Docker-Compose</a:t>
             </a:r>
             <a:endParaRPr lang="pt-BR" dirty="0"/>
           </a:p>
@@ -10760,14 +10672,22 @@
         <p:spPr/>
         <p:txBody>
           <a:bodyPr>
-            <a:normAutofit fontScale="92500" lnSpcReduction="20000"/>
+            <a:normAutofit/>
           </a:bodyPr>
           <a:lstStyle/>
           <a:p>
             <a:pPr hangingPunct="0"/>
             <a:r>
               <a:rPr lang="pt-BR" dirty="0"/>
-              <a:t>Além de inicializar os serviços, o arquivo </a:t>
+              <a:t>Este arquivo de configuração tem a finalidade de automatizar a implantação de todo ambiente de produção necessário para que o </a:t>
+            </a:r>
+            <a:r>
+              <a:rPr lang="pt-BR" dirty="0" err="1"/>
+              <a:t>Mapskills</a:t>
+            </a:r>
+            <a:r>
+              <a:rPr lang="pt-BR" dirty="0"/>
+              <a:t> funcione. O arquivo </a:t>
             </a:r>
             <a:r>
               <a:rPr lang="pt-BR" dirty="0" err="1"/>
@@ -10775,148 +10695,104 @@
             </a:r>
             <a:r>
               <a:rPr lang="pt-BR" dirty="0"/>
-              <a:t> é responsável por configurar como e com quem cada um dos containers irão se comunicar, bem como os volumes necessários para cada container. </a:t>
+              <a:t> criara e iniciara todos serviços definidos.</a:t>
             </a:r>
           </a:p>
           <a:p>
             <a:pPr hangingPunct="0"/>
             <a:r>
-              <a:rPr lang="pt-BR" dirty="0"/>
-              <a:t>	Foi criado um link entre os containers </a:t>
-            </a:r>
-            <a:r>
               <a:rPr lang="pt-BR" dirty="0" err="1"/>
-              <a:t>Mapskills-app</a:t>
-            </a:r>
-            <a:r>
-              <a:rPr lang="pt-BR" dirty="0"/>
-              <a:t> e o </a:t>
+              <a:t>D</a:t>
+            </a:r>
+            <a:r>
+              <a:rPr lang="pt-BR" dirty="0" err="1" smtClean="0"/>
+              <a:t>ocker-compose</a:t>
+            </a:r>
+            <a:r>
+              <a:rPr lang="pt-BR" dirty="0" smtClean="0"/>
+              <a:t> de aplicação: </a:t>
             </a:r>
             <a:r>
               <a:rPr lang="pt-BR" dirty="0" err="1"/>
-              <a:t>Mapskills-Mysql</a:t>
-            </a:r>
-            <a:r>
-              <a:rPr lang="pt-BR" dirty="0"/>
-              <a:t>, pois desta forma o </a:t>
-            </a:r>
-            <a:r>
-              <a:rPr lang="pt-BR" i="1" dirty="0" err="1"/>
-              <a:t>back-end</a:t>
-            </a:r>
-            <a:r>
-              <a:rPr lang="pt-BR" dirty="0"/>
-              <a:t> da aplicação poderá persistir, consultar deletar ou alterar qualquer informação no banco de dados.</a:t>
+              <a:t>m</a:t>
+            </a:r>
+            <a:r>
+              <a:rPr lang="pt-BR" dirty="0" err="1" smtClean="0"/>
+              <a:t>apskill-app</a:t>
+            </a:r>
+            <a:r>
+              <a:rPr lang="pt-BR" dirty="0" smtClean="0"/>
+              <a:t>, </a:t>
+            </a:r>
+            <a:r>
+              <a:rPr lang="pt-BR" dirty="0" err="1" smtClean="0"/>
+              <a:t>mapskills</a:t>
+            </a:r>
+            <a:r>
+              <a:rPr lang="pt-BR" dirty="0" smtClean="0"/>
+              <a:t>-web, </a:t>
+            </a:r>
+            <a:r>
+              <a:rPr lang="pt-BR" dirty="0" err="1" smtClean="0"/>
+              <a:t>mapskills-Haproxy</a:t>
+            </a:r>
+            <a:r>
+              <a:rPr lang="pt-BR" dirty="0" smtClean="0"/>
+              <a:t>. </a:t>
             </a:r>
           </a:p>
           <a:p>
             <a:pPr hangingPunct="0"/>
             <a:r>
-              <a:rPr lang="pt-BR" dirty="0"/>
-              <a:t>	O link entre o container </a:t>
-            </a:r>
-            <a:r>
-              <a:rPr lang="pt-BR" dirty="0" err="1"/>
-              <a:t>Mapskills-app</a:t>
-            </a:r>
-            <a:r>
-              <a:rPr lang="pt-BR" dirty="0"/>
-              <a:t> e </a:t>
-            </a:r>
-            <a:r>
-              <a:rPr lang="pt-BR" dirty="0" err="1"/>
-              <a:t>Mapskills</a:t>
-            </a:r>
-            <a:r>
-              <a:rPr lang="pt-BR" dirty="0"/>
-              <a:t>-web para que os dados inseridos na interface web seja trafegada para o </a:t>
-            </a:r>
-            <a:r>
-              <a:rPr lang="pt-BR" i="1" dirty="0" err="1"/>
-              <a:t>back-end</a:t>
-            </a:r>
-            <a:r>
-              <a:rPr lang="pt-BR" dirty="0"/>
-              <a:t>, e assim os dados sejam manipulados.  </a:t>
-            </a:r>
-          </a:p>
-          <a:p>
-            <a:pPr hangingPunct="0"/>
-            <a:r>
-              <a:rPr lang="pt-BR" dirty="0"/>
-              <a:t>	Link entre o </a:t>
-            </a:r>
-            <a:r>
-              <a:rPr lang="pt-BR" dirty="0" err="1"/>
-              <a:t>Haproxy</a:t>
-            </a:r>
-            <a:r>
-              <a:rPr lang="pt-BR" dirty="0"/>
-              <a:t> e </a:t>
-            </a:r>
-            <a:r>
-              <a:rPr lang="pt-BR" dirty="0" err="1"/>
-              <a:t>Mapskills-app</a:t>
-            </a:r>
-            <a:r>
-              <a:rPr lang="pt-BR" dirty="0"/>
-              <a:t> para que todas requisições destinadas ao </a:t>
-            </a:r>
-            <a:r>
-              <a:rPr lang="pt-BR" dirty="0" err="1"/>
-              <a:t>Mapskills-app</a:t>
-            </a:r>
-            <a:r>
-              <a:rPr lang="pt-BR" dirty="0"/>
-              <a:t> sejam controladas pelo </a:t>
-            </a:r>
-            <a:r>
-              <a:rPr lang="pt-BR" dirty="0" err="1"/>
-              <a:t>balanceador</a:t>
-            </a:r>
-            <a:r>
-              <a:rPr lang="pt-BR" dirty="0"/>
-              <a:t> de carga. </a:t>
-            </a:r>
-          </a:p>
-          <a:p>
-            <a:endParaRPr lang="pt-BR" dirty="0"/>
-          </a:p>
-        </p:txBody>
-      </p:sp>
-      <p:pic>
-        <p:nvPicPr>
-          <p:cNvPr id="4" name="Imagem 3"/>
-          <p:cNvPicPr>
-            <a:picLocks noChangeAspect="1"/>
-          </p:cNvPicPr>
-          <p:nvPr/>
-        </p:nvPicPr>
-        <p:blipFill>
-          <a:blip r:embed="rId2">
-            <a:extLst>
-              <a:ext uri="{28A0092B-C50C-407E-A947-70E740481C1C}">
-                <a14:useLocalDpi xmlns:a14="http://schemas.microsoft.com/office/drawing/2010/main" val="0"/>
-              </a:ext>
-            </a:extLst>
-          </a:blip>
-          <a:stretch>
-            <a:fillRect/>
-          </a:stretch>
-        </p:blipFill>
-        <p:spPr>
-          <a:xfrm>
-            <a:off x="8393158" y="4476746"/>
-            <a:ext cx="3295650" cy="1962150"/>
-          </a:xfrm>
-          <a:prstGeom prst="rect">
-            <a:avLst/>
-          </a:prstGeom>
-        </p:spPr>
-      </p:pic>
-      <p:sp>
-        <p:nvSpPr>
-          <p:cNvPr id="5" name="Retângulo 4"/>
+              <a:rPr lang="pt-BR" dirty="0" err="1" smtClean="0"/>
+              <a:t>Docker-compose</a:t>
+            </a:r>
+            <a:r>
+              <a:rPr lang="pt-BR" dirty="0" smtClean="0"/>
+              <a:t> de gerenciamento: </a:t>
+            </a:r>
+            <a:r>
+              <a:rPr lang="pt-BR" dirty="0" err="1" smtClean="0"/>
+              <a:t>mapskills-jenkins</a:t>
+            </a:r>
+            <a:r>
+              <a:rPr lang="pt-BR" dirty="0"/>
+              <a:t>, </a:t>
+            </a:r>
+            <a:r>
+              <a:rPr lang="pt-BR" dirty="0" err="1" smtClean="0"/>
+              <a:t>mapskills</a:t>
+            </a:r>
+            <a:r>
+              <a:rPr lang="pt-BR" dirty="0" err="1" smtClean="0"/>
+              <a:t>-c</a:t>
+            </a:r>
+            <a:r>
+              <a:rPr lang="pt-BR" dirty="0" err="1" smtClean="0"/>
+              <a:t>avisor</a:t>
+            </a:r>
+            <a:r>
+              <a:rPr lang="pt-BR" dirty="0" smtClean="0"/>
+              <a:t> </a:t>
+            </a:r>
+            <a:r>
+              <a:rPr lang="pt-BR" dirty="0"/>
+              <a:t>e o </a:t>
+            </a:r>
+            <a:r>
+              <a:rPr lang="pt-BR" dirty="0" err="1" smtClean="0"/>
+              <a:t>mapskills-mysql</a:t>
+            </a:r>
+            <a:r>
+              <a:rPr lang="pt-BR" dirty="0"/>
+              <a:t>. </a:t>
+            </a:r>
+          </a:p>
+        </p:txBody>
+      </p:sp>
+      <p:sp>
+        <p:nvSpPr>
+          <p:cNvPr id="4" name="Retângulo 3"/>
           <p:cNvSpPr/>
           <p:nvPr/>
         </p:nvSpPr>
@@ -10950,7 +10826,7 @@
     </p:spTree>
     <p:extLst>
       <p:ext uri="{BB962C8B-B14F-4D97-AF65-F5344CB8AC3E}">
-        <p14:creationId xmlns:p14="http://schemas.microsoft.com/office/powerpoint/2010/main" val="737797116"/>
+        <p14:creationId xmlns:p14="http://schemas.microsoft.com/office/powerpoint/2010/main" val="990325619"/>
       </p:ext>
     </p:extLst>
   </p:cSld>
@@ -10994,7 +10870,7 @@
           <a:p>
             <a:r>
               <a:rPr lang="pt-BR" dirty="0" smtClean="0"/>
-              <a:t>Volumes</a:t>
+              <a:t>Links</a:t>
             </a:r>
             <a:endParaRPr lang="pt-BR" dirty="0"/>
           </a:p>
@@ -11013,30 +10889,42 @@
         <p:spPr/>
         <p:txBody>
           <a:bodyPr>
-            <a:normAutofit fontScale="70000" lnSpcReduction="20000"/>
+            <a:normAutofit/>
           </a:bodyPr>
           <a:lstStyle/>
           <a:p>
             <a:pPr hangingPunct="0"/>
             <a:r>
-              <a:rPr lang="pt-BR" dirty="0"/>
-              <a:t>Os Volumes </a:t>
+              <a:rPr lang="pt-BR" dirty="0" smtClean="0"/>
+              <a:t>Foi </a:t>
+            </a:r>
+            <a:r>
+              <a:rPr lang="pt-BR" dirty="0"/>
+              <a:t>criado um link entre os containers </a:t>
             </a:r>
             <a:r>
               <a:rPr lang="pt-BR" dirty="0" err="1"/>
-              <a:t>Docker</a:t>
-            </a:r>
-            <a:r>
-              <a:rPr lang="pt-BR" dirty="0"/>
-              <a:t> têm a finalidade de persistir os dados usados pelos Containers </a:t>
+              <a:t>Mapskills-app</a:t>
+            </a:r>
+            <a:r>
+              <a:rPr lang="pt-BR" dirty="0"/>
+              <a:t> e o </a:t>
             </a:r>
             <a:r>
               <a:rPr lang="pt-BR" dirty="0" err="1"/>
-              <a:t>Docker</a:t>
-            </a:r>
-            <a:r>
-              <a:rPr lang="pt-BR" dirty="0"/>
-              <a:t>. Cada container é responsável pelo seu volume e informação sensível ao serviço em que oferece. </a:t>
+              <a:t>Mapskills-Mysql</a:t>
+            </a:r>
+            <a:r>
+              <a:rPr lang="pt-BR" dirty="0"/>
+              <a:t>, pois desta forma </a:t>
+            </a:r>
+            <a:r>
+              <a:rPr lang="pt-BR" dirty="0" smtClean="0"/>
+              <a:t>o container terá acesso ao banco </a:t>
+            </a:r>
+            <a:r>
+              <a:rPr lang="pt-BR" dirty="0"/>
+              <a:t>de dados.</a:t>
             </a:r>
           </a:p>
           <a:p>
@@ -11046,6 +10934,10 @@
               <a:t>O </a:t>
             </a:r>
             <a:r>
+              <a:rPr lang="pt-BR" dirty="0"/>
+              <a:t>link entre o container </a:t>
+            </a:r>
+            <a:r>
               <a:rPr lang="pt-BR" dirty="0" err="1"/>
               <a:t>Mapskills-app</a:t>
             </a:r>
@@ -11059,128 +10951,62 @@
             </a:r>
             <a:r>
               <a:rPr lang="pt-BR" dirty="0"/>
-              <a:t>-web tem os volumes mapeados para que o arquivo .</a:t>
+              <a:t>-web para que os dados inseridos na interface web seja trafegada para o </a:t>
+            </a:r>
+            <a:r>
+              <a:rPr lang="pt-BR" i="1" dirty="0" err="1"/>
+              <a:t>back-end</a:t>
+            </a:r>
+            <a:r>
+              <a:rPr lang="pt-BR" dirty="0"/>
+              <a:t>, </a:t>
+            </a:r>
+            <a:r>
+              <a:rPr lang="pt-BR" dirty="0" smtClean="0"/>
+              <a:t>por meio do protocolo HTTP.</a:t>
+            </a:r>
+          </a:p>
+          <a:p>
+            <a:pPr hangingPunct="0"/>
+            <a:r>
+              <a:rPr lang="pt-BR" dirty="0" smtClean="0"/>
+              <a:t>Link </a:t>
+            </a:r>
+            <a:r>
+              <a:rPr lang="pt-BR" dirty="0"/>
+              <a:t>entre o </a:t>
             </a:r>
             <a:r>
               <a:rPr lang="pt-BR" dirty="0" err="1"/>
-              <a:t>war</a:t>
-            </a:r>
-            <a:r>
-              <a:rPr lang="pt-BR" dirty="0"/>
-              <a:t> seja atualizado pelo </a:t>
+              <a:t>Haproxy</a:t>
+            </a:r>
+            <a:r>
+              <a:rPr lang="pt-BR" dirty="0"/>
+              <a:t> e </a:t>
             </a:r>
             <a:r>
               <a:rPr lang="pt-BR" dirty="0" err="1"/>
-              <a:t>Jenkins</a:t>
-            </a:r>
-            <a:r>
-              <a:rPr lang="pt-BR" dirty="0"/>
-              <a:t> a qualquer momento, desta forma, é solucionado o problema de integração contínua, pois uma versão nova do sistema, atualizará automaticamente.</a:t>
-            </a:r>
-          </a:p>
-          <a:p>
-            <a:pPr hangingPunct="0"/>
-            <a:r>
-              <a:rPr lang="pt-BR" dirty="0" smtClean="0"/>
-              <a:t>O </a:t>
-            </a:r>
-            <a:r>
-              <a:rPr lang="pt-BR" dirty="0"/>
-              <a:t>volume </a:t>
+              <a:t>Mapskills-app</a:t>
+            </a:r>
+            <a:r>
+              <a:rPr lang="pt-BR" dirty="0"/>
+              <a:t> para que todas requisições destinadas ao </a:t>
             </a:r>
             <a:r>
               <a:rPr lang="pt-BR" dirty="0" err="1"/>
-              <a:t>Mapskills-Mysql</a:t>
-            </a:r>
-            <a:r>
-              <a:rPr lang="pt-BR" dirty="0"/>
-              <a:t> tem a finalidade de armazenar todas informações salva na base de dados, podendo assim para a execução ou mesmo excluir o container </a:t>
+              <a:t>Mapskills-app</a:t>
+            </a:r>
+            <a:r>
+              <a:rPr lang="pt-BR" dirty="0"/>
+              <a:t> sejam controladas pelo </a:t>
             </a:r>
             <a:r>
               <a:rPr lang="pt-BR" dirty="0" err="1"/>
-              <a:t>Mapskills-Mysql</a:t>
-            </a:r>
-            <a:r>
-              <a:rPr lang="pt-BR" dirty="0"/>
-              <a:t> que as informações não serão perdidas.</a:t>
-            </a:r>
-          </a:p>
-          <a:p>
-            <a:pPr hangingPunct="0"/>
-            <a:r>
-              <a:rPr lang="pt-BR" dirty="0" smtClean="0"/>
-              <a:t>Os </a:t>
-            </a:r>
-            <a:r>
-              <a:rPr lang="pt-BR" dirty="0"/>
-              <a:t>volumes utilizados no container </a:t>
-            </a:r>
-            <a:r>
-              <a:rPr lang="pt-BR" dirty="0" err="1"/>
-              <a:t>Mapkills-Jenkins</a:t>
-            </a:r>
-            <a:r>
-              <a:rPr lang="pt-BR" dirty="0"/>
-              <a:t>, tem funções importantes na solução para o requisito de Integração Contínua, pois eles formam uma comunicação entre os containers </a:t>
-            </a:r>
-            <a:r>
-              <a:rPr lang="pt-BR" dirty="0" err="1"/>
-              <a:t>Mapkills-App</a:t>
-            </a:r>
-            <a:r>
-              <a:rPr lang="pt-BR" dirty="0"/>
-              <a:t> e </a:t>
-            </a:r>
-            <a:r>
-              <a:rPr lang="pt-BR" dirty="0" err="1"/>
-              <a:t>Mapskills</a:t>
-            </a:r>
-            <a:r>
-              <a:rPr lang="pt-BR" dirty="0"/>
-              <a:t>-Web para que sejam atualizados a qualquer instante, além de compartilhar os arquivos de execução do </a:t>
-            </a:r>
-            <a:r>
-              <a:rPr lang="pt-BR" dirty="0" err="1"/>
-              <a:t>Docker</a:t>
-            </a:r>
-            <a:r>
-              <a:rPr lang="pt-BR" dirty="0"/>
-              <a:t> e </a:t>
-            </a:r>
-            <a:r>
-              <a:rPr lang="pt-BR" dirty="0" err="1"/>
-              <a:t>Docker-Compose</a:t>
-            </a:r>
-            <a:r>
-              <a:rPr lang="pt-BR" dirty="0"/>
-              <a:t>, para que possam ser executados comando de dentro do container.</a:t>
-            </a:r>
-          </a:p>
-          <a:p>
-            <a:pPr hangingPunct="0"/>
-            <a:r>
-              <a:rPr lang="pt-BR" dirty="0" smtClean="0"/>
-              <a:t>No </a:t>
-            </a:r>
-            <a:r>
-              <a:rPr lang="pt-BR" dirty="0"/>
-              <a:t>container </a:t>
-            </a:r>
-            <a:r>
-              <a:rPr lang="pt-BR" dirty="0" err="1"/>
-              <a:t>Mapskills-Cadvisor</a:t>
-            </a:r>
-            <a:r>
-              <a:rPr lang="pt-BR" dirty="0"/>
-              <a:t> são compartilhados com o host os volumes necessários para o monitoramento de dados referente ao Host e Containers </a:t>
-            </a:r>
-            <a:r>
-              <a:rPr lang="pt-BR" dirty="0" err="1"/>
-              <a:t>Docker</a:t>
-            </a:r>
-            <a:r>
-              <a:rPr lang="pt-BR" dirty="0"/>
-              <a:t>. </a:t>
+              <a:t>balanceador</a:t>
+            </a:r>
+            <a:r>
+              <a:rPr lang="pt-BR" dirty="0"/>
+              <a:t> de carga. </a:t>
             </a:r>
           </a:p>
           <a:p>
@@ -11224,7 +11050,7 @@
     </p:spTree>
     <p:extLst>
       <p:ext uri="{BB962C8B-B14F-4D97-AF65-F5344CB8AC3E}">
-        <p14:creationId xmlns:p14="http://schemas.microsoft.com/office/powerpoint/2010/main" val="1216461368"/>
+        <p14:creationId xmlns:p14="http://schemas.microsoft.com/office/powerpoint/2010/main" val="737797116"/>
       </p:ext>
     </p:extLst>
   </p:cSld>
@@ -11267,209 +11093,39 @@
           <a:lstStyle/>
           <a:p>
             <a:r>
-              <a:rPr lang="pt-BR" dirty="0" err="1" smtClean="0"/>
-              <a:t>Mapskills-Jenkins</a:t>
-            </a:r>
-            <a:endParaRPr lang="pt-BR" dirty="0"/>
-          </a:p>
-        </p:txBody>
-      </p:sp>
-      <p:sp>
-        <p:nvSpPr>
-          <p:cNvPr id="3" name="Espaço Reservado para Conteúdo 2"/>
-          <p:cNvSpPr>
-            <a:spLocks noGrp="1"/>
-          </p:cNvSpPr>
-          <p:nvPr>
-            <p:ph idx="1"/>
-          </p:nvPr>
-        </p:nvSpPr>
-        <p:spPr/>
-        <p:txBody>
-          <a:bodyPr>
-            <a:normAutofit fontScale="92500" lnSpcReduction="10000"/>
-          </a:bodyPr>
-          <a:lstStyle/>
-          <a:p>
-            <a:pPr hangingPunct="0"/>
-            <a:r>
-              <a:rPr lang="pt-BR" dirty="0"/>
-              <a:t>Container </a:t>
-            </a:r>
-            <a:r>
-              <a:rPr lang="pt-BR" dirty="0" err="1"/>
-              <a:t>Jenkins</a:t>
-            </a:r>
-            <a:r>
-              <a:rPr lang="pt-BR" dirty="0"/>
-              <a:t> realiza o controle das implantações realizadas durante a implementação do software. Após configurado, tem o trabalho de realizar construções de forma instantânea, com testes sendo executados e falhas detectadas caso encontre-as. </a:t>
-            </a:r>
-          </a:p>
-          <a:p>
-            <a:pPr hangingPunct="0"/>
-            <a:r>
               <a:rPr lang="pt-BR" dirty="0" smtClean="0"/>
-              <a:t>Seu </a:t>
-            </a:r>
-            <a:r>
-              <a:rPr lang="pt-BR" dirty="0"/>
-              <a:t>funcionamento baseia-se na criação de </a:t>
-            </a:r>
-            <a:r>
-              <a:rPr lang="pt-BR" i="1" dirty="0"/>
-              <a:t>Jobs</a:t>
-            </a:r>
-            <a:r>
-              <a:rPr lang="pt-BR" dirty="0"/>
-              <a:t> para execução de tarefas específicas, para que seja atendido todos requisitos propostos à Integração Contínua, foi necessário configurar quatro Trabalhos: Build-</a:t>
-            </a:r>
-            <a:r>
-              <a:rPr lang="pt-BR" dirty="0" err="1"/>
-              <a:t>Mapksills</a:t>
-            </a:r>
-            <a:r>
-              <a:rPr lang="pt-BR" dirty="0"/>
-              <a:t>-</a:t>
-            </a:r>
-            <a:r>
-              <a:rPr lang="pt-BR" dirty="0" err="1"/>
-              <a:t>App</a:t>
-            </a:r>
-            <a:r>
-              <a:rPr lang="pt-BR" dirty="0"/>
-              <a:t>, Build-</a:t>
-            </a:r>
-            <a:r>
-              <a:rPr lang="pt-BR" dirty="0" err="1"/>
-              <a:t>Mapskills</a:t>
-            </a:r>
-            <a:r>
-              <a:rPr lang="pt-BR" dirty="0"/>
-              <a:t>-Front, </a:t>
-            </a:r>
-            <a:r>
-              <a:rPr lang="pt-BR" dirty="0" err="1"/>
-              <a:t>Copy</a:t>
-            </a:r>
-            <a:r>
-              <a:rPr lang="pt-BR" dirty="0"/>
-              <a:t> </a:t>
-            </a:r>
-            <a:r>
-              <a:rPr lang="pt-BR" dirty="0" err="1"/>
-              <a:t>Artifact</a:t>
-            </a:r>
-            <a:r>
-              <a:rPr lang="pt-BR" dirty="0"/>
-              <a:t> </a:t>
-            </a:r>
-            <a:r>
-              <a:rPr lang="pt-BR" dirty="0" err="1"/>
-              <a:t>Mapskills</a:t>
-            </a:r>
-            <a:r>
-              <a:rPr lang="pt-BR" dirty="0"/>
-              <a:t> </a:t>
-            </a:r>
-            <a:r>
-              <a:rPr lang="pt-BR" dirty="0" err="1"/>
-              <a:t>App</a:t>
-            </a:r>
-            <a:r>
-              <a:rPr lang="pt-BR" dirty="0"/>
-              <a:t>, </a:t>
-            </a:r>
-            <a:r>
-              <a:rPr lang="pt-BR" dirty="0" err="1"/>
-              <a:t>Copy</a:t>
-            </a:r>
-            <a:r>
-              <a:rPr lang="pt-BR" dirty="0"/>
-              <a:t> </a:t>
-            </a:r>
-            <a:r>
-              <a:rPr lang="pt-BR" dirty="0" err="1"/>
-              <a:t>Artifact</a:t>
-            </a:r>
-            <a:r>
-              <a:rPr lang="pt-BR" dirty="0"/>
-              <a:t> </a:t>
-            </a:r>
-            <a:r>
-              <a:rPr lang="pt-BR" dirty="0" err="1"/>
-              <a:t>Mapskills</a:t>
-            </a:r>
-            <a:r>
-              <a:rPr lang="pt-BR" dirty="0"/>
-              <a:t> Front, </a:t>
-            </a:r>
-            <a:r>
-              <a:rPr lang="pt-BR" dirty="0" err="1"/>
-              <a:t>Deploy</a:t>
-            </a:r>
-            <a:r>
-              <a:rPr lang="pt-BR" dirty="0"/>
-              <a:t> </a:t>
-            </a:r>
-            <a:r>
-              <a:rPr lang="pt-BR" dirty="0" err="1"/>
-              <a:t>Mapskills</a:t>
-            </a:r>
-            <a:r>
-              <a:rPr lang="pt-BR" dirty="0"/>
-              <a:t>. </a:t>
-            </a:r>
-          </a:p>
-          <a:p>
-            <a:pPr hangingPunct="0"/>
-            <a:r>
-              <a:rPr lang="pt-BR" dirty="0" smtClean="0"/>
-              <a:t>A </a:t>
-            </a:r>
-            <a:r>
-              <a:rPr lang="pt-BR" dirty="0"/>
-              <a:t>Interface Web do </a:t>
-            </a:r>
-            <a:r>
-              <a:rPr lang="pt-BR" dirty="0" err="1"/>
-              <a:t>Jenkins</a:t>
-            </a:r>
-            <a:r>
-              <a:rPr lang="pt-BR" dirty="0"/>
-              <a:t> pode ser acessada através do </a:t>
-            </a:r>
-            <a:r>
-              <a:rPr lang="pt-BR" u="sng" dirty="0">
-                <a:hlinkClick r:id="rId2"/>
-              </a:rPr>
-              <a:t>http://ip_do_host:8585</a:t>
-            </a:r>
-            <a:r>
-              <a:rPr lang="pt-BR" dirty="0"/>
-              <a:t>.</a:t>
-            </a:r>
-          </a:p>
-          <a:p>
+              <a:t>Links</a:t>
+            </a:r>
             <a:endParaRPr lang="pt-BR" dirty="0"/>
           </a:p>
         </p:txBody>
       </p:sp>
       <p:pic>
         <p:nvPicPr>
-          <p:cNvPr id="4" name="Figura1"/>
-          <p:cNvPicPr/>
-          <p:nvPr/>
+          <p:cNvPr id="4" name="Espaço Reservado para Conteúdo 3"/>
+          <p:cNvPicPr>
+            <a:picLocks noGrp="1" noChangeAspect="1"/>
+          </p:cNvPicPr>
+          <p:nvPr>
+            <p:ph idx="1"/>
+          </p:nvPr>
         </p:nvPicPr>
         <p:blipFill>
-          <a:blip r:embed="rId3"/>
+          <a:blip r:embed="rId2">
+            <a:extLst>
+              <a:ext uri="{28A0092B-C50C-407E-A947-70E740481C1C}">
+                <a14:useLocalDpi xmlns:a14="http://schemas.microsoft.com/office/drawing/2010/main" val="0"/>
+              </a:ext>
+            </a:extLst>
+          </a:blip>
           <a:stretch>
             <a:fillRect/>
           </a:stretch>
         </p:blipFill>
-        <p:spPr bwMode="auto">
-          <a:xfrm>
-            <a:off x="5963149" y="4556760"/>
-            <a:ext cx="5490845" cy="2133600"/>
+        <p:spPr>
+          <a:xfrm>
+            <a:off x="3409406" y="2495006"/>
+            <a:ext cx="5742437" cy="3418908"/>
           </a:xfrm>
           <a:prstGeom prst="rect">
             <a:avLst/>
@@ -11478,7 +11134,7 @@
       </p:pic>
       <p:sp>
         <p:nvSpPr>
-          <p:cNvPr id="5" name="Retângulo 4"/>
+          <p:cNvPr id="7" name="Retângulo 6"/>
           <p:cNvSpPr/>
           <p:nvPr/>
         </p:nvSpPr>
@@ -11512,7 +11168,7 @@
     </p:spTree>
     <p:extLst>
       <p:ext uri="{BB962C8B-B14F-4D97-AF65-F5344CB8AC3E}">
-        <p14:creationId xmlns:p14="http://schemas.microsoft.com/office/powerpoint/2010/main" val="1515907411"/>
+        <p14:creationId xmlns:p14="http://schemas.microsoft.com/office/powerpoint/2010/main" val="1588161288"/>
       </p:ext>
     </p:extLst>
   </p:cSld>
@@ -11555,50 +11211,50 @@
           <a:lstStyle/>
           <a:p>
             <a:r>
-              <a:rPr lang="pt-BR" dirty="0" err="1" smtClean="0"/>
-              <a:t>Job</a:t>
-            </a:r>
-            <a:r>
               <a:rPr lang="pt-BR" dirty="0" smtClean="0"/>
-              <a:t> - Build </a:t>
-            </a:r>
-            <a:r>
-              <a:rPr lang="pt-BR" dirty="0" err="1" smtClean="0"/>
+              <a:t>Volumes</a:t>
+            </a:r>
+            <a:endParaRPr lang="pt-BR" dirty="0"/>
+          </a:p>
+        </p:txBody>
+      </p:sp>
+      <p:sp>
+        <p:nvSpPr>
+          <p:cNvPr id="3" name="Espaço Reservado para Conteúdo 2"/>
+          <p:cNvSpPr>
+            <a:spLocks noGrp="1"/>
+          </p:cNvSpPr>
+          <p:nvPr>
+            <p:ph idx="1"/>
+          </p:nvPr>
+        </p:nvSpPr>
+        <p:spPr/>
+        <p:txBody>
+          <a:bodyPr>
+            <a:normAutofit fontScale="77500" lnSpcReduction="20000"/>
+          </a:bodyPr>
+          <a:lstStyle/>
+          <a:p>
+            <a:pPr hangingPunct="0"/>
+            <a:r>
+              <a:rPr lang="pt-BR" dirty="0" smtClean="0"/>
+              <a:t>O </a:t>
+            </a:r>
+            <a:r>
+              <a:rPr lang="pt-BR" dirty="0" err="1"/>
               <a:t>Mapskills-app</a:t>
             </a:r>
-            <a:endParaRPr lang="pt-BR" dirty="0"/>
-          </a:p>
-        </p:txBody>
-      </p:sp>
-      <p:sp>
-        <p:nvSpPr>
-          <p:cNvPr id="3" name="Espaço Reservado para Conteúdo 2"/>
-          <p:cNvSpPr>
-            <a:spLocks noGrp="1"/>
-          </p:cNvSpPr>
-          <p:nvPr>
-            <p:ph idx="1"/>
-          </p:nvPr>
-        </p:nvSpPr>
-        <p:spPr/>
-        <p:txBody>
-          <a:bodyPr>
-            <a:normAutofit/>
-          </a:bodyPr>
-          <a:lstStyle/>
-          <a:p>
-            <a:pPr hangingPunct="0"/>
-            <a:r>
-              <a:rPr lang="pt-BR" dirty="0"/>
-              <a:t>Este </a:t>
-            </a:r>
-            <a:r>
-              <a:rPr lang="pt-BR" i="1" dirty="0" err="1"/>
-              <a:t>Job</a:t>
-            </a:r>
-            <a:r>
-              <a:rPr lang="pt-BR" dirty="0"/>
-              <a:t> irá baixar o projeto Java do repositório GitHub e compilar o projeto no formato .</a:t>
+            <a:r>
+              <a:rPr lang="pt-BR" dirty="0"/>
+              <a:t> e </a:t>
+            </a:r>
+            <a:r>
+              <a:rPr lang="pt-BR" dirty="0" err="1"/>
+              <a:t>Mapskills</a:t>
+            </a:r>
+            <a:r>
+              <a:rPr lang="pt-BR" dirty="0"/>
+              <a:t>-web tem os volumes mapeados para que o arquivo .</a:t>
             </a:r>
             <a:r>
               <a:rPr lang="pt-BR" dirty="0" err="1"/>
@@ -11606,11 +11262,27 @@
             </a:r>
             <a:r>
               <a:rPr lang="pt-BR" dirty="0"/>
-              <a:t>, para que seja disponibilizado posteriormente por outro </a:t>
-            </a:r>
-            <a:r>
-              <a:rPr lang="pt-BR" i="1" dirty="0" err="1"/>
-              <a:t>Job</a:t>
+              <a:t> seja atualizado pelo </a:t>
+            </a:r>
+            <a:r>
+              <a:rPr lang="pt-BR" dirty="0" err="1"/>
+              <a:t>Jenkins</a:t>
+            </a:r>
+            <a:r>
+              <a:rPr lang="pt-BR" dirty="0"/>
+              <a:t> a qualquer momento, desta forma, é solucionado o problema de integração contínua, </a:t>
+            </a:r>
+            <a:r>
+              <a:rPr lang="pt-BR" dirty="0" smtClean="0"/>
+              <a:t>podendo atualizar </a:t>
+            </a:r>
+            <a:r>
+              <a:rPr lang="pt-BR" dirty="0" smtClean="0"/>
+              <a:t>para uma nova versão </a:t>
+            </a:r>
+            <a:r>
+              <a:rPr lang="pt-BR" dirty="0" smtClean="0"/>
+              <a:t>automaticamente</a:t>
             </a:r>
             <a:r>
               <a:rPr lang="pt-BR" dirty="0"/>
@@ -11625,50 +11297,111 @@
             </a:r>
             <a:r>
               <a:rPr lang="pt-BR" dirty="0"/>
-              <a:t>comando utilizado apaga a pasta Target, instala os pacotes nos respectivos repositórios e não rodar o script de criação do Banco de Dados, pois desta forma é garantido que os dados nunca serão apagados. Todos esses comandos são rodados pelo usuário </a:t>
+              <a:t>volume </a:t>
             </a:r>
             <a:r>
               <a:rPr lang="pt-BR" dirty="0" err="1"/>
-              <a:t>Azure</a:t>
-            </a:r>
-            <a:r>
-              <a:rPr lang="pt-BR" dirty="0"/>
-              <a:t>, configurado na aplicação:</a:t>
+              <a:t>Mapskills-Mysql</a:t>
+            </a:r>
+            <a:r>
+              <a:rPr lang="pt-BR" dirty="0"/>
+              <a:t> tem a finalidade de armazenar todas informações salva na base de dados, podendo assim para a execução ou mesmo excluir o container </a:t>
+            </a:r>
+            <a:r>
+              <a:rPr lang="pt-BR" dirty="0" err="1"/>
+              <a:t>Mapskills-Mysql</a:t>
+            </a:r>
+            <a:r>
+              <a:rPr lang="pt-BR" dirty="0"/>
+              <a:t> que as informações não serão perdidas.</a:t>
             </a:r>
           </a:p>
           <a:p>
             <a:pPr hangingPunct="0"/>
             <a:r>
-              <a:rPr lang="en-US" dirty="0" err="1"/>
-              <a:t>mvn</a:t>
-            </a:r>
-            <a:r>
-              <a:rPr lang="en-US" dirty="0"/>
-              <a:t> clean install -</a:t>
-            </a:r>
-            <a:r>
-              <a:rPr lang="en-US" dirty="0" err="1"/>
-              <a:t>Dliquibase.should.run</a:t>
-            </a:r>
-            <a:r>
-              <a:rPr lang="en-US" dirty="0"/>
-              <a:t>=false -</a:t>
-            </a:r>
-            <a:r>
-              <a:rPr lang="en-US" dirty="0" err="1"/>
-              <a:t>Pazure</a:t>
-            </a:r>
+              <a:rPr lang="pt-BR" dirty="0" smtClean="0"/>
+              <a:t>Os </a:t>
+            </a:r>
+            <a:r>
+              <a:rPr lang="pt-BR" dirty="0"/>
+              <a:t>volumes utilizados no container </a:t>
+            </a:r>
+            <a:r>
+              <a:rPr lang="pt-BR" dirty="0" err="1"/>
+              <a:t>Mapkills-Jenkins</a:t>
+            </a:r>
+            <a:r>
+              <a:rPr lang="pt-BR" dirty="0"/>
+              <a:t>, tem funções importantes na solução para o requisito de Integração Contínua, pois eles formam uma comunicação entre os containers </a:t>
+            </a:r>
+            <a:r>
+              <a:rPr lang="pt-BR" dirty="0" err="1"/>
+              <a:t>Mapkills-App</a:t>
+            </a:r>
+            <a:r>
+              <a:rPr lang="pt-BR" dirty="0"/>
+              <a:t> e </a:t>
+            </a:r>
+            <a:r>
+              <a:rPr lang="pt-BR" dirty="0" err="1"/>
+              <a:t>Mapskills</a:t>
+            </a:r>
+            <a:r>
+              <a:rPr lang="pt-BR" dirty="0"/>
+              <a:t>-Web para que sejam atualizados a qualquer instante, além de compartilhar os arquivos de execução do </a:t>
+            </a:r>
+            <a:r>
+              <a:rPr lang="pt-BR" dirty="0" err="1"/>
+              <a:t>Docker</a:t>
+            </a:r>
+            <a:r>
+              <a:rPr lang="pt-BR" dirty="0"/>
+              <a:t> e </a:t>
+            </a:r>
+            <a:r>
+              <a:rPr lang="pt-BR" dirty="0" err="1"/>
+              <a:t>Docker-Compose</a:t>
+            </a:r>
+            <a:r>
+              <a:rPr lang="pt-BR" dirty="0"/>
+              <a:t>, para que possam ser executados comando de dentro do container.</a:t>
+            </a:r>
+          </a:p>
+          <a:p>
+            <a:pPr hangingPunct="0"/>
+            <a:r>
+              <a:rPr lang="pt-BR" dirty="0" smtClean="0"/>
+              <a:t>No </a:t>
+            </a:r>
+            <a:r>
+              <a:rPr lang="pt-BR" dirty="0"/>
+              <a:t>container </a:t>
+            </a:r>
+            <a:r>
+              <a:rPr lang="pt-BR" dirty="0" err="1"/>
+              <a:t>Mapskills-Cadvisor</a:t>
+            </a:r>
+            <a:r>
+              <a:rPr lang="pt-BR" dirty="0"/>
+              <a:t> são compartilhados com o host os volumes necessários para o monitoramento de dados referente ao Host e Containers </a:t>
+            </a:r>
+            <a:r>
+              <a:rPr lang="pt-BR" dirty="0" err="1"/>
+              <a:t>Docker</a:t>
+            </a:r>
+            <a:r>
+              <a:rPr lang="pt-BR" dirty="0"/>
+              <a:t>. </a:t>
+            </a:r>
+          </a:p>
+          <a:p>
             <a:endParaRPr lang="pt-BR" dirty="0"/>
           </a:p>
-          <a:p>
-            <a:pPr hangingPunct="0"/>
-            <a:endParaRPr lang="pt-BR" dirty="0"/>
-          </a:p>
-        </p:txBody>
-      </p:sp>
-      <p:sp>
-        <p:nvSpPr>
-          <p:cNvPr id="4" name="Retângulo 3"/>
+        </p:txBody>
+      </p:sp>
+      <p:sp>
+        <p:nvSpPr>
+          <p:cNvPr id="5" name="Retângulo 4"/>
           <p:cNvSpPr/>
           <p:nvPr/>
         </p:nvSpPr>
@@ -11702,7 +11435,7 @@
     </p:spTree>
     <p:extLst>
       <p:ext uri="{BB962C8B-B14F-4D97-AF65-F5344CB8AC3E}">
-        <p14:creationId xmlns:p14="http://schemas.microsoft.com/office/powerpoint/2010/main" val="1785981346"/>
+        <p14:creationId xmlns:p14="http://schemas.microsoft.com/office/powerpoint/2010/main" val="1216461368"/>
       </p:ext>
     </p:extLst>
   </p:cSld>
@@ -11820,11 +11553,75 @@
           <a:p>
             <a:r>
               <a:rPr lang="pt-BR" dirty="0" err="1" smtClean="0"/>
-              <a:t>Job</a:t>
-            </a:r>
+              <a:t>Mapskills-Jenkins</a:t>
+            </a:r>
+            <a:endParaRPr lang="pt-BR" dirty="0"/>
+          </a:p>
+        </p:txBody>
+      </p:sp>
+      <p:sp>
+        <p:nvSpPr>
+          <p:cNvPr id="3" name="Espaço Reservado para Conteúdo 2"/>
+          <p:cNvSpPr>
+            <a:spLocks noGrp="1"/>
+          </p:cNvSpPr>
+          <p:nvPr>
+            <p:ph idx="1"/>
+          </p:nvPr>
+        </p:nvSpPr>
+        <p:spPr/>
+        <p:txBody>
+          <a:bodyPr>
+            <a:normAutofit fontScale="92500" lnSpcReduction="10000"/>
+          </a:bodyPr>
+          <a:lstStyle/>
+          <a:p>
+            <a:pPr hangingPunct="0"/>
+            <a:r>
+              <a:rPr lang="pt-BR" dirty="0"/>
+              <a:t>Container </a:t>
+            </a:r>
+            <a:r>
+              <a:rPr lang="pt-BR" dirty="0" err="1"/>
+              <a:t>Jenkins</a:t>
+            </a:r>
+            <a:r>
+              <a:rPr lang="pt-BR" dirty="0"/>
+              <a:t> realiza o controle das implantações realizadas durante a implementação do software. Após configurado, tem o trabalho de realizar construções de forma instantânea, com testes sendo executados e falhas detectadas caso encontre-as. </a:t>
+            </a:r>
+          </a:p>
+          <a:p>
+            <a:pPr hangingPunct="0"/>
             <a:r>
               <a:rPr lang="pt-BR" dirty="0" smtClean="0"/>
-              <a:t> – Build </a:t>
+              <a:t>Jobs: </a:t>
+            </a:r>
+          </a:p>
+          <a:p>
+            <a:pPr lvl="1" hangingPunct="0"/>
+            <a:r>
+              <a:rPr lang="pt-BR" dirty="0" smtClean="0"/>
+              <a:t>Build-</a:t>
+            </a:r>
+            <a:r>
+              <a:rPr lang="pt-BR" dirty="0" err="1" smtClean="0"/>
+              <a:t>Mapksills</a:t>
+            </a:r>
+            <a:r>
+              <a:rPr lang="pt-BR" dirty="0" smtClean="0"/>
+              <a:t>-</a:t>
+            </a:r>
+            <a:r>
+              <a:rPr lang="pt-BR" dirty="0" err="1" smtClean="0"/>
+              <a:t>App</a:t>
+            </a:r>
+            <a:endParaRPr lang="pt-BR" dirty="0"/>
+          </a:p>
+          <a:p>
+            <a:pPr lvl="1" hangingPunct="0"/>
+            <a:r>
+              <a:rPr lang="pt-BR" dirty="0" smtClean="0"/>
+              <a:t>Build-</a:t>
             </a:r>
             <a:r>
               <a:rPr lang="pt-BR" dirty="0" err="1" smtClean="0"/>
@@ -11832,7 +11629,112 @@
             </a:r>
             <a:r>
               <a:rPr lang="pt-BR" dirty="0" smtClean="0"/>
-              <a:t>-web</a:t>
+              <a:t>-Front</a:t>
+            </a:r>
+          </a:p>
+          <a:p>
+            <a:pPr lvl="1" hangingPunct="0"/>
+            <a:r>
+              <a:rPr lang="pt-BR" dirty="0" err="1" smtClean="0"/>
+              <a:t>Copy</a:t>
+            </a:r>
+            <a:r>
+              <a:rPr lang="pt-BR" dirty="0" smtClean="0"/>
+              <a:t> </a:t>
+            </a:r>
+            <a:r>
+              <a:rPr lang="pt-BR" dirty="0" err="1"/>
+              <a:t>Artifact</a:t>
+            </a:r>
+            <a:r>
+              <a:rPr lang="pt-BR" dirty="0"/>
+              <a:t> </a:t>
+            </a:r>
+            <a:r>
+              <a:rPr lang="pt-BR" dirty="0" err="1"/>
+              <a:t>Mapskills</a:t>
+            </a:r>
+            <a:r>
+              <a:rPr lang="pt-BR" dirty="0"/>
+              <a:t> </a:t>
+            </a:r>
+            <a:r>
+              <a:rPr lang="pt-BR" dirty="0" err="1" smtClean="0"/>
+              <a:t>App</a:t>
+            </a:r>
+            <a:endParaRPr lang="pt-BR" dirty="0" smtClean="0"/>
+          </a:p>
+          <a:p>
+            <a:pPr lvl="1" hangingPunct="0"/>
+            <a:r>
+              <a:rPr lang="pt-BR" dirty="0" err="1" smtClean="0"/>
+              <a:t>Copy</a:t>
+            </a:r>
+            <a:r>
+              <a:rPr lang="pt-BR" dirty="0" smtClean="0"/>
+              <a:t> </a:t>
+            </a:r>
+            <a:r>
+              <a:rPr lang="pt-BR" dirty="0" err="1"/>
+              <a:t>Artifact</a:t>
+            </a:r>
+            <a:r>
+              <a:rPr lang="pt-BR" dirty="0"/>
+              <a:t> </a:t>
+            </a:r>
+            <a:r>
+              <a:rPr lang="pt-BR" dirty="0" err="1"/>
+              <a:t>Mapskills</a:t>
+            </a:r>
+            <a:r>
+              <a:rPr lang="pt-BR" dirty="0"/>
+              <a:t> </a:t>
+            </a:r>
+            <a:r>
+              <a:rPr lang="pt-BR" dirty="0" smtClean="0"/>
+              <a:t>Front</a:t>
+            </a:r>
+          </a:p>
+          <a:p>
+            <a:pPr lvl="1" hangingPunct="0"/>
+            <a:r>
+              <a:rPr lang="pt-BR" dirty="0" err="1" smtClean="0"/>
+              <a:t>Deploy</a:t>
+            </a:r>
+            <a:r>
+              <a:rPr lang="pt-BR" dirty="0" smtClean="0"/>
+              <a:t> </a:t>
+            </a:r>
+            <a:r>
+              <a:rPr lang="pt-BR" dirty="0" err="1"/>
+              <a:t>Mapskills</a:t>
+            </a:r>
+            <a:r>
+              <a:rPr lang="pt-BR" dirty="0"/>
+              <a:t>. </a:t>
+            </a:r>
+          </a:p>
+          <a:p>
+            <a:pPr hangingPunct="0"/>
+            <a:r>
+              <a:rPr lang="pt-BR" dirty="0" err="1"/>
+              <a:t>Url</a:t>
+            </a:r>
+            <a:r>
+              <a:rPr lang="pt-BR" dirty="0"/>
+              <a:t> de acesso </a:t>
+            </a:r>
+            <a:r>
+              <a:rPr lang="pt-BR" dirty="0" smtClean="0"/>
+              <a:t>ao </a:t>
+            </a:r>
+            <a:r>
+              <a:rPr lang="pt-BR" dirty="0" err="1" smtClean="0"/>
+              <a:t>Jenkins</a:t>
+            </a:r>
+            <a:r>
+              <a:rPr lang="pt-BR" dirty="0" smtClean="0"/>
+              <a:t>: http://ip_do_host:8585.</a:t>
             </a:r>
             <a:endParaRPr lang="pt-BR" dirty="0"/>
           </a:p>
@@ -11840,78 +11742,7 @@
       </p:sp>
       <p:sp>
         <p:nvSpPr>
-          <p:cNvPr id="3" name="Espaço Reservado para Conteúdo 2"/>
-          <p:cNvSpPr>
-            <a:spLocks noGrp="1"/>
-          </p:cNvSpPr>
-          <p:nvPr>
-            <p:ph idx="1"/>
-          </p:nvPr>
-        </p:nvSpPr>
-        <p:spPr/>
-        <p:txBody>
-          <a:bodyPr/>
-          <a:lstStyle/>
-          <a:p>
-            <a:r>
-              <a:rPr lang="pt-BR" dirty="0"/>
-              <a:t>Este </a:t>
-            </a:r>
-            <a:r>
-              <a:rPr lang="pt-BR" dirty="0" err="1"/>
-              <a:t>job</a:t>
-            </a:r>
-            <a:r>
-              <a:rPr lang="pt-BR" dirty="0"/>
-              <a:t> irá baixar o projeto de Interface Web do repositório </a:t>
-            </a:r>
-            <a:r>
-              <a:rPr lang="pt-BR" u="sng" dirty="0"/>
-              <a:t>GitHub</a:t>
-            </a:r>
-            <a:r>
-              <a:rPr lang="pt-BR" dirty="0"/>
-              <a:t> e compilar o projeto no formato .</a:t>
-            </a:r>
-            <a:r>
-              <a:rPr lang="pt-BR" dirty="0" err="1"/>
-              <a:t>war</a:t>
-            </a:r>
-            <a:r>
-              <a:rPr lang="pt-BR" dirty="0"/>
-              <a:t>, para que seja disponibilizado posteriormente</a:t>
-            </a:r>
-            <a:r>
-              <a:rPr lang="pt-BR" dirty="0" smtClean="0"/>
-              <a:t>.</a:t>
-            </a:r>
-          </a:p>
-          <a:p>
-            <a:r>
-              <a:rPr lang="pt-BR" dirty="0" err="1"/>
-              <a:t>mvn</a:t>
-            </a:r>
-            <a:r>
-              <a:rPr lang="pt-BR" dirty="0"/>
-              <a:t> clean </a:t>
-            </a:r>
-            <a:r>
-              <a:rPr lang="pt-BR" dirty="0" err="1"/>
-              <a:t>install</a:t>
-            </a:r>
-            <a:r>
-              <a:rPr lang="pt-BR" dirty="0"/>
-              <a:t> </a:t>
-            </a:r>
-          </a:p>
-          <a:p>
-            <a:endParaRPr lang="pt-BR" dirty="0"/>
-          </a:p>
-        </p:txBody>
-      </p:sp>
-      <p:sp>
-        <p:nvSpPr>
-          <p:cNvPr id="4" name="Retângulo 3"/>
+          <p:cNvPr id="5" name="Retângulo 4"/>
           <p:cNvSpPr/>
           <p:nvPr/>
         </p:nvSpPr>
@@ -11945,7 +11776,7 @@
     </p:spTree>
     <p:extLst>
       <p:ext uri="{BB962C8B-B14F-4D97-AF65-F5344CB8AC3E}">
-        <p14:creationId xmlns:p14="http://schemas.microsoft.com/office/powerpoint/2010/main" val="575999161"/>
+        <p14:creationId xmlns:p14="http://schemas.microsoft.com/office/powerpoint/2010/main" val="1515907411"/>
       </p:ext>
     </p:extLst>
   </p:cSld>
@@ -11988,250 +11819,42 @@
           <a:lstStyle/>
           <a:p>
             <a:r>
-              <a:rPr lang="pt-BR" dirty="0" err="1" smtClean="0"/>
-              <a:t>Job</a:t>
-            </a:r>
-            <a:r>
-              <a:rPr lang="pt-BR" dirty="0" smtClean="0"/>
-              <a:t> – </a:t>
-            </a:r>
-            <a:r>
-              <a:rPr lang="pt-BR" dirty="0" err="1" smtClean="0"/>
-              <a:t>Copy</a:t>
-            </a:r>
-            <a:r>
-              <a:rPr lang="pt-BR" dirty="0" smtClean="0"/>
-              <a:t> </a:t>
-            </a:r>
-            <a:r>
-              <a:rPr lang="pt-BR" dirty="0" err="1" smtClean="0"/>
-              <a:t>Artifact</a:t>
-            </a:r>
-            <a:r>
-              <a:rPr lang="pt-BR" dirty="0" smtClean="0"/>
-              <a:t> </a:t>
-            </a:r>
-            <a:r>
-              <a:rPr lang="pt-BR" dirty="0" err="1" smtClean="0"/>
-              <a:t>Mapskills-app</a:t>
+              <a:rPr lang="pt-BR" dirty="0" err="1"/>
+              <a:t>Mapskills-Jenkins</a:t>
             </a:r>
             <a:endParaRPr lang="pt-BR" dirty="0"/>
           </a:p>
         </p:txBody>
       </p:sp>
-      <p:sp>
-        <p:nvSpPr>
-          <p:cNvPr id="3" name="Espaço Reservado para Conteúdo 2"/>
-          <p:cNvSpPr>
-            <a:spLocks noGrp="1"/>
-          </p:cNvSpPr>
+      <p:pic>
+        <p:nvPicPr>
+          <p:cNvPr id="4" name="Figura1"/>
+          <p:cNvPicPr>
+            <a:picLocks noGrp="1"/>
+          </p:cNvPicPr>
           <p:nvPr>
             <p:ph idx="1"/>
           </p:nvPr>
-        </p:nvSpPr>
-        <p:spPr/>
-        <p:txBody>
-          <a:bodyPr/>
-          <a:lstStyle/>
-          <a:p>
-            <a:r>
-              <a:rPr lang="pt-BR" dirty="0"/>
-              <a:t>Este </a:t>
-            </a:r>
-            <a:r>
-              <a:rPr lang="pt-BR" dirty="0" err="1"/>
-              <a:t>job</a:t>
-            </a:r>
-            <a:r>
-              <a:rPr lang="pt-BR" dirty="0"/>
-              <a:t> depende de que o Build-</a:t>
-            </a:r>
-            <a:r>
-              <a:rPr lang="pt-BR" dirty="0" err="1"/>
-              <a:t>Mapskills</a:t>
-            </a:r>
-            <a:r>
-              <a:rPr lang="pt-BR" dirty="0"/>
-              <a:t>-</a:t>
-            </a:r>
-            <a:r>
-              <a:rPr lang="pt-BR" dirty="0" err="1"/>
-              <a:t>App</a:t>
-            </a:r>
-            <a:r>
-              <a:rPr lang="pt-BR" dirty="0"/>
-              <a:t> (capítulo 3.7.2) tenha sido finalizado com sucesso, só assim, ele irá copiar o arquivo .</a:t>
-            </a:r>
-            <a:r>
-              <a:rPr lang="pt-BR" dirty="0" err="1"/>
-              <a:t>war</a:t>
-            </a:r>
-            <a:r>
-              <a:rPr lang="pt-BR" dirty="0"/>
-              <a:t> do diretório </a:t>
-            </a:r>
-            <a:r>
-              <a:rPr lang="pt-BR" i="1" dirty="0"/>
-              <a:t>/var/</a:t>
-            </a:r>
-            <a:r>
-              <a:rPr lang="pt-BR" i="1" dirty="0" err="1"/>
-              <a:t>jenkins_home</a:t>
-            </a:r>
-            <a:r>
-              <a:rPr lang="pt-BR" i="1" dirty="0"/>
-              <a:t>/</a:t>
-            </a:r>
-            <a:r>
-              <a:rPr lang="pt-BR" i="1" dirty="0" err="1"/>
-              <a:t>workspace</a:t>
-            </a:r>
-            <a:r>
-              <a:rPr lang="pt-BR" i="1" dirty="0"/>
-              <a:t>/Build-</a:t>
-            </a:r>
-            <a:r>
-              <a:rPr lang="pt-BR" i="1" dirty="0" err="1"/>
-              <a:t>Mapskills</a:t>
-            </a:r>
-            <a:r>
-              <a:rPr lang="pt-BR" i="1" dirty="0"/>
-              <a:t>-Back/</a:t>
-            </a:r>
-            <a:r>
-              <a:rPr lang="pt-BR" i="1" dirty="0" err="1"/>
-              <a:t>target</a:t>
-            </a:r>
-            <a:r>
-              <a:rPr lang="pt-BR" i="1" dirty="0"/>
-              <a:t>/</a:t>
-            </a:r>
-            <a:r>
-              <a:rPr lang="pt-BR" i="1" dirty="0" err="1"/>
-              <a:t>mapskills.war</a:t>
-            </a:r>
-            <a:r>
-              <a:rPr lang="pt-BR" dirty="0"/>
-              <a:t> para o volume </a:t>
-            </a:r>
-            <a:r>
-              <a:rPr lang="pt-BR" dirty="0" err="1"/>
-              <a:t>Docker</a:t>
-            </a:r>
-            <a:r>
-              <a:rPr lang="pt-BR" dirty="0"/>
-              <a:t> </a:t>
-            </a:r>
-            <a:r>
-              <a:rPr lang="pt-BR" i="1" dirty="0"/>
-              <a:t>/</a:t>
-            </a:r>
-            <a:r>
-              <a:rPr lang="pt-BR" i="1" dirty="0" err="1"/>
-              <a:t>mapskills</a:t>
-            </a:r>
-            <a:r>
-              <a:rPr lang="pt-BR" i="1" dirty="0"/>
-              <a:t>/</a:t>
-            </a:r>
-            <a:r>
-              <a:rPr lang="pt-BR" i="1" dirty="0" err="1"/>
-              <a:t>back</a:t>
-            </a:r>
-            <a:r>
-              <a:rPr lang="pt-BR" i="1" dirty="0"/>
-              <a:t>, pois desta forma o arquivo .</a:t>
-            </a:r>
-            <a:r>
-              <a:rPr lang="pt-BR" i="1" dirty="0" err="1"/>
-              <a:t>war</a:t>
-            </a:r>
-            <a:r>
-              <a:rPr lang="pt-BR" i="1" dirty="0"/>
-              <a:t> é compartilhado com o container </a:t>
-            </a:r>
-            <a:r>
-              <a:rPr lang="pt-BR" dirty="0"/>
-              <a:t>responsável por conter a aplicação de </a:t>
-            </a:r>
-            <a:r>
-              <a:rPr lang="pt-BR" i="1" dirty="0" err="1"/>
-              <a:t>back</a:t>
-            </a:r>
-            <a:r>
-              <a:rPr lang="pt-BR" i="1" dirty="0"/>
-              <a:t>-end</a:t>
-            </a:r>
-            <a:r>
-              <a:rPr lang="pt-BR" dirty="0"/>
-              <a:t>.</a:t>
-            </a:r>
-          </a:p>
-          <a:p>
-            <a:pPr hangingPunct="0"/>
-            <a:r>
-              <a:rPr lang="en-US" dirty="0" err="1"/>
-              <a:t>sudo</a:t>
-            </a:r>
-            <a:r>
-              <a:rPr lang="en-US" dirty="0"/>
-              <a:t> </a:t>
-            </a:r>
-            <a:r>
-              <a:rPr lang="en-US" dirty="0" err="1"/>
-              <a:t>cp</a:t>
-            </a:r>
-            <a:r>
-              <a:rPr lang="en-US" dirty="0"/>
-              <a:t> /</a:t>
-            </a:r>
-            <a:r>
-              <a:rPr lang="en-US" dirty="0" err="1"/>
-              <a:t>var</a:t>
-            </a:r>
-            <a:r>
-              <a:rPr lang="en-US" dirty="0"/>
-              <a:t>/</a:t>
-            </a:r>
-            <a:r>
-              <a:rPr lang="en-US" dirty="0" err="1"/>
-              <a:t>jenkins_home</a:t>
-            </a:r>
-            <a:r>
-              <a:rPr lang="en-US" dirty="0"/>
-              <a:t>/workspace/Build-</a:t>
-            </a:r>
-            <a:r>
-              <a:rPr lang="en-US" dirty="0" err="1"/>
-              <a:t>Mapskills</a:t>
-            </a:r>
-            <a:r>
-              <a:rPr lang="en-US" dirty="0"/>
-              <a:t>-Back/target/</a:t>
-            </a:r>
-            <a:r>
-              <a:rPr lang="en-US" dirty="0" err="1"/>
-              <a:t>mapskills.war</a:t>
-            </a:r>
-            <a:r>
-              <a:rPr lang="en-US" dirty="0"/>
-              <a:t> /</a:t>
-            </a:r>
-            <a:r>
-              <a:rPr lang="en-US" dirty="0" err="1" smtClean="0"/>
-              <a:t>mapskills</a:t>
-            </a:r>
-            <a:r>
-              <a:rPr lang="en-US" dirty="0" smtClean="0"/>
-              <a:t>/back</a:t>
-            </a:r>
-            <a:endParaRPr lang="pt-BR" dirty="0"/>
-          </a:p>
-        </p:txBody>
-      </p:sp>
-      <p:sp>
-        <p:nvSpPr>
-          <p:cNvPr id="4" name="Retângulo 3"/>
+        </p:nvPicPr>
+        <p:blipFill>
+          <a:blip r:embed="rId2"/>
+          <a:stretch>
+            <a:fillRect/>
+          </a:stretch>
+        </p:blipFill>
+        <p:spPr bwMode="auto">
+          <a:xfrm>
+            <a:off x="1006892" y="2510226"/>
+            <a:ext cx="9613900" cy="3408765"/>
+          </a:xfrm>
+          <a:prstGeom prst="rect">
+            <a:avLst/>
+          </a:prstGeom>
+        </p:spPr>
+      </p:pic>
+      <p:sp>
+        <p:nvSpPr>
+          <p:cNvPr id="5" name="Retângulo 4"/>
           <p:cNvSpPr/>
           <p:nvPr/>
         </p:nvSpPr>
@@ -12265,7 +11888,7 @@
     </p:spTree>
     <p:extLst>
       <p:ext uri="{BB962C8B-B14F-4D97-AF65-F5344CB8AC3E}">
-        <p14:creationId xmlns:p14="http://schemas.microsoft.com/office/powerpoint/2010/main" val="1070249952"/>
+        <p14:creationId xmlns:p14="http://schemas.microsoft.com/office/powerpoint/2010/main" val="2225200717"/>
       </p:ext>
     </p:extLst>
   </p:cSld>
@@ -12313,31 +11936,11 @@
             </a:r>
             <a:r>
               <a:rPr lang="pt-BR" dirty="0" smtClean="0"/>
-              <a:t> - </a:t>
-            </a:r>
-            <a:r>
-              <a:rPr lang="pt-BR" dirty="0" err="1"/>
-              <a:t>Copy</a:t>
-            </a:r>
-            <a:r>
-              <a:rPr lang="pt-BR" dirty="0"/>
-              <a:t> </a:t>
-            </a:r>
-            <a:r>
-              <a:rPr lang="pt-BR" dirty="0" err="1"/>
-              <a:t>Artifact</a:t>
-            </a:r>
-            <a:r>
-              <a:rPr lang="pt-BR" dirty="0"/>
-              <a:t> </a:t>
+              <a:t> - Build </a:t>
             </a:r>
             <a:r>
               <a:rPr lang="pt-BR" dirty="0" err="1" smtClean="0"/>
-              <a:t>Mapskills</a:t>
-            </a:r>
-            <a:r>
-              <a:rPr lang="pt-BR" dirty="0" smtClean="0"/>
-              <a:t>-front</a:t>
+              <a:t>Mapskills-app</a:t>
             </a:r>
             <a:endParaRPr lang="pt-BR" dirty="0"/>
           </a:p>
@@ -12355,12 +11958,15 @@
         </p:nvSpPr>
         <p:spPr/>
         <p:txBody>
-          <a:bodyPr/>
-          <a:lstStyle/>
-          <a:p>
-            <a:r>
-              <a:rPr lang="pt-BR" dirty="0"/>
-              <a:t>Assim como o </a:t>
+          <a:bodyPr>
+            <a:normAutofit fontScale="92500"/>
+          </a:bodyPr>
+          <a:lstStyle/>
+          <a:p>
+            <a:pPr hangingPunct="0"/>
+            <a:r>
+              <a:rPr lang="pt-BR" dirty="0"/>
+              <a:t>Este </a:t>
             </a:r>
             <a:r>
               <a:rPr lang="pt-BR" i="1" dirty="0" err="1"/>
@@ -12368,47 +11974,7 @@
             </a:r>
             <a:r>
               <a:rPr lang="pt-BR" dirty="0"/>
-              <a:t> </a:t>
-            </a:r>
-            <a:r>
-              <a:rPr lang="pt-BR" dirty="0" err="1"/>
-              <a:t>Copy</a:t>
-            </a:r>
-            <a:r>
-              <a:rPr lang="pt-BR" dirty="0"/>
-              <a:t> </a:t>
-            </a:r>
-            <a:r>
-              <a:rPr lang="pt-BR" dirty="0" err="1"/>
-              <a:t>Artifact</a:t>
-            </a:r>
-            <a:r>
-              <a:rPr lang="pt-BR" dirty="0"/>
-              <a:t> </a:t>
-            </a:r>
-            <a:r>
-              <a:rPr lang="pt-BR" dirty="0" err="1"/>
-              <a:t>Mapskills</a:t>
-            </a:r>
-            <a:r>
-              <a:rPr lang="pt-BR" dirty="0"/>
-              <a:t> Back Este trabalho depende também de que o </a:t>
-            </a:r>
-            <a:r>
-              <a:rPr lang="pt-BR" dirty="0" err="1"/>
-              <a:t>job</a:t>
-            </a:r>
-            <a:r>
-              <a:rPr lang="pt-BR" dirty="0"/>
-              <a:t> Build-</a:t>
-            </a:r>
-            <a:r>
-              <a:rPr lang="pt-BR" dirty="0" err="1"/>
-              <a:t>Mapskills</a:t>
-            </a:r>
-            <a:r>
-              <a:rPr lang="pt-BR" dirty="0"/>
-              <a:t>-Web tenha sido finalizado com sucesso. Após isso ele copia o arquivo .</a:t>
+              <a:t> irá baixar o projeto Java do repositório GitHub e compilar o projeto no formato .</a:t>
             </a:r>
             <a:r>
               <a:rPr lang="pt-BR" dirty="0" err="1"/>
@@ -12416,94 +11982,95 @@
             </a:r>
             <a:r>
               <a:rPr lang="pt-BR" dirty="0"/>
-              <a:t> do diretório </a:t>
-            </a:r>
-            <a:r>
-              <a:rPr lang="pt-BR" i="1" dirty="0"/>
-              <a:t>/var/</a:t>
+              <a:t>, para que seja disponibilizado posteriormente por outro </a:t>
             </a:r>
             <a:r>
               <a:rPr lang="pt-BR" i="1" dirty="0" err="1"/>
-              <a:t>jenkins_home</a:t>
-            </a:r>
-            <a:r>
-              <a:rPr lang="pt-BR" i="1" dirty="0"/>
-              <a:t>/</a:t>
-            </a:r>
-            <a:r>
-              <a:rPr lang="pt-BR" i="1" dirty="0" err="1"/>
-              <a:t>workspace</a:t>
-            </a:r>
-            <a:r>
-              <a:rPr lang="pt-BR" i="1" dirty="0"/>
-              <a:t>/Build-</a:t>
-            </a:r>
-            <a:r>
-              <a:rPr lang="pt-BR" i="1" dirty="0" err="1"/>
-              <a:t>Mapskills</a:t>
-            </a:r>
-            <a:r>
-              <a:rPr lang="pt-BR" i="1" dirty="0"/>
-              <a:t>-Front/</a:t>
-            </a:r>
-            <a:r>
-              <a:rPr lang="pt-BR" i="1" dirty="0" err="1"/>
-              <a:t>target</a:t>
-            </a:r>
-            <a:r>
-              <a:rPr lang="pt-BR" i="1" dirty="0"/>
-              <a:t>/</a:t>
-            </a:r>
-            <a:r>
-              <a:rPr lang="pt-BR" i="1" dirty="0" err="1"/>
-              <a:t>mapskills-web.war</a:t>
-            </a:r>
-            <a:r>
-              <a:rPr lang="pt-BR" dirty="0"/>
-              <a:t> para o volume </a:t>
+              <a:t>Job</a:t>
+            </a:r>
+            <a:r>
+              <a:rPr lang="pt-BR" dirty="0"/>
+              <a:t>.</a:t>
+            </a:r>
+          </a:p>
+          <a:p>
+            <a:pPr hangingPunct="0"/>
+            <a:r>
+              <a:rPr lang="pt-BR" dirty="0" smtClean="0"/>
+              <a:t>O </a:t>
+            </a:r>
+            <a:r>
+              <a:rPr lang="pt-BR" dirty="0"/>
+              <a:t>comando utilizado apaga a pasta Target, instala os pacotes nos respectivos repositórios e não rodar o script de criação do Banco de Dados, pois desta forma é garantido que os dados nunca serão apagados. Todos esses comandos são rodados pelo usuário </a:t>
             </a:r>
             <a:r>
               <a:rPr lang="pt-BR" dirty="0" err="1"/>
-              <a:t>Docker</a:t>
-            </a:r>
-            <a:r>
-              <a:rPr lang="pt-BR" dirty="0"/>
+              <a:t>Azure</a:t>
+            </a:r>
+            <a:r>
+              <a:rPr lang="pt-BR" dirty="0"/>
+              <a:t>, configurado na aplicação:</a:t>
+            </a:r>
+          </a:p>
+          <a:p>
+            <a:pPr marL="0" indent="0" hangingPunct="0">
+              <a:buNone/>
+            </a:pPr>
+            <a:endParaRPr lang="en-US" dirty="0" smtClean="0"/>
+          </a:p>
+          <a:p>
+            <a:pPr marL="0" indent="0" algn="ctr" hangingPunct="0">
+              <a:buNone/>
+            </a:pPr>
+            <a:r>
+              <a:rPr lang="en-US" dirty="0" err="1" smtClean="0">
+                <a:latin typeface="Courier New" panose="02070309020205020404" pitchFamily="49" charset="0"/>
+                <a:cs typeface="Courier New" panose="02070309020205020404" pitchFamily="49" charset="0"/>
+              </a:rPr>
+              <a:t>mvn</a:t>
+            </a:r>
+            <a:r>
+              <a:rPr lang="en-US" dirty="0" smtClean="0">
+                <a:latin typeface="Courier New" panose="02070309020205020404" pitchFamily="49" charset="0"/>
+                <a:cs typeface="Courier New" panose="02070309020205020404" pitchFamily="49" charset="0"/>
+              </a:rPr>
               <a:t> </a:t>
             </a:r>
             <a:r>
-              <a:rPr lang="pt-BR" i="1" dirty="0"/>
-              <a:t>/</a:t>
-            </a:r>
-            <a:r>
-              <a:rPr lang="pt-BR" i="1" dirty="0" err="1"/>
-              <a:t>mapskills</a:t>
-            </a:r>
-            <a:r>
-              <a:rPr lang="pt-BR" i="1" dirty="0"/>
-              <a:t>/front, pois desta forma o arquivo .</a:t>
-            </a:r>
-            <a:r>
-              <a:rPr lang="pt-BR" i="1" dirty="0" err="1"/>
-              <a:t>war</a:t>
-            </a:r>
-            <a:r>
-              <a:rPr lang="pt-BR" i="1" dirty="0"/>
-              <a:t> é compartilhado com o container </a:t>
-            </a:r>
-            <a:r>
-              <a:rPr lang="pt-BR" dirty="0"/>
-              <a:t>responsável por conter a aplicação de </a:t>
-            </a:r>
-            <a:r>
-              <a:rPr lang="pt-BR" i="1" dirty="0"/>
-              <a:t>front-end</a:t>
-            </a:r>
-            <a:r>
-              <a:rPr lang="pt-BR" dirty="0"/>
-              <a:t>.</a:t>
-            </a:r>
-          </a:p>
-          <a:p>
+              <a:rPr lang="en-US" dirty="0">
+                <a:latin typeface="Courier New" panose="02070309020205020404" pitchFamily="49" charset="0"/>
+                <a:cs typeface="Courier New" panose="02070309020205020404" pitchFamily="49" charset="0"/>
+              </a:rPr>
+              <a:t>clean install -</a:t>
+            </a:r>
+            <a:r>
+              <a:rPr lang="en-US" dirty="0" err="1">
+                <a:latin typeface="Courier New" panose="02070309020205020404" pitchFamily="49" charset="0"/>
+                <a:cs typeface="Courier New" panose="02070309020205020404" pitchFamily="49" charset="0"/>
+              </a:rPr>
+              <a:t>Dliquibase.should.run</a:t>
+            </a:r>
+            <a:r>
+              <a:rPr lang="en-US" dirty="0">
+                <a:latin typeface="Courier New" panose="02070309020205020404" pitchFamily="49" charset="0"/>
+                <a:cs typeface="Courier New" panose="02070309020205020404" pitchFamily="49" charset="0"/>
+              </a:rPr>
+              <a:t>=false -</a:t>
+            </a:r>
+            <a:r>
+              <a:rPr lang="en-US" dirty="0" err="1">
+                <a:latin typeface="Courier New" panose="02070309020205020404" pitchFamily="49" charset="0"/>
+                <a:cs typeface="Courier New" panose="02070309020205020404" pitchFamily="49" charset="0"/>
+              </a:rPr>
+              <a:t>Pazure</a:t>
+            </a:r>
+            <a:endParaRPr lang="pt-BR" dirty="0">
+              <a:latin typeface="Courier New" panose="02070309020205020404" pitchFamily="49" charset="0"/>
+              <a:cs typeface="Courier New" panose="02070309020205020404" pitchFamily="49" charset="0"/>
+            </a:endParaRPr>
+          </a:p>
+          <a:p>
+            <a:pPr hangingPunct="0"/>
             <a:endParaRPr lang="pt-BR" dirty="0"/>
           </a:p>
         </p:txBody>
@@ -12544,7 +12111,7 @@
     </p:spTree>
     <p:extLst>
       <p:ext uri="{BB962C8B-B14F-4D97-AF65-F5344CB8AC3E}">
-        <p14:creationId xmlns:p14="http://schemas.microsoft.com/office/powerpoint/2010/main" val="3189414257"/>
+        <p14:creationId xmlns:p14="http://schemas.microsoft.com/office/powerpoint/2010/main" val="1785981346"/>
       </p:ext>
     </p:extLst>
   </p:cSld>
@@ -12592,20 +12159,16 @@
             </a:r>
             <a:r>
               <a:rPr lang="pt-BR" dirty="0" smtClean="0"/>
-              <a:t> – </a:t>
-            </a:r>
-            <a:r>
-              <a:rPr lang="pt-BR" dirty="0" err="1" smtClean="0"/>
-              <a:t>Deploy</a:t>
-            </a:r>
-            <a:r>
-              <a:rPr lang="pt-BR" dirty="0" smtClean="0"/>
-              <a:t> </a:t>
+              <a:t> – Build </a:t>
             </a:r>
             <a:r>
               <a:rPr lang="pt-BR" dirty="0" err="1" smtClean="0"/>
               <a:t>Mapskills</a:t>
             </a:r>
+            <a:r>
+              <a:rPr lang="pt-BR" dirty="0" smtClean="0"/>
+              <a:t>-web</a:t>
+            </a:r>
             <a:endParaRPr lang="pt-BR" dirty="0"/>
           </a:p>
         </p:txBody>
@@ -12625,88 +12188,77 @@
           <a:bodyPr/>
           <a:lstStyle/>
           <a:p>
-            <a:pPr hangingPunct="0"/>
-            <a:r>
-              <a:rPr lang="pt-BR" dirty="0"/>
-              <a:t>Como produto final, o trabalho </a:t>
+            <a:r>
+              <a:rPr lang="pt-BR" dirty="0"/>
+              <a:t>Este </a:t>
             </a:r>
             <a:r>
               <a:rPr lang="pt-BR" dirty="0" err="1"/>
-              <a:t>Deploy</a:t>
-            </a:r>
-            <a:r>
-              <a:rPr lang="pt-BR" dirty="0"/>
+              <a:t>job</a:t>
+            </a:r>
+            <a:r>
+              <a:rPr lang="pt-BR" dirty="0"/>
+              <a:t> irá baixar o projeto de Interface Web do repositório </a:t>
+            </a:r>
+            <a:r>
+              <a:rPr lang="pt-BR" u="sng" dirty="0"/>
+              <a:t>GitHub</a:t>
+            </a:r>
+            <a:r>
+              <a:rPr lang="pt-BR" dirty="0"/>
+              <a:t> e compilar o projeto no formato .</a:t>
+            </a:r>
+            <a:r>
+              <a:rPr lang="pt-BR" dirty="0" err="1"/>
+              <a:t>war</a:t>
+            </a:r>
+            <a:r>
+              <a:rPr lang="pt-BR" dirty="0"/>
+              <a:t>, para que seja disponibilizado posteriormente</a:t>
+            </a:r>
+            <a:r>
+              <a:rPr lang="pt-BR" dirty="0" smtClean="0"/>
+              <a:t>.</a:t>
+            </a:r>
+          </a:p>
+          <a:p>
+            <a:pPr marL="0" indent="0">
+              <a:buNone/>
+            </a:pPr>
+            <a:endParaRPr lang="pt-BR" dirty="0" smtClean="0"/>
+          </a:p>
+          <a:p>
+            <a:pPr marL="0" indent="0" algn="ctr">
+              <a:buNone/>
+            </a:pPr>
+            <a:r>
+              <a:rPr lang="pt-BR" dirty="0" err="1">
+                <a:latin typeface="Courier New" panose="02070309020205020404" pitchFamily="49" charset="0"/>
+                <a:cs typeface="Courier New" panose="02070309020205020404" pitchFamily="49" charset="0"/>
+              </a:rPr>
+              <a:t>mvn</a:t>
+            </a:r>
+            <a:r>
+              <a:rPr lang="pt-BR" dirty="0">
+                <a:latin typeface="Courier New" panose="02070309020205020404" pitchFamily="49" charset="0"/>
+                <a:cs typeface="Courier New" panose="02070309020205020404" pitchFamily="49" charset="0"/>
+              </a:rPr>
+              <a:t> clean </a:t>
+            </a:r>
+            <a:r>
+              <a:rPr lang="pt-BR" dirty="0" err="1">
+                <a:latin typeface="Courier New" panose="02070309020205020404" pitchFamily="49" charset="0"/>
+                <a:cs typeface="Courier New" panose="02070309020205020404" pitchFamily="49" charset="0"/>
+              </a:rPr>
+              <a:t>install</a:t>
+            </a:r>
+            <a:r>
+              <a:rPr lang="pt-BR" dirty="0">
+                <a:latin typeface="Courier New" panose="02070309020205020404" pitchFamily="49" charset="0"/>
+                <a:cs typeface="Courier New" panose="02070309020205020404" pitchFamily="49" charset="0"/>
+              </a:rPr>
               <a:t> </a:t>
             </a:r>
-            <a:r>
-              <a:rPr lang="pt-BR" dirty="0" err="1"/>
-              <a:t>Mapskills</a:t>
-            </a:r>
-            <a:r>
-              <a:rPr lang="pt-BR" dirty="0"/>
-              <a:t> é responsável por disponibilizar os projetos de </a:t>
-            </a:r>
-            <a:r>
-              <a:rPr lang="pt-BR" i="1" dirty="0"/>
-              <a:t>front</a:t>
-            </a:r>
-            <a:r>
-              <a:rPr lang="pt-BR" dirty="0"/>
-              <a:t> e </a:t>
-            </a:r>
-            <a:r>
-              <a:rPr lang="pt-BR" i="1" dirty="0" err="1"/>
-              <a:t>back-end</a:t>
-            </a:r>
-            <a:r>
-              <a:rPr lang="pt-BR" dirty="0"/>
-              <a:t> em produção, ou seja, esteja disponível a última versão estável do projeto. Para que seja esteja em produção, é executado o arquivo “</a:t>
-            </a:r>
-            <a:r>
-              <a:rPr lang="pt-BR" dirty="0" err="1"/>
-              <a:t>docker-compose.yml</a:t>
-            </a:r>
-            <a:r>
-              <a:rPr lang="pt-BR" dirty="0" smtClean="0"/>
-              <a:t>”.</a:t>
-            </a:r>
-            <a:endParaRPr lang="pt-BR" dirty="0"/>
-          </a:p>
-          <a:p>
-            <a:pPr hangingPunct="0"/>
-            <a:r>
-              <a:rPr lang="en-US" dirty="0" err="1"/>
-              <a:t>sudo</a:t>
-            </a:r>
-            <a:r>
-              <a:rPr lang="en-US" dirty="0"/>
-              <a:t> </a:t>
-            </a:r>
-            <a:r>
-              <a:rPr lang="en-US" dirty="0" err="1"/>
-              <a:t>docker</a:t>
-            </a:r>
-            <a:r>
-              <a:rPr lang="en-US" dirty="0"/>
-              <a:t>-compose -f /</a:t>
-            </a:r>
-            <a:r>
-              <a:rPr lang="en-US" dirty="0" err="1"/>
-              <a:t>mapskills</a:t>
-            </a:r>
-            <a:r>
-              <a:rPr lang="en-US" dirty="0"/>
-              <a:t>/</a:t>
-            </a:r>
-            <a:r>
-              <a:rPr lang="en-US" dirty="0" err="1"/>
-              <a:t>docker-compose.yml</a:t>
-            </a:r>
-            <a:r>
-              <a:rPr lang="en-US" dirty="0"/>
-              <a:t> up -d</a:t>
-            </a:r>
-            <a:endParaRPr lang="pt-BR" dirty="0"/>
           </a:p>
           <a:p>
             <a:endParaRPr lang="pt-BR" dirty="0"/>
@@ -12749,7 +12301,7 @@
     </p:spTree>
     <p:extLst>
       <p:ext uri="{BB962C8B-B14F-4D97-AF65-F5344CB8AC3E}">
-        <p14:creationId xmlns:p14="http://schemas.microsoft.com/office/powerpoint/2010/main" val="2729253744"/>
+        <p14:creationId xmlns:p14="http://schemas.microsoft.com/office/powerpoint/2010/main" val="575999161"/>
       </p:ext>
     </p:extLst>
   </p:cSld>
@@ -12783,7 +12335,7 @@
             <a:spLocks noGrp="1"/>
           </p:cNvSpPr>
           <p:nvPr>
-            <p:ph type="ctrTitle"/>
+            <p:ph type="title"/>
           </p:nvPr>
         </p:nvSpPr>
         <p:spPr/>
@@ -12792,8 +12344,36 @@
           <a:lstStyle/>
           <a:p>
             <a:r>
+              <a:rPr lang="pt-BR" dirty="0" err="1" smtClean="0"/>
+              <a:t>Job</a:t>
+            </a:r>
+            <a:r>
               <a:rPr lang="pt-BR" dirty="0" smtClean="0"/>
-              <a:t>Resultados</a:t>
+              <a:t> – </a:t>
+            </a:r>
+            <a:r>
+              <a:rPr lang="pt-BR" dirty="0" err="1" smtClean="0"/>
+              <a:t>Copy</a:t>
+            </a:r>
+            <a:r>
+              <a:rPr lang="pt-BR" dirty="0" smtClean="0"/>
+              <a:t> </a:t>
+            </a:r>
+            <a:r>
+              <a:rPr lang="pt-BR" dirty="0" err="1" smtClean="0"/>
+              <a:t>Artifact</a:t>
+            </a:r>
+            <a:r>
+              <a:rPr lang="pt-BR" dirty="0" smtClean="0"/>
+              <a:t> </a:t>
+            </a:r>
+            <a:r>
+              <a:rPr lang="pt-BR" dirty="0" err="1" smtClean="0"/>
+              <a:t>Mapskills-app</a:t>
+            </a:r>
+            <a:r>
+              <a:rPr lang="pt-BR" dirty="0" smtClean="0"/>
+              <a:t> e Front</a:t>
             </a:r>
             <a:endParaRPr lang="pt-BR" dirty="0"/>
           </a:p>
@@ -12801,12 +12381,12 @@
       </p:sp>
       <p:sp>
         <p:nvSpPr>
-          <p:cNvPr id="3" name="Subtítulo 2"/>
-          <p:cNvSpPr>
-            <a:spLocks noGrp="1"/>
-          </p:cNvSpPr>
-          <p:nvPr>
-            <p:ph type="subTitle" idx="1"/>
+          <p:cNvPr id="3" name="Espaço Reservado para Conteúdo 2"/>
+          <p:cNvSpPr>
+            <a:spLocks noGrp="1"/>
+          </p:cNvSpPr>
+          <p:nvPr>
+            <p:ph idx="1"/>
           </p:nvPr>
         </p:nvSpPr>
         <p:spPr/>
@@ -12814,14 +12394,291 @@
           <a:bodyPr/>
           <a:lstStyle/>
           <a:p>
-            <a:endParaRPr lang="pt-BR"/>
+            <a:r>
+              <a:rPr lang="pt-BR" dirty="0"/>
+              <a:t>Este </a:t>
+            </a:r>
+            <a:r>
+              <a:rPr lang="pt-BR" dirty="0" err="1"/>
+              <a:t>job</a:t>
+            </a:r>
+            <a:r>
+              <a:rPr lang="pt-BR" dirty="0"/>
+              <a:t> depende de que o Build-</a:t>
+            </a:r>
+            <a:r>
+              <a:rPr lang="pt-BR" dirty="0" err="1"/>
+              <a:t>Mapskills</a:t>
+            </a:r>
+            <a:r>
+              <a:rPr lang="pt-BR" dirty="0"/>
+              <a:t>-</a:t>
+            </a:r>
+            <a:r>
+              <a:rPr lang="pt-BR" dirty="0" err="1"/>
+              <a:t>App</a:t>
+            </a:r>
+            <a:r>
+              <a:rPr lang="pt-BR" dirty="0"/>
+              <a:t> (capítulo 3.7.2) tenha sido finalizado com sucesso, só assim, ele irá copiar o arquivo .</a:t>
+            </a:r>
+            <a:r>
+              <a:rPr lang="pt-BR" dirty="0" err="1"/>
+              <a:t>war</a:t>
+            </a:r>
+            <a:r>
+              <a:rPr lang="pt-BR" dirty="0"/>
+              <a:t> do diretório </a:t>
+            </a:r>
+            <a:r>
+              <a:rPr lang="pt-BR" i="1" dirty="0"/>
+              <a:t>/var/</a:t>
+            </a:r>
+            <a:r>
+              <a:rPr lang="pt-BR" i="1" dirty="0" err="1"/>
+              <a:t>jenkins_home</a:t>
+            </a:r>
+            <a:r>
+              <a:rPr lang="pt-BR" i="1" dirty="0"/>
+              <a:t>/</a:t>
+            </a:r>
+            <a:r>
+              <a:rPr lang="pt-BR" i="1" dirty="0" err="1"/>
+              <a:t>workspace</a:t>
+            </a:r>
+            <a:r>
+              <a:rPr lang="pt-BR" i="1" dirty="0"/>
+              <a:t>/Build-</a:t>
+            </a:r>
+            <a:r>
+              <a:rPr lang="pt-BR" i="1" dirty="0" err="1"/>
+              <a:t>Mapskills</a:t>
+            </a:r>
+            <a:r>
+              <a:rPr lang="pt-BR" i="1" dirty="0"/>
+              <a:t>-Back/</a:t>
+            </a:r>
+            <a:r>
+              <a:rPr lang="pt-BR" i="1" dirty="0" err="1"/>
+              <a:t>target</a:t>
+            </a:r>
+            <a:r>
+              <a:rPr lang="pt-BR" i="1" dirty="0"/>
+              <a:t>/</a:t>
+            </a:r>
+            <a:r>
+              <a:rPr lang="pt-BR" i="1" dirty="0" err="1"/>
+              <a:t>mapskills.war</a:t>
+            </a:r>
+            <a:r>
+              <a:rPr lang="pt-BR" dirty="0"/>
+              <a:t> para o volume </a:t>
+            </a:r>
+            <a:r>
+              <a:rPr lang="pt-BR" dirty="0" err="1"/>
+              <a:t>Docker</a:t>
+            </a:r>
+            <a:r>
+              <a:rPr lang="pt-BR" dirty="0"/>
+              <a:t> </a:t>
+            </a:r>
+            <a:r>
+              <a:rPr lang="pt-BR" i="1" dirty="0"/>
+              <a:t>/</a:t>
+            </a:r>
+            <a:r>
+              <a:rPr lang="pt-BR" i="1" dirty="0" err="1"/>
+              <a:t>mapskills</a:t>
+            </a:r>
+            <a:r>
+              <a:rPr lang="pt-BR" i="1" dirty="0"/>
+              <a:t>/</a:t>
+            </a:r>
+            <a:r>
+              <a:rPr lang="pt-BR" i="1" dirty="0" err="1"/>
+              <a:t>back</a:t>
+            </a:r>
+            <a:r>
+              <a:rPr lang="pt-BR" i="1" dirty="0"/>
+              <a:t>, pois desta forma o arquivo .</a:t>
+            </a:r>
+            <a:r>
+              <a:rPr lang="pt-BR" i="1" dirty="0" err="1"/>
+              <a:t>war</a:t>
+            </a:r>
+            <a:r>
+              <a:rPr lang="pt-BR" i="1" dirty="0"/>
+              <a:t> é compartilhado com o container </a:t>
+            </a:r>
+            <a:r>
+              <a:rPr lang="pt-BR" dirty="0"/>
+              <a:t>responsável por conter a aplicação de </a:t>
+            </a:r>
+            <a:r>
+              <a:rPr lang="pt-BR" i="1" dirty="0" err="1"/>
+              <a:t>back</a:t>
+            </a:r>
+            <a:r>
+              <a:rPr lang="pt-BR" i="1" dirty="0"/>
+              <a:t>-end</a:t>
+            </a:r>
+            <a:r>
+              <a:rPr lang="pt-BR" dirty="0"/>
+              <a:t>.</a:t>
+            </a:r>
+          </a:p>
+          <a:p>
+            <a:pPr marL="0" indent="0" hangingPunct="0">
+              <a:buNone/>
+            </a:pPr>
+            <a:endParaRPr lang="en-US" dirty="0" smtClean="0"/>
+          </a:p>
+          <a:p>
+            <a:pPr marL="0" indent="0" algn="ctr" hangingPunct="0">
+              <a:buNone/>
+            </a:pPr>
+            <a:r>
+              <a:rPr lang="en-US" dirty="0" err="1" smtClean="0">
+                <a:latin typeface="Courier New" panose="02070309020205020404" pitchFamily="49" charset="0"/>
+                <a:cs typeface="Courier New" panose="02070309020205020404" pitchFamily="49" charset="0"/>
+              </a:rPr>
+              <a:t>sudo</a:t>
+            </a:r>
+            <a:r>
+              <a:rPr lang="en-US" dirty="0" smtClean="0">
+                <a:latin typeface="Courier New" panose="02070309020205020404" pitchFamily="49" charset="0"/>
+                <a:cs typeface="Courier New" panose="02070309020205020404" pitchFamily="49" charset="0"/>
+              </a:rPr>
+              <a:t> </a:t>
+            </a:r>
+            <a:r>
+              <a:rPr lang="en-US" dirty="0" err="1">
+                <a:latin typeface="Courier New" panose="02070309020205020404" pitchFamily="49" charset="0"/>
+                <a:cs typeface="Courier New" panose="02070309020205020404" pitchFamily="49" charset="0"/>
+              </a:rPr>
+              <a:t>cp</a:t>
+            </a:r>
+            <a:r>
+              <a:rPr lang="en-US" dirty="0">
+                <a:latin typeface="Courier New" panose="02070309020205020404" pitchFamily="49" charset="0"/>
+                <a:cs typeface="Courier New" panose="02070309020205020404" pitchFamily="49" charset="0"/>
+              </a:rPr>
+              <a:t> /</a:t>
+            </a:r>
+            <a:r>
+              <a:rPr lang="en-US" dirty="0" err="1">
+                <a:latin typeface="Courier New" panose="02070309020205020404" pitchFamily="49" charset="0"/>
+                <a:cs typeface="Courier New" panose="02070309020205020404" pitchFamily="49" charset="0"/>
+              </a:rPr>
+              <a:t>var</a:t>
+            </a:r>
+            <a:r>
+              <a:rPr lang="en-US" dirty="0">
+                <a:latin typeface="Courier New" panose="02070309020205020404" pitchFamily="49" charset="0"/>
+                <a:cs typeface="Courier New" panose="02070309020205020404" pitchFamily="49" charset="0"/>
+              </a:rPr>
+              <a:t>/</a:t>
+            </a:r>
+            <a:r>
+              <a:rPr lang="en-US" dirty="0" err="1">
+                <a:latin typeface="Courier New" panose="02070309020205020404" pitchFamily="49" charset="0"/>
+                <a:cs typeface="Courier New" panose="02070309020205020404" pitchFamily="49" charset="0"/>
+              </a:rPr>
+              <a:t>jenkins_home</a:t>
+            </a:r>
+            <a:r>
+              <a:rPr lang="en-US" dirty="0">
+                <a:latin typeface="Courier New" panose="02070309020205020404" pitchFamily="49" charset="0"/>
+                <a:cs typeface="Courier New" panose="02070309020205020404" pitchFamily="49" charset="0"/>
+              </a:rPr>
+              <a:t>/workspace/Build-</a:t>
+            </a:r>
+            <a:r>
+              <a:rPr lang="en-US" dirty="0" err="1">
+                <a:latin typeface="Courier New" panose="02070309020205020404" pitchFamily="49" charset="0"/>
+                <a:cs typeface="Courier New" panose="02070309020205020404" pitchFamily="49" charset="0"/>
+              </a:rPr>
+              <a:t>Mapskills</a:t>
+            </a:r>
+            <a:r>
+              <a:rPr lang="en-US" dirty="0">
+                <a:latin typeface="Courier New" panose="02070309020205020404" pitchFamily="49" charset="0"/>
+                <a:cs typeface="Courier New" panose="02070309020205020404" pitchFamily="49" charset="0"/>
+              </a:rPr>
+              <a:t>-Back/target/</a:t>
+            </a:r>
+            <a:r>
+              <a:rPr lang="en-US" dirty="0" err="1">
+                <a:latin typeface="Courier New" panose="02070309020205020404" pitchFamily="49" charset="0"/>
+                <a:cs typeface="Courier New" panose="02070309020205020404" pitchFamily="49" charset="0"/>
+              </a:rPr>
+              <a:t>mapskills.war</a:t>
+            </a:r>
+            <a:r>
+              <a:rPr lang="en-US" dirty="0">
+                <a:latin typeface="Courier New" panose="02070309020205020404" pitchFamily="49" charset="0"/>
+                <a:cs typeface="Courier New" panose="02070309020205020404" pitchFamily="49" charset="0"/>
+              </a:rPr>
+              <a:t> /</a:t>
+            </a:r>
+            <a:r>
+              <a:rPr lang="en-US" dirty="0" err="1" smtClean="0">
+                <a:latin typeface="Courier New" panose="02070309020205020404" pitchFamily="49" charset="0"/>
+                <a:cs typeface="Courier New" panose="02070309020205020404" pitchFamily="49" charset="0"/>
+              </a:rPr>
+              <a:t>mapskills</a:t>
+            </a:r>
+            <a:r>
+              <a:rPr lang="en-US" dirty="0" smtClean="0">
+                <a:latin typeface="Courier New" panose="02070309020205020404" pitchFamily="49" charset="0"/>
+                <a:cs typeface="Courier New" panose="02070309020205020404" pitchFamily="49" charset="0"/>
+              </a:rPr>
+              <a:t>/back</a:t>
+            </a:r>
+            <a:endParaRPr lang="pt-BR" dirty="0">
+              <a:latin typeface="Courier New" panose="02070309020205020404" pitchFamily="49" charset="0"/>
+              <a:cs typeface="Courier New" panose="02070309020205020404" pitchFamily="49" charset="0"/>
+            </a:endParaRPr>
+          </a:p>
+        </p:txBody>
+      </p:sp>
+      <p:sp>
+        <p:nvSpPr>
+          <p:cNvPr id="4" name="Retângulo 3"/>
+          <p:cNvSpPr/>
+          <p:nvPr/>
+        </p:nvSpPr>
+        <p:spPr>
+          <a:xfrm>
+            <a:off x="680321" y="250521"/>
+            <a:ext cx="2231701" cy="369332"/>
+          </a:xfrm>
+          <a:prstGeom prst="rect">
+            <a:avLst/>
+          </a:prstGeom>
+        </p:spPr>
+        <p:txBody>
+          <a:bodyPr wrap="none">
+            <a:spAutoFit/>
+          </a:bodyPr>
+          <a:lstStyle/>
+          <a:p>
+            <a:pPr marL="285750" indent="-285750">
+              <a:buFont typeface="Arial" panose="020B0604020202020204" pitchFamily="34" charset="0"/>
+              <a:buChar char="•"/>
+            </a:pPr>
+            <a:r>
+              <a:rPr lang="pt-BR" dirty="0" smtClean="0"/>
+              <a:t>Desenvolvimento</a:t>
+            </a:r>
+            <a:endParaRPr lang="pt-BR" dirty="0"/>
           </a:p>
         </p:txBody>
       </p:sp>
     </p:spTree>
     <p:extLst>
       <p:ext uri="{BB962C8B-B14F-4D97-AF65-F5344CB8AC3E}">
-        <p14:creationId xmlns:p14="http://schemas.microsoft.com/office/powerpoint/2010/main" val="1979354097"/>
+        <p14:creationId xmlns:p14="http://schemas.microsoft.com/office/powerpoint/2010/main" val="1070249952"/>
       </p:ext>
     </p:extLst>
   </p:cSld>
@@ -12864,8 +12721,24 @@
           <a:lstStyle/>
           <a:p>
             <a:r>
+              <a:rPr lang="pt-BR" dirty="0" err="1" smtClean="0"/>
+              <a:t>Job</a:t>
+            </a:r>
+            <a:r>
               <a:rPr lang="pt-BR" dirty="0" smtClean="0"/>
-              <a:t>Escopo dos Resultados</a:t>
+              <a:t> – </a:t>
+            </a:r>
+            <a:r>
+              <a:rPr lang="pt-BR" dirty="0" err="1" smtClean="0"/>
+              <a:t>Deploy</a:t>
+            </a:r>
+            <a:r>
+              <a:rPr lang="pt-BR" dirty="0" smtClean="0"/>
+              <a:t> </a:t>
+            </a:r>
+            <a:r>
+              <a:rPr lang="pt-BR" dirty="0" err="1" smtClean="0"/>
+              <a:t>Mapskills</a:t>
             </a:r>
             <a:endParaRPr lang="pt-BR" dirty="0"/>
           </a:p>
@@ -12881,60 +12754,149 @@
             <p:ph idx="1"/>
           </p:nvPr>
         </p:nvSpPr>
-        <p:spPr/>
+        <p:spPr>
+          <a:xfrm>
+            <a:off x="680321" y="2336873"/>
+            <a:ext cx="10893370" cy="3599316"/>
+          </a:xfrm>
+        </p:spPr>
         <p:txBody>
           <a:bodyPr/>
           <a:lstStyle/>
           <a:p>
-            <a:r>
-              <a:rPr lang="pt-BR" dirty="0"/>
-              <a:t>Realizado com alunos da FATEC Prof. </a:t>
+            <a:pPr hangingPunct="0"/>
+            <a:r>
+              <a:rPr lang="pt-BR" dirty="0"/>
+              <a:t>Como produto final, o trabalho </a:t>
             </a:r>
             <a:r>
               <a:rPr lang="pt-BR" dirty="0" err="1"/>
-              <a:t>Jessen</a:t>
+              <a:t>Deploy</a:t>
             </a:r>
             <a:r>
               <a:rPr lang="pt-BR" dirty="0"/>
               <a:t> </a:t>
             </a:r>
             <a:r>
+              <a:rPr lang="pt-BR" dirty="0" err="1"/>
+              <a:t>Mapskills</a:t>
+            </a:r>
+            <a:r>
+              <a:rPr lang="pt-BR" dirty="0"/>
+              <a:t> é responsável por disponibilizar os projetos de </a:t>
+            </a:r>
+            <a:r>
+              <a:rPr lang="pt-BR" i="1" dirty="0"/>
+              <a:t>front</a:t>
+            </a:r>
+            <a:r>
+              <a:rPr lang="pt-BR" dirty="0"/>
+              <a:t> e </a:t>
+            </a:r>
+            <a:r>
+              <a:rPr lang="pt-BR" i="1" dirty="0" err="1"/>
+              <a:t>back-end</a:t>
+            </a:r>
+            <a:r>
+              <a:rPr lang="pt-BR" dirty="0"/>
+              <a:t> em produção, ou seja, esteja disponível a última versão estável do projeto. Para que seja esteja em produção, é executado o arquivo “</a:t>
+            </a:r>
+            <a:r>
+              <a:rPr lang="pt-BR" dirty="0" err="1"/>
+              <a:t>docker-compose.yml</a:t>
+            </a:r>
+            <a:r>
               <a:rPr lang="pt-BR" dirty="0" smtClean="0"/>
-              <a:t>Vidal.</a:t>
-            </a:r>
-          </a:p>
-          <a:p>
-            <a:r>
-              <a:rPr lang="pt-BR" dirty="0"/>
-              <a:t>Entre os meses de março, abril e maio</a:t>
-            </a:r>
-            <a:r>
-              <a:rPr lang="pt-BR" dirty="0" smtClean="0"/>
-              <a:t>.</a:t>
-            </a:r>
-          </a:p>
-          <a:p>
-            <a:r>
-              <a:rPr lang="pt-BR" dirty="0"/>
-              <a:t>Testado por mais de </a:t>
-            </a:r>
-            <a:r>
-              <a:rPr lang="pt-BR" dirty="0" smtClean="0"/>
-              <a:t>250 alunos.</a:t>
-            </a:r>
-          </a:p>
-        </p:txBody>
-      </p:sp>
-      <p:sp>
-        <p:nvSpPr>
-          <p:cNvPr id="6" name="Retângulo 5"/>
+              <a:t>”.</a:t>
+            </a:r>
+            <a:endParaRPr lang="pt-BR" dirty="0"/>
+          </a:p>
+          <a:p>
+            <a:pPr marL="0" indent="0" hangingPunct="0">
+              <a:buNone/>
+            </a:pPr>
+            <a:endParaRPr lang="en-US" dirty="0" smtClean="0"/>
+          </a:p>
+          <a:p>
+            <a:pPr marL="0" indent="0" algn="ctr" hangingPunct="0">
+              <a:buNone/>
+            </a:pPr>
+            <a:r>
+              <a:rPr lang="en-US" dirty="0" err="1" smtClean="0">
+                <a:latin typeface="Courier New" panose="02070309020205020404" pitchFamily="49" charset="0"/>
+                <a:cs typeface="Courier New" panose="02070309020205020404" pitchFamily="49" charset="0"/>
+              </a:rPr>
+              <a:t>sudo</a:t>
+            </a:r>
+            <a:r>
+              <a:rPr lang="en-US" dirty="0" smtClean="0">
+                <a:latin typeface="Courier New" panose="02070309020205020404" pitchFamily="49" charset="0"/>
+                <a:cs typeface="Courier New" panose="02070309020205020404" pitchFamily="49" charset="0"/>
+              </a:rPr>
+              <a:t> </a:t>
+            </a:r>
+            <a:r>
+              <a:rPr lang="en-US" dirty="0" err="1">
+                <a:latin typeface="Courier New" panose="02070309020205020404" pitchFamily="49" charset="0"/>
+                <a:cs typeface="Courier New" panose="02070309020205020404" pitchFamily="49" charset="0"/>
+              </a:rPr>
+              <a:t>docker</a:t>
+            </a:r>
+            <a:r>
+              <a:rPr lang="en-US" dirty="0">
+                <a:latin typeface="Courier New" panose="02070309020205020404" pitchFamily="49" charset="0"/>
+                <a:cs typeface="Courier New" panose="02070309020205020404" pitchFamily="49" charset="0"/>
+              </a:rPr>
+              <a:t>-compose -f /</a:t>
+            </a:r>
+            <a:r>
+              <a:rPr lang="en-US" dirty="0" err="1">
+                <a:latin typeface="Courier New" panose="02070309020205020404" pitchFamily="49" charset="0"/>
+                <a:cs typeface="Courier New" panose="02070309020205020404" pitchFamily="49" charset="0"/>
+              </a:rPr>
+              <a:t>mapskills</a:t>
+            </a:r>
+            <a:r>
+              <a:rPr lang="en-US" dirty="0">
+                <a:latin typeface="Courier New" panose="02070309020205020404" pitchFamily="49" charset="0"/>
+                <a:cs typeface="Courier New" panose="02070309020205020404" pitchFamily="49" charset="0"/>
+              </a:rPr>
+              <a:t>/</a:t>
+            </a:r>
+            <a:r>
+              <a:rPr lang="en-US" dirty="0" err="1">
+                <a:latin typeface="Courier New" panose="02070309020205020404" pitchFamily="49" charset="0"/>
+                <a:cs typeface="Courier New" panose="02070309020205020404" pitchFamily="49" charset="0"/>
+              </a:rPr>
+              <a:t>docker-compose.yml</a:t>
+            </a:r>
+            <a:r>
+              <a:rPr lang="en-US" dirty="0">
+                <a:latin typeface="Courier New" panose="02070309020205020404" pitchFamily="49" charset="0"/>
+                <a:cs typeface="Courier New" panose="02070309020205020404" pitchFamily="49" charset="0"/>
+              </a:rPr>
+              <a:t> up -d</a:t>
+            </a:r>
+            <a:endParaRPr lang="pt-BR" dirty="0">
+              <a:latin typeface="Courier New" panose="02070309020205020404" pitchFamily="49" charset="0"/>
+              <a:cs typeface="Courier New" panose="02070309020205020404" pitchFamily="49" charset="0"/>
+            </a:endParaRPr>
+          </a:p>
+          <a:p>
+            <a:endParaRPr lang="pt-BR" dirty="0"/>
+          </a:p>
+        </p:txBody>
+      </p:sp>
+      <p:sp>
+        <p:nvSpPr>
+          <p:cNvPr id="4" name="Retângulo 3"/>
           <p:cNvSpPr/>
           <p:nvPr/>
         </p:nvSpPr>
         <p:spPr>
           <a:xfrm>
             <a:off x="680321" y="250521"/>
-            <a:ext cx="1569917" cy="369332"/>
+            <a:ext cx="2231701" cy="369332"/>
           </a:xfrm>
           <a:prstGeom prst="rect">
             <a:avLst/>
@@ -12952,7 +12914,7 @@
             </a:pPr>
             <a:r>
               <a:rPr lang="pt-BR" dirty="0" smtClean="0"/>
-              <a:t>Resultados</a:t>
+              <a:t>Desenvolvimento</a:t>
             </a:r>
             <a:endParaRPr lang="pt-BR" dirty="0"/>
           </a:p>
@@ -12961,7 +12923,7 @@
     </p:spTree>
     <p:extLst>
       <p:ext uri="{BB962C8B-B14F-4D97-AF65-F5344CB8AC3E}">
-        <p14:creationId xmlns:p14="http://schemas.microsoft.com/office/powerpoint/2010/main" val="1937326064"/>
+        <p14:creationId xmlns:p14="http://schemas.microsoft.com/office/powerpoint/2010/main" val="2729253744"/>
       </p:ext>
     </p:extLst>
   </p:cSld>
@@ -12995,7 +12957,7 @@
             <a:spLocks noGrp="1"/>
           </p:cNvSpPr>
           <p:nvPr>
-            <p:ph type="title"/>
+            <p:ph type="ctrTitle"/>
           </p:nvPr>
         </p:nvSpPr>
         <p:spPr/>
@@ -13003,147 +12965,37 @@
           <a:bodyPr/>
           <a:lstStyle/>
           <a:p>
-            <a:r>
-              <a:rPr lang="pt-BR" dirty="0" smtClean="0"/>
-              <a:t>Experimento 1</a:t>
-            </a:r>
-            <a:endParaRPr lang="pt-BR" dirty="0"/>
-          </a:p>
-        </p:txBody>
-      </p:sp>
-      <p:sp>
-        <p:nvSpPr>
-          <p:cNvPr id="3" name="Espaço Reservado para Conteúdo 2"/>
-          <p:cNvSpPr>
-            <a:spLocks noGrp="1"/>
-          </p:cNvSpPr>
-          <p:nvPr>
-            <p:ph idx="1"/>
-          </p:nvPr>
-        </p:nvSpPr>
-        <p:spPr/>
-        <p:txBody>
-          <a:bodyPr>
-            <a:normAutofit fontScale="92500" lnSpcReduction="20000"/>
-          </a:bodyPr>
-          <a:lstStyle/>
-          <a:p>
-            <a:r>
-              <a:rPr lang="pt-BR" dirty="0" smtClean="0"/>
-              <a:t>Rede Interna</a:t>
-            </a:r>
-          </a:p>
-          <a:p>
-            <a:r>
-              <a:rPr lang="pt-BR" dirty="0" smtClean="0"/>
-              <a:t>Data: 08 de março de 2017</a:t>
-            </a:r>
-          </a:p>
-          <a:p>
-            <a:r>
-              <a:rPr lang="pt-BR" dirty="0" smtClean="0"/>
-              <a:t>Horário: 19h às 21h30.</a:t>
-            </a:r>
-          </a:p>
-          <a:p>
-            <a:r>
-              <a:rPr lang="pt-BR" dirty="0" smtClean="0"/>
-              <a:t>Quantidade de Alunos: 120.</a:t>
-            </a:r>
-          </a:p>
-          <a:p>
-            <a:r>
-              <a:rPr lang="pt-BR" dirty="0" smtClean="0"/>
-              <a:t>Localidade: </a:t>
-            </a:r>
-            <a:r>
-              <a:rPr lang="pt-BR" dirty="0"/>
-              <a:t>FATEC São José dos Campos</a:t>
-            </a:r>
-          </a:p>
-          <a:p>
-            <a:pPr hangingPunct="0"/>
-            <a:r>
-              <a:rPr lang="pt-BR" dirty="0" smtClean="0"/>
-              <a:t>Resultado: </a:t>
-            </a:r>
-          </a:p>
-          <a:p>
-            <a:pPr lvl="1" hangingPunct="0"/>
-            <a:r>
-              <a:rPr lang="pt-BR" dirty="0" smtClean="0"/>
-              <a:t>Durante </a:t>
-            </a:r>
-            <a:r>
-              <a:rPr lang="pt-BR" dirty="0"/>
-              <a:t>o experimento pode-se observar um alto consumo de Memória pois eram realizadas diversas tarefas concorrentemente, além de operações de acesso ao banco de dados.</a:t>
-            </a:r>
-          </a:p>
-          <a:p>
-            <a:pPr lvl="1" hangingPunct="0"/>
-            <a:r>
-              <a:rPr lang="pt-BR" dirty="0"/>
-              <a:t>Para resolver este requisito, foi adicionado na arquitetura do projeto um </a:t>
-            </a:r>
-            <a:r>
-              <a:rPr lang="pt-BR" dirty="0" err="1"/>
-              <a:t>balanceador</a:t>
-            </a:r>
-            <a:r>
-              <a:rPr lang="pt-BR" dirty="0"/>
-              <a:t> de carga, que tem a responsabilidade de direcionar as requisições ao </a:t>
-            </a:r>
-            <a:r>
-              <a:rPr lang="pt-BR" i="1" dirty="0" err="1"/>
-              <a:t>back-end</a:t>
-            </a:r>
-            <a:r>
-              <a:rPr lang="pt-BR" dirty="0"/>
-              <a:t> com menor número de tarefas em execução.</a:t>
-            </a:r>
-          </a:p>
-          <a:p>
-            <a:endParaRPr lang="pt-BR" dirty="0"/>
-          </a:p>
-        </p:txBody>
-      </p:sp>
-      <p:sp>
-        <p:nvSpPr>
-          <p:cNvPr id="4" name="Retângulo 3"/>
-          <p:cNvSpPr/>
-          <p:nvPr/>
-        </p:nvSpPr>
-        <p:spPr>
-          <a:xfrm>
-            <a:off x="680321" y="250521"/>
-            <a:ext cx="1569917" cy="369332"/>
-          </a:xfrm>
-          <a:prstGeom prst="rect">
-            <a:avLst/>
-          </a:prstGeom>
-        </p:spPr>
-        <p:txBody>
-          <a:bodyPr wrap="none">
-            <a:spAutoFit/>
-          </a:bodyPr>
-          <a:lstStyle/>
-          <a:p>
-            <a:pPr marL="285750" indent="-285750">
-              <a:buFont typeface="Arial" panose="020B0604020202020204" pitchFamily="34" charset="0"/>
-              <a:buChar char="•"/>
-            </a:pPr>
             <a:r>
               <a:rPr lang="pt-BR" dirty="0" smtClean="0"/>
               <a:t>Resultados</a:t>
             </a:r>
             <a:endParaRPr lang="pt-BR" dirty="0"/>
+          </a:p>
+        </p:txBody>
+      </p:sp>
+      <p:sp>
+        <p:nvSpPr>
+          <p:cNvPr id="3" name="Subtítulo 2"/>
+          <p:cNvSpPr>
+            <a:spLocks noGrp="1"/>
+          </p:cNvSpPr>
+          <p:nvPr>
+            <p:ph type="subTitle" idx="1"/>
+          </p:nvPr>
+        </p:nvSpPr>
+        <p:spPr/>
+        <p:txBody>
+          <a:bodyPr/>
+          <a:lstStyle/>
+          <a:p>
+            <a:endParaRPr lang="pt-BR"/>
           </a:p>
         </p:txBody>
       </p:sp>
     </p:spTree>
     <p:extLst>
       <p:ext uri="{BB962C8B-B14F-4D97-AF65-F5344CB8AC3E}">
-        <p14:creationId xmlns:p14="http://schemas.microsoft.com/office/powerpoint/2010/main" val="3970051832"/>
+        <p14:creationId xmlns:p14="http://schemas.microsoft.com/office/powerpoint/2010/main" val="1979354097"/>
       </p:ext>
     </p:extLst>
   </p:cSld>
@@ -13187,7 +13039,7 @@
           <a:p>
             <a:r>
               <a:rPr lang="pt-BR" dirty="0" smtClean="0"/>
-              <a:t>Experimento 2</a:t>
+              <a:t>Escopo dos Resultados</a:t>
             </a:r>
             <a:endParaRPr lang="pt-BR" dirty="0"/>
           </a:p>
@@ -13205,167 +13057,51 @@
         </p:nvSpPr>
         <p:spPr/>
         <p:txBody>
-          <a:bodyPr>
-            <a:normAutofit fontScale="70000" lnSpcReduction="20000"/>
-          </a:bodyPr>
-          <a:lstStyle/>
-          <a:p>
-            <a:r>
-              <a:rPr lang="pt-BR" dirty="0"/>
-              <a:t>Rede Interna</a:t>
-            </a:r>
-          </a:p>
-          <a:p>
-            <a:r>
-              <a:rPr lang="pt-BR" dirty="0"/>
-              <a:t>Data: 08 de março de 2017</a:t>
-            </a:r>
-          </a:p>
-          <a:p>
-            <a:r>
-              <a:rPr lang="pt-BR" dirty="0"/>
-              <a:t>Horário: 19h às 21h30.</a:t>
-            </a:r>
-          </a:p>
-          <a:p>
-            <a:r>
-              <a:rPr lang="pt-BR" dirty="0"/>
-              <a:t>Quantidade de Alunos: 120.</a:t>
-            </a:r>
-          </a:p>
-          <a:p>
-            <a:r>
-              <a:rPr lang="pt-BR" dirty="0"/>
-              <a:t>Localidade: FATEC São José dos Campos</a:t>
-            </a:r>
-          </a:p>
-          <a:p>
-            <a:pPr hangingPunct="0"/>
-            <a:r>
-              <a:rPr lang="pt-BR" dirty="0"/>
-              <a:t>Resultado: </a:t>
-            </a:r>
-            <a:endParaRPr lang="pt-BR" dirty="0" smtClean="0"/>
-          </a:p>
-          <a:p>
-            <a:pPr lvl="1" hangingPunct="0"/>
+          <a:bodyPr/>
+          <a:lstStyle/>
+          <a:p>
+            <a:r>
+              <a:rPr lang="pt-BR" dirty="0"/>
+              <a:t>Realizado com alunos da FATEC Prof. </a:t>
+            </a:r>
+            <a:r>
+              <a:rPr lang="pt-BR" dirty="0" err="1"/>
+              <a:t>Jessen</a:t>
+            </a:r>
+            <a:r>
+              <a:rPr lang="pt-BR" dirty="0"/>
+              <a:t> </a:t>
+            </a:r>
             <a:r>
               <a:rPr lang="pt-BR" dirty="0" smtClean="0"/>
-              <a:t>O </a:t>
-            </a:r>
-            <a:r>
-              <a:rPr lang="pt-BR" dirty="0"/>
-              <a:t>segundo experimento foi realizado na Fatec com o acesso de aproximadamente 150 alunos, com o objetivo de monitorar pelos containers </a:t>
-            </a:r>
-            <a:r>
-              <a:rPr lang="pt-BR" dirty="0" err="1"/>
-              <a:t>Mapskills-Cadvisor</a:t>
-            </a:r>
-            <a:r>
-              <a:rPr lang="pt-BR" dirty="0"/>
-              <a:t> e </a:t>
-            </a:r>
-            <a:r>
-              <a:rPr lang="pt-BR" dirty="0" err="1"/>
-              <a:t>Mapskills-Haproxy</a:t>
-            </a:r>
-            <a:r>
-              <a:rPr lang="pt-BR" dirty="0"/>
-              <a:t> o acesso a plataforma além dos recursos utilizados pelo servidor. </a:t>
-            </a:r>
-            <a:endParaRPr lang="pt-BR" dirty="0"/>
-          </a:p>
-          <a:p>
-            <a:pPr lvl="1" hangingPunct="0"/>
+              <a:t>Vidal.</a:t>
+            </a:r>
+          </a:p>
+          <a:p>
+            <a:r>
+              <a:rPr lang="pt-BR" dirty="0"/>
+              <a:t>Entre os meses de março, abril e maio</a:t>
+            </a:r>
             <a:r>
               <a:rPr lang="pt-BR" dirty="0" smtClean="0"/>
-              <a:t>Dado </a:t>
-            </a:r>
-            <a:r>
-              <a:rPr lang="pt-BR" dirty="0"/>
-              <a:t>momento, foi constatado um problema na aplicação de </a:t>
-            </a:r>
-            <a:r>
-              <a:rPr lang="pt-BR" i="1" dirty="0" err="1"/>
-              <a:t>back-end</a:t>
-            </a:r>
-            <a:r>
-              <a:rPr lang="pt-BR" dirty="0"/>
-              <a:t> e foi necessária atualiza-la já em produção. Ao atualizar a versão aplicação de </a:t>
-            </a:r>
-            <a:r>
-              <a:rPr lang="pt-BR" i="1" dirty="0" err="1"/>
-              <a:t>back-end</a:t>
-            </a:r>
-            <a:r>
-              <a:rPr lang="pt-BR" i="1" dirty="0"/>
-              <a:t>, </a:t>
-            </a:r>
-            <a:r>
-              <a:rPr lang="pt-BR" dirty="0"/>
-              <a:t>foi interrompido o Servidor de Banco de Dados. Por conta da indisponibilidade de acesso ao Banco de Dados a arquitetura do projeto foi fracionada em duas partes. Uma contendo a parte de gerenciamento da aplicação com os serviços: </a:t>
-            </a:r>
-            <a:r>
-              <a:rPr lang="pt-BR" dirty="0" err="1"/>
-              <a:t>Mapskills-Jenkins</a:t>
-            </a:r>
-            <a:r>
-              <a:rPr lang="pt-BR" dirty="0"/>
-              <a:t>, </a:t>
-            </a:r>
-            <a:r>
-              <a:rPr lang="pt-BR" dirty="0" err="1"/>
-              <a:t>Mapskills-Cadivisor</a:t>
-            </a:r>
-            <a:r>
-              <a:rPr lang="pt-BR" dirty="0"/>
-              <a:t>, </a:t>
-            </a:r>
-            <a:r>
-              <a:rPr lang="pt-BR" dirty="0" err="1"/>
-              <a:t>Mapskills-Mysql</a:t>
-            </a:r>
-            <a:r>
-              <a:rPr lang="pt-BR" dirty="0"/>
-              <a:t>, pois estes containers armazenam ou gerenciam dados importantes e críticos na aplicação. E a outra parte com os serviços </a:t>
-            </a:r>
-            <a:r>
-              <a:rPr lang="pt-BR" dirty="0" err="1"/>
-              <a:t>Mapskills-Haproxy</a:t>
-            </a:r>
-            <a:r>
-              <a:rPr lang="pt-BR" dirty="0"/>
-              <a:t>, </a:t>
-            </a:r>
-            <a:r>
-              <a:rPr lang="pt-BR" dirty="0" err="1"/>
-              <a:t>Mapskills</a:t>
-            </a:r>
-            <a:r>
-              <a:rPr lang="pt-BR" dirty="0"/>
-              <a:t>-Front, </a:t>
-            </a:r>
-            <a:r>
-              <a:rPr lang="pt-BR" dirty="0" err="1"/>
-              <a:t>Mapskills</a:t>
-            </a:r>
-            <a:r>
-              <a:rPr lang="pt-BR" dirty="0"/>
-              <a:t>-Back, com a finalidade automatizar os serviços de acesso a plataforma, facilitando também a integração, e controle na entrega de uma nova versão do software.</a:t>
-            </a:r>
-          </a:p>
-          <a:p>
-            <a:pPr hangingPunct="0"/>
-            <a:endParaRPr lang="pt-BR" dirty="0"/>
-          </a:p>
-          <a:p>
-            <a:endParaRPr lang="pt-BR" dirty="0"/>
-          </a:p>
-        </p:txBody>
-      </p:sp>
-      <p:sp>
-        <p:nvSpPr>
-          <p:cNvPr id="4" name="Retângulo 3"/>
+              <a:t>.</a:t>
+            </a:r>
+          </a:p>
+          <a:p>
+            <a:r>
+              <a:rPr lang="pt-BR" dirty="0"/>
+              <a:t>Testado por mais de </a:t>
+            </a:r>
+            <a:r>
+              <a:rPr lang="pt-BR" dirty="0" smtClean="0"/>
+              <a:t>250 alunos.</a:t>
+            </a:r>
+          </a:p>
+        </p:txBody>
+      </p:sp>
+      <p:sp>
+        <p:nvSpPr>
+          <p:cNvPr id="6" name="Retângulo 5"/>
           <p:cNvSpPr/>
           <p:nvPr/>
         </p:nvSpPr>
@@ -13399,7 +13135,7 @@
     </p:spTree>
     <p:extLst>
       <p:ext uri="{BB962C8B-B14F-4D97-AF65-F5344CB8AC3E}">
-        <p14:creationId xmlns:p14="http://schemas.microsoft.com/office/powerpoint/2010/main" val="3404476178"/>
+        <p14:creationId xmlns:p14="http://schemas.microsoft.com/office/powerpoint/2010/main" val="1937326064"/>
       </p:ext>
     </p:extLst>
   </p:cSld>
@@ -13433,7 +13169,7 @@
             <a:spLocks noGrp="1"/>
           </p:cNvSpPr>
           <p:nvPr>
-            <p:ph type="ctrTitle"/>
+            <p:ph type="title"/>
           </p:nvPr>
         </p:nvSpPr>
         <p:spPr/>
@@ -13443,7 +13179,7 @@
           <a:p>
             <a:r>
               <a:rPr lang="pt-BR" dirty="0" smtClean="0"/>
-              <a:t>Considerações Finais</a:t>
+              <a:t>Experimento 1</a:t>
             </a:r>
             <a:endParaRPr lang="pt-BR" dirty="0"/>
           </a:p>
@@ -13451,27 +13187,137 @@
       </p:sp>
       <p:sp>
         <p:nvSpPr>
-          <p:cNvPr id="3" name="Subtítulo 2"/>
-          <p:cNvSpPr>
-            <a:spLocks noGrp="1"/>
-          </p:cNvSpPr>
-          <p:nvPr>
-            <p:ph type="subTitle" idx="1"/>
+          <p:cNvPr id="3" name="Espaço Reservado para Conteúdo 2"/>
+          <p:cNvSpPr>
+            <a:spLocks noGrp="1"/>
+          </p:cNvSpPr>
+          <p:nvPr>
+            <p:ph idx="1"/>
           </p:nvPr>
         </p:nvSpPr>
         <p:spPr/>
         <p:txBody>
-          <a:bodyPr/>
-          <a:lstStyle/>
-          <a:p>
-            <a:endParaRPr lang="pt-BR"/>
+          <a:bodyPr>
+            <a:normAutofit fontScale="92500" lnSpcReduction="20000"/>
+          </a:bodyPr>
+          <a:lstStyle/>
+          <a:p>
+            <a:r>
+              <a:rPr lang="pt-BR" dirty="0" smtClean="0"/>
+              <a:t>Rede Interna</a:t>
+            </a:r>
+          </a:p>
+          <a:p>
+            <a:r>
+              <a:rPr lang="pt-BR" dirty="0" smtClean="0"/>
+              <a:t>Data: 08 de março de 2017</a:t>
+            </a:r>
+          </a:p>
+          <a:p>
+            <a:r>
+              <a:rPr lang="pt-BR" dirty="0" smtClean="0"/>
+              <a:t>Horário: 19h às 21h30.</a:t>
+            </a:r>
+          </a:p>
+          <a:p>
+            <a:r>
+              <a:rPr lang="pt-BR" dirty="0" smtClean="0"/>
+              <a:t>Quantidade de Alunos: 120.</a:t>
+            </a:r>
+          </a:p>
+          <a:p>
+            <a:r>
+              <a:rPr lang="pt-BR" dirty="0" smtClean="0"/>
+              <a:t>Localidade: </a:t>
+            </a:r>
+            <a:r>
+              <a:rPr lang="pt-BR" dirty="0"/>
+              <a:t>FATEC São José dos Campos</a:t>
+            </a:r>
+          </a:p>
+          <a:p>
+            <a:pPr hangingPunct="0"/>
+            <a:r>
+              <a:rPr lang="pt-BR" dirty="0" smtClean="0"/>
+              <a:t>Resultado: </a:t>
+            </a:r>
+          </a:p>
+          <a:p>
+            <a:pPr lvl="1" hangingPunct="0"/>
+            <a:r>
+              <a:rPr lang="pt-BR" dirty="0" smtClean="0"/>
+              <a:t>Durante </a:t>
+            </a:r>
+            <a:r>
+              <a:rPr lang="pt-BR" dirty="0"/>
+              <a:t>o experimento pode-se observar um alto consumo de Memória pois eram realizadas diversas tarefas concorrentemente, além de operações de acesso ao banco de dados.</a:t>
+            </a:r>
+          </a:p>
+          <a:p>
+            <a:pPr lvl="1" hangingPunct="0"/>
+            <a:r>
+              <a:rPr lang="pt-BR" dirty="0"/>
+              <a:t>Para resolver este requisito, foi adicionado na arquitetura do projeto um </a:t>
+            </a:r>
+            <a:r>
+              <a:rPr lang="pt-BR" dirty="0" err="1"/>
+              <a:t>balanceador</a:t>
+            </a:r>
+            <a:r>
+              <a:rPr lang="pt-BR" dirty="0"/>
+              <a:t> de carga, que tem a responsabilidade de direcionar as requisições ao </a:t>
+            </a:r>
+            <a:r>
+              <a:rPr lang="pt-BR" i="1" dirty="0" err="1"/>
+              <a:t>back-end</a:t>
+            </a:r>
+            <a:r>
+              <a:rPr lang="pt-BR" dirty="0"/>
+              <a:t> com menor número de tarefas em execução.</a:t>
+            </a:r>
+          </a:p>
+          <a:p>
+            <a:endParaRPr lang="pt-BR" dirty="0"/>
+          </a:p>
+        </p:txBody>
+      </p:sp>
+      <p:sp>
+        <p:nvSpPr>
+          <p:cNvPr id="4" name="Retângulo 3"/>
+          <p:cNvSpPr/>
+          <p:nvPr/>
+        </p:nvSpPr>
+        <p:spPr>
+          <a:xfrm>
+            <a:off x="680321" y="250521"/>
+            <a:ext cx="1569917" cy="369332"/>
+          </a:xfrm>
+          <a:prstGeom prst="rect">
+            <a:avLst/>
+          </a:prstGeom>
+        </p:spPr>
+        <p:txBody>
+          <a:bodyPr wrap="none">
+            <a:spAutoFit/>
+          </a:bodyPr>
+          <a:lstStyle/>
+          <a:p>
+            <a:pPr marL="285750" indent="-285750">
+              <a:buFont typeface="Arial" panose="020B0604020202020204" pitchFamily="34" charset="0"/>
+              <a:buChar char="•"/>
+            </a:pPr>
+            <a:r>
+              <a:rPr lang="pt-BR" dirty="0" smtClean="0"/>
+              <a:t>Resultados</a:t>
+            </a:r>
+            <a:endParaRPr lang="pt-BR" dirty="0"/>
           </a:p>
         </p:txBody>
       </p:sp>
     </p:spTree>
     <p:extLst>
       <p:ext uri="{BB962C8B-B14F-4D97-AF65-F5344CB8AC3E}">
-        <p14:creationId xmlns:p14="http://schemas.microsoft.com/office/powerpoint/2010/main" val="4192372709"/>
+        <p14:creationId xmlns:p14="http://schemas.microsoft.com/office/powerpoint/2010/main" val="3970051832"/>
       </p:ext>
     </p:extLst>
   </p:cSld>
@@ -13515,7 +13361,7 @@
           <a:p>
             <a:r>
               <a:rPr lang="pt-BR" dirty="0" smtClean="0"/>
-              <a:t>Trabalhos Futuros</a:t>
+              <a:t>Experimento 2</a:t>
             </a:r>
             <a:endParaRPr lang="pt-BR" dirty="0"/>
           </a:p>
@@ -13534,99 +13380,156 @@
         <p:spPr/>
         <p:txBody>
           <a:bodyPr>
-            <a:normAutofit fontScale="92500" lnSpcReduction="20000"/>
+            <a:normAutofit fontScale="70000" lnSpcReduction="20000"/>
           </a:bodyPr>
           <a:lstStyle/>
           <a:p>
             <a:r>
+              <a:rPr lang="pt-BR" dirty="0"/>
+              <a:t>Rede Interna</a:t>
+            </a:r>
+          </a:p>
+          <a:p>
+            <a:r>
+              <a:rPr lang="pt-BR" dirty="0"/>
+              <a:t>Data: 08 de março de 2017</a:t>
+            </a:r>
+          </a:p>
+          <a:p>
+            <a:r>
+              <a:rPr lang="pt-BR" dirty="0"/>
+              <a:t>Horário: 19h às 21h30.</a:t>
+            </a:r>
+          </a:p>
+          <a:p>
+            <a:r>
+              <a:rPr lang="pt-BR" dirty="0"/>
+              <a:t>Quantidade de Alunos: 120.</a:t>
+            </a:r>
+          </a:p>
+          <a:p>
+            <a:r>
+              <a:rPr lang="pt-BR" dirty="0"/>
+              <a:t>Localidade: FATEC São José dos Campos</a:t>
+            </a:r>
+          </a:p>
+          <a:p>
+            <a:pPr hangingPunct="0"/>
+            <a:r>
+              <a:rPr lang="pt-BR" dirty="0"/>
+              <a:t>Resultado: </a:t>
+            </a:r>
+            <a:endParaRPr lang="pt-BR" dirty="0" smtClean="0"/>
+          </a:p>
+          <a:p>
+            <a:pPr lvl="1" hangingPunct="0"/>
+            <a:r>
               <a:rPr lang="pt-BR" dirty="0" smtClean="0"/>
-              <a:t>Alterar </a:t>
-            </a:r>
-            <a:r>
-              <a:rPr lang="pt-BR" dirty="0"/>
-              <a:t>o Servidor de Gerenciador de Repositório para privado, como por exemplo o </a:t>
+              <a:t>O </a:t>
+            </a:r>
+            <a:r>
+              <a:rPr lang="pt-BR" dirty="0"/>
+              <a:t>segundo experimento foi realizado na Fatec com o acesso de aproximadamente 150 alunos, com o objetivo de monitorar pelos containers </a:t>
             </a:r>
             <a:r>
               <a:rPr lang="pt-BR" dirty="0" err="1"/>
-              <a:t>Git</a:t>
-            </a:r>
-            <a:r>
-              <a:rPr lang="pt-BR" dirty="0"/>
-              <a:t> </a:t>
+              <a:t>Mapskills-Cadvisor</a:t>
+            </a:r>
+            <a:r>
+              <a:rPr lang="pt-BR" dirty="0"/>
+              <a:t> e </a:t>
             </a:r>
             <a:r>
               <a:rPr lang="pt-BR" dirty="0" err="1"/>
-              <a:t>Lab</a:t>
-            </a:r>
-            <a:r>
-              <a:rPr lang="pt-BR" dirty="0"/>
-              <a:t>, que permite a realização do processo de Integração </a:t>
-            </a:r>
+              <a:t>Mapskills-Haproxy</a:t>
+            </a:r>
+            <a:r>
+              <a:rPr lang="pt-BR" dirty="0"/>
+              <a:t> o acesso a plataforma além dos recursos utilizados pelo servidor. </a:t>
+            </a:r>
+          </a:p>
+          <a:p>
+            <a:pPr lvl="1" hangingPunct="0"/>
             <a:r>
               <a:rPr lang="pt-BR" dirty="0" smtClean="0"/>
-              <a:t>Contínua.</a:t>
-            </a:r>
-          </a:p>
-          <a:p>
-            <a:r>
-              <a:rPr lang="pt-BR" dirty="0"/>
-              <a:t>Excluir imagens não utilizadas das cenas quando são editadas, não gerando acumulo de arquivos não utilizados no servidor.</a:t>
-            </a:r>
-          </a:p>
-          <a:p>
-            <a:r>
-              <a:rPr lang="pt-BR" dirty="0"/>
-              <a:t>Deixar flexível o arquivo </a:t>
-            </a:r>
-            <a:r>
-              <a:rPr lang="pt-BR" i="1" dirty="0" err="1"/>
-              <a:t>application.properties</a:t>
-            </a:r>
-            <a:r>
-              <a:rPr lang="pt-BR" dirty="0"/>
-              <a:t> da aplicação </a:t>
+              <a:t>Dado </a:t>
+            </a:r>
+            <a:r>
+              <a:rPr lang="pt-BR" dirty="0"/>
+              <a:t>momento, foi constatado um problema na aplicação de </a:t>
             </a:r>
             <a:r>
               <a:rPr lang="pt-BR" i="1" dirty="0" err="1"/>
               <a:t>back-end</a:t>
             </a:r>
             <a:r>
+              <a:rPr lang="pt-BR" dirty="0"/>
+              <a:t> e foi necessária atualiza-la já em produção. Ao atualizar a versão aplicação de </a:t>
+            </a:r>
+            <a:r>
+              <a:rPr lang="pt-BR" i="1" dirty="0" err="1"/>
+              <a:t>back-end</a:t>
+            </a:r>
+            <a:r>
               <a:rPr lang="pt-BR" i="1" dirty="0"/>
-              <a:t> </a:t>
-            </a:r>
-            <a:r>
-              <a:rPr lang="pt-BR" dirty="0"/>
-              <a:t>para configuração do local onde ficarão as imagens das cenas dos jogos. </a:t>
-            </a:r>
-          </a:p>
-          <a:p>
-            <a:r>
-              <a:rPr lang="pt-BR" dirty="0"/>
-              <a:t>Separar do Servidor de Banco de Dados em outro servidor para garantir a integridade e disponibilidade.</a:t>
-            </a:r>
-          </a:p>
-          <a:p>
-            <a:r>
-              <a:rPr lang="pt-BR" dirty="0"/>
-              <a:t>Implementar uma arquitetura de clusters utilizando do </a:t>
+              <a:t>, </a:t>
+            </a:r>
+            <a:r>
+              <a:rPr lang="pt-BR" dirty="0"/>
+              <a:t>foi interrompido o Servidor de Banco de Dados. Por conta da indisponibilidade de acesso ao Banco de Dados a arquitetura do projeto foi fracionada em duas partes. Uma contendo a parte de gerenciamento da aplicação com os serviços: </a:t>
             </a:r>
             <a:r>
               <a:rPr lang="pt-BR" dirty="0" err="1"/>
-              <a:t>Docker</a:t>
-            </a:r>
-            <a:r>
-              <a:rPr lang="pt-BR" dirty="0"/>
-              <a:t> </a:t>
+              <a:t>Mapskills-Jenkins</a:t>
+            </a:r>
+            <a:r>
+              <a:rPr lang="pt-BR" dirty="0"/>
+              <a:t>, </a:t>
             </a:r>
             <a:r>
               <a:rPr lang="pt-BR" dirty="0" err="1"/>
-              <a:t>Swarm</a:t>
-            </a:r>
-            <a:r>
-              <a:rPr lang="pt-BR" dirty="0"/>
-              <a:t>, onde vários computadores trabalham juntos afim de garantir desempenho e disponibilidade da plataforma.</a:t>
-            </a:r>
-            <a:endParaRPr lang="pt-BR" dirty="0" smtClean="0"/>
+              <a:t>Mapskills-Cadivisor</a:t>
+            </a:r>
+            <a:r>
+              <a:rPr lang="pt-BR" dirty="0"/>
+              <a:t>, </a:t>
+            </a:r>
+            <a:r>
+              <a:rPr lang="pt-BR" dirty="0" err="1"/>
+              <a:t>Mapskills-Mysql</a:t>
+            </a:r>
+            <a:r>
+              <a:rPr lang="pt-BR" dirty="0"/>
+              <a:t>, pois estes containers armazenam ou gerenciam dados importantes e críticos na aplicação. E a outra parte com os serviços </a:t>
+            </a:r>
+            <a:r>
+              <a:rPr lang="pt-BR" dirty="0" err="1"/>
+              <a:t>Mapskills-Haproxy</a:t>
+            </a:r>
+            <a:r>
+              <a:rPr lang="pt-BR" dirty="0"/>
+              <a:t>, </a:t>
+            </a:r>
+            <a:r>
+              <a:rPr lang="pt-BR" dirty="0" err="1"/>
+              <a:t>Mapskills</a:t>
+            </a:r>
+            <a:r>
+              <a:rPr lang="pt-BR" dirty="0"/>
+              <a:t>-Front, </a:t>
+            </a:r>
+            <a:r>
+              <a:rPr lang="pt-BR" dirty="0" err="1"/>
+              <a:t>Mapskills</a:t>
+            </a:r>
+            <a:r>
+              <a:rPr lang="pt-BR" dirty="0"/>
+              <a:t>-Back, com a finalidade automatizar os serviços de acesso a plataforma, facilitando também a integração, e controle na entrega de uma nova versão do software.</a:t>
+            </a:r>
+          </a:p>
+          <a:p>
+            <a:pPr hangingPunct="0"/>
+            <a:endParaRPr lang="pt-BR" dirty="0"/>
           </a:p>
           <a:p>
             <a:endParaRPr lang="pt-BR" dirty="0"/>
@@ -13642,7 +13545,7 @@
         <p:spPr>
           <a:xfrm>
             <a:off x="680321" y="250521"/>
-            <a:ext cx="2606804" cy="369332"/>
+            <a:ext cx="1569917" cy="369332"/>
           </a:xfrm>
           <a:prstGeom prst="rect">
             <a:avLst/>
@@ -13660,7 +13563,7 @@
             </a:pPr>
             <a:r>
               <a:rPr lang="pt-BR" dirty="0" smtClean="0"/>
-              <a:t>Considerações Finais</a:t>
+              <a:t>Resultados</a:t>
             </a:r>
             <a:endParaRPr lang="pt-BR" dirty="0"/>
           </a:p>
@@ -13669,7 +13572,7 @@
     </p:spTree>
     <p:extLst>
       <p:ext uri="{BB962C8B-B14F-4D97-AF65-F5344CB8AC3E}">
-        <p14:creationId xmlns:p14="http://schemas.microsoft.com/office/powerpoint/2010/main" val="671967937"/>
+        <p14:creationId xmlns:p14="http://schemas.microsoft.com/office/powerpoint/2010/main" val="3404476178"/>
       </p:ext>
     </p:extLst>
   </p:cSld>
@@ -13862,6 +13765,276 @@
             <a:spLocks noGrp="1"/>
           </p:cNvSpPr>
           <p:nvPr>
+            <p:ph type="ctrTitle"/>
+          </p:nvPr>
+        </p:nvSpPr>
+        <p:spPr/>
+        <p:txBody>
+          <a:bodyPr/>
+          <a:lstStyle/>
+          <a:p>
+            <a:r>
+              <a:rPr lang="pt-BR" dirty="0" smtClean="0"/>
+              <a:t>Considerações Finais</a:t>
+            </a:r>
+            <a:endParaRPr lang="pt-BR" dirty="0"/>
+          </a:p>
+        </p:txBody>
+      </p:sp>
+      <p:sp>
+        <p:nvSpPr>
+          <p:cNvPr id="3" name="Subtítulo 2"/>
+          <p:cNvSpPr>
+            <a:spLocks noGrp="1"/>
+          </p:cNvSpPr>
+          <p:nvPr>
+            <p:ph type="subTitle" idx="1"/>
+          </p:nvPr>
+        </p:nvSpPr>
+        <p:spPr/>
+        <p:txBody>
+          <a:bodyPr/>
+          <a:lstStyle/>
+          <a:p>
+            <a:endParaRPr lang="pt-BR"/>
+          </a:p>
+        </p:txBody>
+      </p:sp>
+    </p:spTree>
+    <p:extLst>
+      <p:ext uri="{BB962C8B-B14F-4D97-AF65-F5344CB8AC3E}">
+        <p14:creationId xmlns:p14="http://schemas.microsoft.com/office/powerpoint/2010/main" val="4192372709"/>
+      </p:ext>
+    </p:extLst>
+  </p:cSld>
+  <p:clrMapOvr>
+    <a:masterClrMapping/>
+  </p:clrMapOvr>
+</p:sld>
+</file>
+
+<file path=ppt/slides/slide41.xml><?xml version="1.0" encoding="utf-8"?>
+<p:sld xmlns:a="http://schemas.openxmlformats.org/drawingml/2006/main" xmlns:r="http://schemas.openxmlformats.org/officeDocument/2006/relationships" xmlns:p="http://schemas.openxmlformats.org/presentationml/2006/main">
+  <p:cSld>
+    <p:spTree>
+      <p:nvGrpSpPr>
+        <p:cNvPr id="1" name=""/>
+        <p:cNvGrpSpPr/>
+        <p:nvPr/>
+      </p:nvGrpSpPr>
+      <p:grpSpPr>
+        <a:xfrm>
+          <a:off x="0" y="0"/>
+          <a:ext cx="0" cy="0"/>
+          <a:chOff x="0" y="0"/>
+          <a:chExt cx="0" cy="0"/>
+        </a:xfrm>
+      </p:grpSpPr>
+      <p:sp>
+        <p:nvSpPr>
+          <p:cNvPr id="2" name="Título 1"/>
+          <p:cNvSpPr>
+            <a:spLocks noGrp="1"/>
+          </p:cNvSpPr>
+          <p:nvPr>
+            <p:ph type="title"/>
+          </p:nvPr>
+        </p:nvSpPr>
+        <p:spPr/>
+        <p:txBody>
+          <a:bodyPr/>
+          <a:lstStyle/>
+          <a:p>
+            <a:r>
+              <a:rPr lang="pt-BR" dirty="0" smtClean="0"/>
+              <a:t>Trabalhos Futuros</a:t>
+            </a:r>
+            <a:endParaRPr lang="pt-BR" dirty="0"/>
+          </a:p>
+        </p:txBody>
+      </p:sp>
+      <p:sp>
+        <p:nvSpPr>
+          <p:cNvPr id="3" name="Espaço Reservado para Conteúdo 2"/>
+          <p:cNvSpPr>
+            <a:spLocks noGrp="1"/>
+          </p:cNvSpPr>
+          <p:nvPr>
+            <p:ph idx="1"/>
+          </p:nvPr>
+        </p:nvSpPr>
+        <p:spPr/>
+        <p:txBody>
+          <a:bodyPr>
+            <a:normAutofit fontScale="92500" lnSpcReduction="20000"/>
+          </a:bodyPr>
+          <a:lstStyle/>
+          <a:p>
+            <a:r>
+              <a:rPr lang="pt-BR" dirty="0" smtClean="0"/>
+              <a:t>Alterar </a:t>
+            </a:r>
+            <a:r>
+              <a:rPr lang="pt-BR" dirty="0"/>
+              <a:t>o Servidor de Gerenciador de Repositório para privado, como por exemplo o </a:t>
+            </a:r>
+            <a:r>
+              <a:rPr lang="pt-BR" dirty="0" err="1"/>
+              <a:t>Git</a:t>
+            </a:r>
+            <a:r>
+              <a:rPr lang="pt-BR" dirty="0"/>
+              <a:t> </a:t>
+            </a:r>
+            <a:r>
+              <a:rPr lang="pt-BR" dirty="0" err="1"/>
+              <a:t>Lab</a:t>
+            </a:r>
+            <a:r>
+              <a:rPr lang="pt-BR" dirty="0"/>
+              <a:t>, que permite a realização do processo de Integração </a:t>
+            </a:r>
+            <a:r>
+              <a:rPr lang="pt-BR" dirty="0" smtClean="0"/>
+              <a:t>Contínua.</a:t>
+            </a:r>
+          </a:p>
+          <a:p>
+            <a:r>
+              <a:rPr lang="pt-BR" dirty="0"/>
+              <a:t>Excluir imagens não utilizadas das cenas quando são editadas, não gerando acumulo de arquivos não utilizados no servidor.</a:t>
+            </a:r>
+          </a:p>
+          <a:p>
+            <a:r>
+              <a:rPr lang="pt-BR" dirty="0"/>
+              <a:t>Deixar flexível o arquivo </a:t>
+            </a:r>
+            <a:r>
+              <a:rPr lang="pt-BR" i="1" dirty="0" err="1"/>
+              <a:t>application.properties</a:t>
+            </a:r>
+            <a:r>
+              <a:rPr lang="pt-BR" dirty="0"/>
+              <a:t> da aplicação </a:t>
+            </a:r>
+            <a:r>
+              <a:rPr lang="pt-BR" i="1" dirty="0" err="1"/>
+              <a:t>back-end</a:t>
+            </a:r>
+            <a:r>
+              <a:rPr lang="pt-BR" i="1" dirty="0"/>
+              <a:t> </a:t>
+            </a:r>
+            <a:r>
+              <a:rPr lang="pt-BR" dirty="0"/>
+              <a:t>para configuração do local onde ficarão as imagens das cenas dos jogos. </a:t>
+            </a:r>
+          </a:p>
+          <a:p>
+            <a:r>
+              <a:rPr lang="pt-BR" dirty="0"/>
+              <a:t>Separar do Servidor de Banco de Dados em outro servidor para garantir a integridade e disponibilidade.</a:t>
+            </a:r>
+          </a:p>
+          <a:p>
+            <a:r>
+              <a:rPr lang="pt-BR" dirty="0"/>
+              <a:t>Implementar uma arquitetura de clusters utilizando do </a:t>
+            </a:r>
+            <a:r>
+              <a:rPr lang="pt-BR" dirty="0" err="1"/>
+              <a:t>Docker</a:t>
+            </a:r>
+            <a:r>
+              <a:rPr lang="pt-BR" dirty="0"/>
+              <a:t> </a:t>
+            </a:r>
+            <a:r>
+              <a:rPr lang="pt-BR" dirty="0" err="1"/>
+              <a:t>Swarm</a:t>
+            </a:r>
+            <a:r>
+              <a:rPr lang="pt-BR" dirty="0"/>
+              <a:t>, onde vários computadores trabalham juntos afim de garantir desempenho e disponibilidade da plataforma.</a:t>
+            </a:r>
+            <a:endParaRPr lang="pt-BR" dirty="0" smtClean="0"/>
+          </a:p>
+          <a:p>
+            <a:endParaRPr lang="pt-BR" dirty="0"/>
+          </a:p>
+        </p:txBody>
+      </p:sp>
+      <p:sp>
+        <p:nvSpPr>
+          <p:cNvPr id="4" name="Retângulo 3"/>
+          <p:cNvSpPr/>
+          <p:nvPr/>
+        </p:nvSpPr>
+        <p:spPr>
+          <a:xfrm>
+            <a:off x="680321" y="250521"/>
+            <a:ext cx="2606804" cy="369332"/>
+          </a:xfrm>
+          <a:prstGeom prst="rect">
+            <a:avLst/>
+          </a:prstGeom>
+        </p:spPr>
+        <p:txBody>
+          <a:bodyPr wrap="none">
+            <a:spAutoFit/>
+          </a:bodyPr>
+          <a:lstStyle/>
+          <a:p>
+            <a:pPr marL="285750" indent="-285750">
+              <a:buFont typeface="Arial" panose="020B0604020202020204" pitchFamily="34" charset="0"/>
+              <a:buChar char="•"/>
+            </a:pPr>
+            <a:r>
+              <a:rPr lang="pt-BR" dirty="0" smtClean="0"/>
+              <a:t>Considerações Finais</a:t>
+            </a:r>
+            <a:endParaRPr lang="pt-BR" dirty="0"/>
+          </a:p>
+        </p:txBody>
+      </p:sp>
+    </p:spTree>
+    <p:extLst>
+      <p:ext uri="{BB962C8B-B14F-4D97-AF65-F5344CB8AC3E}">
+        <p14:creationId xmlns:p14="http://schemas.microsoft.com/office/powerpoint/2010/main" val="671967937"/>
+      </p:ext>
+    </p:extLst>
+  </p:cSld>
+  <p:clrMapOvr>
+    <a:masterClrMapping/>
+  </p:clrMapOvr>
+</p:sld>
+</file>
+
+<file path=ppt/slides/slide42.xml><?xml version="1.0" encoding="utf-8"?>
+<p:sld xmlns:a="http://schemas.openxmlformats.org/drawingml/2006/main" xmlns:r="http://schemas.openxmlformats.org/officeDocument/2006/relationships" xmlns:p="http://schemas.openxmlformats.org/presentationml/2006/main">
+  <p:cSld>
+    <p:spTree>
+      <p:nvGrpSpPr>
+        <p:cNvPr id="1" name=""/>
+        <p:cNvGrpSpPr/>
+        <p:nvPr/>
+      </p:nvGrpSpPr>
+      <p:grpSpPr>
+        <a:xfrm>
+          <a:off x="0" y="0"/>
+          <a:ext cx="0" cy="0"/>
+          <a:chOff x="0" y="0"/>
+          <a:chExt cx="0" cy="0"/>
+        </a:xfrm>
+      </p:grpSpPr>
+      <p:sp>
+        <p:nvSpPr>
+          <p:cNvPr id="2" name="Título 1"/>
+          <p:cNvSpPr>
+            <a:spLocks noGrp="1"/>
+          </p:cNvSpPr>
+          <p:nvPr>
             <p:ph type="title"/>
           </p:nvPr>
         </p:nvSpPr>
@@ -14047,7 +14220,7 @@
 </p:sld>
 </file>
 
-<file path=ppt/slides/slide41.xml><?xml version="1.0" encoding="utf-8"?>
+<file path=ppt/slides/slide43.xml><?xml version="1.0" encoding="utf-8"?>
 <p:sld xmlns:a="http://schemas.openxmlformats.org/drawingml/2006/main" xmlns:r="http://schemas.openxmlformats.org/officeDocument/2006/relationships" xmlns:p="http://schemas.openxmlformats.org/presentationml/2006/main">
   <p:cSld>
     <p:spTree>

--- a/Docs/Apresentação.pptx
+++ b/Docs/Apresentação.pptx
@@ -5,7 +5,7 @@
     <p:sldMasterId id="2147483785" r:id="rId1"/>
   </p:sldMasterIdLst>
   <p:notesMasterIdLst>
-    <p:notesMasterId r:id="rId45"/>
+    <p:notesMasterId r:id="rId46"/>
   </p:notesMasterIdLst>
   <p:sldIdLst>
     <p:sldId id="256" r:id="rId2"/>
@@ -26,31 +26,32 @@
     <p:sldId id="285" r:id="rId17"/>
     <p:sldId id="268" r:id="rId18"/>
     <p:sldId id="269" r:id="rId19"/>
-    <p:sldId id="270" r:id="rId20"/>
-    <p:sldId id="301" r:id="rId21"/>
-    <p:sldId id="271" r:id="rId22"/>
-    <p:sldId id="272" r:id="rId23"/>
-    <p:sldId id="286" r:id="rId24"/>
-    <p:sldId id="287" r:id="rId25"/>
-    <p:sldId id="288" r:id="rId26"/>
-    <p:sldId id="289" r:id="rId27"/>
-    <p:sldId id="290" r:id="rId28"/>
-    <p:sldId id="302" r:id="rId29"/>
-    <p:sldId id="291" r:id="rId30"/>
-    <p:sldId id="292" r:id="rId31"/>
-    <p:sldId id="303" r:id="rId32"/>
-    <p:sldId id="293" r:id="rId33"/>
-    <p:sldId id="294" r:id="rId34"/>
-    <p:sldId id="295" r:id="rId35"/>
-    <p:sldId id="297" r:id="rId36"/>
-    <p:sldId id="273" r:id="rId37"/>
-    <p:sldId id="274" r:id="rId38"/>
-    <p:sldId id="298" r:id="rId39"/>
-    <p:sldId id="299" r:id="rId40"/>
-    <p:sldId id="275" r:id="rId41"/>
-    <p:sldId id="276" r:id="rId42"/>
-    <p:sldId id="300" r:id="rId43"/>
-    <p:sldId id="279" r:id="rId44"/>
+    <p:sldId id="304" r:id="rId20"/>
+    <p:sldId id="270" r:id="rId21"/>
+    <p:sldId id="301" r:id="rId22"/>
+    <p:sldId id="271" r:id="rId23"/>
+    <p:sldId id="272" r:id="rId24"/>
+    <p:sldId id="286" r:id="rId25"/>
+    <p:sldId id="287" r:id="rId26"/>
+    <p:sldId id="288" r:id="rId27"/>
+    <p:sldId id="289" r:id="rId28"/>
+    <p:sldId id="290" r:id="rId29"/>
+    <p:sldId id="302" r:id="rId30"/>
+    <p:sldId id="291" r:id="rId31"/>
+    <p:sldId id="292" r:id="rId32"/>
+    <p:sldId id="303" r:id="rId33"/>
+    <p:sldId id="293" r:id="rId34"/>
+    <p:sldId id="294" r:id="rId35"/>
+    <p:sldId id="295" r:id="rId36"/>
+    <p:sldId id="297" r:id="rId37"/>
+    <p:sldId id="273" r:id="rId38"/>
+    <p:sldId id="274" r:id="rId39"/>
+    <p:sldId id="298" r:id="rId40"/>
+    <p:sldId id="299" r:id="rId41"/>
+    <p:sldId id="275" r:id="rId42"/>
+    <p:sldId id="276" r:id="rId43"/>
+    <p:sldId id="300" r:id="rId44"/>
+    <p:sldId id="279" r:id="rId45"/>
   </p:sldIdLst>
   <p:sldSz cx="12192000" cy="6858000"/>
   <p:notesSz cx="6858000" cy="9144000"/>
@@ -8254,6 +8255,13 @@
   <p:clrMapOvr>
     <a:masterClrMapping/>
   </p:clrMapOvr>
+  <p:timing>
+    <p:tnLst>
+      <p:par>
+        <p:cTn id="1" dur="indefinite" restart="never" nodeType="tmRoot"/>
+      </p:par>
+    </p:tnLst>
+  </p:timing>
 </p:sld>
 </file>
 
@@ -8404,6 +8412,13 @@
   <p:clrMapOvr>
     <a:masterClrMapping/>
   </p:clrMapOvr>
+  <p:timing>
+    <p:tnLst>
+      <p:par>
+        <p:cTn id="1" dur="indefinite" restart="never" nodeType="tmRoot"/>
+      </p:par>
+    </p:tnLst>
+  </p:timing>
 </p:sld>
 </file>
 
@@ -8546,6 +8561,13 @@
   <p:clrMapOvr>
     <a:masterClrMapping/>
   </p:clrMapOvr>
+  <p:timing>
+    <p:tnLst>
+      <p:par>
+        <p:cTn id="1" dur="indefinite" restart="never" nodeType="tmRoot"/>
+      </p:par>
+    </p:tnLst>
+  </p:timing>
 </p:sld>
 </file>
 
@@ -8656,6 +8678,13 @@
   <p:clrMapOvr>
     <a:masterClrMapping/>
   </p:clrMapOvr>
+  <p:timing>
+    <p:tnLst>
+      <p:par>
+        <p:cTn id="1" dur="indefinite" restart="never" nodeType="tmRoot"/>
+      </p:par>
+    </p:tnLst>
+  </p:timing>
 </p:sld>
 </file>
 
@@ -8786,6 +8815,13 @@
   <p:clrMapOvr>
     <a:masterClrMapping/>
   </p:clrMapOvr>
+  <p:timing>
+    <p:tnLst>
+      <p:par>
+        <p:cTn id="1" dur="indefinite" restart="never" nodeType="tmRoot"/>
+      </p:par>
+    </p:tnLst>
+  </p:timing>
 </p:sld>
 </file>
 
@@ -8927,6 +8963,13 @@
   <p:clrMapOvr>
     <a:masterClrMapping/>
   </p:clrMapOvr>
+  <p:timing>
+    <p:tnLst>
+      <p:par>
+        <p:cTn id="1" dur="indefinite" restart="never" nodeType="tmRoot"/>
+      </p:par>
+    </p:tnLst>
+  </p:timing>
 </p:sld>
 </file>
 
@@ -9037,6 +9080,13 @@
   <p:clrMapOvr>
     <a:masterClrMapping/>
   </p:clrMapOvr>
+  <p:timing>
+    <p:tnLst>
+      <p:par>
+        <p:cTn id="1" dur="indefinite" restart="never" nodeType="tmRoot"/>
+      </p:par>
+    </p:tnLst>
+  </p:timing>
 </p:sld>
 </file>
 
@@ -9129,8 +9179,28 @@
           <a:p>
             <a:pPr hangingPunct="0"/>
             <a:r>
-              <a:rPr lang="pt-BR" dirty="0"/>
-              <a:t>Pode-se ter como exemplo a FATEC de São José dos Campos, que contém 7 cursos, cada um com 40 alunos ingressantes. Na primeira quinzena do semestre haverá um acesso de 360 alunos simultâneos, onde os mesmos devem acessar a qualquer momento e de qualquer lugar.</a:t>
+              <a:rPr lang="pt-BR" dirty="0" smtClean="0"/>
+              <a:t>Como exemplo </a:t>
+            </a:r>
+            <a:r>
+              <a:rPr lang="pt-BR" dirty="0"/>
+              <a:t>a FATEC de São José dos Campos, </a:t>
+            </a:r>
+            <a:r>
+              <a:rPr lang="pt-BR" dirty="0" smtClean="0"/>
+              <a:t>contém </a:t>
+            </a:r>
+            <a:r>
+              <a:rPr lang="pt-BR" dirty="0"/>
+              <a:t>7 cursos, cada um com 40 alunos ingressantes. Na primeira quinzena do semestre haverá um acesso de </a:t>
+            </a:r>
+            <a:r>
+              <a:rPr lang="pt-BR" dirty="0" smtClean="0"/>
+              <a:t>aproximadamente 360 </a:t>
+            </a:r>
+            <a:r>
+              <a:rPr lang="pt-BR" dirty="0"/>
+              <a:t>alunos simultâneos, onde os mesmos devem acessar a qualquer momento e de qualquer lugar.</a:t>
             </a:r>
           </a:p>
           <a:p>
@@ -9180,6 +9250,13 @@
   <p:clrMapOvr>
     <a:masterClrMapping/>
   </p:clrMapOvr>
+  <p:timing>
+    <p:tnLst>
+      <p:par>
+        <p:cTn id="1" dur="indefinite" restart="never" nodeType="tmRoot"/>
+      </p:par>
+    </p:tnLst>
+  </p:timing>
 </p:sld>
 </file>
 
@@ -9252,6 +9329,13 @@
   <p:clrMapOvr>
     <a:masterClrMapping/>
   </p:clrMapOvr>
+  <p:timing>
+    <p:tnLst>
+      <p:par>
+        <p:cTn id="1" dur="indefinite" restart="never" nodeType="tmRoot"/>
+      </p:par>
+    </p:tnLst>
+  </p:timing>
 </p:sld>
 </file>
 
@@ -9367,6 +9451,13 @@
   <p:clrMapOvr>
     <a:masterClrMapping/>
   </p:clrMapOvr>
+  <p:timing>
+    <p:tnLst>
+      <p:par>
+        <p:cTn id="1" dur="indefinite" restart="never" nodeType="tmRoot"/>
+      </p:par>
+    </p:tnLst>
+  </p:timing>
 </p:sld>
 </file>
 
@@ -9403,57 +9494,45 @@
           <a:lstStyle/>
           <a:p>
             <a:r>
-              <a:rPr lang="pt-BR" dirty="0" err="1" smtClean="0"/>
-              <a:t>Mapskills-Cadvisor</a:t>
+              <a:rPr lang="pt-BR" dirty="0" smtClean="0"/>
+              <a:t>Tecnologias Utilizadas</a:t>
             </a:r>
             <a:endParaRPr lang="pt-BR" dirty="0"/>
           </a:p>
         </p:txBody>
       </p:sp>
-      <p:sp>
-        <p:nvSpPr>
-          <p:cNvPr id="3" name="Espaço Reservado para Conteúdo 2"/>
-          <p:cNvSpPr>
-            <a:spLocks noGrp="1"/>
-          </p:cNvSpPr>
+      <p:pic>
+        <p:nvPicPr>
+          <p:cNvPr id="12" name="Espaço Reservado para Conteúdo 11"/>
+          <p:cNvPicPr>
+            <a:picLocks noGrp="1" noChangeAspect="1"/>
+          </p:cNvPicPr>
           <p:nvPr>
             <p:ph idx="1"/>
           </p:nvPr>
-        </p:nvSpPr>
-        <p:spPr/>
-        <p:txBody>
-          <a:bodyPr/>
-          <a:lstStyle/>
-          <a:p>
-            <a:r>
-              <a:rPr lang="pt-BR" dirty="0"/>
-              <a:t>Container que auxilia no gerenciamento dos recursos consumidos pelo host. Como são necessários vários serviços que formam a arquitetura da aplicação </a:t>
-            </a:r>
-            <a:r>
-              <a:rPr lang="pt-BR" i="1" dirty="0" err="1"/>
-              <a:t>Mapskills</a:t>
-            </a:r>
-            <a:r>
-              <a:rPr lang="pt-BR" dirty="0"/>
-              <a:t>, fica difícil monitora-los individualmente, para isto o </a:t>
-            </a:r>
-            <a:r>
-              <a:rPr lang="pt-BR" dirty="0" err="1"/>
-              <a:t>Cadvisor</a:t>
-            </a:r>
-            <a:r>
-              <a:rPr lang="pt-BR" dirty="0"/>
-              <a:t> tem a finalidade de monitorar todos processos no host e containers, sabendo em tempo real o quanto esta sendo consumido de recurso.</a:t>
-            </a:r>
-          </a:p>
-          <a:p>
-            <a:endParaRPr lang="pt-BR" dirty="0"/>
-          </a:p>
-        </p:txBody>
-      </p:sp>
-      <p:sp>
-        <p:nvSpPr>
-          <p:cNvPr id="5" name="Retângulo 4"/>
+        </p:nvPicPr>
+        <p:blipFill>
+          <a:blip r:embed="rId2">
+            <a:extLst>
+              <a:ext uri="{28A0092B-C50C-407E-A947-70E740481C1C}">
+                <a14:useLocalDpi xmlns:a14="http://schemas.microsoft.com/office/drawing/2010/main" val="0"/>
+              </a:ext>
+            </a:extLst>
+          </a:blip>
+          <a:stretch>
+            <a:fillRect/>
+          </a:stretch>
+        </p:blipFill>
+        <p:spPr>
+          <a:xfrm>
+            <a:off x="454876" y="2248512"/>
+            <a:ext cx="3672987" cy="1138626"/>
+          </a:xfrm>
+        </p:spPr>
+      </p:pic>
+      <p:sp>
+        <p:nvSpPr>
+          <p:cNvPr id="4" name="Retângulo 3"/>
           <p:cNvSpPr/>
           <p:nvPr/>
         </p:nvSpPr>
@@ -9484,16 +9563,233 @@
           </a:p>
         </p:txBody>
       </p:sp>
+      <p:pic>
+        <p:nvPicPr>
+          <p:cNvPr id="13" name="Imagem 12"/>
+          <p:cNvPicPr>
+            <a:picLocks noChangeAspect="1"/>
+          </p:cNvPicPr>
+          <p:nvPr/>
+        </p:nvPicPr>
+        <p:blipFill>
+          <a:blip r:embed="rId3" cstate="print">
+            <a:extLst>
+              <a:ext uri="{28A0092B-C50C-407E-A947-70E740481C1C}">
+                <a14:useLocalDpi xmlns:a14="http://schemas.microsoft.com/office/drawing/2010/main" val="0"/>
+              </a:ext>
+            </a:extLst>
+          </a:blip>
+          <a:stretch>
+            <a:fillRect/>
+          </a:stretch>
+        </p:blipFill>
+        <p:spPr>
+          <a:xfrm>
+            <a:off x="4372388" y="2527367"/>
+            <a:ext cx="2211292" cy="1972852"/>
+          </a:xfrm>
+          <a:prstGeom prst="rect">
+            <a:avLst/>
+          </a:prstGeom>
+        </p:spPr>
+      </p:pic>
+      <p:pic>
+        <p:nvPicPr>
+          <p:cNvPr id="14" name="Imagem 13"/>
+          <p:cNvPicPr>
+            <a:picLocks noChangeAspect="1"/>
+          </p:cNvPicPr>
+          <p:nvPr/>
+        </p:nvPicPr>
+        <p:blipFill>
+          <a:blip r:embed="rId4" cstate="print">
+            <a:extLst>
+              <a:ext uri="{28A0092B-C50C-407E-A947-70E740481C1C}">
+                <a14:useLocalDpi xmlns:a14="http://schemas.microsoft.com/office/drawing/2010/main" val="0"/>
+              </a:ext>
+            </a:extLst>
+          </a:blip>
+          <a:stretch>
+            <a:fillRect/>
+          </a:stretch>
+        </p:blipFill>
+        <p:spPr>
+          <a:xfrm>
+            <a:off x="6806399" y="2248512"/>
+            <a:ext cx="3487783" cy="816780"/>
+          </a:xfrm>
+          <a:prstGeom prst="rect">
+            <a:avLst/>
+          </a:prstGeom>
+        </p:spPr>
+      </p:pic>
+      <p:pic>
+        <p:nvPicPr>
+          <p:cNvPr id="16" name="Imagem 15"/>
+          <p:cNvPicPr>
+            <a:picLocks noChangeAspect="1"/>
+          </p:cNvPicPr>
+          <p:nvPr/>
+        </p:nvPicPr>
+        <p:blipFill>
+          <a:blip r:embed="rId5">
+            <a:extLst>
+              <a:ext uri="{28A0092B-C50C-407E-A947-70E740481C1C}">
+                <a14:useLocalDpi xmlns:a14="http://schemas.microsoft.com/office/drawing/2010/main" val="0"/>
+              </a:ext>
+            </a:extLst>
+          </a:blip>
+          <a:stretch>
+            <a:fillRect/>
+          </a:stretch>
+        </p:blipFill>
+        <p:spPr>
+          <a:xfrm>
+            <a:off x="751733" y="3588783"/>
+            <a:ext cx="2231701" cy="1406535"/>
+          </a:xfrm>
+          <a:prstGeom prst="rect">
+            <a:avLst/>
+          </a:prstGeom>
+        </p:spPr>
+      </p:pic>
+      <p:pic>
+        <p:nvPicPr>
+          <p:cNvPr id="18" name="Imagem 17"/>
+          <p:cNvPicPr>
+            <a:picLocks noChangeAspect="1"/>
+          </p:cNvPicPr>
+          <p:nvPr/>
+        </p:nvPicPr>
+        <p:blipFill>
+          <a:blip r:embed="rId6" cstate="print">
+            <a:extLst>
+              <a:ext uri="{28A0092B-C50C-407E-A947-70E740481C1C}">
+                <a14:useLocalDpi xmlns:a14="http://schemas.microsoft.com/office/drawing/2010/main" val="0"/>
+              </a:ext>
+            </a:extLst>
+          </a:blip>
+          <a:stretch>
+            <a:fillRect/>
+          </a:stretch>
+        </p:blipFill>
+        <p:spPr>
+          <a:xfrm>
+            <a:off x="4233722" y="3938990"/>
+            <a:ext cx="2816873" cy="2112655"/>
+          </a:xfrm>
+          <a:prstGeom prst="rect">
+            <a:avLst/>
+          </a:prstGeom>
+        </p:spPr>
+      </p:pic>
+      <p:pic>
+        <p:nvPicPr>
+          <p:cNvPr id="20" name="Imagem 19"/>
+          <p:cNvPicPr>
+            <a:picLocks noChangeAspect="1"/>
+          </p:cNvPicPr>
+          <p:nvPr/>
+        </p:nvPicPr>
+        <p:blipFill>
+          <a:blip r:embed="rId7">
+            <a:extLst>
+              <a:ext uri="{28A0092B-C50C-407E-A947-70E740481C1C}">
+                <a14:useLocalDpi xmlns:a14="http://schemas.microsoft.com/office/drawing/2010/main" val="0"/>
+              </a:ext>
+            </a:extLst>
+          </a:blip>
+          <a:stretch>
+            <a:fillRect/>
+          </a:stretch>
+        </p:blipFill>
+        <p:spPr>
+          <a:xfrm>
+            <a:off x="8798484" y="3456594"/>
+            <a:ext cx="2151982" cy="1119030"/>
+          </a:xfrm>
+          <a:prstGeom prst="rect">
+            <a:avLst/>
+          </a:prstGeom>
+        </p:spPr>
+      </p:pic>
+      <p:pic>
+        <p:nvPicPr>
+          <p:cNvPr id="21" name="Imagem 20"/>
+          <p:cNvPicPr>
+            <a:picLocks noChangeAspect="1"/>
+          </p:cNvPicPr>
+          <p:nvPr/>
+        </p:nvPicPr>
+        <p:blipFill>
+          <a:blip r:embed="rId8">
+            <a:extLst>
+              <a:ext uri="{28A0092B-C50C-407E-A947-70E740481C1C}">
+                <a14:useLocalDpi xmlns:a14="http://schemas.microsoft.com/office/drawing/2010/main" val="0"/>
+              </a:ext>
+            </a:extLst>
+          </a:blip>
+          <a:stretch>
+            <a:fillRect/>
+          </a:stretch>
+        </p:blipFill>
+        <p:spPr>
+          <a:xfrm>
+            <a:off x="7486523" y="4687720"/>
+            <a:ext cx="2139758" cy="1890372"/>
+          </a:xfrm>
+          <a:prstGeom prst="rect">
+            <a:avLst/>
+          </a:prstGeom>
+        </p:spPr>
+      </p:pic>
+      <p:pic>
+        <p:nvPicPr>
+          <p:cNvPr id="22" name="Imagem 21"/>
+          <p:cNvPicPr>
+            <a:picLocks noChangeAspect="1"/>
+          </p:cNvPicPr>
+          <p:nvPr/>
+        </p:nvPicPr>
+        <p:blipFill>
+          <a:blip r:embed="rId9" cstate="print">
+            <a:extLst>
+              <a:ext uri="{28A0092B-C50C-407E-A947-70E740481C1C}">
+                <a14:useLocalDpi xmlns:a14="http://schemas.microsoft.com/office/drawing/2010/main" val="0"/>
+              </a:ext>
+            </a:extLst>
+          </a:blip>
+          <a:stretch>
+            <a:fillRect/>
+          </a:stretch>
+        </p:blipFill>
+        <p:spPr>
+          <a:xfrm>
+            <a:off x="1394588" y="5423830"/>
+            <a:ext cx="2213990" cy="971777"/>
+          </a:xfrm>
+          <a:prstGeom prst="rect">
+            <a:avLst/>
+          </a:prstGeom>
+        </p:spPr>
+      </p:pic>
     </p:spTree>
     <p:extLst>
       <p:ext uri="{BB962C8B-B14F-4D97-AF65-F5344CB8AC3E}">
-        <p14:creationId xmlns:p14="http://schemas.microsoft.com/office/powerpoint/2010/main" val="2298780734"/>
+        <p14:creationId xmlns:p14="http://schemas.microsoft.com/office/powerpoint/2010/main" val="1196947794"/>
       </p:ext>
     </p:extLst>
   </p:cSld>
   <p:clrMapOvr>
     <a:masterClrMapping/>
   </p:clrMapOvr>
+  <p:timing>
+    <p:tnLst>
+      <p:par>
+        <p:cTn id="1" dur="indefinite" restart="never" nodeType="tmRoot"/>
+      </p:par>
+    </p:tnLst>
+  </p:timing>
 </p:sld>
 </file>
 
@@ -9596,6 +9892,13 @@
   <p:clrMapOvr>
     <a:masterClrMapping/>
   </p:clrMapOvr>
+  <p:timing>
+    <p:tnLst>
+      <p:par>
+        <p:cTn id="1" dur="indefinite" restart="never" nodeType="tmRoot"/>
+      </p:par>
+    </p:tnLst>
+  </p:timing>
 </p:sld>
 </file>
 
@@ -9632,39 +9935,76 @@
           <a:lstStyle/>
           <a:p>
             <a:r>
-              <a:rPr lang="pt-BR" dirty="0" err="1"/>
+              <a:rPr lang="pt-BR" dirty="0" err="1" smtClean="0"/>
               <a:t>Mapskills-Cadvisor</a:t>
             </a:r>
             <a:endParaRPr lang="pt-BR" dirty="0"/>
           </a:p>
         </p:txBody>
       </p:sp>
-      <p:pic>
-        <p:nvPicPr>
-          <p:cNvPr id="4" name="Espaço Reservado para Conteúdo 3"/>
-          <p:cNvPicPr>
-            <a:picLocks noGrp="1" noChangeAspect="1"/>
-          </p:cNvPicPr>
+      <p:sp>
+        <p:nvSpPr>
+          <p:cNvPr id="3" name="Espaço Reservado para Conteúdo 2"/>
+          <p:cNvSpPr>
+            <a:spLocks noGrp="1"/>
+          </p:cNvSpPr>
           <p:nvPr>
             <p:ph idx="1"/>
           </p:nvPr>
-        </p:nvPicPr>
-        <p:blipFill>
-          <a:blip r:embed="rId2"/>
-          <a:stretch>
-            <a:fillRect/>
-          </a:stretch>
-        </p:blipFill>
-        <p:spPr>
-          <a:xfrm>
-            <a:off x="2377441" y="2611120"/>
-            <a:ext cx="6805748" cy="3763554"/>
-          </a:xfrm>
-          <a:prstGeom prst="rect">
-            <a:avLst/>
-          </a:prstGeom>
-        </p:spPr>
-      </p:pic>
+        </p:nvSpPr>
+        <p:spPr/>
+        <p:txBody>
+          <a:bodyPr/>
+          <a:lstStyle/>
+          <a:p>
+            <a:r>
+              <a:rPr lang="pt-BR" dirty="0"/>
+              <a:t>Container que auxilia no </a:t>
+            </a:r>
+            <a:r>
+              <a:rPr lang="pt-BR" dirty="0" smtClean="0"/>
+              <a:t>monitoramento </a:t>
+            </a:r>
+            <a:r>
+              <a:rPr lang="pt-BR" dirty="0"/>
+              <a:t>dos recursos consumidos pelo host. </a:t>
+            </a:r>
+            <a:endParaRPr lang="pt-BR" dirty="0" smtClean="0"/>
+          </a:p>
+          <a:p>
+            <a:pPr marL="0" indent="0">
+              <a:buNone/>
+            </a:pPr>
+            <a:endParaRPr lang="pt-BR" dirty="0" smtClean="0"/>
+          </a:p>
+          <a:p>
+            <a:r>
+              <a:rPr lang="pt-BR" dirty="0" smtClean="0"/>
+              <a:t>Monitoramento dos serviços que compõem </a:t>
+            </a:r>
+            <a:r>
+              <a:rPr lang="pt-BR" dirty="0" smtClean="0"/>
+              <a:t>a </a:t>
+            </a:r>
+            <a:r>
+              <a:rPr lang="pt-BR" dirty="0"/>
+              <a:t>arquitetura da aplicação </a:t>
+            </a:r>
+            <a:r>
+              <a:rPr lang="pt-BR" i="1" dirty="0" err="1" smtClean="0"/>
+              <a:t>Mapskills</a:t>
+            </a:r>
+            <a:r>
+              <a:rPr lang="pt-BR" dirty="0" smtClean="0"/>
+              <a:t>.</a:t>
+            </a:r>
+            <a:endParaRPr lang="pt-BR" dirty="0"/>
+          </a:p>
+          <a:p>
+            <a:endParaRPr lang="pt-BR" dirty="0" smtClean="0"/>
+          </a:p>
+        </p:txBody>
+      </p:sp>
       <p:sp>
         <p:nvSpPr>
           <p:cNvPr id="5" name="Retângulo 4"/>
@@ -9701,13 +10041,20 @@
     </p:spTree>
     <p:extLst>
       <p:ext uri="{BB962C8B-B14F-4D97-AF65-F5344CB8AC3E}">
-        <p14:creationId xmlns:p14="http://schemas.microsoft.com/office/powerpoint/2010/main" val="3599699526"/>
+        <p14:creationId xmlns:p14="http://schemas.microsoft.com/office/powerpoint/2010/main" val="2298780734"/>
       </p:ext>
     </p:extLst>
   </p:cSld>
   <p:clrMapOvr>
     <a:masterClrMapping/>
   </p:clrMapOvr>
+  <p:timing>
+    <p:tnLst>
+      <p:par>
+        <p:cTn id="1" dur="indefinite" restart="never" nodeType="tmRoot"/>
+      </p:par>
+    </p:tnLst>
+  </p:timing>
 </p:sld>
 </file>
 
@@ -9744,112 +10091,42 @@
           <a:lstStyle/>
           <a:p>
             <a:r>
-              <a:rPr lang="pt-BR" dirty="0" err="1" smtClean="0"/>
-              <a:t>Tomcat</a:t>
-            </a:r>
-            <a:r>
-              <a:rPr lang="pt-BR" dirty="0"/>
-              <a:t>-</a:t>
-            </a:r>
-            <a:r>
-              <a:rPr lang="pt-BR" dirty="0" smtClean="0"/>
-              <a:t>Back</a:t>
+              <a:rPr lang="pt-BR" dirty="0" err="1"/>
+              <a:t>Mapskills-Cadvisor</a:t>
             </a:r>
             <a:endParaRPr lang="pt-BR" dirty="0"/>
           </a:p>
         </p:txBody>
       </p:sp>
-      <p:sp>
-        <p:nvSpPr>
-          <p:cNvPr id="3" name="Espaço Reservado para Conteúdo 2"/>
-          <p:cNvSpPr>
-            <a:spLocks noGrp="1"/>
-          </p:cNvSpPr>
+      <p:pic>
+        <p:nvPicPr>
+          <p:cNvPr id="4" name="Espaço Reservado para Conteúdo 3"/>
+          <p:cNvPicPr>
+            <a:picLocks noGrp="1" noChangeAspect="1"/>
+          </p:cNvPicPr>
           <p:nvPr>
             <p:ph idx="1"/>
           </p:nvPr>
-        </p:nvSpPr>
-        <p:spPr/>
-        <p:txBody>
-          <a:bodyPr/>
-          <a:lstStyle/>
-          <a:p>
-            <a:pPr hangingPunct="0"/>
-            <a:r>
-              <a:rPr lang="pt-BR" dirty="0"/>
-              <a:t>Container responsável por conter o projeto Java de </a:t>
-            </a:r>
-            <a:r>
-              <a:rPr lang="pt-BR" i="1" dirty="0" err="1"/>
-              <a:t>back-end</a:t>
-            </a:r>
-            <a:r>
-              <a:rPr lang="pt-BR" dirty="0"/>
-              <a:t>, </a:t>
-            </a:r>
-            <a:r>
-              <a:rPr lang="pt-BR" i="1" dirty="0" err="1"/>
-              <a:t>mapskills.war</a:t>
-            </a:r>
-            <a:r>
-              <a:rPr lang="pt-BR" dirty="0"/>
-              <a:t>. Neste container está instalado o Java na versão 1.8 e o </a:t>
-            </a:r>
-            <a:r>
-              <a:rPr lang="pt-BR" dirty="0" err="1"/>
-              <a:t>Tomcat</a:t>
-            </a:r>
-            <a:r>
-              <a:rPr lang="pt-BR" dirty="0"/>
-              <a:t> na versão 8.5, para criação deste container foi utilizada uma Imagem </a:t>
-            </a:r>
-            <a:r>
-              <a:rPr lang="pt-BR" dirty="0" err="1"/>
-              <a:t>Alpine</a:t>
-            </a:r>
-            <a:r>
-              <a:rPr lang="pt-BR" dirty="0"/>
-              <a:t>, pois reduziu significativamente o tamanho da imagem, rodando apenas um processo Java</a:t>
-            </a:r>
-            <a:r>
-              <a:rPr lang="pt-BR" dirty="0" smtClean="0"/>
-              <a:t>.</a:t>
-            </a:r>
-          </a:p>
-          <a:p>
-            <a:pPr marL="0" indent="0" hangingPunct="0">
-              <a:buNone/>
-            </a:pPr>
-            <a:endParaRPr lang="pt-BR" dirty="0"/>
-          </a:p>
-          <a:p>
-            <a:pPr hangingPunct="0"/>
-            <a:r>
-              <a:rPr lang="pt-BR" dirty="0" err="1" smtClean="0"/>
-              <a:t>Url</a:t>
-            </a:r>
-            <a:r>
-              <a:rPr lang="pt-BR" dirty="0" smtClean="0"/>
-              <a:t> de acesso a API: http</a:t>
-            </a:r>
-            <a:r>
-              <a:rPr lang="pt-BR" dirty="0"/>
-              <a:t>://ip_do_host:8080/</a:t>
-            </a:r>
-            <a:r>
-              <a:rPr lang="pt-BR" i="1" dirty="0"/>
-              <a:t>mapskills</a:t>
-            </a:r>
-            <a:endParaRPr lang="pt-BR" dirty="0"/>
-          </a:p>
-          <a:p>
-            <a:endParaRPr lang="pt-BR" dirty="0"/>
-          </a:p>
-        </p:txBody>
-      </p:sp>
-      <p:sp>
-        <p:nvSpPr>
-          <p:cNvPr id="4" name="Retângulo 3"/>
+        </p:nvPicPr>
+        <p:blipFill>
+          <a:blip r:embed="rId2"/>
+          <a:stretch>
+            <a:fillRect/>
+          </a:stretch>
+        </p:blipFill>
+        <p:spPr>
+          <a:xfrm>
+            <a:off x="2377441" y="2611120"/>
+            <a:ext cx="6805748" cy="3763554"/>
+          </a:xfrm>
+          <a:prstGeom prst="rect">
+            <a:avLst/>
+          </a:prstGeom>
+        </p:spPr>
+      </p:pic>
+      <p:sp>
+        <p:nvSpPr>
+          <p:cNvPr id="5" name="Retângulo 4"/>
           <p:cNvSpPr/>
           <p:nvPr/>
         </p:nvSpPr>
@@ -9883,13 +10160,20 @@
     </p:spTree>
     <p:extLst>
       <p:ext uri="{BB962C8B-B14F-4D97-AF65-F5344CB8AC3E}">
-        <p14:creationId xmlns:p14="http://schemas.microsoft.com/office/powerpoint/2010/main" val="3385733950"/>
+        <p14:creationId xmlns:p14="http://schemas.microsoft.com/office/powerpoint/2010/main" val="3599699526"/>
       </p:ext>
     </p:extLst>
   </p:cSld>
   <p:clrMapOvr>
     <a:masterClrMapping/>
   </p:clrMapOvr>
+  <p:timing>
+    <p:tnLst>
+      <p:par>
+        <p:cTn id="1" dur="indefinite" restart="never" nodeType="tmRoot"/>
+      </p:par>
+    </p:tnLst>
+  </p:timing>
 </p:sld>
 </file>
 
@@ -9930,8 +10214,12 @@
               <a:t>Tomcat</a:t>
             </a:r>
             <a:r>
-              <a:rPr lang="pt-BR" dirty="0" smtClean="0"/>
-              <a:t>-Front</a:t>
+              <a:rPr lang="pt-BR" dirty="0"/>
+              <a:t>-</a:t>
+            </a:r>
+            <a:r>
+              <a:rPr lang="pt-BR" dirty="0" smtClean="0"/>
+              <a:t>Back</a:t>
             </a:r>
             <a:endParaRPr lang="pt-BR" dirty="0"/>
           </a:p>
@@ -9947,12 +10235,7 @@
             <p:ph idx="1"/>
           </p:nvPr>
         </p:nvSpPr>
-        <p:spPr>
-          <a:xfrm>
-            <a:off x="680320" y="2310748"/>
-            <a:ext cx="9613861" cy="3599316"/>
-          </a:xfrm>
-        </p:spPr>
+        <p:spPr/>
         <p:txBody>
           <a:bodyPr/>
           <a:lstStyle/>
@@ -9960,15 +10243,23 @@
             <a:pPr hangingPunct="0"/>
             <a:r>
               <a:rPr lang="pt-BR" dirty="0"/>
-              <a:t>Container responsável por conter o projeto de Interface Front-Web, </a:t>
-            </a:r>
-            <a:r>
-              <a:rPr lang="pt-BR" dirty="0" err="1"/>
-              <a:t>mapskills-web.war</a:t>
-            </a:r>
-            <a:r>
-              <a:rPr lang="pt-BR" dirty="0"/>
-              <a:t>. Neste container também está instalado o Java na versão 1.8 e o </a:t>
+              <a:t>Container responsável por conter o projeto Java de </a:t>
+            </a:r>
+            <a:r>
+              <a:rPr lang="pt-BR" i="1" dirty="0" err="1"/>
+              <a:t>back-end</a:t>
+            </a:r>
+            <a:r>
+              <a:rPr lang="pt-BR" dirty="0"/>
+              <a:t>, </a:t>
+            </a:r>
+            <a:r>
+              <a:rPr lang="pt-BR" i="1" dirty="0" err="1"/>
+              <a:t>mapskills.war</a:t>
+            </a:r>
+            <a:r>
+              <a:rPr lang="pt-BR" dirty="0"/>
+              <a:t>. Neste container está instalado o Java na versão 1.8 e o </a:t>
             </a:r>
             <a:r>
               <a:rPr lang="pt-BR" dirty="0" err="1"/>
@@ -9976,63 +10267,46 @@
             </a:r>
             <a:r>
               <a:rPr lang="pt-BR" dirty="0"/>
-              <a:t> na versão 8.5, para criação deste container </a:t>
-            </a:r>
-            <a:r>
-              <a:rPr lang="pt-BR" dirty="0" smtClean="0"/>
-              <a:t>também foi </a:t>
-            </a:r>
-            <a:r>
-              <a:rPr lang="pt-BR" dirty="0"/>
-              <a:t>utilizada uma Imagem </a:t>
-            </a:r>
-            <a:r>
-              <a:rPr lang="pt-BR" i="1" dirty="0" err="1"/>
+              <a:t> na versão 8.5, para criação deste container foi utilizada uma Imagem </a:t>
+            </a:r>
+            <a:r>
+              <a:rPr lang="pt-BR" dirty="0" err="1"/>
               <a:t>Alpine</a:t>
             </a:r>
             <a:r>
               <a:rPr lang="pt-BR" dirty="0"/>
-              <a:t>, </a:t>
-            </a:r>
-            <a:r>
-              <a:rPr lang="pt-BR" dirty="0" smtClean="0"/>
-              <a:t>rodando </a:t>
-            </a:r>
-            <a:r>
-              <a:rPr lang="pt-BR" dirty="0"/>
-              <a:t>apenas um processo Java.</a:t>
-            </a:r>
+              <a:t>, pois reduziu significativamente o tamanho da imagem, rodando apenas um processo Java</a:t>
+            </a:r>
+            <a:r>
+              <a:rPr lang="pt-BR" dirty="0" smtClean="0"/>
+              <a:t>.</a:t>
+            </a:r>
+          </a:p>
+          <a:p>
+            <a:pPr marL="0" indent="0" hangingPunct="0">
+              <a:buNone/>
+            </a:pPr>
+            <a:endParaRPr lang="pt-BR" dirty="0"/>
           </a:p>
           <a:p>
             <a:pPr hangingPunct="0"/>
             <a:r>
-              <a:rPr lang="pt-BR" dirty="0" smtClean="0"/>
-              <a:t>Para </a:t>
-            </a:r>
-            <a:r>
-              <a:rPr lang="pt-BR" dirty="0"/>
-              <a:t>se encaminhar uma requisição ao front-</a:t>
-            </a:r>
-            <a:r>
-              <a:rPr lang="pt-BR" dirty="0" err="1"/>
-              <a:t>end</a:t>
-            </a:r>
-            <a:r>
-              <a:rPr lang="pt-BR" dirty="0"/>
-              <a:t> é necessário acessar aplicação através da url: </a:t>
-            </a:r>
-            <a:endParaRPr lang="pt-BR" dirty="0" smtClean="0"/>
-          </a:p>
-          <a:p>
-            <a:pPr hangingPunct="0"/>
-            <a:r>
-              <a:rPr lang="pt-BR" dirty="0" smtClean="0"/>
-              <a:t>http</a:t>
-            </a:r>
-            <a:r>
-              <a:rPr lang="pt-BR" dirty="0"/>
-              <a:t>://ip_do_host:80/mapskills-web</a:t>
-            </a:r>
+              <a:rPr lang="pt-BR" dirty="0" err="1" smtClean="0"/>
+              <a:t>Url</a:t>
+            </a:r>
+            <a:r>
+              <a:rPr lang="pt-BR" dirty="0" smtClean="0"/>
+              <a:t> de acesso a API: http</a:t>
+            </a:r>
+            <a:r>
+              <a:rPr lang="pt-BR" dirty="0"/>
+              <a:t>://ip_do_host:8080/</a:t>
+            </a:r>
+            <a:r>
+              <a:rPr lang="pt-BR" i="1" dirty="0"/>
+              <a:t>mapskills</a:t>
+            </a:r>
+            <a:endParaRPr lang="pt-BR" dirty="0"/>
           </a:p>
           <a:p>
             <a:endParaRPr lang="pt-BR" dirty="0"/>
@@ -10075,13 +10349,20 @@
     </p:spTree>
     <p:extLst>
       <p:ext uri="{BB962C8B-B14F-4D97-AF65-F5344CB8AC3E}">
-        <p14:creationId xmlns:p14="http://schemas.microsoft.com/office/powerpoint/2010/main" val="1993514350"/>
+        <p14:creationId xmlns:p14="http://schemas.microsoft.com/office/powerpoint/2010/main" val="3385733950"/>
       </p:ext>
     </p:extLst>
   </p:cSld>
   <p:clrMapOvr>
     <a:masterClrMapping/>
   </p:clrMapOvr>
+  <p:timing>
+    <p:tnLst>
+      <p:par>
+        <p:cTn id="1" dur="indefinite" restart="never" nodeType="tmRoot"/>
+      </p:par>
+    </p:tnLst>
+  </p:timing>
 </p:sld>
 </file>
 
@@ -10119,7 +10400,11 @@
           <a:p>
             <a:r>
               <a:rPr lang="pt-BR" dirty="0" err="1" smtClean="0"/>
-              <a:t>Mapskills-Mysql</a:t>
+              <a:t>Tomcat</a:t>
+            </a:r>
+            <a:r>
+              <a:rPr lang="pt-BR" dirty="0" smtClean="0"/>
+              <a:t>-Front</a:t>
             </a:r>
             <a:endParaRPr lang="pt-BR" dirty="0"/>
           </a:p>
@@ -10135,102 +10420,28 @@
             <p:ph idx="1"/>
           </p:nvPr>
         </p:nvSpPr>
-        <p:spPr/>
-        <p:txBody>
-          <a:bodyPr>
-            <a:normAutofit/>
-          </a:bodyPr>
+        <p:spPr>
+          <a:xfrm>
+            <a:off x="680320" y="2310748"/>
+            <a:ext cx="9613861" cy="3599316"/>
+          </a:xfrm>
+        </p:spPr>
+        <p:txBody>
+          <a:bodyPr/>
           <a:lstStyle/>
           <a:p>
             <a:pPr hangingPunct="0"/>
             <a:r>
               <a:rPr lang="pt-BR" dirty="0"/>
-              <a:t>Container responsável por armazenar todas informações referente a plataforma.</a:t>
-            </a:r>
-          </a:p>
-          <a:p>
-            <a:pPr hangingPunct="0"/>
-            <a:r>
-              <a:rPr lang="pt-BR" dirty="0" smtClean="0"/>
-              <a:t>Foi </a:t>
-            </a:r>
-            <a:r>
-              <a:rPr lang="pt-BR" dirty="0"/>
-              <a:t>configurado </a:t>
-            </a:r>
-            <a:r>
-              <a:rPr lang="pt-BR" dirty="0" smtClean="0"/>
-              <a:t>o </a:t>
-            </a:r>
-            <a:r>
-              <a:rPr lang="pt-BR" dirty="0"/>
-              <a:t>valor do parâmetro </a:t>
-            </a:r>
-            <a:r>
-              <a:rPr lang="pt-BR" i="1" dirty="0" err="1"/>
-              <a:t>bind-address</a:t>
-            </a:r>
-            <a:r>
-              <a:rPr lang="pt-BR" dirty="0"/>
-              <a:t> para </a:t>
-            </a:r>
-            <a:r>
-              <a:rPr lang="pt-BR" i="1" dirty="0"/>
-              <a:t>0.0.0.0 </a:t>
-            </a:r>
-            <a:r>
-              <a:rPr lang="pt-BR" dirty="0"/>
-              <a:t>no arquivo </a:t>
-            </a:r>
-            <a:r>
-              <a:rPr lang="pt-BR" i="1" dirty="0" err="1"/>
-              <a:t>my.cnf</a:t>
-            </a:r>
-            <a:r>
-              <a:rPr lang="pt-BR" i="1" dirty="0"/>
-              <a:t> </a:t>
-            </a:r>
-            <a:r>
-              <a:rPr lang="pt-BR" dirty="0"/>
-              <a:t>permitindo acesso remoto.</a:t>
-            </a:r>
-          </a:p>
-          <a:p>
-            <a:pPr hangingPunct="0"/>
-            <a:r>
-              <a:rPr lang="pt-BR" dirty="0" smtClean="0"/>
-              <a:t>Usuário </a:t>
-            </a:r>
-            <a:r>
-              <a:rPr lang="pt-BR" dirty="0" err="1" smtClean="0"/>
-              <a:t>mapskills</a:t>
-            </a:r>
-            <a:r>
-              <a:rPr lang="pt-BR" dirty="0" smtClean="0"/>
-              <a:t>: consultar</a:t>
-            </a:r>
-            <a:r>
-              <a:rPr lang="pt-BR" dirty="0"/>
-              <a:t>, inserir, alterar ou deletar informações na Base de Dados </a:t>
-            </a:r>
-            <a:r>
-              <a:rPr lang="pt-BR" dirty="0" err="1" smtClean="0"/>
-              <a:t>Mapskills</a:t>
-            </a:r>
-            <a:r>
-              <a:rPr lang="pt-BR" dirty="0" smtClean="0"/>
-              <a:t>.</a:t>
-            </a:r>
-          </a:p>
-          <a:p>
-            <a:pPr hangingPunct="0"/>
-            <a:r>
-              <a:rPr lang="pt-BR" dirty="0" smtClean="0"/>
-              <a:t>Somente </a:t>
-            </a:r>
-            <a:r>
-              <a:rPr lang="pt-BR" dirty="0"/>
-              <a:t>o Container </a:t>
+              <a:t>Container responsável por conter o projeto de Interface Front-Web, </a:t>
+            </a:r>
+            <a:r>
+              <a:rPr lang="pt-BR" dirty="0" err="1"/>
+              <a:t>mapskills-web.war</a:t>
+            </a:r>
+            <a:r>
+              <a:rPr lang="pt-BR" dirty="0"/>
+              <a:t>. Neste container também está instalado o Java na versão 1.8 e o </a:t>
             </a:r>
             <a:r>
               <a:rPr lang="pt-BR" dirty="0" err="1"/>
@@ -10238,16 +10449,60 @@
             </a:r>
             <a:r>
               <a:rPr lang="pt-BR" dirty="0"/>
-              <a:t>-Back-</a:t>
-            </a:r>
-            <a:r>
-              <a:rPr lang="pt-BR" dirty="0" err="1"/>
-              <a:t>End</a:t>
-            </a:r>
-            <a:r>
-              <a:rPr lang="pt-BR" dirty="0"/>
-              <a:t> pode se comunicar com a Base de Dados, desta forma, foi isolado o acesso aos dados. </a:t>
-            </a:r>
+              <a:t> na versão 8.5, para criação deste container </a:t>
+            </a:r>
+            <a:r>
+              <a:rPr lang="pt-BR" dirty="0" smtClean="0"/>
+              <a:t>também foi </a:t>
+            </a:r>
+            <a:r>
+              <a:rPr lang="pt-BR" dirty="0"/>
+              <a:t>utilizada uma Imagem </a:t>
+            </a:r>
+            <a:r>
+              <a:rPr lang="pt-BR" i="1" dirty="0" err="1"/>
+              <a:t>Alpine</a:t>
+            </a:r>
+            <a:r>
+              <a:rPr lang="pt-BR" dirty="0"/>
+              <a:t>, </a:t>
+            </a:r>
+            <a:r>
+              <a:rPr lang="pt-BR" dirty="0" smtClean="0"/>
+              <a:t>rodando </a:t>
+            </a:r>
+            <a:r>
+              <a:rPr lang="pt-BR" dirty="0"/>
+              <a:t>apenas um processo Java.</a:t>
+            </a:r>
+          </a:p>
+          <a:p>
+            <a:pPr hangingPunct="0"/>
+            <a:r>
+              <a:rPr lang="pt-BR" dirty="0"/>
+              <a:t>A</a:t>
+            </a:r>
+            <a:r>
+              <a:rPr lang="pt-BR" dirty="0" smtClean="0"/>
+              <a:t>cessar </a:t>
+            </a:r>
+            <a:r>
+              <a:rPr lang="pt-BR" dirty="0"/>
+              <a:t>aplicação através da url: </a:t>
+            </a:r>
+            <a:r>
+              <a:rPr lang="pt-BR" dirty="0" smtClean="0"/>
+              <a:t>http</a:t>
+            </a:r>
+            <a:r>
+              <a:rPr lang="pt-BR" dirty="0"/>
+              <a:t>://</a:t>
+            </a:r>
+            <a:r>
+              <a:rPr lang="pt-BR" dirty="0" smtClean="0"/>
+              <a:t>ip_do_host/mapskills-web</a:t>
+            </a:r>
+            <a:endParaRPr lang="pt-BR" dirty="0"/>
           </a:p>
           <a:p>
             <a:endParaRPr lang="pt-BR" dirty="0"/>
@@ -10290,13 +10545,20 @@
     </p:spTree>
     <p:extLst>
       <p:ext uri="{BB962C8B-B14F-4D97-AF65-F5344CB8AC3E}">
-        <p14:creationId xmlns:p14="http://schemas.microsoft.com/office/powerpoint/2010/main" val="3414724196"/>
+        <p14:creationId xmlns:p14="http://schemas.microsoft.com/office/powerpoint/2010/main" val="1993514350"/>
       </p:ext>
     </p:extLst>
   </p:cSld>
   <p:clrMapOvr>
     <a:masterClrMapping/>
   </p:clrMapOvr>
+  <p:timing>
+    <p:tnLst>
+      <p:par>
+        <p:cTn id="1" dur="indefinite" restart="never" nodeType="tmRoot"/>
+      </p:par>
+    </p:tnLst>
+  </p:timing>
 </p:sld>
 </file>
 
@@ -10334,7 +10596,7 @@
           <a:p>
             <a:r>
               <a:rPr lang="pt-BR" dirty="0" err="1" smtClean="0"/>
-              <a:t>Mapskills-Haproxy</a:t>
+              <a:t>Mapskills-Mysql</a:t>
             </a:r>
             <a:endParaRPr lang="pt-BR" dirty="0"/>
           </a:p>
@@ -10353,68 +10615,99 @@
         <p:spPr/>
         <p:txBody>
           <a:bodyPr>
-            <a:normAutofit fontScale="77500" lnSpcReduction="20000"/>
+            <a:normAutofit/>
           </a:bodyPr>
           <a:lstStyle/>
           <a:p>
             <a:pPr hangingPunct="0"/>
             <a:r>
               <a:rPr lang="pt-BR" dirty="0"/>
-              <a:t>O </a:t>
-            </a:r>
-            <a:r>
-              <a:rPr lang="pt-BR" dirty="0" err="1"/>
-              <a:t>Haproxy</a:t>
-            </a:r>
-            <a:r>
-              <a:rPr lang="pt-BR" dirty="0"/>
-              <a:t> tem a finalidade gerenciar todas requisições HTTP destinadas ao </a:t>
-            </a:r>
-            <a:r>
-              <a:rPr lang="pt-BR" dirty="0" err="1"/>
-              <a:t>Mapskills-app</a:t>
-            </a:r>
-            <a:r>
-              <a:rPr lang="pt-BR" dirty="0"/>
-              <a:t>, realizando o balanceamento de carga entre os containers do </a:t>
+              <a:t>Container responsável por armazenar todas informações referente a plataforma.</a:t>
+            </a:r>
+          </a:p>
+          <a:p>
+            <a:pPr hangingPunct="0"/>
+            <a:r>
+              <a:rPr lang="pt-BR" dirty="0" smtClean="0"/>
+              <a:t>Foi </a:t>
+            </a:r>
+            <a:r>
+              <a:rPr lang="pt-BR" dirty="0"/>
+              <a:t>configurado </a:t>
+            </a:r>
+            <a:r>
+              <a:rPr lang="pt-BR" dirty="0" smtClean="0"/>
+              <a:t>o </a:t>
+            </a:r>
+            <a:r>
+              <a:rPr lang="pt-BR" dirty="0"/>
+              <a:t>valor do parâmetro </a:t>
             </a:r>
             <a:r>
               <a:rPr lang="pt-BR" i="1" dirty="0" err="1"/>
-              <a:t>back</a:t>
+              <a:t>bind-address</a:t>
+            </a:r>
+            <a:r>
+              <a:rPr lang="pt-BR" dirty="0"/>
+              <a:t> para </a:t>
             </a:r>
             <a:r>
               <a:rPr lang="pt-BR" i="1" dirty="0"/>
-              <a:t>-end</a:t>
-            </a:r>
-            <a:r>
-              <a:rPr lang="pt-BR" dirty="0"/>
-              <a:t>. </a:t>
+              <a:t>0.0.0.0 </a:t>
+            </a:r>
+            <a:r>
+              <a:rPr lang="pt-BR" dirty="0"/>
+              <a:t>no arquivo </a:t>
+            </a:r>
+            <a:r>
+              <a:rPr lang="pt-BR" i="1" dirty="0" err="1"/>
+              <a:t>my.cnf</a:t>
+            </a:r>
+            <a:r>
+              <a:rPr lang="pt-BR" i="1" dirty="0"/>
+              <a:t> </a:t>
+            </a:r>
+            <a:r>
+              <a:rPr lang="pt-BR" dirty="0"/>
+              <a:t>permitindo acesso remoto.</a:t>
             </a:r>
           </a:p>
           <a:p>
             <a:pPr hangingPunct="0"/>
             <a:r>
               <a:rPr lang="pt-BR" dirty="0" smtClean="0"/>
-              <a:t>Algoritmo Round </a:t>
-            </a:r>
-            <a:r>
-              <a:rPr lang="pt-BR" dirty="0"/>
-              <a:t>Robin, este algoritmo tratar os servers como iguais, independente do número de conexões solicitadas, sempre redirecionando a próxima requisição ao server seguinte, desta forma, todos servers terão o mesmo número de conexões. </a:t>
+              <a:t>Usuário </a:t>
+            </a:r>
+            <a:r>
+              <a:rPr lang="pt-BR" dirty="0" err="1" smtClean="0"/>
+              <a:t>mapskills</a:t>
+            </a:r>
+            <a:r>
+              <a:rPr lang="pt-BR" dirty="0" smtClean="0"/>
+              <a:t>: consultar</a:t>
+            </a:r>
+            <a:r>
+              <a:rPr lang="pt-BR" dirty="0"/>
+              <a:t>, inserir, alterar ou deletar informações na Base de Dados </a:t>
+            </a:r>
+            <a:r>
+              <a:rPr lang="pt-BR" dirty="0" err="1" smtClean="0"/>
+              <a:t>Mapskills</a:t>
+            </a:r>
+            <a:r>
+              <a:rPr lang="pt-BR" dirty="0" smtClean="0"/>
+              <a:t>.</a:t>
             </a:r>
           </a:p>
           <a:p>
             <a:pPr hangingPunct="0"/>
             <a:r>
               <a:rPr lang="pt-BR" dirty="0" smtClean="0"/>
-              <a:t>O </a:t>
-            </a:r>
-            <a:r>
-              <a:rPr lang="pt-BR" dirty="0" err="1"/>
-              <a:t>Haproxy</a:t>
-            </a:r>
-            <a:r>
-              <a:rPr lang="pt-BR" dirty="0"/>
-              <a:t> trabalha como um Proxy Reverso, recebendo todas requisições através da porta 80 e redirecionando internamente a porta 8080 destinada ao </a:t>
+              <a:t>Somente </a:t>
+            </a:r>
+            <a:r>
+              <a:rPr lang="pt-BR" dirty="0"/>
+              <a:t>o Container </a:t>
             </a:r>
             <a:r>
               <a:rPr lang="pt-BR" dirty="0" err="1"/>
@@ -10422,39 +10715,21 @@
             </a:r>
             <a:r>
               <a:rPr lang="pt-BR" dirty="0"/>
-              <a:t> que contém o </a:t>
+              <a:t>-Back-</a:t>
             </a:r>
             <a:r>
               <a:rPr lang="pt-BR" dirty="0" err="1"/>
-              <a:t>mapskills-war</a:t>
-            </a:r>
-            <a:r>
-              <a:rPr lang="pt-BR" dirty="0"/>
-              <a:t>. O balanceamento de carga utilizado </a:t>
-            </a:r>
-            <a:r>
-              <a:rPr lang="pt-BR" dirty="0" smtClean="0"/>
-              <a:t>é </a:t>
-            </a:r>
-            <a:r>
-              <a:rPr lang="pt-BR" dirty="0"/>
-              <a:t>de camada 4 (camada de transporte) da tabela OSI, encaminhando o tráfego do usuário com base no alcance e na porta do IP, no caso definida como 80.</a:t>
-            </a:r>
-          </a:p>
-          <a:p>
-            <a:pPr hangingPunct="0"/>
-            <a:r>
-              <a:rPr lang="pt-BR" dirty="0" err="1" smtClean="0"/>
-              <a:t>Dashboard</a:t>
-            </a:r>
-            <a:r>
-              <a:rPr lang="pt-BR" dirty="0" smtClean="0"/>
-              <a:t> </a:t>
-            </a:r>
-            <a:r>
-              <a:rPr lang="pt-BR" dirty="0"/>
-              <a:t>para visualização dos servers, números de requisições com sucesso e falha, bem como saber em tempo real a quantidade de Kbps que foi trafegada pela rede, conforme figura abaixo.</a:t>
-            </a:r>
+              <a:t>End</a:t>
+            </a:r>
+            <a:r>
+              <a:rPr lang="pt-BR" dirty="0"/>
+              <a:t> pode se comunicar com a Base de Dados, desta forma, foi isolado o acesso aos dados</a:t>
+            </a:r>
+            <a:r>
+              <a:rPr lang="pt-BR" dirty="0" smtClean="0"/>
+              <a:t>.</a:t>
+            </a:r>
+            <a:endParaRPr lang="pt-BR" dirty="0"/>
           </a:p>
           <a:p>
             <a:endParaRPr lang="pt-BR" dirty="0"/>
@@ -10497,13 +10772,20 @@
     </p:spTree>
     <p:extLst>
       <p:ext uri="{BB962C8B-B14F-4D97-AF65-F5344CB8AC3E}">
-        <p14:creationId xmlns:p14="http://schemas.microsoft.com/office/powerpoint/2010/main" val="1443225755"/>
+        <p14:creationId xmlns:p14="http://schemas.microsoft.com/office/powerpoint/2010/main" val="3414724196"/>
       </p:ext>
     </p:extLst>
   </p:cSld>
   <p:clrMapOvr>
     <a:masterClrMapping/>
   </p:clrMapOvr>
+  <p:timing>
+    <p:tnLst>
+      <p:par>
+        <p:cTn id="1" dur="indefinite" restart="never" nodeType="tmRoot"/>
+      </p:par>
+    </p:tnLst>
+  </p:timing>
 </p:sld>
 </file>
 
@@ -10547,35 +10829,154 @@
           </a:p>
         </p:txBody>
       </p:sp>
-      <p:pic>
-        <p:nvPicPr>
-          <p:cNvPr id="4" name="Figura4"/>
-          <p:cNvPicPr>
-            <a:picLocks noGrp="1"/>
-          </p:cNvPicPr>
+      <p:sp>
+        <p:nvSpPr>
+          <p:cNvPr id="3" name="Espaço Reservado para Conteúdo 2"/>
+          <p:cNvSpPr>
+            <a:spLocks noGrp="1"/>
+          </p:cNvSpPr>
           <p:nvPr>
             <p:ph idx="1"/>
           </p:nvPr>
-        </p:nvPicPr>
-        <p:blipFill>
-          <a:blip r:embed="rId2"/>
-          <a:stretch>
-            <a:fillRect/>
-          </a:stretch>
-        </p:blipFill>
-        <p:spPr bwMode="auto">
-          <a:xfrm>
-            <a:off x="1410789" y="2336800"/>
-            <a:ext cx="8386353" cy="3598863"/>
-          </a:xfrm>
-          <a:prstGeom prst="rect">
-            <a:avLst/>
-          </a:prstGeom>
-        </p:spPr>
-      </p:pic>
-      <p:sp>
-        <p:nvSpPr>
-          <p:cNvPr id="5" name="Retângulo 4"/>
+        </p:nvSpPr>
+        <p:spPr/>
+        <p:txBody>
+          <a:bodyPr>
+            <a:normAutofit fontScale="70000" lnSpcReduction="20000"/>
+          </a:bodyPr>
+          <a:lstStyle/>
+          <a:p>
+            <a:pPr hangingPunct="0"/>
+            <a:r>
+              <a:rPr lang="pt-BR" dirty="0"/>
+              <a:t>O </a:t>
+            </a:r>
+            <a:r>
+              <a:rPr lang="pt-BR" dirty="0" err="1"/>
+              <a:t>Haproxy</a:t>
+            </a:r>
+            <a:r>
+              <a:rPr lang="pt-BR" dirty="0"/>
+              <a:t> tem a finalidade gerenciar todas requisições HTTP destinadas ao </a:t>
+            </a:r>
+            <a:r>
+              <a:rPr lang="pt-BR" dirty="0" err="1"/>
+              <a:t>Mapskills-app</a:t>
+            </a:r>
+            <a:r>
+              <a:rPr lang="pt-BR" dirty="0"/>
+              <a:t>, realizando o balanceamento de carga entre os containers do </a:t>
+            </a:r>
+            <a:r>
+              <a:rPr lang="pt-BR" i="1" dirty="0" err="1"/>
+              <a:t>back</a:t>
+            </a:r>
+            <a:r>
+              <a:rPr lang="pt-BR" i="1" dirty="0"/>
+              <a:t>-end</a:t>
+            </a:r>
+            <a:r>
+              <a:rPr lang="pt-BR" dirty="0"/>
+              <a:t>. </a:t>
+            </a:r>
+          </a:p>
+          <a:p>
+            <a:pPr hangingPunct="0"/>
+            <a:r>
+              <a:rPr lang="pt-BR" dirty="0" smtClean="0"/>
+              <a:t>Algoritmo Round </a:t>
+            </a:r>
+            <a:r>
+              <a:rPr lang="pt-BR" dirty="0"/>
+              <a:t>Robin, este algoritmo tratar os servers como iguais, independente do número de conexões solicitadas, sempre redirecionando a próxima requisição ao server seguinte, desta forma, todos servers terão o mesmo número de conexões. </a:t>
+            </a:r>
+          </a:p>
+          <a:p>
+            <a:pPr hangingPunct="0"/>
+            <a:r>
+              <a:rPr lang="pt-BR" dirty="0" smtClean="0"/>
+              <a:t>O </a:t>
+            </a:r>
+            <a:r>
+              <a:rPr lang="pt-BR" dirty="0" err="1"/>
+              <a:t>Haproxy</a:t>
+            </a:r>
+            <a:r>
+              <a:rPr lang="pt-BR" dirty="0"/>
+              <a:t> trabalha como um Proxy Reverso, recebendo todas requisições através da porta 80 e redirecionando internamente a porta 8080 destinada ao </a:t>
+            </a:r>
+            <a:r>
+              <a:rPr lang="pt-BR" dirty="0" err="1"/>
+              <a:t>Tomcat</a:t>
+            </a:r>
+            <a:r>
+              <a:rPr lang="pt-BR" dirty="0"/>
+              <a:t> que contém o </a:t>
+            </a:r>
+            <a:r>
+              <a:rPr lang="pt-BR" dirty="0" err="1"/>
+              <a:t>mapskills-war</a:t>
+            </a:r>
+            <a:r>
+              <a:rPr lang="pt-BR" dirty="0"/>
+              <a:t>. O balanceamento de carga utilizado </a:t>
+            </a:r>
+            <a:r>
+              <a:rPr lang="pt-BR" dirty="0" smtClean="0"/>
+              <a:t>é </a:t>
+            </a:r>
+            <a:r>
+              <a:rPr lang="pt-BR" dirty="0"/>
+              <a:t>de camada 4 (camada de transporte) da tabela OSI, encaminhando o tráfego do usuário com base no alcance e na porta do IP, no caso definida como 80.</a:t>
+            </a:r>
+          </a:p>
+          <a:p>
+            <a:pPr hangingPunct="0"/>
+            <a:r>
+              <a:rPr lang="pt-BR" dirty="0" err="1" smtClean="0"/>
+              <a:t>Dashboard</a:t>
+            </a:r>
+            <a:r>
+              <a:rPr lang="pt-BR" dirty="0" smtClean="0"/>
+              <a:t> </a:t>
+            </a:r>
+            <a:r>
+              <a:rPr lang="pt-BR" dirty="0"/>
+              <a:t>para visualização dos servers, números de requisições com sucesso e falha, bem como saber em tempo real a quantidade de Kbps que foi trafegada pela rede, conforme figura abaixo</a:t>
+            </a:r>
+            <a:r>
+              <a:rPr lang="pt-BR" dirty="0" smtClean="0"/>
+              <a:t>.</a:t>
+            </a:r>
+          </a:p>
+          <a:p>
+            <a:pPr hangingPunct="0"/>
+            <a:r>
+              <a:rPr lang="pt-BR" dirty="0" err="1" smtClean="0"/>
+              <a:t>Url</a:t>
+            </a:r>
+            <a:r>
+              <a:rPr lang="pt-BR" dirty="0" smtClean="0"/>
+              <a:t> de acesso ao </a:t>
+            </a:r>
+            <a:r>
+              <a:rPr lang="pt-BR" dirty="0" err="1" smtClean="0"/>
+              <a:t>dashboard</a:t>
+            </a:r>
+            <a:r>
+              <a:rPr lang="pt-BR" dirty="0" smtClean="0"/>
+              <a:t>: http://ip_do_host:1936.</a:t>
+            </a:r>
+            <a:endParaRPr lang="pt-BR" dirty="0"/>
+          </a:p>
+          <a:p>
+            <a:endParaRPr lang="pt-BR" dirty="0"/>
+          </a:p>
+        </p:txBody>
+      </p:sp>
+      <p:sp>
+        <p:nvSpPr>
+          <p:cNvPr id="4" name="Retângulo 3"/>
           <p:cNvSpPr/>
           <p:nvPr/>
         </p:nvSpPr>
@@ -10609,13 +11010,20 @@
     </p:spTree>
     <p:extLst>
       <p:ext uri="{BB962C8B-B14F-4D97-AF65-F5344CB8AC3E}">
-        <p14:creationId xmlns:p14="http://schemas.microsoft.com/office/powerpoint/2010/main" val="1829818420"/>
+        <p14:creationId xmlns:p14="http://schemas.microsoft.com/office/powerpoint/2010/main" val="1443225755"/>
       </p:ext>
     </p:extLst>
   </p:cSld>
   <p:clrMapOvr>
     <a:masterClrMapping/>
   </p:clrMapOvr>
+  <p:timing>
+    <p:tnLst>
+      <p:par>
+        <p:cTn id="1" dur="indefinite" restart="never" nodeType="tmRoot"/>
+      </p:par>
+    </p:tnLst>
+  </p:timing>
 </p:sld>
 </file>
 
@@ -10653,146 +11061,41 @@
           <a:p>
             <a:r>
               <a:rPr lang="pt-BR" dirty="0" err="1" smtClean="0"/>
-              <a:t>Docker-Compose</a:t>
+              <a:t>Mapskills-Haproxy</a:t>
             </a:r>
             <a:endParaRPr lang="pt-BR" dirty="0"/>
           </a:p>
         </p:txBody>
       </p:sp>
-      <p:sp>
-        <p:nvSpPr>
-          <p:cNvPr id="3" name="Espaço Reservado para Conteúdo 2"/>
-          <p:cNvSpPr>
-            <a:spLocks noGrp="1"/>
-          </p:cNvSpPr>
+      <p:pic>
+        <p:nvPicPr>
+          <p:cNvPr id="4" name="Figura4"/>
+          <p:cNvPicPr>
+            <a:picLocks noGrp="1"/>
+          </p:cNvPicPr>
           <p:nvPr>
             <p:ph idx="1"/>
           </p:nvPr>
-        </p:nvSpPr>
-        <p:spPr/>
-        <p:txBody>
-          <a:bodyPr>
-            <a:normAutofit/>
-          </a:bodyPr>
-          <a:lstStyle/>
-          <a:p>
-            <a:pPr hangingPunct="0"/>
-            <a:r>
-              <a:rPr lang="pt-BR" dirty="0"/>
-              <a:t>Este arquivo de configuração tem a finalidade de automatizar a implantação de todo ambiente de produção necessário para que o </a:t>
-            </a:r>
-            <a:r>
-              <a:rPr lang="pt-BR" dirty="0" err="1"/>
-              <a:t>Mapskills</a:t>
-            </a:r>
-            <a:r>
-              <a:rPr lang="pt-BR" dirty="0"/>
-              <a:t> funcione. O arquivo </a:t>
-            </a:r>
-            <a:r>
-              <a:rPr lang="pt-BR" dirty="0" err="1"/>
-              <a:t>docker-compose.yml</a:t>
-            </a:r>
-            <a:r>
-              <a:rPr lang="pt-BR" dirty="0"/>
-              <a:t> criara e iniciara todos serviços definidos.</a:t>
-            </a:r>
-          </a:p>
-          <a:p>
-            <a:pPr hangingPunct="0"/>
-            <a:r>
-              <a:rPr lang="pt-BR" dirty="0" err="1"/>
-              <a:t>D</a:t>
-            </a:r>
-            <a:r>
-              <a:rPr lang="pt-BR" dirty="0" err="1" smtClean="0"/>
-              <a:t>ocker-compose</a:t>
-            </a:r>
-            <a:r>
-              <a:rPr lang="pt-BR" dirty="0" smtClean="0"/>
-              <a:t> de aplicação: </a:t>
-            </a:r>
-            <a:r>
-              <a:rPr lang="pt-BR" dirty="0" err="1"/>
-              <a:t>m</a:t>
-            </a:r>
-            <a:r>
-              <a:rPr lang="pt-BR" dirty="0" err="1" smtClean="0"/>
-              <a:t>apskill-app</a:t>
-            </a:r>
-            <a:r>
-              <a:rPr lang="pt-BR" dirty="0" smtClean="0"/>
-              <a:t>, </a:t>
-            </a:r>
-            <a:r>
-              <a:rPr lang="pt-BR" dirty="0" err="1" smtClean="0"/>
-              <a:t>mapskills</a:t>
-            </a:r>
-            <a:r>
-              <a:rPr lang="pt-BR" dirty="0" smtClean="0"/>
-              <a:t>-web, </a:t>
-            </a:r>
-            <a:r>
-              <a:rPr lang="pt-BR" dirty="0" err="1" smtClean="0"/>
-              <a:t>mapskills-Haproxy</a:t>
-            </a:r>
-            <a:r>
-              <a:rPr lang="pt-BR" dirty="0" smtClean="0"/>
-              <a:t>. </a:t>
-            </a:r>
-          </a:p>
-          <a:p>
-            <a:pPr hangingPunct="0"/>
-            <a:r>
-              <a:rPr lang="pt-BR" dirty="0" err="1" smtClean="0"/>
-              <a:t>Docker-compose</a:t>
-            </a:r>
-            <a:r>
-              <a:rPr lang="pt-BR" dirty="0" smtClean="0"/>
-              <a:t> de gerenciamento: </a:t>
-            </a:r>
-            <a:r>
-              <a:rPr lang="pt-BR" dirty="0" err="1" smtClean="0"/>
-              <a:t>mapskills-jenkins</a:t>
-            </a:r>
-            <a:r>
-              <a:rPr lang="pt-BR" dirty="0"/>
-              <a:t>, </a:t>
-            </a:r>
-            <a:r>
-              <a:rPr lang="pt-BR" dirty="0" err="1" smtClean="0"/>
-              <a:t>mapskills</a:t>
-            </a:r>
-            <a:r>
-              <a:rPr lang="pt-BR" dirty="0" err="1" smtClean="0"/>
-              <a:t>-c</a:t>
-            </a:r>
-            <a:r>
-              <a:rPr lang="pt-BR" dirty="0" err="1" smtClean="0"/>
-              <a:t>avisor</a:t>
-            </a:r>
-            <a:r>
-              <a:rPr lang="pt-BR" dirty="0" smtClean="0"/>
-              <a:t> </a:t>
-            </a:r>
-            <a:r>
-              <a:rPr lang="pt-BR" dirty="0"/>
-              <a:t>e o </a:t>
-            </a:r>
-            <a:r>
-              <a:rPr lang="pt-BR" dirty="0" err="1" smtClean="0"/>
-              <a:t>mapskills-mysql</a:t>
-            </a:r>
-            <a:r>
-              <a:rPr lang="pt-BR" dirty="0"/>
-              <a:t>. </a:t>
-            </a:r>
-          </a:p>
-        </p:txBody>
-      </p:sp>
-      <p:sp>
-        <p:nvSpPr>
-          <p:cNvPr id="4" name="Retângulo 3"/>
+        </p:nvPicPr>
+        <p:blipFill>
+          <a:blip r:embed="rId2"/>
+          <a:stretch>
+            <a:fillRect/>
+          </a:stretch>
+        </p:blipFill>
+        <p:spPr bwMode="auto">
+          <a:xfrm>
+            <a:off x="1410789" y="2336800"/>
+            <a:ext cx="8386353" cy="3598863"/>
+          </a:xfrm>
+          <a:prstGeom prst="rect">
+            <a:avLst/>
+          </a:prstGeom>
+        </p:spPr>
+      </p:pic>
+      <p:sp>
+        <p:nvSpPr>
+          <p:cNvPr id="5" name="Retângulo 4"/>
           <p:cNvSpPr/>
           <p:nvPr/>
         </p:nvSpPr>
@@ -10826,13 +11129,20 @@
     </p:spTree>
     <p:extLst>
       <p:ext uri="{BB962C8B-B14F-4D97-AF65-F5344CB8AC3E}">
-        <p14:creationId xmlns:p14="http://schemas.microsoft.com/office/powerpoint/2010/main" val="990325619"/>
+        <p14:creationId xmlns:p14="http://schemas.microsoft.com/office/powerpoint/2010/main" val="1829818420"/>
       </p:ext>
     </p:extLst>
   </p:cSld>
   <p:clrMapOvr>
     <a:masterClrMapping/>
   </p:clrMapOvr>
+  <p:timing>
+    <p:tnLst>
+      <p:par>
+        <p:cTn id="1" dur="indefinite" restart="never" nodeType="tmRoot"/>
+      </p:par>
+    </p:tnLst>
+  </p:timing>
 </p:sld>
 </file>
 
@@ -10869,8 +11179,8 @@
           <a:lstStyle/>
           <a:p>
             <a:r>
-              <a:rPr lang="pt-BR" dirty="0" smtClean="0"/>
-              <a:t>Links</a:t>
+              <a:rPr lang="pt-BR" dirty="0" err="1" smtClean="0"/>
+              <a:t>Docker-Compose</a:t>
             </a:r>
             <a:endParaRPr lang="pt-BR" dirty="0"/>
           </a:p>
@@ -10895,55 +11205,8 @@
           <a:p>
             <a:pPr hangingPunct="0"/>
             <a:r>
-              <a:rPr lang="pt-BR" dirty="0" smtClean="0"/>
-              <a:t>Foi </a:t>
-            </a:r>
-            <a:r>
-              <a:rPr lang="pt-BR" dirty="0"/>
-              <a:t>criado um link entre os containers </a:t>
-            </a:r>
-            <a:r>
-              <a:rPr lang="pt-BR" dirty="0" err="1"/>
-              <a:t>Mapskills-app</a:t>
-            </a:r>
-            <a:r>
-              <a:rPr lang="pt-BR" dirty="0"/>
-              <a:t> e o </a:t>
-            </a:r>
-            <a:r>
-              <a:rPr lang="pt-BR" dirty="0" err="1"/>
-              <a:t>Mapskills-Mysql</a:t>
-            </a:r>
-            <a:r>
-              <a:rPr lang="pt-BR" dirty="0"/>
-              <a:t>, pois desta forma </a:t>
-            </a:r>
-            <a:r>
-              <a:rPr lang="pt-BR" dirty="0" smtClean="0"/>
-              <a:t>o container terá acesso ao banco </a:t>
-            </a:r>
-            <a:r>
-              <a:rPr lang="pt-BR" dirty="0"/>
-              <a:t>de dados.</a:t>
-            </a:r>
-          </a:p>
-          <a:p>
-            <a:pPr hangingPunct="0"/>
-            <a:r>
-              <a:rPr lang="pt-BR" dirty="0" smtClean="0"/>
-              <a:t>O </a:t>
-            </a:r>
-            <a:r>
-              <a:rPr lang="pt-BR" dirty="0"/>
-              <a:t>link entre o container </a:t>
-            </a:r>
-            <a:r>
-              <a:rPr lang="pt-BR" dirty="0" err="1"/>
-              <a:t>Mapskills-app</a:t>
-            </a:r>
-            <a:r>
-              <a:rPr lang="pt-BR" dirty="0"/>
-              <a:t> e </a:t>
+              <a:rPr lang="pt-BR" dirty="0"/>
+              <a:t>Este arquivo de configuração tem a finalidade de automatizar a implantação de todo ambiente de produção necessário para que o </a:t>
             </a:r>
             <a:r>
               <a:rPr lang="pt-BR" dirty="0" err="1"/>
@@ -10951,72 +11214,104 @@
             </a:r>
             <a:r>
               <a:rPr lang="pt-BR" dirty="0"/>
-              <a:t>-web para que os dados inseridos na interface web seja trafegada para o </a:t>
-            </a:r>
-            <a:r>
-              <a:rPr lang="pt-BR" i="1" dirty="0" err="1"/>
-              <a:t>back-end</a:t>
-            </a:r>
-            <a:r>
-              <a:rPr lang="pt-BR" dirty="0"/>
+              <a:t> funcione. O arquivo </a:t>
+            </a:r>
+            <a:r>
+              <a:rPr lang="pt-BR" dirty="0" err="1"/>
+              <a:t>docker-compose.yml</a:t>
+            </a:r>
+            <a:r>
+              <a:rPr lang="pt-BR" dirty="0"/>
+              <a:t> criara e iniciara todos serviços definidos.</a:t>
+            </a:r>
+          </a:p>
+          <a:p>
+            <a:pPr hangingPunct="0"/>
+            <a:r>
+              <a:rPr lang="pt-BR" dirty="0" err="1"/>
+              <a:t>D</a:t>
+            </a:r>
+            <a:r>
+              <a:rPr lang="pt-BR" dirty="0" err="1" smtClean="0"/>
+              <a:t>ocker-compose</a:t>
+            </a:r>
+            <a:r>
+              <a:rPr lang="pt-BR" dirty="0" smtClean="0"/>
+              <a:t> de aplicação: </a:t>
+            </a:r>
+            <a:r>
+              <a:rPr lang="pt-BR" dirty="0" err="1"/>
+              <a:t>m</a:t>
+            </a:r>
+            <a:r>
+              <a:rPr lang="pt-BR" dirty="0" err="1" smtClean="0"/>
+              <a:t>apskill-app</a:t>
+            </a:r>
+            <a:r>
+              <a:rPr lang="pt-BR" dirty="0" smtClean="0"/>
               <a:t>, </a:t>
             </a:r>
             <a:r>
-              <a:rPr lang="pt-BR" dirty="0" smtClean="0"/>
-              <a:t>por meio do protocolo HTTP.</a:t>
+              <a:rPr lang="pt-BR" dirty="0" err="1" smtClean="0"/>
+              <a:t>mapskills</a:t>
+            </a:r>
+            <a:r>
+              <a:rPr lang="pt-BR" dirty="0" smtClean="0"/>
+              <a:t>-web, </a:t>
+            </a:r>
+            <a:r>
+              <a:rPr lang="pt-BR" dirty="0" err="1" smtClean="0"/>
+              <a:t>mapskills-Haproxy</a:t>
+            </a:r>
+            <a:r>
+              <a:rPr lang="pt-BR" dirty="0" smtClean="0"/>
+              <a:t>. </a:t>
             </a:r>
           </a:p>
           <a:p>
             <a:pPr hangingPunct="0"/>
             <a:r>
-              <a:rPr lang="pt-BR" dirty="0" smtClean="0"/>
-              <a:t>Link </a:t>
-            </a:r>
-            <a:r>
-              <a:rPr lang="pt-BR" dirty="0"/>
-              <a:t>entre o </a:t>
-            </a:r>
-            <a:r>
-              <a:rPr lang="pt-BR" dirty="0" err="1"/>
-              <a:t>Haproxy</a:t>
-            </a:r>
-            <a:r>
-              <a:rPr lang="pt-BR" dirty="0"/>
-              <a:t> e </a:t>
-            </a:r>
-            <a:r>
-              <a:rPr lang="pt-BR" dirty="0" err="1"/>
-              <a:t>Mapskills-app</a:t>
-            </a:r>
-            <a:r>
-              <a:rPr lang="pt-BR" dirty="0"/>
-              <a:t> para que todas requisições destinadas ao </a:t>
-            </a:r>
-            <a:r>
-              <a:rPr lang="pt-BR" dirty="0" err="1"/>
-              <a:t>Mapskills-app</a:t>
-            </a:r>
-            <a:r>
-              <a:rPr lang="pt-BR" dirty="0"/>
-              <a:t> sejam controladas pelo </a:t>
-            </a:r>
-            <a:r>
-              <a:rPr lang="pt-BR" dirty="0" err="1"/>
-              <a:t>balanceador</a:t>
-            </a:r>
-            <a:r>
-              <a:rPr lang="pt-BR" dirty="0"/>
-              <a:t> de carga. </a:t>
-            </a:r>
-          </a:p>
-          <a:p>
-            <a:endParaRPr lang="pt-BR" dirty="0"/>
-          </a:p>
-        </p:txBody>
-      </p:sp>
-      <p:sp>
-        <p:nvSpPr>
-          <p:cNvPr id="5" name="Retângulo 4"/>
+              <a:rPr lang="pt-BR" dirty="0" err="1" smtClean="0"/>
+              <a:t>Docker-compose</a:t>
+            </a:r>
+            <a:r>
+              <a:rPr lang="pt-BR" dirty="0" smtClean="0"/>
+              <a:t> de gerenciamento: </a:t>
+            </a:r>
+            <a:r>
+              <a:rPr lang="pt-BR" dirty="0" err="1" smtClean="0"/>
+              <a:t>mapskills-jenkins</a:t>
+            </a:r>
+            <a:r>
+              <a:rPr lang="pt-BR" dirty="0"/>
+              <a:t>, </a:t>
+            </a:r>
+            <a:r>
+              <a:rPr lang="pt-BR" dirty="0" err="1" smtClean="0"/>
+              <a:t>mapskills-cavisor</a:t>
+            </a:r>
+            <a:r>
+              <a:rPr lang="pt-BR" dirty="0" smtClean="0"/>
+              <a:t> </a:t>
+            </a:r>
+            <a:r>
+              <a:rPr lang="pt-BR" dirty="0"/>
+              <a:t>e o </a:t>
+            </a:r>
+            <a:r>
+              <a:rPr lang="pt-BR" dirty="0" err="1" smtClean="0"/>
+              <a:t>mapskills-mysql</a:t>
+            </a:r>
+            <a:r>
+              <a:rPr lang="pt-BR" dirty="0"/>
+              <a:t>. </a:t>
+            </a:r>
+          </a:p>
+        </p:txBody>
+      </p:sp>
+      <p:sp>
+        <p:nvSpPr>
+          <p:cNvPr id="4" name="Retângulo 3"/>
           <p:cNvSpPr/>
           <p:nvPr/>
         </p:nvSpPr>
@@ -11050,13 +11345,20 @@
     </p:spTree>
     <p:extLst>
       <p:ext uri="{BB962C8B-B14F-4D97-AF65-F5344CB8AC3E}">
-        <p14:creationId xmlns:p14="http://schemas.microsoft.com/office/powerpoint/2010/main" val="737797116"/>
+        <p14:creationId xmlns:p14="http://schemas.microsoft.com/office/powerpoint/2010/main" val="990325619"/>
       </p:ext>
     </p:extLst>
   </p:cSld>
   <p:clrMapOvr>
     <a:masterClrMapping/>
   </p:clrMapOvr>
+  <p:timing>
+    <p:tnLst>
+      <p:par>
+        <p:cTn id="1" dur="indefinite" restart="never" nodeType="tmRoot"/>
+      </p:par>
+    </p:tnLst>
+  </p:timing>
 </p:sld>
 </file>
 
@@ -11100,41 +11402,144 @@
           </a:p>
         </p:txBody>
       </p:sp>
-      <p:pic>
-        <p:nvPicPr>
-          <p:cNvPr id="4" name="Espaço Reservado para Conteúdo 3"/>
-          <p:cNvPicPr>
-            <a:picLocks noGrp="1" noChangeAspect="1"/>
-          </p:cNvPicPr>
+      <p:sp>
+        <p:nvSpPr>
+          <p:cNvPr id="3" name="Espaço Reservado para Conteúdo 2"/>
+          <p:cNvSpPr>
+            <a:spLocks noGrp="1"/>
+          </p:cNvSpPr>
           <p:nvPr>
             <p:ph idx="1"/>
           </p:nvPr>
-        </p:nvPicPr>
-        <p:blipFill>
-          <a:blip r:embed="rId2">
-            <a:extLst>
-              <a:ext uri="{28A0092B-C50C-407E-A947-70E740481C1C}">
-                <a14:useLocalDpi xmlns:a14="http://schemas.microsoft.com/office/drawing/2010/main" val="0"/>
-              </a:ext>
-            </a:extLst>
-          </a:blip>
-          <a:stretch>
-            <a:fillRect/>
-          </a:stretch>
-        </p:blipFill>
-        <p:spPr>
-          <a:xfrm>
-            <a:off x="3409406" y="2495006"/>
-            <a:ext cx="5742437" cy="3418908"/>
-          </a:xfrm>
-          <a:prstGeom prst="rect">
-            <a:avLst/>
-          </a:prstGeom>
-        </p:spPr>
-      </p:pic>
-      <p:sp>
-        <p:nvSpPr>
-          <p:cNvPr id="7" name="Retângulo 6"/>
+        </p:nvSpPr>
+        <p:spPr/>
+        <p:txBody>
+          <a:bodyPr>
+            <a:normAutofit/>
+          </a:bodyPr>
+          <a:lstStyle/>
+          <a:p>
+            <a:pPr hangingPunct="0"/>
+            <a:r>
+              <a:rPr lang="pt-BR" dirty="0"/>
+              <a:t>O link entre o container </a:t>
+            </a:r>
+            <a:r>
+              <a:rPr lang="pt-BR" dirty="0" err="1"/>
+              <a:t>Mapskills-app</a:t>
+            </a:r>
+            <a:r>
+              <a:rPr lang="pt-BR" dirty="0"/>
+              <a:t> e </a:t>
+            </a:r>
+            <a:r>
+              <a:rPr lang="pt-BR" dirty="0" err="1"/>
+              <a:t>Mapskills</a:t>
+            </a:r>
+            <a:r>
+              <a:rPr lang="pt-BR" dirty="0"/>
+              <a:t>-web para que os dados inseridos na interface web seja trafegada para o </a:t>
+            </a:r>
+            <a:r>
+              <a:rPr lang="pt-BR" i="1" dirty="0" err="1"/>
+              <a:t>back-end</a:t>
+            </a:r>
+            <a:r>
+              <a:rPr lang="pt-BR" dirty="0"/>
+              <a:t>, por meio do protocolo HTTP</a:t>
+            </a:r>
+            <a:r>
+              <a:rPr lang="pt-BR" dirty="0" smtClean="0"/>
+              <a:t>.</a:t>
+            </a:r>
+            <a:endParaRPr lang="pt-BR" dirty="0" smtClean="0"/>
+          </a:p>
+          <a:p>
+            <a:pPr hangingPunct="0"/>
+            <a:r>
+              <a:rPr lang="pt-BR" dirty="0" smtClean="0"/>
+              <a:t>Foi </a:t>
+            </a:r>
+            <a:r>
+              <a:rPr lang="pt-BR" dirty="0"/>
+              <a:t>criado um link entre os containers </a:t>
+            </a:r>
+            <a:r>
+              <a:rPr lang="pt-BR" dirty="0" err="1"/>
+              <a:t>Mapskills-app</a:t>
+            </a:r>
+            <a:r>
+              <a:rPr lang="pt-BR" dirty="0"/>
+              <a:t> e o </a:t>
+            </a:r>
+            <a:r>
+              <a:rPr lang="pt-BR" dirty="0" err="1"/>
+              <a:t>Mapskills-Mysql</a:t>
+            </a:r>
+            <a:r>
+              <a:rPr lang="pt-BR" dirty="0"/>
+              <a:t>, pois desta forma </a:t>
+            </a:r>
+            <a:r>
+              <a:rPr lang="pt-BR" dirty="0" smtClean="0"/>
+              <a:t>o container terá acesso ao banco </a:t>
+            </a:r>
+            <a:r>
+              <a:rPr lang="pt-BR" dirty="0"/>
+              <a:t>de dados.</a:t>
+            </a:r>
+          </a:p>
+          <a:p>
+            <a:pPr hangingPunct="0"/>
+            <a:r>
+              <a:rPr lang="pt-BR" dirty="0" smtClean="0"/>
+              <a:t>Link </a:t>
+            </a:r>
+            <a:r>
+              <a:rPr lang="pt-BR" dirty="0"/>
+              <a:t>entre o </a:t>
+            </a:r>
+            <a:r>
+              <a:rPr lang="pt-BR" dirty="0" err="1"/>
+              <a:t>Haproxy</a:t>
+            </a:r>
+            <a:r>
+              <a:rPr lang="pt-BR" dirty="0"/>
+              <a:t> e </a:t>
+            </a:r>
+            <a:r>
+              <a:rPr lang="pt-BR" dirty="0" err="1"/>
+              <a:t>Mapskills-app</a:t>
+            </a:r>
+            <a:r>
+              <a:rPr lang="pt-BR" dirty="0"/>
+              <a:t> para que todas requisições destinadas ao </a:t>
+            </a:r>
+            <a:r>
+              <a:rPr lang="pt-BR" dirty="0" err="1"/>
+              <a:t>Mapskills-app</a:t>
+            </a:r>
+            <a:r>
+              <a:rPr lang="pt-BR" dirty="0"/>
+              <a:t> sejam controladas pelo </a:t>
+            </a:r>
+            <a:r>
+              <a:rPr lang="pt-BR" dirty="0" err="1"/>
+              <a:t>balanceador</a:t>
+            </a:r>
+            <a:r>
+              <a:rPr lang="pt-BR" dirty="0"/>
+              <a:t> de carga. </a:t>
+            </a:r>
+          </a:p>
+          <a:p>
+            <a:endParaRPr lang="pt-BR" dirty="0"/>
+          </a:p>
+        </p:txBody>
+      </p:sp>
+      <p:sp>
+        <p:nvSpPr>
+          <p:cNvPr id="5" name="Retângulo 4"/>
           <p:cNvSpPr/>
           <p:nvPr/>
         </p:nvSpPr>
@@ -11168,13 +11573,20 @@
     </p:spTree>
     <p:extLst>
       <p:ext uri="{BB962C8B-B14F-4D97-AF65-F5344CB8AC3E}">
-        <p14:creationId xmlns:p14="http://schemas.microsoft.com/office/powerpoint/2010/main" val="1588161288"/>
+        <p14:creationId xmlns:p14="http://schemas.microsoft.com/office/powerpoint/2010/main" val="737797116"/>
       </p:ext>
     </p:extLst>
   </p:cSld>
   <p:clrMapOvr>
     <a:masterClrMapping/>
   </p:clrMapOvr>
+  <p:timing>
+    <p:tnLst>
+      <p:par>
+        <p:cTn id="1" dur="indefinite" restart="never" nodeType="tmRoot"/>
+      </p:par>
+    </p:tnLst>
+  </p:timing>
 </p:sld>
 </file>
 
@@ -11212,196 +11624,47 @@
           <a:p>
             <a:r>
               <a:rPr lang="pt-BR" dirty="0" smtClean="0"/>
-              <a:t>Volumes</a:t>
+              <a:t>Links</a:t>
             </a:r>
             <a:endParaRPr lang="pt-BR" dirty="0"/>
           </a:p>
         </p:txBody>
       </p:sp>
-      <p:sp>
-        <p:nvSpPr>
-          <p:cNvPr id="3" name="Espaço Reservado para Conteúdo 2"/>
-          <p:cNvSpPr>
-            <a:spLocks noGrp="1"/>
-          </p:cNvSpPr>
+      <p:pic>
+        <p:nvPicPr>
+          <p:cNvPr id="4" name="Espaço Reservado para Conteúdo 3"/>
+          <p:cNvPicPr>
+            <a:picLocks noGrp="1" noChangeAspect="1"/>
+          </p:cNvPicPr>
           <p:nvPr>
             <p:ph idx="1"/>
           </p:nvPr>
-        </p:nvSpPr>
-        <p:spPr/>
-        <p:txBody>
-          <a:bodyPr>
-            <a:normAutofit fontScale="77500" lnSpcReduction="20000"/>
-          </a:bodyPr>
-          <a:lstStyle/>
-          <a:p>
-            <a:pPr hangingPunct="0"/>
-            <a:r>
-              <a:rPr lang="pt-BR" dirty="0" smtClean="0"/>
-              <a:t>O </a:t>
-            </a:r>
-            <a:r>
-              <a:rPr lang="pt-BR" dirty="0" err="1"/>
-              <a:t>Mapskills-app</a:t>
-            </a:r>
-            <a:r>
-              <a:rPr lang="pt-BR" dirty="0"/>
-              <a:t> e </a:t>
-            </a:r>
-            <a:r>
-              <a:rPr lang="pt-BR" dirty="0" err="1"/>
-              <a:t>Mapskills</a:t>
-            </a:r>
-            <a:r>
-              <a:rPr lang="pt-BR" dirty="0"/>
-              <a:t>-web tem os volumes mapeados para que o arquivo .</a:t>
-            </a:r>
-            <a:r>
-              <a:rPr lang="pt-BR" dirty="0" err="1"/>
-              <a:t>war</a:t>
-            </a:r>
-            <a:r>
-              <a:rPr lang="pt-BR" dirty="0"/>
-              <a:t> seja atualizado pelo </a:t>
-            </a:r>
-            <a:r>
-              <a:rPr lang="pt-BR" dirty="0" err="1"/>
-              <a:t>Jenkins</a:t>
-            </a:r>
-            <a:r>
-              <a:rPr lang="pt-BR" dirty="0"/>
-              <a:t> a qualquer momento, desta forma, é solucionado o problema de integração contínua, </a:t>
-            </a:r>
-            <a:r>
-              <a:rPr lang="pt-BR" dirty="0" smtClean="0"/>
-              <a:t>podendo atualizar </a:t>
-            </a:r>
-            <a:r>
-              <a:rPr lang="pt-BR" dirty="0" smtClean="0"/>
-              <a:t>para uma nova versão </a:t>
-            </a:r>
-            <a:r>
-              <a:rPr lang="pt-BR" dirty="0" smtClean="0"/>
-              <a:t>automaticamente</a:t>
-            </a:r>
-            <a:r>
-              <a:rPr lang="pt-BR" dirty="0"/>
-              <a:t>.</a:t>
-            </a:r>
-          </a:p>
-          <a:p>
-            <a:pPr hangingPunct="0"/>
-            <a:r>
-              <a:rPr lang="pt-BR" dirty="0" smtClean="0"/>
-              <a:t>O </a:t>
-            </a:r>
-            <a:r>
-              <a:rPr lang="pt-BR" dirty="0"/>
-              <a:t>volume </a:t>
-            </a:r>
-            <a:r>
-              <a:rPr lang="pt-BR" dirty="0" err="1"/>
-              <a:t>Mapskills-Mysql</a:t>
-            </a:r>
-            <a:r>
-              <a:rPr lang="pt-BR" dirty="0"/>
-              <a:t> tem a finalidade de armazenar todas informações salva na base de dados, podendo assim para a execução ou mesmo excluir o container </a:t>
-            </a:r>
-            <a:r>
-              <a:rPr lang="pt-BR" dirty="0" err="1"/>
-              <a:t>Mapskills-Mysql</a:t>
-            </a:r>
-            <a:r>
-              <a:rPr lang="pt-BR" dirty="0"/>
-              <a:t> que as informações não serão perdidas.</a:t>
-            </a:r>
-          </a:p>
-          <a:p>
-            <a:pPr hangingPunct="0"/>
-            <a:r>
-              <a:rPr lang="pt-BR" dirty="0" smtClean="0"/>
-              <a:t>Os </a:t>
-            </a:r>
-            <a:r>
-              <a:rPr lang="pt-BR" dirty="0"/>
-              <a:t>volumes utilizados no container </a:t>
-            </a:r>
-            <a:r>
-              <a:rPr lang="pt-BR" dirty="0" err="1"/>
-              <a:t>Mapkills-Jenkins</a:t>
-            </a:r>
-            <a:r>
-              <a:rPr lang="pt-BR" dirty="0"/>
-              <a:t>, tem funções importantes na solução para o requisito de Integração Contínua, pois eles formam uma comunicação entre os containers </a:t>
-            </a:r>
-            <a:r>
-              <a:rPr lang="pt-BR" dirty="0" err="1"/>
-              <a:t>Mapkills-App</a:t>
-            </a:r>
-            <a:r>
-              <a:rPr lang="pt-BR" dirty="0"/>
-              <a:t> e </a:t>
-            </a:r>
-            <a:r>
-              <a:rPr lang="pt-BR" dirty="0" err="1"/>
-              <a:t>Mapskills</a:t>
-            </a:r>
-            <a:r>
-              <a:rPr lang="pt-BR" dirty="0"/>
-              <a:t>-Web para que sejam atualizados a qualquer instante, além de compartilhar os arquivos de execução do </a:t>
-            </a:r>
-            <a:r>
-              <a:rPr lang="pt-BR" dirty="0" err="1"/>
-              <a:t>Docker</a:t>
-            </a:r>
-            <a:r>
-              <a:rPr lang="pt-BR" dirty="0"/>
-              <a:t> e </a:t>
-            </a:r>
-            <a:r>
-              <a:rPr lang="pt-BR" dirty="0" err="1"/>
-              <a:t>Docker-Compose</a:t>
-            </a:r>
-            <a:r>
-              <a:rPr lang="pt-BR" dirty="0"/>
-              <a:t>, para que possam ser executados comando de dentro do container.</a:t>
-            </a:r>
-          </a:p>
-          <a:p>
-            <a:pPr hangingPunct="0"/>
-            <a:r>
-              <a:rPr lang="pt-BR" dirty="0" smtClean="0"/>
-              <a:t>No </a:t>
-            </a:r>
-            <a:r>
-              <a:rPr lang="pt-BR" dirty="0"/>
-              <a:t>container </a:t>
-            </a:r>
-            <a:r>
-              <a:rPr lang="pt-BR" dirty="0" err="1"/>
-              <a:t>Mapskills-Cadvisor</a:t>
-            </a:r>
-            <a:r>
-              <a:rPr lang="pt-BR" dirty="0"/>
-              <a:t> são compartilhados com o host os volumes necessários para o monitoramento de dados referente ao Host e Containers </a:t>
-            </a:r>
-            <a:r>
-              <a:rPr lang="pt-BR" dirty="0" err="1"/>
-              <a:t>Docker</a:t>
-            </a:r>
-            <a:r>
-              <a:rPr lang="pt-BR" dirty="0"/>
-              <a:t>. </a:t>
-            </a:r>
-          </a:p>
-          <a:p>
-            <a:endParaRPr lang="pt-BR" dirty="0"/>
-          </a:p>
-        </p:txBody>
-      </p:sp>
-      <p:sp>
-        <p:nvSpPr>
-          <p:cNvPr id="5" name="Retângulo 4"/>
+        </p:nvPicPr>
+        <p:blipFill>
+          <a:blip r:embed="rId2">
+            <a:extLst>
+              <a:ext uri="{28A0092B-C50C-407E-A947-70E740481C1C}">
+                <a14:useLocalDpi xmlns:a14="http://schemas.microsoft.com/office/drawing/2010/main" val="0"/>
+              </a:ext>
+            </a:extLst>
+          </a:blip>
+          <a:stretch>
+            <a:fillRect/>
+          </a:stretch>
+        </p:blipFill>
+        <p:spPr>
+          <a:xfrm>
+            <a:off x="3409406" y="2495006"/>
+            <a:ext cx="5742437" cy="3418908"/>
+          </a:xfrm>
+          <a:prstGeom prst="rect">
+            <a:avLst/>
+          </a:prstGeom>
+        </p:spPr>
+      </p:pic>
+      <p:sp>
+        <p:nvSpPr>
+          <p:cNvPr id="7" name="Retângulo 6"/>
           <p:cNvSpPr/>
           <p:nvPr/>
         </p:nvSpPr>
@@ -11435,13 +11698,20 @@
     </p:spTree>
     <p:extLst>
       <p:ext uri="{BB962C8B-B14F-4D97-AF65-F5344CB8AC3E}">
-        <p14:creationId xmlns:p14="http://schemas.microsoft.com/office/powerpoint/2010/main" val="1216461368"/>
+        <p14:creationId xmlns:p14="http://schemas.microsoft.com/office/powerpoint/2010/main" val="1588161288"/>
       </p:ext>
     </p:extLst>
   </p:cSld>
   <p:clrMapOvr>
     <a:masterClrMapping/>
   </p:clrMapOvr>
+  <p:timing>
+    <p:tnLst>
+      <p:par>
+        <p:cTn id="1" dur="indefinite" restart="never" nodeType="tmRoot"/>
+      </p:par>
+    </p:tnLst>
+  </p:timing>
 </p:sld>
 </file>
 
@@ -11516,6 +11786,13 @@
   <p:clrMapOvr>
     <a:masterClrMapping/>
   </p:clrMapOvr>
+  <p:timing>
+    <p:tnLst>
+      <p:par>
+        <p:cTn id="1" dur="indefinite" restart="never" nodeType="tmRoot"/>
+      </p:par>
+    </p:tnLst>
+  </p:timing>
 </p:sld>
 </file>
 
@@ -11552,8 +11829,8 @@
           <a:lstStyle/>
           <a:p>
             <a:r>
-              <a:rPr lang="pt-BR" dirty="0" err="1" smtClean="0"/>
-              <a:t>Mapskills-Jenkins</a:t>
+              <a:rPr lang="pt-BR" dirty="0" smtClean="0"/>
+              <a:t>Volumes</a:t>
             </a:r>
             <a:endParaRPr lang="pt-BR" dirty="0"/>
           </a:p>
@@ -11578,77 +11855,16 @@
           <a:p>
             <a:pPr hangingPunct="0"/>
             <a:r>
-              <a:rPr lang="pt-BR" dirty="0"/>
-              <a:t>Container </a:t>
+              <a:rPr lang="pt-BR" dirty="0" smtClean="0"/>
+              <a:t>O Volumes </a:t>
             </a:r>
             <a:r>
               <a:rPr lang="pt-BR" dirty="0" err="1"/>
-              <a:t>Jenkins</a:t>
-            </a:r>
-            <a:r>
-              <a:rPr lang="pt-BR" dirty="0"/>
-              <a:t> realiza o controle das implantações realizadas durante a implementação do software. Após configurado, tem o trabalho de realizar construções de forma instantânea, com testes sendo executados e falhas detectadas caso encontre-as. </a:t>
-            </a:r>
-          </a:p>
-          <a:p>
-            <a:pPr hangingPunct="0"/>
-            <a:r>
-              <a:rPr lang="pt-BR" dirty="0" smtClean="0"/>
-              <a:t>Jobs: </a:t>
-            </a:r>
-          </a:p>
-          <a:p>
-            <a:pPr lvl="1" hangingPunct="0"/>
-            <a:r>
-              <a:rPr lang="pt-BR" dirty="0" smtClean="0"/>
-              <a:t>Build-</a:t>
-            </a:r>
-            <a:r>
-              <a:rPr lang="pt-BR" dirty="0" err="1" smtClean="0"/>
-              <a:t>Mapksills</a:t>
-            </a:r>
-            <a:r>
-              <a:rPr lang="pt-BR" dirty="0" smtClean="0"/>
-              <a:t>-</a:t>
-            </a:r>
-            <a:r>
-              <a:rPr lang="pt-BR" dirty="0" err="1" smtClean="0"/>
-              <a:t>App</a:t>
-            </a:r>
-            <a:endParaRPr lang="pt-BR" dirty="0"/>
-          </a:p>
-          <a:p>
-            <a:pPr lvl="1" hangingPunct="0"/>
-            <a:r>
-              <a:rPr lang="pt-BR" dirty="0" smtClean="0"/>
-              <a:t>Build-</a:t>
-            </a:r>
-            <a:r>
-              <a:rPr lang="pt-BR" dirty="0" err="1" smtClean="0"/>
-              <a:t>Mapskills</a:t>
-            </a:r>
-            <a:r>
-              <a:rPr lang="pt-BR" dirty="0" smtClean="0"/>
-              <a:t>-Front</a:t>
-            </a:r>
-          </a:p>
-          <a:p>
-            <a:pPr lvl="1" hangingPunct="0"/>
-            <a:r>
-              <a:rPr lang="pt-BR" dirty="0" err="1" smtClean="0"/>
-              <a:t>Copy</a:t>
-            </a:r>
-            <a:r>
-              <a:rPr lang="pt-BR" dirty="0" smtClean="0"/>
-              <a:t> </a:t>
-            </a:r>
-            <a:r>
-              <a:rPr lang="pt-BR" dirty="0" err="1"/>
-              <a:t>Artifact</a:t>
-            </a:r>
-            <a:r>
-              <a:rPr lang="pt-BR" dirty="0"/>
-              <a:t> </a:t>
+              <a:t>Mapskills-app</a:t>
+            </a:r>
+            <a:r>
+              <a:rPr lang="pt-BR" dirty="0"/>
+              <a:t> e </a:t>
             </a:r>
             <a:r>
               <a:rPr lang="pt-BR" dirty="0" err="1"/>
@@ -11656,31 +11872,82 @@
             </a:r>
             <a:r>
               <a:rPr lang="pt-BR" dirty="0"/>
-              <a:t> </a:t>
+              <a:t>-web tem </a:t>
+            </a:r>
+            <a:r>
+              <a:rPr lang="pt-BR" dirty="0" smtClean="0"/>
+              <a:t>os arquivos .</a:t>
             </a:r>
             <a:r>
               <a:rPr lang="pt-BR" dirty="0" err="1" smtClean="0"/>
-              <a:t>App</a:t>
-            </a:r>
-            <a:endParaRPr lang="pt-BR" dirty="0" smtClean="0"/>
-          </a:p>
-          <a:p>
-            <a:pPr lvl="1" hangingPunct="0"/>
+              <a:t>war</a:t>
+            </a:r>
+            <a:r>
+              <a:rPr lang="pt-BR" dirty="0" smtClean="0"/>
+              <a:t> mapeados para que possam ser atualizados </a:t>
+            </a:r>
+            <a:r>
+              <a:rPr lang="pt-BR" dirty="0"/>
+              <a:t>pelo </a:t>
+            </a:r>
             <a:r>
               <a:rPr lang="pt-BR" dirty="0" err="1" smtClean="0"/>
-              <a:t>Copy</a:t>
-            </a:r>
-            <a:r>
-              <a:rPr lang="pt-BR" dirty="0" smtClean="0"/>
-              <a:t> </a:t>
+              <a:t>Jenkins</a:t>
+            </a:r>
+            <a:r>
+              <a:rPr lang="pt-BR" dirty="0" smtClean="0"/>
+              <a:t>.</a:t>
+            </a:r>
+            <a:endParaRPr lang="pt-BR" dirty="0"/>
+          </a:p>
+          <a:p>
+            <a:pPr hangingPunct="0"/>
+            <a:r>
+              <a:rPr lang="pt-BR" dirty="0" smtClean="0"/>
+              <a:t>Volume </a:t>
             </a:r>
             <a:r>
               <a:rPr lang="pt-BR" dirty="0" err="1"/>
-              <a:t>Artifact</a:t>
-            </a:r>
-            <a:r>
-              <a:rPr lang="pt-BR" dirty="0"/>
-              <a:t> </a:t>
+              <a:t>Mapskills-Mysql</a:t>
+            </a:r>
+            <a:r>
+              <a:rPr lang="pt-BR" dirty="0"/>
+              <a:t> tem a finalidade de armazenar todas informações salva na base de </a:t>
+            </a:r>
+            <a:r>
+              <a:rPr lang="pt-BR" dirty="0" smtClean="0"/>
+              <a:t>dados.</a:t>
+            </a:r>
+          </a:p>
+          <a:p>
+            <a:pPr hangingPunct="0"/>
+            <a:r>
+              <a:rPr lang="pt-BR" dirty="0" smtClean="0"/>
+              <a:t>Os </a:t>
+            </a:r>
+            <a:r>
+              <a:rPr lang="pt-BR" dirty="0"/>
+              <a:t>volumes </a:t>
+            </a:r>
+            <a:r>
+              <a:rPr lang="pt-BR" dirty="0" err="1" smtClean="0"/>
+              <a:t>Mapkills-Jenkins</a:t>
+            </a:r>
+            <a:r>
+              <a:rPr lang="pt-BR" dirty="0" smtClean="0"/>
+              <a:t>, formam </a:t>
+            </a:r>
+            <a:r>
+              <a:rPr lang="pt-BR" dirty="0"/>
+              <a:t>uma comunicação entre os containers </a:t>
+            </a:r>
+            <a:r>
+              <a:rPr lang="pt-BR" dirty="0" err="1"/>
+              <a:t>Mapkills-App</a:t>
+            </a:r>
+            <a:r>
+              <a:rPr lang="pt-BR" dirty="0"/>
+              <a:t> e </a:t>
             </a:r>
             <a:r>
               <a:rPr lang="pt-BR" dirty="0" err="1"/>
@@ -11688,54 +11955,42 @@
             </a:r>
             <a:r>
               <a:rPr lang="pt-BR" dirty="0"/>
-              <a:t> </a:t>
-            </a:r>
-            <a:r>
-              <a:rPr lang="pt-BR" dirty="0" smtClean="0"/>
-              <a:t>Front</a:t>
-            </a:r>
-          </a:p>
-          <a:p>
-            <a:pPr lvl="1" hangingPunct="0"/>
+              <a:t>-Web para que sejam atualizados a qualquer instante, além de compartilhar os arquivos de execução do </a:t>
+            </a:r>
+            <a:r>
+              <a:rPr lang="pt-BR" dirty="0" err="1"/>
+              <a:t>Docker</a:t>
+            </a:r>
+            <a:r>
+              <a:rPr lang="pt-BR" dirty="0"/>
+              <a:t> e </a:t>
+            </a:r>
+            <a:r>
+              <a:rPr lang="pt-BR" dirty="0" err="1"/>
+              <a:t>Docker-Compose</a:t>
+            </a:r>
+            <a:r>
+              <a:rPr lang="pt-BR" dirty="0"/>
+              <a:t>, para que possam ser executados comando de dentro do container.</a:t>
+            </a:r>
+          </a:p>
+          <a:p>
+            <a:pPr hangingPunct="0"/>
+            <a:r>
+              <a:rPr lang="pt-BR" dirty="0" smtClean="0"/>
+              <a:t>Os volumes </a:t>
+            </a:r>
             <a:r>
               <a:rPr lang="pt-BR" dirty="0" err="1" smtClean="0"/>
-              <a:t>Deploy</a:t>
-            </a:r>
-            <a:r>
-              <a:rPr lang="pt-BR" dirty="0" smtClean="0"/>
-              <a:t> </a:t>
-            </a:r>
-            <a:r>
-              <a:rPr lang="pt-BR" dirty="0" err="1"/>
-              <a:t>Mapskills</a:t>
-            </a:r>
-            <a:r>
-              <a:rPr lang="pt-BR" dirty="0"/>
-              <a:t>. </a:t>
-            </a:r>
-          </a:p>
-          <a:p>
-            <a:pPr hangingPunct="0"/>
-            <a:r>
-              <a:rPr lang="pt-BR" dirty="0" err="1"/>
-              <a:t>Url</a:t>
-            </a:r>
-            <a:r>
-              <a:rPr lang="pt-BR" dirty="0"/>
-              <a:t> de acesso </a:t>
-            </a:r>
-            <a:r>
-              <a:rPr lang="pt-BR" dirty="0" smtClean="0"/>
-              <a:t>ao </a:t>
-            </a:r>
-            <a:r>
-              <a:rPr lang="pt-BR" dirty="0" err="1" smtClean="0"/>
-              <a:t>Jenkins</a:t>
-            </a:r>
-            <a:r>
-              <a:rPr lang="pt-BR" dirty="0" smtClean="0"/>
-              <a:t>: http://ip_do_host:8585.</a:t>
-            </a:r>
+              <a:t>Mapskills-Cadvisor</a:t>
+            </a:r>
+            <a:r>
+              <a:rPr lang="pt-BR" dirty="0" smtClean="0"/>
+              <a:t> tem a finalidade de compartilhar informações do host com o container. </a:t>
+            </a:r>
+            <a:endParaRPr lang="pt-BR" dirty="0"/>
+          </a:p>
+          <a:p>
             <a:endParaRPr lang="pt-BR" dirty="0"/>
           </a:p>
         </p:txBody>
@@ -11776,13 +12031,20 @@
     </p:spTree>
     <p:extLst>
       <p:ext uri="{BB962C8B-B14F-4D97-AF65-F5344CB8AC3E}">
-        <p14:creationId xmlns:p14="http://schemas.microsoft.com/office/powerpoint/2010/main" val="1515907411"/>
+        <p14:creationId xmlns:p14="http://schemas.microsoft.com/office/powerpoint/2010/main" val="1216461368"/>
       </p:ext>
     </p:extLst>
   </p:cSld>
   <p:clrMapOvr>
     <a:masterClrMapping/>
   </p:clrMapOvr>
+  <p:timing>
+    <p:tnLst>
+      <p:par>
+        <p:cTn id="1" dur="indefinite" restart="never" nodeType="tmRoot"/>
+      </p:par>
+    </p:tnLst>
+  </p:timing>
 </p:sld>
 </file>
 
@@ -11819,39 +12081,202 @@
           <a:lstStyle/>
           <a:p>
             <a:r>
+              <a:rPr lang="pt-BR" dirty="0" err="1" smtClean="0"/>
+              <a:t>Mapskills-Jenkins</a:t>
+            </a:r>
+            <a:endParaRPr lang="pt-BR" dirty="0"/>
+          </a:p>
+        </p:txBody>
+      </p:sp>
+      <p:sp>
+        <p:nvSpPr>
+          <p:cNvPr id="3" name="Espaço Reservado para Conteúdo 2"/>
+          <p:cNvSpPr>
+            <a:spLocks noGrp="1"/>
+          </p:cNvSpPr>
+          <p:nvPr>
+            <p:ph idx="1"/>
+          </p:nvPr>
+        </p:nvSpPr>
+        <p:spPr/>
+        <p:txBody>
+          <a:bodyPr>
+            <a:normAutofit fontScale="92500" lnSpcReduction="10000"/>
+          </a:bodyPr>
+          <a:lstStyle/>
+          <a:p>
+            <a:pPr hangingPunct="0"/>
+            <a:r>
+              <a:rPr lang="pt-BR" dirty="0"/>
+              <a:t>Container </a:t>
+            </a:r>
+            <a:r>
               <a:rPr lang="pt-BR" dirty="0" err="1"/>
-              <a:t>Mapskills-Jenkins</a:t>
+              <a:t>Jenkins</a:t>
+            </a:r>
+            <a:r>
+              <a:rPr lang="pt-BR" dirty="0"/>
+              <a:t> realiza o controle das implantações realizadas durante a implementação do software. </a:t>
+            </a:r>
+            <a:r>
+              <a:rPr lang="pt-BR" dirty="0" smtClean="0"/>
+              <a:t>É responsável por realizar </a:t>
+            </a:r>
+            <a:r>
+              <a:rPr lang="pt-BR" dirty="0"/>
+              <a:t>construções de forma instantânea, com testes sendo executados e falhas detectadas caso encontre-as. </a:t>
+            </a:r>
+          </a:p>
+          <a:p>
+            <a:pPr hangingPunct="0"/>
+            <a:r>
+              <a:rPr lang="pt-BR" dirty="0" smtClean="0"/>
+              <a:t>Jobs: </a:t>
+            </a:r>
+          </a:p>
+          <a:p>
+            <a:pPr lvl="1" hangingPunct="0"/>
+            <a:r>
+              <a:rPr lang="pt-BR" dirty="0" smtClean="0"/>
+              <a:t>Build-</a:t>
+            </a:r>
+            <a:r>
+              <a:rPr lang="pt-BR" dirty="0" err="1" smtClean="0"/>
+              <a:t>Mapksills</a:t>
+            </a:r>
+            <a:r>
+              <a:rPr lang="pt-BR" dirty="0" smtClean="0"/>
+              <a:t>-</a:t>
+            </a:r>
+            <a:r>
+              <a:rPr lang="pt-BR" dirty="0" err="1" smtClean="0"/>
+              <a:t>App</a:t>
             </a:r>
             <a:endParaRPr lang="pt-BR" dirty="0"/>
           </a:p>
-        </p:txBody>
-      </p:sp>
-      <p:pic>
-        <p:nvPicPr>
-          <p:cNvPr id="4" name="Figura1"/>
-          <p:cNvPicPr>
-            <a:picLocks noGrp="1"/>
-          </p:cNvPicPr>
-          <p:nvPr>
-            <p:ph idx="1"/>
-          </p:nvPr>
-        </p:nvPicPr>
-        <p:blipFill>
-          <a:blip r:embed="rId2"/>
-          <a:stretch>
-            <a:fillRect/>
-          </a:stretch>
-        </p:blipFill>
-        <p:spPr bwMode="auto">
-          <a:xfrm>
-            <a:off x="1006892" y="2510226"/>
-            <a:ext cx="9613900" cy="3408765"/>
-          </a:xfrm>
-          <a:prstGeom prst="rect">
-            <a:avLst/>
-          </a:prstGeom>
-        </p:spPr>
-      </p:pic>
+          <a:p>
+            <a:pPr lvl="1" hangingPunct="0"/>
+            <a:r>
+              <a:rPr lang="pt-BR" dirty="0" smtClean="0"/>
+              <a:t>Build-</a:t>
+            </a:r>
+            <a:r>
+              <a:rPr lang="pt-BR" dirty="0" err="1" smtClean="0"/>
+              <a:t>Mapskills</a:t>
+            </a:r>
+            <a:r>
+              <a:rPr lang="pt-BR" dirty="0" smtClean="0"/>
+              <a:t>-Front</a:t>
+            </a:r>
+          </a:p>
+          <a:p>
+            <a:pPr lvl="1" hangingPunct="0"/>
+            <a:r>
+              <a:rPr lang="pt-BR" dirty="0" err="1" smtClean="0"/>
+              <a:t>Copy</a:t>
+            </a:r>
+            <a:r>
+              <a:rPr lang="pt-BR" dirty="0" smtClean="0"/>
+              <a:t> </a:t>
+            </a:r>
+            <a:r>
+              <a:rPr lang="pt-BR" dirty="0" err="1"/>
+              <a:t>Artifact</a:t>
+            </a:r>
+            <a:r>
+              <a:rPr lang="pt-BR" dirty="0"/>
+              <a:t> </a:t>
+            </a:r>
+            <a:r>
+              <a:rPr lang="pt-BR" dirty="0" err="1"/>
+              <a:t>Mapskills</a:t>
+            </a:r>
+            <a:r>
+              <a:rPr lang="pt-BR" dirty="0"/>
+              <a:t> </a:t>
+            </a:r>
+            <a:r>
+              <a:rPr lang="pt-BR" dirty="0" err="1" smtClean="0"/>
+              <a:t>App</a:t>
+            </a:r>
+            <a:endParaRPr lang="pt-BR" dirty="0" smtClean="0"/>
+          </a:p>
+          <a:p>
+            <a:pPr lvl="1" hangingPunct="0"/>
+            <a:r>
+              <a:rPr lang="pt-BR" dirty="0" err="1" smtClean="0"/>
+              <a:t>Copy</a:t>
+            </a:r>
+            <a:r>
+              <a:rPr lang="pt-BR" dirty="0" smtClean="0"/>
+              <a:t> </a:t>
+            </a:r>
+            <a:r>
+              <a:rPr lang="pt-BR" dirty="0" err="1"/>
+              <a:t>Artifact</a:t>
+            </a:r>
+            <a:r>
+              <a:rPr lang="pt-BR" dirty="0"/>
+              <a:t> </a:t>
+            </a:r>
+            <a:r>
+              <a:rPr lang="pt-BR" dirty="0" err="1"/>
+              <a:t>Mapskills</a:t>
+            </a:r>
+            <a:r>
+              <a:rPr lang="pt-BR" dirty="0"/>
+              <a:t> </a:t>
+            </a:r>
+            <a:r>
+              <a:rPr lang="pt-BR" dirty="0" smtClean="0"/>
+              <a:t>Front</a:t>
+            </a:r>
+          </a:p>
+          <a:p>
+            <a:pPr lvl="1" hangingPunct="0"/>
+            <a:r>
+              <a:rPr lang="pt-BR" dirty="0" err="1" smtClean="0"/>
+              <a:t>Deploy</a:t>
+            </a:r>
+            <a:r>
+              <a:rPr lang="pt-BR" dirty="0" smtClean="0"/>
+              <a:t> </a:t>
+            </a:r>
+            <a:r>
+              <a:rPr lang="pt-BR" dirty="0" err="1"/>
+              <a:t>Mapskills</a:t>
+            </a:r>
+            <a:r>
+              <a:rPr lang="pt-BR" dirty="0"/>
+              <a:t>. </a:t>
+            </a:r>
+          </a:p>
+          <a:p>
+            <a:pPr hangingPunct="0"/>
+            <a:r>
+              <a:rPr lang="pt-BR" dirty="0" err="1"/>
+              <a:t>Url</a:t>
+            </a:r>
+            <a:r>
+              <a:rPr lang="pt-BR" dirty="0"/>
+              <a:t> de acesso </a:t>
+            </a:r>
+            <a:r>
+              <a:rPr lang="pt-BR" dirty="0" smtClean="0"/>
+              <a:t>ao </a:t>
+            </a:r>
+            <a:r>
+              <a:rPr lang="pt-BR" dirty="0" err="1" smtClean="0"/>
+              <a:t>Jenkins</a:t>
+            </a:r>
+            <a:r>
+              <a:rPr lang="pt-BR" dirty="0" smtClean="0"/>
+              <a:t>: http://ip_do_host:8585.</a:t>
+            </a:r>
+            <a:endParaRPr lang="pt-BR" dirty="0"/>
+          </a:p>
+        </p:txBody>
+      </p:sp>
       <p:sp>
         <p:nvSpPr>
           <p:cNvPr id="5" name="Retângulo 4"/>
@@ -11888,7 +12313,7 @@
     </p:spTree>
     <p:extLst>
       <p:ext uri="{BB962C8B-B14F-4D97-AF65-F5344CB8AC3E}">
-        <p14:creationId xmlns:p14="http://schemas.microsoft.com/office/powerpoint/2010/main" val="2225200717"/>
+        <p14:creationId xmlns:p14="http://schemas.microsoft.com/office/powerpoint/2010/main" val="1515907411"/>
       </p:ext>
     </p:extLst>
   </p:cSld>
@@ -11931,153 +12356,42 @@
           <a:lstStyle/>
           <a:p>
             <a:r>
-              <a:rPr lang="pt-BR" dirty="0" err="1" smtClean="0"/>
-              <a:t>Job</a:t>
-            </a:r>
-            <a:r>
-              <a:rPr lang="pt-BR" dirty="0" smtClean="0"/>
-              <a:t> - Build </a:t>
-            </a:r>
-            <a:r>
-              <a:rPr lang="pt-BR" dirty="0" err="1" smtClean="0"/>
-              <a:t>Mapskills-app</a:t>
+              <a:rPr lang="pt-BR" dirty="0" err="1"/>
+              <a:t>Mapskills-Jenkins</a:t>
             </a:r>
             <a:endParaRPr lang="pt-BR" dirty="0"/>
           </a:p>
         </p:txBody>
       </p:sp>
-      <p:sp>
-        <p:nvSpPr>
-          <p:cNvPr id="3" name="Espaço Reservado para Conteúdo 2"/>
-          <p:cNvSpPr>
-            <a:spLocks noGrp="1"/>
-          </p:cNvSpPr>
+      <p:pic>
+        <p:nvPicPr>
+          <p:cNvPr id="4" name="Figura1"/>
+          <p:cNvPicPr>
+            <a:picLocks noGrp="1"/>
+          </p:cNvPicPr>
           <p:nvPr>
             <p:ph idx="1"/>
           </p:nvPr>
-        </p:nvSpPr>
-        <p:spPr/>
-        <p:txBody>
-          <a:bodyPr>
-            <a:normAutofit fontScale="92500"/>
-          </a:bodyPr>
-          <a:lstStyle/>
-          <a:p>
-            <a:pPr hangingPunct="0"/>
-            <a:r>
-              <a:rPr lang="pt-BR" dirty="0"/>
-              <a:t>Este </a:t>
-            </a:r>
-            <a:r>
-              <a:rPr lang="pt-BR" i="1" dirty="0" err="1"/>
-              <a:t>Job</a:t>
-            </a:r>
-            <a:r>
-              <a:rPr lang="pt-BR" dirty="0"/>
-              <a:t> irá baixar o projeto Java do repositório GitHub e compilar o projeto no formato .</a:t>
-            </a:r>
-            <a:r>
-              <a:rPr lang="pt-BR" dirty="0" err="1"/>
-              <a:t>war</a:t>
-            </a:r>
-            <a:r>
-              <a:rPr lang="pt-BR" dirty="0"/>
-              <a:t>, para que seja disponibilizado posteriormente por outro </a:t>
-            </a:r>
-            <a:r>
-              <a:rPr lang="pt-BR" i="1" dirty="0" err="1"/>
-              <a:t>Job</a:t>
-            </a:r>
-            <a:r>
-              <a:rPr lang="pt-BR" dirty="0"/>
-              <a:t>.</a:t>
-            </a:r>
-          </a:p>
-          <a:p>
-            <a:pPr hangingPunct="0"/>
-            <a:r>
-              <a:rPr lang="pt-BR" dirty="0" smtClean="0"/>
-              <a:t>O </a:t>
-            </a:r>
-            <a:r>
-              <a:rPr lang="pt-BR" dirty="0"/>
-              <a:t>comando utilizado apaga a pasta Target, instala os pacotes nos respectivos repositórios e não rodar o script de criação do Banco de Dados, pois desta forma é garantido que os dados nunca serão apagados. Todos esses comandos são rodados pelo usuário </a:t>
-            </a:r>
-            <a:r>
-              <a:rPr lang="pt-BR" dirty="0" err="1"/>
-              <a:t>Azure</a:t>
-            </a:r>
-            <a:r>
-              <a:rPr lang="pt-BR" dirty="0"/>
-              <a:t>, configurado na aplicação:</a:t>
-            </a:r>
-          </a:p>
-          <a:p>
-            <a:pPr marL="0" indent="0" hangingPunct="0">
-              <a:buNone/>
-            </a:pPr>
-            <a:endParaRPr lang="en-US" dirty="0" smtClean="0"/>
-          </a:p>
-          <a:p>
-            <a:pPr marL="0" indent="0" algn="ctr" hangingPunct="0">
-              <a:buNone/>
-            </a:pPr>
-            <a:r>
-              <a:rPr lang="en-US" dirty="0" err="1" smtClean="0">
-                <a:latin typeface="Courier New" panose="02070309020205020404" pitchFamily="49" charset="0"/>
-                <a:cs typeface="Courier New" panose="02070309020205020404" pitchFamily="49" charset="0"/>
-              </a:rPr>
-              <a:t>mvn</a:t>
-            </a:r>
-            <a:r>
-              <a:rPr lang="en-US" dirty="0" smtClean="0">
-                <a:latin typeface="Courier New" panose="02070309020205020404" pitchFamily="49" charset="0"/>
-                <a:cs typeface="Courier New" panose="02070309020205020404" pitchFamily="49" charset="0"/>
-              </a:rPr>
-              <a:t> </a:t>
-            </a:r>
-            <a:r>
-              <a:rPr lang="en-US" dirty="0">
-                <a:latin typeface="Courier New" panose="02070309020205020404" pitchFamily="49" charset="0"/>
-                <a:cs typeface="Courier New" panose="02070309020205020404" pitchFamily="49" charset="0"/>
-              </a:rPr>
-              <a:t>clean install -</a:t>
-            </a:r>
-            <a:r>
-              <a:rPr lang="en-US" dirty="0" err="1">
-                <a:latin typeface="Courier New" panose="02070309020205020404" pitchFamily="49" charset="0"/>
-                <a:cs typeface="Courier New" panose="02070309020205020404" pitchFamily="49" charset="0"/>
-              </a:rPr>
-              <a:t>Dliquibase.should.run</a:t>
-            </a:r>
-            <a:r>
-              <a:rPr lang="en-US" dirty="0">
-                <a:latin typeface="Courier New" panose="02070309020205020404" pitchFamily="49" charset="0"/>
-                <a:cs typeface="Courier New" panose="02070309020205020404" pitchFamily="49" charset="0"/>
-              </a:rPr>
-              <a:t>=false -</a:t>
-            </a:r>
-            <a:r>
-              <a:rPr lang="en-US" dirty="0" err="1">
-                <a:latin typeface="Courier New" panose="02070309020205020404" pitchFamily="49" charset="0"/>
-                <a:cs typeface="Courier New" panose="02070309020205020404" pitchFamily="49" charset="0"/>
-              </a:rPr>
-              <a:t>Pazure</a:t>
-            </a:r>
-            <a:endParaRPr lang="pt-BR" dirty="0">
-              <a:latin typeface="Courier New" panose="02070309020205020404" pitchFamily="49" charset="0"/>
-              <a:cs typeface="Courier New" panose="02070309020205020404" pitchFamily="49" charset="0"/>
-            </a:endParaRPr>
-          </a:p>
-          <a:p>
-            <a:pPr hangingPunct="0"/>
-            <a:endParaRPr lang="pt-BR" dirty="0"/>
-          </a:p>
-        </p:txBody>
-      </p:sp>
-      <p:sp>
-        <p:nvSpPr>
-          <p:cNvPr id="4" name="Retângulo 3"/>
+        </p:nvPicPr>
+        <p:blipFill>
+          <a:blip r:embed="rId2"/>
+          <a:stretch>
+            <a:fillRect/>
+          </a:stretch>
+        </p:blipFill>
+        <p:spPr bwMode="auto">
+          <a:xfrm>
+            <a:off x="1006892" y="2510226"/>
+            <a:ext cx="9613900" cy="3408765"/>
+          </a:xfrm>
+          <a:prstGeom prst="rect">
+            <a:avLst/>
+          </a:prstGeom>
+        </p:spPr>
+      </p:pic>
+      <p:sp>
+        <p:nvSpPr>
+          <p:cNvPr id="5" name="Retângulo 4"/>
           <p:cNvSpPr/>
           <p:nvPr/>
         </p:nvSpPr>
@@ -12111,7 +12425,7 @@
     </p:spTree>
     <p:extLst>
       <p:ext uri="{BB962C8B-B14F-4D97-AF65-F5344CB8AC3E}">
-        <p14:creationId xmlns:p14="http://schemas.microsoft.com/office/powerpoint/2010/main" val="1785981346"/>
+        <p14:creationId xmlns:p14="http://schemas.microsoft.com/office/powerpoint/2010/main" val="2225200717"/>
       </p:ext>
     </p:extLst>
   </p:cSld>
@@ -12159,15 +12473,11 @@
             </a:r>
             <a:r>
               <a:rPr lang="pt-BR" dirty="0" smtClean="0"/>
-              <a:t> – Build </a:t>
+              <a:t> - Build </a:t>
             </a:r>
             <a:r>
               <a:rPr lang="pt-BR" dirty="0" err="1" smtClean="0"/>
-              <a:t>Mapskills</a:t>
-            </a:r>
-            <a:r>
-              <a:rPr lang="pt-BR" dirty="0" smtClean="0"/>
-              <a:t>-web</a:t>
+              <a:t>Mapskills-app</a:t>
             </a:r>
             <a:endParaRPr lang="pt-BR" dirty="0"/>
           </a:p>
@@ -12185,28 +12495,23 @@
         </p:nvSpPr>
         <p:spPr/>
         <p:txBody>
-          <a:bodyPr/>
-          <a:lstStyle/>
-          <a:p>
+          <a:bodyPr>
+            <a:normAutofit fontScale="92500" lnSpcReduction="10000"/>
+          </a:bodyPr>
+          <a:lstStyle/>
+          <a:p>
+            <a:pPr hangingPunct="0"/>
             <a:r>
               <a:rPr lang="pt-BR" dirty="0"/>
               <a:t>Este </a:t>
             </a:r>
             <a:r>
-              <a:rPr lang="pt-BR" dirty="0" err="1"/>
-              <a:t>job</a:t>
-            </a:r>
-            <a:r>
-              <a:rPr lang="pt-BR" dirty="0"/>
-              <a:t> irá baixar o projeto de Interface Web do repositório </a:t>
-            </a:r>
-            <a:r>
-              <a:rPr lang="pt-BR" u="sng" dirty="0"/>
-              <a:t>GitHub</a:t>
-            </a:r>
-            <a:r>
-              <a:rPr lang="pt-BR" dirty="0"/>
-              <a:t> e compilar o projeto no formato .</a:t>
+              <a:rPr lang="pt-BR" i="1" dirty="0" err="1"/>
+              <a:t>Job</a:t>
+            </a:r>
+            <a:r>
+              <a:rPr lang="pt-BR" dirty="0"/>
+              <a:t> irá baixar o projeto Java do repositório GitHub e compilar o projeto no formato .</a:t>
             </a:r>
             <a:r>
               <a:rPr lang="pt-BR" dirty="0" err="1"/>
@@ -12214,7 +12519,11 @@
             </a:r>
             <a:r>
               <a:rPr lang="pt-BR" dirty="0"/>
-              <a:t>, para que seja disponibilizado posteriormente</a:t>
+              <a:t>, para que seja disponibilizado posteriormente por outro </a:t>
+            </a:r>
+            <a:r>
+              <a:rPr lang="pt-BR" i="1" dirty="0" err="1"/>
+              <a:t>Job</a:t>
             </a:r>
             <a:r>
               <a:rPr lang="pt-BR" dirty="0" smtClean="0"/>
@@ -12222,45 +12531,115 @@
             </a:r>
           </a:p>
           <a:p>
-            <a:pPr marL="0" indent="0">
+            <a:pPr marL="0" indent="0" hangingPunct="0">
               <a:buNone/>
             </a:pPr>
-            <a:endParaRPr lang="pt-BR" dirty="0" smtClean="0"/>
-          </a:p>
-          <a:p>
-            <a:pPr marL="0" indent="0" algn="ctr">
+            <a:endParaRPr lang="en-US" dirty="0" smtClean="0">
+              <a:latin typeface="Courier New" panose="02070309020205020404" pitchFamily="49" charset="0"/>
+              <a:cs typeface="Courier New" panose="02070309020205020404" pitchFamily="49" charset="0"/>
+            </a:endParaRPr>
+          </a:p>
+          <a:p>
+            <a:pPr marL="0" indent="0" hangingPunct="0">
               <a:buNone/>
             </a:pPr>
             <a:r>
-              <a:rPr lang="pt-BR" dirty="0" err="1">
+              <a:rPr lang="en-US" dirty="0" err="1" smtClean="0">
                 <a:latin typeface="Courier New" panose="02070309020205020404" pitchFamily="49" charset="0"/>
                 <a:cs typeface="Courier New" panose="02070309020205020404" pitchFamily="49" charset="0"/>
               </a:rPr>
               <a:t>mvn</a:t>
             </a:r>
             <a:r>
-              <a:rPr lang="pt-BR" dirty="0">
-                <a:latin typeface="Courier New" panose="02070309020205020404" pitchFamily="49" charset="0"/>
-                <a:cs typeface="Courier New" panose="02070309020205020404" pitchFamily="49" charset="0"/>
-              </a:rPr>
-              <a:t> clean </a:t>
-            </a:r>
-            <a:r>
-              <a:rPr lang="pt-BR" dirty="0" err="1">
-                <a:latin typeface="Courier New" panose="02070309020205020404" pitchFamily="49" charset="0"/>
-                <a:cs typeface="Courier New" panose="02070309020205020404" pitchFamily="49" charset="0"/>
-              </a:rPr>
-              <a:t>install</a:t>
-            </a:r>
-            <a:r>
-              <a:rPr lang="pt-BR" dirty="0">
+              <a:rPr lang="en-US" dirty="0" smtClean="0">
                 <a:latin typeface="Courier New" panose="02070309020205020404" pitchFamily="49" charset="0"/>
                 <a:cs typeface="Courier New" panose="02070309020205020404" pitchFamily="49" charset="0"/>
               </a:rPr>
               <a:t> </a:t>
             </a:r>
-          </a:p>
-          <a:p>
+            <a:r>
+              <a:rPr lang="en-US" dirty="0">
+                <a:latin typeface="Courier New" panose="02070309020205020404" pitchFamily="49" charset="0"/>
+                <a:cs typeface="Courier New" panose="02070309020205020404" pitchFamily="49" charset="0"/>
+              </a:rPr>
+              <a:t>clean install -</a:t>
+            </a:r>
+            <a:r>
+              <a:rPr lang="en-US" dirty="0" err="1">
+                <a:latin typeface="Courier New" panose="02070309020205020404" pitchFamily="49" charset="0"/>
+                <a:cs typeface="Courier New" panose="02070309020205020404" pitchFamily="49" charset="0"/>
+              </a:rPr>
+              <a:t>Dliquibase.should.run</a:t>
+            </a:r>
+            <a:r>
+              <a:rPr lang="en-US" dirty="0">
+                <a:latin typeface="Courier New" panose="02070309020205020404" pitchFamily="49" charset="0"/>
+                <a:cs typeface="Courier New" panose="02070309020205020404" pitchFamily="49" charset="0"/>
+              </a:rPr>
+              <a:t>=false -</a:t>
+            </a:r>
+            <a:r>
+              <a:rPr lang="en-US" dirty="0" err="1">
+                <a:latin typeface="Courier New" panose="02070309020205020404" pitchFamily="49" charset="0"/>
+                <a:cs typeface="Courier New" panose="02070309020205020404" pitchFamily="49" charset="0"/>
+              </a:rPr>
+              <a:t>Pazure</a:t>
+            </a:r>
+            <a:endParaRPr lang="pt-BR" dirty="0">
+              <a:latin typeface="Courier New" panose="02070309020205020404" pitchFamily="49" charset="0"/>
+              <a:cs typeface="Courier New" panose="02070309020205020404" pitchFamily="49" charset="0"/>
+            </a:endParaRPr>
+          </a:p>
+          <a:p>
+            <a:pPr marL="0" indent="0" hangingPunct="0">
+              <a:buNone/>
+            </a:pPr>
+            <a:endParaRPr lang="pt-BR" dirty="0"/>
+          </a:p>
+          <a:p>
+            <a:pPr hangingPunct="0"/>
+            <a:r>
+              <a:rPr lang="pt-BR" dirty="0" smtClean="0"/>
+              <a:t>O </a:t>
+            </a:r>
+            <a:r>
+              <a:rPr lang="pt-BR" dirty="0"/>
+              <a:t>comando utilizado apaga a pasta Target, instala os pacotes nos respectivos repositórios e não rodar o script de criação do Banco de </a:t>
+            </a:r>
+            <a:r>
+              <a:rPr lang="pt-BR" dirty="0" smtClean="0"/>
+              <a:t>Dados. Todos </a:t>
+            </a:r>
+            <a:r>
+              <a:rPr lang="pt-BR" dirty="0"/>
+              <a:t>esses comandos são rodados pelo </a:t>
+            </a:r>
+            <a:r>
+              <a:rPr lang="pt-BR" dirty="0" smtClean="0"/>
+              <a:t>perfil </a:t>
+            </a:r>
+            <a:r>
+              <a:rPr lang="pt-BR" dirty="0" err="1"/>
+              <a:t>Azure</a:t>
+            </a:r>
+            <a:r>
+              <a:rPr lang="pt-BR" dirty="0"/>
+              <a:t>, configurado na </a:t>
+            </a:r>
+            <a:r>
+              <a:rPr lang="pt-BR" dirty="0" smtClean="0"/>
+              <a:t>aplicação.</a:t>
+            </a:r>
+            <a:endParaRPr lang="pt-BR" dirty="0"/>
+          </a:p>
+          <a:p>
+            <a:pPr marL="0" indent="0" hangingPunct="0">
+              <a:buNone/>
+            </a:pPr>
+            <a:endParaRPr lang="en-US" dirty="0" smtClean="0"/>
+          </a:p>
+          <a:p>
+            <a:pPr hangingPunct="0"/>
             <a:endParaRPr lang="pt-BR" dirty="0"/>
           </a:p>
         </p:txBody>
@@ -12301,7 +12680,7 @@
     </p:spTree>
     <p:extLst>
       <p:ext uri="{BB962C8B-B14F-4D97-AF65-F5344CB8AC3E}">
-        <p14:creationId xmlns:p14="http://schemas.microsoft.com/office/powerpoint/2010/main" val="575999161"/>
+        <p14:creationId xmlns:p14="http://schemas.microsoft.com/office/powerpoint/2010/main" val="1785981346"/>
       </p:ext>
     </p:extLst>
   </p:cSld>
@@ -12349,31 +12728,15 @@
             </a:r>
             <a:r>
               <a:rPr lang="pt-BR" dirty="0" smtClean="0"/>
-              <a:t> – </a:t>
+              <a:t> – Build </a:t>
             </a:r>
             <a:r>
               <a:rPr lang="pt-BR" dirty="0" err="1" smtClean="0"/>
-              <a:t>Copy</a:t>
-            </a:r>
-            <a:r>
-              <a:rPr lang="pt-BR" dirty="0" smtClean="0"/>
-              <a:t> </a:t>
-            </a:r>
-            <a:r>
-              <a:rPr lang="pt-BR" dirty="0" err="1" smtClean="0"/>
-              <a:t>Artifact</a:t>
-            </a:r>
-            <a:r>
-              <a:rPr lang="pt-BR" dirty="0" smtClean="0"/>
-              <a:t> </a:t>
-            </a:r>
-            <a:r>
-              <a:rPr lang="pt-BR" dirty="0" err="1" smtClean="0"/>
-              <a:t>Mapskills-app</a:t>
-            </a:r>
-            <a:r>
-              <a:rPr lang="pt-BR" dirty="0" smtClean="0"/>
-              <a:t> e Front</a:t>
+              <a:t>Mapskills</a:t>
+            </a:r>
+            <a:r>
+              <a:rPr lang="pt-BR" dirty="0" smtClean="0"/>
+              <a:t>-web</a:t>
             </a:r>
             <a:endParaRPr lang="pt-BR" dirty="0"/>
           </a:p>
@@ -12404,23 +12767,15 @@
             </a:r>
             <a:r>
               <a:rPr lang="pt-BR" dirty="0"/>
-              <a:t> depende de que o Build-</a:t>
-            </a:r>
-            <a:r>
-              <a:rPr lang="pt-BR" dirty="0" err="1"/>
-              <a:t>Mapskills</a:t>
-            </a:r>
-            <a:r>
-              <a:rPr lang="pt-BR" dirty="0"/>
-              <a:t>-</a:t>
-            </a:r>
-            <a:r>
-              <a:rPr lang="pt-BR" dirty="0" err="1"/>
-              <a:t>App</a:t>
-            </a:r>
-            <a:r>
-              <a:rPr lang="pt-BR" dirty="0"/>
-              <a:t> (capítulo 3.7.2) tenha sido finalizado com sucesso, só assim, ele irá copiar o arquivo .</a:t>
+              <a:t> irá baixar o projeto de Interface Web do repositório </a:t>
+            </a:r>
+            <a:r>
+              <a:rPr lang="pt-BR" u="sng" dirty="0"/>
+              <a:t>GitHub</a:t>
+            </a:r>
+            <a:r>
+              <a:rPr lang="pt-BR" dirty="0"/>
+              <a:t> e compilar o projeto no formato .</a:t>
             </a:r>
             <a:r>
               <a:rPr lang="pt-BR" dirty="0" err="1"/>
@@ -12428,217 +12783,54 @@
             </a:r>
             <a:r>
               <a:rPr lang="pt-BR" dirty="0"/>
-              <a:t> do diretório </a:t>
-            </a:r>
-            <a:r>
-              <a:rPr lang="pt-BR" i="1" dirty="0"/>
-              <a:t>/var/</a:t>
-            </a:r>
-            <a:r>
-              <a:rPr lang="pt-BR" i="1" dirty="0" err="1"/>
-              <a:t>jenkins_home</a:t>
-            </a:r>
-            <a:r>
-              <a:rPr lang="pt-BR" i="1" dirty="0"/>
-              <a:t>/</a:t>
-            </a:r>
-            <a:r>
-              <a:rPr lang="pt-BR" i="1" dirty="0" err="1"/>
-              <a:t>workspace</a:t>
-            </a:r>
-            <a:r>
-              <a:rPr lang="pt-BR" i="1" dirty="0"/>
-              <a:t>/Build-</a:t>
-            </a:r>
-            <a:r>
-              <a:rPr lang="pt-BR" i="1" dirty="0" err="1"/>
-              <a:t>Mapskills</a:t>
-            </a:r>
-            <a:r>
-              <a:rPr lang="pt-BR" i="1" dirty="0"/>
-              <a:t>-Back/</a:t>
-            </a:r>
-            <a:r>
-              <a:rPr lang="pt-BR" i="1" dirty="0" err="1"/>
-              <a:t>target</a:t>
-            </a:r>
-            <a:r>
-              <a:rPr lang="pt-BR" i="1" dirty="0"/>
-              <a:t>/</a:t>
-            </a:r>
-            <a:r>
-              <a:rPr lang="pt-BR" i="1" dirty="0" err="1"/>
-              <a:t>mapskills.war</a:t>
-            </a:r>
-            <a:r>
-              <a:rPr lang="pt-BR" dirty="0"/>
-              <a:t> para o volume </a:t>
-            </a:r>
-            <a:r>
-              <a:rPr lang="pt-BR" dirty="0" err="1"/>
-              <a:t>Docker</a:t>
-            </a:r>
-            <a:r>
-              <a:rPr lang="pt-BR" dirty="0"/>
-              <a:t> </a:t>
-            </a:r>
-            <a:r>
-              <a:rPr lang="pt-BR" i="1" dirty="0"/>
-              <a:t>/</a:t>
-            </a:r>
-            <a:r>
-              <a:rPr lang="pt-BR" i="1" dirty="0" err="1"/>
-              <a:t>mapskills</a:t>
-            </a:r>
-            <a:r>
-              <a:rPr lang="pt-BR" i="1" dirty="0"/>
-              <a:t>/</a:t>
-            </a:r>
-            <a:r>
-              <a:rPr lang="pt-BR" i="1" dirty="0" err="1"/>
-              <a:t>back</a:t>
-            </a:r>
-            <a:r>
-              <a:rPr lang="pt-BR" i="1" dirty="0"/>
-              <a:t>, pois desta forma o arquivo .</a:t>
-            </a:r>
-            <a:r>
-              <a:rPr lang="pt-BR" i="1" dirty="0" err="1"/>
-              <a:t>war</a:t>
-            </a:r>
-            <a:r>
-              <a:rPr lang="pt-BR" i="1" dirty="0"/>
-              <a:t> é compartilhado com o container </a:t>
-            </a:r>
-            <a:r>
-              <a:rPr lang="pt-BR" dirty="0"/>
-              <a:t>responsável por conter a aplicação de </a:t>
-            </a:r>
-            <a:r>
-              <a:rPr lang="pt-BR" i="1" dirty="0" err="1"/>
-              <a:t>back</a:t>
-            </a:r>
-            <a:r>
-              <a:rPr lang="pt-BR" i="1" dirty="0"/>
-              <a:t>-end</a:t>
-            </a:r>
-            <a:r>
-              <a:rPr lang="pt-BR" dirty="0"/>
+              <a:t>, para que seja disponibilizado posteriormente</a:t>
+            </a:r>
+            <a:r>
+              <a:rPr lang="pt-BR" dirty="0" smtClean="0"/>
               <a:t>.</a:t>
             </a:r>
           </a:p>
           <a:p>
-            <a:pPr marL="0" indent="0" hangingPunct="0">
+            <a:pPr marL="0" indent="0">
               <a:buNone/>
             </a:pPr>
-            <a:endParaRPr lang="en-US" dirty="0" smtClean="0"/>
-          </a:p>
-          <a:p>
-            <a:pPr marL="0" indent="0" algn="ctr" hangingPunct="0">
+            <a:endParaRPr lang="pt-BR" dirty="0" smtClean="0"/>
+          </a:p>
+          <a:p>
+            <a:pPr marL="0" indent="0" algn="ctr">
               <a:buNone/>
             </a:pPr>
             <a:r>
-              <a:rPr lang="en-US" dirty="0" err="1" smtClean="0">
+              <a:rPr lang="pt-BR" dirty="0" err="1">
                 <a:latin typeface="Courier New" panose="02070309020205020404" pitchFamily="49" charset="0"/>
                 <a:cs typeface="Courier New" panose="02070309020205020404" pitchFamily="49" charset="0"/>
               </a:rPr>
-              <a:t>sudo</a:t>
-            </a:r>
-            <a:r>
-              <a:rPr lang="en-US" dirty="0" smtClean="0">
+              <a:t>mvn</a:t>
+            </a:r>
+            <a:r>
+              <a:rPr lang="pt-BR" dirty="0">
+                <a:latin typeface="Courier New" panose="02070309020205020404" pitchFamily="49" charset="0"/>
+                <a:cs typeface="Courier New" panose="02070309020205020404" pitchFamily="49" charset="0"/>
+              </a:rPr>
+              <a:t> clean </a:t>
+            </a:r>
+            <a:r>
+              <a:rPr lang="pt-BR" dirty="0" err="1">
+                <a:latin typeface="Courier New" panose="02070309020205020404" pitchFamily="49" charset="0"/>
+                <a:cs typeface="Courier New" panose="02070309020205020404" pitchFamily="49" charset="0"/>
+              </a:rPr>
+              <a:t>install</a:t>
+            </a:r>
+            <a:r>
+              <a:rPr lang="pt-BR" dirty="0">
                 <a:latin typeface="Courier New" panose="02070309020205020404" pitchFamily="49" charset="0"/>
                 <a:cs typeface="Courier New" panose="02070309020205020404" pitchFamily="49" charset="0"/>
               </a:rPr>
               <a:t> </a:t>
             </a:r>
-            <a:r>
-              <a:rPr lang="en-US" dirty="0" err="1">
-                <a:latin typeface="Courier New" panose="02070309020205020404" pitchFamily="49" charset="0"/>
-                <a:cs typeface="Courier New" panose="02070309020205020404" pitchFamily="49" charset="0"/>
-              </a:rPr>
-              <a:t>cp</a:t>
-            </a:r>
-            <a:r>
-              <a:rPr lang="en-US" dirty="0">
-                <a:latin typeface="Courier New" panose="02070309020205020404" pitchFamily="49" charset="0"/>
-                <a:cs typeface="Courier New" panose="02070309020205020404" pitchFamily="49" charset="0"/>
-              </a:rPr>
-              <a:t> /</a:t>
-            </a:r>
-            <a:r>
-              <a:rPr lang="en-US" dirty="0" err="1">
-                <a:latin typeface="Courier New" panose="02070309020205020404" pitchFamily="49" charset="0"/>
-                <a:cs typeface="Courier New" panose="02070309020205020404" pitchFamily="49" charset="0"/>
-              </a:rPr>
-              <a:t>var</a:t>
-            </a:r>
-            <a:r>
-              <a:rPr lang="en-US" dirty="0">
-                <a:latin typeface="Courier New" panose="02070309020205020404" pitchFamily="49" charset="0"/>
-                <a:cs typeface="Courier New" panose="02070309020205020404" pitchFamily="49" charset="0"/>
-              </a:rPr>
-              <a:t>/</a:t>
-            </a:r>
-            <a:r>
-              <a:rPr lang="en-US" dirty="0" err="1">
-                <a:latin typeface="Courier New" panose="02070309020205020404" pitchFamily="49" charset="0"/>
-                <a:cs typeface="Courier New" panose="02070309020205020404" pitchFamily="49" charset="0"/>
-              </a:rPr>
-              <a:t>jenkins_home</a:t>
-            </a:r>
-            <a:r>
-              <a:rPr lang="en-US" dirty="0">
-                <a:latin typeface="Courier New" panose="02070309020205020404" pitchFamily="49" charset="0"/>
-                <a:cs typeface="Courier New" panose="02070309020205020404" pitchFamily="49" charset="0"/>
-              </a:rPr>
-              <a:t>/workspace/Build-</a:t>
-            </a:r>
-            <a:r>
-              <a:rPr lang="en-US" dirty="0" err="1">
-                <a:latin typeface="Courier New" panose="02070309020205020404" pitchFamily="49" charset="0"/>
-                <a:cs typeface="Courier New" panose="02070309020205020404" pitchFamily="49" charset="0"/>
-              </a:rPr>
-              <a:t>Mapskills</a:t>
-            </a:r>
-            <a:r>
-              <a:rPr lang="en-US" dirty="0">
-                <a:latin typeface="Courier New" panose="02070309020205020404" pitchFamily="49" charset="0"/>
-                <a:cs typeface="Courier New" panose="02070309020205020404" pitchFamily="49" charset="0"/>
-              </a:rPr>
-              <a:t>-Back/target/</a:t>
-            </a:r>
-            <a:r>
-              <a:rPr lang="en-US" dirty="0" err="1">
-                <a:latin typeface="Courier New" panose="02070309020205020404" pitchFamily="49" charset="0"/>
-                <a:cs typeface="Courier New" panose="02070309020205020404" pitchFamily="49" charset="0"/>
-              </a:rPr>
-              <a:t>mapskills.war</a:t>
-            </a:r>
-            <a:r>
-              <a:rPr lang="en-US" dirty="0">
-                <a:latin typeface="Courier New" panose="02070309020205020404" pitchFamily="49" charset="0"/>
-                <a:cs typeface="Courier New" panose="02070309020205020404" pitchFamily="49" charset="0"/>
-              </a:rPr>
-              <a:t> /</a:t>
-            </a:r>
-            <a:r>
-              <a:rPr lang="en-US" dirty="0" err="1" smtClean="0">
-                <a:latin typeface="Courier New" panose="02070309020205020404" pitchFamily="49" charset="0"/>
-                <a:cs typeface="Courier New" panose="02070309020205020404" pitchFamily="49" charset="0"/>
-              </a:rPr>
-              <a:t>mapskills</a:t>
-            </a:r>
-            <a:r>
-              <a:rPr lang="en-US" dirty="0" smtClean="0">
-                <a:latin typeface="Courier New" panose="02070309020205020404" pitchFamily="49" charset="0"/>
-                <a:cs typeface="Courier New" panose="02070309020205020404" pitchFamily="49" charset="0"/>
-              </a:rPr>
-              <a:t>/back</a:t>
-            </a:r>
-            <a:endParaRPr lang="pt-BR" dirty="0">
-              <a:latin typeface="Courier New" panose="02070309020205020404" pitchFamily="49" charset="0"/>
-              <a:cs typeface="Courier New" panose="02070309020205020404" pitchFamily="49" charset="0"/>
-            </a:endParaRPr>
+          </a:p>
+          <a:p>
+            <a:endParaRPr lang="pt-BR" dirty="0"/>
           </a:p>
         </p:txBody>
       </p:sp>
@@ -12678,7 +12870,7 @@
     </p:spTree>
     <p:extLst>
       <p:ext uri="{BB962C8B-B14F-4D97-AF65-F5344CB8AC3E}">
-        <p14:creationId xmlns:p14="http://schemas.microsoft.com/office/powerpoint/2010/main" val="1070249952"/>
+        <p14:creationId xmlns:p14="http://schemas.microsoft.com/office/powerpoint/2010/main" val="575999161"/>
       </p:ext>
     </p:extLst>
   </p:cSld>
@@ -12730,92 +12922,132 @@
             </a:r>
             <a:r>
               <a:rPr lang="pt-BR" dirty="0" err="1" smtClean="0"/>
-              <a:t>Deploy</a:t>
+              <a:t>Copy</a:t>
             </a:r>
             <a:r>
               <a:rPr lang="pt-BR" dirty="0" smtClean="0"/>
               <a:t> </a:t>
+            </a:r>
+            <a:r>
+              <a:rPr lang="pt-BR" dirty="0" err="1" smtClean="0"/>
+              <a:t>Artifact</a:t>
+            </a:r>
+            <a:r>
+              <a:rPr lang="pt-BR" dirty="0" smtClean="0"/>
+              <a:t> </a:t>
+            </a:r>
+            <a:r>
+              <a:rPr lang="pt-BR" dirty="0" err="1" smtClean="0"/>
+              <a:t>Mapskills-app</a:t>
+            </a:r>
+            <a:r>
+              <a:rPr lang="pt-BR" dirty="0" smtClean="0"/>
+              <a:t> e Front</a:t>
+            </a:r>
+            <a:endParaRPr lang="pt-BR" dirty="0"/>
+          </a:p>
+        </p:txBody>
+      </p:sp>
+      <p:sp>
+        <p:nvSpPr>
+          <p:cNvPr id="3" name="Espaço Reservado para Conteúdo 2"/>
+          <p:cNvSpPr>
+            <a:spLocks noGrp="1"/>
+          </p:cNvSpPr>
+          <p:nvPr>
+            <p:ph idx="1"/>
+          </p:nvPr>
+        </p:nvSpPr>
+        <p:spPr/>
+        <p:txBody>
+          <a:bodyPr>
+            <a:normAutofit/>
+          </a:bodyPr>
+          <a:lstStyle/>
+          <a:p>
+            <a:r>
+              <a:rPr lang="pt-BR" dirty="0"/>
+              <a:t>Este </a:t>
+            </a:r>
+            <a:r>
+              <a:rPr lang="pt-BR" dirty="0" err="1"/>
+              <a:t>job</a:t>
+            </a:r>
+            <a:r>
+              <a:rPr lang="pt-BR" dirty="0"/>
+              <a:t> depende de que o </a:t>
+            </a:r>
+            <a:r>
+              <a:rPr lang="pt-BR" dirty="0" smtClean="0"/>
+              <a:t>Build-</a:t>
             </a:r>
             <a:r>
               <a:rPr lang="pt-BR" dirty="0" err="1" smtClean="0"/>
               <a:t>Mapskills</a:t>
             </a:r>
-            <a:endParaRPr lang="pt-BR" dirty="0"/>
-          </a:p>
-        </p:txBody>
-      </p:sp>
-      <p:sp>
-        <p:nvSpPr>
-          <p:cNvPr id="3" name="Espaço Reservado para Conteúdo 2"/>
-          <p:cNvSpPr>
-            <a:spLocks noGrp="1"/>
-          </p:cNvSpPr>
-          <p:nvPr>
-            <p:ph idx="1"/>
-          </p:nvPr>
-        </p:nvSpPr>
-        <p:spPr>
-          <a:xfrm>
-            <a:off x="680321" y="2336873"/>
-            <a:ext cx="10893370" cy="3599316"/>
-          </a:xfrm>
-        </p:spPr>
-        <p:txBody>
-          <a:bodyPr/>
-          <a:lstStyle/>
-          <a:p>
-            <a:pPr hangingPunct="0"/>
-            <a:r>
-              <a:rPr lang="pt-BR" dirty="0"/>
-              <a:t>Como produto final, o trabalho </a:t>
+            <a:r>
+              <a:rPr lang="pt-BR" dirty="0" smtClean="0"/>
+              <a:t>-</a:t>
+            </a:r>
+            <a:r>
+              <a:rPr lang="pt-BR" dirty="0" err="1" smtClean="0"/>
+              <a:t>App</a:t>
+            </a:r>
+            <a:r>
+              <a:rPr lang="pt-BR" dirty="0" smtClean="0"/>
+              <a:t> </a:t>
+            </a:r>
+            <a:r>
+              <a:rPr lang="pt-BR" dirty="0"/>
+              <a:t>tenha sido finalizado com </a:t>
+            </a:r>
+            <a:r>
+              <a:rPr lang="pt-BR" dirty="0" smtClean="0"/>
+              <a:t>sucesso. </a:t>
+            </a:r>
+          </a:p>
+          <a:p>
+            <a:r>
+              <a:rPr lang="pt-BR" dirty="0" smtClean="0"/>
+              <a:t>Ele copiar </a:t>
+            </a:r>
+            <a:r>
+              <a:rPr lang="pt-BR" dirty="0"/>
+              <a:t>o arquivo .</a:t>
             </a:r>
             <a:r>
               <a:rPr lang="pt-BR" dirty="0" err="1"/>
-              <a:t>Deploy</a:t>
+              <a:t>war</a:t>
             </a:r>
             <a:r>
               <a:rPr lang="pt-BR" dirty="0"/>
               <a:t> </a:t>
             </a:r>
             <a:r>
-              <a:rPr lang="pt-BR" dirty="0" err="1"/>
-              <a:t>Mapskills</a:t>
-            </a:r>
-            <a:r>
-              <a:rPr lang="pt-BR" dirty="0"/>
-              <a:t> é responsável por disponibilizar os projetos de </a:t>
-            </a:r>
-            <a:r>
-              <a:rPr lang="pt-BR" i="1" dirty="0"/>
-              <a:t>front</a:t>
-            </a:r>
-            <a:r>
-              <a:rPr lang="pt-BR" dirty="0"/>
-              <a:t> e </a:t>
-            </a:r>
-            <a:r>
-              <a:rPr lang="pt-BR" i="1" dirty="0" err="1"/>
-              <a:t>back-end</a:t>
-            </a:r>
-            <a:r>
-              <a:rPr lang="pt-BR" dirty="0"/>
-              <a:t> em produção, ou seja, esteja disponível a última versão estável do projeto. Para que seja esteja em produção, é executado o arquivo “</a:t>
-            </a:r>
-            <a:r>
-              <a:rPr lang="pt-BR" dirty="0" err="1"/>
-              <a:t>docker-compose.yml</a:t>
-            </a:r>
-            <a:r>
-              <a:rPr lang="pt-BR" dirty="0" smtClean="0"/>
-              <a:t>”.</a:t>
-            </a:r>
-            <a:endParaRPr lang="pt-BR" dirty="0"/>
-          </a:p>
-          <a:p>
-            <a:pPr marL="0" indent="0" hangingPunct="0">
+              <a:rPr lang="pt-BR" dirty="0" smtClean="0"/>
+              <a:t>da pasta Target para </a:t>
+            </a:r>
+            <a:r>
+              <a:rPr lang="pt-BR" dirty="0"/>
+              <a:t>o volume </a:t>
+            </a:r>
+            <a:r>
+              <a:rPr lang="pt-BR" dirty="0" err="1" smtClean="0"/>
+              <a:t>Docker</a:t>
+            </a:r>
+            <a:r>
+              <a:rPr lang="pt-BR" i="1" dirty="0" smtClean="0"/>
+              <a:t>.</a:t>
+            </a:r>
+          </a:p>
+          <a:p>
+            <a:pPr marL="0" indent="0" algn="ctr" hangingPunct="0">
               <a:buNone/>
             </a:pPr>
-            <a:endParaRPr lang="en-US" dirty="0" smtClean="0"/>
+            <a:endParaRPr lang="en-US" dirty="0" smtClean="0">
+              <a:latin typeface="Courier New" panose="02070309020205020404" pitchFamily="49" charset="0"/>
+              <a:cs typeface="Courier New" panose="02070309020205020404" pitchFamily="49" charset="0"/>
+            </a:endParaRPr>
           </a:p>
           <a:p>
             <a:pPr marL="0" indent="0" algn="ctr" hangingPunct="0">
@@ -12840,21 +13072,21 @@
                 <a:latin typeface="Courier New" panose="02070309020205020404" pitchFamily="49" charset="0"/>
                 <a:cs typeface="Courier New" panose="02070309020205020404" pitchFamily="49" charset="0"/>
               </a:rPr>
-              <a:t>docker</a:t>
+              <a:t>cp</a:t>
             </a:r>
             <a:r>
               <a:rPr lang="en-US" dirty="0">
                 <a:latin typeface="Courier New" panose="02070309020205020404" pitchFamily="49" charset="0"/>
                 <a:cs typeface="Courier New" panose="02070309020205020404" pitchFamily="49" charset="0"/>
               </a:rPr>
-              <a:t>-compose -f /</a:t>
+              <a:t> /</a:t>
             </a:r>
             <a:r>
               <a:rPr lang="en-US" dirty="0" err="1">
                 <a:latin typeface="Courier New" panose="02070309020205020404" pitchFamily="49" charset="0"/>
                 <a:cs typeface="Courier New" panose="02070309020205020404" pitchFamily="49" charset="0"/>
               </a:rPr>
-              <a:t>mapskills</a:t>
+              <a:t>var</a:t>
             </a:r>
             <a:r>
               <a:rPr lang="en-US" dirty="0">
@@ -12868,23 +13100,67 @@
                 <a:latin typeface="Courier New" panose="02070309020205020404" pitchFamily="49" charset="0"/>
                 <a:cs typeface="Courier New" panose="02070309020205020404" pitchFamily="49" charset="0"/>
               </a:rPr>
-              <a:t>docker-compose.yml</a:t>
+              <a:t>jenkins_home</a:t>
             </a:r>
             <a:r>
               <a:rPr lang="en-US" dirty="0">
                 <a:latin typeface="Courier New" panose="02070309020205020404" pitchFamily="49" charset="0"/>
                 <a:cs typeface="Courier New" panose="02070309020205020404" pitchFamily="49" charset="0"/>
               </a:rPr>
-              <a:t> up -d</a:t>
-            </a:r>
+              <a:t>/workspace/Build-</a:t>
+            </a:r>
+            <a:r>
+              <a:rPr lang="en-US" dirty="0" err="1">
+                <a:latin typeface="Courier New" panose="02070309020205020404" pitchFamily="49" charset="0"/>
+                <a:cs typeface="Courier New" panose="02070309020205020404" pitchFamily="49" charset="0"/>
+              </a:rPr>
+              <a:t>Mapskills</a:t>
+            </a:r>
+            <a:r>
+              <a:rPr lang="en-US" dirty="0">
+                <a:latin typeface="Courier New" panose="02070309020205020404" pitchFamily="49" charset="0"/>
+                <a:cs typeface="Courier New" panose="02070309020205020404" pitchFamily="49" charset="0"/>
+              </a:rPr>
+              <a:t>-Back/target/</a:t>
+            </a:r>
+            <a:r>
+              <a:rPr lang="en-US" dirty="0" err="1">
+                <a:latin typeface="Courier New" panose="02070309020205020404" pitchFamily="49" charset="0"/>
+                <a:cs typeface="Courier New" panose="02070309020205020404" pitchFamily="49" charset="0"/>
+              </a:rPr>
+              <a:t>mapskills.war</a:t>
+            </a:r>
+            <a:r>
+              <a:rPr lang="en-US" dirty="0">
+                <a:latin typeface="Courier New" panose="02070309020205020404" pitchFamily="49" charset="0"/>
+                <a:cs typeface="Courier New" panose="02070309020205020404" pitchFamily="49" charset="0"/>
+              </a:rPr>
+              <a:t> /</a:t>
+            </a:r>
+            <a:r>
+              <a:rPr lang="en-US" dirty="0" err="1" smtClean="0">
+                <a:latin typeface="Courier New" panose="02070309020205020404" pitchFamily="49" charset="0"/>
+                <a:cs typeface="Courier New" panose="02070309020205020404" pitchFamily="49" charset="0"/>
+              </a:rPr>
+              <a:t>mapskills</a:t>
+            </a:r>
+            <a:r>
+              <a:rPr lang="en-US" dirty="0" smtClean="0">
+                <a:latin typeface="Courier New" panose="02070309020205020404" pitchFamily="49" charset="0"/>
+                <a:cs typeface="Courier New" panose="02070309020205020404" pitchFamily="49" charset="0"/>
+              </a:rPr>
+              <a:t>/back</a:t>
+            </a:r>
+          </a:p>
+          <a:p>
+            <a:pPr marL="0" indent="0" algn="ctr" hangingPunct="0">
+              <a:buNone/>
+            </a:pPr>
             <a:endParaRPr lang="pt-BR" dirty="0">
               <a:latin typeface="Courier New" panose="02070309020205020404" pitchFamily="49" charset="0"/>
               <a:cs typeface="Courier New" panose="02070309020205020404" pitchFamily="49" charset="0"/>
             </a:endParaRPr>
           </a:p>
-          <a:p>
-            <a:endParaRPr lang="pt-BR" dirty="0"/>
-          </a:p>
         </p:txBody>
       </p:sp>
       <p:sp>
@@ -12923,7 +13199,7 @@
     </p:spTree>
     <p:extLst>
       <p:ext uri="{BB962C8B-B14F-4D97-AF65-F5344CB8AC3E}">
-        <p14:creationId xmlns:p14="http://schemas.microsoft.com/office/powerpoint/2010/main" val="2729253744"/>
+        <p14:creationId xmlns:p14="http://schemas.microsoft.com/office/powerpoint/2010/main" val="1070249952"/>
       </p:ext>
     </p:extLst>
   </p:cSld>
@@ -12957,7 +13233,7 @@
             <a:spLocks noGrp="1"/>
           </p:cNvSpPr>
           <p:nvPr>
-            <p:ph type="ctrTitle"/>
+            <p:ph type="title"/>
           </p:nvPr>
         </p:nvSpPr>
         <p:spPr/>
@@ -12966,8 +13242,24 @@
           <a:lstStyle/>
           <a:p>
             <a:r>
-              <a:rPr lang="pt-BR" dirty="0" smtClean="0"/>
-              <a:t>Resultados</a:t>
+              <a:rPr lang="pt-BR" dirty="0" err="1" smtClean="0"/>
+              <a:t>Job</a:t>
+            </a:r>
+            <a:r>
+              <a:rPr lang="pt-BR" dirty="0" smtClean="0"/>
+              <a:t> – </a:t>
+            </a:r>
+            <a:r>
+              <a:rPr lang="pt-BR" dirty="0" err="1" smtClean="0"/>
+              <a:t>Deploy</a:t>
+            </a:r>
+            <a:r>
+              <a:rPr lang="pt-BR" dirty="0" smtClean="0"/>
+              <a:t> </a:t>
+            </a:r>
+            <a:r>
+              <a:rPr lang="pt-BR" dirty="0" err="1" smtClean="0"/>
+              <a:t>Mapskills</a:t>
             </a:r>
             <a:endParaRPr lang="pt-BR" dirty="0"/>
           </a:p>
@@ -12975,27 +13267,192 @@
       </p:sp>
       <p:sp>
         <p:nvSpPr>
-          <p:cNvPr id="3" name="Subtítulo 2"/>
-          <p:cNvSpPr>
-            <a:spLocks noGrp="1"/>
-          </p:cNvSpPr>
-          <p:nvPr>
-            <p:ph type="subTitle" idx="1"/>
-          </p:nvPr>
-        </p:nvSpPr>
-        <p:spPr/>
+          <p:cNvPr id="3" name="Espaço Reservado para Conteúdo 2"/>
+          <p:cNvSpPr>
+            <a:spLocks noGrp="1"/>
+          </p:cNvSpPr>
+          <p:nvPr>
+            <p:ph idx="1"/>
+          </p:nvPr>
+        </p:nvSpPr>
+        <p:spPr>
+          <a:xfrm>
+            <a:off x="680321" y="2336873"/>
+            <a:ext cx="10893370" cy="3599316"/>
+          </a:xfrm>
+        </p:spPr>
         <p:txBody>
           <a:bodyPr/>
           <a:lstStyle/>
           <a:p>
-            <a:endParaRPr lang="pt-BR"/>
+            <a:pPr hangingPunct="0"/>
+            <a:r>
+              <a:rPr lang="pt-BR" dirty="0" smtClean="0"/>
+              <a:t>O trabalho </a:t>
+            </a:r>
+            <a:r>
+              <a:rPr lang="pt-BR" dirty="0" err="1"/>
+              <a:t>Deploy</a:t>
+            </a:r>
+            <a:r>
+              <a:rPr lang="pt-BR" dirty="0"/>
+              <a:t> </a:t>
+            </a:r>
+            <a:r>
+              <a:rPr lang="pt-BR" dirty="0" err="1"/>
+              <a:t>Mapskills</a:t>
+            </a:r>
+            <a:r>
+              <a:rPr lang="pt-BR" dirty="0"/>
+              <a:t> é responsável por disponibilizar os projetos de </a:t>
+            </a:r>
+            <a:r>
+              <a:rPr lang="pt-BR" i="1" dirty="0"/>
+              <a:t>front</a:t>
+            </a:r>
+            <a:r>
+              <a:rPr lang="pt-BR" dirty="0"/>
+              <a:t> e </a:t>
+            </a:r>
+            <a:r>
+              <a:rPr lang="pt-BR" i="1" dirty="0" err="1"/>
+              <a:t>back-end</a:t>
+            </a:r>
+            <a:r>
+              <a:rPr lang="pt-BR" dirty="0"/>
+              <a:t> em </a:t>
+            </a:r>
+            <a:r>
+              <a:rPr lang="pt-BR" dirty="0" smtClean="0"/>
+              <a:t>produção. Para </a:t>
+            </a:r>
+            <a:r>
+              <a:rPr lang="pt-BR" dirty="0"/>
+              <a:t>que seja esteja em produção, é executado o arquivo “</a:t>
+            </a:r>
+            <a:r>
+              <a:rPr lang="pt-BR" dirty="0" err="1"/>
+              <a:t>docker-compose.yml</a:t>
+            </a:r>
+            <a:r>
+              <a:rPr lang="pt-BR" dirty="0" smtClean="0"/>
+              <a:t>”.</a:t>
+            </a:r>
+            <a:endParaRPr lang="pt-BR" dirty="0"/>
+          </a:p>
+          <a:p>
+            <a:pPr marL="0" indent="0" hangingPunct="0">
+              <a:buNone/>
+            </a:pPr>
+            <a:endParaRPr lang="en-US" dirty="0" smtClean="0"/>
+          </a:p>
+          <a:p>
+            <a:pPr marL="0" indent="0" algn="ctr" hangingPunct="0">
+              <a:buNone/>
+            </a:pPr>
+            <a:r>
+              <a:rPr lang="en-US" dirty="0" err="1" smtClean="0">
+                <a:latin typeface="Courier New" panose="02070309020205020404" pitchFamily="49" charset="0"/>
+                <a:cs typeface="Courier New" panose="02070309020205020404" pitchFamily="49" charset="0"/>
+              </a:rPr>
+              <a:t>sudo</a:t>
+            </a:r>
+            <a:r>
+              <a:rPr lang="en-US" dirty="0" smtClean="0">
+                <a:latin typeface="Courier New" panose="02070309020205020404" pitchFamily="49" charset="0"/>
+                <a:cs typeface="Courier New" panose="02070309020205020404" pitchFamily="49" charset="0"/>
+              </a:rPr>
+              <a:t> </a:t>
+            </a:r>
+            <a:r>
+              <a:rPr lang="en-US" dirty="0" err="1">
+                <a:latin typeface="Courier New" panose="02070309020205020404" pitchFamily="49" charset="0"/>
+                <a:cs typeface="Courier New" panose="02070309020205020404" pitchFamily="49" charset="0"/>
+              </a:rPr>
+              <a:t>docker</a:t>
+            </a:r>
+            <a:r>
+              <a:rPr lang="en-US" dirty="0">
+                <a:latin typeface="Courier New" panose="02070309020205020404" pitchFamily="49" charset="0"/>
+                <a:cs typeface="Courier New" panose="02070309020205020404" pitchFamily="49" charset="0"/>
+              </a:rPr>
+              <a:t>-compose -f /</a:t>
+            </a:r>
+            <a:r>
+              <a:rPr lang="en-US" dirty="0" err="1">
+                <a:latin typeface="Courier New" panose="02070309020205020404" pitchFamily="49" charset="0"/>
+                <a:cs typeface="Courier New" panose="02070309020205020404" pitchFamily="49" charset="0"/>
+              </a:rPr>
+              <a:t>mapskills</a:t>
+            </a:r>
+            <a:r>
+              <a:rPr lang="en-US" dirty="0">
+                <a:latin typeface="Courier New" panose="02070309020205020404" pitchFamily="49" charset="0"/>
+                <a:cs typeface="Courier New" panose="02070309020205020404" pitchFamily="49" charset="0"/>
+              </a:rPr>
+              <a:t>/</a:t>
+            </a:r>
+            <a:r>
+              <a:rPr lang="en-US" dirty="0" err="1">
+                <a:latin typeface="Courier New" panose="02070309020205020404" pitchFamily="49" charset="0"/>
+                <a:cs typeface="Courier New" panose="02070309020205020404" pitchFamily="49" charset="0"/>
+              </a:rPr>
+              <a:t>docker-compose.yml</a:t>
+            </a:r>
+            <a:r>
+              <a:rPr lang="en-US" dirty="0">
+                <a:latin typeface="Courier New" panose="02070309020205020404" pitchFamily="49" charset="0"/>
+                <a:cs typeface="Courier New" panose="02070309020205020404" pitchFamily="49" charset="0"/>
+              </a:rPr>
+              <a:t> up -d</a:t>
+            </a:r>
+            <a:endParaRPr lang="pt-BR" dirty="0">
+              <a:latin typeface="Courier New" panose="02070309020205020404" pitchFamily="49" charset="0"/>
+              <a:cs typeface="Courier New" panose="02070309020205020404" pitchFamily="49" charset="0"/>
+            </a:endParaRPr>
+          </a:p>
+          <a:p>
+            <a:endParaRPr lang="pt-BR" dirty="0"/>
+          </a:p>
+        </p:txBody>
+      </p:sp>
+      <p:sp>
+        <p:nvSpPr>
+          <p:cNvPr id="4" name="Retângulo 3"/>
+          <p:cNvSpPr/>
+          <p:nvPr/>
+        </p:nvSpPr>
+        <p:spPr>
+          <a:xfrm>
+            <a:off x="680321" y="250521"/>
+            <a:ext cx="2231701" cy="369332"/>
+          </a:xfrm>
+          <a:prstGeom prst="rect">
+            <a:avLst/>
+          </a:prstGeom>
+        </p:spPr>
+        <p:txBody>
+          <a:bodyPr wrap="none">
+            <a:spAutoFit/>
+          </a:bodyPr>
+          <a:lstStyle/>
+          <a:p>
+            <a:pPr marL="285750" indent="-285750">
+              <a:buFont typeface="Arial" panose="020B0604020202020204" pitchFamily="34" charset="0"/>
+              <a:buChar char="•"/>
+            </a:pPr>
+            <a:r>
+              <a:rPr lang="pt-BR" dirty="0" smtClean="0"/>
+              <a:t>Desenvolvimento</a:t>
+            </a:r>
+            <a:endParaRPr lang="pt-BR" dirty="0"/>
           </a:p>
         </p:txBody>
       </p:sp>
     </p:spTree>
     <p:extLst>
       <p:ext uri="{BB962C8B-B14F-4D97-AF65-F5344CB8AC3E}">
-        <p14:creationId xmlns:p14="http://schemas.microsoft.com/office/powerpoint/2010/main" val="1979354097"/>
+        <p14:creationId xmlns:p14="http://schemas.microsoft.com/office/powerpoint/2010/main" val="2729253744"/>
       </p:ext>
     </p:extLst>
   </p:cSld>
@@ -13029,7 +13486,7 @@
             <a:spLocks noGrp="1"/>
           </p:cNvSpPr>
           <p:nvPr>
-            <p:ph type="title"/>
+            <p:ph type="ctrTitle"/>
           </p:nvPr>
         </p:nvSpPr>
         <p:spPr/>
@@ -13039,7 +13496,7 @@
           <a:p>
             <a:r>
               <a:rPr lang="pt-BR" dirty="0" smtClean="0"/>
-              <a:t>Escopo dos Resultados</a:t>
+              <a:t>Resultados</a:t>
             </a:r>
             <a:endParaRPr lang="pt-BR" dirty="0"/>
           </a:p>
@@ -13047,12 +13504,12 @@
       </p:sp>
       <p:sp>
         <p:nvSpPr>
-          <p:cNvPr id="3" name="Espaço Reservado para Conteúdo 2"/>
-          <p:cNvSpPr>
-            <a:spLocks noGrp="1"/>
-          </p:cNvSpPr>
-          <p:nvPr>
-            <p:ph idx="1"/>
+          <p:cNvPr id="3" name="Subtítulo 2"/>
+          <p:cNvSpPr>
+            <a:spLocks noGrp="1"/>
+          </p:cNvSpPr>
+          <p:nvPr>
+            <p:ph type="subTitle" idx="1"/>
           </p:nvPr>
         </p:nvSpPr>
         <p:spPr/>
@@ -13060,82 +13517,14 @@
           <a:bodyPr/>
           <a:lstStyle/>
           <a:p>
-            <a:r>
-              <a:rPr lang="pt-BR" dirty="0"/>
-              <a:t>Realizado com alunos da FATEC Prof. </a:t>
-            </a:r>
-            <a:r>
-              <a:rPr lang="pt-BR" dirty="0" err="1"/>
-              <a:t>Jessen</a:t>
-            </a:r>
-            <a:r>
-              <a:rPr lang="pt-BR" dirty="0"/>
-              <a:t> </a:t>
-            </a:r>
-            <a:r>
-              <a:rPr lang="pt-BR" dirty="0" smtClean="0"/>
-              <a:t>Vidal.</a:t>
-            </a:r>
-          </a:p>
-          <a:p>
-            <a:r>
-              <a:rPr lang="pt-BR" dirty="0"/>
-              <a:t>Entre os meses de março, abril e maio</a:t>
-            </a:r>
-            <a:r>
-              <a:rPr lang="pt-BR" dirty="0" smtClean="0"/>
-              <a:t>.</a:t>
-            </a:r>
-          </a:p>
-          <a:p>
-            <a:r>
-              <a:rPr lang="pt-BR" dirty="0"/>
-              <a:t>Testado por mais de </a:t>
-            </a:r>
-            <a:r>
-              <a:rPr lang="pt-BR" dirty="0" smtClean="0"/>
-              <a:t>250 alunos.</a:t>
-            </a:r>
-          </a:p>
-        </p:txBody>
-      </p:sp>
-      <p:sp>
-        <p:nvSpPr>
-          <p:cNvPr id="6" name="Retângulo 5"/>
-          <p:cNvSpPr/>
-          <p:nvPr/>
-        </p:nvSpPr>
-        <p:spPr>
-          <a:xfrm>
-            <a:off x="680321" y="250521"/>
-            <a:ext cx="1569917" cy="369332"/>
-          </a:xfrm>
-          <a:prstGeom prst="rect">
-            <a:avLst/>
-          </a:prstGeom>
-        </p:spPr>
-        <p:txBody>
-          <a:bodyPr wrap="none">
-            <a:spAutoFit/>
-          </a:bodyPr>
-          <a:lstStyle/>
-          <a:p>
-            <a:pPr marL="285750" indent="-285750">
-              <a:buFont typeface="Arial" panose="020B0604020202020204" pitchFamily="34" charset="0"/>
-              <a:buChar char="•"/>
-            </a:pPr>
-            <a:r>
-              <a:rPr lang="pt-BR" dirty="0" smtClean="0"/>
-              <a:t>Resultados</a:t>
-            </a:r>
-            <a:endParaRPr lang="pt-BR" dirty="0"/>
+            <a:endParaRPr lang="pt-BR"/>
           </a:p>
         </p:txBody>
       </p:sp>
     </p:spTree>
     <p:extLst>
       <p:ext uri="{BB962C8B-B14F-4D97-AF65-F5344CB8AC3E}">
-        <p14:creationId xmlns:p14="http://schemas.microsoft.com/office/powerpoint/2010/main" val="1937326064"/>
+        <p14:creationId xmlns:p14="http://schemas.microsoft.com/office/powerpoint/2010/main" val="1979354097"/>
       </p:ext>
     </p:extLst>
   </p:cSld>
@@ -13179,7 +13568,7 @@
           <a:p>
             <a:r>
               <a:rPr lang="pt-BR" dirty="0" smtClean="0"/>
-              <a:t>Experimento 1</a:t>
+              <a:t>Escopo dos Resultados</a:t>
             </a:r>
             <a:endParaRPr lang="pt-BR" dirty="0"/>
           </a:p>
@@ -13197,93 +13586,51 @@
         </p:nvSpPr>
         <p:spPr/>
         <p:txBody>
-          <a:bodyPr>
-            <a:normAutofit fontScale="92500" lnSpcReduction="20000"/>
-          </a:bodyPr>
-          <a:lstStyle/>
-          <a:p>
-            <a:r>
-              <a:rPr lang="pt-BR" dirty="0" smtClean="0"/>
-              <a:t>Rede Interna</a:t>
-            </a:r>
-          </a:p>
-          <a:p>
-            <a:r>
-              <a:rPr lang="pt-BR" dirty="0" smtClean="0"/>
-              <a:t>Data: 08 de março de 2017</a:t>
-            </a:r>
-          </a:p>
-          <a:p>
-            <a:r>
-              <a:rPr lang="pt-BR" dirty="0" smtClean="0"/>
-              <a:t>Horário: 19h às 21h30.</a:t>
-            </a:r>
-          </a:p>
-          <a:p>
-            <a:r>
-              <a:rPr lang="pt-BR" dirty="0" smtClean="0"/>
-              <a:t>Quantidade de Alunos: 120.</a:t>
-            </a:r>
-          </a:p>
-          <a:p>
-            <a:r>
-              <a:rPr lang="pt-BR" dirty="0" smtClean="0"/>
-              <a:t>Localidade: </a:t>
-            </a:r>
-            <a:r>
-              <a:rPr lang="pt-BR" dirty="0"/>
-              <a:t>FATEC São José dos Campos</a:t>
-            </a:r>
-          </a:p>
-          <a:p>
-            <a:pPr hangingPunct="0"/>
-            <a:r>
-              <a:rPr lang="pt-BR" dirty="0" smtClean="0"/>
-              <a:t>Resultado: </a:t>
-            </a:r>
-          </a:p>
-          <a:p>
-            <a:pPr lvl="1" hangingPunct="0"/>
-            <a:r>
-              <a:rPr lang="pt-BR" dirty="0" smtClean="0"/>
-              <a:t>Durante </a:t>
-            </a:r>
-            <a:r>
-              <a:rPr lang="pt-BR" dirty="0"/>
-              <a:t>o experimento pode-se observar um alto consumo de Memória pois eram realizadas diversas tarefas concorrentemente, além de operações de acesso ao banco de dados.</a:t>
-            </a:r>
-          </a:p>
-          <a:p>
-            <a:pPr lvl="1" hangingPunct="0"/>
-            <a:r>
-              <a:rPr lang="pt-BR" dirty="0"/>
-              <a:t>Para resolver este requisito, foi adicionado na arquitetura do projeto um </a:t>
+          <a:bodyPr/>
+          <a:lstStyle/>
+          <a:p>
+            <a:r>
+              <a:rPr lang="pt-BR" dirty="0"/>
+              <a:t>Realizado com alunos da FATEC Prof. </a:t>
             </a:r>
             <a:r>
               <a:rPr lang="pt-BR" dirty="0" err="1"/>
-              <a:t>balanceador</a:t>
-            </a:r>
-            <a:r>
-              <a:rPr lang="pt-BR" dirty="0"/>
-              <a:t> de carga, que tem a responsabilidade de direcionar as requisições ao </a:t>
-            </a:r>
-            <a:r>
-              <a:rPr lang="pt-BR" i="1" dirty="0" err="1"/>
-              <a:t>back-end</a:t>
-            </a:r>
-            <a:r>
-              <a:rPr lang="pt-BR" dirty="0"/>
-              <a:t> com menor número de tarefas em execução.</a:t>
-            </a:r>
-          </a:p>
-          <a:p>
-            <a:endParaRPr lang="pt-BR" dirty="0"/>
-          </a:p>
-        </p:txBody>
-      </p:sp>
-      <p:sp>
-        <p:nvSpPr>
-          <p:cNvPr id="4" name="Retângulo 3"/>
+              <a:t>Jessen</a:t>
+            </a:r>
+            <a:r>
+              <a:rPr lang="pt-BR" dirty="0"/>
+              <a:t> </a:t>
+            </a:r>
+            <a:r>
+              <a:rPr lang="pt-BR" dirty="0" smtClean="0"/>
+              <a:t>Vidal.</a:t>
+            </a:r>
+          </a:p>
+          <a:p>
+            <a:r>
+              <a:rPr lang="pt-BR" dirty="0"/>
+              <a:t>Entre os meses de março, abril e maio</a:t>
+            </a:r>
+            <a:r>
+              <a:rPr lang="pt-BR" dirty="0" smtClean="0"/>
+              <a:t>.</a:t>
+            </a:r>
+          </a:p>
+          <a:p>
+            <a:r>
+              <a:rPr lang="pt-BR" dirty="0"/>
+              <a:t>Testado por mais de </a:t>
+            </a:r>
+            <a:r>
+              <a:rPr lang="pt-BR" dirty="0" smtClean="0"/>
+              <a:t>250 alunos.</a:t>
+            </a:r>
+          </a:p>
+        </p:txBody>
+      </p:sp>
+      <p:sp>
+        <p:nvSpPr>
+          <p:cNvPr id="6" name="Retângulo 5"/>
           <p:cNvSpPr/>
           <p:nvPr/>
         </p:nvSpPr>
@@ -13317,7 +13664,7 @@
     </p:spTree>
     <p:extLst>
       <p:ext uri="{BB962C8B-B14F-4D97-AF65-F5344CB8AC3E}">
-        <p14:creationId xmlns:p14="http://schemas.microsoft.com/office/powerpoint/2010/main" val="3970051832"/>
+        <p14:creationId xmlns:p14="http://schemas.microsoft.com/office/powerpoint/2010/main" val="1937326064"/>
       </p:ext>
     </p:extLst>
   </p:cSld>
@@ -13361,7 +13708,7 @@
           <a:p>
             <a:r>
               <a:rPr lang="pt-BR" dirty="0" smtClean="0"/>
-              <a:t>Experimento 2</a:t>
+              <a:t>Experimento 1</a:t>
             </a:r>
             <a:endParaRPr lang="pt-BR" dirty="0"/>
           </a:p>
@@ -13380,155 +13727,103 @@
         <p:spPr/>
         <p:txBody>
           <a:bodyPr>
-            <a:normAutofit fontScale="70000" lnSpcReduction="20000"/>
+            <a:normAutofit fontScale="92500" lnSpcReduction="10000"/>
           </a:bodyPr>
           <a:lstStyle/>
           <a:p>
             <a:r>
-              <a:rPr lang="pt-BR" dirty="0"/>
+              <a:rPr lang="pt-BR" dirty="0" smtClean="0"/>
               <a:t>Rede Interna</a:t>
             </a:r>
           </a:p>
           <a:p>
             <a:r>
-              <a:rPr lang="pt-BR" dirty="0"/>
+              <a:rPr lang="pt-BR" dirty="0" smtClean="0"/>
               <a:t>Data: 08 de março de 2017</a:t>
             </a:r>
           </a:p>
           <a:p>
             <a:r>
-              <a:rPr lang="pt-BR" dirty="0"/>
+              <a:rPr lang="pt-BR" dirty="0" smtClean="0"/>
               <a:t>Horário: 19h às 21h30.</a:t>
             </a:r>
           </a:p>
           <a:p>
             <a:r>
-              <a:rPr lang="pt-BR" dirty="0"/>
+              <a:rPr lang="pt-BR" dirty="0" smtClean="0"/>
               <a:t>Quantidade de Alunos: 120.</a:t>
             </a:r>
           </a:p>
           <a:p>
             <a:r>
-              <a:rPr lang="pt-BR" dirty="0"/>
-              <a:t>Localidade: FATEC São José dos Campos</a:t>
+              <a:rPr lang="pt-BR" dirty="0" smtClean="0"/>
+              <a:t>Localidade: </a:t>
+            </a:r>
+            <a:r>
+              <a:rPr lang="pt-BR" dirty="0"/>
+              <a:t>FATEC São José dos Campos</a:t>
             </a:r>
           </a:p>
           <a:p>
             <a:pPr hangingPunct="0"/>
             <a:r>
-              <a:rPr lang="pt-BR" dirty="0"/>
+              <a:rPr lang="pt-BR" dirty="0" smtClean="0"/>
               <a:t>Resultado: </a:t>
             </a:r>
+          </a:p>
+          <a:p>
+            <a:pPr lvl="1" hangingPunct="0"/>
+            <a:r>
+              <a:rPr lang="pt-BR" dirty="0" smtClean="0"/>
+              <a:t>Consumo </a:t>
+            </a:r>
+            <a:r>
+              <a:rPr lang="pt-BR" dirty="0"/>
+              <a:t>de Memória pois eram realizadas diversas tarefas concorrentemente, além de operações de </a:t>
+            </a:r>
             <a:endParaRPr lang="pt-BR" dirty="0" smtClean="0"/>
           </a:p>
           <a:p>
             <a:pPr lvl="1" hangingPunct="0"/>
             <a:r>
               <a:rPr lang="pt-BR" dirty="0" smtClean="0"/>
-              <a:t>O </a:t>
-            </a:r>
-            <a:r>
-              <a:rPr lang="pt-BR" dirty="0"/>
-              <a:t>segundo experimento foi realizado na Fatec com o acesso de aproximadamente 150 alunos, com o objetivo de monitorar pelos containers </a:t>
-            </a:r>
-            <a:r>
-              <a:rPr lang="pt-BR" dirty="0" err="1"/>
-              <a:t>Mapskills-Cadvisor</a:t>
-            </a:r>
-            <a:r>
-              <a:rPr lang="pt-BR" dirty="0"/>
-              <a:t> e </a:t>
-            </a:r>
-            <a:r>
-              <a:rPr lang="pt-BR" dirty="0" err="1"/>
-              <a:t>Mapskills-Haproxy</a:t>
-            </a:r>
-            <a:r>
-              <a:rPr lang="pt-BR" dirty="0"/>
-              <a:t> o acesso a plataforma além dos recursos utilizados pelo servidor. </a:t>
+              <a:t>A</a:t>
+            </a:r>
+            <a:r>
+              <a:rPr lang="pt-BR" dirty="0" smtClean="0"/>
+              <a:t>cesso </a:t>
+            </a:r>
+            <a:r>
+              <a:rPr lang="pt-BR" dirty="0"/>
+              <a:t>ao banco de dados.</a:t>
             </a:r>
           </a:p>
           <a:p>
             <a:pPr lvl="1" hangingPunct="0"/>
             <a:r>
               <a:rPr lang="pt-BR" dirty="0" smtClean="0"/>
-              <a:t>Dado </a:t>
-            </a:r>
-            <a:r>
-              <a:rPr lang="pt-BR" dirty="0"/>
-              <a:t>momento, foi constatado um problema na aplicação de </a:t>
-            </a:r>
-            <a:r>
-              <a:rPr lang="pt-BR" i="1" dirty="0" err="1"/>
-              <a:t>back-end</a:t>
-            </a:r>
-            <a:r>
-              <a:rPr lang="pt-BR" dirty="0"/>
-              <a:t> e foi necessária atualiza-la já em produção. Ao atualizar a versão aplicação de </a:t>
-            </a:r>
-            <a:r>
-              <a:rPr lang="pt-BR" i="1" dirty="0" err="1"/>
-              <a:t>back-end</a:t>
-            </a:r>
-            <a:r>
-              <a:rPr lang="pt-BR" i="1" dirty="0"/>
-              <a:t>, </a:t>
-            </a:r>
-            <a:r>
-              <a:rPr lang="pt-BR" dirty="0"/>
-              <a:t>foi interrompido o Servidor de Banco de Dados. Por conta da indisponibilidade de acesso ao Banco de Dados a arquitetura do projeto foi fracionada em duas partes. Uma contendo a parte de gerenciamento da aplicação com os serviços: </a:t>
-            </a:r>
-            <a:r>
-              <a:rPr lang="pt-BR" dirty="0" err="1"/>
-              <a:t>Mapskills-Jenkins</a:t>
-            </a:r>
-            <a:r>
-              <a:rPr lang="pt-BR" dirty="0"/>
-              <a:t>, </a:t>
-            </a:r>
-            <a:r>
-              <a:rPr lang="pt-BR" dirty="0" err="1"/>
-              <a:t>Mapskills-Cadivisor</a:t>
-            </a:r>
-            <a:r>
-              <a:rPr lang="pt-BR" dirty="0"/>
-              <a:t>, </a:t>
-            </a:r>
-            <a:r>
-              <a:rPr lang="pt-BR" dirty="0" err="1"/>
-              <a:t>Mapskills-Mysql</a:t>
-            </a:r>
-            <a:r>
-              <a:rPr lang="pt-BR" dirty="0"/>
-              <a:t>, pois estes containers armazenam ou gerenciam dados importantes e críticos na aplicação. E a outra parte com os serviços </a:t>
-            </a:r>
-            <a:r>
-              <a:rPr lang="pt-BR" dirty="0" err="1"/>
-              <a:t>Mapskills-Haproxy</a:t>
-            </a:r>
-            <a:r>
-              <a:rPr lang="pt-BR" dirty="0"/>
-              <a:t>, </a:t>
-            </a:r>
-            <a:r>
-              <a:rPr lang="pt-BR" dirty="0" err="1"/>
-              <a:t>Mapskills</a:t>
-            </a:r>
-            <a:r>
-              <a:rPr lang="pt-BR" dirty="0"/>
-              <a:t>-Front, </a:t>
-            </a:r>
-            <a:r>
-              <a:rPr lang="pt-BR" dirty="0" err="1"/>
-              <a:t>Mapskills</a:t>
-            </a:r>
-            <a:r>
-              <a:rPr lang="pt-BR" dirty="0"/>
-              <a:t>-Back, com a finalidade automatizar os serviços de acesso a plataforma, facilitando também a integração, e controle na entrega de uma nova versão do software.</a:t>
-            </a:r>
-          </a:p>
-          <a:p>
-            <a:pPr hangingPunct="0"/>
+              <a:t>Para </a:t>
+            </a:r>
+            <a:r>
+              <a:rPr lang="pt-BR" dirty="0"/>
+              <a:t>resolver este requisito, foi adicionado </a:t>
+            </a:r>
+            <a:r>
+              <a:rPr lang="pt-BR" dirty="0" err="1" smtClean="0"/>
+              <a:t>balanceador</a:t>
+            </a:r>
+            <a:r>
+              <a:rPr lang="pt-BR" dirty="0" smtClean="0"/>
+              <a:t> </a:t>
+            </a:r>
+            <a:r>
+              <a:rPr lang="pt-BR" dirty="0"/>
+              <a:t>de </a:t>
+            </a:r>
+            <a:r>
+              <a:rPr lang="pt-BR" dirty="0" smtClean="0"/>
+              <a:t>carga.</a:t>
+            </a:r>
             <a:endParaRPr lang="pt-BR" dirty="0"/>
           </a:p>
           <a:p>
@@ -13572,7 +13867,7 @@
     </p:spTree>
     <p:extLst>
       <p:ext uri="{BB962C8B-B14F-4D97-AF65-F5344CB8AC3E}">
-        <p14:creationId xmlns:p14="http://schemas.microsoft.com/office/powerpoint/2010/main" val="3404476178"/>
+        <p14:creationId xmlns:p14="http://schemas.microsoft.com/office/powerpoint/2010/main" val="3970051832"/>
       </p:ext>
     </p:extLst>
   </p:cSld>
@@ -13738,6 +14033,13 @@
   <p:clrMapOvr>
     <a:masterClrMapping/>
   </p:clrMapOvr>
+  <p:timing>
+    <p:tnLst>
+      <p:par>
+        <p:cTn id="1" dur="indefinite" restart="never" nodeType="tmRoot"/>
+      </p:par>
+    </p:tnLst>
+  </p:timing>
 </p:sld>
 </file>
 
@@ -13765,7 +14067,7 @@
             <a:spLocks noGrp="1"/>
           </p:cNvSpPr>
           <p:nvPr>
-            <p:ph type="ctrTitle"/>
+            <p:ph type="title"/>
           </p:nvPr>
         </p:nvSpPr>
         <p:spPr/>
@@ -13775,7 +14077,7 @@
           <a:p>
             <a:r>
               <a:rPr lang="pt-BR" dirty="0" smtClean="0"/>
-              <a:t>Considerações Finais</a:t>
+              <a:t>Experimento 2</a:t>
             </a:r>
             <a:endParaRPr lang="pt-BR" dirty="0"/>
           </a:p>
@@ -13783,27 +14085,174 @@
       </p:sp>
       <p:sp>
         <p:nvSpPr>
-          <p:cNvPr id="3" name="Subtítulo 2"/>
-          <p:cNvSpPr>
-            <a:spLocks noGrp="1"/>
-          </p:cNvSpPr>
-          <p:nvPr>
-            <p:ph type="subTitle" idx="1"/>
+          <p:cNvPr id="3" name="Espaço Reservado para Conteúdo 2"/>
+          <p:cNvSpPr>
+            <a:spLocks noGrp="1"/>
+          </p:cNvSpPr>
+          <p:nvPr>
+            <p:ph idx="1"/>
           </p:nvPr>
         </p:nvSpPr>
         <p:spPr/>
         <p:txBody>
-          <a:bodyPr/>
-          <a:lstStyle/>
-          <a:p>
-            <a:endParaRPr lang="pt-BR"/>
+          <a:bodyPr>
+            <a:normAutofit/>
+          </a:bodyPr>
+          <a:lstStyle/>
+          <a:p>
+            <a:r>
+              <a:rPr lang="pt-BR" dirty="0"/>
+              <a:t>Rede </a:t>
+            </a:r>
+            <a:r>
+              <a:rPr lang="pt-BR" dirty="0" smtClean="0"/>
+              <a:t>Interna e </a:t>
+            </a:r>
+            <a:r>
+              <a:rPr lang="pt-BR" dirty="0" err="1" smtClean="0"/>
+              <a:t>Cloud</a:t>
+            </a:r>
+            <a:r>
+              <a:rPr lang="pt-BR" dirty="0" smtClean="0"/>
+              <a:t> </a:t>
+            </a:r>
+            <a:r>
+              <a:rPr lang="pt-BR" dirty="0" err="1" smtClean="0"/>
+              <a:t>Azure</a:t>
+            </a:r>
+            <a:r>
+              <a:rPr lang="pt-BR" dirty="0" smtClean="0"/>
+              <a:t>.</a:t>
+            </a:r>
+            <a:endParaRPr lang="pt-BR" dirty="0"/>
+          </a:p>
+          <a:p>
+            <a:r>
+              <a:rPr lang="pt-BR" dirty="0"/>
+              <a:t>Data: </a:t>
+            </a:r>
+            <a:r>
+              <a:rPr lang="pt-BR" dirty="0" smtClean="0"/>
+              <a:t>01 </a:t>
+            </a:r>
+            <a:r>
+              <a:rPr lang="pt-BR" dirty="0"/>
+              <a:t>de </a:t>
+            </a:r>
+            <a:r>
+              <a:rPr lang="pt-BR" dirty="0" smtClean="0"/>
+              <a:t>agosto de 2017.</a:t>
+            </a:r>
+            <a:endParaRPr lang="pt-BR" dirty="0"/>
+          </a:p>
+          <a:p>
+            <a:r>
+              <a:rPr lang="pt-BR" dirty="0"/>
+              <a:t>Horário: 19h às 21h30.</a:t>
+            </a:r>
+          </a:p>
+          <a:p>
+            <a:r>
+              <a:rPr lang="pt-BR" dirty="0"/>
+              <a:t>Quantidade de Alunos: </a:t>
+            </a:r>
+            <a:r>
+              <a:rPr lang="pt-BR" dirty="0" smtClean="0"/>
+              <a:t>150</a:t>
+            </a:r>
+            <a:r>
+              <a:rPr lang="pt-BR" dirty="0"/>
+              <a:t>.</a:t>
+            </a:r>
+          </a:p>
+          <a:p>
+            <a:r>
+              <a:rPr lang="pt-BR" dirty="0"/>
+              <a:t>Localidade: FATEC São José dos </a:t>
+            </a:r>
+            <a:r>
+              <a:rPr lang="pt-BR" dirty="0" smtClean="0"/>
+              <a:t>Campos.</a:t>
+            </a:r>
+            <a:endParaRPr lang="pt-BR" dirty="0"/>
+          </a:p>
+          <a:p>
+            <a:pPr hangingPunct="0"/>
+            <a:r>
+              <a:rPr lang="pt-BR" dirty="0"/>
+              <a:t>Resultado: </a:t>
+            </a:r>
+            <a:endParaRPr lang="pt-BR" dirty="0" smtClean="0"/>
+          </a:p>
+          <a:p>
+            <a:pPr lvl="1" hangingPunct="0"/>
+            <a:r>
+              <a:rPr lang="pt-BR" dirty="0" smtClean="0"/>
+              <a:t>Monitorar o </a:t>
+            </a:r>
+            <a:r>
+              <a:rPr lang="pt-BR" dirty="0"/>
+              <a:t>acesso a plataforma </a:t>
+            </a:r>
+            <a:r>
+              <a:rPr lang="pt-BR" dirty="0" smtClean="0"/>
+              <a:t>e os recursos </a:t>
+            </a:r>
+            <a:r>
+              <a:rPr lang="pt-BR" dirty="0"/>
+              <a:t>utilizados pelo servidor. </a:t>
+            </a:r>
+          </a:p>
+          <a:p>
+            <a:pPr lvl="1" hangingPunct="0"/>
+            <a:r>
+              <a:rPr lang="pt-BR" dirty="0" smtClean="0"/>
+              <a:t>Arquitetura dividida.</a:t>
+            </a:r>
+            <a:endParaRPr lang="pt-BR" dirty="0"/>
+          </a:p>
+          <a:p>
+            <a:endParaRPr lang="pt-BR" dirty="0"/>
+          </a:p>
+        </p:txBody>
+      </p:sp>
+      <p:sp>
+        <p:nvSpPr>
+          <p:cNvPr id="4" name="Retângulo 3"/>
+          <p:cNvSpPr/>
+          <p:nvPr/>
+        </p:nvSpPr>
+        <p:spPr>
+          <a:xfrm>
+            <a:off x="680321" y="250521"/>
+            <a:ext cx="1569917" cy="369332"/>
+          </a:xfrm>
+          <a:prstGeom prst="rect">
+            <a:avLst/>
+          </a:prstGeom>
+        </p:spPr>
+        <p:txBody>
+          <a:bodyPr wrap="none">
+            <a:spAutoFit/>
+          </a:bodyPr>
+          <a:lstStyle/>
+          <a:p>
+            <a:pPr marL="285750" indent="-285750">
+              <a:buFont typeface="Arial" panose="020B0604020202020204" pitchFamily="34" charset="0"/>
+              <a:buChar char="•"/>
+            </a:pPr>
+            <a:r>
+              <a:rPr lang="pt-BR" dirty="0" smtClean="0"/>
+              <a:t>Resultados</a:t>
+            </a:r>
+            <a:endParaRPr lang="pt-BR" dirty="0"/>
           </a:p>
         </p:txBody>
       </p:sp>
     </p:spTree>
     <p:extLst>
       <p:ext uri="{BB962C8B-B14F-4D97-AF65-F5344CB8AC3E}">
-        <p14:creationId xmlns:p14="http://schemas.microsoft.com/office/powerpoint/2010/main" val="4192372709"/>
+        <p14:creationId xmlns:p14="http://schemas.microsoft.com/office/powerpoint/2010/main" val="3404476178"/>
       </p:ext>
     </p:extLst>
   </p:cSld>
@@ -13837,7 +14286,7 @@
             <a:spLocks noGrp="1"/>
           </p:cNvSpPr>
           <p:nvPr>
-            <p:ph type="title"/>
+            <p:ph type="ctrTitle"/>
           </p:nvPr>
         </p:nvSpPr>
         <p:spPr/>
@@ -13847,7 +14296,7 @@
           <a:p>
             <a:r>
               <a:rPr lang="pt-BR" dirty="0" smtClean="0"/>
-              <a:t>Trabalhos Futuros</a:t>
+              <a:t>Considerações Finais</a:t>
             </a:r>
             <a:endParaRPr lang="pt-BR" dirty="0"/>
           </a:p>
@@ -13855,153 +14304,27 @@
       </p:sp>
       <p:sp>
         <p:nvSpPr>
-          <p:cNvPr id="3" name="Espaço Reservado para Conteúdo 2"/>
-          <p:cNvSpPr>
-            <a:spLocks noGrp="1"/>
-          </p:cNvSpPr>
-          <p:nvPr>
-            <p:ph idx="1"/>
+          <p:cNvPr id="3" name="Subtítulo 2"/>
+          <p:cNvSpPr>
+            <a:spLocks noGrp="1"/>
+          </p:cNvSpPr>
+          <p:nvPr>
+            <p:ph type="subTitle" idx="1"/>
           </p:nvPr>
         </p:nvSpPr>
         <p:spPr/>
         <p:txBody>
-          <a:bodyPr>
-            <a:normAutofit fontScale="92500" lnSpcReduction="20000"/>
-          </a:bodyPr>
-          <a:lstStyle/>
-          <a:p>
-            <a:r>
-              <a:rPr lang="pt-BR" dirty="0" smtClean="0"/>
-              <a:t>Alterar </a:t>
-            </a:r>
-            <a:r>
-              <a:rPr lang="pt-BR" dirty="0"/>
-              <a:t>o Servidor de Gerenciador de Repositório para privado, como por exemplo o </a:t>
-            </a:r>
-            <a:r>
-              <a:rPr lang="pt-BR" dirty="0" err="1"/>
-              <a:t>Git</a:t>
-            </a:r>
-            <a:r>
-              <a:rPr lang="pt-BR" dirty="0"/>
-              <a:t> </a:t>
-            </a:r>
-            <a:r>
-              <a:rPr lang="pt-BR" dirty="0" err="1"/>
-              <a:t>Lab</a:t>
-            </a:r>
-            <a:r>
-              <a:rPr lang="pt-BR" dirty="0"/>
-              <a:t>, que permite a realização do processo de Integração </a:t>
-            </a:r>
-            <a:r>
-              <a:rPr lang="pt-BR" dirty="0" smtClean="0"/>
-              <a:t>Contínua.</a:t>
-            </a:r>
-          </a:p>
-          <a:p>
-            <a:r>
-              <a:rPr lang="pt-BR" dirty="0"/>
-              <a:t>Excluir imagens não utilizadas das cenas quando são editadas, não gerando acumulo de arquivos não utilizados no servidor.</a:t>
-            </a:r>
-          </a:p>
-          <a:p>
-            <a:r>
-              <a:rPr lang="pt-BR" dirty="0"/>
-              <a:t>Deixar flexível o arquivo </a:t>
-            </a:r>
-            <a:r>
-              <a:rPr lang="pt-BR" i="1" dirty="0" err="1"/>
-              <a:t>application.properties</a:t>
-            </a:r>
-            <a:r>
-              <a:rPr lang="pt-BR" dirty="0"/>
-              <a:t> da aplicação </a:t>
-            </a:r>
-            <a:r>
-              <a:rPr lang="pt-BR" i="1" dirty="0" err="1"/>
-              <a:t>back-end</a:t>
-            </a:r>
-            <a:r>
-              <a:rPr lang="pt-BR" i="1" dirty="0"/>
-              <a:t> </a:t>
-            </a:r>
-            <a:r>
-              <a:rPr lang="pt-BR" dirty="0"/>
-              <a:t>para configuração do local onde ficarão as imagens das cenas dos jogos. </a:t>
-            </a:r>
-          </a:p>
-          <a:p>
-            <a:r>
-              <a:rPr lang="pt-BR" dirty="0"/>
-              <a:t>Separar do Servidor de Banco de Dados em outro servidor para garantir a integridade e disponibilidade.</a:t>
-            </a:r>
-          </a:p>
-          <a:p>
-            <a:r>
-              <a:rPr lang="pt-BR" dirty="0"/>
-              <a:t>Implementar uma arquitetura de clusters utilizando do </a:t>
-            </a:r>
-            <a:r>
-              <a:rPr lang="pt-BR" dirty="0" err="1"/>
-              <a:t>Docker</a:t>
-            </a:r>
-            <a:r>
-              <a:rPr lang="pt-BR" dirty="0"/>
-              <a:t> </a:t>
-            </a:r>
-            <a:r>
-              <a:rPr lang="pt-BR" dirty="0" err="1"/>
-              <a:t>Swarm</a:t>
-            </a:r>
-            <a:r>
-              <a:rPr lang="pt-BR" dirty="0"/>
-              <a:t>, onde vários computadores trabalham juntos afim de garantir desempenho e disponibilidade da plataforma.</a:t>
-            </a:r>
-            <a:endParaRPr lang="pt-BR" dirty="0" smtClean="0"/>
-          </a:p>
-          <a:p>
-            <a:endParaRPr lang="pt-BR" dirty="0"/>
-          </a:p>
-        </p:txBody>
-      </p:sp>
-      <p:sp>
-        <p:nvSpPr>
-          <p:cNvPr id="4" name="Retângulo 3"/>
-          <p:cNvSpPr/>
-          <p:nvPr/>
-        </p:nvSpPr>
-        <p:spPr>
-          <a:xfrm>
-            <a:off x="680321" y="250521"/>
-            <a:ext cx="2606804" cy="369332"/>
-          </a:xfrm>
-          <a:prstGeom prst="rect">
-            <a:avLst/>
-          </a:prstGeom>
-        </p:spPr>
-        <p:txBody>
-          <a:bodyPr wrap="none">
-            <a:spAutoFit/>
-          </a:bodyPr>
-          <a:lstStyle/>
-          <a:p>
-            <a:pPr marL="285750" indent="-285750">
-              <a:buFont typeface="Arial" panose="020B0604020202020204" pitchFamily="34" charset="0"/>
-              <a:buChar char="•"/>
-            </a:pPr>
-            <a:r>
-              <a:rPr lang="pt-BR" dirty="0" smtClean="0"/>
-              <a:t>Considerações Finais</a:t>
-            </a:r>
-            <a:endParaRPr lang="pt-BR" dirty="0"/>
+          <a:bodyPr/>
+          <a:lstStyle/>
+          <a:p>
+            <a:endParaRPr lang="pt-BR"/>
           </a:p>
         </p:txBody>
       </p:sp>
     </p:spTree>
     <p:extLst>
       <p:ext uri="{BB962C8B-B14F-4D97-AF65-F5344CB8AC3E}">
-        <p14:creationId xmlns:p14="http://schemas.microsoft.com/office/powerpoint/2010/main" val="671967937"/>
+        <p14:creationId xmlns:p14="http://schemas.microsoft.com/office/powerpoint/2010/main" val="4192372709"/>
       </p:ext>
     </p:extLst>
   </p:cSld>
@@ -14045,6 +14368,215 @@
           <a:p>
             <a:r>
               <a:rPr lang="pt-BR" dirty="0" smtClean="0"/>
+              <a:t>Trabalhos Futuros</a:t>
+            </a:r>
+            <a:endParaRPr lang="pt-BR" dirty="0"/>
+          </a:p>
+        </p:txBody>
+      </p:sp>
+      <p:sp>
+        <p:nvSpPr>
+          <p:cNvPr id="3" name="Espaço Reservado para Conteúdo 2"/>
+          <p:cNvSpPr>
+            <a:spLocks noGrp="1"/>
+          </p:cNvSpPr>
+          <p:nvPr>
+            <p:ph idx="1"/>
+          </p:nvPr>
+        </p:nvSpPr>
+        <p:spPr/>
+        <p:txBody>
+          <a:bodyPr>
+            <a:normAutofit/>
+          </a:bodyPr>
+          <a:lstStyle/>
+          <a:p>
+            <a:r>
+              <a:rPr lang="pt-BR" dirty="0" smtClean="0"/>
+              <a:t>Alterar </a:t>
+            </a:r>
+            <a:r>
+              <a:rPr lang="pt-BR" dirty="0"/>
+              <a:t>o Servidor de </a:t>
+            </a:r>
+            <a:r>
+              <a:rPr lang="pt-BR" dirty="0" smtClean="0"/>
+              <a:t>Controle de Versão para </a:t>
+            </a:r>
+            <a:r>
+              <a:rPr lang="pt-BR" dirty="0" err="1" smtClean="0"/>
+              <a:t>GitLab</a:t>
+            </a:r>
+            <a:r>
+              <a:rPr lang="pt-BR" dirty="0" smtClean="0"/>
+              <a:t>.</a:t>
+            </a:r>
+            <a:endParaRPr lang="pt-BR" dirty="0" smtClean="0"/>
+          </a:p>
+          <a:p>
+            <a:r>
+              <a:rPr lang="pt-BR" dirty="0" smtClean="0"/>
+              <a:t>Deixar </a:t>
+            </a:r>
+            <a:r>
+              <a:rPr lang="pt-BR" dirty="0"/>
+              <a:t>flexível o arquivo </a:t>
+            </a:r>
+            <a:r>
+              <a:rPr lang="pt-BR" i="1" dirty="0" err="1"/>
+              <a:t>application.properties</a:t>
+            </a:r>
+            <a:r>
+              <a:rPr lang="pt-BR" dirty="0"/>
+              <a:t> da aplicação </a:t>
+            </a:r>
+            <a:r>
+              <a:rPr lang="pt-BR" i="1" dirty="0" err="1"/>
+              <a:t>back-end</a:t>
+            </a:r>
+            <a:r>
+              <a:rPr lang="pt-BR" i="1" dirty="0"/>
+              <a:t> </a:t>
+            </a:r>
+            <a:r>
+              <a:rPr lang="pt-BR" dirty="0"/>
+              <a:t>para configuração do local onde ficarão as imagens das cenas dos jogos. </a:t>
+            </a:r>
+          </a:p>
+          <a:p>
+            <a:r>
+              <a:rPr lang="pt-BR" dirty="0"/>
+              <a:t>Separar do Servidor de Banco de Dados </a:t>
+            </a:r>
+            <a:r>
+              <a:rPr lang="pt-BR" dirty="0" smtClean="0"/>
+              <a:t>para </a:t>
+            </a:r>
+            <a:r>
+              <a:rPr lang="pt-BR" dirty="0"/>
+              <a:t>garantir a integridade e disponibilidade.</a:t>
+            </a:r>
+          </a:p>
+          <a:p>
+            <a:r>
+              <a:rPr lang="pt-BR" dirty="0"/>
+              <a:t>Implementar uma arquitetura de clusters utilizando do </a:t>
+            </a:r>
+            <a:r>
+              <a:rPr lang="pt-BR" dirty="0" err="1"/>
+              <a:t>Docker</a:t>
+            </a:r>
+            <a:r>
+              <a:rPr lang="pt-BR" dirty="0"/>
+              <a:t> </a:t>
+            </a:r>
+            <a:r>
+              <a:rPr lang="pt-BR" dirty="0" err="1" smtClean="0"/>
+              <a:t>Swarm</a:t>
+            </a:r>
+            <a:r>
+              <a:rPr lang="pt-BR" dirty="0" smtClean="0"/>
+              <a:t> ou </a:t>
+            </a:r>
+            <a:r>
+              <a:rPr lang="pt-BR" dirty="0" err="1" smtClean="0"/>
+              <a:t>Kubernets</a:t>
+            </a:r>
+            <a:r>
+              <a:rPr lang="pt-BR" dirty="0" smtClean="0"/>
+              <a:t>, </a:t>
+            </a:r>
+            <a:r>
+              <a:rPr lang="pt-BR" dirty="0"/>
+              <a:t>onde vários computadores trabalham juntos afim de garantir desempenho e disponibilidade da plataforma.</a:t>
+            </a:r>
+            <a:endParaRPr lang="pt-BR" dirty="0" smtClean="0"/>
+          </a:p>
+          <a:p>
+            <a:endParaRPr lang="pt-BR" dirty="0"/>
+          </a:p>
+        </p:txBody>
+      </p:sp>
+      <p:sp>
+        <p:nvSpPr>
+          <p:cNvPr id="4" name="Retângulo 3"/>
+          <p:cNvSpPr/>
+          <p:nvPr/>
+        </p:nvSpPr>
+        <p:spPr>
+          <a:xfrm>
+            <a:off x="680321" y="250521"/>
+            <a:ext cx="2606804" cy="369332"/>
+          </a:xfrm>
+          <a:prstGeom prst="rect">
+            <a:avLst/>
+          </a:prstGeom>
+        </p:spPr>
+        <p:txBody>
+          <a:bodyPr wrap="none">
+            <a:spAutoFit/>
+          </a:bodyPr>
+          <a:lstStyle/>
+          <a:p>
+            <a:pPr marL="285750" indent="-285750">
+              <a:buFont typeface="Arial" panose="020B0604020202020204" pitchFamily="34" charset="0"/>
+              <a:buChar char="•"/>
+            </a:pPr>
+            <a:r>
+              <a:rPr lang="pt-BR" dirty="0" smtClean="0"/>
+              <a:t>Considerações Finais</a:t>
+            </a:r>
+            <a:endParaRPr lang="pt-BR" dirty="0"/>
+          </a:p>
+        </p:txBody>
+      </p:sp>
+    </p:spTree>
+    <p:extLst>
+      <p:ext uri="{BB962C8B-B14F-4D97-AF65-F5344CB8AC3E}">
+        <p14:creationId xmlns:p14="http://schemas.microsoft.com/office/powerpoint/2010/main" val="671967937"/>
+      </p:ext>
+    </p:extLst>
+  </p:cSld>
+  <p:clrMapOvr>
+    <a:masterClrMapping/>
+  </p:clrMapOvr>
+</p:sld>
+</file>
+
+<file path=ppt/slides/slide43.xml><?xml version="1.0" encoding="utf-8"?>
+<p:sld xmlns:a="http://schemas.openxmlformats.org/drawingml/2006/main" xmlns:r="http://schemas.openxmlformats.org/officeDocument/2006/relationships" xmlns:p="http://schemas.openxmlformats.org/presentationml/2006/main">
+  <p:cSld>
+    <p:spTree>
+      <p:nvGrpSpPr>
+        <p:cNvPr id="1" name=""/>
+        <p:cNvGrpSpPr/>
+        <p:nvPr/>
+      </p:nvGrpSpPr>
+      <p:grpSpPr>
+        <a:xfrm>
+          <a:off x="0" y="0"/>
+          <a:ext cx="0" cy="0"/>
+          <a:chOff x="0" y="0"/>
+          <a:chExt cx="0" cy="0"/>
+        </a:xfrm>
+      </p:grpSpPr>
+      <p:sp>
+        <p:nvSpPr>
+          <p:cNvPr id="2" name="Título 1"/>
+          <p:cNvSpPr>
+            <a:spLocks noGrp="1"/>
+          </p:cNvSpPr>
+          <p:nvPr>
+            <p:ph type="title"/>
+          </p:nvPr>
+        </p:nvSpPr>
+        <p:spPr/>
+        <p:txBody>
+          <a:bodyPr/>
+          <a:lstStyle/>
+          <a:p>
+            <a:r>
+              <a:rPr lang="pt-BR" dirty="0" smtClean="0"/>
               <a:t>Agradecimentos</a:t>
             </a:r>
             <a:endParaRPr lang="pt-BR" dirty="0"/>
@@ -14064,7 +14596,7 @@
         <p:spPr/>
         <p:txBody>
           <a:bodyPr>
-            <a:normAutofit fontScale="85000" lnSpcReduction="10000"/>
+            <a:normAutofit lnSpcReduction="10000"/>
           </a:bodyPr>
           <a:lstStyle/>
           <a:p>
@@ -14110,26 +14642,11 @@
             </a:r>
             <a:r>
               <a:rPr lang="pt-BR" dirty="0"/>
-              <a:t>, por todo apoio.</a:t>
-            </a:r>
-          </a:p>
-          <a:p>
-            <a:pPr algn="just">
-              <a:lnSpc>
-                <a:spcPct val="150000"/>
-              </a:lnSpc>
-            </a:pPr>
-            <a:r>
-              <a:rPr lang="pt-BR" dirty="0"/>
-              <a:t>Ao prof. Me. Giuliano Araújo </a:t>
-            </a:r>
-            <a:r>
-              <a:rPr lang="pt-BR" dirty="0" err="1"/>
-              <a:t>Bertoti</a:t>
-            </a:r>
-            <a:r>
-              <a:rPr lang="pt-BR" dirty="0"/>
-              <a:t>, pela iniciativa deste tema.</a:t>
+              <a:t>, por todo </a:t>
+            </a:r>
+            <a:r>
+              <a:rPr lang="pt-BR" dirty="0" smtClean="0"/>
+              <a:t>apoio.</a:t>
             </a:r>
           </a:p>
           <a:p>
@@ -14220,7 +14737,7 @@
 </p:sld>
 </file>
 
-<file path=ppt/slides/slide43.xml><?xml version="1.0" encoding="utf-8"?>
+<file path=ppt/slides/slide44.xml><?xml version="1.0" encoding="utf-8"?>
 <p:sld xmlns:a="http://schemas.openxmlformats.org/drawingml/2006/main" xmlns:r="http://schemas.openxmlformats.org/officeDocument/2006/relationships" xmlns:p="http://schemas.openxmlformats.org/presentationml/2006/main">
   <p:cSld>
     <p:spTree>
@@ -14459,6 +14976,13 @@
   <p:clrMapOvr>
     <a:masterClrMapping/>
   </p:clrMapOvr>
+  <p:timing>
+    <p:tnLst>
+      <p:par>
+        <p:cTn id="1" dur="indefinite" restart="never" nodeType="tmRoot"/>
+      </p:par>
+    </p:tnLst>
+  </p:timing>
 </p:sld>
 </file>
 
@@ -14581,6 +15105,13 @@
   <p:clrMapOvr>
     <a:masterClrMapping/>
   </p:clrMapOvr>
+  <p:timing>
+    <p:tnLst>
+      <p:par>
+        <p:cTn id="1" dur="indefinite" restart="never" nodeType="tmRoot"/>
+      </p:par>
+    </p:tnLst>
+  </p:timing>
 </p:sld>
 </file>
 
@@ -14621,8 +15152,8 @@
               <a:t>Levantamento de </a:t>
             </a:r>
             <a:r>
-              <a:rPr lang="pt-BR" dirty="0" err="1" smtClean="0"/>
-              <a:t>Requisistos</a:t>
+              <a:rPr lang="pt-BR" dirty="0" smtClean="0"/>
+              <a:t>Requisitos</a:t>
             </a:r>
             <a:endParaRPr lang="pt-BR" dirty="0"/>
           </a:p>
@@ -14657,6 +15188,13 @@
   <p:clrMapOvr>
     <a:masterClrMapping/>
   </p:clrMapOvr>
+  <p:timing>
+    <p:tnLst>
+      <p:par>
+        <p:cTn id="1" dur="indefinite" restart="never" nodeType="tmRoot"/>
+      </p:par>
+    </p:tnLst>
+  </p:timing>
 </p:sld>
 </file>
 
@@ -14771,6 +15309,13 @@
   <p:clrMapOvr>
     <a:masterClrMapping/>
   </p:clrMapOvr>
+  <p:timing>
+    <p:tnLst>
+      <p:par>
+        <p:cTn id="1" dur="indefinite" restart="never" nodeType="tmRoot"/>
+      </p:par>
+    </p:tnLst>
+  </p:timing>
 </p:sld>
 </file>
 
@@ -14905,6 +15450,13 @@
   <p:clrMapOvr>
     <a:masterClrMapping/>
   </p:clrMapOvr>
+  <p:timing>
+    <p:tnLst>
+      <p:par>
+        <p:cTn id="1" dur="indefinite" restart="never" nodeType="tmRoot"/>
+      </p:par>
+    </p:tnLst>
+  </p:timing>
 </p:sld>
 </file>
 

--- a/Docs/Apresentação.pptx
+++ b/Docs/Apresentação.pptx
@@ -5,7 +5,7 @@
     <p:sldMasterId id="2147483785" r:id="rId1"/>
   </p:sldMasterIdLst>
   <p:notesMasterIdLst>
-    <p:notesMasterId r:id="rId46"/>
+    <p:notesMasterId r:id="rId45"/>
   </p:notesMasterIdLst>
   <p:sldIdLst>
     <p:sldId id="256" r:id="rId2"/>
@@ -18,40 +18,39 @@
     <p:sldId id="265" r:id="rId9"/>
     <p:sldId id="266" r:id="rId10"/>
     <p:sldId id="267" r:id="rId11"/>
-    <p:sldId id="280" r:id="rId12"/>
-    <p:sldId id="281" r:id="rId13"/>
-    <p:sldId id="282" r:id="rId14"/>
-    <p:sldId id="283" r:id="rId15"/>
-    <p:sldId id="284" r:id="rId16"/>
-    <p:sldId id="285" r:id="rId17"/>
-    <p:sldId id="268" r:id="rId18"/>
+    <p:sldId id="281" r:id="rId12"/>
+    <p:sldId id="282" r:id="rId13"/>
+    <p:sldId id="283" r:id="rId14"/>
+    <p:sldId id="284" r:id="rId15"/>
+    <p:sldId id="285" r:id="rId16"/>
+    <p:sldId id="268" r:id="rId17"/>
+    <p:sldId id="304" r:id="rId18"/>
     <p:sldId id="269" r:id="rId19"/>
-    <p:sldId id="304" r:id="rId20"/>
-    <p:sldId id="270" r:id="rId21"/>
-    <p:sldId id="301" r:id="rId22"/>
-    <p:sldId id="271" r:id="rId23"/>
-    <p:sldId id="272" r:id="rId24"/>
-    <p:sldId id="286" r:id="rId25"/>
-    <p:sldId id="287" r:id="rId26"/>
-    <p:sldId id="288" r:id="rId27"/>
-    <p:sldId id="289" r:id="rId28"/>
-    <p:sldId id="290" r:id="rId29"/>
-    <p:sldId id="302" r:id="rId30"/>
-    <p:sldId id="291" r:id="rId31"/>
-    <p:sldId id="292" r:id="rId32"/>
-    <p:sldId id="303" r:id="rId33"/>
-    <p:sldId id="293" r:id="rId34"/>
-    <p:sldId id="294" r:id="rId35"/>
-    <p:sldId id="295" r:id="rId36"/>
-    <p:sldId id="297" r:id="rId37"/>
-    <p:sldId id="273" r:id="rId38"/>
-    <p:sldId id="274" r:id="rId39"/>
-    <p:sldId id="298" r:id="rId40"/>
-    <p:sldId id="299" r:id="rId41"/>
-    <p:sldId id="275" r:id="rId42"/>
-    <p:sldId id="276" r:id="rId43"/>
-    <p:sldId id="300" r:id="rId44"/>
-    <p:sldId id="279" r:id="rId45"/>
+    <p:sldId id="270" r:id="rId20"/>
+    <p:sldId id="301" r:id="rId21"/>
+    <p:sldId id="271" r:id="rId22"/>
+    <p:sldId id="272" r:id="rId23"/>
+    <p:sldId id="286" r:id="rId24"/>
+    <p:sldId id="287" r:id="rId25"/>
+    <p:sldId id="288" r:id="rId26"/>
+    <p:sldId id="289" r:id="rId27"/>
+    <p:sldId id="290" r:id="rId28"/>
+    <p:sldId id="302" r:id="rId29"/>
+    <p:sldId id="291" r:id="rId30"/>
+    <p:sldId id="292" r:id="rId31"/>
+    <p:sldId id="303" r:id="rId32"/>
+    <p:sldId id="293" r:id="rId33"/>
+    <p:sldId id="294" r:id="rId34"/>
+    <p:sldId id="295" r:id="rId35"/>
+    <p:sldId id="297" r:id="rId36"/>
+    <p:sldId id="273" r:id="rId37"/>
+    <p:sldId id="274" r:id="rId38"/>
+    <p:sldId id="298" r:id="rId39"/>
+    <p:sldId id="299" r:id="rId40"/>
+    <p:sldId id="275" r:id="rId41"/>
+    <p:sldId id="276" r:id="rId42"/>
+    <p:sldId id="300" r:id="rId43"/>
+    <p:sldId id="279" r:id="rId44"/>
   </p:sldIdLst>
   <p:sldSz cx="12192000" cy="6858000"/>
   <p:notesSz cx="6858000" cy="9144000"/>
@@ -158,6 +157,180 @@
 </p:presentation>
 </file>
 
+<file path=ppt/changesInfos/changesInfo1.xml><?xml version="1.0" encoding="utf-8"?>
+<pc:chgInfo xmlns:a="http://schemas.openxmlformats.org/drawingml/2006/main" xmlns:r="http://schemas.openxmlformats.org/officeDocument/2006/relationships" xmlns:ac="http://schemas.microsoft.com/office/drawing/2013/main/command" xmlns:pc="http://schemas.microsoft.com/office/powerpoint/2013/main/command">
+  <pc:docChgLst>
+    <pc:chgData clId="Web-{46E6549D-3037-4798-8ECA-62FFC15936D8}"/>
+    <pc:docChg chg="modSld">
+      <pc:chgData name="" userId="" providerId="" clId="Web-{46E6549D-3037-4798-8ECA-62FFC15936D8}" dt="2017-12-12T15:40:26.176" v="201"/>
+      <pc:docMkLst>
+        <pc:docMk/>
+      </pc:docMkLst>
+      <pc:sldChg chg="modSp">
+        <pc:chgData name="" userId="" providerId="" clId="Web-{46E6549D-3037-4798-8ECA-62FFC15936D8}" dt="2017-12-12T15:17:57.133" v="4"/>
+        <pc:sldMkLst>
+          <pc:docMk/>
+          <pc:sldMk cId="572130673" sldId="281"/>
+        </pc:sldMkLst>
+        <pc:spChg chg="mod">
+          <ac:chgData name="" userId="" providerId="" clId="Web-{46E6549D-3037-4798-8ECA-62FFC15936D8}" dt="2017-12-12T15:17:57.133" v="4"/>
+          <ac:spMkLst>
+            <pc:docMk/>
+            <pc:sldMk cId="572130673" sldId="281"/>
+            <ac:spMk id="3" creationId="{00000000-0000-0000-0000-000000000000}"/>
+          </ac:spMkLst>
+        </pc:spChg>
+      </pc:sldChg>
+      <pc:sldChg chg="modSp">
+        <pc:chgData name="" userId="" providerId="" clId="Web-{46E6549D-3037-4798-8ECA-62FFC15936D8}" dt="2017-12-12T15:18:30.447" v="31"/>
+        <pc:sldMkLst>
+          <pc:docMk/>
+          <pc:sldMk cId="2857918926" sldId="282"/>
+        </pc:sldMkLst>
+        <pc:spChg chg="mod">
+          <ac:chgData name="" userId="" providerId="" clId="Web-{46E6549D-3037-4798-8ECA-62FFC15936D8}" dt="2017-12-12T15:18:30.447" v="31"/>
+          <ac:spMkLst>
+            <pc:docMk/>
+            <pc:sldMk cId="2857918926" sldId="282"/>
+            <ac:spMk id="3" creationId="{00000000-0000-0000-0000-000000000000}"/>
+          </ac:spMkLst>
+        </pc:spChg>
+      </pc:sldChg>
+      <pc:sldChg chg="modSp">
+        <pc:chgData name="" userId="" providerId="" clId="Web-{46E6549D-3037-4798-8ECA-62FFC15936D8}" dt="2017-12-12T15:40:26.176" v="200"/>
+        <pc:sldMkLst>
+          <pc:docMk/>
+          <pc:sldMk cId="3480261159" sldId="283"/>
+        </pc:sldMkLst>
+        <pc:spChg chg="mod">
+          <ac:chgData name="" userId="" providerId="" clId="Web-{46E6549D-3037-4798-8ECA-62FFC15936D8}" dt="2017-12-12T15:40:26.176" v="200"/>
+          <ac:spMkLst>
+            <pc:docMk/>
+            <pc:sldMk cId="3480261159" sldId="283"/>
+            <ac:spMk id="3" creationId="{00000000-0000-0000-0000-000000000000}"/>
+          </ac:spMkLst>
+        </pc:spChg>
+        <pc:picChg chg="mod">
+          <ac:chgData name="" userId="" providerId="" clId="Web-{46E6549D-3037-4798-8ECA-62FFC15936D8}" dt="2017-12-12T15:24:29.253" v="178"/>
+          <ac:picMkLst>
+            <pc:docMk/>
+            <pc:sldMk cId="3480261159" sldId="283"/>
+            <ac:picMk id="4" creationId="{00000000-0000-0000-0000-000000000000}"/>
+          </ac:picMkLst>
+        </pc:picChg>
+      </pc:sldChg>
+    </pc:docChg>
+  </pc:docChgLst>
+  <pc:docChgLst>
+    <pc:chgData clId="Web-{09DEF65C-2891-4E18-8552-8EFA9FF3197A}"/>
+    <pc:docChg chg="delSld modSld">
+      <pc:chgData name="" userId="" providerId="" clId="Web-{09DEF65C-2891-4E18-8552-8EFA9FF3197A}" dt="2017-12-12T14:59:17.334" v="741"/>
+      <pc:docMkLst>
+        <pc:docMk/>
+      </pc:docMkLst>
+      <pc:sldChg chg="modSp">
+        <pc:chgData name="" userId="" providerId="" clId="Web-{09DEF65C-2891-4E18-8552-8EFA9FF3197A}" dt="2017-12-12T14:30:09.324" v="12"/>
+        <pc:sldMkLst>
+          <pc:docMk/>
+          <pc:sldMk cId="1431830665" sldId="261"/>
+        </pc:sldMkLst>
+        <pc:spChg chg="mod">
+          <ac:chgData name="" userId="" providerId="" clId="Web-{09DEF65C-2891-4E18-8552-8EFA9FF3197A}" dt="2017-12-12T14:30:09.324" v="12"/>
+          <ac:spMkLst>
+            <pc:docMk/>
+            <pc:sldMk cId="1431830665" sldId="261"/>
+            <ac:spMk id="3" creationId="{00000000-0000-0000-0000-000000000000}"/>
+          </ac:spMkLst>
+        </pc:spChg>
+      </pc:sldChg>
+      <pc:sldChg chg="modSp">
+        <pc:chgData name="" userId="" providerId="" clId="Web-{09DEF65C-2891-4E18-8552-8EFA9FF3197A}" dt="2017-12-12T14:31:28.335" v="71"/>
+        <pc:sldMkLst>
+          <pc:docMk/>
+          <pc:sldMk cId="655308488" sldId="266"/>
+        </pc:sldMkLst>
+        <pc:spChg chg="mod">
+          <ac:chgData name="" userId="" providerId="" clId="Web-{09DEF65C-2891-4E18-8552-8EFA9FF3197A}" dt="2017-12-12T14:31:28.335" v="71"/>
+          <ac:spMkLst>
+            <pc:docMk/>
+            <pc:sldMk cId="655308488" sldId="266"/>
+            <ac:spMk id="3" creationId="{00000000-0000-0000-0000-000000000000}"/>
+          </ac:spMkLst>
+        </pc:spChg>
+      </pc:sldChg>
+      <pc:sldChg chg="modSp">
+        <pc:chgData name="" userId="" providerId="" clId="Web-{09DEF65C-2891-4E18-8552-8EFA9FF3197A}" dt="2017-12-12T14:49:56.414" v="306"/>
+        <pc:sldMkLst>
+          <pc:docMk/>
+          <pc:sldMk cId="3655480647" sldId="267"/>
+        </pc:sldMkLst>
+        <pc:spChg chg="mod">
+          <ac:chgData name="" userId="" providerId="" clId="Web-{09DEF65C-2891-4E18-8552-8EFA9FF3197A}" dt="2017-12-12T14:49:56.414" v="306"/>
+          <ac:spMkLst>
+            <pc:docMk/>
+            <pc:sldMk cId="3655480647" sldId="267"/>
+            <ac:spMk id="2" creationId="{00000000-0000-0000-0000-000000000000}"/>
+          </ac:spMkLst>
+        </pc:spChg>
+        <pc:spChg chg="mod">
+          <ac:chgData name="" userId="" providerId="" clId="Web-{09DEF65C-2891-4E18-8552-8EFA9FF3197A}" dt="2017-12-12T14:44:17.193" v="269"/>
+          <ac:spMkLst>
+            <pc:docMk/>
+            <pc:sldMk cId="3655480647" sldId="267"/>
+            <ac:spMk id="3" creationId="{00000000-0000-0000-0000-000000000000}"/>
+          </ac:spMkLst>
+        </pc:spChg>
+      </pc:sldChg>
+      <pc:sldChg chg="modSp del">
+        <pc:chgData name="" userId="" providerId="" clId="Web-{09DEF65C-2891-4E18-8552-8EFA9FF3197A}" dt="2017-12-12T14:49:43.334" v="295"/>
+        <pc:sldMkLst>
+          <pc:docMk/>
+          <pc:sldMk cId="3182721344" sldId="280"/>
+        </pc:sldMkLst>
+        <pc:spChg chg="mod">
+          <ac:chgData name="" userId="" providerId="" clId="Web-{09DEF65C-2891-4E18-8552-8EFA9FF3197A}" dt="2017-12-12T14:49:19.026" v="293"/>
+          <ac:spMkLst>
+            <pc:docMk/>
+            <pc:sldMk cId="3182721344" sldId="280"/>
+            <ac:spMk id="3" creationId="{00000000-0000-0000-0000-000000000000}"/>
+          </ac:spMkLst>
+        </pc:spChg>
+      </pc:sldChg>
+      <pc:sldChg chg="modSp">
+        <pc:chgData name="" userId="" providerId="" clId="Web-{09DEF65C-2891-4E18-8552-8EFA9FF3197A}" dt="2017-12-12T14:56:18.046" v="591"/>
+        <pc:sldMkLst>
+          <pc:docMk/>
+          <pc:sldMk cId="572130673" sldId="281"/>
+        </pc:sldMkLst>
+        <pc:spChg chg="mod">
+          <ac:chgData name="" userId="" providerId="" clId="Web-{09DEF65C-2891-4E18-8552-8EFA9FF3197A}" dt="2017-12-12T14:56:18.046" v="591"/>
+          <ac:spMkLst>
+            <pc:docMk/>
+            <pc:sldMk cId="572130673" sldId="281"/>
+            <ac:spMk id="3" creationId="{00000000-0000-0000-0000-000000000000}"/>
+          </ac:spMkLst>
+        </pc:spChg>
+      </pc:sldChg>
+      <pc:sldChg chg="modSp">
+        <pc:chgData name="" userId="" providerId="" clId="Web-{09DEF65C-2891-4E18-8552-8EFA9FF3197A}" dt="2017-12-12T14:59:17.334" v="740"/>
+        <pc:sldMkLst>
+          <pc:docMk/>
+          <pc:sldMk cId="2857918926" sldId="282"/>
+        </pc:sldMkLst>
+        <pc:spChg chg="mod">
+          <ac:chgData name="" userId="" providerId="" clId="Web-{09DEF65C-2891-4E18-8552-8EFA9FF3197A}" dt="2017-12-12T14:59:17.334" v="740"/>
+          <ac:spMkLst>
+            <pc:docMk/>
+            <pc:sldMk cId="2857918926" sldId="282"/>
+            <ac:spMk id="3" creationId="{00000000-0000-0000-0000-000000000000}"/>
+          </ac:spMkLst>
+        </pc:spChg>
+      </pc:sldChg>
+    </pc:docChg>
+  </pc:docChgLst>
+</pc:chgInfo>
+</file>
+
 <file path=ppt/notesMasters/notesMaster1.xml><?xml version="1.0" encoding="utf-8"?>
 <p:notesMaster xmlns:a="http://schemas.openxmlformats.org/drawingml/2006/main" xmlns:r="http://schemas.openxmlformats.org/officeDocument/2006/relationships" xmlns:p="http://schemas.openxmlformats.org/presentationml/2006/main">
   <p:cSld>
@@ -240,7 +413,7 @@
           <a:p>
             <a:fld id="{CDED6E2B-49A8-4231-AE69-C6B89EC85462}" type="datetimeFigureOut">
               <a:rPr lang="pt-BR" smtClean="0"/>
-              <a:t>11/12/2017</a:t>
+              <a:t>12/12/2017</a:t>
             </a:fld>
             <a:endParaRPr lang="pt-BR"/>
           </a:p>
@@ -304,38 +477,37 @@
           <a:p>
             <a:pPr lvl="0"/>
             <a:r>
-              <a:rPr lang="pt-BR" smtClean="0"/>
+              <a:rPr lang="pt-BR"/>
               <a:t>Editar estilos de texto Mestre</a:t>
             </a:r>
           </a:p>
           <a:p>
             <a:pPr lvl="1"/>
             <a:r>
-              <a:rPr lang="pt-BR" smtClean="0"/>
+              <a:rPr lang="pt-BR"/>
               <a:t>Segundo nível</a:t>
             </a:r>
           </a:p>
           <a:p>
             <a:pPr lvl="2"/>
             <a:r>
-              <a:rPr lang="pt-BR" smtClean="0"/>
+              <a:rPr lang="pt-BR"/>
               <a:t>Terceiro nível</a:t>
             </a:r>
           </a:p>
           <a:p>
             <a:pPr lvl="3"/>
             <a:r>
-              <a:rPr lang="pt-BR" smtClean="0"/>
+              <a:rPr lang="pt-BR"/>
               <a:t>Quarto nível</a:t>
             </a:r>
           </a:p>
           <a:p>
             <a:pPr lvl="4"/>
             <a:r>
-              <a:rPr lang="pt-BR" smtClean="0"/>
+              <a:rPr lang="pt-BR"/>
               <a:t>Quinto nível</a:t>
             </a:r>
-            <a:endParaRPr lang="pt-BR"/>
           </a:p>
         </p:txBody>
       </p:sp>
@@ -691,7 +863,7 @@
           </a:lstStyle>
           <a:p>
             <a:r>
-              <a:rPr lang="pt-BR" smtClean="0"/>
+              <a:rPr lang="pt-BR"/>
               <a:t>Clique para editar o título mestre</a:t>
             </a:r>
             <a:endParaRPr lang="en-US" dirty="0"/>
@@ -758,7 +930,7 @@
           </a:lstStyle>
           <a:p>
             <a:r>
-              <a:rPr lang="pt-BR" smtClean="0"/>
+              <a:rPr lang="pt-BR"/>
               <a:t>Clique para editar o estilo do subtítulo Mestre</a:t>
             </a:r>
             <a:endParaRPr lang="en-US" dirty="0"/>
@@ -782,7 +954,7 @@
           <a:p>
             <a:fld id="{95A7C2C1-01F5-47C0-8773-A38930127B25}" type="datetimeFigureOut">
               <a:rPr lang="pt-BR" smtClean="0"/>
-              <a:t>11/12/2017</a:t>
+              <a:t>12/12/2017</a:t>
             </a:fld>
             <a:endParaRPr lang="pt-BR"/>
           </a:p>
@@ -1031,7 +1203,7 @@
           </a:lstStyle>
           <a:p>
             <a:r>
-              <a:rPr lang="pt-BR" smtClean="0"/>
+              <a:rPr lang="pt-BR"/>
               <a:t>Clique para editar o título mestre</a:t>
             </a:r>
             <a:endParaRPr lang="en-US" dirty="0"/>
@@ -1107,7 +1279,7 @@
           </a:lstStyle>
           <a:p>
             <a:r>
-              <a:rPr lang="pt-BR" smtClean="0"/>
+              <a:rPr lang="pt-BR"/>
               <a:t>Clique no ícone para adicionar uma imagem</a:t>
             </a:r>
             <a:endParaRPr lang="en-US" dirty="0"/>
@@ -1173,7 +1345,7 @@
           <a:p>
             <a:pPr lvl="0"/>
             <a:r>
-              <a:rPr lang="pt-BR" smtClean="0"/>
+              <a:rPr lang="pt-BR"/>
               <a:t>Editar estilos de texto Mestre</a:t>
             </a:r>
           </a:p>
@@ -1196,7 +1368,7 @@
           <a:p>
             <a:fld id="{95A7C2C1-01F5-47C0-8773-A38930127B25}" type="datetimeFigureOut">
               <a:rPr lang="pt-BR" smtClean="0"/>
-              <a:t>11/12/2017</a:t>
+              <a:t>12/12/2017</a:t>
             </a:fld>
             <a:endParaRPr lang="pt-BR"/>
           </a:p>
@@ -1443,7 +1615,7 @@
           </a:lstStyle>
           <a:p>
             <a:r>
-              <a:rPr lang="pt-BR" smtClean="0"/>
+              <a:rPr lang="pt-BR"/>
               <a:t>Clique para editar o título mestre</a:t>
             </a:r>
             <a:endParaRPr lang="en-US" dirty="0"/>
@@ -1509,7 +1681,7 @@
           <a:p>
             <a:pPr lvl="0"/>
             <a:r>
-              <a:rPr lang="pt-BR" smtClean="0"/>
+              <a:rPr lang="pt-BR"/>
               <a:t>Editar estilos de texto Mestre</a:t>
             </a:r>
           </a:p>
@@ -1532,7 +1704,7 @@
           <a:p>
             <a:fld id="{95A7C2C1-01F5-47C0-8773-A38930127B25}" type="datetimeFigureOut">
               <a:rPr lang="pt-BR" smtClean="0"/>
-              <a:t>11/12/2017</a:t>
+              <a:t>12/12/2017</a:t>
             </a:fld>
             <a:endParaRPr lang="pt-BR"/>
           </a:p>
@@ -1779,7 +1951,7 @@
           </a:lstStyle>
           <a:p>
             <a:r>
-              <a:rPr lang="pt-BR" smtClean="0"/>
+              <a:rPr lang="pt-BR"/>
               <a:t>Clique para editar o título mestre</a:t>
             </a:r>
             <a:endParaRPr lang="en-US" dirty="0"/>
@@ -1847,7 +2019,7 @@
           <a:p>
             <a:pPr lvl="0"/>
             <a:r>
-              <a:rPr lang="pt-BR" smtClean="0"/>
+              <a:rPr lang="pt-BR"/>
               <a:t>Editar estilos de texto Mestre</a:t>
             </a:r>
           </a:p>
@@ -1914,7 +2086,7 @@
           <a:p>
             <a:pPr lvl="0"/>
             <a:r>
-              <a:rPr lang="pt-BR" smtClean="0"/>
+              <a:rPr lang="pt-BR"/>
               <a:t>Editar estilos de texto Mestre</a:t>
             </a:r>
           </a:p>
@@ -1937,7 +2109,7 @@
           <a:p>
             <a:fld id="{95A7C2C1-01F5-47C0-8773-A38930127B25}" type="datetimeFigureOut">
               <a:rPr lang="pt-BR" smtClean="0"/>
-              <a:t>11/12/2017</a:t>
+              <a:t>12/12/2017</a:t>
             </a:fld>
             <a:endParaRPr lang="pt-BR"/>
           </a:p>
@@ -2416,7 +2588,7 @@
           </a:lstStyle>
           <a:p>
             <a:r>
-              <a:rPr lang="pt-BR" smtClean="0"/>
+              <a:rPr lang="pt-BR"/>
               <a:t>Clique para editar o título mestre</a:t>
             </a:r>
             <a:endParaRPr lang="en-US" dirty="0"/>
@@ -2482,7 +2654,7 @@
           <a:p>
             <a:pPr lvl="0"/>
             <a:r>
-              <a:rPr lang="pt-BR" smtClean="0"/>
+              <a:rPr lang="pt-BR"/>
               <a:t>Editar estilos de texto Mestre</a:t>
             </a:r>
           </a:p>
@@ -2505,7 +2677,7 @@
           <a:p>
             <a:fld id="{95A7C2C1-01F5-47C0-8773-A38930127B25}" type="datetimeFigureOut">
               <a:rPr lang="pt-BR" smtClean="0"/>
-              <a:t>11/12/2017</a:t>
+              <a:t>12/12/2017</a:t>
             </a:fld>
             <a:endParaRPr lang="pt-BR"/>
           </a:p>
@@ -2748,7 +2920,7 @@
           <a:lstStyle/>
           <a:p>
             <a:r>
-              <a:rPr lang="pt-BR" smtClean="0"/>
+              <a:rPr lang="pt-BR"/>
               <a:t>Clique para editar o título mestre</a:t>
             </a:r>
             <a:endParaRPr lang="en-US" dirty="0"/>
@@ -2820,7 +2992,7 @@
           <a:p>
             <a:pPr lvl="0"/>
             <a:r>
-              <a:rPr lang="pt-BR" smtClean="0"/>
+              <a:rPr lang="pt-BR"/>
               <a:t>Editar estilos de texto Mestre</a:t>
             </a:r>
           </a:p>
@@ -2887,7 +3059,7 @@
           <a:p>
             <a:pPr lvl="0"/>
             <a:r>
-              <a:rPr lang="pt-BR" smtClean="0"/>
+              <a:rPr lang="pt-BR"/>
               <a:t>Editar estilos de texto Mestre</a:t>
             </a:r>
           </a:p>
@@ -2958,7 +3130,7 @@
           <a:p>
             <a:pPr lvl="0"/>
             <a:r>
-              <a:rPr lang="pt-BR" smtClean="0"/>
+              <a:rPr lang="pt-BR"/>
               <a:t>Editar estilos de texto Mestre</a:t>
             </a:r>
           </a:p>
@@ -3025,7 +3197,7 @@
           <a:p>
             <a:pPr lvl="0"/>
             <a:r>
-              <a:rPr lang="pt-BR" smtClean="0"/>
+              <a:rPr lang="pt-BR"/>
               <a:t>Editar estilos de texto Mestre</a:t>
             </a:r>
           </a:p>
@@ -3096,7 +3268,7 @@
           <a:p>
             <a:pPr lvl="0"/>
             <a:r>
-              <a:rPr lang="pt-BR" smtClean="0"/>
+              <a:rPr lang="pt-BR"/>
               <a:t>Editar estilos de texto Mestre</a:t>
             </a:r>
           </a:p>
@@ -3163,7 +3335,7 @@
           <a:p>
             <a:pPr lvl="0"/>
             <a:r>
-              <a:rPr lang="pt-BR" smtClean="0"/>
+              <a:rPr lang="pt-BR"/>
               <a:t>Editar estilos de texto Mestre</a:t>
             </a:r>
           </a:p>
@@ -3186,7 +3358,7 @@
           <a:p>
             <a:fld id="{95A7C2C1-01F5-47C0-8773-A38930127B25}" type="datetimeFigureOut">
               <a:rPr lang="pt-BR" smtClean="0"/>
-              <a:t>11/12/2017</a:t>
+              <a:t>12/12/2017</a:t>
             </a:fld>
             <a:endParaRPr lang="pt-BR"/>
           </a:p>
@@ -3424,7 +3596,7 @@
           <a:lstStyle/>
           <a:p>
             <a:r>
-              <a:rPr lang="pt-BR" smtClean="0"/>
+              <a:rPr lang="pt-BR"/>
               <a:t>Clique para editar o título mestre</a:t>
             </a:r>
             <a:endParaRPr lang="en-US" dirty="0"/>
@@ -3496,7 +3668,7 @@
           <a:p>
             <a:pPr lvl="0"/>
             <a:r>
-              <a:rPr lang="pt-BR" smtClean="0"/>
+              <a:rPr lang="pt-BR"/>
               <a:t>Editar estilos de texto Mestre</a:t>
             </a:r>
           </a:p>
@@ -3574,7 +3746,7 @@
           </a:lstStyle>
           <a:p>
             <a:r>
-              <a:rPr lang="pt-BR" smtClean="0"/>
+              <a:rPr lang="pt-BR"/>
               <a:t>Clique no ícone para adicionar uma imagem</a:t>
             </a:r>
             <a:endParaRPr lang="en-US" dirty="0"/>
@@ -3642,7 +3814,7 @@
           <a:p>
             <a:pPr lvl="0"/>
             <a:r>
-              <a:rPr lang="pt-BR" smtClean="0"/>
+              <a:rPr lang="pt-BR"/>
               <a:t>Editar estilos de texto Mestre</a:t>
             </a:r>
           </a:p>
@@ -3713,7 +3885,7 @@
           <a:p>
             <a:pPr lvl="0"/>
             <a:r>
-              <a:rPr lang="pt-BR" smtClean="0"/>
+              <a:rPr lang="pt-BR"/>
               <a:t>Editar estilos de texto Mestre</a:t>
             </a:r>
           </a:p>
@@ -3791,7 +3963,7 @@
           </a:lstStyle>
           <a:p>
             <a:r>
-              <a:rPr lang="pt-BR" smtClean="0"/>
+              <a:rPr lang="pt-BR"/>
               <a:t>Clique no ícone para adicionar uma imagem</a:t>
             </a:r>
             <a:endParaRPr lang="en-US" dirty="0"/>
@@ -3859,7 +4031,7 @@
           <a:p>
             <a:pPr lvl="0"/>
             <a:r>
-              <a:rPr lang="pt-BR" smtClean="0"/>
+              <a:rPr lang="pt-BR"/>
               <a:t>Editar estilos de texto Mestre</a:t>
             </a:r>
           </a:p>
@@ -3930,7 +4102,7 @@
           <a:p>
             <a:pPr lvl="0"/>
             <a:r>
-              <a:rPr lang="pt-BR" smtClean="0"/>
+              <a:rPr lang="pt-BR"/>
               <a:t>Editar estilos de texto Mestre</a:t>
             </a:r>
           </a:p>
@@ -4008,7 +4180,7 @@
           </a:lstStyle>
           <a:p>
             <a:r>
-              <a:rPr lang="pt-BR" smtClean="0"/>
+              <a:rPr lang="pt-BR"/>
               <a:t>Clique no ícone para adicionar uma imagem</a:t>
             </a:r>
             <a:endParaRPr lang="en-US" dirty="0"/>
@@ -4076,7 +4248,7 @@
           <a:p>
             <a:pPr lvl="0"/>
             <a:r>
-              <a:rPr lang="pt-BR" smtClean="0"/>
+              <a:rPr lang="pt-BR"/>
               <a:t>Editar estilos de texto Mestre</a:t>
             </a:r>
           </a:p>
@@ -4099,7 +4271,7 @@
           <a:p>
             <a:fld id="{95A7C2C1-01F5-47C0-8773-A38930127B25}" type="datetimeFigureOut">
               <a:rPr lang="pt-BR" smtClean="0"/>
-              <a:t>11/12/2017</a:t>
+              <a:t>12/12/2017</a:t>
             </a:fld>
             <a:endParaRPr lang="pt-BR"/>
           </a:p>
@@ -4336,7 +4508,7 @@
           </a:lstStyle>
           <a:p>
             <a:r>
-              <a:rPr lang="pt-BR" smtClean="0"/>
+              <a:rPr lang="pt-BR"/>
               <a:t>Clique para editar o título mestre</a:t>
             </a:r>
             <a:endParaRPr lang="en-US" dirty="0"/>
@@ -4360,35 +4532,35 @@
           <a:p>
             <a:pPr lvl="0"/>
             <a:r>
-              <a:rPr lang="pt-BR" smtClean="0"/>
+              <a:rPr lang="pt-BR"/>
               <a:t>Editar estilos de texto Mestre</a:t>
             </a:r>
           </a:p>
           <a:p>
             <a:pPr lvl="1"/>
             <a:r>
-              <a:rPr lang="pt-BR" smtClean="0"/>
+              <a:rPr lang="pt-BR"/>
               <a:t>Segundo nível</a:t>
             </a:r>
           </a:p>
           <a:p>
             <a:pPr lvl="2"/>
             <a:r>
-              <a:rPr lang="pt-BR" smtClean="0"/>
+              <a:rPr lang="pt-BR"/>
               <a:t>Terceiro nível</a:t>
             </a:r>
           </a:p>
           <a:p>
             <a:pPr lvl="3"/>
             <a:r>
-              <a:rPr lang="pt-BR" smtClean="0"/>
+              <a:rPr lang="pt-BR"/>
               <a:t>Quarto nível</a:t>
             </a:r>
           </a:p>
           <a:p>
             <a:pPr lvl="4"/>
             <a:r>
-              <a:rPr lang="pt-BR" smtClean="0"/>
+              <a:rPr lang="pt-BR"/>
               <a:t>Quinto nível</a:t>
             </a:r>
             <a:endParaRPr lang="en-US" dirty="0"/>
@@ -4412,7 +4584,7 @@
           <a:p>
             <a:fld id="{95A7C2C1-01F5-47C0-8773-A38930127B25}" type="datetimeFigureOut">
               <a:rPr lang="pt-BR" smtClean="0"/>
-              <a:t>11/12/2017</a:t>
+              <a:t>12/12/2017</a:t>
             </a:fld>
             <a:endParaRPr lang="pt-BR"/>
           </a:p>
@@ -4590,7 +4762,7 @@
           <a:lstStyle/>
           <a:p>
             <a:r>
-              <a:rPr lang="pt-BR" smtClean="0"/>
+              <a:rPr lang="pt-BR"/>
               <a:t>Clique para editar o título mestre</a:t>
             </a:r>
             <a:endParaRPr lang="en-US" dirty="0"/>
@@ -4619,35 +4791,35 @@
           <a:p>
             <a:pPr lvl="0"/>
             <a:r>
-              <a:rPr lang="pt-BR" smtClean="0"/>
+              <a:rPr lang="pt-BR"/>
               <a:t>Editar estilos de texto Mestre</a:t>
             </a:r>
           </a:p>
           <a:p>
             <a:pPr lvl="1"/>
             <a:r>
-              <a:rPr lang="pt-BR" smtClean="0"/>
+              <a:rPr lang="pt-BR"/>
               <a:t>Segundo nível</a:t>
             </a:r>
           </a:p>
           <a:p>
             <a:pPr lvl="2"/>
             <a:r>
-              <a:rPr lang="pt-BR" smtClean="0"/>
+              <a:rPr lang="pt-BR"/>
               <a:t>Terceiro nível</a:t>
             </a:r>
           </a:p>
           <a:p>
             <a:pPr lvl="3"/>
             <a:r>
-              <a:rPr lang="pt-BR" smtClean="0"/>
+              <a:rPr lang="pt-BR"/>
               <a:t>Quarto nível</a:t>
             </a:r>
           </a:p>
           <a:p>
             <a:pPr lvl="4"/>
             <a:r>
-              <a:rPr lang="pt-BR" smtClean="0"/>
+              <a:rPr lang="pt-BR"/>
               <a:t>Quinto nível</a:t>
             </a:r>
             <a:endParaRPr lang="en-US" dirty="0"/>
@@ -4676,7 +4848,7 @@
           <a:p>
             <a:fld id="{95A7C2C1-01F5-47C0-8773-A38930127B25}" type="datetimeFigureOut">
               <a:rPr lang="pt-BR" smtClean="0"/>
-              <a:t>11/12/2017</a:t>
+              <a:t>12/12/2017</a:t>
             </a:fld>
             <a:endParaRPr lang="pt-BR"/>
           </a:p>
@@ -4923,7 +5095,7 @@
           <a:lstStyle/>
           <a:p>
             <a:r>
-              <a:rPr lang="pt-BR" smtClean="0"/>
+              <a:rPr lang="pt-BR"/>
               <a:t>Clique para editar o título mestre</a:t>
             </a:r>
             <a:endParaRPr lang="en-US" dirty="0"/>
@@ -4947,35 +5119,35 @@
           <a:p>
             <a:pPr lvl="0"/>
             <a:r>
-              <a:rPr lang="pt-BR" smtClean="0"/>
+              <a:rPr lang="pt-BR"/>
               <a:t>Editar estilos de texto Mestre</a:t>
             </a:r>
           </a:p>
           <a:p>
             <a:pPr lvl="1"/>
             <a:r>
-              <a:rPr lang="pt-BR" smtClean="0"/>
+              <a:rPr lang="pt-BR"/>
               <a:t>Segundo nível</a:t>
             </a:r>
           </a:p>
           <a:p>
             <a:pPr lvl="2"/>
             <a:r>
-              <a:rPr lang="pt-BR" smtClean="0"/>
+              <a:rPr lang="pt-BR"/>
               <a:t>Terceiro nível</a:t>
             </a:r>
           </a:p>
           <a:p>
             <a:pPr lvl="3"/>
             <a:r>
-              <a:rPr lang="pt-BR" smtClean="0"/>
+              <a:rPr lang="pt-BR"/>
               <a:t>Quarto nível</a:t>
             </a:r>
           </a:p>
           <a:p>
             <a:pPr lvl="4"/>
             <a:r>
-              <a:rPr lang="pt-BR" smtClean="0"/>
+              <a:rPr lang="pt-BR"/>
               <a:t>Quinto nível</a:t>
             </a:r>
             <a:endParaRPr lang="en-US" dirty="0"/>
@@ -4999,7 +5171,7 @@
           <a:p>
             <a:fld id="{95A7C2C1-01F5-47C0-8773-A38930127B25}" type="datetimeFigureOut">
               <a:rPr lang="pt-BR" smtClean="0"/>
-              <a:t>11/12/2017</a:t>
+              <a:t>12/12/2017</a:t>
             </a:fld>
             <a:endParaRPr lang="pt-BR"/>
           </a:p>
@@ -5243,7 +5415,7 @@
           </a:lstStyle>
           <a:p>
             <a:r>
-              <a:rPr lang="pt-BR" smtClean="0"/>
+              <a:rPr lang="pt-BR"/>
               <a:t>Clique para editar o título mestre</a:t>
             </a:r>
             <a:endParaRPr lang="en-US" dirty="0"/>
@@ -5365,7 +5537,7 @@
           <a:p>
             <a:pPr lvl="0"/>
             <a:r>
-              <a:rPr lang="pt-BR" smtClean="0"/>
+              <a:rPr lang="pt-BR"/>
               <a:t>Editar estilos de texto Mestre</a:t>
             </a:r>
           </a:p>
@@ -5388,7 +5560,7 @@
           <a:p>
             <a:fld id="{95A7C2C1-01F5-47C0-8773-A38930127B25}" type="datetimeFigureOut">
               <a:rPr lang="pt-BR" smtClean="0"/>
-              <a:t>11/12/2017</a:t>
+              <a:t>12/12/2017</a:t>
             </a:fld>
             <a:endParaRPr lang="pt-BR"/>
           </a:p>
@@ -5626,7 +5798,7 @@
           <a:lstStyle/>
           <a:p>
             <a:r>
-              <a:rPr lang="pt-BR" smtClean="0"/>
+              <a:rPr lang="pt-BR"/>
               <a:t>Clique para editar o título mestre</a:t>
             </a:r>
             <a:endParaRPr lang="en-US" dirty="0"/>
@@ -5655,35 +5827,35 @@
           <a:p>
             <a:pPr lvl="0"/>
             <a:r>
-              <a:rPr lang="pt-BR" smtClean="0"/>
+              <a:rPr lang="pt-BR"/>
               <a:t>Editar estilos de texto Mestre</a:t>
             </a:r>
           </a:p>
           <a:p>
             <a:pPr lvl="1"/>
             <a:r>
-              <a:rPr lang="pt-BR" smtClean="0"/>
+              <a:rPr lang="pt-BR"/>
               <a:t>Segundo nível</a:t>
             </a:r>
           </a:p>
           <a:p>
             <a:pPr lvl="2"/>
             <a:r>
-              <a:rPr lang="pt-BR" smtClean="0"/>
+              <a:rPr lang="pt-BR"/>
               <a:t>Terceiro nível</a:t>
             </a:r>
           </a:p>
           <a:p>
             <a:pPr lvl="3"/>
             <a:r>
-              <a:rPr lang="pt-BR" smtClean="0"/>
+              <a:rPr lang="pt-BR"/>
               <a:t>Quarto nível</a:t>
             </a:r>
           </a:p>
           <a:p>
             <a:pPr lvl="4"/>
             <a:r>
-              <a:rPr lang="pt-BR" smtClean="0"/>
+              <a:rPr lang="pt-BR"/>
               <a:t>Quinto nível</a:t>
             </a:r>
             <a:endParaRPr lang="en-US" dirty="0"/>
@@ -5712,35 +5884,35 @@
           <a:p>
             <a:pPr lvl="0"/>
             <a:r>
-              <a:rPr lang="pt-BR" smtClean="0"/>
+              <a:rPr lang="pt-BR"/>
               <a:t>Editar estilos de texto Mestre</a:t>
             </a:r>
           </a:p>
           <a:p>
             <a:pPr lvl="1"/>
             <a:r>
-              <a:rPr lang="pt-BR" smtClean="0"/>
+              <a:rPr lang="pt-BR"/>
               <a:t>Segundo nível</a:t>
             </a:r>
           </a:p>
           <a:p>
             <a:pPr lvl="2"/>
             <a:r>
-              <a:rPr lang="pt-BR" smtClean="0"/>
+              <a:rPr lang="pt-BR"/>
               <a:t>Terceiro nível</a:t>
             </a:r>
           </a:p>
           <a:p>
             <a:pPr lvl="3"/>
             <a:r>
-              <a:rPr lang="pt-BR" smtClean="0"/>
+              <a:rPr lang="pt-BR"/>
               <a:t>Quarto nível</a:t>
             </a:r>
           </a:p>
           <a:p>
             <a:pPr lvl="4"/>
             <a:r>
-              <a:rPr lang="pt-BR" smtClean="0"/>
+              <a:rPr lang="pt-BR"/>
               <a:t>Quinto nível</a:t>
             </a:r>
             <a:endParaRPr lang="en-US" dirty="0"/>
@@ -5764,7 +5936,7 @@
           <a:p>
             <a:fld id="{95A7C2C1-01F5-47C0-8773-A38930127B25}" type="datetimeFigureOut">
               <a:rPr lang="pt-BR" smtClean="0"/>
-              <a:t>11/12/2017</a:t>
+              <a:t>12/12/2017</a:t>
             </a:fld>
             <a:endParaRPr lang="pt-BR"/>
           </a:p>
@@ -6002,7 +6174,7 @@
           <a:lstStyle/>
           <a:p>
             <a:r>
-              <a:rPr lang="pt-BR" smtClean="0"/>
+              <a:rPr lang="pt-BR"/>
               <a:t>Clique para editar o título mestre</a:t>
             </a:r>
             <a:endParaRPr lang="en-US" dirty="0"/>
@@ -6068,7 +6240,7 @@
           <a:p>
             <a:pPr lvl="0"/>
             <a:r>
-              <a:rPr lang="pt-BR" smtClean="0"/>
+              <a:rPr lang="pt-BR"/>
               <a:t>Editar estilos de texto Mestre</a:t>
             </a:r>
           </a:p>
@@ -6096,35 +6268,35 @@
           <a:p>
             <a:pPr lvl="0"/>
             <a:r>
-              <a:rPr lang="pt-BR" smtClean="0"/>
+              <a:rPr lang="pt-BR"/>
               <a:t>Editar estilos de texto Mestre</a:t>
             </a:r>
           </a:p>
           <a:p>
             <a:pPr lvl="1"/>
             <a:r>
-              <a:rPr lang="pt-BR" smtClean="0"/>
+              <a:rPr lang="pt-BR"/>
               <a:t>Segundo nível</a:t>
             </a:r>
           </a:p>
           <a:p>
             <a:pPr lvl="2"/>
             <a:r>
-              <a:rPr lang="pt-BR" smtClean="0"/>
+              <a:rPr lang="pt-BR"/>
               <a:t>Terceiro nível</a:t>
             </a:r>
           </a:p>
           <a:p>
             <a:pPr lvl="3"/>
             <a:r>
-              <a:rPr lang="pt-BR" smtClean="0"/>
+              <a:rPr lang="pt-BR"/>
               <a:t>Quarto nível</a:t>
             </a:r>
           </a:p>
           <a:p>
             <a:pPr lvl="4"/>
             <a:r>
-              <a:rPr lang="pt-BR" smtClean="0"/>
+              <a:rPr lang="pt-BR"/>
               <a:t>Quinto nível</a:t>
             </a:r>
             <a:endParaRPr lang="en-US" dirty="0"/>
@@ -6190,7 +6362,7 @@
           <a:p>
             <a:pPr lvl="0"/>
             <a:r>
-              <a:rPr lang="pt-BR" smtClean="0"/>
+              <a:rPr lang="pt-BR"/>
               <a:t>Editar estilos de texto Mestre</a:t>
             </a:r>
           </a:p>
@@ -6218,35 +6390,35 @@
           <a:p>
             <a:pPr lvl="0"/>
             <a:r>
-              <a:rPr lang="pt-BR" smtClean="0"/>
+              <a:rPr lang="pt-BR"/>
               <a:t>Editar estilos de texto Mestre</a:t>
             </a:r>
           </a:p>
           <a:p>
             <a:pPr lvl="1"/>
             <a:r>
-              <a:rPr lang="pt-BR" smtClean="0"/>
+              <a:rPr lang="pt-BR"/>
               <a:t>Segundo nível</a:t>
             </a:r>
           </a:p>
           <a:p>
             <a:pPr lvl="2"/>
             <a:r>
-              <a:rPr lang="pt-BR" smtClean="0"/>
+              <a:rPr lang="pt-BR"/>
               <a:t>Terceiro nível</a:t>
             </a:r>
           </a:p>
           <a:p>
             <a:pPr lvl="3"/>
             <a:r>
-              <a:rPr lang="pt-BR" smtClean="0"/>
+              <a:rPr lang="pt-BR"/>
               <a:t>Quarto nível</a:t>
             </a:r>
           </a:p>
           <a:p>
             <a:pPr lvl="4"/>
             <a:r>
-              <a:rPr lang="pt-BR" smtClean="0"/>
+              <a:rPr lang="pt-BR"/>
               <a:t>Quinto nível</a:t>
             </a:r>
             <a:endParaRPr lang="en-US" dirty="0"/>
@@ -6270,7 +6442,7 @@
           <a:p>
             <a:fld id="{95A7C2C1-01F5-47C0-8773-A38930127B25}" type="datetimeFigureOut">
               <a:rPr lang="pt-BR" smtClean="0"/>
-              <a:t>11/12/2017</a:t>
+              <a:t>12/12/2017</a:t>
             </a:fld>
             <a:endParaRPr lang="pt-BR"/>
           </a:p>
@@ -6503,7 +6675,7 @@
           <a:lstStyle/>
           <a:p>
             <a:r>
-              <a:rPr lang="pt-BR" smtClean="0"/>
+              <a:rPr lang="pt-BR"/>
               <a:t>Clique para editar o título mestre</a:t>
             </a:r>
             <a:endParaRPr lang="en-US" dirty="0"/>
@@ -6527,7 +6699,7 @@
           <a:p>
             <a:fld id="{95A7C2C1-01F5-47C0-8773-A38930127B25}" type="datetimeFigureOut">
               <a:rPr lang="pt-BR" smtClean="0"/>
-              <a:t>11/12/2017</a:t>
+              <a:t>12/12/2017</a:t>
             </a:fld>
             <a:endParaRPr lang="pt-BR"/>
           </a:p>
@@ -6690,7 +6862,7 @@
           <a:p>
             <a:fld id="{95A7C2C1-01F5-47C0-8773-A38930127B25}" type="datetimeFigureOut">
               <a:rPr lang="pt-BR" smtClean="0"/>
-              <a:t>11/12/2017</a:t>
+              <a:t>12/12/2017</a:t>
             </a:fld>
             <a:endParaRPr lang="pt-BR"/>
           </a:p>
@@ -6934,7 +7106,7 @@
           </a:lstStyle>
           <a:p>
             <a:r>
-              <a:rPr lang="pt-BR" smtClean="0"/>
+              <a:rPr lang="pt-BR"/>
               <a:t>Clique para editar o título mestre</a:t>
             </a:r>
             <a:endParaRPr lang="en-US" dirty="0"/>
@@ -6963,35 +7135,35 @@
           <a:p>
             <a:pPr lvl="0"/>
             <a:r>
-              <a:rPr lang="pt-BR" smtClean="0"/>
+              <a:rPr lang="pt-BR"/>
               <a:t>Editar estilos de texto Mestre</a:t>
             </a:r>
           </a:p>
           <a:p>
             <a:pPr lvl="1"/>
             <a:r>
-              <a:rPr lang="pt-BR" smtClean="0"/>
+              <a:rPr lang="pt-BR"/>
               <a:t>Segundo nível</a:t>
             </a:r>
           </a:p>
           <a:p>
             <a:pPr lvl="2"/>
             <a:r>
-              <a:rPr lang="pt-BR" smtClean="0"/>
+              <a:rPr lang="pt-BR"/>
               <a:t>Terceiro nível</a:t>
             </a:r>
           </a:p>
           <a:p>
             <a:pPr lvl="3"/>
             <a:r>
-              <a:rPr lang="pt-BR" smtClean="0"/>
+              <a:rPr lang="pt-BR"/>
               <a:t>Quarto nível</a:t>
             </a:r>
           </a:p>
           <a:p>
             <a:pPr lvl="4"/>
             <a:r>
-              <a:rPr lang="pt-BR" smtClean="0"/>
+              <a:rPr lang="pt-BR"/>
               <a:t>Quinto nível</a:t>
             </a:r>
             <a:endParaRPr lang="en-US" dirty="0"/>
@@ -7057,7 +7229,7 @@
           <a:p>
             <a:pPr lvl="0"/>
             <a:r>
-              <a:rPr lang="pt-BR" smtClean="0"/>
+              <a:rPr lang="pt-BR"/>
               <a:t>Editar estilos de texto Mestre</a:t>
             </a:r>
           </a:p>
@@ -7080,7 +7252,7 @@
           <a:p>
             <a:fld id="{95A7C2C1-01F5-47C0-8773-A38930127B25}" type="datetimeFigureOut">
               <a:rPr lang="pt-BR" smtClean="0"/>
-              <a:t>11/12/2017</a:t>
+              <a:t>12/12/2017</a:t>
             </a:fld>
             <a:endParaRPr lang="pt-BR"/>
           </a:p>
@@ -7324,7 +7496,7 @@
           </a:lstStyle>
           <a:p>
             <a:r>
-              <a:rPr lang="pt-BR" smtClean="0"/>
+              <a:rPr lang="pt-BR"/>
               <a:t>Clique para editar o título mestre</a:t>
             </a:r>
             <a:endParaRPr lang="en-US" dirty="0"/>
@@ -7400,7 +7572,7 @@
           </a:lstStyle>
           <a:p>
             <a:r>
-              <a:rPr lang="pt-BR" smtClean="0"/>
+              <a:rPr lang="pt-BR"/>
               <a:t>Clique no ícone para adicionar uma imagem</a:t>
             </a:r>
             <a:endParaRPr lang="en-US" dirty="0"/>
@@ -7466,7 +7638,7 @@
           <a:p>
             <a:pPr lvl="0"/>
             <a:r>
-              <a:rPr lang="pt-BR" smtClean="0"/>
+              <a:rPr lang="pt-BR"/>
               <a:t>Editar estilos de texto Mestre</a:t>
             </a:r>
           </a:p>
@@ -7489,7 +7661,7 @@
           <a:p>
             <a:fld id="{95A7C2C1-01F5-47C0-8773-A38930127B25}" type="datetimeFigureOut">
               <a:rPr lang="pt-BR" smtClean="0"/>
-              <a:t>11/12/2017</a:t>
+              <a:t>12/12/2017</a:t>
             </a:fld>
             <a:endParaRPr lang="pt-BR"/>
           </a:p>
@@ -7648,7 +7820,7 @@
           <a:lstStyle/>
           <a:p>
             <a:r>
-              <a:rPr lang="pt-BR" smtClean="0"/>
+              <a:rPr lang="pt-BR"/>
               <a:t>Clique para editar o título mestre</a:t>
             </a:r>
             <a:endParaRPr lang="en-US" dirty="0"/>
@@ -7682,35 +7854,35 @@
           <a:p>
             <a:pPr lvl="0"/>
             <a:r>
-              <a:rPr lang="pt-BR" smtClean="0"/>
+              <a:rPr lang="pt-BR"/>
               <a:t>Editar estilos de texto Mestre</a:t>
             </a:r>
           </a:p>
           <a:p>
             <a:pPr lvl="1"/>
             <a:r>
-              <a:rPr lang="pt-BR" smtClean="0"/>
+              <a:rPr lang="pt-BR"/>
               <a:t>Segundo nível</a:t>
             </a:r>
           </a:p>
           <a:p>
             <a:pPr lvl="2"/>
             <a:r>
-              <a:rPr lang="pt-BR" smtClean="0"/>
+              <a:rPr lang="pt-BR"/>
               <a:t>Terceiro nível</a:t>
             </a:r>
           </a:p>
           <a:p>
             <a:pPr lvl="3"/>
             <a:r>
-              <a:rPr lang="pt-BR" smtClean="0"/>
+              <a:rPr lang="pt-BR"/>
               <a:t>Quarto nível</a:t>
             </a:r>
           </a:p>
           <a:p>
             <a:pPr lvl="4"/>
             <a:r>
-              <a:rPr lang="pt-BR" smtClean="0"/>
+              <a:rPr lang="pt-BR"/>
               <a:t>Quinto nível</a:t>
             </a:r>
             <a:endParaRPr lang="en-US" dirty="0"/>
@@ -7752,7 +7924,7 @@
           <a:p>
             <a:fld id="{95A7C2C1-01F5-47C0-8773-A38930127B25}" type="datetimeFigureOut">
               <a:rPr lang="pt-BR" smtClean="0"/>
-              <a:t>11/12/2017</a:t>
+              <a:t>12/12/2017</a:t>
             </a:fld>
             <a:endParaRPr lang="pt-BR"/>
           </a:p>
@@ -8179,7 +8351,7 @@
           <a:lstStyle/>
           <a:p>
             <a:r>
-              <a:rPr lang="pt-BR" sz="3600" smtClean="0"/>
+              <a:rPr lang="pt-BR" sz="3600"/>
               <a:t>Planejamento e Implatação da Plataforma para Mapeamento para Competências </a:t>
             </a:r>
             <a:endParaRPr lang="pt-BR" sz="3600" dirty="0"/>
@@ -8202,13 +8374,13 @@
           <a:lstStyle/>
           <a:p>
             <a:r>
-              <a:rPr lang="pt-BR" smtClean="0"/>
+              <a:rPr lang="pt-BR"/>
               <a:t>Thiago Luis Silva Fortunato</a:t>
             </a:r>
           </a:p>
           <a:p>
             <a:r>
-              <a:rPr lang="pt-BR" smtClean="0"/>
+              <a:rPr lang="pt-BR"/>
               <a:t>Orientador: Prof. Me. Eduardo Sakaue</a:t>
             </a:r>
             <a:endParaRPr lang="pt-BR" dirty="0"/>
@@ -8255,13 +8427,6 @@
   <p:clrMapOvr>
     <a:masterClrMapping/>
   </p:clrMapOvr>
-  <p:timing>
-    <p:tnLst>
-      <p:par>
-        <p:cTn id="1" dur="indefinite" restart="never" nodeType="tmRoot"/>
-      </p:par>
-    </p:tnLst>
-  </p:timing>
 </p:sld>
 </file>
 
@@ -8298,10 +8463,17 @@
           <a:lstStyle/>
           <a:p>
             <a:r>
-              <a:rPr lang="pt-BR" dirty="0" smtClean="0"/>
-              <a:t>Servidor Web Front-End.</a:t>
-            </a:r>
-            <a:endParaRPr lang="pt-BR" dirty="0"/>
+              <a:rPr lang="pt-BR" dirty="0"/>
+              <a:t>Servidor Web Front-</a:t>
+            </a:r>
+            <a:r>
+              <a:rPr lang="pt-BR" dirty="0" err="1"/>
+              <a:t>End</a:t>
+            </a:r>
+            <a:r>
+              <a:rPr lang="pt-BR" dirty="0"/>
+              <a:t> e Back-End.</a:t>
+            </a:r>
           </a:p>
         </p:txBody>
       </p:sp>
@@ -8317,44 +8489,41 @@
         </p:nvSpPr>
         <p:spPr/>
         <p:txBody>
-          <a:bodyPr/>
-          <a:lstStyle/>
-          <a:p>
-            <a:r>
-              <a:rPr lang="pt-BR" dirty="0"/>
-              <a:t>Servidor Web com a finalidade de disponibilizar a aplicação que realizará será a interface de comunicação com o usuário. A aplicação contida neste servidor trabalha no modelo Cliente-Servidor, onde o HTTP é o protocolo de comunicação entre as aplicações de </a:t>
-            </a:r>
-            <a:r>
-              <a:rPr lang="pt-BR" i="1" dirty="0"/>
-              <a:t>front-</a:t>
-            </a:r>
-            <a:r>
-              <a:rPr lang="pt-BR" i="1" dirty="0" err="1"/>
-              <a:t>end</a:t>
-            </a:r>
-            <a:r>
-              <a:rPr lang="pt-BR" dirty="0"/>
-              <a:t> (interface gráfica) e </a:t>
-            </a:r>
-            <a:r>
-              <a:rPr lang="pt-BR" i="1" dirty="0" err="1"/>
-              <a:t>back-end</a:t>
-            </a:r>
-            <a:r>
-              <a:rPr lang="pt-BR" dirty="0"/>
-              <a:t> (regra de negócio) que seja responsável por disponibilizar a aplicação </a:t>
-            </a:r>
-            <a:r>
-              <a:rPr lang="pt-BR" i="1" dirty="0"/>
-              <a:t>front-</a:t>
-            </a:r>
-            <a:r>
-              <a:rPr lang="pt-BR" i="1" dirty="0" err="1"/>
-              <a:t>end</a:t>
-            </a:r>
-            <a:r>
-              <a:rPr lang="pt-BR" dirty="0"/>
-              <a:t> compilada no formato Recurso de Aplicação Web (</a:t>
+          <a:bodyPr vert="horz" lIns="91440" tIns="45720" rIns="91440" bIns="45720" rtlCol="0" anchor="t">
+            <a:normAutofit/>
+          </a:bodyPr>
+          <a:lstStyle/>
+          <a:p>
+            <a:r>
+              <a:rPr lang="pt-BR" dirty="0"/>
+              <a:t>Servidor Web para disponibilizar interface de comunicação com o usuário. </a:t>
+            </a:r>
+            <a:endParaRPr lang="en-US" dirty="0"/>
+          </a:p>
+          <a:p>
+            <a:r>
+              <a:rPr lang="pt-BR" dirty="0"/>
+              <a:t>Servidor com suporte o modelo Cliente-Servidor.</a:t>
+            </a:r>
+          </a:p>
+          <a:p>
+            <a:r>
+              <a:rPr lang="pt-BR" dirty="0"/>
+              <a:t>Dar suporte ao Protocolo HTTP, comunicação entre as aplicações de front e </a:t>
+            </a:r>
+            <a:r>
+              <a:rPr lang="pt-BR" dirty="0" err="1"/>
+              <a:t>back</a:t>
+            </a:r>
+            <a:r>
+              <a:rPr lang="pt-BR" dirty="0"/>
+              <a:t>-end.</a:t>
+            </a:r>
+          </a:p>
+          <a:p>
+            <a:r>
+              <a:rPr lang="pt-BR" dirty="0"/>
+              <a:t>Ter suporte Java 8 e aplicações compilada no formato .</a:t>
             </a:r>
             <a:r>
               <a:rPr lang="pt-BR" dirty="0" err="1"/>
@@ -8362,11 +8531,8 @@
             </a:r>
             <a:r>
               <a:rPr lang="pt-BR" dirty="0"/>
-              <a:t>) com Java 8.</a:t>
-            </a:r>
-          </a:p>
-          <a:p>
-            <a:endParaRPr lang="pt-BR" dirty="0"/>
+              <a:t>. </a:t>
+            </a:r>
           </a:p>
         </p:txBody>
       </p:sp>
@@ -8412,13 +8578,6 @@
   <p:clrMapOvr>
     <a:masterClrMapping/>
   </p:clrMapOvr>
-  <p:timing>
-    <p:tnLst>
-      <p:par>
-        <p:cTn id="1" dur="indefinite" restart="never" nodeType="tmRoot"/>
-      </p:par>
-    </p:tnLst>
-  </p:timing>
 </p:sld>
 </file>
 
@@ -8455,67 +8614,62 @@
           <a:lstStyle/>
           <a:p>
             <a:r>
+              <a:rPr lang="pt-BR" dirty="0"/>
+              <a:t>Servidor de Banco de Dados	</a:t>
+            </a:r>
+          </a:p>
+        </p:txBody>
+      </p:sp>
+      <p:sp>
+        <p:nvSpPr>
+          <p:cNvPr id="3" name="Espaço Reservado para Conteúdo 2"/>
+          <p:cNvSpPr>
+            <a:spLocks noGrp="1"/>
+          </p:cNvSpPr>
+          <p:nvPr>
+            <p:ph idx="1"/>
+          </p:nvPr>
+        </p:nvSpPr>
+        <p:spPr/>
+        <p:txBody>
+          <a:bodyPr vert="horz" lIns="91440" tIns="45720" rIns="91440" bIns="45720" rtlCol="0" anchor="t">
+            <a:normAutofit/>
+          </a:bodyPr>
+          <a:lstStyle/>
+          <a:p>
+            <a:r>
+              <a:rPr lang="pt-BR" dirty="0"/>
+              <a:t>É necessário armazenar todas informações pertinentes ao jogo.</a:t>
+            </a:r>
+            <a:endParaRPr lang="en-US" dirty="0"/>
+          </a:p>
+          <a:p>
+            <a:r>
+              <a:rPr lang="pt-BR" dirty="0"/>
+              <a:t>Gerar relatórios para que os responsáveis possam visualizar os resultados do jogo.</a:t>
+            </a:r>
+          </a:p>
+          <a:p>
+            <a:r>
+              <a:rPr lang="pt-BR" dirty="0"/>
+              <a:t>Ter um único usuário com permissões de executar comando DCL </a:t>
+            </a:r>
+            <a:r>
               <a:rPr lang="pt-BR" dirty="0" smtClean="0"/>
-              <a:t>Servidor Web Back-</a:t>
-            </a:r>
-            <a:r>
-              <a:rPr lang="pt-BR" dirty="0" err="1" smtClean="0"/>
-              <a:t>End</a:t>
-            </a:r>
-            <a:endParaRPr lang="pt-BR" dirty="0"/>
-          </a:p>
-        </p:txBody>
-      </p:sp>
-      <p:sp>
-        <p:nvSpPr>
-          <p:cNvPr id="3" name="Espaço Reservado para Conteúdo 2"/>
-          <p:cNvSpPr>
-            <a:spLocks noGrp="1"/>
-          </p:cNvSpPr>
-          <p:nvPr>
-            <p:ph idx="1"/>
-          </p:nvPr>
-        </p:nvSpPr>
-        <p:spPr/>
-        <p:txBody>
-          <a:bodyPr/>
-          <a:lstStyle/>
-          <a:p>
-            <a:r>
-              <a:rPr lang="pt-BR" dirty="0"/>
-              <a:t>Servidor responsável por disponibilizar a aplicação </a:t>
-            </a:r>
-            <a:r>
-              <a:rPr lang="pt-BR" i="1" dirty="0" err="1"/>
-              <a:t>back-end</a:t>
-            </a:r>
-            <a:r>
-              <a:rPr lang="pt-BR" dirty="0"/>
-              <a:t> da plataforma. A aplicação contida neste servidor trabalha no modelo Cliente-Servidor, realizando conexão com o </a:t>
-            </a:r>
-            <a:r>
-              <a:rPr lang="pt-BR" i="1" dirty="0"/>
-              <a:t>front-</a:t>
-            </a:r>
-            <a:r>
-              <a:rPr lang="pt-BR" i="1" dirty="0" err="1"/>
-              <a:t>end</a:t>
-            </a:r>
-            <a:r>
-              <a:rPr lang="pt-BR" dirty="0"/>
-              <a:t> por meio do protocolo HTTP, esta aplicação também foi desenvolvida com Java 8 e compilada no formato Recurso de Aplicação Web (</a:t>
-            </a:r>
-            <a:r>
-              <a:rPr lang="pt-BR" dirty="0" err="1"/>
-              <a:t>war</a:t>
-            </a:r>
-            <a:r>
-              <a:rPr lang="pt-BR" dirty="0"/>
-              <a:t>).</a:t>
-            </a:r>
-          </a:p>
-          <a:p>
-            <a:endParaRPr lang="pt-BR" dirty="0"/>
+              <a:t>e </a:t>
+            </a:r>
+            <a:r>
+              <a:rPr lang="pt-BR" dirty="0"/>
+              <a:t>DDL </a:t>
+            </a:r>
+            <a:r>
+              <a:rPr lang="pt-BR" dirty="0" smtClean="0"/>
+              <a:t>na </a:t>
+            </a:r>
+            <a:r>
+              <a:rPr lang="pt-BR" dirty="0"/>
+              <a:t>Base de Dados da aplicação.</a:t>
+            </a:r>
           </a:p>
         </p:txBody>
       </p:sp>
@@ -8554,20 +8708,13 @@
     </p:spTree>
     <p:extLst>
       <p:ext uri="{BB962C8B-B14F-4D97-AF65-F5344CB8AC3E}">
-        <p14:creationId xmlns:p14="http://schemas.microsoft.com/office/powerpoint/2010/main" val="3182721344"/>
+        <p14:creationId xmlns:p14="http://schemas.microsoft.com/office/powerpoint/2010/main" val="572130673"/>
       </p:ext>
     </p:extLst>
   </p:cSld>
   <p:clrMapOvr>
     <a:masterClrMapping/>
   </p:clrMapOvr>
-  <p:timing>
-    <p:tnLst>
-      <p:par>
-        <p:cTn id="1" dur="indefinite" restart="never" nodeType="tmRoot"/>
-      </p:par>
-    </p:tnLst>
-  </p:timing>
 </p:sld>
 </file>
 
@@ -8604,35 +8751,94 @@
           <a:lstStyle/>
           <a:p>
             <a:r>
+              <a:rPr lang="pt-BR" dirty="0" err="1"/>
+              <a:t>Balanceador</a:t>
+            </a:r>
+            <a:r>
+              <a:rPr lang="pt-BR" dirty="0"/>
+              <a:t> de Carga</a:t>
+            </a:r>
+          </a:p>
+        </p:txBody>
+      </p:sp>
+      <p:sp>
+        <p:nvSpPr>
+          <p:cNvPr id="3" name="Espaço Reservado para Conteúdo 2"/>
+          <p:cNvSpPr>
+            <a:spLocks noGrp="1"/>
+          </p:cNvSpPr>
+          <p:nvPr>
+            <p:ph idx="1"/>
+          </p:nvPr>
+        </p:nvSpPr>
+        <p:spPr/>
+        <p:txBody>
+          <a:bodyPr vert="horz" lIns="91440" tIns="45720" rIns="91440" bIns="45720" rtlCol="0" anchor="t">
+            <a:normAutofit/>
+          </a:bodyPr>
+          <a:lstStyle/>
+          <a:p>
+            <a:r>
+              <a:rPr lang="pt-BR" dirty="0"/>
+              <a:t>Controlar a quantidade de acesso ao Servidor de </a:t>
+            </a:r>
+            <a:r>
+              <a:rPr lang="pt-BR" i="1" dirty="0" err="1"/>
+              <a:t>back</a:t>
+            </a:r>
+            <a:r>
+              <a:rPr lang="pt-BR" i="1" dirty="0"/>
+              <a:t>-end.</a:t>
+            </a:r>
+            <a:endParaRPr lang="en-US" dirty="0"/>
+          </a:p>
+          <a:p>
+            <a:r>
               <a:rPr lang="pt-BR" dirty="0" smtClean="0"/>
-              <a:t>Servidor de Banco de Dados	</a:t>
+              <a:t>Escalonar </a:t>
+            </a:r>
+            <a:r>
+              <a:rPr lang="pt-BR" dirty="0"/>
+              <a:t>o serviço servidor de </a:t>
+            </a:r>
+            <a:r>
+              <a:rPr lang="pt-BR" i="1" dirty="0" err="1"/>
+              <a:t>back-end</a:t>
+            </a:r>
+            <a:r>
+              <a:rPr lang="pt-BR" i="1" dirty="0"/>
+              <a:t>, </a:t>
+            </a:r>
+            <a:r>
+              <a:rPr lang="pt-BR" dirty="0"/>
+              <a:t>redirecionando </a:t>
+            </a:r>
+            <a:r>
+              <a:rPr lang="pt-BR" dirty="0" smtClean="0"/>
+              <a:t>as requisições ao </a:t>
+            </a:r>
+            <a:r>
+              <a:rPr lang="pt-BR" dirty="0"/>
+              <a:t>serviço com menos carga.  </a:t>
+            </a:r>
+          </a:p>
+          <a:p>
+            <a:r>
+              <a:rPr lang="pt-BR" dirty="0"/>
+              <a:t>Ter suporte ao </a:t>
+            </a:r>
+            <a:r>
+              <a:rPr lang="pt-BR" i="1" dirty="0"/>
+              <a:t>Proxy-Reverso.</a:t>
             </a:r>
             <a:endParaRPr lang="pt-BR" dirty="0"/>
           </a:p>
-        </p:txBody>
-      </p:sp>
-      <p:sp>
-        <p:nvSpPr>
-          <p:cNvPr id="3" name="Espaço Reservado para Conteúdo 2"/>
-          <p:cNvSpPr>
-            <a:spLocks noGrp="1"/>
-          </p:cNvSpPr>
-          <p:nvPr>
-            <p:ph idx="1"/>
-          </p:nvPr>
-        </p:nvSpPr>
-        <p:spPr/>
-        <p:txBody>
-          <a:bodyPr/>
-          <a:lstStyle/>
-          <a:p>
-            <a:r>
-              <a:rPr lang="pt-BR" dirty="0"/>
-              <a:t>É necessário armazenar todas informações pertinentes ao jogo, como características do jogo a ser aplicado, imagens, perguntas e alternativas, bem como informações das instituições, usuários, afim de gerar relatórios para que os responsáveis possam visualizar os resultados do jogo.</a:t>
-            </a:r>
-          </a:p>
-          <a:p>
-            <a:endParaRPr lang="pt-BR" dirty="0"/>
+          <a:p>
+            <a:r>
+              <a:rPr lang="pt-BR" dirty="0"/>
+              <a:t>Fornecer interface gráfica para monitoramento das requisições.</a:t>
+            </a:r>
+            <a:endParaRPr lang="pt-BR" i="1" dirty="0"/>
           </a:p>
         </p:txBody>
       </p:sp>
@@ -8671,20 +8877,13 @@
     </p:spTree>
     <p:extLst>
       <p:ext uri="{BB962C8B-B14F-4D97-AF65-F5344CB8AC3E}">
-        <p14:creationId xmlns:p14="http://schemas.microsoft.com/office/powerpoint/2010/main" val="572130673"/>
+        <p14:creationId xmlns:p14="http://schemas.microsoft.com/office/powerpoint/2010/main" val="2857918926"/>
       </p:ext>
     </p:extLst>
   </p:cSld>
   <p:clrMapOvr>
     <a:masterClrMapping/>
   </p:clrMapOvr>
-  <p:timing>
-    <p:tnLst>
-      <p:par>
-        <p:cTn id="1" dur="indefinite" restart="never" nodeType="tmRoot"/>
-      </p:par>
-    </p:tnLst>
-  </p:timing>
 </p:sld>
 </file>
 
@@ -8721,61 +8920,120 @@
           <a:lstStyle/>
           <a:p>
             <a:r>
-              <a:rPr lang="pt-BR" dirty="0" err="1" smtClean="0"/>
-              <a:t>Balanceador</a:t>
+              <a:rPr lang="pt-BR" dirty="0"/>
+              <a:t>Integração Contínua</a:t>
+            </a:r>
+          </a:p>
+        </p:txBody>
+      </p:sp>
+      <p:sp>
+        <p:nvSpPr>
+          <p:cNvPr id="3" name="Espaço Reservado para Conteúdo 2"/>
+          <p:cNvSpPr>
+            <a:spLocks noGrp="1"/>
+          </p:cNvSpPr>
+          <p:nvPr>
+            <p:ph idx="1"/>
+          </p:nvPr>
+        </p:nvSpPr>
+        <p:spPr/>
+        <p:txBody>
+          <a:bodyPr vert="horz" lIns="91440" tIns="45720" rIns="91440" bIns="45720" rtlCol="0" anchor="t">
+            <a:normAutofit/>
+          </a:bodyPr>
+          <a:lstStyle/>
+          <a:p>
+            <a:r>
+              <a:rPr lang="pt-BR" dirty="0"/>
+              <a:t>Ter um serviço </a:t>
             </a:r>
             <a:r>
               <a:rPr lang="pt-BR" dirty="0" smtClean="0"/>
-              <a:t> de Carga</a:t>
-            </a:r>
-            <a:endParaRPr lang="pt-BR" dirty="0"/>
-          </a:p>
-        </p:txBody>
-      </p:sp>
-      <p:sp>
-        <p:nvSpPr>
-          <p:cNvPr id="3" name="Espaço Reservado para Conteúdo 2"/>
-          <p:cNvSpPr>
-            <a:spLocks noGrp="1"/>
-          </p:cNvSpPr>
-          <p:nvPr>
-            <p:ph idx="1"/>
-          </p:nvPr>
-        </p:nvSpPr>
-        <p:spPr/>
-        <p:txBody>
-          <a:bodyPr/>
-          <a:lstStyle/>
-          <a:p>
-            <a:r>
-              <a:rPr lang="pt-BR" dirty="0"/>
-              <a:t>É fundamental controlar a quantidade de acesso ao Servidor de </a:t>
-            </a:r>
-            <a:r>
-              <a:rPr lang="pt-BR" i="1" dirty="0" err="1"/>
-              <a:t>back-end</a:t>
-            </a:r>
-            <a:r>
-              <a:rPr lang="pt-BR" dirty="0"/>
-              <a:t>, para que isso ocorra é necessário que este serviço seja escalável. Este serviço será responsável por direcionar as requisições para o Servido </a:t>
-            </a:r>
-            <a:r>
-              <a:rPr lang="pt-BR" i="1" dirty="0" err="1"/>
-              <a:t>back-end</a:t>
-            </a:r>
-            <a:r>
-              <a:rPr lang="pt-BR" dirty="0"/>
-              <a:t> com menos carga.</a:t>
-            </a:r>
-          </a:p>
-          <a:p>
-            <a:endParaRPr lang="pt-BR" dirty="0"/>
-          </a:p>
-        </p:txBody>
-      </p:sp>
-      <p:sp>
-        <p:nvSpPr>
-          <p:cNvPr id="4" name="Retângulo 3"/>
+              <a:t>capaz realizar </a:t>
+            </a:r>
+            <a:r>
+              <a:rPr lang="pt-BR" dirty="0"/>
+              <a:t>os processos de Integração Contínua:</a:t>
+            </a:r>
+            <a:endParaRPr lang="en-US" dirty="0"/>
+          </a:p>
+          <a:p>
+            <a:pPr lvl="1"/>
+            <a:r>
+              <a:rPr lang="pt-BR" dirty="0"/>
+              <a:t>Controle de Versão;</a:t>
+            </a:r>
+          </a:p>
+          <a:p>
+            <a:pPr lvl="1"/>
+            <a:r>
+              <a:rPr lang="pt-BR" dirty="0"/>
+              <a:t>Construções;</a:t>
+            </a:r>
+            <a:endParaRPr lang="en-US" dirty="0"/>
+          </a:p>
+          <a:p>
+            <a:pPr lvl="1"/>
+            <a:r>
+              <a:rPr lang="pt-BR" dirty="0"/>
+              <a:t>Validações;</a:t>
+            </a:r>
+            <a:endParaRPr lang="en-US" dirty="0"/>
+          </a:p>
+          <a:p>
+            <a:pPr lvl="1"/>
+            <a:r>
+              <a:rPr lang="pt-BR" dirty="0"/>
+              <a:t>Testes; e</a:t>
+            </a:r>
+            <a:endParaRPr lang="en-US" dirty="0"/>
+          </a:p>
+          <a:p>
+            <a:pPr lvl="1"/>
+            <a:r>
+              <a:rPr lang="pt-BR" dirty="0" err="1"/>
+              <a:t>Deploy</a:t>
+            </a:r>
+            <a:r>
+              <a:rPr lang="pt-BR" dirty="0"/>
+              <a:t>. </a:t>
+            </a:r>
+          </a:p>
+        </p:txBody>
+      </p:sp>
+      <p:pic>
+        <p:nvPicPr>
+          <p:cNvPr id="4" name="Imagem 3"/>
+          <p:cNvPicPr>
+            <a:picLocks noChangeAspect="1"/>
+          </p:cNvPicPr>
+          <p:nvPr/>
+        </p:nvPicPr>
+        <p:blipFill>
+          <a:blip r:embed="rId2">
+            <a:extLst>
+              <a:ext uri="{28A0092B-C50C-407E-A947-70E740481C1C}">
+                <a14:useLocalDpi xmlns:a14="http://schemas.microsoft.com/office/drawing/2010/main" val="0"/>
+              </a:ext>
+            </a:extLst>
+          </a:blip>
+          <a:stretch>
+            <a:fillRect/>
+          </a:stretch>
+        </p:blipFill>
+        <p:spPr>
+          <a:xfrm>
+            <a:off x="5238206" y="3324709"/>
+            <a:ext cx="5055976" cy="2611480"/>
+          </a:xfrm>
+          <a:prstGeom prst="rect">
+            <a:avLst/>
+          </a:prstGeom>
+        </p:spPr>
+      </p:pic>
+      <p:sp>
+        <p:nvSpPr>
+          <p:cNvPr id="5" name="Retângulo 4"/>
           <p:cNvSpPr/>
           <p:nvPr/>
         </p:nvSpPr>
@@ -8808,20 +9066,13 @@
     </p:spTree>
     <p:extLst>
       <p:ext uri="{BB962C8B-B14F-4D97-AF65-F5344CB8AC3E}">
-        <p14:creationId xmlns:p14="http://schemas.microsoft.com/office/powerpoint/2010/main" val="2857918926"/>
+        <p14:creationId xmlns:p14="http://schemas.microsoft.com/office/powerpoint/2010/main" val="3480261159"/>
       </p:ext>
     </p:extLst>
   </p:cSld>
   <p:clrMapOvr>
     <a:masterClrMapping/>
   </p:clrMapOvr>
-  <p:timing>
-    <p:tnLst>
-      <p:par>
-        <p:cTn id="1" dur="indefinite" restart="never" nodeType="tmRoot"/>
-      </p:par>
-    </p:tnLst>
-  </p:timing>
 </p:sld>
 </file>
 
@@ -8858,72 +9109,65 @@
           <a:lstStyle/>
           <a:p>
             <a:r>
+              <a:rPr lang="pt-BR" dirty="0"/>
+              <a:t>Interface de Monitoramento</a:t>
+            </a:r>
+          </a:p>
+        </p:txBody>
+      </p:sp>
+      <p:sp>
+        <p:nvSpPr>
+          <p:cNvPr id="3" name="Espaço Reservado para Conteúdo 2"/>
+          <p:cNvSpPr>
+            <a:spLocks noGrp="1"/>
+          </p:cNvSpPr>
+          <p:nvPr>
+            <p:ph idx="1"/>
+          </p:nvPr>
+        </p:nvSpPr>
+        <p:spPr/>
+        <p:txBody>
+          <a:bodyPr/>
+          <a:lstStyle/>
+          <a:p>
+            <a:r>
               <a:rPr lang="pt-BR" dirty="0" smtClean="0"/>
-              <a:t>Integração Contínua</a:t>
-            </a:r>
+              <a:t>Conter um serviço de monitoramento de recurso em </a:t>
+            </a:r>
+            <a:r>
+              <a:rPr lang="pt-BR" dirty="0"/>
+              <a:t>tempo </a:t>
+            </a:r>
+            <a:r>
+              <a:rPr lang="pt-BR" dirty="0" smtClean="0"/>
+              <a:t>real, </a:t>
+            </a:r>
+            <a:r>
+              <a:rPr lang="pt-BR" dirty="0"/>
+              <a:t>demonstrando graficamente quanto é consumido de recurso de memória, processador, entrada e saída dados, bem como métricas referente a consumo de internet do </a:t>
+            </a:r>
+            <a:r>
+              <a:rPr lang="pt-BR" dirty="0" smtClean="0"/>
+              <a:t>servidor.</a:t>
+            </a:r>
+          </a:p>
+          <a:p>
+            <a:r>
+              <a:rPr lang="pt-BR" dirty="0" smtClean="0"/>
+              <a:t>Monitorar o estado dos containers, exibindo se os mesmos estão ativos ou não. </a:t>
+            </a:r>
+          </a:p>
+          <a:p>
             <a:endParaRPr lang="pt-BR" dirty="0"/>
           </a:p>
-        </p:txBody>
-      </p:sp>
-      <p:sp>
-        <p:nvSpPr>
-          <p:cNvPr id="3" name="Espaço Reservado para Conteúdo 2"/>
-          <p:cNvSpPr>
-            <a:spLocks noGrp="1"/>
-          </p:cNvSpPr>
-          <p:nvPr>
-            <p:ph idx="1"/>
-          </p:nvPr>
-        </p:nvSpPr>
-        <p:spPr/>
-        <p:txBody>
-          <a:bodyPr/>
-          <a:lstStyle/>
-          <a:p>
-            <a:r>
-              <a:rPr lang="pt-BR" dirty="0"/>
-              <a:t>É necessário garantir que um novo código esteja apto a ser disponibilizado frequentemente. Controlando as construções, versionamento, validações e testes. Para que o processo de frequentes alterações parciais enteja disponível de maneira </a:t>
-            </a:r>
-            <a:r>
-              <a:rPr lang="pt-BR" dirty="0" smtClean="0"/>
-              <a:t>automática.</a:t>
-            </a:r>
-          </a:p>
-        </p:txBody>
-      </p:sp>
-      <p:pic>
-        <p:nvPicPr>
-          <p:cNvPr id="4" name="Imagem 3"/>
-          <p:cNvPicPr>
-            <a:picLocks noChangeAspect="1"/>
-          </p:cNvPicPr>
-          <p:nvPr/>
-        </p:nvPicPr>
-        <p:blipFill>
-          <a:blip r:embed="rId2">
-            <a:extLst>
-              <a:ext uri="{28A0092B-C50C-407E-A947-70E740481C1C}">
-                <a14:useLocalDpi xmlns:a14="http://schemas.microsoft.com/office/drawing/2010/main" val="0"/>
-              </a:ext>
-            </a:extLst>
-          </a:blip>
-          <a:stretch>
-            <a:fillRect/>
-          </a:stretch>
-        </p:blipFill>
-        <p:spPr>
-          <a:xfrm>
-            <a:off x="6400800" y="4023361"/>
-            <a:ext cx="5055976" cy="2611480"/>
-          </a:xfrm>
-          <a:prstGeom prst="rect">
-            <a:avLst/>
-          </a:prstGeom>
-        </p:spPr>
-      </p:pic>
-      <p:sp>
-        <p:nvSpPr>
-          <p:cNvPr id="5" name="Retângulo 4"/>
+          <a:p>
+            <a:endParaRPr lang="pt-BR" dirty="0"/>
+          </a:p>
+        </p:txBody>
+      </p:sp>
+      <p:sp>
+        <p:nvSpPr>
+          <p:cNvPr id="4" name="Retângulo 3"/>
           <p:cNvSpPr/>
           <p:nvPr/>
         </p:nvSpPr>
@@ -8956,20 +9200,13 @@
     </p:spTree>
     <p:extLst>
       <p:ext uri="{BB962C8B-B14F-4D97-AF65-F5344CB8AC3E}">
-        <p14:creationId xmlns:p14="http://schemas.microsoft.com/office/powerpoint/2010/main" val="3480261159"/>
+        <p14:creationId xmlns:p14="http://schemas.microsoft.com/office/powerpoint/2010/main" val="3720204878"/>
       </p:ext>
     </p:extLst>
   </p:cSld>
   <p:clrMapOvr>
     <a:masterClrMapping/>
   </p:clrMapOvr>
-  <p:timing>
-    <p:tnLst>
-      <p:par>
-        <p:cTn id="1" dur="indefinite" restart="never" nodeType="tmRoot"/>
-      </p:par>
-    </p:tnLst>
-  </p:timing>
 </p:sld>
 </file>
 
@@ -9006,34 +9243,129 @@
           <a:lstStyle/>
           <a:p>
             <a:r>
+              <a:rPr lang="pt-BR" dirty="0"/>
+              <a:t>Quantidade e Escalabilidade</a:t>
+            </a:r>
+          </a:p>
+        </p:txBody>
+      </p:sp>
+      <p:sp>
+        <p:nvSpPr>
+          <p:cNvPr id="3" name="Espaço Reservado para Conteúdo 2"/>
+          <p:cNvSpPr>
+            <a:spLocks noGrp="1"/>
+          </p:cNvSpPr>
+          <p:nvPr>
+            <p:ph idx="1"/>
+          </p:nvPr>
+        </p:nvSpPr>
+        <p:spPr/>
+        <p:txBody>
+          <a:bodyPr>
+            <a:normAutofit/>
+          </a:bodyPr>
+          <a:lstStyle/>
+          <a:p>
+            <a:pPr hangingPunct="0"/>
+            <a:r>
               <a:rPr lang="pt-BR" dirty="0" smtClean="0"/>
-              <a:t>Interface de Monitoramento</a:t>
+              <a:t>Plataforma escalável, com garantia da plataforma estar sempre </a:t>
+            </a:r>
+            <a:r>
+              <a:rPr lang="pt-BR" dirty="0" smtClean="0"/>
+              <a:t>disponível aos usuários com qualidade. </a:t>
             </a:r>
             <a:endParaRPr lang="pt-BR" dirty="0"/>
           </a:p>
-        </p:txBody>
-      </p:sp>
-      <p:sp>
-        <p:nvSpPr>
-          <p:cNvPr id="3" name="Espaço Reservado para Conteúdo 2"/>
-          <p:cNvSpPr>
-            <a:spLocks noGrp="1"/>
-          </p:cNvSpPr>
-          <p:nvPr>
-            <p:ph idx="1"/>
-          </p:nvPr>
-        </p:nvSpPr>
-        <p:spPr/>
-        <p:txBody>
-          <a:bodyPr/>
-          <a:lstStyle/>
-          <a:p>
-            <a:r>
-              <a:rPr lang="pt-BR" dirty="0"/>
-              <a:t>Serviço de monitoramento em tempo real para que informe ao Técnico responsável pela disponibilização da aplicação o estado da Máquina Virtual, demonstrando graficamente quanto é consumido de recurso de memória, processador, entrada e saída dados, bem como métricas referente a consumo de internet do host, além do estado dos containers. </a:t>
-            </a:r>
-          </a:p>
-          <a:p>
+          <a:p>
+            <a:pPr hangingPunct="0"/>
+            <a:r>
+              <a:rPr lang="pt-BR" dirty="0" smtClean="0"/>
+              <a:t>Estar disponível a </a:t>
+            </a:r>
+            <a:r>
+              <a:rPr lang="pt-BR" dirty="0" smtClean="0"/>
+              <a:t>200 </a:t>
+            </a:r>
+            <a:r>
+              <a:rPr lang="pt-BR" dirty="0" err="1"/>
+              <a:t>ETECs</a:t>
+            </a:r>
+            <a:r>
+              <a:rPr lang="pt-BR" dirty="0"/>
+              <a:t>, 70 </a:t>
+            </a:r>
+            <a:r>
+              <a:rPr lang="pt-BR" dirty="0" err="1"/>
+              <a:t>FATECs</a:t>
+            </a:r>
+            <a:r>
+              <a:rPr lang="pt-BR" dirty="0"/>
+              <a:t>, cada uma oferecendo seus cursos, sendo estes, com em média 40 alunos matriculados</a:t>
+            </a:r>
+            <a:r>
+              <a:rPr lang="pt-BR" dirty="0" smtClean="0"/>
+              <a:t>.</a:t>
+            </a:r>
+          </a:p>
+          <a:p>
+            <a:pPr marL="228600" lvl="1" hangingPunct="0">
+              <a:spcBef>
+                <a:spcPts val="1000"/>
+              </a:spcBef>
+            </a:pPr>
+            <a:r>
+              <a:rPr lang="pt-BR" dirty="0"/>
+              <a:t>FATEC de São José dos </a:t>
+            </a:r>
+            <a:r>
+              <a:rPr lang="pt-BR" dirty="0" smtClean="0"/>
+              <a:t>Campos</a:t>
+            </a:r>
+          </a:p>
+          <a:p>
+            <a:pPr marL="685800" lvl="2" hangingPunct="0">
+              <a:spcBef>
+                <a:spcPts val="1000"/>
+              </a:spcBef>
+            </a:pPr>
+            <a:r>
+              <a:rPr lang="pt-BR" dirty="0" smtClean="0"/>
+              <a:t>Cursos: 7;</a:t>
+            </a:r>
+          </a:p>
+          <a:p>
+            <a:pPr marL="685800" lvl="2" hangingPunct="0">
+              <a:spcBef>
+                <a:spcPts val="1000"/>
+              </a:spcBef>
+            </a:pPr>
+            <a:r>
+              <a:rPr lang="pt-BR" dirty="0" smtClean="0"/>
+              <a:t>Alunos por curso: 40 alunos;</a:t>
+            </a:r>
+          </a:p>
+          <a:p>
+            <a:pPr marL="685800" lvl="2" hangingPunct="0">
+              <a:spcBef>
+                <a:spcPts val="1000"/>
+              </a:spcBef>
+            </a:pPr>
+            <a:r>
+              <a:rPr lang="pt-BR" dirty="0" smtClean="0"/>
+              <a:t>Quantidade de Acesso Simultâneo: aproximadamente 360 alunos ingressantes.</a:t>
+            </a:r>
+          </a:p>
+          <a:p>
+            <a:pPr marL="685800" lvl="2" hangingPunct="0">
+              <a:spcBef>
+                <a:spcPts val="1000"/>
+              </a:spcBef>
+            </a:pPr>
+            <a:r>
+              <a:rPr lang="pt-BR" dirty="0" smtClean="0"/>
+              <a:t>Disponibilidade: Acesso a qualquer momento e de qualquer lugar.</a:t>
+            </a:r>
             <a:endParaRPr lang="pt-BR" dirty="0"/>
           </a:p>
         </p:txBody>
@@ -9073,20 +9405,13 @@
     </p:spTree>
     <p:extLst>
       <p:ext uri="{BB962C8B-B14F-4D97-AF65-F5344CB8AC3E}">
-        <p14:creationId xmlns:p14="http://schemas.microsoft.com/office/powerpoint/2010/main" val="3720204878"/>
+        <p14:creationId xmlns:p14="http://schemas.microsoft.com/office/powerpoint/2010/main" val="3227115249"/>
       </p:ext>
     </p:extLst>
   </p:cSld>
   <p:clrMapOvr>
     <a:masterClrMapping/>
   </p:clrMapOvr>
-  <p:timing>
-    <p:tnLst>
-      <p:par>
-        <p:cTn id="1" dur="indefinite" restart="never" nodeType="tmRoot"/>
-      </p:par>
-    </p:tnLst>
-  </p:timing>
 </p:sld>
 </file>
 
@@ -9114,7 +9439,7 @@
             <a:spLocks noGrp="1"/>
           </p:cNvSpPr>
           <p:nvPr>
-            <p:ph type="title"/>
+            <p:ph type="ctrTitle"/>
           </p:nvPr>
         </p:nvSpPr>
         <p:spPr/>
@@ -9123,140 +9448,41 @@
           <a:lstStyle/>
           <a:p>
             <a:r>
-              <a:rPr lang="pt-BR" dirty="0" smtClean="0"/>
-              <a:t>Quantidade e Escalabilidade</a:t>
-            </a:r>
-            <a:endParaRPr lang="pt-BR" dirty="0"/>
-          </a:p>
-        </p:txBody>
-      </p:sp>
-      <p:sp>
-        <p:nvSpPr>
-          <p:cNvPr id="3" name="Espaço Reservado para Conteúdo 2"/>
-          <p:cNvSpPr>
-            <a:spLocks noGrp="1"/>
-          </p:cNvSpPr>
-          <p:nvPr>
-            <p:ph idx="1"/>
+              <a:rPr lang="pt-BR" dirty="0"/>
+              <a:t>Desenvolvimento</a:t>
+            </a:r>
+          </a:p>
+        </p:txBody>
+      </p:sp>
+      <p:sp>
+        <p:nvSpPr>
+          <p:cNvPr id="4" name="Subtítulo 3"/>
+          <p:cNvSpPr>
+            <a:spLocks noGrp="1"/>
+          </p:cNvSpPr>
+          <p:nvPr>
+            <p:ph type="subTitle" idx="1"/>
           </p:nvPr>
         </p:nvSpPr>
         <p:spPr/>
         <p:txBody>
-          <a:bodyPr>
-            <a:normAutofit lnSpcReduction="10000"/>
-          </a:bodyPr>
-          <a:lstStyle/>
-          <a:p>
-            <a:pPr hangingPunct="0"/>
-            <a:r>
-              <a:rPr lang="pt-BR" dirty="0"/>
-              <a:t>É primordial que a plataforma seja escalável, garantindo que o software estará sempre disponível sendo disponibilizado aos usuários com qualidade.</a:t>
-            </a:r>
-          </a:p>
-          <a:p>
-            <a:pPr hangingPunct="0"/>
-            <a:r>
-              <a:rPr lang="pt-BR" dirty="0"/>
-              <a:t>Este software será utilizado por 200 </a:t>
-            </a:r>
-            <a:r>
-              <a:rPr lang="pt-BR" dirty="0" err="1"/>
-              <a:t>ETECs</a:t>
-            </a:r>
-            <a:r>
-              <a:rPr lang="pt-BR" dirty="0"/>
-              <a:t>, 70 </a:t>
-            </a:r>
-            <a:r>
-              <a:rPr lang="pt-BR" dirty="0" err="1"/>
-              <a:t>FATECs</a:t>
-            </a:r>
-            <a:r>
-              <a:rPr lang="pt-BR" dirty="0"/>
-              <a:t>, cada uma oferecendo seus cursos, sendo estes, com em média 40 alunos matriculados. </a:t>
-            </a:r>
-          </a:p>
-          <a:p>
-            <a:pPr hangingPunct="0"/>
-            <a:r>
-              <a:rPr lang="pt-BR" dirty="0" smtClean="0"/>
-              <a:t>Como exemplo </a:t>
-            </a:r>
-            <a:r>
-              <a:rPr lang="pt-BR" dirty="0"/>
-              <a:t>a FATEC de São José dos Campos, </a:t>
-            </a:r>
-            <a:r>
-              <a:rPr lang="pt-BR" dirty="0" smtClean="0"/>
-              <a:t>contém </a:t>
-            </a:r>
-            <a:r>
-              <a:rPr lang="pt-BR" dirty="0"/>
-              <a:t>7 cursos, cada um com 40 alunos ingressantes. Na primeira quinzena do semestre haverá um acesso de </a:t>
-            </a:r>
-            <a:r>
-              <a:rPr lang="pt-BR" dirty="0" smtClean="0"/>
-              <a:t>aproximadamente 360 </a:t>
-            </a:r>
-            <a:r>
-              <a:rPr lang="pt-BR" dirty="0"/>
-              <a:t>alunos simultâneos, onde os mesmos devem acessar a qualquer momento e de qualquer lugar.</a:t>
-            </a:r>
-          </a:p>
-          <a:p>
-            <a:endParaRPr lang="pt-BR" dirty="0"/>
-          </a:p>
-        </p:txBody>
-      </p:sp>
-      <p:sp>
-        <p:nvSpPr>
-          <p:cNvPr id="4" name="Retângulo 3"/>
-          <p:cNvSpPr/>
-          <p:nvPr/>
-        </p:nvSpPr>
-        <p:spPr>
-          <a:xfrm>
-            <a:off x="680321" y="250521"/>
-            <a:ext cx="3384516" cy="369332"/>
-          </a:xfrm>
-          <a:prstGeom prst="rect">
-            <a:avLst/>
-          </a:prstGeom>
-        </p:spPr>
-        <p:txBody>
-          <a:bodyPr wrap="none">
-            <a:spAutoFit/>
-          </a:bodyPr>
-          <a:lstStyle/>
-          <a:p>
-            <a:pPr marL="285750" indent="-285750">
-              <a:buFont typeface="Arial" panose="020B0604020202020204" pitchFamily="34" charset="0"/>
-              <a:buChar char="•"/>
-            </a:pPr>
-            <a:r>
-              <a:rPr lang="pt-BR" dirty="0"/>
-              <a:t>Levantamento de Requisitos</a:t>
-            </a:r>
+          <a:bodyPr/>
+          <a:lstStyle/>
+          <a:p>
+            <a:endParaRPr lang="pt-BR"/>
           </a:p>
         </p:txBody>
       </p:sp>
     </p:spTree>
     <p:extLst>
       <p:ext uri="{BB962C8B-B14F-4D97-AF65-F5344CB8AC3E}">
-        <p14:creationId xmlns:p14="http://schemas.microsoft.com/office/powerpoint/2010/main" val="3227115249"/>
+        <p14:creationId xmlns:p14="http://schemas.microsoft.com/office/powerpoint/2010/main" val="1617949282"/>
       </p:ext>
     </p:extLst>
   </p:cSld>
   <p:clrMapOvr>
     <a:masterClrMapping/>
   </p:clrMapOvr>
-  <p:timing>
-    <p:tnLst>
-      <p:par>
-        <p:cTn id="1" dur="indefinite" restart="never" nodeType="tmRoot"/>
-      </p:par>
-    </p:tnLst>
-  </p:timing>
 </p:sld>
 </file>
 
@@ -9284,7 +9510,7 @@
             <a:spLocks noGrp="1"/>
           </p:cNvSpPr>
           <p:nvPr>
-            <p:ph type="ctrTitle"/>
+            <p:ph type="title"/>
           </p:nvPr>
         </p:nvSpPr>
         <p:spPr/>
@@ -9293,95 +9519,15 @@
           <a:lstStyle/>
           <a:p>
             <a:r>
-              <a:rPr lang="pt-BR" dirty="0" smtClean="0"/>
-              <a:t>Desenvolvimento</a:t>
-            </a:r>
-            <a:endParaRPr lang="pt-BR" dirty="0"/>
-          </a:p>
-        </p:txBody>
-      </p:sp>
-      <p:sp>
-        <p:nvSpPr>
-          <p:cNvPr id="4" name="Subtítulo 3"/>
-          <p:cNvSpPr>
-            <a:spLocks noGrp="1"/>
-          </p:cNvSpPr>
-          <p:nvPr>
-            <p:ph type="subTitle" idx="1"/>
-          </p:nvPr>
-        </p:nvSpPr>
-        <p:spPr/>
-        <p:txBody>
-          <a:bodyPr/>
-          <a:lstStyle/>
-          <a:p>
-            <a:endParaRPr lang="pt-BR"/>
-          </a:p>
-        </p:txBody>
-      </p:sp>
-    </p:spTree>
-    <p:extLst>
-      <p:ext uri="{BB962C8B-B14F-4D97-AF65-F5344CB8AC3E}">
-        <p14:creationId xmlns:p14="http://schemas.microsoft.com/office/powerpoint/2010/main" val="1617949282"/>
-      </p:ext>
-    </p:extLst>
-  </p:cSld>
-  <p:clrMapOvr>
-    <a:masterClrMapping/>
-  </p:clrMapOvr>
-  <p:timing>
-    <p:tnLst>
-      <p:par>
-        <p:cTn id="1" dur="indefinite" restart="never" nodeType="tmRoot"/>
-      </p:par>
-    </p:tnLst>
-  </p:timing>
-</p:sld>
-</file>
-
-<file path=ppt/slides/slide18.xml><?xml version="1.0" encoding="utf-8"?>
-<p:sld xmlns:a="http://schemas.openxmlformats.org/drawingml/2006/main" xmlns:r="http://schemas.openxmlformats.org/officeDocument/2006/relationships" xmlns:p="http://schemas.openxmlformats.org/presentationml/2006/main">
-  <p:cSld>
-    <p:spTree>
-      <p:nvGrpSpPr>
-        <p:cNvPr id="1" name=""/>
-        <p:cNvGrpSpPr/>
-        <p:nvPr/>
-      </p:nvGrpSpPr>
-      <p:grpSpPr>
-        <a:xfrm>
-          <a:off x="0" y="0"/>
-          <a:ext cx="0" cy="0"/>
-          <a:chOff x="0" y="0"/>
-          <a:chExt cx="0" cy="0"/>
-        </a:xfrm>
-      </p:grpSpPr>
-      <p:sp>
-        <p:nvSpPr>
-          <p:cNvPr id="2" name="Título 1"/>
-          <p:cNvSpPr>
-            <a:spLocks noGrp="1"/>
-          </p:cNvSpPr>
-          <p:nvPr>
-            <p:ph type="title"/>
-          </p:nvPr>
-        </p:nvSpPr>
-        <p:spPr/>
-        <p:txBody>
-          <a:bodyPr/>
-          <a:lstStyle/>
-          <a:p>
-            <a:r>
-              <a:rPr lang="pt-BR" dirty="0" smtClean="0"/>
-              <a:t>Arquitetura</a:t>
-            </a:r>
-            <a:endParaRPr lang="pt-BR" dirty="0"/>
+              <a:rPr lang="pt-BR" dirty="0"/>
+              <a:t>Tecnologias Utilizadas</a:t>
+            </a:r>
           </a:p>
         </p:txBody>
       </p:sp>
       <p:pic>
         <p:nvPicPr>
-          <p:cNvPr id="4" name="Espaço Reservado para Conteúdo 3"/>
+          <p:cNvPr id="12" name="Espaço Reservado para Conteúdo 11"/>
           <p:cNvPicPr>
             <a:picLocks noGrp="1" noChangeAspect="1"/>
           </p:cNvPicPr>
@@ -9403,14 +9549,14 @@
         </p:blipFill>
         <p:spPr>
           <a:xfrm>
-            <a:off x="1983583" y="2336800"/>
-            <a:ext cx="7008809" cy="3598863"/>
+            <a:off x="454876" y="2248512"/>
+            <a:ext cx="3672987" cy="1138626"/>
           </a:xfrm>
         </p:spPr>
       </p:pic>
       <p:sp>
         <p:nvSpPr>
-          <p:cNvPr id="5" name="Retângulo 4"/>
+          <p:cNvPr id="4" name="Retângulo 3"/>
           <p:cNvSpPr/>
           <p:nvPr/>
         </p:nvSpPr>
@@ -9434,132 +9580,9 @@
               <a:buChar char="•"/>
             </a:pPr>
             <a:r>
-              <a:rPr lang="pt-BR" dirty="0" smtClean="0"/>
+              <a:rPr lang="pt-BR" dirty="0"/>
               <a:t>Desenvolvimento</a:t>
             </a:r>
-            <a:endParaRPr lang="pt-BR" dirty="0"/>
-          </a:p>
-        </p:txBody>
-      </p:sp>
-    </p:spTree>
-    <p:extLst>
-      <p:ext uri="{BB962C8B-B14F-4D97-AF65-F5344CB8AC3E}">
-        <p14:creationId xmlns:p14="http://schemas.microsoft.com/office/powerpoint/2010/main" val="3213119346"/>
-      </p:ext>
-    </p:extLst>
-  </p:cSld>
-  <p:clrMapOvr>
-    <a:masterClrMapping/>
-  </p:clrMapOvr>
-  <p:timing>
-    <p:tnLst>
-      <p:par>
-        <p:cTn id="1" dur="indefinite" restart="never" nodeType="tmRoot"/>
-      </p:par>
-    </p:tnLst>
-  </p:timing>
-</p:sld>
-</file>
-
-<file path=ppt/slides/slide19.xml><?xml version="1.0" encoding="utf-8"?>
-<p:sld xmlns:a="http://schemas.openxmlformats.org/drawingml/2006/main" xmlns:r="http://schemas.openxmlformats.org/officeDocument/2006/relationships" xmlns:p="http://schemas.openxmlformats.org/presentationml/2006/main">
-  <p:cSld>
-    <p:spTree>
-      <p:nvGrpSpPr>
-        <p:cNvPr id="1" name=""/>
-        <p:cNvGrpSpPr/>
-        <p:nvPr/>
-      </p:nvGrpSpPr>
-      <p:grpSpPr>
-        <a:xfrm>
-          <a:off x="0" y="0"/>
-          <a:ext cx="0" cy="0"/>
-          <a:chOff x="0" y="0"/>
-          <a:chExt cx="0" cy="0"/>
-        </a:xfrm>
-      </p:grpSpPr>
-      <p:sp>
-        <p:nvSpPr>
-          <p:cNvPr id="2" name="Título 1"/>
-          <p:cNvSpPr>
-            <a:spLocks noGrp="1"/>
-          </p:cNvSpPr>
-          <p:nvPr>
-            <p:ph type="title"/>
-          </p:nvPr>
-        </p:nvSpPr>
-        <p:spPr/>
-        <p:txBody>
-          <a:bodyPr/>
-          <a:lstStyle/>
-          <a:p>
-            <a:r>
-              <a:rPr lang="pt-BR" dirty="0" smtClean="0"/>
-              <a:t>Tecnologias Utilizadas</a:t>
-            </a:r>
-            <a:endParaRPr lang="pt-BR" dirty="0"/>
-          </a:p>
-        </p:txBody>
-      </p:sp>
-      <p:pic>
-        <p:nvPicPr>
-          <p:cNvPr id="12" name="Espaço Reservado para Conteúdo 11"/>
-          <p:cNvPicPr>
-            <a:picLocks noGrp="1" noChangeAspect="1"/>
-          </p:cNvPicPr>
-          <p:nvPr>
-            <p:ph idx="1"/>
-          </p:nvPr>
-        </p:nvPicPr>
-        <p:blipFill>
-          <a:blip r:embed="rId2">
-            <a:extLst>
-              <a:ext uri="{28A0092B-C50C-407E-A947-70E740481C1C}">
-                <a14:useLocalDpi xmlns:a14="http://schemas.microsoft.com/office/drawing/2010/main" val="0"/>
-              </a:ext>
-            </a:extLst>
-          </a:blip>
-          <a:stretch>
-            <a:fillRect/>
-          </a:stretch>
-        </p:blipFill>
-        <p:spPr>
-          <a:xfrm>
-            <a:off x="454876" y="2248512"/>
-            <a:ext cx="3672987" cy="1138626"/>
-          </a:xfrm>
-        </p:spPr>
-      </p:pic>
-      <p:sp>
-        <p:nvSpPr>
-          <p:cNvPr id="4" name="Retângulo 3"/>
-          <p:cNvSpPr/>
-          <p:nvPr/>
-        </p:nvSpPr>
-        <p:spPr>
-          <a:xfrm>
-            <a:off x="680321" y="250521"/>
-            <a:ext cx="2231701" cy="369332"/>
-          </a:xfrm>
-          <a:prstGeom prst="rect">
-            <a:avLst/>
-          </a:prstGeom>
-        </p:spPr>
-        <p:txBody>
-          <a:bodyPr wrap="none">
-            <a:spAutoFit/>
-          </a:bodyPr>
-          <a:lstStyle/>
-          <a:p>
-            <a:pPr marL="285750" indent="-285750">
-              <a:buFont typeface="Arial" panose="020B0604020202020204" pitchFamily="34" charset="0"/>
-              <a:buChar char="•"/>
-            </a:pPr>
-            <a:r>
-              <a:rPr lang="pt-BR" dirty="0" smtClean="0"/>
-              <a:t>Desenvolvimento</a:t>
-            </a:r>
-            <a:endParaRPr lang="pt-BR" dirty="0"/>
           </a:p>
         </p:txBody>
       </p:sp>
@@ -9783,13 +9806,259 @@
   <p:clrMapOvr>
     <a:masterClrMapping/>
   </p:clrMapOvr>
-  <p:timing>
-    <p:tnLst>
-      <p:par>
-        <p:cTn id="1" dur="indefinite" restart="never" nodeType="tmRoot"/>
-      </p:par>
-    </p:tnLst>
-  </p:timing>
+</p:sld>
+</file>
+
+<file path=ppt/slides/slide18.xml><?xml version="1.0" encoding="utf-8"?>
+<p:sld xmlns:a="http://schemas.openxmlformats.org/drawingml/2006/main" xmlns:r="http://schemas.openxmlformats.org/officeDocument/2006/relationships" xmlns:p="http://schemas.openxmlformats.org/presentationml/2006/main">
+  <p:cSld>
+    <p:spTree>
+      <p:nvGrpSpPr>
+        <p:cNvPr id="1" name=""/>
+        <p:cNvGrpSpPr/>
+        <p:nvPr/>
+      </p:nvGrpSpPr>
+      <p:grpSpPr>
+        <a:xfrm>
+          <a:off x="0" y="0"/>
+          <a:ext cx="0" cy="0"/>
+          <a:chOff x="0" y="0"/>
+          <a:chExt cx="0" cy="0"/>
+        </a:xfrm>
+      </p:grpSpPr>
+      <p:sp>
+        <p:nvSpPr>
+          <p:cNvPr id="2" name="Título 1"/>
+          <p:cNvSpPr>
+            <a:spLocks noGrp="1"/>
+          </p:cNvSpPr>
+          <p:nvPr>
+            <p:ph type="title"/>
+          </p:nvPr>
+        </p:nvSpPr>
+        <p:spPr/>
+        <p:txBody>
+          <a:bodyPr/>
+          <a:lstStyle/>
+          <a:p>
+            <a:r>
+              <a:rPr lang="pt-BR" dirty="0"/>
+              <a:t>Arquitetura</a:t>
+            </a:r>
+          </a:p>
+        </p:txBody>
+      </p:sp>
+      <p:pic>
+        <p:nvPicPr>
+          <p:cNvPr id="4" name="Espaço Reservado para Conteúdo 3"/>
+          <p:cNvPicPr>
+            <a:picLocks noGrp="1" noChangeAspect="1"/>
+          </p:cNvPicPr>
+          <p:nvPr>
+            <p:ph idx="1"/>
+          </p:nvPr>
+        </p:nvPicPr>
+        <p:blipFill>
+          <a:blip r:embed="rId2">
+            <a:extLst>
+              <a:ext uri="{28A0092B-C50C-407E-A947-70E740481C1C}">
+                <a14:useLocalDpi xmlns:a14="http://schemas.microsoft.com/office/drawing/2010/main" val="0"/>
+              </a:ext>
+            </a:extLst>
+          </a:blip>
+          <a:stretch>
+            <a:fillRect/>
+          </a:stretch>
+        </p:blipFill>
+        <p:spPr>
+          <a:xfrm>
+            <a:off x="1983583" y="2336800"/>
+            <a:ext cx="7008809" cy="3598863"/>
+          </a:xfrm>
+        </p:spPr>
+      </p:pic>
+      <p:sp>
+        <p:nvSpPr>
+          <p:cNvPr id="5" name="Retângulo 4"/>
+          <p:cNvSpPr/>
+          <p:nvPr/>
+        </p:nvSpPr>
+        <p:spPr>
+          <a:xfrm>
+            <a:off x="680321" y="250521"/>
+            <a:ext cx="2231701" cy="369332"/>
+          </a:xfrm>
+          <a:prstGeom prst="rect">
+            <a:avLst/>
+          </a:prstGeom>
+        </p:spPr>
+        <p:txBody>
+          <a:bodyPr wrap="none">
+            <a:spAutoFit/>
+          </a:bodyPr>
+          <a:lstStyle/>
+          <a:p>
+            <a:pPr marL="285750" indent="-285750">
+              <a:buFont typeface="Arial" panose="020B0604020202020204" pitchFamily="34" charset="0"/>
+              <a:buChar char="•"/>
+            </a:pPr>
+            <a:r>
+              <a:rPr lang="pt-BR" dirty="0"/>
+              <a:t>Desenvolvimento</a:t>
+            </a:r>
+          </a:p>
+        </p:txBody>
+      </p:sp>
+    </p:spTree>
+    <p:extLst>
+      <p:ext uri="{BB962C8B-B14F-4D97-AF65-F5344CB8AC3E}">
+        <p14:creationId xmlns:p14="http://schemas.microsoft.com/office/powerpoint/2010/main" val="3213119346"/>
+      </p:ext>
+    </p:extLst>
+  </p:cSld>
+  <p:clrMapOvr>
+    <a:masterClrMapping/>
+  </p:clrMapOvr>
+</p:sld>
+</file>
+
+<file path=ppt/slides/slide19.xml><?xml version="1.0" encoding="utf-8"?>
+<p:sld xmlns:a="http://schemas.openxmlformats.org/drawingml/2006/main" xmlns:r="http://schemas.openxmlformats.org/officeDocument/2006/relationships" xmlns:p="http://schemas.openxmlformats.org/presentationml/2006/main">
+  <p:cSld>
+    <p:spTree>
+      <p:nvGrpSpPr>
+        <p:cNvPr id="1" name=""/>
+        <p:cNvGrpSpPr/>
+        <p:nvPr/>
+      </p:nvGrpSpPr>
+      <p:grpSpPr>
+        <a:xfrm>
+          <a:off x="0" y="0"/>
+          <a:ext cx="0" cy="0"/>
+          <a:chOff x="0" y="0"/>
+          <a:chExt cx="0" cy="0"/>
+        </a:xfrm>
+      </p:grpSpPr>
+      <p:sp>
+        <p:nvSpPr>
+          <p:cNvPr id="2" name="Título 1"/>
+          <p:cNvSpPr>
+            <a:spLocks noGrp="1"/>
+          </p:cNvSpPr>
+          <p:nvPr>
+            <p:ph type="title"/>
+          </p:nvPr>
+        </p:nvSpPr>
+        <p:spPr/>
+        <p:txBody>
+          <a:bodyPr/>
+          <a:lstStyle/>
+          <a:p>
+            <a:r>
+              <a:rPr lang="pt-BR" dirty="0" err="1"/>
+              <a:t>Mapskills-Cadvisor</a:t>
+            </a:r>
+            <a:endParaRPr lang="pt-BR" dirty="0"/>
+          </a:p>
+        </p:txBody>
+      </p:sp>
+      <p:sp>
+        <p:nvSpPr>
+          <p:cNvPr id="3" name="Espaço Reservado para Conteúdo 2"/>
+          <p:cNvSpPr>
+            <a:spLocks noGrp="1"/>
+          </p:cNvSpPr>
+          <p:nvPr>
+            <p:ph idx="1"/>
+          </p:nvPr>
+        </p:nvSpPr>
+        <p:spPr/>
+        <p:txBody>
+          <a:bodyPr/>
+          <a:lstStyle/>
+          <a:p>
+            <a:r>
+              <a:rPr lang="pt-BR" dirty="0"/>
+              <a:t>Container que auxilia no monitoramento dos recursos consumidos pelo host. </a:t>
+            </a:r>
+          </a:p>
+          <a:p>
+            <a:pPr marL="0" indent="0">
+              <a:buNone/>
+            </a:pPr>
+            <a:endParaRPr lang="pt-BR" dirty="0"/>
+          </a:p>
+          <a:p>
+            <a:r>
+              <a:rPr lang="pt-BR" dirty="0"/>
+              <a:t>Monitoramento dos serviços que compõem a arquitetura da aplicação </a:t>
+            </a:r>
+            <a:r>
+              <a:rPr lang="pt-BR" i="1" dirty="0" err="1"/>
+              <a:t>Mapskills</a:t>
+            </a:r>
+            <a:r>
+              <a:rPr lang="pt-BR" dirty="0" smtClean="0"/>
+              <a:t>.</a:t>
+            </a:r>
+          </a:p>
+          <a:p>
+            <a:pPr marL="0" indent="0">
+              <a:buNone/>
+            </a:pPr>
+            <a:endParaRPr lang="pt-BR" dirty="0"/>
+          </a:p>
+          <a:p>
+            <a:r>
+              <a:rPr lang="pt-BR" dirty="0" smtClean="0"/>
+              <a:t>Acesso a Interface de Monitoramento: http://ip_do_host:8888</a:t>
+            </a:r>
+            <a:endParaRPr lang="pt-BR" dirty="0"/>
+          </a:p>
+        </p:txBody>
+      </p:sp>
+      <p:sp>
+        <p:nvSpPr>
+          <p:cNvPr id="5" name="Retângulo 4"/>
+          <p:cNvSpPr/>
+          <p:nvPr/>
+        </p:nvSpPr>
+        <p:spPr>
+          <a:xfrm>
+            <a:off x="680321" y="250521"/>
+            <a:ext cx="2231701" cy="369332"/>
+          </a:xfrm>
+          <a:prstGeom prst="rect">
+            <a:avLst/>
+          </a:prstGeom>
+        </p:spPr>
+        <p:txBody>
+          <a:bodyPr wrap="none">
+            <a:spAutoFit/>
+          </a:bodyPr>
+          <a:lstStyle/>
+          <a:p>
+            <a:pPr marL="285750" indent="-285750">
+              <a:buFont typeface="Arial" panose="020B0604020202020204" pitchFamily="34" charset="0"/>
+              <a:buChar char="•"/>
+            </a:pPr>
+            <a:r>
+              <a:rPr lang="pt-BR" dirty="0"/>
+              <a:t>Desenvolvimento</a:t>
+            </a:r>
+          </a:p>
+        </p:txBody>
+      </p:sp>
+    </p:spTree>
+    <p:extLst>
+      <p:ext uri="{BB962C8B-B14F-4D97-AF65-F5344CB8AC3E}">
+        <p14:creationId xmlns:p14="http://schemas.microsoft.com/office/powerpoint/2010/main" val="2298780734"/>
+      </p:ext>
+    </p:extLst>
+  </p:cSld>
+  <p:clrMapOvr>
+    <a:masterClrMapping/>
+  </p:clrMapOvr>
 </p:sld>
 </file>
 
@@ -9826,10 +10095,9 @@
           <a:lstStyle/>
           <a:p>
             <a:r>
-              <a:rPr lang="pt-BR" dirty="0" smtClean="0"/>
+              <a:rPr lang="pt-BR" dirty="0"/>
               <a:t>Apresentação</a:t>
             </a:r>
-            <a:endParaRPr lang="pt-BR" dirty="0"/>
           </a:p>
         </p:txBody>
       </p:sp>
@@ -9851,34 +10119,33 @@
           <a:lstStyle/>
           <a:p>
             <a:r>
-              <a:rPr lang="pt-BR" sz="3200" dirty="0" smtClean="0"/>
+              <a:rPr lang="pt-BR" sz="3200" dirty="0"/>
               <a:t>Introdução</a:t>
             </a:r>
           </a:p>
           <a:p>
             <a:r>
-              <a:rPr lang="pt-BR" sz="3200" dirty="0" smtClean="0"/>
+              <a:rPr lang="pt-BR" sz="3200" dirty="0"/>
               <a:t>Levantamento de Requisitos</a:t>
             </a:r>
           </a:p>
           <a:p>
             <a:r>
-              <a:rPr lang="pt-BR" sz="3200" dirty="0" smtClean="0"/>
+              <a:rPr lang="pt-BR" sz="3200" dirty="0"/>
               <a:t>Desenvolvimento</a:t>
             </a:r>
           </a:p>
           <a:p>
             <a:r>
-              <a:rPr lang="pt-BR" sz="3200" dirty="0" smtClean="0"/>
+              <a:rPr lang="pt-BR" sz="3200" dirty="0"/>
               <a:t>Resultados</a:t>
             </a:r>
           </a:p>
           <a:p>
             <a:r>
-              <a:rPr lang="pt-BR" sz="3200" dirty="0" smtClean="0"/>
+              <a:rPr lang="pt-BR" sz="3200" dirty="0"/>
               <a:t>Considerações Finais</a:t>
             </a:r>
-            <a:endParaRPr lang="pt-BR" sz="3200" dirty="0"/>
           </a:p>
         </p:txBody>
       </p:sp>
@@ -9892,13 +10159,6 @@
   <p:clrMapOvr>
     <a:masterClrMapping/>
   </p:clrMapOvr>
-  <p:timing>
-    <p:tnLst>
-      <p:par>
-        <p:cTn id="1" dur="indefinite" restart="never" nodeType="tmRoot"/>
-      </p:par>
-    </p:tnLst>
-  </p:timing>
 </p:sld>
 </file>
 
@@ -9935,76 +10195,39 @@
           <a:lstStyle/>
           <a:p>
             <a:r>
-              <a:rPr lang="pt-BR" dirty="0" err="1" smtClean="0"/>
+              <a:rPr lang="pt-BR" dirty="0" err="1"/>
               <a:t>Mapskills-Cadvisor</a:t>
             </a:r>
             <a:endParaRPr lang="pt-BR" dirty="0"/>
           </a:p>
         </p:txBody>
       </p:sp>
-      <p:sp>
-        <p:nvSpPr>
-          <p:cNvPr id="3" name="Espaço Reservado para Conteúdo 2"/>
-          <p:cNvSpPr>
-            <a:spLocks noGrp="1"/>
-          </p:cNvSpPr>
+      <p:pic>
+        <p:nvPicPr>
+          <p:cNvPr id="4" name="Espaço Reservado para Conteúdo 3"/>
+          <p:cNvPicPr>
+            <a:picLocks noGrp="1" noChangeAspect="1"/>
+          </p:cNvPicPr>
           <p:nvPr>
             <p:ph idx="1"/>
           </p:nvPr>
-        </p:nvSpPr>
-        <p:spPr/>
-        <p:txBody>
-          <a:bodyPr/>
-          <a:lstStyle/>
-          <a:p>
-            <a:r>
-              <a:rPr lang="pt-BR" dirty="0"/>
-              <a:t>Container que auxilia no </a:t>
-            </a:r>
-            <a:r>
-              <a:rPr lang="pt-BR" dirty="0" smtClean="0"/>
-              <a:t>monitoramento </a:t>
-            </a:r>
-            <a:r>
-              <a:rPr lang="pt-BR" dirty="0"/>
-              <a:t>dos recursos consumidos pelo host. </a:t>
-            </a:r>
-            <a:endParaRPr lang="pt-BR" dirty="0" smtClean="0"/>
-          </a:p>
-          <a:p>
-            <a:pPr marL="0" indent="0">
-              <a:buNone/>
-            </a:pPr>
-            <a:endParaRPr lang="pt-BR" dirty="0" smtClean="0"/>
-          </a:p>
-          <a:p>
-            <a:r>
-              <a:rPr lang="pt-BR" dirty="0" smtClean="0"/>
-              <a:t>Monitoramento dos serviços que compõem </a:t>
-            </a:r>
-            <a:r>
-              <a:rPr lang="pt-BR" dirty="0" smtClean="0"/>
-              <a:t>a </a:t>
-            </a:r>
-            <a:r>
-              <a:rPr lang="pt-BR" dirty="0"/>
-              <a:t>arquitetura da aplicação </a:t>
-            </a:r>
-            <a:r>
-              <a:rPr lang="pt-BR" i="1" dirty="0" err="1" smtClean="0"/>
-              <a:t>Mapskills</a:t>
-            </a:r>
-            <a:r>
-              <a:rPr lang="pt-BR" dirty="0" smtClean="0"/>
-              <a:t>.</a:t>
-            </a:r>
-            <a:endParaRPr lang="pt-BR" dirty="0"/>
-          </a:p>
-          <a:p>
-            <a:endParaRPr lang="pt-BR" dirty="0" smtClean="0"/>
-          </a:p>
-        </p:txBody>
-      </p:sp>
+        </p:nvPicPr>
+        <p:blipFill>
+          <a:blip r:embed="rId2"/>
+          <a:stretch>
+            <a:fillRect/>
+          </a:stretch>
+        </p:blipFill>
+        <p:spPr>
+          <a:xfrm>
+            <a:off x="2325191" y="2454366"/>
+            <a:ext cx="6805748" cy="3763554"/>
+          </a:xfrm>
+          <a:prstGeom prst="rect">
+            <a:avLst/>
+          </a:prstGeom>
+        </p:spPr>
+      </p:pic>
       <p:sp>
         <p:nvSpPr>
           <p:cNvPr id="5" name="Retângulo 4"/>
@@ -10031,30 +10254,22 @@
               <a:buChar char="•"/>
             </a:pPr>
             <a:r>
-              <a:rPr lang="pt-BR" dirty="0" smtClean="0"/>
+              <a:rPr lang="pt-BR" dirty="0"/>
               <a:t>Desenvolvimento</a:t>
             </a:r>
-            <a:endParaRPr lang="pt-BR" dirty="0"/>
           </a:p>
         </p:txBody>
       </p:sp>
     </p:spTree>
     <p:extLst>
       <p:ext uri="{BB962C8B-B14F-4D97-AF65-F5344CB8AC3E}">
-        <p14:creationId xmlns:p14="http://schemas.microsoft.com/office/powerpoint/2010/main" val="2298780734"/>
+        <p14:creationId xmlns:p14="http://schemas.microsoft.com/office/powerpoint/2010/main" val="3599699526"/>
       </p:ext>
     </p:extLst>
   </p:cSld>
   <p:clrMapOvr>
     <a:masterClrMapping/>
   </p:clrMapOvr>
-  <p:timing>
-    <p:tnLst>
-      <p:par>
-        <p:cTn id="1" dur="indefinite" restart="never" nodeType="tmRoot"/>
-      </p:par>
-    </p:tnLst>
-  </p:timing>
 </p:sld>
 </file>
 
@@ -10091,42 +10306,120 @@
           <a:lstStyle/>
           <a:p>
             <a:r>
+              <a:rPr lang="pt-BR" dirty="0" err="1" smtClean="0"/>
+              <a:t>Mapskills-back</a:t>
+            </a:r>
+            <a:endParaRPr lang="pt-BR" dirty="0"/>
+          </a:p>
+        </p:txBody>
+      </p:sp>
+      <p:sp>
+        <p:nvSpPr>
+          <p:cNvPr id="3" name="Espaço Reservado para Conteúdo 2"/>
+          <p:cNvSpPr>
+            <a:spLocks noGrp="1"/>
+          </p:cNvSpPr>
+          <p:nvPr>
+            <p:ph idx="1"/>
+          </p:nvPr>
+        </p:nvSpPr>
+        <p:spPr/>
+        <p:txBody>
+          <a:bodyPr>
+            <a:normAutofit/>
+          </a:bodyPr>
+          <a:lstStyle/>
+          <a:p>
+            <a:pPr hangingPunct="0"/>
+            <a:r>
+              <a:rPr lang="pt-BR" dirty="0" smtClean="0"/>
+              <a:t>Container </a:t>
+            </a:r>
+            <a:r>
+              <a:rPr lang="pt-BR" dirty="0"/>
+              <a:t>responsável por conter o projeto Java de </a:t>
+            </a:r>
+            <a:r>
+              <a:rPr lang="pt-BR" i="1" dirty="0" err="1"/>
+              <a:t>back-end</a:t>
+            </a:r>
+            <a:r>
+              <a:rPr lang="pt-BR" dirty="0"/>
+              <a:t>, </a:t>
+            </a:r>
+            <a:r>
+              <a:rPr lang="pt-BR" i="1" dirty="0" err="1"/>
+              <a:t>mapskills.war</a:t>
+            </a:r>
+            <a:r>
+              <a:rPr lang="pt-BR" dirty="0"/>
+              <a:t>. </a:t>
+            </a:r>
+            <a:endParaRPr lang="pt-BR" dirty="0"/>
+          </a:p>
+          <a:p>
+            <a:pPr hangingPunct="0"/>
+            <a:r>
+              <a:rPr lang="pt-BR" dirty="0" smtClean="0"/>
+              <a:t>Java 1.8 </a:t>
+            </a:r>
+          </a:p>
+          <a:p>
+            <a:pPr hangingPunct="0"/>
+            <a:r>
+              <a:rPr lang="pt-BR" dirty="0" err="1" smtClean="0"/>
+              <a:t>Tomcat</a:t>
+            </a:r>
+            <a:r>
+              <a:rPr lang="pt-BR" dirty="0" smtClean="0"/>
+              <a:t> 8.5</a:t>
+            </a:r>
+            <a:r>
+              <a:rPr lang="pt-BR" dirty="0"/>
+              <a:t>, </a:t>
+            </a:r>
+            <a:endParaRPr lang="pt-BR" dirty="0" smtClean="0"/>
+          </a:p>
+          <a:p>
+            <a:pPr hangingPunct="0"/>
+            <a:r>
+              <a:rPr lang="pt-BR" dirty="0" smtClean="0"/>
+              <a:t>Imagem Base: </a:t>
+            </a:r>
+            <a:r>
+              <a:rPr lang="pt-BR" dirty="0" err="1" smtClean="0"/>
+              <a:t>Alpine</a:t>
+            </a:r>
+            <a:r>
+              <a:rPr lang="pt-BR" dirty="0" smtClean="0"/>
+              <a:t> 3</a:t>
+            </a:r>
+            <a:endParaRPr lang="pt-BR" dirty="0"/>
+          </a:p>
+          <a:p>
+            <a:pPr hangingPunct="0"/>
+            <a:r>
               <a:rPr lang="pt-BR" dirty="0" err="1"/>
-              <a:t>Mapskills-Cadvisor</a:t>
+              <a:t>Url</a:t>
+            </a:r>
+            <a:r>
+              <a:rPr lang="pt-BR" dirty="0"/>
+              <a:t> de acesso a API: http://ip_do_host:8080/</a:t>
+            </a:r>
+            <a:r>
+              <a:rPr lang="pt-BR" i="1" dirty="0"/>
+              <a:t>mapskills</a:t>
             </a:r>
             <a:endParaRPr lang="pt-BR" dirty="0"/>
           </a:p>
-        </p:txBody>
-      </p:sp>
-      <p:pic>
-        <p:nvPicPr>
-          <p:cNvPr id="4" name="Espaço Reservado para Conteúdo 3"/>
-          <p:cNvPicPr>
-            <a:picLocks noGrp="1" noChangeAspect="1"/>
-          </p:cNvPicPr>
-          <p:nvPr>
-            <p:ph idx="1"/>
-          </p:nvPr>
-        </p:nvPicPr>
-        <p:blipFill>
-          <a:blip r:embed="rId2"/>
-          <a:stretch>
-            <a:fillRect/>
-          </a:stretch>
-        </p:blipFill>
-        <p:spPr>
-          <a:xfrm>
-            <a:off x="2377441" y="2611120"/>
-            <a:ext cx="6805748" cy="3763554"/>
-          </a:xfrm>
-          <a:prstGeom prst="rect">
-            <a:avLst/>
-          </a:prstGeom>
-        </p:spPr>
-      </p:pic>
-      <p:sp>
-        <p:nvSpPr>
-          <p:cNvPr id="5" name="Retângulo 4"/>
+          <a:p>
+            <a:endParaRPr lang="pt-BR" dirty="0"/>
+          </a:p>
+        </p:txBody>
+      </p:sp>
+      <p:sp>
+        <p:nvSpPr>
+          <p:cNvPr id="4" name="Retângulo 3"/>
           <p:cNvSpPr/>
           <p:nvPr/>
         </p:nvSpPr>
@@ -10150,30 +10443,22 @@
               <a:buChar char="•"/>
             </a:pPr>
             <a:r>
-              <a:rPr lang="pt-BR" dirty="0" smtClean="0"/>
+              <a:rPr lang="pt-BR" dirty="0"/>
               <a:t>Desenvolvimento</a:t>
             </a:r>
-            <a:endParaRPr lang="pt-BR" dirty="0"/>
           </a:p>
         </p:txBody>
       </p:sp>
     </p:spTree>
     <p:extLst>
       <p:ext uri="{BB962C8B-B14F-4D97-AF65-F5344CB8AC3E}">
-        <p14:creationId xmlns:p14="http://schemas.microsoft.com/office/powerpoint/2010/main" val="3599699526"/>
+        <p14:creationId xmlns:p14="http://schemas.microsoft.com/office/powerpoint/2010/main" val="3385733950"/>
       </p:ext>
     </p:extLst>
   </p:cSld>
   <p:clrMapOvr>
     <a:masterClrMapping/>
   </p:clrMapOvr>
-  <p:timing>
-    <p:tnLst>
-      <p:par>
-        <p:cTn id="1" dur="indefinite" restart="never" nodeType="tmRoot"/>
-      </p:par>
-    </p:tnLst>
-  </p:timing>
 </p:sld>
 </file>
 
@@ -10211,63 +10496,84 @@
           <a:p>
             <a:r>
               <a:rPr lang="pt-BR" dirty="0" err="1" smtClean="0"/>
+              <a:t>Mapskills</a:t>
+            </a:r>
+            <a:r>
+              <a:rPr lang="pt-BR" dirty="0" smtClean="0"/>
+              <a:t>-front</a:t>
+            </a:r>
+            <a:endParaRPr lang="pt-BR" dirty="0"/>
+          </a:p>
+        </p:txBody>
+      </p:sp>
+      <p:sp>
+        <p:nvSpPr>
+          <p:cNvPr id="3" name="Espaço Reservado para Conteúdo 2"/>
+          <p:cNvSpPr>
+            <a:spLocks noGrp="1"/>
+          </p:cNvSpPr>
+          <p:nvPr>
+            <p:ph idx="1"/>
+          </p:nvPr>
+        </p:nvSpPr>
+        <p:spPr>
+          <a:xfrm>
+            <a:off x="680320" y="2310748"/>
+            <a:ext cx="9613861" cy="3599316"/>
+          </a:xfrm>
+        </p:spPr>
+        <p:txBody>
+          <a:bodyPr/>
+          <a:lstStyle/>
+          <a:p>
+            <a:pPr hangingPunct="0"/>
+            <a:r>
+              <a:rPr lang="pt-BR" dirty="0"/>
+              <a:t>Container responsável por conter o projeto de Interface </a:t>
+            </a:r>
+            <a:r>
+              <a:rPr lang="pt-BR" dirty="0" smtClean="0"/>
+              <a:t>Web, </a:t>
+            </a:r>
+            <a:r>
+              <a:rPr lang="pt-BR" dirty="0" err="1"/>
+              <a:t>mapskills-web.war</a:t>
+            </a:r>
+            <a:r>
+              <a:rPr lang="pt-BR" dirty="0"/>
+              <a:t>. </a:t>
+            </a:r>
+            <a:endParaRPr lang="pt-BR" dirty="0" smtClean="0"/>
+          </a:p>
+          <a:p>
+            <a:pPr hangingPunct="0"/>
+            <a:r>
+              <a:rPr lang="pt-BR" dirty="0" smtClean="0"/>
+              <a:t>Java </a:t>
+            </a:r>
+            <a:r>
+              <a:rPr lang="pt-BR" dirty="0"/>
+              <a:t>na versão 1.8 </a:t>
+            </a:r>
+            <a:endParaRPr lang="pt-BR" dirty="0" smtClean="0"/>
+          </a:p>
+          <a:p>
+            <a:pPr hangingPunct="0"/>
+            <a:r>
+              <a:rPr lang="pt-BR" dirty="0" err="1" smtClean="0"/>
               <a:t>Tomcat</a:t>
             </a:r>
             <a:r>
-              <a:rPr lang="pt-BR" dirty="0"/>
-              <a:t>-</a:t>
-            </a:r>
-            <a:r>
               <a:rPr lang="pt-BR" dirty="0" smtClean="0"/>
-              <a:t>Back</a:t>
+              <a:t> 8.5</a:t>
             </a:r>
             <a:endParaRPr lang="pt-BR" dirty="0"/>
           </a:p>
-        </p:txBody>
-      </p:sp>
-      <p:sp>
-        <p:nvSpPr>
-          <p:cNvPr id="3" name="Espaço Reservado para Conteúdo 2"/>
-          <p:cNvSpPr>
-            <a:spLocks noGrp="1"/>
-          </p:cNvSpPr>
-          <p:nvPr>
-            <p:ph idx="1"/>
-          </p:nvPr>
-        </p:nvSpPr>
-        <p:spPr/>
-        <p:txBody>
-          <a:bodyPr/>
-          <a:lstStyle/>
           <a:p>
             <a:pPr hangingPunct="0"/>
             <a:r>
               <a:rPr lang="pt-BR" dirty="0"/>
-              <a:t>Container responsável por conter o projeto Java de </a:t>
-            </a:r>
-            <a:r>
-              <a:rPr lang="pt-BR" i="1" dirty="0" err="1"/>
-              <a:t>back-end</a:t>
-            </a:r>
-            <a:r>
-              <a:rPr lang="pt-BR" dirty="0"/>
-              <a:t>, </a:t>
-            </a:r>
-            <a:r>
-              <a:rPr lang="pt-BR" i="1" dirty="0" err="1"/>
-              <a:t>mapskills.war</a:t>
-            </a:r>
-            <a:r>
-              <a:rPr lang="pt-BR" dirty="0"/>
-              <a:t>. Neste container está instalado o Java na versão 1.8 e o </a:t>
-            </a:r>
-            <a:r>
-              <a:rPr lang="pt-BR" dirty="0" err="1"/>
-              <a:t>Tomcat</a:t>
-            </a:r>
-            <a:r>
-              <a:rPr lang="pt-BR" dirty="0"/>
-              <a:t> na versão 8.5, para criação deste container foi utilizada uma Imagem </a:t>
+              <a:t>Imagem Base: </a:t>
             </a:r>
             <a:r>
               <a:rPr lang="pt-BR" dirty="0" err="1"/>
@@ -10275,17 +10581,12 @@
             </a:r>
             <a:r>
               <a:rPr lang="pt-BR" dirty="0"/>
-              <a:t>, pois reduziu significativamente o tamanho da imagem, rodando apenas um processo Java</a:t>
+              <a:t> </a:t>
             </a:r>
             <a:r>
               <a:rPr lang="pt-BR" dirty="0" smtClean="0"/>
-              <a:t>.</a:t>
-            </a:r>
-          </a:p>
-          <a:p>
-            <a:pPr marL="0" indent="0" hangingPunct="0">
-              <a:buNone/>
-            </a:pPr>
+              <a:t>3</a:t>
+            </a:r>
             <a:endParaRPr lang="pt-BR" dirty="0"/>
           </a:p>
           <a:p>
@@ -10296,17 +10597,12 @@
             </a:r>
             <a:r>
               <a:rPr lang="pt-BR" dirty="0" smtClean="0"/>
-              <a:t> de acesso a API: http</a:t>
-            </a:r>
-            <a:r>
-              <a:rPr lang="pt-BR" dirty="0"/>
-              <a:t>://ip_do_host:8080/</a:t>
-            </a:r>
-            <a:r>
-              <a:rPr lang="pt-BR" i="1" dirty="0"/>
-              <a:t>mapskills</a:t>
-            </a:r>
-            <a:endParaRPr lang="pt-BR" dirty="0"/>
+              <a:t> de acesso a interface: </a:t>
+            </a:r>
+            <a:r>
+              <a:rPr lang="pt-BR" dirty="0"/>
+              <a:t>http://ip_do_host/mapskills-web</a:t>
+            </a:r>
           </a:p>
           <a:p>
             <a:endParaRPr lang="pt-BR" dirty="0"/>
@@ -10339,30 +10635,22 @@
               <a:buChar char="•"/>
             </a:pPr>
             <a:r>
-              <a:rPr lang="pt-BR" dirty="0" smtClean="0"/>
+              <a:rPr lang="pt-BR" dirty="0"/>
               <a:t>Desenvolvimento</a:t>
             </a:r>
-            <a:endParaRPr lang="pt-BR" dirty="0"/>
           </a:p>
         </p:txBody>
       </p:sp>
     </p:spTree>
     <p:extLst>
       <p:ext uri="{BB962C8B-B14F-4D97-AF65-F5344CB8AC3E}">
-        <p14:creationId xmlns:p14="http://schemas.microsoft.com/office/powerpoint/2010/main" val="3385733950"/>
+        <p14:creationId xmlns:p14="http://schemas.microsoft.com/office/powerpoint/2010/main" val="1993514350"/>
       </p:ext>
     </p:extLst>
   </p:cSld>
   <p:clrMapOvr>
     <a:masterClrMapping/>
   </p:clrMapOvr>
-  <p:timing>
-    <p:tnLst>
-      <p:par>
-        <p:cTn id="1" dur="indefinite" restart="never" nodeType="tmRoot"/>
-      </p:par>
-    </p:tnLst>
-  </p:timing>
 </p:sld>
 </file>
 
@@ -10399,49 +10687,100 @@
           <a:lstStyle/>
           <a:p>
             <a:r>
+              <a:rPr lang="pt-BR" dirty="0" err="1"/>
+              <a:t>Mapskills-Mysql</a:t>
+            </a:r>
+            <a:endParaRPr lang="pt-BR" dirty="0"/>
+          </a:p>
+        </p:txBody>
+      </p:sp>
+      <p:sp>
+        <p:nvSpPr>
+          <p:cNvPr id="3" name="Espaço Reservado para Conteúdo 2"/>
+          <p:cNvSpPr>
+            <a:spLocks noGrp="1"/>
+          </p:cNvSpPr>
+          <p:nvPr>
+            <p:ph idx="1"/>
+          </p:nvPr>
+        </p:nvSpPr>
+        <p:spPr/>
+        <p:txBody>
+          <a:bodyPr>
+            <a:normAutofit/>
+          </a:bodyPr>
+          <a:lstStyle/>
+          <a:p>
+            <a:pPr hangingPunct="0"/>
+            <a:r>
+              <a:rPr lang="pt-BR" dirty="0" smtClean="0"/>
+              <a:t>Alterado parâmetro </a:t>
+            </a:r>
+            <a:r>
+              <a:rPr lang="pt-BR" i="1" dirty="0" err="1" smtClean="0"/>
+              <a:t>bind-address</a:t>
+            </a:r>
+            <a:r>
+              <a:rPr lang="pt-BR" dirty="0" smtClean="0"/>
+              <a:t> </a:t>
+            </a:r>
+            <a:r>
+              <a:rPr lang="pt-BR" dirty="0"/>
+              <a:t>para </a:t>
+            </a:r>
+            <a:r>
+              <a:rPr lang="pt-BR" i="1" dirty="0"/>
+              <a:t>0.0.0.0 </a:t>
+            </a:r>
+            <a:r>
+              <a:rPr lang="pt-BR" dirty="0"/>
+              <a:t>no arquivo </a:t>
+            </a:r>
+            <a:r>
+              <a:rPr lang="pt-BR" i="1" dirty="0" err="1"/>
+              <a:t>my.cnf</a:t>
+            </a:r>
+            <a:r>
+              <a:rPr lang="pt-BR" i="1" dirty="0"/>
+              <a:t> </a:t>
+            </a:r>
+            <a:r>
+              <a:rPr lang="pt-BR" dirty="0"/>
+              <a:t>permitindo acesso remoto.</a:t>
+            </a:r>
+          </a:p>
+          <a:p>
+            <a:pPr hangingPunct="0"/>
+            <a:r>
+              <a:rPr lang="pt-BR" dirty="0"/>
+              <a:t>Usuário </a:t>
+            </a:r>
+            <a:r>
               <a:rPr lang="pt-BR" dirty="0" err="1" smtClean="0"/>
-              <a:t>Tomcat</a:t>
+              <a:t>mapskills</a:t>
             </a:r>
             <a:r>
               <a:rPr lang="pt-BR" dirty="0" smtClean="0"/>
-              <a:t>-Front</a:t>
-            </a:r>
-            <a:endParaRPr lang="pt-BR" dirty="0"/>
-          </a:p>
-        </p:txBody>
-      </p:sp>
-      <p:sp>
-        <p:nvSpPr>
-          <p:cNvPr id="3" name="Espaço Reservado para Conteúdo 2"/>
-          <p:cNvSpPr>
-            <a:spLocks noGrp="1"/>
-          </p:cNvSpPr>
-          <p:nvPr>
-            <p:ph idx="1"/>
-          </p:nvPr>
-        </p:nvSpPr>
-        <p:spPr>
-          <a:xfrm>
-            <a:off x="680320" y="2310748"/>
-            <a:ext cx="9613861" cy="3599316"/>
-          </a:xfrm>
-        </p:spPr>
-        <p:txBody>
-          <a:bodyPr/>
-          <a:lstStyle/>
+              <a:t> com permissões de execução de comandos DCL e DDL na </a:t>
+            </a:r>
+            <a:r>
+              <a:rPr lang="pt-BR" dirty="0"/>
+              <a:t>Base de Dados </a:t>
+            </a:r>
+            <a:r>
+              <a:rPr lang="pt-BR" dirty="0" err="1"/>
+              <a:t>Mapskills</a:t>
+            </a:r>
+            <a:r>
+              <a:rPr lang="pt-BR" dirty="0"/>
+              <a:t>.</a:t>
+            </a:r>
+          </a:p>
           <a:p>
             <a:pPr hangingPunct="0"/>
             <a:r>
               <a:rPr lang="pt-BR" dirty="0"/>
-              <a:t>Container responsável por conter o projeto de Interface Front-Web, </a:t>
-            </a:r>
-            <a:r>
-              <a:rPr lang="pt-BR" dirty="0" err="1"/>
-              <a:t>mapskills-web.war</a:t>
-            </a:r>
-            <a:r>
-              <a:rPr lang="pt-BR" dirty="0"/>
-              <a:t>. Neste container também está instalado o Java na versão 1.8 e o </a:t>
+              <a:t>Somente o Container </a:t>
             </a:r>
             <a:r>
               <a:rPr lang="pt-BR" dirty="0" err="1"/>
@@ -10449,62 +10788,23 @@
             </a:r>
             <a:r>
               <a:rPr lang="pt-BR" dirty="0"/>
-              <a:t> na versão 8.5, para criação deste container </a:t>
+              <a:t>-Back-</a:t>
+            </a:r>
+            <a:r>
+              <a:rPr lang="pt-BR" dirty="0" err="1"/>
+              <a:t>End</a:t>
+            </a:r>
+            <a:r>
+              <a:rPr lang="pt-BR" dirty="0"/>
+              <a:t> pode se comunicar com a Base de </a:t>
             </a:r>
             <a:r>
               <a:rPr lang="pt-BR" dirty="0" smtClean="0"/>
-              <a:t>também foi </a:t>
-            </a:r>
-            <a:r>
-              <a:rPr lang="pt-BR" dirty="0"/>
-              <a:t>utilizada uma Imagem </a:t>
-            </a:r>
-            <a:r>
-              <a:rPr lang="pt-BR" i="1" dirty="0" err="1"/>
-              <a:t>Alpine</a:t>
-            </a:r>
-            <a:r>
-              <a:rPr lang="pt-BR" dirty="0"/>
-              <a:t>, </a:t>
-            </a:r>
-            <a:r>
-              <a:rPr lang="pt-BR" dirty="0" smtClean="0"/>
-              <a:t>rodando </a:t>
-            </a:r>
-            <a:r>
-              <a:rPr lang="pt-BR" dirty="0"/>
-              <a:t>apenas um processo Java.</a:t>
+              <a:t>Dados.</a:t>
             </a:r>
           </a:p>
           <a:p>
             <a:pPr hangingPunct="0"/>
-            <a:r>
-              <a:rPr lang="pt-BR" dirty="0"/>
-              <a:t>A</a:t>
-            </a:r>
-            <a:r>
-              <a:rPr lang="pt-BR" dirty="0" smtClean="0"/>
-              <a:t>cessar </a:t>
-            </a:r>
-            <a:r>
-              <a:rPr lang="pt-BR" dirty="0"/>
-              <a:t>aplicação através da url: </a:t>
-            </a:r>
-            <a:r>
-              <a:rPr lang="pt-BR" dirty="0" smtClean="0"/>
-              <a:t>http</a:t>
-            </a:r>
-            <a:r>
-              <a:rPr lang="pt-BR" dirty="0"/>
-              <a:t>://</a:t>
-            </a:r>
-            <a:r>
-              <a:rPr lang="pt-BR" dirty="0" smtClean="0"/>
-              <a:t>ip_do_host/mapskills-web</a:t>
-            </a:r>
-            <a:endParaRPr lang="pt-BR" dirty="0"/>
-          </a:p>
-          <a:p>
             <a:endParaRPr lang="pt-BR" dirty="0"/>
           </a:p>
         </p:txBody>
@@ -10535,30 +10835,22 @@
               <a:buChar char="•"/>
             </a:pPr>
             <a:r>
-              <a:rPr lang="pt-BR" dirty="0" smtClean="0"/>
+              <a:rPr lang="pt-BR" dirty="0"/>
               <a:t>Desenvolvimento</a:t>
             </a:r>
-            <a:endParaRPr lang="pt-BR" dirty="0"/>
           </a:p>
         </p:txBody>
       </p:sp>
     </p:spTree>
     <p:extLst>
       <p:ext uri="{BB962C8B-B14F-4D97-AF65-F5344CB8AC3E}">
-        <p14:creationId xmlns:p14="http://schemas.microsoft.com/office/powerpoint/2010/main" val="1993514350"/>
+        <p14:creationId xmlns:p14="http://schemas.microsoft.com/office/powerpoint/2010/main" val="3414724196"/>
       </p:ext>
     </p:extLst>
   </p:cSld>
   <p:clrMapOvr>
     <a:masterClrMapping/>
   </p:clrMapOvr>
-  <p:timing>
-    <p:tnLst>
-      <p:par>
-        <p:cTn id="1" dur="indefinite" restart="never" nodeType="tmRoot"/>
-      </p:par>
-    </p:tnLst>
-  </p:timing>
 </p:sld>
 </file>
 
@@ -10595,8 +10887,8 @@
           <a:lstStyle/>
           <a:p>
             <a:r>
-              <a:rPr lang="pt-BR" dirty="0" err="1" smtClean="0"/>
-              <a:t>Mapskills-Mysql</a:t>
+              <a:rPr lang="pt-BR" dirty="0" err="1"/>
+              <a:t>Mapskills-Haproxy</a:t>
             </a:r>
             <a:endParaRPr lang="pt-BR" dirty="0"/>
           </a:p>
@@ -10621,115 +10913,124 @@
           <a:p>
             <a:pPr hangingPunct="0"/>
             <a:r>
-              <a:rPr lang="pt-BR" dirty="0"/>
-              <a:t>Container responsável por armazenar todas informações referente a plataforma.</a:t>
-            </a:r>
+              <a:rPr lang="pt-BR" dirty="0" err="1" smtClean="0"/>
+              <a:t>Balanceador</a:t>
+            </a:r>
+            <a:r>
+              <a:rPr lang="pt-BR" dirty="0" smtClean="0"/>
+              <a:t> de carga que controla </a:t>
+            </a:r>
+            <a:r>
+              <a:rPr lang="pt-BR" dirty="0" smtClean="0"/>
+              <a:t>as requisições </a:t>
+            </a:r>
+            <a:r>
+              <a:rPr lang="pt-BR" dirty="0" smtClean="0"/>
+              <a:t>HTTP </a:t>
+            </a:r>
+            <a:r>
+              <a:rPr lang="pt-BR" dirty="0"/>
+              <a:t>destinadas ao </a:t>
+            </a:r>
+            <a:r>
+              <a:rPr lang="pt-BR" dirty="0" err="1" smtClean="0"/>
+              <a:t>Mapskills-app</a:t>
+            </a:r>
+            <a:r>
+              <a:rPr lang="pt-BR" dirty="0"/>
+              <a:t>.</a:t>
+            </a:r>
+            <a:endParaRPr lang="pt-BR" dirty="0"/>
           </a:p>
           <a:p>
             <a:pPr hangingPunct="0"/>
             <a:r>
               <a:rPr lang="pt-BR" dirty="0" smtClean="0"/>
-              <a:t>Foi </a:t>
-            </a:r>
-            <a:r>
-              <a:rPr lang="pt-BR" dirty="0"/>
-              <a:t>configurado </a:t>
+              <a:t>Utiliza do algoritmo </a:t>
+            </a:r>
+            <a:r>
+              <a:rPr lang="pt-BR" dirty="0"/>
+              <a:t>Round </a:t>
             </a:r>
             <a:r>
               <a:rPr lang="pt-BR" dirty="0" smtClean="0"/>
-              <a:t>o </a:t>
-            </a:r>
-            <a:r>
-              <a:rPr lang="pt-BR" dirty="0"/>
-              <a:t>valor do parâmetro </a:t>
-            </a:r>
-            <a:r>
-              <a:rPr lang="pt-BR" i="1" dirty="0" err="1"/>
-              <a:t>bind-address</a:t>
-            </a:r>
-            <a:r>
-              <a:rPr lang="pt-BR" dirty="0"/>
-              <a:t> para </a:t>
-            </a:r>
-            <a:r>
-              <a:rPr lang="pt-BR" i="1" dirty="0"/>
-              <a:t>0.0.0.0 </a:t>
-            </a:r>
-            <a:r>
-              <a:rPr lang="pt-BR" dirty="0"/>
-              <a:t>no arquivo </a:t>
-            </a:r>
-            <a:r>
-              <a:rPr lang="pt-BR" i="1" dirty="0" err="1"/>
-              <a:t>my.cnf</a:t>
-            </a:r>
-            <a:r>
-              <a:rPr lang="pt-BR" i="1" dirty="0"/>
+              <a:t>Robin.</a:t>
+            </a:r>
+            <a:endParaRPr lang="pt-BR" dirty="0"/>
+          </a:p>
+          <a:p>
+            <a:pPr hangingPunct="0"/>
+            <a:r>
+              <a:rPr lang="pt-BR" dirty="0" smtClean="0"/>
+              <a:t>Proxy Reverso.</a:t>
+            </a:r>
+          </a:p>
+          <a:p>
+            <a:pPr hangingPunct="0"/>
+            <a:r>
+              <a:rPr lang="pt-BR" dirty="0" err="1" smtClean="0"/>
+              <a:t>Dashboard</a:t>
+            </a:r>
+            <a:r>
+              <a:rPr lang="pt-BR" dirty="0" smtClean="0"/>
               <a:t> </a:t>
             </a:r>
             <a:r>
               <a:rPr lang="pt-BR" dirty="0"/>
-              <a:t>permitindo acesso remoto.</a:t>
-            </a:r>
+              <a:t>para visualização </a:t>
+            </a:r>
+            <a:r>
+              <a:rPr lang="pt-BR" dirty="0" smtClean="0"/>
+              <a:t>do </a:t>
+            </a:r>
+            <a:r>
+              <a:rPr lang="pt-BR" dirty="0"/>
+              <a:t>números de </a:t>
+            </a:r>
+            <a:r>
+              <a:rPr lang="pt-BR" dirty="0" smtClean="0"/>
+              <a:t>requisições, exibindo em </a:t>
+            </a:r>
+            <a:r>
+              <a:rPr lang="pt-BR" dirty="0"/>
+              <a:t>tempo real a quantidade de </a:t>
+            </a:r>
+            <a:r>
+              <a:rPr lang="pt-BR" dirty="0" smtClean="0"/>
+              <a:t>dados </a:t>
+            </a:r>
+            <a:r>
+              <a:rPr lang="pt-BR" dirty="0"/>
+              <a:t>que foi trafegada pela </a:t>
+            </a:r>
+            <a:r>
+              <a:rPr lang="pt-BR" dirty="0" smtClean="0"/>
+              <a:t>rede</a:t>
+            </a:r>
+            <a:r>
+              <a:rPr lang="pt-BR" dirty="0"/>
+              <a:t>.</a:t>
+            </a:r>
+            <a:endParaRPr lang="pt-BR" dirty="0"/>
           </a:p>
           <a:p>
             <a:pPr hangingPunct="0"/>
             <a:r>
-              <a:rPr lang="pt-BR" dirty="0" smtClean="0"/>
-              <a:t>Usuário </a:t>
-            </a:r>
-            <a:r>
-              <a:rPr lang="pt-BR" dirty="0" err="1" smtClean="0"/>
-              <a:t>mapskills</a:t>
-            </a:r>
-            <a:r>
-              <a:rPr lang="pt-BR" dirty="0" smtClean="0"/>
-              <a:t>: consultar</a:t>
-            </a:r>
-            <a:r>
-              <a:rPr lang="pt-BR" dirty="0"/>
-              <a:t>, inserir, alterar ou deletar informações na Base de Dados </a:t>
-            </a:r>
-            <a:r>
-              <a:rPr lang="pt-BR" dirty="0" err="1" smtClean="0"/>
-              <a:t>Mapskills</a:t>
-            </a:r>
-            <a:r>
-              <a:rPr lang="pt-BR" dirty="0" smtClean="0"/>
-              <a:t>.</a:t>
-            </a:r>
-          </a:p>
-          <a:p>
-            <a:pPr hangingPunct="0"/>
-            <a:r>
-              <a:rPr lang="pt-BR" dirty="0" smtClean="0"/>
-              <a:t>Somente </a:t>
-            </a:r>
-            <a:r>
-              <a:rPr lang="pt-BR" dirty="0"/>
-              <a:t>o Container </a:t>
-            </a:r>
-            <a:r>
               <a:rPr lang="pt-BR" dirty="0" err="1"/>
-              <a:t>Tomcat</a:t>
-            </a:r>
-            <a:r>
-              <a:rPr lang="pt-BR" dirty="0"/>
-              <a:t>-Back-</a:t>
+              <a:t>Url</a:t>
+            </a:r>
+            <a:r>
+              <a:rPr lang="pt-BR" dirty="0"/>
+              <a:t> de acesso ao </a:t>
             </a:r>
             <a:r>
               <a:rPr lang="pt-BR" dirty="0" err="1"/>
-              <a:t>End</a:t>
-            </a:r>
-            <a:r>
-              <a:rPr lang="pt-BR" dirty="0"/>
-              <a:t> pode se comunicar com a Base de Dados, desta forma, foi isolado o acesso aos dados</a:t>
-            </a:r>
-            <a:r>
-              <a:rPr lang="pt-BR" dirty="0" smtClean="0"/>
-              <a:t>.</a:t>
-            </a:r>
-            <a:endParaRPr lang="pt-BR" dirty="0"/>
+              <a:t>dashboard</a:t>
+            </a:r>
+            <a:r>
+              <a:rPr lang="pt-BR" dirty="0"/>
+              <a:t>: http://ip_do_host:1936.</a:t>
+            </a:r>
           </a:p>
           <a:p>
             <a:endParaRPr lang="pt-BR" dirty="0"/>
@@ -10762,30 +11063,22 @@
               <a:buChar char="•"/>
             </a:pPr>
             <a:r>
-              <a:rPr lang="pt-BR" dirty="0" smtClean="0"/>
+              <a:rPr lang="pt-BR" dirty="0"/>
               <a:t>Desenvolvimento</a:t>
             </a:r>
-            <a:endParaRPr lang="pt-BR" dirty="0"/>
           </a:p>
         </p:txBody>
       </p:sp>
     </p:spTree>
     <p:extLst>
       <p:ext uri="{BB962C8B-B14F-4D97-AF65-F5344CB8AC3E}">
-        <p14:creationId xmlns:p14="http://schemas.microsoft.com/office/powerpoint/2010/main" val="3414724196"/>
+        <p14:creationId xmlns:p14="http://schemas.microsoft.com/office/powerpoint/2010/main" val="1443225755"/>
       </p:ext>
     </p:extLst>
   </p:cSld>
   <p:clrMapOvr>
     <a:masterClrMapping/>
   </p:clrMapOvr>
-  <p:timing>
-    <p:tnLst>
-      <p:par>
-        <p:cTn id="1" dur="indefinite" restart="never" nodeType="tmRoot"/>
-      </p:par>
-    </p:tnLst>
-  </p:timing>
 </p:sld>
 </file>
 
@@ -10822,161 +11115,42 @@
           <a:lstStyle/>
           <a:p>
             <a:r>
-              <a:rPr lang="pt-BR" dirty="0" err="1" smtClean="0"/>
+              <a:rPr lang="pt-BR" dirty="0" err="1"/>
               <a:t>Mapskills-Haproxy</a:t>
             </a:r>
             <a:endParaRPr lang="pt-BR" dirty="0"/>
           </a:p>
         </p:txBody>
       </p:sp>
-      <p:sp>
-        <p:nvSpPr>
-          <p:cNvPr id="3" name="Espaço Reservado para Conteúdo 2"/>
-          <p:cNvSpPr>
-            <a:spLocks noGrp="1"/>
-          </p:cNvSpPr>
+      <p:pic>
+        <p:nvPicPr>
+          <p:cNvPr id="4" name="Figura4"/>
+          <p:cNvPicPr>
+            <a:picLocks noGrp="1"/>
+          </p:cNvPicPr>
           <p:nvPr>
             <p:ph idx="1"/>
           </p:nvPr>
-        </p:nvSpPr>
-        <p:spPr/>
-        <p:txBody>
-          <a:bodyPr>
-            <a:normAutofit fontScale="70000" lnSpcReduction="20000"/>
-          </a:bodyPr>
-          <a:lstStyle/>
-          <a:p>
-            <a:pPr hangingPunct="0"/>
-            <a:r>
-              <a:rPr lang="pt-BR" dirty="0"/>
-              <a:t>O </a:t>
-            </a:r>
-            <a:r>
-              <a:rPr lang="pt-BR" dirty="0" err="1"/>
-              <a:t>Haproxy</a:t>
-            </a:r>
-            <a:r>
-              <a:rPr lang="pt-BR" dirty="0"/>
-              <a:t> tem a finalidade gerenciar todas requisições HTTP destinadas ao </a:t>
-            </a:r>
-            <a:r>
-              <a:rPr lang="pt-BR" dirty="0" err="1"/>
-              <a:t>Mapskills-app</a:t>
-            </a:r>
-            <a:r>
-              <a:rPr lang="pt-BR" dirty="0"/>
-              <a:t>, realizando o balanceamento de carga entre os containers do </a:t>
-            </a:r>
-            <a:r>
-              <a:rPr lang="pt-BR" i="1" dirty="0" err="1"/>
-              <a:t>back</a:t>
-            </a:r>
-            <a:r>
-              <a:rPr lang="pt-BR" i="1" dirty="0"/>
-              <a:t>-end</a:t>
-            </a:r>
-            <a:r>
-              <a:rPr lang="pt-BR" dirty="0"/>
-              <a:t>. </a:t>
-            </a:r>
-          </a:p>
-          <a:p>
-            <a:pPr hangingPunct="0"/>
-            <a:r>
-              <a:rPr lang="pt-BR" dirty="0" smtClean="0"/>
-              <a:t>Algoritmo Round </a:t>
-            </a:r>
-            <a:r>
-              <a:rPr lang="pt-BR" dirty="0"/>
-              <a:t>Robin, este algoritmo tratar os servers como iguais, independente do número de conexões solicitadas, sempre redirecionando a próxima requisição ao server seguinte, desta forma, todos servers terão o mesmo número de conexões. </a:t>
-            </a:r>
-          </a:p>
-          <a:p>
-            <a:pPr hangingPunct="0"/>
-            <a:r>
-              <a:rPr lang="pt-BR" dirty="0" smtClean="0"/>
-              <a:t>O </a:t>
-            </a:r>
-            <a:r>
-              <a:rPr lang="pt-BR" dirty="0" err="1"/>
-              <a:t>Haproxy</a:t>
-            </a:r>
-            <a:r>
-              <a:rPr lang="pt-BR" dirty="0"/>
-              <a:t> trabalha como um Proxy Reverso, recebendo todas requisições através da porta 80 e redirecionando internamente a porta 8080 destinada ao </a:t>
-            </a:r>
-            <a:r>
-              <a:rPr lang="pt-BR" dirty="0" err="1"/>
-              <a:t>Tomcat</a:t>
-            </a:r>
-            <a:r>
-              <a:rPr lang="pt-BR" dirty="0"/>
-              <a:t> que contém o </a:t>
-            </a:r>
-            <a:r>
-              <a:rPr lang="pt-BR" dirty="0" err="1"/>
-              <a:t>mapskills-war</a:t>
-            </a:r>
-            <a:r>
-              <a:rPr lang="pt-BR" dirty="0"/>
-              <a:t>. O balanceamento de carga utilizado </a:t>
-            </a:r>
-            <a:r>
-              <a:rPr lang="pt-BR" dirty="0" smtClean="0"/>
-              <a:t>é </a:t>
-            </a:r>
-            <a:r>
-              <a:rPr lang="pt-BR" dirty="0"/>
-              <a:t>de camada 4 (camada de transporte) da tabela OSI, encaminhando o tráfego do usuário com base no alcance e na porta do IP, no caso definida como 80.</a:t>
-            </a:r>
-          </a:p>
-          <a:p>
-            <a:pPr hangingPunct="0"/>
-            <a:r>
-              <a:rPr lang="pt-BR" dirty="0" err="1" smtClean="0"/>
-              <a:t>Dashboard</a:t>
-            </a:r>
-            <a:r>
-              <a:rPr lang="pt-BR" dirty="0" smtClean="0"/>
-              <a:t> </a:t>
-            </a:r>
-            <a:r>
-              <a:rPr lang="pt-BR" dirty="0"/>
-              <a:t>para visualização dos servers, números de requisições com sucesso e falha, bem como saber em tempo real a quantidade de Kbps que foi trafegada pela rede, conforme figura abaixo</a:t>
-            </a:r>
-            <a:r>
-              <a:rPr lang="pt-BR" dirty="0" smtClean="0"/>
-              <a:t>.</a:t>
-            </a:r>
-          </a:p>
-          <a:p>
-            <a:pPr hangingPunct="0"/>
-            <a:r>
-              <a:rPr lang="pt-BR" dirty="0" err="1" smtClean="0"/>
-              <a:t>Url</a:t>
-            </a:r>
-            <a:r>
-              <a:rPr lang="pt-BR" dirty="0" smtClean="0"/>
-              <a:t> de acesso ao </a:t>
-            </a:r>
-            <a:r>
-              <a:rPr lang="pt-BR" dirty="0" err="1" smtClean="0"/>
-              <a:t>dashboard</a:t>
-            </a:r>
-            <a:r>
-              <a:rPr lang="pt-BR" dirty="0" smtClean="0"/>
-              <a:t>: http://ip_do_host:1936.</a:t>
-            </a:r>
-            <a:endParaRPr lang="pt-BR" dirty="0"/>
-          </a:p>
-          <a:p>
-            <a:endParaRPr lang="pt-BR" dirty="0"/>
-          </a:p>
-        </p:txBody>
-      </p:sp>
-      <p:sp>
-        <p:nvSpPr>
-          <p:cNvPr id="4" name="Retângulo 3"/>
+        </p:nvPicPr>
+        <p:blipFill>
+          <a:blip r:embed="rId2"/>
+          <a:stretch>
+            <a:fillRect/>
+          </a:stretch>
+        </p:blipFill>
+        <p:spPr bwMode="auto">
+          <a:xfrm>
+            <a:off x="1410789" y="2336800"/>
+            <a:ext cx="8386353" cy="3598863"/>
+          </a:xfrm>
+          <a:prstGeom prst="rect">
+            <a:avLst/>
+          </a:prstGeom>
+        </p:spPr>
+      </p:pic>
+      <p:sp>
+        <p:nvSpPr>
+          <p:cNvPr id="5" name="Retângulo 4"/>
           <p:cNvSpPr/>
           <p:nvPr/>
         </p:nvSpPr>
@@ -11000,30 +11174,22 @@
               <a:buChar char="•"/>
             </a:pPr>
             <a:r>
-              <a:rPr lang="pt-BR" dirty="0" smtClean="0"/>
+              <a:rPr lang="pt-BR" dirty="0"/>
               <a:t>Desenvolvimento</a:t>
             </a:r>
-            <a:endParaRPr lang="pt-BR" dirty="0"/>
           </a:p>
         </p:txBody>
       </p:sp>
     </p:spTree>
     <p:extLst>
       <p:ext uri="{BB962C8B-B14F-4D97-AF65-F5344CB8AC3E}">
-        <p14:creationId xmlns:p14="http://schemas.microsoft.com/office/powerpoint/2010/main" val="1443225755"/>
+        <p14:creationId xmlns:p14="http://schemas.microsoft.com/office/powerpoint/2010/main" val="1829818420"/>
       </p:ext>
     </p:extLst>
   </p:cSld>
   <p:clrMapOvr>
     <a:masterClrMapping/>
   </p:clrMapOvr>
-  <p:timing>
-    <p:tnLst>
-      <p:par>
-        <p:cTn id="1" dur="indefinite" restart="never" nodeType="tmRoot"/>
-      </p:par>
-    </p:tnLst>
-  </p:timing>
 </p:sld>
 </file>
 
@@ -11060,42 +11226,158 @@
           <a:lstStyle/>
           <a:p>
             <a:r>
+              <a:rPr lang="pt-BR" dirty="0" err="1"/>
+              <a:t>Docker-Compose</a:t>
+            </a:r>
+            <a:endParaRPr lang="pt-BR" dirty="0"/>
+          </a:p>
+        </p:txBody>
+      </p:sp>
+      <p:sp>
+        <p:nvSpPr>
+          <p:cNvPr id="3" name="Espaço Reservado para Conteúdo 2"/>
+          <p:cNvSpPr>
+            <a:spLocks noGrp="1"/>
+          </p:cNvSpPr>
+          <p:nvPr>
+            <p:ph idx="1"/>
+          </p:nvPr>
+        </p:nvSpPr>
+        <p:spPr/>
+        <p:txBody>
+          <a:bodyPr>
+            <a:normAutofit lnSpcReduction="10000"/>
+          </a:bodyPr>
+          <a:lstStyle/>
+          <a:p>
+            <a:pPr hangingPunct="0"/>
+            <a:r>
+              <a:rPr lang="pt-BR" dirty="0" smtClean="0"/>
+              <a:t>Automatização </a:t>
+            </a:r>
+            <a:r>
+              <a:rPr lang="pt-BR" dirty="0" smtClean="0"/>
+              <a:t>e orquestração </a:t>
+            </a:r>
+            <a:r>
+              <a:rPr lang="pt-BR" dirty="0" smtClean="0"/>
+              <a:t>de </a:t>
+            </a:r>
+            <a:r>
+              <a:rPr lang="pt-BR" dirty="0"/>
+              <a:t>todo ambiente de produção necessário para que o </a:t>
+            </a:r>
+            <a:r>
+              <a:rPr lang="pt-BR" dirty="0" err="1"/>
+              <a:t>Mapskills</a:t>
+            </a:r>
+            <a:r>
+              <a:rPr lang="pt-BR" dirty="0"/>
+              <a:t> funcione. </a:t>
+            </a:r>
+            <a:endParaRPr lang="pt-BR" dirty="0" smtClean="0"/>
+          </a:p>
+          <a:p>
+            <a:pPr hangingPunct="0"/>
+            <a:r>
               <a:rPr lang="pt-BR" dirty="0" err="1" smtClean="0"/>
-              <a:t>Mapskills-Haproxy</a:t>
-            </a:r>
-            <a:endParaRPr lang="pt-BR" dirty="0"/>
-          </a:p>
-        </p:txBody>
-      </p:sp>
-      <p:pic>
-        <p:nvPicPr>
-          <p:cNvPr id="4" name="Figura4"/>
-          <p:cNvPicPr>
-            <a:picLocks noGrp="1"/>
-          </p:cNvPicPr>
-          <p:nvPr>
-            <p:ph idx="1"/>
-          </p:nvPr>
-        </p:nvPicPr>
-        <p:blipFill>
-          <a:blip r:embed="rId2"/>
-          <a:stretch>
-            <a:fillRect/>
-          </a:stretch>
-        </p:blipFill>
-        <p:spPr bwMode="auto">
-          <a:xfrm>
-            <a:off x="1410789" y="2336800"/>
-            <a:ext cx="8386353" cy="3598863"/>
-          </a:xfrm>
-          <a:prstGeom prst="rect">
-            <a:avLst/>
-          </a:prstGeom>
-        </p:spPr>
-      </p:pic>
-      <p:sp>
-        <p:nvSpPr>
-          <p:cNvPr id="5" name="Retângulo 4"/>
+              <a:t>Docker-compose</a:t>
+            </a:r>
+            <a:r>
+              <a:rPr lang="pt-BR" dirty="0" smtClean="0"/>
+              <a:t> </a:t>
+            </a:r>
+            <a:r>
+              <a:rPr lang="pt-BR" dirty="0"/>
+              <a:t>de aplicação: </a:t>
+            </a:r>
+            <a:endParaRPr lang="pt-BR" dirty="0" smtClean="0"/>
+          </a:p>
+          <a:p>
+            <a:pPr lvl="1" hangingPunct="0"/>
+            <a:r>
+              <a:rPr lang="pt-BR" dirty="0" err="1" smtClean="0"/>
+              <a:t>mapskill-app</a:t>
+            </a:r>
+            <a:r>
+              <a:rPr lang="pt-BR" dirty="0" smtClean="0"/>
+              <a:t>;</a:t>
+            </a:r>
+          </a:p>
+          <a:p>
+            <a:pPr lvl="1" hangingPunct="0"/>
+            <a:r>
+              <a:rPr lang="pt-BR" dirty="0" err="1" smtClean="0"/>
+              <a:t>mapskills</a:t>
+            </a:r>
+            <a:r>
+              <a:rPr lang="pt-BR" dirty="0" smtClean="0"/>
+              <a:t>-web;</a:t>
+            </a:r>
+          </a:p>
+          <a:p>
+            <a:pPr lvl="1" hangingPunct="0"/>
+            <a:r>
+              <a:rPr lang="pt-BR" dirty="0" err="1" smtClean="0"/>
+              <a:t>mapskills-Haproxy</a:t>
+            </a:r>
+            <a:r>
+              <a:rPr lang="pt-BR" dirty="0"/>
+              <a:t>. </a:t>
+            </a:r>
+          </a:p>
+          <a:p>
+            <a:pPr hangingPunct="0"/>
+            <a:r>
+              <a:rPr lang="pt-BR" dirty="0" err="1"/>
+              <a:t>Docker-compose</a:t>
+            </a:r>
+            <a:r>
+              <a:rPr lang="pt-BR" dirty="0"/>
+              <a:t> de gerenciamento: </a:t>
+            </a:r>
+            <a:endParaRPr lang="pt-BR" dirty="0" smtClean="0"/>
+          </a:p>
+          <a:p>
+            <a:pPr lvl="1" hangingPunct="0"/>
+            <a:r>
+              <a:rPr lang="pt-BR" dirty="0" err="1" smtClean="0"/>
+              <a:t>mapskills-jenkins</a:t>
+            </a:r>
+            <a:r>
+              <a:rPr lang="pt-BR" dirty="0"/>
+              <a:t>;</a:t>
+            </a:r>
+            <a:endParaRPr lang="pt-BR" dirty="0" smtClean="0"/>
+          </a:p>
+          <a:p>
+            <a:pPr lvl="1" hangingPunct="0"/>
+            <a:r>
+              <a:rPr lang="pt-BR" dirty="0" err="1" smtClean="0"/>
+              <a:t>mapskills-cavisor</a:t>
+            </a:r>
+            <a:r>
+              <a:rPr lang="pt-BR" dirty="0"/>
+              <a:t>;</a:t>
+            </a:r>
+            <a:endParaRPr lang="pt-BR" dirty="0" smtClean="0"/>
+          </a:p>
+          <a:p>
+            <a:pPr lvl="1" hangingPunct="0"/>
+            <a:r>
+              <a:rPr lang="pt-BR" dirty="0" err="1" smtClean="0"/>
+              <a:t>mapskills-mysql</a:t>
+            </a:r>
+            <a:r>
+              <a:rPr lang="pt-BR" dirty="0"/>
+              <a:t>. </a:t>
+            </a:r>
+          </a:p>
+        </p:txBody>
+      </p:sp>
+      <p:sp>
+        <p:nvSpPr>
+          <p:cNvPr id="4" name="Retângulo 3"/>
           <p:cNvSpPr/>
           <p:nvPr/>
         </p:nvSpPr>
@@ -11119,30 +11401,22 @@
               <a:buChar char="•"/>
             </a:pPr>
             <a:r>
-              <a:rPr lang="pt-BR" dirty="0" smtClean="0"/>
+              <a:rPr lang="pt-BR" dirty="0"/>
               <a:t>Desenvolvimento</a:t>
             </a:r>
-            <a:endParaRPr lang="pt-BR" dirty="0"/>
           </a:p>
         </p:txBody>
       </p:sp>
     </p:spTree>
     <p:extLst>
       <p:ext uri="{BB962C8B-B14F-4D97-AF65-F5344CB8AC3E}">
-        <p14:creationId xmlns:p14="http://schemas.microsoft.com/office/powerpoint/2010/main" val="1829818420"/>
+        <p14:creationId xmlns:p14="http://schemas.microsoft.com/office/powerpoint/2010/main" val="990325619"/>
       </p:ext>
     </p:extLst>
   </p:cSld>
   <p:clrMapOvr>
     <a:masterClrMapping/>
   </p:clrMapOvr>
-  <p:timing>
-    <p:tnLst>
-      <p:par>
-        <p:cTn id="1" dur="indefinite" restart="never" nodeType="tmRoot"/>
-      </p:par>
-    </p:tnLst>
-  </p:timing>
 </p:sld>
 </file>
 
@@ -11179,10 +11453,9 @@
           <a:lstStyle/>
           <a:p>
             <a:r>
-              <a:rPr lang="pt-BR" dirty="0" err="1" smtClean="0"/>
-              <a:t>Docker-Compose</a:t>
-            </a:r>
-            <a:endParaRPr lang="pt-BR" dirty="0"/>
+              <a:rPr lang="pt-BR" dirty="0"/>
+              <a:t>Links</a:t>
+            </a:r>
           </a:p>
         </p:txBody>
       </p:sp>
@@ -11205,8 +11478,16 @@
           <a:p>
             <a:pPr hangingPunct="0"/>
             <a:r>
-              <a:rPr lang="pt-BR" dirty="0"/>
-              <a:t>Este arquivo de configuração tem a finalidade de automatizar a implantação de todo ambiente de produção necessário para que o </a:t>
+              <a:rPr lang="pt-BR" dirty="0" err="1" smtClean="0"/>
+              <a:t>Mapskills-app</a:t>
+            </a:r>
+            <a:r>
+              <a:rPr lang="pt-BR" dirty="0" smtClean="0"/>
+              <a:t> </a:t>
+            </a:r>
+            <a:r>
+              <a:rPr lang="pt-BR" dirty="0"/>
+              <a:t>e </a:t>
             </a:r>
             <a:r>
               <a:rPr lang="pt-BR" dirty="0" err="1"/>
@@ -11214,81 +11495,34 @@
             </a:r>
             <a:r>
               <a:rPr lang="pt-BR" dirty="0"/>
-              <a:t> funcione. O arquivo </a:t>
-            </a:r>
-            <a:r>
-              <a:rPr lang="pt-BR" dirty="0" err="1"/>
-              <a:t>docker-compose.yml</a:t>
-            </a:r>
-            <a:r>
-              <a:rPr lang="pt-BR" dirty="0"/>
-              <a:t> criara e iniciara todos serviços definidos.</a:t>
+              <a:t>-web </a:t>
+            </a:r>
+            <a:r>
+              <a:rPr lang="pt-BR" dirty="0" smtClean="0"/>
+              <a:t>comunicação entre a </a:t>
+            </a:r>
+            <a:r>
+              <a:rPr lang="pt-BR" dirty="0"/>
+              <a:t>interface web </a:t>
+            </a:r>
+            <a:r>
+              <a:rPr lang="pt-BR" dirty="0" smtClean="0"/>
+              <a:t>e o </a:t>
+            </a:r>
+            <a:r>
+              <a:rPr lang="pt-BR" i="1" dirty="0" err="1" smtClean="0"/>
+              <a:t>back-end</a:t>
+            </a:r>
+            <a:r>
+              <a:rPr lang="pt-BR" dirty="0"/>
+              <a:t>, por meio do protocolo HTTP.</a:t>
             </a:r>
           </a:p>
           <a:p>
             <a:pPr hangingPunct="0"/>
             <a:r>
-              <a:rPr lang="pt-BR" dirty="0" err="1"/>
-              <a:t>D</a:t>
-            </a:r>
-            <a:r>
               <a:rPr lang="pt-BR" dirty="0" err="1" smtClean="0"/>
-              <a:t>ocker-compose</a:t>
-            </a:r>
-            <a:r>
-              <a:rPr lang="pt-BR" dirty="0" smtClean="0"/>
-              <a:t> de aplicação: </a:t>
-            </a:r>
-            <a:r>
-              <a:rPr lang="pt-BR" dirty="0" err="1"/>
-              <a:t>m</a:t>
-            </a:r>
-            <a:r>
-              <a:rPr lang="pt-BR" dirty="0" err="1" smtClean="0"/>
-              <a:t>apskill-app</a:t>
-            </a:r>
-            <a:r>
-              <a:rPr lang="pt-BR" dirty="0" smtClean="0"/>
-              <a:t>, </a:t>
-            </a:r>
-            <a:r>
-              <a:rPr lang="pt-BR" dirty="0" err="1" smtClean="0"/>
-              <a:t>mapskills</a:t>
-            </a:r>
-            <a:r>
-              <a:rPr lang="pt-BR" dirty="0" smtClean="0"/>
-              <a:t>-web, </a:t>
-            </a:r>
-            <a:r>
-              <a:rPr lang="pt-BR" dirty="0" err="1" smtClean="0"/>
-              <a:t>mapskills-Haproxy</a:t>
-            </a:r>
-            <a:r>
-              <a:rPr lang="pt-BR" dirty="0" smtClean="0"/>
-              <a:t>. </a:t>
-            </a:r>
-          </a:p>
-          <a:p>
-            <a:pPr hangingPunct="0"/>
-            <a:r>
-              <a:rPr lang="pt-BR" dirty="0" err="1" smtClean="0"/>
-              <a:t>Docker-compose</a:t>
-            </a:r>
-            <a:r>
-              <a:rPr lang="pt-BR" dirty="0" smtClean="0"/>
-              <a:t> de gerenciamento: </a:t>
-            </a:r>
-            <a:r>
-              <a:rPr lang="pt-BR" dirty="0" err="1" smtClean="0"/>
-              <a:t>mapskills-jenkins</a:t>
-            </a:r>
-            <a:r>
-              <a:rPr lang="pt-BR" dirty="0"/>
-              <a:t>, </a:t>
-            </a:r>
-            <a:r>
-              <a:rPr lang="pt-BR" dirty="0" err="1" smtClean="0"/>
-              <a:t>mapskills-cavisor</a:t>
+              <a:t>Mapskills-app</a:t>
             </a:r>
             <a:r>
               <a:rPr lang="pt-BR" dirty="0" smtClean="0"/>
@@ -11300,18 +11534,77 @@
             </a:r>
             <a:r>
               <a:rPr lang="pt-BR" dirty="0" err="1" smtClean="0"/>
-              <a:t>mapskills-mysql</a:t>
-            </a:r>
-            <a:r>
-              <a:rPr lang="pt-BR" dirty="0"/>
-              <a:t>. </a:t>
-            </a:r>
-          </a:p>
-        </p:txBody>
-      </p:sp>
-      <p:sp>
-        <p:nvSpPr>
-          <p:cNvPr id="4" name="Retângulo 3"/>
+              <a:t>Mapskills-mysql</a:t>
+            </a:r>
+            <a:r>
+              <a:rPr lang="pt-BR" dirty="0"/>
+              <a:t>, </a:t>
+            </a:r>
+            <a:r>
+              <a:rPr lang="pt-BR" dirty="0" smtClean="0"/>
+              <a:t>permite o acesso a </a:t>
+            </a:r>
+            <a:r>
+              <a:rPr lang="pt-BR" dirty="0" smtClean="0"/>
+              <a:t>base </a:t>
+            </a:r>
+            <a:r>
+              <a:rPr lang="pt-BR" dirty="0" smtClean="0"/>
+              <a:t>de </a:t>
+            </a:r>
+            <a:r>
+              <a:rPr lang="pt-BR" dirty="0"/>
+              <a:t>dados.</a:t>
+            </a:r>
+          </a:p>
+          <a:p>
+            <a:pPr hangingPunct="0"/>
+            <a:r>
+              <a:rPr lang="pt-BR" dirty="0" err="1" smtClean="0"/>
+              <a:t>Mapskills-haproxy</a:t>
+            </a:r>
+            <a:r>
+              <a:rPr lang="pt-BR" dirty="0" smtClean="0"/>
+              <a:t> </a:t>
+            </a:r>
+            <a:r>
+              <a:rPr lang="pt-BR" dirty="0"/>
+              <a:t>e </a:t>
+            </a:r>
+            <a:r>
+              <a:rPr lang="pt-BR" dirty="0" err="1" smtClean="0"/>
+              <a:t>Mapskills-app</a:t>
+            </a:r>
+            <a:r>
+              <a:rPr lang="pt-BR" dirty="0" smtClean="0"/>
+              <a:t> permite a comunicação entre o </a:t>
+            </a:r>
+            <a:r>
+              <a:rPr lang="pt-BR" dirty="0" err="1" smtClean="0"/>
+              <a:t>balanceador</a:t>
+            </a:r>
+            <a:r>
+              <a:rPr lang="pt-BR" dirty="0" smtClean="0"/>
+              <a:t> de carga e o servidor de </a:t>
+            </a:r>
+            <a:r>
+              <a:rPr lang="pt-BR" dirty="0" err="1" smtClean="0"/>
+              <a:t>back</a:t>
+            </a:r>
+            <a:r>
+              <a:rPr lang="pt-BR" dirty="0" smtClean="0"/>
+              <a:t>-end.</a:t>
+            </a:r>
+            <a:endParaRPr lang="pt-BR" dirty="0"/>
+          </a:p>
+          <a:p>
+            <a:endParaRPr lang="pt-BR" dirty="0"/>
+          </a:p>
+        </p:txBody>
+      </p:sp>
+      <p:sp>
+        <p:nvSpPr>
+          <p:cNvPr id="5" name="Retângulo 4"/>
           <p:cNvSpPr/>
           <p:nvPr/>
         </p:nvSpPr>
@@ -11335,30 +11628,22 @@
               <a:buChar char="•"/>
             </a:pPr>
             <a:r>
-              <a:rPr lang="pt-BR" dirty="0" smtClean="0"/>
+              <a:rPr lang="pt-BR" dirty="0"/>
               <a:t>Desenvolvimento</a:t>
             </a:r>
-            <a:endParaRPr lang="pt-BR" dirty="0"/>
           </a:p>
         </p:txBody>
       </p:sp>
     </p:spTree>
     <p:extLst>
       <p:ext uri="{BB962C8B-B14F-4D97-AF65-F5344CB8AC3E}">
-        <p14:creationId xmlns:p14="http://schemas.microsoft.com/office/powerpoint/2010/main" val="990325619"/>
+        <p14:creationId xmlns:p14="http://schemas.microsoft.com/office/powerpoint/2010/main" val="737797116"/>
       </p:ext>
     </p:extLst>
   </p:cSld>
   <p:clrMapOvr>
     <a:masterClrMapping/>
   </p:clrMapOvr>
-  <p:timing>
-    <p:tnLst>
-      <p:par>
-        <p:cTn id="1" dur="indefinite" restart="never" nodeType="tmRoot"/>
-      </p:par>
-    </p:tnLst>
-  </p:timing>
 </p:sld>
 </file>
 
@@ -11395,151 +11680,47 @@
           <a:lstStyle/>
           <a:p>
             <a:r>
-              <a:rPr lang="pt-BR" dirty="0" smtClean="0"/>
+              <a:rPr lang="pt-BR" dirty="0"/>
               <a:t>Links</a:t>
             </a:r>
-            <a:endParaRPr lang="pt-BR" dirty="0"/>
-          </a:p>
-        </p:txBody>
-      </p:sp>
-      <p:sp>
-        <p:nvSpPr>
-          <p:cNvPr id="3" name="Espaço Reservado para Conteúdo 2"/>
-          <p:cNvSpPr>
-            <a:spLocks noGrp="1"/>
-          </p:cNvSpPr>
+          </a:p>
+        </p:txBody>
+      </p:sp>
+      <p:pic>
+        <p:nvPicPr>
+          <p:cNvPr id="4" name="Espaço Reservado para Conteúdo 3"/>
+          <p:cNvPicPr>
+            <a:picLocks noGrp="1" noChangeAspect="1"/>
+          </p:cNvPicPr>
           <p:nvPr>
             <p:ph idx="1"/>
           </p:nvPr>
-        </p:nvSpPr>
-        <p:spPr/>
-        <p:txBody>
-          <a:bodyPr>
-            <a:normAutofit/>
-          </a:bodyPr>
-          <a:lstStyle/>
-          <a:p>
-            <a:pPr hangingPunct="0"/>
-            <a:r>
-              <a:rPr lang="pt-BR" dirty="0"/>
-              <a:t>O link entre o container </a:t>
-            </a:r>
-            <a:r>
-              <a:rPr lang="pt-BR" dirty="0" err="1"/>
-              <a:t>Mapskills-app</a:t>
-            </a:r>
-            <a:r>
-              <a:rPr lang="pt-BR" dirty="0"/>
-              <a:t> e </a:t>
-            </a:r>
-            <a:r>
-              <a:rPr lang="pt-BR" dirty="0" err="1"/>
-              <a:t>Mapskills</a:t>
-            </a:r>
-            <a:r>
-              <a:rPr lang="pt-BR" dirty="0"/>
-              <a:t>-web para que os dados inseridos na interface web seja trafegada para o </a:t>
-            </a:r>
-            <a:r>
-              <a:rPr lang="pt-BR" i="1" dirty="0" err="1"/>
-              <a:t>back-end</a:t>
-            </a:r>
-            <a:r>
-              <a:rPr lang="pt-BR" dirty="0"/>
-              <a:t>, por meio do protocolo HTTP</a:t>
-            </a:r>
-            <a:r>
-              <a:rPr lang="pt-BR" dirty="0" smtClean="0"/>
-              <a:t>.</a:t>
-            </a:r>
-            <a:endParaRPr lang="pt-BR" dirty="0" smtClean="0"/>
-          </a:p>
-          <a:p>
-            <a:pPr hangingPunct="0"/>
-            <a:r>
-              <a:rPr lang="pt-BR" dirty="0" smtClean="0"/>
-              <a:t>Foi </a:t>
-            </a:r>
-            <a:r>
-              <a:rPr lang="pt-BR" dirty="0"/>
-              <a:t>criado um link entre os containers </a:t>
-            </a:r>
-            <a:r>
-              <a:rPr lang="pt-BR" dirty="0" err="1"/>
-              <a:t>Mapskills-app</a:t>
-            </a:r>
-            <a:r>
-              <a:rPr lang="pt-BR" dirty="0"/>
-              <a:t> e o </a:t>
-            </a:r>
-            <a:r>
-              <a:rPr lang="pt-BR" dirty="0" err="1"/>
-              <a:t>Mapskills-Mysql</a:t>
-            </a:r>
-            <a:r>
-              <a:rPr lang="pt-BR" dirty="0"/>
-              <a:t>, pois desta forma </a:t>
-            </a:r>
-            <a:r>
-              <a:rPr lang="pt-BR" dirty="0" smtClean="0"/>
-              <a:t>o container terá acesso ao banco </a:t>
-            </a:r>
-            <a:r>
-              <a:rPr lang="pt-BR" dirty="0"/>
-              <a:t>de dados.</a:t>
-            </a:r>
-          </a:p>
-          <a:p>
-            <a:pPr hangingPunct="0"/>
-            <a:r>
-              <a:rPr lang="pt-BR" dirty="0" smtClean="0"/>
-              <a:t>Link </a:t>
-            </a:r>
-            <a:r>
-              <a:rPr lang="pt-BR" dirty="0"/>
-              <a:t>entre o </a:t>
-            </a:r>
-            <a:r>
-              <a:rPr lang="pt-BR" dirty="0" err="1"/>
-              <a:t>Haproxy</a:t>
-            </a:r>
-            <a:r>
-              <a:rPr lang="pt-BR" dirty="0"/>
-              <a:t> e </a:t>
-            </a:r>
-            <a:r>
-              <a:rPr lang="pt-BR" dirty="0" err="1"/>
-              <a:t>Mapskills-app</a:t>
-            </a:r>
-            <a:r>
-              <a:rPr lang="pt-BR" dirty="0"/>
-              <a:t> para que todas requisições destinadas ao </a:t>
-            </a:r>
-            <a:r>
-              <a:rPr lang="pt-BR" dirty="0" err="1"/>
-              <a:t>Mapskills-app</a:t>
-            </a:r>
-            <a:r>
-              <a:rPr lang="pt-BR" dirty="0"/>
-              <a:t> sejam controladas pelo </a:t>
-            </a:r>
-            <a:r>
-              <a:rPr lang="pt-BR" dirty="0" err="1"/>
-              <a:t>balanceador</a:t>
-            </a:r>
-            <a:r>
-              <a:rPr lang="pt-BR" dirty="0"/>
-              <a:t> de carga. </a:t>
-            </a:r>
-          </a:p>
-          <a:p>
-            <a:endParaRPr lang="pt-BR" dirty="0"/>
-          </a:p>
-        </p:txBody>
-      </p:sp>
-      <p:sp>
-        <p:nvSpPr>
-          <p:cNvPr id="5" name="Retângulo 4"/>
+        </p:nvPicPr>
+        <p:blipFill>
+          <a:blip r:embed="rId2">
+            <a:extLst>
+              <a:ext uri="{28A0092B-C50C-407E-A947-70E740481C1C}">
+                <a14:useLocalDpi xmlns:a14="http://schemas.microsoft.com/office/drawing/2010/main" val="0"/>
+              </a:ext>
+            </a:extLst>
+          </a:blip>
+          <a:stretch>
+            <a:fillRect/>
+          </a:stretch>
+        </p:blipFill>
+        <p:spPr>
+          <a:xfrm>
+            <a:off x="3409406" y="2495006"/>
+            <a:ext cx="5742437" cy="3418908"/>
+          </a:xfrm>
+          <a:prstGeom prst="rect">
+            <a:avLst/>
+          </a:prstGeom>
+        </p:spPr>
+      </p:pic>
+      <p:sp>
+        <p:nvSpPr>
+          <p:cNvPr id="7" name="Retângulo 6"/>
           <p:cNvSpPr/>
           <p:nvPr/>
         </p:nvSpPr>
@@ -11563,30 +11744,22 @@
               <a:buChar char="•"/>
             </a:pPr>
             <a:r>
-              <a:rPr lang="pt-BR" dirty="0" smtClean="0"/>
+              <a:rPr lang="pt-BR" dirty="0"/>
               <a:t>Desenvolvimento</a:t>
             </a:r>
-            <a:endParaRPr lang="pt-BR" dirty="0"/>
           </a:p>
         </p:txBody>
       </p:sp>
     </p:spTree>
     <p:extLst>
       <p:ext uri="{BB962C8B-B14F-4D97-AF65-F5344CB8AC3E}">
-        <p14:creationId xmlns:p14="http://schemas.microsoft.com/office/powerpoint/2010/main" val="737797116"/>
+        <p14:creationId xmlns:p14="http://schemas.microsoft.com/office/powerpoint/2010/main" val="1588161288"/>
       </p:ext>
     </p:extLst>
   </p:cSld>
   <p:clrMapOvr>
     <a:masterClrMapping/>
   </p:clrMapOvr>
-  <p:timing>
-    <p:tnLst>
-      <p:par>
-        <p:cTn id="1" dur="indefinite" restart="never" nodeType="tmRoot"/>
-      </p:par>
-    </p:tnLst>
-  </p:timing>
 </p:sld>
 </file>
 
@@ -11623,48 +11796,172 @@
           <a:lstStyle/>
           <a:p>
             <a:r>
+              <a:rPr lang="pt-BR" dirty="0"/>
+              <a:t>Volumes</a:t>
+            </a:r>
+          </a:p>
+        </p:txBody>
+      </p:sp>
+      <p:sp>
+        <p:nvSpPr>
+          <p:cNvPr id="3" name="Espaço Reservado para Conteúdo 2"/>
+          <p:cNvSpPr>
+            <a:spLocks noGrp="1"/>
+          </p:cNvSpPr>
+          <p:nvPr>
+            <p:ph idx="1"/>
+          </p:nvPr>
+        </p:nvSpPr>
+        <p:spPr/>
+        <p:txBody>
+          <a:bodyPr>
+            <a:normAutofit lnSpcReduction="10000"/>
+          </a:bodyPr>
+          <a:lstStyle/>
+          <a:p>
+            <a:pPr hangingPunct="0"/>
+            <a:r>
+              <a:rPr lang="pt-BR" dirty="0" err="1" smtClean="0"/>
+              <a:t>Mapskills-app</a:t>
+            </a:r>
+            <a:r>
               <a:rPr lang="pt-BR" dirty="0" smtClean="0"/>
-              <a:t>Links</a:t>
-            </a:r>
+              <a:t> </a:t>
+            </a:r>
+            <a:r>
+              <a:rPr lang="pt-BR" dirty="0"/>
+              <a:t>e </a:t>
+            </a:r>
+            <a:r>
+              <a:rPr lang="pt-BR" dirty="0" err="1"/>
+              <a:t>Mapskills</a:t>
+            </a:r>
+            <a:r>
+              <a:rPr lang="pt-BR" dirty="0"/>
+              <a:t>-web tem os arquivos .</a:t>
+            </a:r>
+            <a:r>
+              <a:rPr lang="pt-BR" dirty="0" err="1"/>
+              <a:t>war</a:t>
+            </a:r>
+            <a:r>
+              <a:rPr lang="pt-BR" dirty="0"/>
+              <a:t> mapeados para que possam ser atualizados pelo </a:t>
+            </a:r>
+            <a:r>
+              <a:rPr lang="pt-BR" dirty="0" err="1"/>
+              <a:t>Jenkins</a:t>
+            </a:r>
+            <a:r>
+              <a:rPr lang="pt-BR" dirty="0"/>
+              <a:t>.</a:t>
+            </a:r>
+          </a:p>
+          <a:p>
+            <a:pPr hangingPunct="0"/>
+            <a:r>
+              <a:rPr lang="pt-BR" dirty="0" err="1" smtClean="0"/>
+              <a:t>Mapskills-Mysql</a:t>
+            </a:r>
+            <a:r>
+              <a:rPr lang="pt-BR" dirty="0" smtClean="0"/>
+              <a:t> </a:t>
+            </a:r>
+            <a:r>
+              <a:rPr lang="pt-BR" dirty="0"/>
+              <a:t>tem a finalidade de armazenar todas informações salva na base de dados.</a:t>
+            </a:r>
+          </a:p>
+          <a:p>
+            <a:pPr hangingPunct="0"/>
+            <a:r>
+              <a:rPr lang="pt-BR" dirty="0" smtClean="0"/>
+              <a:t>Os volumes </a:t>
+            </a:r>
+            <a:r>
+              <a:rPr lang="pt-BR" dirty="0" err="1" smtClean="0"/>
+              <a:t>Mapkills-Jenkins</a:t>
+            </a:r>
+            <a:r>
+              <a:rPr lang="pt-BR" dirty="0"/>
+              <a:t>, </a:t>
+            </a:r>
+            <a:endParaRPr lang="pt-BR" dirty="0" smtClean="0"/>
+          </a:p>
+          <a:p>
+            <a:pPr lvl="1" hangingPunct="0"/>
+            <a:r>
+              <a:rPr lang="pt-BR" dirty="0" smtClean="0"/>
+              <a:t>Volume compartilhado com os </a:t>
+            </a:r>
+            <a:r>
+              <a:rPr lang="pt-BR" dirty="0" smtClean="0"/>
+              <a:t>containers </a:t>
+            </a:r>
+            <a:r>
+              <a:rPr lang="pt-BR" dirty="0" err="1"/>
+              <a:t>Mapkills-App</a:t>
+            </a:r>
+            <a:r>
+              <a:rPr lang="pt-BR" dirty="0"/>
+              <a:t> e </a:t>
+            </a:r>
+            <a:r>
+              <a:rPr lang="pt-BR" dirty="0" err="1"/>
+              <a:t>Mapskills</a:t>
+            </a:r>
+            <a:r>
+              <a:rPr lang="pt-BR" dirty="0"/>
+              <a:t>-Web </a:t>
+            </a:r>
+            <a:endParaRPr lang="pt-BR" dirty="0" smtClean="0"/>
+          </a:p>
+          <a:p>
+            <a:pPr lvl="1" hangingPunct="0"/>
+            <a:r>
+              <a:rPr lang="pt-BR" dirty="0" smtClean="0"/>
+              <a:t>Compartilhamento dos arquivos </a:t>
+            </a:r>
+            <a:r>
+              <a:rPr lang="pt-BR" dirty="0" err="1" smtClean="0"/>
+              <a:t>Docker</a:t>
+            </a:r>
+            <a:r>
+              <a:rPr lang="pt-BR" dirty="0" smtClean="0"/>
+              <a:t> e </a:t>
+            </a:r>
+            <a:r>
+              <a:rPr lang="pt-BR" dirty="0" err="1" smtClean="0"/>
+              <a:t>docker-compose.yaml</a:t>
+            </a:r>
+            <a:r>
+              <a:rPr lang="pt-BR" dirty="0" smtClean="0"/>
+              <a:t> entre o host e container.</a:t>
+            </a:r>
+          </a:p>
+          <a:p>
+            <a:pPr hangingPunct="0"/>
+            <a:r>
+              <a:rPr lang="pt-BR" dirty="0" err="1" smtClean="0"/>
+              <a:t>Mapskills-Cadvisor</a:t>
+            </a:r>
+            <a:r>
+              <a:rPr lang="pt-BR" dirty="0" smtClean="0"/>
+              <a:t> </a:t>
+            </a:r>
+            <a:r>
+              <a:rPr lang="pt-BR" dirty="0"/>
+              <a:t>tem a finalidade de compartilhar informações do host com o container. </a:t>
+            </a:r>
+          </a:p>
+          <a:p>
             <a:endParaRPr lang="pt-BR" dirty="0"/>
           </a:p>
         </p:txBody>
       </p:sp>
-      <p:pic>
-        <p:nvPicPr>
-          <p:cNvPr id="4" name="Espaço Reservado para Conteúdo 3"/>
-          <p:cNvPicPr>
-            <a:picLocks noGrp="1" noChangeAspect="1"/>
-          </p:cNvPicPr>
-          <p:nvPr>
-            <p:ph idx="1"/>
-          </p:nvPr>
-        </p:nvPicPr>
-        <p:blipFill>
-          <a:blip r:embed="rId2">
-            <a:extLst>
-              <a:ext uri="{28A0092B-C50C-407E-A947-70E740481C1C}">
-                <a14:useLocalDpi xmlns:a14="http://schemas.microsoft.com/office/drawing/2010/main" val="0"/>
-              </a:ext>
-            </a:extLst>
-          </a:blip>
-          <a:stretch>
-            <a:fillRect/>
-          </a:stretch>
-        </p:blipFill>
-        <p:spPr>
-          <a:xfrm>
-            <a:off x="3409406" y="2495006"/>
-            <a:ext cx="5742437" cy="3418908"/>
-          </a:xfrm>
-          <a:prstGeom prst="rect">
-            <a:avLst/>
-          </a:prstGeom>
-        </p:spPr>
-      </p:pic>
-      <p:sp>
-        <p:nvSpPr>
-          <p:cNvPr id="7" name="Retângulo 6"/>
+      <p:sp>
+        <p:nvSpPr>
+          <p:cNvPr id="5" name="Retângulo 4"/>
           <p:cNvSpPr/>
           <p:nvPr/>
         </p:nvSpPr>
@@ -11688,30 +11985,22 @@
               <a:buChar char="•"/>
             </a:pPr>
             <a:r>
-              <a:rPr lang="pt-BR" dirty="0" smtClean="0"/>
+              <a:rPr lang="pt-BR" dirty="0"/>
               <a:t>Desenvolvimento</a:t>
             </a:r>
-            <a:endParaRPr lang="pt-BR" dirty="0"/>
           </a:p>
         </p:txBody>
       </p:sp>
     </p:spTree>
     <p:extLst>
       <p:ext uri="{BB962C8B-B14F-4D97-AF65-F5344CB8AC3E}">
-        <p14:creationId xmlns:p14="http://schemas.microsoft.com/office/powerpoint/2010/main" val="1588161288"/>
+        <p14:creationId xmlns:p14="http://schemas.microsoft.com/office/powerpoint/2010/main" val="1216461368"/>
       </p:ext>
     </p:extLst>
   </p:cSld>
   <p:clrMapOvr>
     <a:masterClrMapping/>
   </p:clrMapOvr>
-  <p:timing>
-    <p:tnLst>
-      <p:par>
-        <p:cTn id="1" dur="indefinite" restart="never" nodeType="tmRoot"/>
-      </p:par>
-    </p:tnLst>
-  </p:timing>
 </p:sld>
 </file>
 
@@ -11750,10 +12039,9 @@
           <a:lstStyle/>
           <a:p>
             <a:r>
-              <a:rPr lang="pt-BR" sz="4400" dirty="0" smtClean="0"/>
+              <a:rPr lang="pt-BR" sz="4400" dirty="0"/>
               <a:t>Introdução</a:t>
             </a:r>
-            <a:endParaRPr lang="pt-BR" sz="4400" dirty="0"/>
           </a:p>
         </p:txBody>
       </p:sp>
@@ -11786,13 +12074,6 @@
   <p:clrMapOvr>
     <a:masterClrMapping/>
   </p:clrMapOvr>
-  <p:timing>
-    <p:tnLst>
-      <p:par>
-        <p:cTn id="1" dur="indefinite" restart="never" nodeType="tmRoot"/>
-      </p:par>
-    </p:tnLst>
-  </p:timing>
 </p:sld>
 </file>
 
@@ -11829,42 +12110,69 @@
           <a:lstStyle/>
           <a:p>
             <a:r>
+              <a:rPr lang="pt-BR" dirty="0" err="1"/>
+              <a:t>Mapskills-Jenkins</a:t>
+            </a:r>
+            <a:endParaRPr lang="pt-BR" dirty="0"/>
+          </a:p>
+        </p:txBody>
+      </p:sp>
+      <p:sp>
+        <p:nvSpPr>
+          <p:cNvPr id="3" name="Espaço Reservado para Conteúdo 2"/>
+          <p:cNvSpPr>
+            <a:spLocks noGrp="1"/>
+          </p:cNvSpPr>
+          <p:nvPr>
+            <p:ph idx="1"/>
+          </p:nvPr>
+        </p:nvSpPr>
+        <p:spPr/>
+        <p:txBody>
+          <a:bodyPr>
+            <a:normAutofit/>
+          </a:bodyPr>
+          <a:lstStyle/>
+          <a:p>
+            <a:pPr hangingPunct="0"/>
+            <a:r>
               <a:rPr lang="pt-BR" dirty="0" smtClean="0"/>
-              <a:t>Volumes</a:t>
+              <a:t>Responsável por executar as tarefas destinadas à integração contínua.</a:t>
             </a:r>
             <a:endParaRPr lang="pt-BR" dirty="0"/>
           </a:p>
-        </p:txBody>
-      </p:sp>
-      <p:sp>
-        <p:nvSpPr>
-          <p:cNvPr id="3" name="Espaço Reservado para Conteúdo 2"/>
-          <p:cNvSpPr>
-            <a:spLocks noGrp="1"/>
-          </p:cNvSpPr>
-          <p:nvPr>
-            <p:ph idx="1"/>
-          </p:nvPr>
-        </p:nvSpPr>
-        <p:spPr/>
-        <p:txBody>
-          <a:bodyPr>
-            <a:normAutofit fontScale="92500" lnSpcReduction="10000"/>
-          </a:bodyPr>
-          <a:lstStyle/>
           <a:p>
             <a:pPr hangingPunct="0"/>
             <a:r>
-              <a:rPr lang="pt-BR" dirty="0" smtClean="0"/>
-              <a:t>O Volumes </a:t>
+              <a:rPr lang="pt-BR" dirty="0"/>
+              <a:t>Jobs: </a:t>
+            </a:r>
+          </a:p>
+          <a:p>
+            <a:pPr lvl="1" hangingPunct="0"/>
+            <a:r>
+              <a:rPr lang="pt-BR" dirty="0"/>
+              <a:t>Build-</a:t>
             </a:r>
             <a:r>
               <a:rPr lang="pt-BR" dirty="0" err="1"/>
-              <a:t>Mapskills-app</a:t>
-            </a:r>
-            <a:r>
-              <a:rPr lang="pt-BR" dirty="0"/>
-              <a:t> e </a:t>
+              <a:t>Mapksills</a:t>
+            </a:r>
+            <a:r>
+              <a:rPr lang="pt-BR" dirty="0"/>
+              <a:t>-</a:t>
+            </a:r>
+            <a:r>
+              <a:rPr lang="pt-BR" dirty="0" err="1"/>
+              <a:t>App</a:t>
+            </a:r>
+            <a:endParaRPr lang="pt-BR" dirty="0"/>
+          </a:p>
+          <a:p>
+            <a:pPr lvl="1" hangingPunct="0"/>
+            <a:r>
+              <a:rPr lang="pt-BR" dirty="0"/>
+              <a:t>Build-</a:t>
             </a:r>
             <a:r>
               <a:rPr lang="pt-BR" dirty="0" err="1"/>
@@ -11872,82 +12180,26 @@
             </a:r>
             <a:r>
               <a:rPr lang="pt-BR" dirty="0"/>
-              <a:t>-web tem </a:t>
-            </a:r>
-            <a:r>
-              <a:rPr lang="pt-BR" dirty="0" smtClean="0"/>
-              <a:t>os arquivos .</a:t>
-            </a:r>
-            <a:r>
-              <a:rPr lang="pt-BR" dirty="0" err="1" smtClean="0"/>
-              <a:t>war</a:t>
-            </a:r>
-            <a:r>
-              <a:rPr lang="pt-BR" dirty="0" smtClean="0"/>
-              <a:t> mapeados para que possam ser atualizados </a:t>
-            </a:r>
-            <a:r>
-              <a:rPr lang="pt-BR" dirty="0"/>
-              <a:t>pelo </a:t>
-            </a:r>
-            <a:r>
-              <a:rPr lang="pt-BR" dirty="0" err="1" smtClean="0"/>
-              <a:t>Jenkins</a:t>
-            </a:r>
-            <a:r>
-              <a:rPr lang="pt-BR" dirty="0" smtClean="0"/>
-              <a:t>.</a:t>
-            </a:r>
-            <a:endParaRPr lang="pt-BR" dirty="0"/>
-          </a:p>
-          <a:p>
-            <a:pPr hangingPunct="0"/>
-            <a:r>
-              <a:rPr lang="pt-BR" dirty="0" smtClean="0"/>
-              <a:t>Volume </a:t>
-            </a:r>
+              <a:t>-Front</a:t>
+            </a:r>
+          </a:p>
+          <a:p>
+            <a:pPr lvl="1" hangingPunct="0"/>
             <a:r>
               <a:rPr lang="pt-BR" dirty="0" err="1"/>
-              <a:t>Mapskills-Mysql</a:t>
-            </a:r>
-            <a:r>
-              <a:rPr lang="pt-BR" dirty="0"/>
-              <a:t> tem a finalidade de armazenar todas informações salva na base de </a:t>
-            </a:r>
-            <a:r>
-              <a:rPr lang="pt-BR" dirty="0" smtClean="0"/>
-              <a:t>dados.</a:t>
-            </a:r>
-          </a:p>
-          <a:p>
-            <a:pPr hangingPunct="0"/>
-            <a:r>
-              <a:rPr lang="pt-BR" dirty="0" smtClean="0"/>
-              <a:t>Os </a:t>
-            </a:r>
-            <a:r>
-              <a:rPr lang="pt-BR" dirty="0"/>
-              <a:t>volumes </a:t>
-            </a:r>
-            <a:r>
-              <a:rPr lang="pt-BR" dirty="0" err="1" smtClean="0"/>
-              <a:t>Mapkills-Jenkins</a:t>
-            </a:r>
-            <a:r>
-              <a:rPr lang="pt-BR" dirty="0" smtClean="0"/>
-              <a:t>, formam </a:t>
-            </a:r>
-            <a:r>
-              <a:rPr lang="pt-BR" dirty="0"/>
-              <a:t>uma comunicação entre os containers </a:t>
+              <a:t>Copy</a:t>
+            </a:r>
+            <a:r>
+              <a:rPr lang="pt-BR" dirty="0"/>
+              <a:t> </a:t>
             </a:r>
             <a:r>
               <a:rPr lang="pt-BR" dirty="0" err="1"/>
-              <a:t>Mapkills-App</a:t>
-            </a:r>
-            <a:r>
-              <a:rPr lang="pt-BR" dirty="0"/>
-              <a:t> e </a:t>
+              <a:t>Artifact</a:t>
+            </a:r>
+            <a:r>
+              <a:rPr lang="pt-BR" dirty="0"/>
+              <a:t> </a:t>
             </a:r>
             <a:r>
               <a:rPr lang="pt-BR" dirty="0" err="1"/>
@@ -11955,43 +12207,78 @@
             </a:r>
             <a:r>
               <a:rPr lang="pt-BR" dirty="0"/>
-              <a:t>-Web para que sejam atualizados a qualquer instante, além de compartilhar os arquivos de execução do </a:t>
+              <a:t> </a:t>
             </a:r>
             <a:r>
               <a:rPr lang="pt-BR" dirty="0" err="1"/>
-              <a:t>Docker</a:t>
-            </a:r>
-            <a:r>
-              <a:rPr lang="pt-BR" dirty="0"/>
-              <a:t> e </a:t>
-            </a:r>
+              <a:t>App</a:t>
+            </a:r>
+            <a:endParaRPr lang="pt-BR" dirty="0"/>
+          </a:p>
+          <a:p>
+            <a:pPr lvl="1" hangingPunct="0"/>
             <a:r>
               <a:rPr lang="pt-BR" dirty="0" err="1"/>
-              <a:t>Docker-Compose</a:t>
-            </a:r>
-            <a:r>
-              <a:rPr lang="pt-BR" dirty="0"/>
-              <a:t>, para que possam ser executados comando de dentro do container.</a:t>
+              <a:t>Copy</a:t>
+            </a:r>
+            <a:r>
+              <a:rPr lang="pt-BR" dirty="0"/>
+              <a:t> </a:t>
+            </a:r>
+            <a:r>
+              <a:rPr lang="pt-BR" dirty="0" err="1"/>
+              <a:t>Artifact</a:t>
+            </a:r>
+            <a:r>
+              <a:rPr lang="pt-BR" dirty="0"/>
+              <a:t> </a:t>
+            </a:r>
+            <a:r>
+              <a:rPr lang="pt-BR" dirty="0" err="1"/>
+              <a:t>Mapskills</a:t>
+            </a:r>
+            <a:r>
+              <a:rPr lang="pt-BR" dirty="0"/>
+              <a:t> Front</a:t>
+            </a:r>
+          </a:p>
+          <a:p>
+            <a:pPr lvl="1" hangingPunct="0"/>
+            <a:r>
+              <a:rPr lang="pt-BR" dirty="0" err="1"/>
+              <a:t>Deploy</a:t>
+            </a:r>
+            <a:r>
+              <a:rPr lang="pt-BR" dirty="0"/>
+              <a:t> </a:t>
+            </a:r>
+            <a:r>
+              <a:rPr lang="pt-BR" dirty="0" err="1"/>
+              <a:t>Mapskills</a:t>
+            </a:r>
+            <a:r>
+              <a:rPr lang="pt-BR" dirty="0"/>
+              <a:t>. </a:t>
             </a:r>
           </a:p>
           <a:p>
             <a:pPr hangingPunct="0"/>
             <a:r>
-              <a:rPr lang="pt-BR" dirty="0" smtClean="0"/>
-              <a:t>Os volumes </a:t>
-            </a:r>
-            <a:r>
-              <a:rPr lang="pt-BR" dirty="0" err="1" smtClean="0"/>
-              <a:t>Mapskills-Cadvisor</a:t>
-            </a:r>
-            <a:r>
-              <a:rPr lang="pt-BR" dirty="0" smtClean="0"/>
-              <a:t> tem a finalidade de compartilhar informações do host com o container. </a:t>
-            </a:r>
-            <a:endParaRPr lang="pt-BR" dirty="0"/>
-          </a:p>
-          <a:p>
-            <a:endParaRPr lang="pt-BR" dirty="0"/>
+              <a:rPr lang="pt-BR" dirty="0" err="1"/>
+              <a:t>Url</a:t>
+            </a:r>
+            <a:r>
+              <a:rPr lang="pt-BR" dirty="0"/>
+              <a:t> de acesso ao </a:t>
+            </a:r>
+            <a:r>
+              <a:rPr lang="pt-BR" dirty="0" err="1"/>
+              <a:t>Jenkins</a:t>
+            </a:r>
+            <a:r>
+              <a:rPr lang="pt-BR" dirty="0"/>
+              <a:t>: http://ip_do_host:8585.</a:t>
+            </a:r>
           </a:p>
         </p:txBody>
       </p:sp>
@@ -12021,30 +12308,22 @@
               <a:buChar char="•"/>
             </a:pPr>
             <a:r>
-              <a:rPr lang="pt-BR" dirty="0" smtClean="0"/>
+              <a:rPr lang="pt-BR" dirty="0"/>
               <a:t>Desenvolvimento</a:t>
             </a:r>
-            <a:endParaRPr lang="pt-BR" dirty="0"/>
           </a:p>
         </p:txBody>
       </p:sp>
     </p:spTree>
     <p:extLst>
       <p:ext uri="{BB962C8B-B14F-4D97-AF65-F5344CB8AC3E}">
-        <p14:creationId xmlns:p14="http://schemas.microsoft.com/office/powerpoint/2010/main" val="1216461368"/>
+        <p14:creationId xmlns:p14="http://schemas.microsoft.com/office/powerpoint/2010/main" val="1515907411"/>
       </p:ext>
     </p:extLst>
   </p:cSld>
   <p:clrMapOvr>
     <a:masterClrMapping/>
   </p:clrMapOvr>
-  <p:timing>
-    <p:tnLst>
-      <p:par>
-        <p:cTn id="1" dur="indefinite" restart="never" nodeType="tmRoot"/>
-      </p:par>
-    </p:tnLst>
-  </p:timing>
 </p:sld>
 </file>
 
@@ -12081,202 +12360,39 @@
           <a:lstStyle/>
           <a:p>
             <a:r>
-              <a:rPr lang="pt-BR" dirty="0" err="1" smtClean="0"/>
+              <a:rPr lang="pt-BR" dirty="0" err="1"/>
               <a:t>Mapskills-Jenkins</a:t>
             </a:r>
             <a:endParaRPr lang="pt-BR" dirty="0"/>
           </a:p>
         </p:txBody>
       </p:sp>
-      <p:sp>
-        <p:nvSpPr>
-          <p:cNvPr id="3" name="Espaço Reservado para Conteúdo 2"/>
-          <p:cNvSpPr>
-            <a:spLocks noGrp="1"/>
-          </p:cNvSpPr>
+      <p:pic>
+        <p:nvPicPr>
+          <p:cNvPr id="4" name="Figura1"/>
+          <p:cNvPicPr>
+            <a:picLocks noGrp="1"/>
+          </p:cNvPicPr>
           <p:nvPr>
             <p:ph idx="1"/>
           </p:nvPr>
-        </p:nvSpPr>
-        <p:spPr/>
-        <p:txBody>
-          <a:bodyPr>
-            <a:normAutofit fontScale="92500" lnSpcReduction="10000"/>
-          </a:bodyPr>
-          <a:lstStyle/>
-          <a:p>
-            <a:pPr hangingPunct="0"/>
-            <a:r>
-              <a:rPr lang="pt-BR" dirty="0"/>
-              <a:t>Container </a:t>
-            </a:r>
-            <a:r>
-              <a:rPr lang="pt-BR" dirty="0" err="1"/>
-              <a:t>Jenkins</a:t>
-            </a:r>
-            <a:r>
-              <a:rPr lang="pt-BR" dirty="0"/>
-              <a:t> realiza o controle das implantações realizadas durante a implementação do software. </a:t>
-            </a:r>
-            <a:r>
-              <a:rPr lang="pt-BR" dirty="0" smtClean="0"/>
-              <a:t>É responsável por realizar </a:t>
-            </a:r>
-            <a:r>
-              <a:rPr lang="pt-BR" dirty="0"/>
-              <a:t>construções de forma instantânea, com testes sendo executados e falhas detectadas caso encontre-as. </a:t>
-            </a:r>
-          </a:p>
-          <a:p>
-            <a:pPr hangingPunct="0"/>
-            <a:r>
-              <a:rPr lang="pt-BR" dirty="0" smtClean="0"/>
-              <a:t>Jobs: </a:t>
-            </a:r>
-          </a:p>
-          <a:p>
-            <a:pPr lvl="1" hangingPunct="0"/>
-            <a:r>
-              <a:rPr lang="pt-BR" dirty="0" smtClean="0"/>
-              <a:t>Build-</a:t>
-            </a:r>
-            <a:r>
-              <a:rPr lang="pt-BR" dirty="0" err="1" smtClean="0"/>
-              <a:t>Mapksills</a:t>
-            </a:r>
-            <a:r>
-              <a:rPr lang="pt-BR" dirty="0" smtClean="0"/>
-              <a:t>-</a:t>
-            </a:r>
-            <a:r>
-              <a:rPr lang="pt-BR" dirty="0" err="1" smtClean="0"/>
-              <a:t>App</a:t>
-            </a:r>
-            <a:endParaRPr lang="pt-BR" dirty="0"/>
-          </a:p>
-          <a:p>
-            <a:pPr lvl="1" hangingPunct="0"/>
-            <a:r>
-              <a:rPr lang="pt-BR" dirty="0" smtClean="0"/>
-              <a:t>Build-</a:t>
-            </a:r>
-            <a:r>
-              <a:rPr lang="pt-BR" dirty="0" err="1" smtClean="0"/>
-              <a:t>Mapskills</a:t>
-            </a:r>
-            <a:r>
-              <a:rPr lang="pt-BR" dirty="0" smtClean="0"/>
-              <a:t>-Front</a:t>
-            </a:r>
-          </a:p>
-          <a:p>
-            <a:pPr lvl="1" hangingPunct="0"/>
-            <a:r>
-              <a:rPr lang="pt-BR" dirty="0" err="1" smtClean="0"/>
-              <a:t>Copy</a:t>
-            </a:r>
-            <a:r>
-              <a:rPr lang="pt-BR" dirty="0" smtClean="0"/>
-              <a:t> </a:t>
-            </a:r>
-            <a:r>
-              <a:rPr lang="pt-BR" dirty="0" err="1"/>
-              <a:t>Artifact</a:t>
-            </a:r>
-            <a:r>
-              <a:rPr lang="pt-BR" dirty="0"/>
-              <a:t> </a:t>
-            </a:r>
-            <a:r>
-              <a:rPr lang="pt-BR" dirty="0" err="1"/>
-              <a:t>Mapskills</a:t>
-            </a:r>
-            <a:r>
-              <a:rPr lang="pt-BR" dirty="0"/>
-              <a:t> </a:t>
-            </a:r>
-            <a:r>
-              <a:rPr lang="pt-BR" dirty="0" err="1" smtClean="0"/>
-              <a:t>App</a:t>
-            </a:r>
-            <a:endParaRPr lang="pt-BR" dirty="0" smtClean="0"/>
-          </a:p>
-          <a:p>
-            <a:pPr lvl="1" hangingPunct="0"/>
-            <a:r>
-              <a:rPr lang="pt-BR" dirty="0" err="1" smtClean="0"/>
-              <a:t>Copy</a:t>
-            </a:r>
-            <a:r>
-              <a:rPr lang="pt-BR" dirty="0" smtClean="0"/>
-              <a:t> </a:t>
-            </a:r>
-            <a:r>
-              <a:rPr lang="pt-BR" dirty="0" err="1"/>
-              <a:t>Artifact</a:t>
-            </a:r>
-            <a:r>
-              <a:rPr lang="pt-BR" dirty="0"/>
-              <a:t> </a:t>
-            </a:r>
-            <a:r>
-              <a:rPr lang="pt-BR" dirty="0" err="1"/>
-              <a:t>Mapskills</a:t>
-            </a:r>
-            <a:r>
-              <a:rPr lang="pt-BR" dirty="0"/>
-              <a:t> </a:t>
-            </a:r>
-            <a:r>
-              <a:rPr lang="pt-BR" dirty="0" smtClean="0"/>
-              <a:t>Front</a:t>
-            </a:r>
-          </a:p>
-          <a:p>
-            <a:pPr lvl="1" hangingPunct="0"/>
-            <a:r>
-              <a:rPr lang="pt-BR" dirty="0" err="1" smtClean="0"/>
-              <a:t>Deploy</a:t>
-            </a:r>
-            <a:r>
-              <a:rPr lang="pt-BR" dirty="0" smtClean="0"/>
-              <a:t> </a:t>
-            </a:r>
-            <a:r>
-              <a:rPr lang="pt-BR" dirty="0" err="1"/>
-              <a:t>Mapskills</a:t>
-            </a:r>
-            <a:r>
-              <a:rPr lang="pt-BR" dirty="0"/>
-              <a:t>. </a:t>
-            </a:r>
-          </a:p>
-          <a:p>
-            <a:pPr hangingPunct="0"/>
-            <a:r>
-              <a:rPr lang="pt-BR" dirty="0" err="1"/>
-              <a:t>Url</a:t>
-            </a:r>
-            <a:r>
-              <a:rPr lang="pt-BR" dirty="0"/>
-              <a:t> de acesso </a:t>
-            </a:r>
-            <a:r>
-              <a:rPr lang="pt-BR" dirty="0" smtClean="0"/>
-              <a:t>ao </a:t>
-            </a:r>
-            <a:r>
-              <a:rPr lang="pt-BR" dirty="0" err="1" smtClean="0"/>
-              <a:t>Jenkins</a:t>
-            </a:r>
-            <a:r>
-              <a:rPr lang="pt-BR" dirty="0" smtClean="0"/>
-              <a:t>: http://ip_do_host:8585.</a:t>
-            </a:r>
-            <a:endParaRPr lang="pt-BR" dirty="0"/>
-          </a:p>
-        </p:txBody>
-      </p:sp>
+        </p:nvPicPr>
+        <p:blipFill>
+          <a:blip r:embed="rId2"/>
+          <a:stretch>
+            <a:fillRect/>
+          </a:stretch>
+        </p:blipFill>
+        <p:spPr bwMode="auto">
+          <a:xfrm>
+            <a:off x="1006892" y="2510226"/>
+            <a:ext cx="9613900" cy="3408765"/>
+          </a:xfrm>
+          <a:prstGeom prst="rect">
+            <a:avLst/>
+          </a:prstGeom>
+        </p:spPr>
+      </p:pic>
       <p:sp>
         <p:nvSpPr>
           <p:cNvPr id="5" name="Retângulo 4"/>
@@ -12303,17 +12419,16 @@
               <a:buChar char="•"/>
             </a:pPr>
             <a:r>
-              <a:rPr lang="pt-BR" dirty="0" smtClean="0"/>
+              <a:rPr lang="pt-BR" dirty="0"/>
               <a:t>Desenvolvimento</a:t>
             </a:r>
-            <a:endParaRPr lang="pt-BR" dirty="0"/>
           </a:p>
         </p:txBody>
       </p:sp>
     </p:spTree>
     <p:extLst>
       <p:ext uri="{BB962C8B-B14F-4D97-AF65-F5344CB8AC3E}">
-        <p14:creationId xmlns:p14="http://schemas.microsoft.com/office/powerpoint/2010/main" val="1515907411"/>
+        <p14:creationId xmlns:p14="http://schemas.microsoft.com/office/powerpoint/2010/main" val="2225200717"/>
       </p:ext>
     </p:extLst>
   </p:cSld>
@@ -12357,41 +12472,156 @@
           <a:p>
             <a:r>
               <a:rPr lang="pt-BR" dirty="0" err="1"/>
-              <a:t>Mapskills-Jenkins</a:t>
+              <a:t>Job</a:t>
+            </a:r>
+            <a:r>
+              <a:rPr lang="pt-BR" dirty="0"/>
+              <a:t> - Build </a:t>
+            </a:r>
+            <a:r>
+              <a:rPr lang="pt-BR" dirty="0" err="1"/>
+              <a:t>Mapskills-app</a:t>
             </a:r>
             <a:endParaRPr lang="pt-BR" dirty="0"/>
           </a:p>
         </p:txBody>
       </p:sp>
-      <p:pic>
-        <p:nvPicPr>
-          <p:cNvPr id="4" name="Figura1"/>
-          <p:cNvPicPr>
-            <a:picLocks noGrp="1"/>
-          </p:cNvPicPr>
+      <p:sp>
+        <p:nvSpPr>
+          <p:cNvPr id="3" name="Espaço Reservado para Conteúdo 2"/>
+          <p:cNvSpPr>
+            <a:spLocks noGrp="1"/>
+          </p:cNvSpPr>
           <p:nvPr>
             <p:ph idx="1"/>
           </p:nvPr>
-        </p:nvPicPr>
-        <p:blipFill>
-          <a:blip r:embed="rId2"/>
-          <a:stretch>
-            <a:fillRect/>
-          </a:stretch>
-        </p:blipFill>
-        <p:spPr bwMode="auto">
-          <a:xfrm>
-            <a:off x="1006892" y="2510226"/>
-            <a:ext cx="9613900" cy="3408765"/>
-          </a:xfrm>
-          <a:prstGeom prst="rect">
-            <a:avLst/>
-          </a:prstGeom>
-        </p:spPr>
-      </p:pic>
-      <p:sp>
-        <p:nvSpPr>
-          <p:cNvPr id="5" name="Retângulo 4"/>
+        </p:nvSpPr>
+        <p:spPr/>
+        <p:txBody>
+          <a:bodyPr>
+            <a:normAutofit fontScale="92500" lnSpcReduction="10000"/>
+          </a:bodyPr>
+          <a:lstStyle/>
+          <a:p>
+            <a:pPr hangingPunct="0"/>
+            <a:r>
+              <a:rPr lang="pt-BR" dirty="0"/>
+              <a:t>Este </a:t>
+            </a:r>
+            <a:r>
+              <a:rPr lang="pt-BR" i="1" dirty="0" err="1"/>
+              <a:t>Job</a:t>
+            </a:r>
+            <a:r>
+              <a:rPr lang="pt-BR" dirty="0"/>
+              <a:t> irá baixar o projeto Java do repositório GitHub e compilar o projeto no formato .</a:t>
+            </a:r>
+            <a:r>
+              <a:rPr lang="pt-BR" dirty="0" err="1"/>
+              <a:t>war</a:t>
+            </a:r>
+            <a:r>
+              <a:rPr lang="pt-BR" dirty="0"/>
+              <a:t>, para que seja disponibilizado posteriormente por outro </a:t>
+            </a:r>
+            <a:r>
+              <a:rPr lang="pt-BR" i="1" dirty="0" err="1"/>
+              <a:t>Job</a:t>
+            </a:r>
+            <a:r>
+              <a:rPr lang="pt-BR" dirty="0"/>
+              <a:t>.</a:t>
+            </a:r>
+          </a:p>
+          <a:p>
+            <a:pPr marL="0" indent="0" hangingPunct="0">
+              <a:buNone/>
+            </a:pPr>
+            <a:endParaRPr lang="en-US" dirty="0">
+              <a:latin typeface="Courier New" panose="02070309020205020404" pitchFamily="49" charset="0"/>
+              <a:cs typeface="Courier New" panose="02070309020205020404" pitchFamily="49" charset="0"/>
+            </a:endParaRPr>
+          </a:p>
+          <a:p>
+            <a:pPr marL="0" indent="0" hangingPunct="0">
+              <a:buNone/>
+            </a:pPr>
+            <a:r>
+              <a:rPr lang="en-US" dirty="0" err="1">
+                <a:latin typeface="Courier New" panose="02070309020205020404" pitchFamily="49" charset="0"/>
+                <a:cs typeface="Courier New" panose="02070309020205020404" pitchFamily="49" charset="0"/>
+              </a:rPr>
+              <a:t>mvn</a:t>
+            </a:r>
+            <a:r>
+              <a:rPr lang="en-US" dirty="0">
+                <a:latin typeface="Courier New" panose="02070309020205020404" pitchFamily="49" charset="0"/>
+                <a:cs typeface="Courier New" panose="02070309020205020404" pitchFamily="49" charset="0"/>
+              </a:rPr>
+              <a:t> clean install -</a:t>
+            </a:r>
+            <a:r>
+              <a:rPr lang="en-US" dirty="0" err="1">
+                <a:latin typeface="Courier New" panose="02070309020205020404" pitchFamily="49" charset="0"/>
+                <a:cs typeface="Courier New" panose="02070309020205020404" pitchFamily="49" charset="0"/>
+              </a:rPr>
+              <a:t>Dliquibase.should.run</a:t>
+            </a:r>
+            <a:r>
+              <a:rPr lang="en-US" dirty="0">
+                <a:latin typeface="Courier New" panose="02070309020205020404" pitchFamily="49" charset="0"/>
+                <a:cs typeface="Courier New" panose="02070309020205020404" pitchFamily="49" charset="0"/>
+              </a:rPr>
+              <a:t>=false -</a:t>
+            </a:r>
+            <a:r>
+              <a:rPr lang="en-US" dirty="0" err="1">
+                <a:latin typeface="Courier New" panose="02070309020205020404" pitchFamily="49" charset="0"/>
+                <a:cs typeface="Courier New" panose="02070309020205020404" pitchFamily="49" charset="0"/>
+              </a:rPr>
+              <a:t>Pazure</a:t>
+            </a:r>
+            <a:endParaRPr lang="pt-BR" dirty="0">
+              <a:latin typeface="Courier New" panose="02070309020205020404" pitchFamily="49" charset="0"/>
+              <a:cs typeface="Courier New" panose="02070309020205020404" pitchFamily="49" charset="0"/>
+            </a:endParaRPr>
+          </a:p>
+          <a:p>
+            <a:pPr marL="0" indent="0" hangingPunct="0">
+              <a:buNone/>
+            </a:pPr>
+            <a:endParaRPr lang="pt-BR" dirty="0"/>
+          </a:p>
+          <a:p>
+            <a:pPr hangingPunct="0"/>
+            <a:r>
+              <a:rPr lang="pt-BR" dirty="0"/>
+              <a:t>O comando utilizado apaga a pasta Target, instala os pacotes nos respectivos repositórios e não rodar o script de criação do Banco de Dados. Todos esses comandos são rodados pelo perfil </a:t>
+            </a:r>
+            <a:r>
+              <a:rPr lang="pt-BR" dirty="0" err="1"/>
+              <a:t>Azure</a:t>
+            </a:r>
+            <a:r>
+              <a:rPr lang="pt-BR" dirty="0"/>
+              <a:t>, configurado na aplicação.</a:t>
+            </a:r>
+          </a:p>
+          <a:p>
+            <a:pPr marL="0" indent="0" hangingPunct="0">
+              <a:buNone/>
+            </a:pPr>
+            <a:endParaRPr lang="en-US" dirty="0"/>
+          </a:p>
+          <a:p>
+            <a:pPr hangingPunct="0"/>
+            <a:endParaRPr lang="pt-BR" dirty="0"/>
+          </a:p>
+        </p:txBody>
+      </p:sp>
+      <p:sp>
+        <p:nvSpPr>
+          <p:cNvPr id="4" name="Retângulo 3"/>
           <p:cNvSpPr/>
           <p:nvPr/>
         </p:nvSpPr>
@@ -12415,17 +12645,16 @@
               <a:buChar char="•"/>
             </a:pPr>
             <a:r>
-              <a:rPr lang="pt-BR" dirty="0" smtClean="0"/>
+              <a:rPr lang="pt-BR" dirty="0"/>
               <a:t>Desenvolvimento</a:t>
             </a:r>
-            <a:endParaRPr lang="pt-BR" dirty="0"/>
           </a:p>
         </p:txBody>
       </p:sp>
     </p:spTree>
     <p:extLst>
       <p:ext uri="{BB962C8B-B14F-4D97-AF65-F5344CB8AC3E}">
-        <p14:creationId xmlns:p14="http://schemas.microsoft.com/office/powerpoint/2010/main" val="2225200717"/>
+        <p14:creationId xmlns:p14="http://schemas.microsoft.com/office/powerpoint/2010/main" val="1785981346"/>
       </p:ext>
     </p:extLst>
   </p:cSld>
@@ -12468,18 +12697,21 @@
           <a:lstStyle/>
           <a:p>
             <a:r>
-              <a:rPr lang="pt-BR" dirty="0" err="1" smtClean="0"/>
+              <a:rPr lang="pt-BR" dirty="0" err="1"/>
               <a:t>Job</a:t>
             </a:r>
             <a:r>
-              <a:rPr lang="pt-BR" dirty="0" smtClean="0"/>
-              <a:t> - Build </a:t>
-            </a:r>
-            <a:r>
-              <a:rPr lang="pt-BR" dirty="0" err="1" smtClean="0"/>
-              <a:t>Mapskills-app</a:t>
-            </a:r>
-            <a:endParaRPr lang="pt-BR" dirty="0"/>
+              <a:rPr lang="pt-BR" dirty="0"/>
+              <a:t> – Build </a:t>
+            </a:r>
+            <a:r>
+              <a:rPr lang="pt-BR" dirty="0" err="1"/>
+              <a:t>Mapskills</a:t>
+            </a:r>
+            <a:r>
+              <a:rPr lang="pt-BR" dirty="0"/>
+              <a:t>-web</a:t>
+            </a:r>
           </a:p>
         </p:txBody>
       </p:sp>
@@ -12495,23 +12727,28 @@
         </p:nvSpPr>
         <p:spPr/>
         <p:txBody>
-          <a:bodyPr>
-            <a:normAutofit fontScale="92500" lnSpcReduction="10000"/>
-          </a:bodyPr>
-          <a:lstStyle/>
-          <a:p>
-            <a:pPr hangingPunct="0"/>
+          <a:bodyPr/>
+          <a:lstStyle/>
+          <a:p>
             <a:r>
               <a:rPr lang="pt-BR" dirty="0"/>
               <a:t>Este </a:t>
             </a:r>
             <a:r>
-              <a:rPr lang="pt-BR" i="1" dirty="0" err="1"/>
-              <a:t>Job</a:t>
-            </a:r>
-            <a:r>
-              <a:rPr lang="pt-BR" dirty="0"/>
-              <a:t> irá baixar o projeto Java do repositório GitHub e compilar o projeto no formato .</a:t>
+              <a:rPr lang="pt-BR" dirty="0" err="1"/>
+              <a:t>job</a:t>
+            </a:r>
+            <a:r>
+              <a:rPr lang="pt-BR" dirty="0"/>
+              <a:t> irá baixar o projeto de Interface Web do repositório </a:t>
+            </a:r>
+            <a:r>
+              <a:rPr lang="pt-BR" u="sng" dirty="0"/>
+              <a:t>GitHub</a:t>
+            </a:r>
+            <a:r>
+              <a:rPr lang="pt-BR" dirty="0"/>
+              <a:t> e compilar o projeto no formato .</a:t>
             </a:r>
             <a:r>
               <a:rPr lang="pt-BR" dirty="0" err="1"/>
@@ -12519,127 +12756,49 @@
             </a:r>
             <a:r>
               <a:rPr lang="pt-BR" dirty="0"/>
-              <a:t>, para que seja disponibilizado posteriormente por outro </a:t>
-            </a:r>
-            <a:r>
-              <a:rPr lang="pt-BR" i="1" dirty="0" err="1"/>
-              <a:t>Job</a:t>
-            </a:r>
-            <a:r>
-              <a:rPr lang="pt-BR" dirty="0" smtClean="0"/>
-              <a:t>.</a:t>
-            </a:r>
-          </a:p>
-          <a:p>
-            <a:pPr marL="0" indent="0" hangingPunct="0">
+              <a:t>, para que seja disponibilizado posteriormente.</a:t>
+            </a:r>
+          </a:p>
+          <a:p>
+            <a:pPr marL="0" indent="0">
               <a:buNone/>
             </a:pPr>
-            <a:endParaRPr lang="en-US" dirty="0" smtClean="0">
-              <a:latin typeface="Courier New" panose="02070309020205020404" pitchFamily="49" charset="0"/>
-              <a:cs typeface="Courier New" panose="02070309020205020404" pitchFamily="49" charset="0"/>
-            </a:endParaRPr>
-          </a:p>
-          <a:p>
-            <a:pPr marL="0" indent="0" hangingPunct="0">
+            <a:endParaRPr lang="pt-BR" dirty="0"/>
+          </a:p>
+          <a:p>
+            <a:pPr marL="0" indent="0" algn="ctr">
               <a:buNone/>
             </a:pPr>
             <a:r>
-              <a:rPr lang="en-US" dirty="0" err="1" smtClean="0">
+              <a:rPr lang="pt-BR" dirty="0" err="1">
                 <a:latin typeface="Courier New" panose="02070309020205020404" pitchFamily="49" charset="0"/>
                 <a:cs typeface="Courier New" panose="02070309020205020404" pitchFamily="49" charset="0"/>
               </a:rPr>
               <a:t>mvn</a:t>
             </a:r>
             <a:r>
-              <a:rPr lang="en-US" dirty="0" smtClean="0">
+              <a:rPr lang="pt-BR" dirty="0">
+                <a:latin typeface="Courier New" panose="02070309020205020404" pitchFamily="49" charset="0"/>
+                <a:cs typeface="Courier New" panose="02070309020205020404" pitchFamily="49" charset="0"/>
+              </a:rPr>
+              <a:t> clean </a:t>
+            </a:r>
+            <a:r>
+              <a:rPr lang="pt-BR" dirty="0" err="1">
+                <a:latin typeface="Courier New" panose="02070309020205020404" pitchFamily="49" charset="0"/>
+                <a:cs typeface="Courier New" panose="02070309020205020404" pitchFamily="49" charset="0"/>
+              </a:rPr>
+              <a:t>install</a:t>
+            </a:r>
+            <a:r>
+              <a:rPr lang="pt-BR" dirty="0">
                 <a:latin typeface="Courier New" panose="02070309020205020404" pitchFamily="49" charset="0"/>
                 <a:cs typeface="Courier New" panose="02070309020205020404" pitchFamily="49" charset="0"/>
               </a:rPr>
               <a:t> </a:t>
             </a:r>
-            <a:r>
-              <a:rPr lang="en-US" dirty="0">
-                <a:latin typeface="Courier New" panose="02070309020205020404" pitchFamily="49" charset="0"/>
-                <a:cs typeface="Courier New" panose="02070309020205020404" pitchFamily="49" charset="0"/>
-              </a:rPr>
-              <a:t>clean install -</a:t>
-            </a:r>
-            <a:r>
-              <a:rPr lang="en-US" dirty="0" err="1">
-                <a:latin typeface="Courier New" panose="02070309020205020404" pitchFamily="49" charset="0"/>
-                <a:cs typeface="Courier New" panose="02070309020205020404" pitchFamily="49" charset="0"/>
-              </a:rPr>
-              <a:t>Dliquibase.should.run</a:t>
-            </a:r>
-            <a:r>
-              <a:rPr lang="en-US" dirty="0">
-                <a:latin typeface="Courier New" panose="02070309020205020404" pitchFamily="49" charset="0"/>
-                <a:cs typeface="Courier New" panose="02070309020205020404" pitchFamily="49" charset="0"/>
-              </a:rPr>
-              <a:t>=false -</a:t>
-            </a:r>
-            <a:r>
-              <a:rPr lang="en-US" dirty="0" err="1">
-                <a:latin typeface="Courier New" panose="02070309020205020404" pitchFamily="49" charset="0"/>
-                <a:cs typeface="Courier New" panose="02070309020205020404" pitchFamily="49" charset="0"/>
-              </a:rPr>
-              <a:t>Pazure</a:t>
-            </a:r>
-            <a:endParaRPr lang="pt-BR" dirty="0">
-              <a:latin typeface="Courier New" panose="02070309020205020404" pitchFamily="49" charset="0"/>
-              <a:cs typeface="Courier New" panose="02070309020205020404" pitchFamily="49" charset="0"/>
-            </a:endParaRPr>
-          </a:p>
-          <a:p>
-            <a:pPr marL="0" indent="0" hangingPunct="0">
-              <a:buNone/>
-            </a:pPr>
-            <a:endParaRPr lang="pt-BR" dirty="0"/>
-          </a:p>
-          <a:p>
-            <a:pPr hangingPunct="0"/>
-            <a:r>
-              <a:rPr lang="pt-BR" dirty="0" smtClean="0"/>
-              <a:t>O </a:t>
-            </a:r>
-            <a:r>
-              <a:rPr lang="pt-BR" dirty="0"/>
-              <a:t>comando utilizado apaga a pasta Target, instala os pacotes nos respectivos repositórios e não rodar o script de criação do Banco de </a:t>
-            </a:r>
-            <a:r>
-              <a:rPr lang="pt-BR" dirty="0" smtClean="0"/>
-              <a:t>Dados. Todos </a:t>
-            </a:r>
-            <a:r>
-              <a:rPr lang="pt-BR" dirty="0"/>
-              <a:t>esses comandos são rodados pelo </a:t>
-            </a:r>
-            <a:r>
-              <a:rPr lang="pt-BR" dirty="0" smtClean="0"/>
-              <a:t>perfil </a:t>
-            </a:r>
-            <a:r>
-              <a:rPr lang="pt-BR" dirty="0" err="1"/>
-              <a:t>Azure</a:t>
-            </a:r>
-            <a:r>
-              <a:rPr lang="pt-BR" dirty="0"/>
-              <a:t>, configurado na </a:t>
-            </a:r>
-            <a:r>
-              <a:rPr lang="pt-BR" dirty="0" smtClean="0"/>
-              <a:t>aplicação.</a:t>
-            </a:r>
-            <a:endParaRPr lang="pt-BR" dirty="0"/>
-          </a:p>
-          <a:p>
-            <a:pPr marL="0" indent="0" hangingPunct="0">
-              <a:buNone/>
-            </a:pPr>
-            <a:endParaRPr lang="en-US" dirty="0" smtClean="0"/>
-          </a:p>
-          <a:p>
-            <a:pPr hangingPunct="0"/>
+          </a:p>
+          <a:p>
             <a:endParaRPr lang="pt-BR" dirty="0"/>
           </a:p>
         </p:txBody>
@@ -12670,17 +12829,16 @@
               <a:buChar char="•"/>
             </a:pPr>
             <a:r>
-              <a:rPr lang="pt-BR" dirty="0" smtClean="0"/>
+              <a:rPr lang="pt-BR" dirty="0"/>
               <a:t>Desenvolvimento</a:t>
             </a:r>
-            <a:endParaRPr lang="pt-BR" dirty="0"/>
           </a:p>
         </p:txBody>
       </p:sp>
     </p:spTree>
     <p:extLst>
       <p:ext uri="{BB962C8B-B14F-4D97-AF65-F5344CB8AC3E}">
-        <p14:creationId xmlns:p14="http://schemas.microsoft.com/office/powerpoint/2010/main" val="1785981346"/>
+        <p14:creationId xmlns:p14="http://schemas.microsoft.com/office/powerpoint/2010/main" val="575999161"/>
       </p:ext>
     </p:extLst>
   </p:cSld>
@@ -12723,22 +12881,37 @@
           <a:lstStyle/>
           <a:p>
             <a:r>
-              <a:rPr lang="pt-BR" dirty="0" err="1" smtClean="0"/>
+              <a:rPr lang="pt-BR" dirty="0" err="1"/>
               <a:t>Job</a:t>
             </a:r>
             <a:r>
-              <a:rPr lang="pt-BR" dirty="0" smtClean="0"/>
-              <a:t> – Build </a:t>
-            </a:r>
-            <a:r>
-              <a:rPr lang="pt-BR" dirty="0" err="1" smtClean="0"/>
-              <a:t>Mapskills</a:t>
-            </a:r>
-            <a:r>
-              <a:rPr lang="pt-BR" dirty="0" smtClean="0"/>
-              <a:t>-web</a:t>
-            </a:r>
-            <a:endParaRPr lang="pt-BR" dirty="0"/>
+              <a:rPr lang="pt-BR" dirty="0"/>
+              <a:t> – </a:t>
+            </a:r>
+            <a:r>
+              <a:rPr lang="pt-BR" dirty="0" err="1"/>
+              <a:t>Copy</a:t>
+            </a:r>
+            <a:r>
+              <a:rPr lang="pt-BR" dirty="0"/>
+              <a:t> </a:t>
+            </a:r>
+            <a:r>
+              <a:rPr lang="pt-BR" dirty="0" err="1"/>
+              <a:t>Artifact</a:t>
+            </a:r>
+            <a:r>
+              <a:rPr lang="pt-BR" dirty="0"/>
+              <a:t> </a:t>
+            </a:r>
+            <a:r>
+              <a:rPr lang="pt-BR" dirty="0" err="1"/>
+              <a:t>Mapskills-app</a:t>
+            </a:r>
+            <a:r>
+              <a:rPr lang="pt-BR" dirty="0"/>
+              <a:t> e Front</a:t>
+            </a:r>
           </a:p>
         </p:txBody>
       </p:sp>
@@ -12754,7 +12927,9 @@
         </p:nvSpPr>
         <p:spPr/>
         <p:txBody>
-          <a:bodyPr/>
+          <a:bodyPr>
+            <a:normAutofit/>
+          </a:bodyPr>
           <a:lstStyle/>
           <a:p>
             <a:r>
@@ -12767,15 +12942,29 @@
             </a:r>
             <a:r>
               <a:rPr lang="pt-BR" dirty="0"/>
-              <a:t> irá baixar o projeto de Interface Web do repositório </a:t>
-            </a:r>
-            <a:r>
-              <a:rPr lang="pt-BR" u="sng" dirty="0"/>
-              <a:t>GitHub</a:t>
-            </a:r>
-            <a:r>
-              <a:rPr lang="pt-BR" dirty="0"/>
-              <a:t> e compilar o projeto no formato .</a:t>
+              <a:t> depende de que o Build-</a:t>
+            </a:r>
+            <a:r>
+              <a:rPr lang="pt-BR" dirty="0" err="1"/>
+              <a:t>Mapskills</a:t>
+            </a:r>
+            <a:r>
+              <a:rPr lang="pt-BR" dirty="0"/>
+              <a:t>-</a:t>
+            </a:r>
+            <a:r>
+              <a:rPr lang="pt-BR" dirty="0" err="1"/>
+              <a:t>App</a:t>
+            </a:r>
+            <a:r>
+              <a:rPr lang="pt-BR" dirty="0"/>
+              <a:t> tenha sido finalizado com sucesso. </a:t>
+            </a:r>
+          </a:p>
+          <a:p>
+            <a:r>
+              <a:rPr lang="pt-BR" dirty="0"/>
+              <a:t>Ele copiar o arquivo .</a:t>
             </a:r>
             <a:r>
               <a:rPr lang="pt-BR" dirty="0" err="1"/>
@@ -12783,54 +12972,137 @@
             </a:r>
             <a:r>
               <a:rPr lang="pt-BR" dirty="0"/>
-              <a:t>, para que seja disponibilizado posteriormente</a:t>
-            </a:r>
-            <a:r>
-              <a:rPr lang="pt-BR" dirty="0" smtClean="0"/>
+              <a:t> da pasta Target para o volume </a:t>
+            </a:r>
+            <a:r>
+              <a:rPr lang="pt-BR" dirty="0" err="1"/>
+              <a:t>Docker</a:t>
+            </a:r>
+            <a:r>
+              <a:rPr lang="pt-BR" i="1" dirty="0"/>
               <a:t>.</a:t>
             </a:r>
           </a:p>
           <a:p>
-            <a:pPr marL="0" indent="0">
+            <a:pPr marL="0" indent="0" algn="ctr" hangingPunct="0">
               <a:buNone/>
             </a:pPr>
-            <a:endParaRPr lang="pt-BR" dirty="0" smtClean="0"/>
-          </a:p>
-          <a:p>
-            <a:pPr marL="0" indent="0" algn="ctr">
+            <a:endParaRPr lang="en-US" dirty="0">
+              <a:latin typeface="Courier New" panose="02070309020205020404" pitchFamily="49" charset="0"/>
+              <a:cs typeface="Courier New" panose="02070309020205020404" pitchFamily="49" charset="0"/>
+            </a:endParaRPr>
+          </a:p>
+          <a:p>
+            <a:pPr marL="0" indent="0" algn="ctr" hangingPunct="0">
               <a:buNone/>
             </a:pPr>
             <a:r>
-              <a:rPr lang="pt-BR" dirty="0" err="1">
+              <a:rPr lang="en-US" dirty="0" err="1">
                 <a:latin typeface="Courier New" panose="02070309020205020404" pitchFamily="49" charset="0"/>
                 <a:cs typeface="Courier New" panose="02070309020205020404" pitchFamily="49" charset="0"/>
               </a:rPr>
-              <a:t>mvn</a:t>
-            </a:r>
-            <a:r>
-              <a:rPr lang="pt-BR" dirty="0">
-                <a:latin typeface="Courier New" panose="02070309020205020404" pitchFamily="49" charset="0"/>
-                <a:cs typeface="Courier New" panose="02070309020205020404" pitchFamily="49" charset="0"/>
-              </a:rPr>
-              <a:t> clean </a:t>
-            </a:r>
-            <a:r>
-              <a:rPr lang="pt-BR" dirty="0" err="1">
-                <a:latin typeface="Courier New" panose="02070309020205020404" pitchFamily="49" charset="0"/>
-                <a:cs typeface="Courier New" panose="02070309020205020404" pitchFamily="49" charset="0"/>
-              </a:rPr>
-              <a:t>install</a:t>
-            </a:r>
-            <a:r>
-              <a:rPr lang="pt-BR" dirty="0">
+              <a:t>sudo</a:t>
+            </a:r>
+            <a:r>
+              <a:rPr lang="en-US" dirty="0">
                 <a:latin typeface="Courier New" panose="02070309020205020404" pitchFamily="49" charset="0"/>
                 <a:cs typeface="Courier New" panose="02070309020205020404" pitchFamily="49" charset="0"/>
               </a:rPr>
               <a:t> </a:t>
             </a:r>
-          </a:p>
-          <a:p>
-            <a:endParaRPr lang="pt-BR" dirty="0"/>
+            <a:r>
+              <a:rPr lang="en-US" dirty="0" err="1">
+                <a:latin typeface="Courier New" panose="02070309020205020404" pitchFamily="49" charset="0"/>
+                <a:cs typeface="Courier New" panose="02070309020205020404" pitchFamily="49" charset="0"/>
+              </a:rPr>
+              <a:t>cp</a:t>
+            </a:r>
+            <a:r>
+              <a:rPr lang="en-US" dirty="0">
+                <a:latin typeface="Courier New" panose="02070309020205020404" pitchFamily="49" charset="0"/>
+                <a:cs typeface="Courier New" panose="02070309020205020404" pitchFamily="49" charset="0"/>
+              </a:rPr>
+              <a:t> /</a:t>
+            </a:r>
+            <a:r>
+              <a:rPr lang="en-US" dirty="0" err="1">
+                <a:latin typeface="Courier New" panose="02070309020205020404" pitchFamily="49" charset="0"/>
+                <a:cs typeface="Courier New" panose="02070309020205020404" pitchFamily="49" charset="0"/>
+              </a:rPr>
+              <a:t>var</a:t>
+            </a:r>
+            <a:r>
+              <a:rPr lang="en-US" dirty="0">
+                <a:latin typeface="Courier New" panose="02070309020205020404" pitchFamily="49" charset="0"/>
+                <a:cs typeface="Courier New" panose="02070309020205020404" pitchFamily="49" charset="0"/>
+              </a:rPr>
+              <a:t>/</a:t>
+            </a:r>
+            <a:r>
+              <a:rPr lang="en-US" dirty="0" err="1">
+                <a:latin typeface="Courier New" panose="02070309020205020404" pitchFamily="49" charset="0"/>
+                <a:cs typeface="Courier New" panose="02070309020205020404" pitchFamily="49" charset="0"/>
+              </a:rPr>
+              <a:t>jenkins_home</a:t>
+            </a:r>
+            <a:r>
+              <a:rPr lang="en-US" dirty="0">
+                <a:latin typeface="Courier New" panose="02070309020205020404" pitchFamily="49" charset="0"/>
+                <a:cs typeface="Courier New" panose="02070309020205020404" pitchFamily="49" charset="0"/>
+              </a:rPr>
+              <a:t>/workspace/Build-</a:t>
+            </a:r>
+            <a:r>
+              <a:rPr lang="en-US" dirty="0" err="1">
+                <a:latin typeface="Courier New" panose="02070309020205020404" pitchFamily="49" charset="0"/>
+                <a:cs typeface="Courier New" panose="02070309020205020404" pitchFamily="49" charset="0"/>
+              </a:rPr>
+              <a:t>Mapskills</a:t>
+            </a:r>
+            <a:r>
+              <a:rPr lang="en-US" dirty="0">
+                <a:latin typeface="Courier New" panose="02070309020205020404" pitchFamily="49" charset="0"/>
+                <a:cs typeface="Courier New" panose="02070309020205020404" pitchFamily="49" charset="0"/>
+              </a:rPr>
+              <a:t>-Back/target/</a:t>
+            </a:r>
+            <a:r>
+              <a:rPr lang="en-US" dirty="0" err="1">
+                <a:latin typeface="Courier New" panose="02070309020205020404" pitchFamily="49" charset="0"/>
+                <a:cs typeface="Courier New" panose="02070309020205020404" pitchFamily="49" charset="0"/>
+              </a:rPr>
+              <a:t>mapskills.war</a:t>
+            </a:r>
+            <a:r>
+              <a:rPr lang="en-US" dirty="0">
+                <a:latin typeface="Courier New" panose="02070309020205020404" pitchFamily="49" charset="0"/>
+                <a:cs typeface="Courier New" panose="02070309020205020404" pitchFamily="49" charset="0"/>
+              </a:rPr>
+              <a:t> /</a:t>
+            </a:r>
+            <a:r>
+              <a:rPr lang="en-US" dirty="0" err="1">
+                <a:latin typeface="Courier New" panose="02070309020205020404" pitchFamily="49" charset="0"/>
+                <a:cs typeface="Courier New" panose="02070309020205020404" pitchFamily="49" charset="0"/>
+              </a:rPr>
+              <a:t>mapskills</a:t>
+            </a:r>
+            <a:r>
+              <a:rPr lang="en-US" dirty="0">
+                <a:latin typeface="Courier New" panose="02070309020205020404" pitchFamily="49" charset="0"/>
+                <a:cs typeface="Courier New" panose="02070309020205020404" pitchFamily="49" charset="0"/>
+              </a:rPr>
+              <a:t>/back</a:t>
+            </a:r>
+          </a:p>
+          <a:p>
+            <a:pPr marL="0" indent="0" algn="ctr" hangingPunct="0">
+              <a:buNone/>
+            </a:pPr>
+            <a:endParaRPr lang="pt-BR" dirty="0">
+              <a:latin typeface="Courier New" panose="02070309020205020404" pitchFamily="49" charset="0"/>
+              <a:cs typeface="Courier New" panose="02070309020205020404" pitchFamily="49" charset="0"/>
+            </a:endParaRPr>
           </a:p>
         </p:txBody>
       </p:sp>
@@ -12860,17 +13132,16 @@
               <a:buChar char="•"/>
             </a:pPr>
             <a:r>
-              <a:rPr lang="pt-BR" dirty="0" smtClean="0"/>
+              <a:rPr lang="pt-BR" dirty="0"/>
               <a:t>Desenvolvimento</a:t>
             </a:r>
-            <a:endParaRPr lang="pt-BR" dirty="0"/>
           </a:p>
         </p:txBody>
       </p:sp>
     </p:spTree>
     <p:extLst>
       <p:ext uri="{BB962C8B-B14F-4D97-AF65-F5344CB8AC3E}">
-        <p14:creationId xmlns:p14="http://schemas.microsoft.com/office/powerpoint/2010/main" val="575999161"/>
+        <p14:creationId xmlns:p14="http://schemas.microsoft.com/office/powerpoint/2010/main" val="1070249952"/>
       </p:ext>
     </p:extLst>
   </p:cSld>
@@ -12913,155 +13184,114 @@
           <a:lstStyle/>
           <a:p>
             <a:r>
-              <a:rPr lang="pt-BR" dirty="0" err="1" smtClean="0"/>
+              <a:rPr lang="pt-BR" dirty="0" err="1"/>
               <a:t>Job</a:t>
             </a:r>
             <a:r>
-              <a:rPr lang="pt-BR" dirty="0" smtClean="0"/>
+              <a:rPr lang="pt-BR" dirty="0"/>
               <a:t> – </a:t>
             </a:r>
             <a:r>
-              <a:rPr lang="pt-BR" dirty="0" err="1" smtClean="0"/>
-              <a:t>Copy</a:t>
-            </a:r>
-            <a:r>
-              <a:rPr lang="pt-BR" dirty="0" smtClean="0"/>
+              <a:rPr lang="pt-BR" dirty="0" err="1"/>
+              <a:t>Deploy</a:t>
+            </a:r>
+            <a:r>
+              <a:rPr lang="pt-BR" dirty="0"/>
               <a:t> </a:t>
             </a:r>
             <a:r>
-              <a:rPr lang="pt-BR" dirty="0" err="1" smtClean="0"/>
-              <a:t>Artifact</a:t>
-            </a:r>
-            <a:r>
-              <a:rPr lang="pt-BR" dirty="0" smtClean="0"/>
+              <a:rPr lang="pt-BR" dirty="0" err="1"/>
+              <a:t>Mapskills</a:t>
+            </a:r>
+            <a:endParaRPr lang="pt-BR" dirty="0"/>
+          </a:p>
+        </p:txBody>
+      </p:sp>
+      <p:sp>
+        <p:nvSpPr>
+          <p:cNvPr id="3" name="Espaço Reservado para Conteúdo 2"/>
+          <p:cNvSpPr>
+            <a:spLocks noGrp="1"/>
+          </p:cNvSpPr>
+          <p:nvPr>
+            <p:ph idx="1"/>
+          </p:nvPr>
+        </p:nvSpPr>
+        <p:spPr>
+          <a:xfrm>
+            <a:off x="680321" y="2336873"/>
+            <a:ext cx="10893370" cy="3599316"/>
+          </a:xfrm>
+        </p:spPr>
+        <p:txBody>
+          <a:bodyPr/>
+          <a:lstStyle/>
+          <a:p>
+            <a:pPr hangingPunct="0"/>
+            <a:r>
+              <a:rPr lang="pt-BR" dirty="0"/>
+              <a:t>O trabalho </a:t>
+            </a:r>
+            <a:r>
+              <a:rPr lang="pt-BR" dirty="0" err="1"/>
+              <a:t>Deploy</a:t>
+            </a:r>
+            <a:r>
+              <a:rPr lang="pt-BR" dirty="0"/>
               <a:t> </a:t>
             </a:r>
             <a:r>
-              <a:rPr lang="pt-BR" dirty="0" err="1" smtClean="0"/>
-              <a:t>Mapskills-app</a:t>
-            </a:r>
-            <a:r>
-              <a:rPr lang="pt-BR" dirty="0" smtClean="0"/>
-              <a:t> e Front</a:t>
-            </a:r>
-            <a:endParaRPr lang="pt-BR" dirty="0"/>
-          </a:p>
-        </p:txBody>
-      </p:sp>
-      <p:sp>
-        <p:nvSpPr>
-          <p:cNvPr id="3" name="Espaço Reservado para Conteúdo 2"/>
-          <p:cNvSpPr>
-            <a:spLocks noGrp="1"/>
-          </p:cNvSpPr>
-          <p:nvPr>
-            <p:ph idx="1"/>
-          </p:nvPr>
-        </p:nvSpPr>
-        <p:spPr/>
-        <p:txBody>
-          <a:bodyPr>
-            <a:normAutofit/>
-          </a:bodyPr>
-          <a:lstStyle/>
-          <a:p>
-            <a:r>
-              <a:rPr lang="pt-BR" dirty="0"/>
-              <a:t>Este </a:t>
-            </a:r>
-            <a:r>
               <a:rPr lang="pt-BR" dirty="0" err="1"/>
-              <a:t>job</a:t>
-            </a:r>
-            <a:r>
-              <a:rPr lang="pt-BR" dirty="0"/>
-              <a:t> depende de que o </a:t>
-            </a:r>
-            <a:r>
-              <a:rPr lang="pt-BR" dirty="0" smtClean="0"/>
-              <a:t>Build-</a:t>
-            </a:r>
-            <a:r>
-              <a:rPr lang="pt-BR" dirty="0" err="1" smtClean="0"/>
               <a:t>Mapskills</a:t>
             </a:r>
             <a:r>
-              <a:rPr lang="pt-BR" dirty="0" smtClean="0"/>
-              <a:t>-</a:t>
-            </a:r>
-            <a:r>
-              <a:rPr lang="pt-BR" dirty="0" err="1" smtClean="0"/>
-              <a:t>App</a:t>
-            </a:r>
-            <a:r>
-              <a:rPr lang="pt-BR" dirty="0" smtClean="0"/>
-              <a:t> </a:t>
-            </a:r>
-            <a:r>
-              <a:rPr lang="pt-BR" dirty="0"/>
-              <a:t>tenha sido finalizado com </a:t>
-            </a:r>
-            <a:r>
-              <a:rPr lang="pt-BR" dirty="0" smtClean="0"/>
-              <a:t>sucesso. </a:t>
-            </a:r>
-          </a:p>
-          <a:p>
-            <a:r>
-              <a:rPr lang="pt-BR" dirty="0" smtClean="0"/>
-              <a:t>Ele copiar </a:t>
-            </a:r>
-            <a:r>
-              <a:rPr lang="pt-BR" dirty="0"/>
-              <a:t>o arquivo .</a:t>
+              <a:rPr lang="pt-BR" dirty="0"/>
+              <a:t> é responsável por disponibilizar os projetos de </a:t>
+            </a:r>
+            <a:r>
+              <a:rPr lang="pt-BR" i="1" dirty="0"/>
+              <a:t>front</a:t>
+            </a:r>
+            <a:r>
+              <a:rPr lang="pt-BR" dirty="0"/>
+              <a:t> e </a:t>
+            </a:r>
+            <a:r>
+              <a:rPr lang="pt-BR" i="1" dirty="0" err="1"/>
+              <a:t>back-end</a:t>
+            </a:r>
+            <a:r>
+              <a:rPr lang="pt-BR" dirty="0"/>
+              <a:t> em produção. Para que seja esteja em produção, é executado o arquivo “</a:t>
             </a:r>
             <a:r>
               <a:rPr lang="pt-BR" dirty="0" err="1"/>
-              <a:t>war</a:t>
-            </a:r>
-            <a:r>
-              <a:rPr lang="pt-BR" dirty="0"/>
-              <a:t> </a:t>
-            </a:r>
-            <a:r>
-              <a:rPr lang="pt-BR" dirty="0" smtClean="0"/>
-              <a:t>da pasta Target para </a:t>
-            </a:r>
-            <a:r>
-              <a:rPr lang="pt-BR" dirty="0"/>
-              <a:t>o volume </a:t>
-            </a:r>
-            <a:r>
-              <a:rPr lang="pt-BR" dirty="0" err="1" smtClean="0"/>
-              <a:t>Docker</a:t>
-            </a:r>
-            <a:r>
-              <a:rPr lang="pt-BR" i="1" dirty="0" smtClean="0"/>
-              <a:t>.</a:t>
-            </a:r>
+              <a:t>docker-compose.yml</a:t>
+            </a:r>
+            <a:r>
+              <a:rPr lang="pt-BR" dirty="0"/>
+              <a:t>”.</a:t>
+            </a:r>
+          </a:p>
+          <a:p>
+            <a:pPr marL="0" indent="0" hangingPunct="0">
+              <a:buNone/>
+            </a:pPr>
+            <a:endParaRPr lang="en-US" dirty="0"/>
           </a:p>
           <a:p>
             <a:pPr marL="0" indent="0" algn="ctr" hangingPunct="0">
               <a:buNone/>
             </a:pPr>
-            <a:endParaRPr lang="en-US" dirty="0" smtClean="0">
-              <a:latin typeface="Courier New" panose="02070309020205020404" pitchFamily="49" charset="0"/>
-              <a:cs typeface="Courier New" panose="02070309020205020404" pitchFamily="49" charset="0"/>
-            </a:endParaRPr>
-          </a:p>
-          <a:p>
-            <a:pPr marL="0" indent="0" algn="ctr" hangingPunct="0">
-              <a:buNone/>
-            </a:pPr>
-            <a:r>
-              <a:rPr lang="en-US" dirty="0" err="1" smtClean="0">
+            <a:r>
+              <a:rPr lang="en-US" dirty="0" err="1">
                 <a:latin typeface="Courier New" panose="02070309020205020404" pitchFamily="49" charset="0"/>
                 <a:cs typeface="Courier New" panose="02070309020205020404" pitchFamily="49" charset="0"/>
               </a:rPr>
               <a:t>sudo</a:t>
             </a:r>
             <a:r>
-              <a:rPr lang="en-US" dirty="0" smtClean="0">
+              <a:rPr lang="en-US" dirty="0">
                 <a:latin typeface="Courier New" panose="02070309020205020404" pitchFamily="49" charset="0"/>
                 <a:cs typeface="Courier New" panose="02070309020205020404" pitchFamily="49" charset="0"/>
               </a:rPr>
@@ -13072,21 +13302,21 @@
                 <a:latin typeface="Courier New" panose="02070309020205020404" pitchFamily="49" charset="0"/>
                 <a:cs typeface="Courier New" panose="02070309020205020404" pitchFamily="49" charset="0"/>
               </a:rPr>
-              <a:t>cp</a:t>
+              <a:t>docker</a:t>
             </a:r>
             <a:r>
               <a:rPr lang="en-US" dirty="0">
                 <a:latin typeface="Courier New" panose="02070309020205020404" pitchFamily="49" charset="0"/>
                 <a:cs typeface="Courier New" panose="02070309020205020404" pitchFamily="49" charset="0"/>
               </a:rPr>
-              <a:t> /</a:t>
+              <a:t>-compose -f /</a:t>
             </a:r>
             <a:r>
               <a:rPr lang="en-US" dirty="0" err="1">
                 <a:latin typeface="Courier New" panose="02070309020205020404" pitchFamily="49" charset="0"/>
                 <a:cs typeface="Courier New" panose="02070309020205020404" pitchFamily="49" charset="0"/>
               </a:rPr>
-              <a:t>var</a:t>
+              <a:t>mapskills</a:t>
             </a:r>
             <a:r>
               <a:rPr lang="en-US" dirty="0">
@@ -13100,67 +13330,23 @@
                 <a:latin typeface="Courier New" panose="02070309020205020404" pitchFamily="49" charset="0"/>
                 <a:cs typeface="Courier New" panose="02070309020205020404" pitchFamily="49" charset="0"/>
               </a:rPr>
-              <a:t>jenkins_home</a:t>
+              <a:t>docker-compose.yml</a:t>
             </a:r>
             <a:r>
               <a:rPr lang="en-US" dirty="0">
                 <a:latin typeface="Courier New" panose="02070309020205020404" pitchFamily="49" charset="0"/>
                 <a:cs typeface="Courier New" panose="02070309020205020404" pitchFamily="49" charset="0"/>
               </a:rPr>
-              <a:t>/workspace/Build-</a:t>
-            </a:r>
-            <a:r>
-              <a:rPr lang="en-US" dirty="0" err="1">
-                <a:latin typeface="Courier New" panose="02070309020205020404" pitchFamily="49" charset="0"/>
-                <a:cs typeface="Courier New" panose="02070309020205020404" pitchFamily="49" charset="0"/>
-              </a:rPr>
-              <a:t>Mapskills</a:t>
-            </a:r>
-            <a:r>
-              <a:rPr lang="en-US" dirty="0">
-                <a:latin typeface="Courier New" panose="02070309020205020404" pitchFamily="49" charset="0"/>
-                <a:cs typeface="Courier New" panose="02070309020205020404" pitchFamily="49" charset="0"/>
-              </a:rPr>
-              <a:t>-Back/target/</a:t>
-            </a:r>
-            <a:r>
-              <a:rPr lang="en-US" dirty="0" err="1">
-                <a:latin typeface="Courier New" panose="02070309020205020404" pitchFamily="49" charset="0"/>
-                <a:cs typeface="Courier New" panose="02070309020205020404" pitchFamily="49" charset="0"/>
-              </a:rPr>
-              <a:t>mapskills.war</a:t>
-            </a:r>
-            <a:r>
-              <a:rPr lang="en-US" dirty="0">
-                <a:latin typeface="Courier New" panose="02070309020205020404" pitchFamily="49" charset="0"/>
-                <a:cs typeface="Courier New" panose="02070309020205020404" pitchFamily="49" charset="0"/>
-              </a:rPr>
-              <a:t> /</a:t>
-            </a:r>
-            <a:r>
-              <a:rPr lang="en-US" dirty="0" err="1" smtClean="0">
-                <a:latin typeface="Courier New" panose="02070309020205020404" pitchFamily="49" charset="0"/>
-                <a:cs typeface="Courier New" panose="02070309020205020404" pitchFamily="49" charset="0"/>
-              </a:rPr>
-              <a:t>mapskills</a:t>
-            </a:r>
-            <a:r>
-              <a:rPr lang="en-US" dirty="0" smtClean="0">
-                <a:latin typeface="Courier New" panose="02070309020205020404" pitchFamily="49" charset="0"/>
-                <a:cs typeface="Courier New" panose="02070309020205020404" pitchFamily="49" charset="0"/>
-              </a:rPr>
-              <a:t>/back</a:t>
-            </a:r>
-          </a:p>
-          <a:p>
-            <a:pPr marL="0" indent="0" algn="ctr" hangingPunct="0">
-              <a:buNone/>
-            </a:pPr>
+              <a:t> up -d</a:t>
+            </a:r>
             <a:endParaRPr lang="pt-BR" dirty="0">
               <a:latin typeface="Courier New" panose="02070309020205020404" pitchFamily="49" charset="0"/>
               <a:cs typeface="Courier New" panose="02070309020205020404" pitchFamily="49" charset="0"/>
             </a:endParaRPr>
           </a:p>
+          <a:p>
+            <a:endParaRPr lang="pt-BR" dirty="0"/>
+          </a:p>
         </p:txBody>
       </p:sp>
       <p:sp>
@@ -13189,17 +13375,16 @@
               <a:buChar char="•"/>
             </a:pPr>
             <a:r>
-              <a:rPr lang="pt-BR" dirty="0" smtClean="0"/>
+              <a:rPr lang="pt-BR" dirty="0"/>
               <a:t>Desenvolvimento</a:t>
             </a:r>
-            <a:endParaRPr lang="pt-BR" dirty="0"/>
           </a:p>
         </p:txBody>
       </p:sp>
     </p:spTree>
     <p:extLst>
       <p:ext uri="{BB962C8B-B14F-4D97-AF65-F5344CB8AC3E}">
-        <p14:creationId xmlns:p14="http://schemas.microsoft.com/office/powerpoint/2010/main" val="1070249952"/>
+        <p14:creationId xmlns:p14="http://schemas.microsoft.com/office/powerpoint/2010/main" val="2729253744"/>
       </p:ext>
     </p:extLst>
   </p:cSld>
@@ -13233,7 +13418,7 @@
             <a:spLocks noGrp="1"/>
           </p:cNvSpPr>
           <p:nvPr>
-            <p:ph type="title"/>
+            <p:ph type="ctrTitle"/>
           </p:nvPr>
         </p:nvSpPr>
         <p:spPr/>
@@ -13242,217 +13427,35 @@
           <a:lstStyle/>
           <a:p>
             <a:r>
-              <a:rPr lang="pt-BR" dirty="0" err="1" smtClean="0"/>
-              <a:t>Job</a:t>
-            </a:r>
-            <a:r>
-              <a:rPr lang="pt-BR" dirty="0" smtClean="0"/>
-              <a:t> – </a:t>
-            </a:r>
-            <a:r>
-              <a:rPr lang="pt-BR" dirty="0" err="1" smtClean="0"/>
-              <a:t>Deploy</a:t>
-            </a:r>
-            <a:r>
-              <a:rPr lang="pt-BR" dirty="0" smtClean="0"/>
-              <a:t> </a:t>
-            </a:r>
-            <a:r>
-              <a:rPr lang="pt-BR" dirty="0" err="1" smtClean="0"/>
-              <a:t>Mapskills</a:t>
-            </a:r>
-            <a:endParaRPr lang="pt-BR" dirty="0"/>
-          </a:p>
-        </p:txBody>
-      </p:sp>
-      <p:sp>
-        <p:nvSpPr>
-          <p:cNvPr id="3" name="Espaço Reservado para Conteúdo 2"/>
-          <p:cNvSpPr>
-            <a:spLocks noGrp="1"/>
-          </p:cNvSpPr>
-          <p:nvPr>
-            <p:ph idx="1"/>
-          </p:nvPr>
-        </p:nvSpPr>
-        <p:spPr>
-          <a:xfrm>
-            <a:off x="680321" y="2336873"/>
-            <a:ext cx="10893370" cy="3599316"/>
-          </a:xfrm>
-        </p:spPr>
+              <a:rPr lang="pt-BR" dirty="0"/>
+              <a:t>Resultados</a:t>
+            </a:r>
+          </a:p>
+        </p:txBody>
+      </p:sp>
+      <p:sp>
+        <p:nvSpPr>
+          <p:cNvPr id="3" name="Subtítulo 2"/>
+          <p:cNvSpPr>
+            <a:spLocks noGrp="1"/>
+          </p:cNvSpPr>
+          <p:nvPr>
+            <p:ph type="subTitle" idx="1"/>
+          </p:nvPr>
+        </p:nvSpPr>
+        <p:spPr/>
         <p:txBody>
           <a:bodyPr/>
           <a:lstStyle/>
           <a:p>
-            <a:pPr hangingPunct="0"/>
-            <a:r>
-              <a:rPr lang="pt-BR" dirty="0" smtClean="0"/>
-              <a:t>O trabalho </a:t>
-            </a:r>
-            <a:r>
-              <a:rPr lang="pt-BR" dirty="0" err="1"/>
-              <a:t>Deploy</a:t>
-            </a:r>
-            <a:r>
-              <a:rPr lang="pt-BR" dirty="0"/>
-              <a:t> </a:t>
-            </a:r>
-            <a:r>
-              <a:rPr lang="pt-BR" dirty="0" err="1"/>
-              <a:t>Mapskills</a:t>
-            </a:r>
-            <a:r>
-              <a:rPr lang="pt-BR" dirty="0"/>
-              <a:t> é responsável por disponibilizar os projetos de </a:t>
-            </a:r>
-            <a:r>
-              <a:rPr lang="pt-BR" i="1" dirty="0"/>
-              <a:t>front</a:t>
-            </a:r>
-            <a:r>
-              <a:rPr lang="pt-BR" dirty="0"/>
-              <a:t> e </a:t>
-            </a:r>
-            <a:r>
-              <a:rPr lang="pt-BR" i="1" dirty="0" err="1"/>
-              <a:t>back-end</a:t>
-            </a:r>
-            <a:r>
-              <a:rPr lang="pt-BR" dirty="0"/>
-              <a:t> em </a:t>
-            </a:r>
-            <a:r>
-              <a:rPr lang="pt-BR" dirty="0" smtClean="0"/>
-              <a:t>produção. Para </a:t>
-            </a:r>
-            <a:r>
-              <a:rPr lang="pt-BR" dirty="0"/>
-              <a:t>que seja esteja em produção, é executado o arquivo “</a:t>
-            </a:r>
-            <a:r>
-              <a:rPr lang="pt-BR" dirty="0" err="1"/>
-              <a:t>docker-compose.yml</a:t>
-            </a:r>
-            <a:r>
-              <a:rPr lang="pt-BR" dirty="0" smtClean="0"/>
-              <a:t>”.</a:t>
-            </a:r>
-            <a:endParaRPr lang="pt-BR" dirty="0"/>
-          </a:p>
-          <a:p>
-            <a:pPr marL="0" indent="0" hangingPunct="0">
-              <a:buNone/>
-            </a:pPr>
-            <a:endParaRPr lang="en-US" dirty="0" smtClean="0"/>
-          </a:p>
-          <a:p>
-            <a:pPr marL="0" indent="0" algn="ctr" hangingPunct="0">
-              <a:buNone/>
-            </a:pPr>
-            <a:r>
-              <a:rPr lang="en-US" dirty="0" err="1" smtClean="0">
-                <a:latin typeface="Courier New" panose="02070309020205020404" pitchFamily="49" charset="0"/>
-                <a:cs typeface="Courier New" panose="02070309020205020404" pitchFamily="49" charset="0"/>
-              </a:rPr>
-              <a:t>sudo</a:t>
-            </a:r>
-            <a:r>
-              <a:rPr lang="en-US" dirty="0" smtClean="0">
-                <a:latin typeface="Courier New" panose="02070309020205020404" pitchFamily="49" charset="0"/>
-                <a:cs typeface="Courier New" panose="02070309020205020404" pitchFamily="49" charset="0"/>
-              </a:rPr>
-              <a:t> </a:t>
-            </a:r>
-            <a:r>
-              <a:rPr lang="en-US" dirty="0" err="1">
-                <a:latin typeface="Courier New" panose="02070309020205020404" pitchFamily="49" charset="0"/>
-                <a:cs typeface="Courier New" panose="02070309020205020404" pitchFamily="49" charset="0"/>
-              </a:rPr>
-              <a:t>docker</a:t>
-            </a:r>
-            <a:r>
-              <a:rPr lang="en-US" dirty="0">
-                <a:latin typeface="Courier New" panose="02070309020205020404" pitchFamily="49" charset="0"/>
-                <a:cs typeface="Courier New" panose="02070309020205020404" pitchFamily="49" charset="0"/>
-              </a:rPr>
-              <a:t>-compose -f /</a:t>
-            </a:r>
-            <a:r>
-              <a:rPr lang="en-US" dirty="0" err="1">
-                <a:latin typeface="Courier New" panose="02070309020205020404" pitchFamily="49" charset="0"/>
-                <a:cs typeface="Courier New" panose="02070309020205020404" pitchFamily="49" charset="0"/>
-              </a:rPr>
-              <a:t>mapskills</a:t>
-            </a:r>
-            <a:r>
-              <a:rPr lang="en-US" dirty="0">
-                <a:latin typeface="Courier New" panose="02070309020205020404" pitchFamily="49" charset="0"/>
-                <a:cs typeface="Courier New" panose="02070309020205020404" pitchFamily="49" charset="0"/>
-              </a:rPr>
-              <a:t>/</a:t>
-            </a:r>
-            <a:r>
-              <a:rPr lang="en-US" dirty="0" err="1">
-                <a:latin typeface="Courier New" panose="02070309020205020404" pitchFamily="49" charset="0"/>
-                <a:cs typeface="Courier New" panose="02070309020205020404" pitchFamily="49" charset="0"/>
-              </a:rPr>
-              <a:t>docker-compose.yml</a:t>
-            </a:r>
-            <a:r>
-              <a:rPr lang="en-US" dirty="0">
-                <a:latin typeface="Courier New" panose="02070309020205020404" pitchFamily="49" charset="0"/>
-                <a:cs typeface="Courier New" panose="02070309020205020404" pitchFamily="49" charset="0"/>
-              </a:rPr>
-              <a:t> up -d</a:t>
-            </a:r>
-            <a:endParaRPr lang="pt-BR" dirty="0">
-              <a:latin typeface="Courier New" panose="02070309020205020404" pitchFamily="49" charset="0"/>
-              <a:cs typeface="Courier New" panose="02070309020205020404" pitchFamily="49" charset="0"/>
-            </a:endParaRPr>
-          </a:p>
-          <a:p>
-            <a:endParaRPr lang="pt-BR" dirty="0"/>
-          </a:p>
-        </p:txBody>
-      </p:sp>
-      <p:sp>
-        <p:nvSpPr>
-          <p:cNvPr id="4" name="Retângulo 3"/>
-          <p:cNvSpPr/>
-          <p:nvPr/>
-        </p:nvSpPr>
-        <p:spPr>
-          <a:xfrm>
-            <a:off x="680321" y="250521"/>
-            <a:ext cx="2231701" cy="369332"/>
-          </a:xfrm>
-          <a:prstGeom prst="rect">
-            <a:avLst/>
-          </a:prstGeom>
-        </p:spPr>
-        <p:txBody>
-          <a:bodyPr wrap="none">
-            <a:spAutoFit/>
-          </a:bodyPr>
-          <a:lstStyle/>
-          <a:p>
-            <a:pPr marL="285750" indent="-285750">
-              <a:buFont typeface="Arial" panose="020B0604020202020204" pitchFamily="34" charset="0"/>
-              <a:buChar char="•"/>
-            </a:pPr>
-            <a:r>
-              <a:rPr lang="pt-BR" dirty="0" smtClean="0"/>
-              <a:t>Desenvolvimento</a:t>
-            </a:r>
-            <a:endParaRPr lang="pt-BR" dirty="0"/>
+            <a:endParaRPr lang="pt-BR"/>
           </a:p>
         </p:txBody>
       </p:sp>
     </p:spTree>
     <p:extLst>
       <p:ext uri="{BB962C8B-B14F-4D97-AF65-F5344CB8AC3E}">
-        <p14:creationId xmlns:p14="http://schemas.microsoft.com/office/powerpoint/2010/main" val="2729253744"/>
+        <p14:creationId xmlns:p14="http://schemas.microsoft.com/office/powerpoint/2010/main" val="1979354097"/>
       </p:ext>
     </p:extLst>
   </p:cSld>
@@ -13486,7 +13489,7 @@
             <a:spLocks noGrp="1"/>
           </p:cNvSpPr>
           <p:nvPr>
-            <p:ph type="ctrTitle"/>
+            <p:ph type="title"/>
           </p:nvPr>
         </p:nvSpPr>
         <p:spPr/>
@@ -13495,36 +13498,90 @@
           <a:lstStyle/>
           <a:p>
             <a:r>
-              <a:rPr lang="pt-BR" dirty="0" smtClean="0"/>
+              <a:rPr lang="pt-BR" dirty="0"/>
+              <a:t>Escopo dos Resultados</a:t>
+            </a:r>
+          </a:p>
+        </p:txBody>
+      </p:sp>
+      <p:sp>
+        <p:nvSpPr>
+          <p:cNvPr id="3" name="Espaço Reservado para Conteúdo 2"/>
+          <p:cNvSpPr>
+            <a:spLocks noGrp="1"/>
+          </p:cNvSpPr>
+          <p:nvPr>
+            <p:ph idx="1"/>
+          </p:nvPr>
+        </p:nvSpPr>
+        <p:spPr/>
+        <p:txBody>
+          <a:bodyPr/>
+          <a:lstStyle/>
+          <a:p>
+            <a:r>
+              <a:rPr lang="pt-BR" dirty="0"/>
+              <a:t>Realizado com alunos da FATEC Prof. </a:t>
+            </a:r>
+            <a:r>
+              <a:rPr lang="pt-BR" dirty="0" err="1"/>
+              <a:t>Jessen</a:t>
+            </a:r>
+            <a:r>
+              <a:rPr lang="pt-BR" dirty="0"/>
+              <a:t> Vidal.</a:t>
+            </a:r>
+          </a:p>
+          <a:p>
+            <a:r>
+              <a:rPr lang="pt-BR" dirty="0"/>
+              <a:t>Entre os meses de março, abril e maio.</a:t>
+            </a:r>
+          </a:p>
+          <a:p>
+            <a:r>
+              <a:rPr lang="pt-BR" dirty="0"/>
+              <a:t>Testado por mais de 250 alunos.</a:t>
+            </a:r>
+          </a:p>
+        </p:txBody>
+      </p:sp>
+      <p:sp>
+        <p:nvSpPr>
+          <p:cNvPr id="6" name="Retângulo 5"/>
+          <p:cNvSpPr/>
+          <p:nvPr/>
+        </p:nvSpPr>
+        <p:spPr>
+          <a:xfrm>
+            <a:off x="680321" y="250521"/>
+            <a:ext cx="1569917" cy="369332"/>
+          </a:xfrm>
+          <a:prstGeom prst="rect">
+            <a:avLst/>
+          </a:prstGeom>
+        </p:spPr>
+        <p:txBody>
+          <a:bodyPr wrap="none">
+            <a:spAutoFit/>
+          </a:bodyPr>
+          <a:lstStyle/>
+          <a:p>
+            <a:pPr marL="285750" indent="-285750">
+              <a:buFont typeface="Arial" panose="020B0604020202020204" pitchFamily="34" charset="0"/>
+              <a:buChar char="•"/>
+            </a:pPr>
+            <a:r>
+              <a:rPr lang="pt-BR" dirty="0"/>
               <a:t>Resultados</a:t>
             </a:r>
-            <a:endParaRPr lang="pt-BR" dirty="0"/>
-          </a:p>
-        </p:txBody>
-      </p:sp>
-      <p:sp>
-        <p:nvSpPr>
-          <p:cNvPr id="3" name="Subtítulo 2"/>
-          <p:cNvSpPr>
-            <a:spLocks noGrp="1"/>
-          </p:cNvSpPr>
-          <p:nvPr>
-            <p:ph type="subTitle" idx="1"/>
-          </p:nvPr>
-        </p:nvSpPr>
-        <p:spPr/>
-        <p:txBody>
-          <a:bodyPr/>
-          <a:lstStyle/>
-          <a:p>
-            <a:endParaRPr lang="pt-BR"/>
           </a:p>
         </p:txBody>
       </p:sp>
     </p:spTree>
     <p:extLst>
       <p:ext uri="{BB962C8B-B14F-4D97-AF65-F5344CB8AC3E}">
-        <p14:creationId xmlns:p14="http://schemas.microsoft.com/office/powerpoint/2010/main" val="1979354097"/>
+        <p14:creationId xmlns:p14="http://schemas.microsoft.com/office/powerpoint/2010/main" val="1937326064"/>
       </p:ext>
     </p:extLst>
   </p:cSld>
@@ -13567,70 +13624,102 @@
           <a:lstStyle/>
           <a:p>
             <a:r>
-              <a:rPr lang="pt-BR" dirty="0" smtClean="0"/>
-              <a:t>Escopo dos Resultados</a:t>
-            </a:r>
+              <a:rPr lang="pt-BR" dirty="0"/>
+              <a:t>Experimento 1</a:t>
+            </a:r>
+          </a:p>
+        </p:txBody>
+      </p:sp>
+      <p:sp>
+        <p:nvSpPr>
+          <p:cNvPr id="3" name="Espaço Reservado para Conteúdo 2"/>
+          <p:cNvSpPr>
+            <a:spLocks noGrp="1"/>
+          </p:cNvSpPr>
+          <p:nvPr>
+            <p:ph idx="1"/>
+          </p:nvPr>
+        </p:nvSpPr>
+        <p:spPr/>
+        <p:txBody>
+          <a:bodyPr>
+            <a:normAutofit fontScale="92500" lnSpcReduction="10000"/>
+          </a:bodyPr>
+          <a:lstStyle/>
+          <a:p>
+            <a:r>
+              <a:rPr lang="pt-BR" dirty="0"/>
+              <a:t>Rede Interna</a:t>
+            </a:r>
+          </a:p>
+          <a:p>
+            <a:r>
+              <a:rPr lang="pt-BR" dirty="0"/>
+              <a:t>Data: 08 de março de 2017</a:t>
+            </a:r>
+          </a:p>
+          <a:p>
+            <a:r>
+              <a:rPr lang="pt-BR" dirty="0"/>
+              <a:t>Horário: 19h às 21h30.</a:t>
+            </a:r>
+          </a:p>
+          <a:p>
+            <a:r>
+              <a:rPr lang="pt-BR" dirty="0"/>
+              <a:t>Quantidade de Alunos: 120.</a:t>
+            </a:r>
+          </a:p>
+          <a:p>
+            <a:r>
+              <a:rPr lang="pt-BR" dirty="0"/>
+              <a:t>Localidade: FATEC São José dos Campos</a:t>
+            </a:r>
+          </a:p>
+          <a:p>
+            <a:pPr hangingPunct="0"/>
+            <a:r>
+              <a:rPr lang="pt-BR" dirty="0"/>
+              <a:t>Resultado: </a:t>
+            </a:r>
+          </a:p>
+          <a:p>
+            <a:pPr lvl="1" hangingPunct="0"/>
+            <a:r>
+              <a:rPr lang="pt-BR" dirty="0"/>
+              <a:t>Consumo de Memória pois eram realizadas diversas tarefas concorrentemente, além de operações de </a:t>
+            </a:r>
+          </a:p>
+          <a:p>
+            <a:pPr lvl="1" hangingPunct="0"/>
+            <a:r>
+              <a:rPr lang="pt-BR" dirty="0"/>
+              <a:t>Acesso ao banco de dados.</a:t>
+            </a:r>
+          </a:p>
+          <a:p>
+            <a:pPr lvl="1" hangingPunct="0"/>
+            <a:r>
+              <a:rPr lang="pt-BR" dirty="0"/>
+              <a:t>Para resolver este requisito, foi adicionado </a:t>
+            </a:r>
+            <a:r>
+              <a:rPr lang="pt-BR" dirty="0" err="1"/>
+              <a:t>balanceador</a:t>
+            </a:r>
+            <a:r>
+              <a:rPr lang="pt-BR" dirty="0"/>
+              <a:t> de carga.</a:t>
+            </a:r>
+          </a:p>
+          <a:p>
             <a:endParaRPr lang="pt-BR" dirty="0"/>
           </a:p>
         </p:txBody>
       </p:sp>
       <p:sp>
         <p:nvSpPr>
-          <p:cNvPr id="3" name="Espaço Reservado para Conteúdo 2"/>
-          <p:cNvSpPr>
-            <a:spLocks noGrp="1"/>
-          </p:cNvSpPr>
-          <p:nvPr>
-            <p:ph idx="1"/>
-          </p:nvPr>
-        </p:nvSpPr>
-        <p:spPr/>
-        <p:txBody>
-          <a:bodyPr/>
-          <a:lstStyle/>
-          <a:p>
-            <a:r>
-              <a:rPr lang="pt-BR" dirty="0"/>
-              <a:t>Realizado com alunos da FATEC Prof. </a:t>
-            </a:r>
-            <a:r>
-              <a:rPr lang="pt-BR" dirty="0" err="1"/>
-              <a:t>Jessen</a:t>
-            </a:r>
-            <a:r>
-              <a:rPr lang="pt-BR" dirty="0"/>
-              <a:t> </a:t>
-            </a:r>
-            <a:r>
-              <a:rPr lang="pt-BR" dirty="0" smtClean="0"/>
-              <a:t>Vidal.</a:t>
-            </a:r>
-          </a:p>
-          <a:p>
-            <a:r>
-              <a:rPr lang="pt-BR" dirty="0"/>
-              <a:t>Entre os meses de março, abril e maio</a:t>
-            </a:r>
-            <a:r>
-              <a:rPr lang="pt-BR" dirty="0" smtClean="0"/>
-              <a:t>.</a:t>
-            </a:r>
-          </a:p>
-          <a:p>
-            <a:r>
-              <a:rPr lang="pt-BR" dirty="0"/>
-              <a:t>Testado por mais de </a:t>
-            </a:r>
-            <a:r>
-              <a:rPr lang="pt-BR" dirty="0" smtClean="0"/>
-              <a:t>250 alunos.</a:t>
-            </a:r>
-          </a:p>
-        </p:txBody>
-      </p:sp>
-      <p:sp>
-        <p:nvSpPr>
-          <p:cNvPr id="6" name="Retângulo 5"/>
+          <p:cNvPr id="4" name="Retângulo 3"/>
           <p:cNvSpPr/>
           <p:nvPr/>
         </p:nvSpPr>
@@ -13654,17 +13743,16 @@
               <a:buChar char="•"/>
             </a:pPr>
             <a:r>
-              <a:rPr lang="pt-BR" dirty="0" smtClean="0"/>
+              <a:rPr lang="pt-BR" dirty="0"/>
               <a:t>Resultados</a:t>
             </a:r>
-            <a:endParaRPr lang="pt-BR" dirty="0"/>
           </a:p>
         </p:txBody>
       </p:sp>
     </p:spTree>
     <p:extLst>
       <p:ext uri="{BB962C8B-B14F-4D97-AF65-F5344CB8AC3E}">
-        <p14:creationId xmlns:p14="http://schemas.microsoft.com/office/powerpoint/2010/main" val="1937326064"/>
+        <p14:creationId xmlns:p14="http://schemas.microsoft.com/office/powerpoint/2010/main" val="3970051832"/>
       </p:ext>
     </p:extLst>
   </p:cSld>
@@ -13707,126 +13795,94 @@
           <a:lstStyle/>
           <a:p>
             <a:r>
+              <a:rPr lang="pt-BR" dirty="0"/>
+              <a:t>Experimento 2</a:t>
+            </a:r>
+          </a:p>
+        </p:txBody>
+      </p:sp>
+      <p:sp>
+        <p:nvSpPr>
+          <p:cNvPr id="3" name="Espaço Reservado para Conteúdo 2"/>
+          <p:cNvSpPr>
+            <a:spLocks noGrp="1"/>
+          </p:cNvSpPr>
+          <p:nvPr>
+            <p:ph idx="1"/>
+          </p:nvPr>
+        </p:nvSpPr>
+        <p:spPr/>
+        <p:txBody>
+          <a:bodyPr>
+            <a:normAutofit/>
+          </a:bodyPr>
+          <a:lstStyle/>
+          <a:p>
+            <a:r>
+              <a:rPr lang="pt-BR" dirty="0"/>
+              <a:t>Rede Interna e </a:t>
+            </a:r>
+            <a:r>
+              <a:rPr lang="pt-BR" dirty="0" err="1"/>
+              <a:t>Cloud</a:t>
+            </a:r>
+            <a:r>
+              <a:rPr lang="pt-BR" dirty="0"/>
+              <a:t> </a:t>
+            </a:r>
+            <a:r>
+              <a:rPr lang="pt-BR" dirty="0" err="1"/>
+              <a:t>Azure</a:t>
+            </a:r>
+            <a:r>
+              <a:rPr lang="pt-BR" dirty="0"/>
+              <a:t>.</a:t>
+            </a:r>
+          </a:p>
+          <a:p>
+            <a:r>
+              <a:rPr lang="pt-BR" dirty="0"/>
+              <a:t>Data: 01 de agosto de 2017.</a:t>
+            </a:r>
+          </a:p>
+          <a:p>
+            <a:r>
+              <a:rPr lang="pt-BR" dirty="0"/>
+              <a:t>Horário: 19h às 21h30.</a:t>
+            </a:r>
+          </a:p>
+          <a:p>
+            <a:r>
+              <a:rPr lang="pt-BR" dirty="0"/>
+              <a:t>Quantidade de Alunos: 150.</a:t>
+            </a:r>
+          </a:p>
+          <a:p>
+            <a:r>
+              <a:rPr lang="pt-BR" dirty="0"/>
+              <a:t>Localidade: FATEC São José dos Campos.</a:t>
+            </a:r>
+          </a:p>
+          <a:p>
+            <a:pPr hangingPunct="0"/>
+            <a:r>
+              <a:rPr lang="pt-BR" dirty="0"/>
+              <a:t>Resultado: </a:t>
+            </a:r>
+          </a:p>
+          <a:p>
+            <a:pPr lvl="1" hangingPunct="0"/>
+            <a:r>
+              <a:rPr lang="pt-BR" dirty="0"/>
+              <a:t>Monitorar o acesso a plataforma e os recursos utilizados pelo servidor. </a:t>
+            </a:r>
+          </a:p>
+          <a:p>
+            <a:pPr lvl="1" hangingPunct="0"/>
+            <a:r>
               <a:rPr lang="pt-BR" dirty="0" smtClean="0"/>
-              <a:t>Experimento 1</a:t>
-            </a:r>
-            <a:endParaRPr lang="pt-BR" dirty="0"/>
-          </a:p>
-        </p:txBody>
-      </p:sp>
-      <p:sp>
-        <p:nvSpPr>
-          <p:cNvPr id="3" name="Espaço Reservado para Conteúdo 2"/>
-          <p:cNvSpPr>
-            <a:spLocks noGrp="1"/>
-          </p:cNvSpPr>
-          <p:nvPr>
-            <p:ph idx="1"/>
-          </p:nvPr>
-        </p:nvSpPr>
-        <p:spPr/>
-        <p:txBody>
-          <a:bodyPr>
-            <a:normAutofit fontScale="92500" lnSpcReduction="10000"/>
-          </a:bodyPr>
-          <a:lstStyle/>
-          <a:p>
-            <a:r>
-              <a:rPr lang="pt-BR" dirty="0" smtClean="0"/>
-              <a:t>Rede Interna</a:t>
-            </a:r>
-          </a:p>
-          <a:p>
-            <a:r>
-              <a:rPr lang="pt-BR" dirty="0" smtClean="0"/>
-              <a:t>Data: 08 de março de 2017</a:t>
-            </a:r>
-          </a:p>
-          <a:p>
-            <a:r>
-              <a:rPr lang="pt-BR" dirty="0" smtClean="0"/>
-              <a:t>Horário: 19h às 21h30.</a:t>
-            </a:r>
-          </a:p>
-          <a:p>
-            <a:r>
-              <a:rPr lang="pt-BR" dirty="0" smtClean="0"/>
-              <a:t>Quantidade de Alunos: 120.</a:t>
-            </a:r>
-          </a:p>
-          <a:p>
-            <a:r>
-              <a:rPr lang="pt-BR" dirty="0" smtClean="0"/>
-              <a:t>Localidade: </a:t>
-            </a:r>
-            <a:r>
-              <a:rPr lang="pt-BR" dirty="0"/>
-              <a:t>FATEC São José dos Campos</a:t>
-            </a:r>
-          </a:p>
-          <a:p>
-            <a:pPr hangingPunct="0"/>
-            <a:r>
-              <a:rPr lang="pt-BR" dirty="0" smtClean="0"/>
-              <a:t>Resultado: </a:t>
-            </a:r>
-          </a:p>
-          <a:p>
-            <a:pPr lvl="1" hangingPunct="0"/>
-            <a:r>
-              <a:rPr lang="pt-BR" dirty="0" smtClean="0"/>
-              <a:t>Consumo </a:t>
-            </a:r>
-            <a:r>
-              <a:rPr lang="pt-BR" dirty="0"/>
-              <a:t>de Memória pois eram realizadas diversas tarefas concorrentemente, além de operações de </a:t>
-            </a:r>
-            <a:endParaRPr lang="pt-BR" dirty="0" smtClean="0"/>
-          </a:p>
-          <a:p>
-            <a:pPr lvl="1" hangingPunct="0"/>
-            <a:r>
-              <a:rPr lang="pt-BR" dirty="0" smtClean="0"/>
-              <a:t>A</a:t>
-            </a:r>
-            <a:r>
-              <a:rPr lang="pt-BR" dirty="0" smtClean="0"/>
-              <a:t>cesso </a:t>
-            </a:r>
-            <a:r>
-              <a:rPr lang="pt-BR" dirty="0"/>
-              <a:t>ao banco de dados.</a:t>
-            </a:r>
-          </a:p>
-          <a:p>
-            <a:pPr lvl="1" hangingPunct="0"/>
-            <a:r>
-              <a:rPr lang="pt-BR" dirty="0" smtClean="0"/>
-              <a:t>Para </a:t>
-            </a:r>
-            <a:r>
-              <a:rPr lang="pt-BR" dirty="0"/>
-              <a:t>resolver este requisito, foi adicionado </a:t>
-            </a:r>
-            <a:r>
-              <a:rPr lang="pt-BR" dirty="0" err="1" smtClean="0"/>
-              <a:t>balanceador</a:t>
-            </a:r>
-            <a:r>
-              <a:rPr lang="pt-BR" dirty="0" smtClean="0"/>
-              <a:t> </a:t>
-            </a:r>
-            <a:r>
-              <a:rPr lang="pt-BR" dirty="0"/>
-              <a:t>de </a:t>
-            </a:r>
-            <a:r>
-              <a:rPr lang="pt-BR" dirty="0" smtClean="0"/>
-              <a:t>carga.</a:t>
-            </a:r>
-            <a:endParaRPr lang="pt-BR" dirty="0"/>
-          </a:p>
-          <a:p>
+              <a:t>Divisão da arquitetura.</a:t>
+            </a:r>
             <a:endParaRPr lang="pt-BR" dirty="0"/>
           </a:p>
         </p:txBody>
@@ -13857,17 +13913,16 @@
               <a:buChar char="•"/>
             </a:pPr>
             <a:r>
-              <a:rPr lang="pt-BR" dirty="0" smtClean="0"/>
+              <a:rPr lang="pt-BR" dirty="0"/>
               <a:t>Resultados</a:t>
             </a:r>
-            <a:endParaRPr lang="pt-BR" dirty="0"/>
           </a:p>
         </p:txBody>
       </p:sp>
     </p:spTree>
     <p:extLst>
       <p:ext uri="{BB962C8B-B14F-4D97-AF65-F5344CB8AC3E}">
-        <p14:creationId xmlns:p14="http://schemas.microsoft.com/office/powerpoint/2010/main" val="3970051832"/>
+        <p14:creationId xmlns:p14="http://schemas.microsoft.com/office/powerpoint/2010/main" val="3404476178"/>
       </p:ext>
     </p:extLst>
   </p:cSld>
@@ -13910,10 +13965,9 @@
           <a:lstStyle/>
           <a:p>
             <a:r>
-              <a:rPr lang="pt-BR" dirty="0" smtClean="0"/>
+              <a:rPr lang="pt-BR" dirty="0"/>
               <a:t>Motivação</a:t>
             </a:r>
-            <a:endParaRPr lang="pt-BR" dirty="0"/>
           </a:p>
         </p:txBody>
       </p:sp>
@@ -13938,16 +13992,8 @@
               </a:lnSpc>
             </a:pPr>
             <a:r>
-              <a:rPr lang="pt-BR" dirty="0" smtClean="0"/>
-              <a:t>Projeto </a:t>
-            </a:r>
-            <a:r>
-              <a:rPr lang="pt-BR" dirty="0"/>
-              <a:t>Permanência e Desenvolvimento de Talentos Profissionais do Centro Paula </a:t>
-            </a:r>
-            <a:r>
-              <a:rPr lang="pt-BR" dirty="0" smtClean="0"/>
-              <a:t>Souza (CPS, 2016) .</a:t>
+              <a:rPr lang="pt-BR" dirty="0"/>
+              <a:t>Projeto Permanência e Desenvolvimento de Talentos Profissionais do Centro Paula Souza (CPS, 2016) .</a:t>
             </a:r>
           </a:p>
           <a:p>
@@ -13958,11 +14004,7 @@
             </a:pPr>
             <a:r>
               <a:rPr lang="pt-BR" dirty="0"/>
-              <a:t>Projeto de Desenvolvimento o Escritório de Carreiras da Fatec de São José dos </a:t>
-            </a:r>
-            <a:r>
-              <a:rPr lang="pt-BR" dirty="0" smtClean="0"/>
-              <a:t>Campos (FATEC, 2017).</a:t>
+              <a:t>Projeto de Desenvolvimento o Escritório de Carreiras da Fatec de São José dos Campos (FATEC, 2017).</a:t>
             </a:r>
           </a:p>
           <a:p>
@@ -13972,7 +14014,7 @@
               </a:lnSpc>
             </a:pPr>
             <a:r>
-              <a:rPr lang="pt-BR" dirty="0" smtClean="0"/>
+              <a:rPr lang="pt-BR" dirty="0"/>
               <a:t>Plataforma para Jogos de mapeamento de Competências (Inácio, 2017).</a:t>
             </a:r>
           </a:p>
@@ -13982,7 +14024,7 @@
                 <a:spcPct val="100000"/>
               </a:lnSpc>
             </a:pPr>
-            <a:endParaRPr lang="pt-BR" dirty="0" smtClean="0"/>
+            <a:endParaRPr lang="pt-BR" dirty="0"/>
           </a:p>
           <a:p>
             <a:endParaRPr lang="pt-BR" dirty="0"/>
@@ -14016,10 +14058,9 @@
               <a:buChar char="•"/>
             </a:pPr>
             <a:r>
-              <a:rPr lang="pt-BR" dirty="0" smtClean="0"/>
+              <a:rPr lang="pt-BR" dirty="0"/>
               <a:t>Introdução</a:t>
             </a:r>
-            <a:endParaRPr lang="pt-BR" dirty="0"/>
           </a:p>
         </p:txBody>
       </p:sp>
@@ -14033,13 +14074,6 @@
   <p:clrMapOvr>
     <a:masterClrMapping/>
   </p:clrMapOvr>
-  <p:timing>
-    <p:tnLst>
-      <p:par>
-        <p:cTn id="1" dur="indefinite" restart="never" nodeType="tmRoot"/>
-      </p:par>
-    </p:tnLst>
-  </p:timing>
 </p:sld>
 </file>
 
@@ -14067,7 +14101,7 @@
             <a:spLocks noGrp="1"/>
           </p:cNvSpPr>
           <p:nvPr>
-            <p:ph type="title"/>
+            <p:ph type="ctrTitle"/>
           </p:nvPr>
         </p:nvSpPr>
         <p:spPr/>
@@ -14076,183 +14110,35 @@
           <a:lstStyle/>
           <a:p>
             <a:r>
-              <a:rPr lang="pt-BR" dirty="0" smtClean="0"/>
-              <a:t>Experimento 2</a:t>
-            </a:r>
-            <a:endParaRPr lang="pt-BR" dirty="0"/>
-          </a:p>
-        </p:txBody>
-      </p:sp>
-      <p:sp>
-        <p:nvSpPr>
-          <p:cNvPr id="3" name="Espaço Reservado para Conteúdo 2"/>
-          <p:cNvSpPr>
-            <a:spLocks noGrp="1"/>
-          </p:cNvSpPr>
-          <p:nvPr>
-            <p:ph idx="1"/>
+              <a:rPr lang="pt-BR" dirty="0"/>
+              <a:t>Considerações Finais</a:t>
+            </a:r>
+          </a:p>
+        </p:txBody>
+      </p:sp>
+      <p:sp>
+        <p:nvSpPr>
+          <p:cNvPr id="3" name="Subtítulo 2"/>
+          <p:cNvSpPr>
+            <a:spLocks noGrp="1"/>
+          </p:cNvSpPr>
+          <p:nvPr>
+            <p:ph type="subTitle" idx="1"/>
           </p:nvPr>
         </p:nvSpPr>
         <p:spPr/>
         <p:txBody>
-          <a:bodyPr>
-            <a:normAutofit/>
-          </a:bodyPr>
-          <a:lstStyle/>
-          <a:p>
-            <a:r>
-              <a:rPr lang="pt-BR" dirty="0"/>
-              <a:t>Rede </a:t>
-            </a:r>
-            <a:r>
-              <a:rPr lang="pt-BR" dirty="0" smtClean="0"/>
-              <a:t>Interna e </a:t>
-            </a:r>
-            <a:r>
-              <a:rPr lang="pt-BR" dirty="0" err="1" smtClean="0"/>
-              <a:t>Cloud</a:t>
-            </a:r>
-            <a:r>
-              <a:rPr lang="pt-BR" dirty="0" smtClean="0"/>
-              <a:t> </a:t>
-            </a:r>
-            <a:r>
-              <a:rPr lang="pt-BR" dirty="0" err="1" smtClean="0"/>
-              <a:t>Azure</a:t>
-            </a:r>
-            <a:r>
-              <a:rPr lang="pt-BR" dirty="0" smtClean="0"/>
-              <a:t>.</a:t>
-            </a:r>
-            <a:endParaRPr lang="pt-BR" dirty="0"/>
-          </a:p>
-          <a:p>
-            <a:r>
-              <a:rPr lang="pt-BR" dirty="0"/>
-              <a:t>Data: </a:t>
-            </a:r>
-            <a:r>
-              <a:rPr lang="pt-BR" dirty="0" smtClean="0"/>
-              <a:t>01 </a:t>
-            </a:r>
-            <a:r>
-              <a:rPr lang="pt-BR" dirty="0"/>
-              <a:t>de </a:t>
-            </a:r>
-            <a:r>
-              <a:rPr lang="pt-BR" dirty="0" smtClean="0"/>
-              <a:t>agosto de 2017.</a:t>
-            </a:r>
-            <a:endParaRPr lang="pt-BR" dirty="0"/>
-          </a:p>
-          <a:p>
-            <a:r>
-              <a:rPr lang="pt-BR" dirty="0"/>
-              <a:t>Horário: 19h às 21h30.</a:t>
-            </a:r>
-          </a:p>
-          <a:p>
-            <a:r>
-              <a:rPr lang="pt-BR" dirty="0"/>
-              <a:t>Quantidade de Alunos: </a:t>
-            </a:r>
-            <a:r>
-              <a:rPr lang="pt-BR" dirty="0" smtClean="0"/>
-              <a:t>150</a:t>
-            </a:r>
-            <a:r>
-              <a:rPr lang="pt-BR" dirty="0"/>
-              <a:t>.</a:t>
-            </a:r>
-          </a:p>
-          <a:p>
-            <a:r>
-              <a:rPr lang="pt-BR" dirty="0"/>
-              <a:t>Localidade: FATEC São José dos </a:t>
-            </a:r>
-            <a:r>
-              <a:rPr lang="pt-BR" dirty="0" smtClean="0"/>
-              <a:t>Campos.</a:t>
-            </a:r>
-            <a:endParaRPr lang="pt-BR" dirty="0"/>
-          </a:p>
-          <a:p>
-            <a:pPr hangingPunct="0"/>
-            <a:r>
-              <a:rPr lang="pt-BR" dirty="0"/>
-              <a:t>Resultado: </a:t>
-            </a:r>
-            <a:endParaRPr lang="pt-BR" dirty="0" smtClean="0"/>
-          </a:p>
-          <a:p>
-            <a:pPr lvl="1" hangingPunct="0"/>
-            <a:r>
-              <a:rPr lang="pt-BR" dirty="0" smtClean="0"/>
-              <a:t>Monitorar o </a:t>
-            </a:r>
-            <a:r>
-              <a:rPr lang="pt-BR" dirty="0"/>
-              <a:t>acesso a plataforma </a:t>
-            </a:r>
-            <a:r>
-              <a:rPr lang="pt-BR" dirty="0" smtClean="0"/>
-              <a:t>e os recursos </a:t>
-            </a:r>
-            <a:r>
-              <a:rPr lang="pt-BR" dirty="0"/>
-              <a:t>utilizados pelo servidor. </a:t>
-            </a:r>
-          </a:p>
-          <a:p>
-            <a:pPr lvl="1" hangingPunct="0"/>
-            <a:r>
-              <a:rPr lang="pt-BR" dirty="0" smtClean="0"/>
-              <a:t>Arquitetura dividida.</a:t>
-            </a:r>
-            <a:endParaRPr lang="pt-BR" dirty="0"/>
-          </a:p>
-          <a:p>
-            <a:endParaRPr lang="pt-BR" dirty="0"/>
-          </a:p>
-        </p:txBody>
-      </p:sp>
-      <p:sp>
-        <p:nvSpPr>
-          <p:cNvPr id="4" name="Retângulo 3"/>
-          <p:cNvSpPr/>
-          <p:nvPr/>
-        </p:nvSpPr>
-        <p:spPr>
-          <a:xfrm>
-            <a:off x="680321" y="250521"/>
-            <a:ext cx="1569917" cy="369332"/>
-          </a:xfrm>
-          <a:prstGeom prst="rect">
-            <a:avLst/>
-          </a:prstGeom>
-        </p:spPr>
-        <p:txBody>
-          <a:bodyPr wrap="none">
-            <a:spAutoFit/>
-          </a:bodyPr>
-          <a:lstStyle/>
-          <a:p>
-            <a:pPr marL="285750" indent="-285750">
-              <a:buFont typeface="Arial" panose="020B0604020202020204" pitchFamily="34" charset="0"/>
-              <a:buChar char="•"/>
-            </a:pPr>
-            <a:r>
-              <a:rPr lang="pt-BR" dirty="0" smtClean="0"/>
-              <a:t>Resultados</a:t>
-            </a:r>
-            <a:endParaRPr lang="pt-BR" dirty="0"/>
+          <a:bodyPr/>
+          <a:lstStyle/>
+          <a:p>
+            <a:endParaRPr lang="pt-BR"/>
           </a:p>
         </p:txBody>
       </p:sp>
     </p:spTree>
     <p:extLst>
       <p:ext uri="{BB962C8B-B14F-4D97-AF65-F5344CB8AC3E}">
-        <p14:creationId xmlns:p14="http://schemas.microsoft.com/office/powerpoint/2010/main" val="3404476178"/>
+        <p14:creationId xmlns:p14="http://schemas.microsoft.com/office/powerpoint/2010/main" val="4192372709"/>
       </p:ext>
     </p:extLst>
   </p:cSld>
@@ -14286,7 +14172,7 @@
             <a:spLocks noGrp="1"/>
           </p:cNvSpPr>
           <p:nvPr>
-            <p:ph type="ctrTitle"/>
+            <p:ph type="title"/>
           </p:nvPr>
         </p:nvSpPr>
         <p:spPr/>
@@ -14295,36 +14181,145 @@
           <a:lstStyle/>
           <a:p>
             <a:r>
-              <a:rPr lang="pt-BR" dirty="0" smtClean="0"/>
+              <a:rPr lang="pt-BR" dirty="0"/>
+              <a:t>Trabalhos Futuros</a:t>
+            </a:r>
+          </a:p>
+        </p:txBody>
+      </p:sp>
+      <p:sp>
+        <p:nvSpPr>
+          <p:cNvPr id="3" name="Espaço Reservado para Conteúdo 2"/>
+          <p:cNvSpPr>
+            <a:spLocks noGrp="1"/>
+          </p:cNvSpPr>
+          <p:nvPr>
+            <p:ph idx="1"/>
+          </p:nvPr>
+        </p:nvSpPr>
+        <p:spPr/>
+        <p:txBody>
+          <a:bodyPr>
+            <a:normAutofit/>
+          </a:bodyPr>
+          <a:lstStyle/>
+          <a:p>
+            <a:r>
+              <a:rPr lang="pt-BR" dirty="0"/>
+              <a:t>Alterar o Servidor de Controle de Versão para </a:t>
+            </a:r>
+            <a:r>
+              <a:rPr lang="pt-BR" dirty="0" err="1"/>
+              <a:t>GitLab</a:t>
+            </a:r>
+            <a:r>
+              <a:rPr lang="pt-BR" dirty="0"/>
+              <a:t>.</a:t>
+            </a:r>
+          </a:p>
+          <a:p>
+            <a:r>
+              <a:rPr lang="pt-BR" dirty="0"/>
+              <a:t>Deixar flexível o arquivo </a:t>
+            </a:r>
+            <a:r>
+              <a:rPr lang="pt-BR" i="1" dirty="0" err="1"/>
+              <a:t>application.properties</a:t>
+            </a:r>
+            <a:r>
+              <a:rPr lang="pt-BR" dirty="0"/>
+              <a:t> da aplicação </a:t>
+            </a:r>
+            <a:r>
+              <a:rPr lang="pt-BR" i="1" dirty="0" err="1"/>
+              <a:t>back-end</a:t>
+            </a:r>
+            <a:r>
+              <a:rPr lang="pt-BR" i="1" dirty="0"/>
+              <a:t> </a:t>
+            </a:r>
+            <a:r>
+              <a:rPr lang="pt-BR" dirty="0"/>
+              <a:t>para configuração do local onde ficarão as imagens das cenas dos jogos. </a:t>
+            </a:r>
+          </a:p>
+          <a:p>
+            <a:r>
+              <a:rPr lang="pt-BR" dirty="0"/>
+              <a:t>Separar do Servidor de Banco de Dados para garantir a integridade e disponibilidade.</a:t>
+            </a:r>
+          </a:p>
+          <a:p>
+            <a:r>
+              <a:rPr lang="pt-BR" dirty="0"/>
+              <a:t>Implementar uma arquitetura de clusters utilizando do </a:t>
+            </a:r>
+            <a:r>
+              <a:rPr lang="pt-BR" dirty="0" err="1"/>
+              <a:t>Docker</a:t>
+            </a:r>
+            <a:r>
+              <a:rPr lang="pt-BR" dirty="0"/>
+              <a:t> </a:t>
+            </a:r>
+            <a:r>
+              <a:rPr lang="pt-BR" dirty="0" err="1"/>
+              <a:t>Swarm</a:t>
+            </a:r>
+            <a:r>
+              <a:rPr lang="pt-BR" dirty="0"/>
+              <a:t> ou </a:t>
+            </a:r>
+            <a:r>
+              <a:rPr lang="pt-BR" dirty="0" err="1"/>
+              <a:t>Kubernets</a:t>
+            </a:r>
+            <a:r>
+              <a:rPr lang="pt-BR" dirty="0"/>
+              <a:t>, onde vários computadores trabalham juntos afim de garantir desempenho e disponibilidade da plataforma.</a:t>
+            </a:r>
+          </a:p>
+          <a:p>
+            <a:endParaRPr lang="pt-BR" dirty="0"/>
+          </a:p>
+        </p:txBody>
+      </p:sp>
+      <p:sp>
+        <p:nvSpPr>
+          <p:cNvPr id="4" name="Retângulo 3"/>
+          <p:cNvSpPr/>
+          <p:nvPr/>
+        </p:nvSpPr>
+        <p:spPr>
+          <a:xfrm>
+            <a:off x="680321" y="250521"/>
+            <a:ext cx="2606804" cy="369332"/>
+          </a:xfrm>
+          <a:prstGeom prst="rect">
+            <a:avLst/>
+          </a:prstGeom>
+        </p:spPr>
+        <p:txBody>
+          <a:bodyPr wrap="none">
+            <a:spAutoFit/>
+          </a:bodyPr>
+          <a:lstStyle/>
+          <a:p>
+            <a:pPr marL="285750" indent="-285750">
+              <a:buFont typeface="Arial" panose="020B0604020202020204" pitchFamily="34" charset="0"/>
+              <a:buChar char="•"/>
+            </a:pPr>
+            <a:r>
+              <a:rPr lang="pt-BR" dirty="0"/>
               <a:t>Considerações Finais</a:t>
             </a:r>
-            <a:endParaRPr lang="pt-BR" dirty="0"/>
-          </a:p>
-        </p:txBody>
-      </p:sp>
-      <p:sp>
-        <p:nvSpPr>
-          <p:cNvPr id="3" name="Subtítulo 2"/>
-          <p:cNvSpPr>
-            <a:spLocks noGrp="1"/>
-          </p:cNvSpPr>
-          <p:nvPr>
-            <p:ph type="subTitle" idx="1"/>
-          </p:nvPr>
-        </p:nvSpPr>
-        <p:spPr/>
-        <p:txBody>
-          <a:bodyPr/>
-          <a:lstStyle/>
-          <a:p>
-            <a:endParaRPr lang="pt-BR"/>
           </a:p>
         </p:txBody>
       </p:sp>
     </p:spTree>
     <p:extLst>
       <p:ext uri="{BB962C8B-B14F-4D97-AF65-F5344CB8AC3E}">
-        <p14:creationId xmlns:p14="http://schemas.microsoft.com/office/powerpoint/2010/main" val="4192372709"/>
+        <p14:creationId xmlns:p14="http://schemas.microsoft.com/office/powerpoint/2010/main" val="671967937"/>
       </p:ext>
     </p:extLst>
   </p:cSld>
@@ -14367,10 +14362,9 @@
           <a:lstStyle/>
           <a:p>
             <a:r>
-              <a:rPr lang="pt-BR" dirty="0" smtClean="0"/>
-              <a:t>Trabalhos Futuros</a:t>
-            </a:r>
-            <a:endParaRPr lang="pt-BR" dirty="0"/>
+              <a:rPr lang="pt-BR" dirty="0"/>
+              <a:t>Agradecimentos</a:t>
+            </a:r>
           </a:p>
         </p:txBody>
       </p:sp>
@@ -14387,112 +14381,65 @@
         <p:spPr/>
         <p:txBody>
           <a:bodyPr>
-            <a:normAutofit/>
+            <a:normAutofit fontScale="92500" lnSpcReduction="10000"/>
           </a:bodyPr>
           <a:lstStyle/>
           <a:p>
-            <a:r>
-              <a:rPr lang="pt-BR" dirty="0" smtClean="0"/>
-              <a:t>Alterar </a:t>
-            </a:r>
-            <a:r>
-              <a:rPr lang="pt-BR" dirty="0"/>
-              <a:t>o Servidor de </a:t>
-            </a:r>
-            <a:r>
-              <a:rPr lang="pt-BR" dirty="0" smtClean="0"/>
-              <a:t>Controle de Versão para </a:t>
-            </a:r>
-            <a:r>
-              <a:rPr lang="pt-BR" dirty="0" err="1" smtClean="0"/>
-              <a:t>GitLab</a:t>
-            </a:r>
-            <a:r>
-              <a:rPr lang="pt-BR" dirty="0" smtClean="0"/>
-              <a:t>.</a:t>
-            </a:r>
-            <a:endParaRPr lang="pt-BR" dirty="0" smtClean="0"/>
-          </a:p>
-          <a:p>
-            <a:r>
-              <a:rPr lang="pt-BR" dirty="0" smtClean="0"/>
-              <a:t>Deixar </a:t>
-            </a:r>
-            <a:r>
-              <a:rPr lang="pt-BR" dirty="0"/>
-              <a:t>flexível o arquivo </a:t>
-            </a:r>
-            <a:r>
-              <a:rPr lang="pt-BR" i="1" dirty="0" err="1"/>
-              <a:t>application.properties</a:t>
-            </a:r>
-            <a:r>
-              <a:rPr lang="pt-BR" dirty="0"/>
-              <a:t> da aplicação </a:t>
-            </a:r>
-            <a:r>
-              <a:rPr lang="pt-BR" i="1" dirty="0" err="1"/>
-              <a:t>back-end</a:t>
-            </a:r>
-            <a:r>
-              <a:rPr lang="pt-BR" i="1" dirty="0"/>
-              <a:t> </a:t>
-            </a:r>
-            <a:r>
-              <a:rPr lang="pt-BR" dirty="0"/>
-              <a:t>para configuração do local onde ficarão as imagens das cenas dos jogos. </a:t>
-            </a:r>
-          </a:p>
-          <a:p>
-            <a:r>
-              <a:rPr lang="pt-BR" dirty="0"/>
-              <a:t>Separar do Servidor de Banco de Dados </a:t>
-            </a:r>
-            <a:r>
-              <a:rPr lang="pt-BR" dirty="0" smtClean="0"/>
-              <a:t>para </a:t>
-            </a:r>
-            <a:r>
-              <a:rPr lang="pt-BR" dirty="0"/>
-              <a:t>garantir a integridade e disponibilidade.</a:t>
-            </a:r>
-          </a:p>
-          <a:p>
-            <a:r>
-              <a:rPr lang="pt-BR" dirty="0"/>
-              <a:t>Implementar uma arquitetura de clusters utilizando do </a:t>
+            <a:pPr algn="just">
+              <a:lnSpc>
+                <a:spcPct val="160000"/>
+              </a:lnSpc>
+            </a:pPr>
+            <a:r>
+              <a:rPr lang="pt-BR" dirty="0"/>
+              <a:t>Agradeço em primeiro lugar aquele que permite que todas as coisas se concretizem, nosso Deus.</a:t>
+            </a:r>
+          </a:p>
+          <a:p>
+            <a:pPr algn="just">
+              <a:lnSpc>
+                <a:spcPct val="160000"/>
+              </a:lnSpc>
+            </a:pPr>
+            <a:r>
+              <a:rPr lang="pt-BR" dirty="0"/>
+              <a:t>Ao orientador Prof. Me. Eduardo </a:t>
             </a:r>
             <a:r>
               <a:rPr lang="pt-BR" dirty="0" err="1"/>
-              <a:t>Docker</a:t>
-            </a:r>
-            <a:r>
-              <a:rPr lang="pt-BR" dirty="0"/>
-              <a:t> </a:t>
-            </a:r>
-            <a:r>
-              <a:rPr lang="pt-BR" dirty="0" err="1" smtClean="0"/>
-              <a:t>Swarm</a:t>
-            </a:r>
-            <a:r>
-              <a:rPr lang="pt-BR" dirty="0" smtClean="0"/>
-              <a:t> ou </a:t>
-            </a:r>
-            <a:r>
-              <a:rPr lang="pt-BR" dirty="0" err="1" smtClean="0"/>
-              <a:t>Kubernets</a:t>
-            </a:r>
-            <a:r>
-              <a:rPr lang="pt-BR" dirty="0" smtClean="0"/>
-              <a:t>, </a:t>
-            </a:r>
-            <a:r>
-              <a:rPr lang="pt-BR" dirty="0"/>
-              <a:t>onde vários computadores trabalham juntos afim de garantir desempenho e disponibilidade da plataforma.</a:t>
-            </a:r>
-            <a:endParaRPr lang="pt-BR" dirty="0" smtClean="0"/>
-          </a:p>
-          <a:p>
+              <a:t>Sakaue</a:t>
+            </a:r>
+            <a:r>
+              <a:rPr lang="pt-BR" dirty="0"/>
+              <a:t>, por todo apoio.</a:t>
+            </a:r>
+          </a:p>
+          <a:p>
+            <a:pPr algn="just">
+              <a:lnSpc>
+                <a:spcPct val="160000"/>
+              </a:lnSpc>
+            </a:pPr>
+            <a:r>
+              <a:rPr lang="pt-BR" dirty="0"/>
+              <a:t>A todos professores da FATEC, que são responsáveis pela minha formação técnica.</a:t>
+            </a:r>
+          </a:p>
+          <a:p>
+            <a:pPr algn="just">
+              <a:lnSpc>
+                <a:spcPct val="160000"/>
+              </a:lnSpc>
+            </a:pPr>
+            <a:r>
+              <a:rPr lang="pt-BR" dirty="0"/>
+              <a:t>A todos amigos e colegas que formei durante os anos de estudo.</a:t>
+            </a:r>
+          </a:p>
+          <a:p>
+            <a:pPr marL="0" indent="0">
+              <a:buNone/>
+            </a:pPr>
             <a:endParaRPr lang="pt-BR" dirty="0"/>
           </a:p>
         </p:txBody>
@@ -14523,17 +14470,16 @@
               <a:buChar char="•"/>
             </a:pPr>
             <a:r>
-              <a:rPr lang="pt-BR" dirty="0" smtClean="0"/>
+              <a:rPr lang="pt-BR" dirty="0"/>
               <a:t>Considerações Finais</a:t>
             </a:r>
-            <a:endParaRPr lang="pt-BR" dirty="0"/>
           </a:p>
         </p:txBody>
       </p:sp>
     </p:spTree>
     <p:extLst>
       <p:ext uri="{BB962C8B-B14F-4D97-AF65-F5344CB8AC3E}">
-        <p14:creationId xmlns:p14="http://schemas.microsoft.com/office/powerpoint/2010/main" val="671967937"/>
+        <p14:creationId xmlns:p14="http://schemas.microsoft.com/office/powerpoint/2010/main" val="3788730561"/>
       </p:ext>
     </p:extLst>
   </p:cSld>
@@ -14562,12 +14508,12 @@
       </p:grpSpPr>
       <p:sp>
         <p:nvSpPr>
-          <p:cNvPr id="2" name="Título 1"/>
-          <p:cNvSpPr>
-            <a:spLocks noGrp="1"/>
-          </p:cNvSpPr>
-          <p:nvPr>
-            <p:ph type="title"/>
+          <p:cNvPr id="4" name="Título 3"/>
+          <p:cNvSpPr>
+            <a:spLocks noGrp="1"/>
+          </p:cNvSpPr>
+          <p:nvPr>
+            <p:ph type="ctrTitle"/>
           </p:nvPr>
         </p:nvSpPr>
         <p:spPr/>
@@ -14576,230 +14522,36 @@
           <a:lstStyle/>
           <a:p>
             <a:r>
-              <a:rPr lang="pt-BR" dirty="0" smtClean="0"/>
-              <a:t>Agradecimentos</a:t>
-            </a:r>
-            <a:endParaRPr lang="pt-BR" dirty="0"/>
-          </a:p>
-        </p:txBody>
-      </p:sp>
-      <p:sp>
-        <p:nvSpPr>
-          <p:cNvPr id="3" name="Espaço Reservado para Conteúdo 2"/>
-          <p:cNvSpPr>
-            <a:spLocks noGrp="1"/>
-          </p:cNvSpPr>
-          <p:nvPr>
-            <p:ph idx="1"/>
+              <a:rPr lang="pt-BR" sz="3600"/>
+              <a:t>Planejamento e Implatação da Plataforma para Mapeamento para Competências </a:t>
+            </a:r>
+            <a:endParaRPr lang="pt-BR" sz="3600" dirty="0"/>
+          </a:p>
+        </p:txBody>
+      </p:sp>
+      <p:sp>
+        <p:nvSpPr>
+          <p:cNvPr id="5" name="Subtítulo 4"/>
+          <p:cNvSpPr>
+            <a:spLocks noGrp="1"/>
+          </p:cNvSpPr>
+          <p:nvPr>
+            <p:ph type="subTitle" idx="1"/>
           </p:nvPr>
         </p:nvSpPr>
         <p:spPr/>
         <p:txBody>
-          <a:bodyPr>
-            <a:normAutofit lnSpcReduction="10000"/>
-          </a:bodyPr>
-          <a:lstStyle/>
-          <a:p>
-            <a:pPr algn="just">
-              <a:lnSpc>
-                <a:spcPct val="150000"/>
-              </a:lnSpc>
-            </a:pPr>
-            <a:r>
-              <a:rPr lang="pt-BR" dirty="0"/>
-              <a:t>Agradeço em primeiro lugar </a:t>
-            </a:r>
-            <a:r>
-              <a:rPr lang="pt-BR" dirty="0" smtClean="0"/>
-              <a:t>aquele </a:t>
-            </a:r>
-            <a:r>
-              <a:rPr lang="pt-BR" dirty="0"/>
-              <a:t>que permite que todas as coisas se concretizem, nosso </a:t>
-            </a:r>
-            <a:r>
-              <a:rPr lang="pt-BR" dirty="0" smtClean="0"/>
-              <a:t>Deus</a:t>
-            </a:r>
-            <a:r>
-              <a:rPr lang="pt-BR" dirty="0"/>
-              <a:t>.</a:t>
-            </a:r>
-          </a:p>
-          <a:p>
-            <a:pPr algn="just">
-              <a:lnSpc>
-                <a:spcPct val="150000"/>
-              </a:lnSpc>
-            </a:pPr>
-            <a:r>
-              <a:rPr lang="pt-BR" dirty="0"/>
-              <a:t>Ao orientador Prof. Me. Eduardo </a:t>
-            </a:r>
-            <a:r>
-              <a:rPr lang="pt-BR" dirty="0" err="1"/>
-              <a:t>Sakaue</a:t>
-            </a:r>
-            <a:r>
-              <a:rPr lang="pt-BR" dirty="0"/>
-              <a:t>, por todo </a:t>
-            </a:r>
-            <a:r>
-              <a:rPr lang="pt-BR" dirty="0" smtClean="0"/>
-              <a:t>apoio.</a:t>
-            </a:r>
-          </a:p>
-          <a:p>
-            <a:pPr algn="just">
-              <a:lnSpc>
-                <a:spcPct val="150000"/>
-              </a:lnSpc>
-            </a:pPr>
-            <a:r>
-              <a:rPr lang="pt-BR" dirty="0" smtClean="0"/>
-              <a:t>A </a:t>
-            </a:r>
-            <a:r>
-              <a:rPr lang="pt-BR" dirty="0"/>
-              <a:t>todos professores da FATEC, que são responsáveis pela minha formação técnica.</a:t>
-            </a:r>
-          </a:p>
-          <a:p>
-            <a:pPr algn="just">
-              <a:lnSpc>
-                <a:spcPct val="150000"/>
-              </a:lnSpc>
-            </a:pPr>
-            <a:r>
-              <a:rPr lang="pt-BR" dirty="0"/>
-              <a:t>A todos </a:t>
-            </a:r>
-            <a:r>
-              <a:rPr lang="pt-BR" dirty="0" smtClean="0"/>
-              <a:t>amigos e colegas que </a:t>
-            </a:r>
-            <a:r>
-              <a:rPr lang="pt-BR" dirty="0"/>
-              <a:t>formei durante os anos de estudo.</a:t>
-            </a:r>
-          </a:p>
-          <a:p>
-            <a:pPr marL="0" indent="0">
-              <a:buNone/>
-            </a:pPr>
-            <a:endParaRPr lang="pt-BR" dirty="0"/>
-          </a:p>
-        </p:txBody>
-      </p:sp>
-      <p:sp>
-        <p:nvSpPr>
-          <p:cNvPr id="4" name="Retângulo 3"/>
-          <p:cNvSpPr/>
-          <p:nvPr/>
-        </p:nvSpPr>
-        <p:spPr>
-          <a:xfrm>
-            <a:off x="680321" y="250521"/>
-            <a:ext cx="2606804" cy="369332"/>
-          </a:xfrm>
-          <a:prstGeom prst="rect">
-            <a:avLst/>
-          </a:prstGeom>
-        </p:spPr>
-        <p:txBody>
-          <a:bodyPr wrap="none">
-            <a:spAutoFit/>
-          </a:bodyPr>
-          <a:lstStyle/>
-          <a:p>
-            <a:pPr marL="285750" indent="-285750">
-              <a:buFont typeface="Arial" panose="020B0604020202020204" pitchFamily="34" charset="0"/>
-              <a:buChar char="•"/>
-            </a:pPr>
-            <a:r>
-              <a:rPr lang="pt-BR" dirty="0" smtClean="0"/>
-              <a:t>Considerações Finais</a:t>
-            </a:r>
-            <a:endParaRPr lang="pt-BR" dirty="0"/>
-          </a:p>
-        </p:txBody>
-      </p:sp>
-    </p:spTree>
-    <p:extLst>
-      <p:ext uri="{BB962C8B-B14F-4D97-AF65-F5344CB8AC3E}">
-        <p14:creationId xmlns:p14="http://schemas.microsoft.com/office/powerpoint/2010/main" val="3788730561"/>
-      </p:ext>
-    </p:extLst>
-  </p:cSld>
-  <p:clrMapOvr>
-    <a:masterClrMapping/>
-  </p:clrMapOvr>
-</p:sld>
-</file>
-
-<file path=ppt/slides/slide44.xml><?xml version="1.0" encoding="utf-8"?>
-<p:sld xmlns:a="http://schemas.openxmlformats.org/drawingml/2006/main" xmlns:r="http://schemas.openxmlformats.org/officeDocument/2006/relationships" xmlns:p="http://schemas.openxmlformats.org/presentationml/2006/main">
-  <p:cSld>
-    <p:spTree>
-      <p:nvGrpSpPr>
-        <p:cNvPr id="1" name=""/>
-        <p:cNvGrpSpPr/>
-        <p:nvPr/>
-      </p:nvGrpSpPr>
-      <p:grpSpPr>
-        <a:xfrm>
-          <a:off x="0" y="0"/>
-          <a:ext cx="0" cy="0"/>
-          <a:chOff x="0" y="0"/>
-          <a:chExt cx="0" cy="0"/>
-        </a:xfrm>
-      </p:grpSpPr>
-      <p:sp>
-        <p:nvSpPr>
-          <p:cNvPr id="4" name="Título 3"/>
-          <p:cNvSpPr>
-            <a:spLocks noGrp="1"/>
-          </p:cNvSpPr>
-          <p:nvPr>
-            <p:ph type="ctrTitle"/>
-          </p:nvPr>
-        </p:nvSpPr>
-        <p:spPr/>
-        <p:txBody>
           <a:bodyPr/>
           <a:lstStyle/>
           <a:p>
             <a:r>
-              <a:rPr lang="pt-BR" sz="3600" smtClean="0"/>
-              <a:t>Planejamento e Implatação da Plataforma para Mapeamento para Competências </a:t>
-            </a:r>
-            <a:endParaRPr lang="pt-BR" sz="3600" dirty="0"/>
-          </a:p>
-        </p:txBody>
-      </p:sp>
-      <p:sp>
-        <p:nvSpPr>
-          <p:cNvPr id="5" name="Subtítulo 4"/>
-          <p:cNvSpPr>
-            <a:spLocks noGrp="1"/>
-          </p:cNvSpPr>
-          <p:nvPr>
-            <p:ph type="subTitle" idx="1"/>
-          </p:nvPr>
-        </p:nvSpPr>
-        <p:spPr/>
-        <p:txBody>
-          <a:bodyPr/>
-          <a:lstStyle/>
-          <a:p>
-            <a:r>
-              <a:rPr lang="pt-BR" smtClean="0"/>
+              <a:rPr lang="pt-BR"/>
               <a:t>Thiago Luis Silva Fortunato</a:t>
             </a:r>
           </a:p>
           <a:p>
             <a:r>
-              <a:rPr lang="pt-BR" smtClean="0"/>
+              <a:rPr lang="pt-BR"/>
               <a:t>Orientador: Prof. Me. Eduardo Sakaue</a:t>
             </a:r>
             <a:endParaRPr lang="pt-BR" dirty="0"/>
@@ -14882,47 +14634,46 @@
           <a:lstStyle/>
           <a:p>
             <a:r>
-              <a:rPr lang="pt-BR" dirty="0" smtClean="0"/>
+              <a:rPr lang="pt-BR" dirty="0"/>
               <a:t>Problema</a:t>
             </a:r>
+          </a:p>
+        </p:txBody>
+      </p:sp>
+      <p:sp>
+        <p:nvSpPr>
+          <p:cNvPr id="3" name="Espaço Reservado para Conteúdo 2"/>
+          <p:cNvSpPr>
+            <a:spLocks noGrp="1"/>
+          </p:cNvSpPr>
+          <p:nvPr>
+            <p:ph idx="1"/>
+          </p:nvPr>
+        </p:nvSpPr>
+        <p:spPr/>
+        <p:txBody>
+          <a:bodyPr/>
+          <a:lstStyle/>
+          <a:p>
+            <a:r>
+              <a:rPr lang="pt-BR" dirty="0"/>
+              <a:t>Falta de Pessoal para dar Suporte a todas Aplicações já Implantadas no Centro Paula Souza.</a:t>
+            </a:r>
+          </a:p>
+          <a:p>
+            <a:r>
+              <a:rPr lang="pt-BR" dirty="0"/>
+              <a:t>Gerenciamento dos serviços necessários para a Plataforma de forma independente.</a:t>
+            </a:r>
+          </a:p>
+          <a:p>
+            <a:r>
+              <a:rPr lang="pt-BR" dirty="0"/>
+              <a:t>Garantir que a Plataforma esteja sempre disponível.</a:t>
+            </a:r>
+          </a:p>
+          <a:p>
             <a:endParaRPr lang="pt-BR" dirty="0"/>
-          </a:p>
-        </p:txBody>
-      </p:sp>
-      <p:sp>
-        <p:nvSpPr>
-          <p:cNvPr id="3" name="Espaço Reservado para Conteúdo 2"/>
-          <p:cNvSpPr>
-            <a:spLocks noGrp="1"/>
-          </p:cNvSpPr>
-          <p:nvPr>
-            <p:ph idx="1"/>
-          </p:nvPr>
-        </p:nvSpPr>
-        <p:spPr/>
-        <p:txBody>
-          <a:bodyPr/>
-          <a:lstStyle/>
-          <a:p>
-            <a:r>
-              <a:rPr lang="pt-BR" dirty="0" smtClean="0"/>
-              <a:t>Falta de Pessoal para dar Suporte a todas Aplicações já Implantadas no Centro Paula Souza.</a:t>
-            </a:r>
-          </a:p>
-          <a:p>
-            <a:r>
-              <a:rPr lang="pt-BR" dirty="0" smtClean="0"/>
-              <a:t>Gerenciamento dos serviços necessários para a Plataforma de forma independente.</a:t>
-            </a:r>
-          </a:p>
-          <a:p>
-            <a:r>
-              <a:rPr lang="pt-BR" dirty="0" smtClean="0"/>
-              <a:t>Garantir que a Plataforma esteja sempre disponível.</a:t>
-            </a:r>
-          </a:p>
-          <a:p>
-            <a:endParaRPr lang="pt-BR" dirty="0" smtClean="0"/>
           </a:p>
           <a:p>
             <a:pPr marL="0" indent="0">
@@ -14959,10 +14710,9 @@
               <a:buChar char="•"/>
             </a:pPr>
             <a:r>
-              <a:rPr lang="pt-BR" dirty="0" smtClean="0"/>
+              <a:rPr lang="pt-BR" dirty="0"/>
               <a:t>Introdução</a:t>
             </a:r>
-            <a:endParaRPr lang="pt-BR" dirty="0"/>
           </a:p>
         </p:txBody>
       </p:sp>
@@ -14976,13 +14726,6 @@
   <p:clrMapOvr>
     <a:masterClrMapping/>
   </p:clrMapOvr>
-  <p:timing>
-    <p:tnLst>
-      <p:par>
-        <p:cTn id="1" dur="indefinite" restart="never" nodeType="tmRoot"/>
-      </p:par>
-    </p:tnLst>
-  </p:timing>
 </p:sld>
 </file>
 
@@ -15019,10 +14762,9 @@
           <a:lstStyle/>
           <a:p>
             <a:r>
-              <a:rPr lang="pt-BR" dirty="0" smtClean="0"/>
+              <a:rPr lang="pt-BR" dirty="0"/>
               <a:t>Objetivo</a:t>
             </a:r>
-            <a:endParaRPr lang="pt-BR" dirty="0"/>
           </a:p>
         </p:txBody>
       </p:sp>
@@ -15038,13 +14780,15 @@
         </p:nvSpPr>
         <p:spPr/>
         <p:txBody>
-          <a:bodyPr/>
+          <a:bodyPr vert="horz" lIns="91440" tIns="45720" rIns="91440" bIns="45720" rtlCol="0" anchor="t">
+            <a:normAutofit/>
+          </a:bodyPr>
           <a:lstStyle/>
           <a:p>
             <a:pPr hangingPunct="0"/>
             <a:r>
               <a:rPr lang="pt-BR" dirty="0"/>
-              <a:t>Prover uma arquitetura para dar suporte a plataforma, fornecendo os recursos necessários ao acesso em larga escala da aplicação, garantindo a agilidade, qualidade e estabilidade com escalabilidade, além de integrar de forma contínua.</a:t>
+              <a:t>Prover uma arquitetura para dar suporte a plataforma, garantindo a agilidade, qualidade e estabilidade com escalabilidade, além de integrar de forma contínua.</a:t>
             </a:r>
           </a:p>
           <a:p>
@@ -15088,10 +14832,9 @@
               <a:buChar char="•"/>
             </a:pPr>
             <a:r>
-              <a:rPr lang="pt-BR" dirty="0" smtClean="0"/>
+              <a:rPr lang="pt-BR" dirty="0"/>
               <a:t>Introdução</a:t>
             </a:r>
-            <a:endParaRPr lang="pt-BR" dirty="0"/>
           </a:p>
         </p:txBody>
       </p:sp>
@@ -15105,13 +14848,6 @@
   <p:clrMapOvr>
     <a:masterClrMapping/>
   </p:clrMapOvr>
-  <p:timing>
-    <p:tnLst>
-      <p:par>
-        <p:cTn id="1" dur="indefinite" restart="never" nodeType="tmRoot"/>
-      </p:par>
-    </p:tnLst>
-  </p:timing>
 </p:sld>
 </file>
 
@@ -15148,14 +14884,9 @@
           <a:lstStyle/>
           <a:p>
             <a:r>
-              <a:rPr lang="pt-BR" dirty="0" smtClean="0"/>
-              <a:t>Levantamento de </a:t>
-            </a:r>
-            <a:r>
-              <a:rPr lang="pt-BR" dirty="0" smtClean="0"/>
-              <a:t>Requisitos</a:t>
-            </a:r>
-            <a:endParaRPr lang="pt-BR" dirty="0"/>
+              <a:rPr lang="pt-BR" dirty="0"/>
+              <a:t>Levantamento de Requisitos</a:t>
+            </a:r>
           </a:p>
         </p:txBody>
       </p:sp>
@@ -15188,13 +14919,6 @@
   <p:clrMapOvr>
     <a:masterClrMapping/>
   </p:clrMapOvr>
-  <p:timing>
-    <p:tnLst>
-      <p:par>
-        <p:cTn id="1" dur="indefinite" restart="never" nodeType="tmRoot"/>
-      </p:par>
-    </p:tnLst>
-  </p:timing>
 </p:sld>
 </file>
 
@@ -15231,10 +14955,9 @@
           <a:lstStyle/>
           <a:p>
             <a:r>
-              <a:rPr lang="pt-BR" dirty="0" smtClean="0"/>
+              <a:rPr lang="pt-BR" dirty="0"/>
               <a:t>Arquitetura com Base no Requisito</a:t>
             </a:r>
-            <a:endParaRPr lang="pt-BR" dirty="0"/>
           </a:p>
         </p:txBody>
       </p:sp>
@@ -15309,13 +15032,6 @@
   <p:clrMapOvr>
     <a:masterClrMapping/>
   </p:clrMapOvr>
-  <p:timing>
-    <p:tnLst>
-      <p:par>
-        <p:cTn id="1" dur="indefinite" restart="never" nodeType="tmRoot"/>
-      </p:par>
-    </p:tnLst>
-  </p:timing>
 </p:sld>
 </file>
 
@@ -15352,10 +15068,9 @@
           <a:lstStyle/>
           <a:p>
             <a:r>
-              <a:rPr lang="pt-BR" dirty="0" smtClean="0"/>
+              <a:rPr lang="pt-BR" dirty="0"/>
               <a:t>Maquina Virtual</a:t>
             </a:r>
-            <a:endParaRPr lang="pt-BR" dirty="0"/>
           </a:p>
         </p:txBody>
       </p:sp>
@@ -15371,12 +15086,14 @@
         </p:nvSpPr>
         <p:spPr/>
         <p:txBody>
-          <a:bodyPr/>
-          <a:lstStyle/>
-          <a:p>
-            <a:r>
-              <a:rPr lang="pt-BR" dirty="0"/>
-              <a:t>Ter um computador disponível na Plataforma </a:t>
+          <a:bodyPr vert="horz" lIns="91440" tIns="45720" rIns="91440" bIns="45720" rtlCol="0" anchor="t">
+            <a:normAutofit/>
+          </a:bodyPr>
+          <a:lstStyle/>
+          <a:p>
+            <a:r>
+              <a:rPr lang="pt-BR" dirty="0"/>
+              <a:t>Plataforma </a:t>
             </a:r>
             <a:r>
               <a:rPr lang="pt-BR" dirty="0" err="1"/>
@@ -15392,19 +15109,22 @@
             </a:r>
             <a:r>
               <a:rPr lang="pt-BR" dirty="0"/>
-              <a:t> com Sistema Operacional instalado, fornecendo todos recursos necessários para que a plataforma esteja em produção, escalável, com acesso remoto e </a:t>
-            </a:r>
-            <a:r>
-              <a:rPr lang="pt-BR" dirty="0" err="1"/>
-              <a:t>customizavel</a:t>
-            </a:r>
-            <a:r>
-              <a:rPr lang="pt-BR" dirty="0"/>
-              <a:t>. É fundamental que tenha acesso única e exclusivamente por usuário e senha. </a:t>
-            </a:r>
-          </a:p>
-          <a:p>
-            <a:endParaRPr lang="pt-BR" dirty="0"/>
+              <a:t>.</a:t>
+            </a:r>
+            <a:endParaRPr lang="en-US" dirty="0"/>
+          </a:p>
+          <a:p>
+            <a:r>
+              <a:rPr lang="pt-BR" dirty="0"/>
+              <a:t>Seja Escalável </a:t>
+            </a:r>
+            <a:endParaRPr lang="pt-BR"/>
+          </a:p>
+          <a:p>
+            <a:r>
+              <a:rPr lang="pt-BR" dirty="0"/>
+              <a:t>Acesso Remoto através de usuário e Senha.</a:t>
+            </a:r>
           </a:p>
         </p:txBody>
       </p:sp>
@@ -15450,13 +15170,6 @@
   <p:clrMapOvr>
     <a:masterClrMapping/>
   </p:clrMapOvr>
-  <p:timing>
-    <p:tnLst>
-      <p:par>
-        <p:cTn id="1" dur="indefinite" restart="never" nodeType="tmRoot"/>
-      </p:par>
-    </p:tnLst>
-  </p:timing>
 </p:sld>
 </file>
 

--- a/Docs/Apresentação.pptx
+++ b/Docs/Apresentação.pptx
@@ -5,7 +5,7 @@
     <p:sldMasterId id="2147483785" r:id="rId1"/>
   </p:sldMasterIdLst>
   <p:notesMasterIdLst>
-    <p:notesMasterId r:id="rId45"/>
+    <p:notesMasterId r:id="rId44"/>
   </p:notesMasterIdLst>
   <p:sldIdLst>
     <p:sldId id="256" r:id="rId2"/>
@@ -15,14 +15,14 @@
     <p:sldId id="260" r:id="rId6"/>
     <p:sldId id="261" r:id="rId7"/>
     <p:sldId id="263" r:id="rId8"/>
-    <p:sldId id="265" r:id="rId9"/>
-    <p:sldId id="266" r:id="rId10"/>
-    <p:sldId id="267" r:id="rId11"/>
-    <p:sldId id="281" r:id="rId12"/>
-    <p:sldId id="282" r:id="rId13"/>
-    <p:sldId id="283" r:id="rId14"/>
-    <p:sldId id="284" r:id="rId15"/>
-    <p:sldId id="285" r:id="rId16"/>
+    <p:sldId id="266" r:id="rId9"/>
+    <p:sldId id="267" r:id="rId10"/>
+    <p:sldId id="281" r:id="rId11"/>
+    <p:sldId id="282" r:id="rId12"/>
+    <p:sldId id="283" r:id="rId13"/>
+    <p:sldId id="284" r:id="rId14"/>
+    <p:sldId id="285" r:id="rId15"/>
+    <p:sldId id="265" r:id="rId16"/>
     <p:sldId id="268" r:id="rId17"/>
     <p:sldId id="304" r:id="rId18"/>
     <p:sldId id="269" r:id="rId19"/>
@@ -35,22 +35,21 @@
     <p:sldId id="288" r:id="rId26"/>
     <p:sldId id="289" r:id="rId27"/>
     <p:sldId id="290" r:id="rId28"/>
-    <p:sldId id="302" r:id="rId29"/>
-    <p:sldId id="291" r:id="rId30"/>
-    <p:sldId id="292" r:id="rId31"/>
-    <p:sldId id="303" r:id="rId32"/>
-    <p:sldId id="293" r:id="rId33"/>
-    <p:sldId id="294" r:id="rId34"/>
-    <p:sldId id="295" r:id="rId35"/>
-    <p:sldId id="297" r:id="rId36"/>
-    <p:sldId id="273" r:id="rId37"/>
-    <p:sldId id="274" r:id="rId38"/>
-    <p:sldId id="298" r:id="rId39"/>
-    <p:sldId id="299" r:id="rId40"/>
-    <p:sldId id="275" r:id="rId41"/>
-    <p:sldId id="276" r:id="rId42"/>
-    <p:sldId id="300" r:id="rId43"/>
-    <p:sldId id="279" r:id="rId44"/>
+    <p:sldId id="291" r:id="rId29"/>
+    <p:sldId id="292" r:id="rId30"/>
+    <p:sldId id="303" r:id="rId31"/>
+    <p:sldId id="293" r:id="rId32"/>
+    <p:sldId id="294" r:id="rId33"/>
+    <p:sldId id="295" r:id="rId34"/>
+    <p:sldId id="297" r:id="rId35"/>
+    <p:sldId id="273" r:id="rId36"/>
+    <p:sldId id="274" r:id="rId37"/>
+    <p:sldId id="298" r:id="rId38"/>
+    <p:sldId id="299" r:id="rId39"/>
+    <p:sldId id="275" r:id="rId40"/>
+    <p:sldId id="276" r:id="rId41"/>
+    <p:sldId id="300" r:id="rId42"/>
+    <p:sldId id="279" r:id="rId43"/>
   </p:sldIdLst>
   <p:sldSz cx="12192000" cy="6858000"/>
   <p:notesSz cx="6858000" cy="9144000"/>
@@ -413,7 +412,7 @@
           <a:p>
             <a:fld id="{CDED6E2B-49A8-4231-AE69-C6B89EC85462}" type="datetimeFigureOut">
               <a:rPr lang="pt-BR" smtClean="0"/>
-              <a:t>12/12/2017</a:t>
+              <a:t>13/12/2017</a:t>
             </a:fld>
             <a:endParaRPr lang="pt-BR"/>
           </a:p>
@@ -954,7 +953,7 @@
           <a:p>
             <a:fld id="{95A7C2C1-01F5-47C0-8773-A38930127B25}" type="datetimeFigureOut">
               <a:rPr lang="pt-BR" smtClean="0"/>
-              <a:t>12/12/2017</a:t>
+              <a:t>13/12/2017</a:t>
             </a:fld>
             <a:endParaRPr lang="pt-BR"/>
           </a:p>
@@ -1368,7 +1367,7 @@
           <a:p>
             <a:fld id="{95A7C2C1-01F5-47C0-8773-A38930127B25}" type="datetimeFigureOut">
               <a:rPr lang="pt-BR" smtClean="0"/>
-              <a:t>12/12/2017</a:t>
+              <a:t>13/12/2017</a:t>
             </a:fld>
             <a:endParaRPr lang="pt-BR"/>
           </a:p>
@@ -1704,7 +1703,7 @@
           <a:p>
             <a:fld id="{95A7C2C1-01F5-47C0-8773-A38930127B25}" type="datetimeFigureOut">
               <a:rPr lang="pt-BR" smtClean="0"/>
-              <a:t>12/12/2017</a:t>
+              <a:t>13/12/2017</a:t>
             </a:fld>
             <a:endParaRPr lang="pt-BR"/>
           </a:p>
@@ -2109,7 +2108,7 @@
           <a:p>
             <a:fld id="{95A7C2C1-01F5-47C0-8773-A38930127B25}" type="datetimeFigureOut">
               <a:rPr lang="pt-BR" smtClean="0"/>
-              <a:t>12/12/2017</a:t>
+              <a:t>13/12/2017</a:t>
             </a:fld>
             <a:endParaRPr lang="pt-BR"/>
           </a:p>
@@ -2677,7 +2676,7 @@
           <a:p>
             <a:fld id="{95A7C2C1-01F5-47C0-8773-A38930127B25}" type="datetimeFigureOut">
               <a:rPr lang="pt-BR" smtClean="0"/>
-              <a:t>12/12/2017</a:t>
+              <a:t>13/12/2017</a:t>
             </a:fld>
             <a:endParaRPr lang="pt-BR"/>
           </a:p>
@@ -3358,7 +3357,7 @@
           <a:p>
             <a:fld id="{95A7C2C1-01F5-47C0-8773-A38930127B25}" type="datetimeFigureOut">
               <a:rPr lang="pt-BR" smtClean="0"/>
-              <a:t>12/12/2017</a:t>
+              <a:t>13/12/2017</a:t>
             </a:fld>
             <a:endParaRPr lang="pt-BR"/>
           </a:p>
@@ -4271,7 +4270,7 @@
           <a:p>
             <a:fld id="{95A7C2C1-01F5-47C0-8773-A38930127B25}" type="datetimeFigureOut">
               <a:rPr lang="pt-BR" smtClean="0"/>
-              <a:t>12/12/2017</a:t>
+              <a:t>13/12/2017</a:t>
             </a:fld>
             <a:endParaRPr lang="pt-BR"/>
           </a:p>
@@ -4584,7 +4583,7 @@
           <a:p>
             <a:fld id="{95A7C2C1-01F5-47C0-8773-A38930127B25}" type="datetimeFigureOut">
               <a:rPr lang="pt-BR" smtClean="0"/>
-              <a:t>12/12/2017</a:t>
+              <a:t>13/12/2017</a:t>
             </a:fld>
             <a:endParaRPr lang="pt-BR"/>
           </a:p>
@@ -4848,7 +4847,7 @@
           <a:p>
             <a:fld id="{95A7C2C1-01F5-47C0-8773-A38930127B25}" type="datetimeFigureOut">
               <a:rPr lang="pt-BR" smtClean="0"/>
-              <a:t>12/12/2017</a:t>
+              <a:t>13/12/2017</a:t>
             </a:fld>
             <a:endParaRPr lang="pt-BR"/>
           </a:p>
@@ -5171,7 +5170,7 @@
           <a:p>
             <a:fld id="{95A7C2C1-01F5-47C0-8773-A38930127B25}" type="datetimeFigureOut">
               <a:rPr lang="pt-BR" smtClean="0"/>
-              <a:t>12/12/2017</a:t>
+              <a:t>13/12/2017</a:t>
             </a:fld>
             <a:endParaRPr lang="pt-BR"/>
           </a:p>
@@ -5560,7 +5559,7 @@
           <a:p>
             <a:fld id="{95A7C2C1-01F5-47C0-8773-A38930127B25}" type="datetimeFigureOut">
               <a:rPr lang="pt-BR" smtClean="0"/>
-              <a:t>12/12/2017</a:t>
+              <a:t>13/12/2017</a:t>
             </a:fld>
             <a:endParaRPr lang="pt-BR"/>
           </a:p>
@@ -5936,7 +5935,7 @@
           <a:p>
             <a:fld id="{95A7C2C1-01F5-47C0-8773-A38930127B25}" type="datetimeFigureOut">
               <a:rPr lang="pt-BR" smtClean="0"/>
-              <a:t>12/12/2017</a:t>
+              <a:t>13/12/2017</a:t>
             </a:fld>
             <a:endParaRPr lang="pt-BR"/>
           </a:p>
@@ -6442,7 +6441,7 @@
           <a:p>
             <a:fld id="{95A7C2C1-01F5-47C0-8773-A38930127B25}" type="datetimeFigureOut">
               <a:rPr lang="pt-BR" smtClean="0"/>
-              <a:t>12/12/2017</a:t>
+              <a:t>13/12/2017</a:t>
             </a:fld>
             <a:endParaRPr lang="pt-BR"/>
           </a:p>
@@ -6699,7 +6698,7 @@
           <a:p>
             <a:fld id="{95A7C2C1-01F5-47C0-8773-A38930127B25}" type="datetimeFigureOut">
               <a:rPr lang="pt-BR" smtClean="0"/>
-              <a:t>12/12/2017</a:t>
+              <a:t>13/12/2017</a:t>
             </a:fld>
             <a:endParaRPr lang="pt-BR"/>
           </a:p>
@@ -6862,7 +6861,7 @@
           <a:p>
             <a:fld id="{95A7C2C1-01F5-47C0-8773-A38930127B25}" type="datetimeFigureOut">
               <a:rPr lang="pt-BR" smtClean="0"/>
-              <a:t>12/12/2017</a:t>
+              <a:t>13/12/2017</a:t>
             </a:fld>
             <a:endParaRPr lang="pt-BR"/>
           </a:p>
@@ -7252,7 +7251,7 @@
           <a:p>
             <a:fld id="{95A7C2C1-01F5-47C0-8773-A38930127B25}" type="datetimeFigureOut">
               <a:rPr lang="pt-BR" smtClean="0"/>
-              <a:t>12/12/2017</a:t>
+              <a:t>13/12/2017</a:t>
             </a:fld>
             <a:endParaRPr lang="pt-BR"/>
           </a:p>
@@ -7661,7 +7660,7 @@
           <a:p>
             <a:fld id="{95A7C2C1-01F5-47C0-8773-A38930127B25}" type="datetimeFigureOut">
               <a:rPr lang="pt-BR" smtClean="0"/>
-              <a:t>12/12/2017</a:t>
+              <a:t>13/12/2017</a:t>
             </a:fld>
             <a:endParaRPr lang="pt-BR"/>
           </a:p>
@@ -7924,7 +7923,7 @@
           <a:p>
             <a:fld id="{95A7C2C1-01F5-47C0-8773-A38930127B25}" type="datetimeFigureOut">
               <a:rPr lang="pt-BR" smtClean="0"/>
-              <a:t>12/12/2017</a:t>
+              <a:t>13/12/2017</a:t>
             </a:fld>
             <a:endParaRPr lang="pt-BR"/>
           </a:p>
@@ -8464,15 +8463,7 @@
           <a:p>
             <a:r>
               <a:rPr lang="pt-BR" dirty="0"/>
-              <a:t>Servidor Web Front-</a:t>
-            </a:r>
-            <a:r>
-              <a:rPr lang="pt-BR" dirty="0" err="1"/>
-              <a:t>End</a:t>
-            </a:r>
-            <a:r>
-              <a:rPr lang="pt-BR" dirty="0"/>
-              <a:t> e Back-End.</a:t>
+              <a:t>Servidor de Banco de Dados	</a:t>
             </a:r>
           </a:p>
         </p:txBody>
@@ -8496,42 +8487,36 @@
           <a:p>
             <a:r>
               <a:rPr lang="pt-BR" dirty="0"/>
-              <a:t>Servidor Web para disponibilizar interface de comunicação com o usuário. </a:t>
+              <a:t>É necessário armazenar todas informações pertinentes ao jogo.</a:t>
             </a:r>
             <a:endParaRPr lang="en-US" dirty="0"/>
           </a:p>
           <a:p>
             <a:r>
               <a:rPr lang="pt-BR" dirty="0"/>
-              <a:t>Servidor com suporte o modelo Cliente-Servidor.</a:t>
-            </a:r>
-          </a:p>
-          <a:p>
-            <a:r>
-              <a:rPr lang="pt-BR" dirty="0"/>
-              <a:t>Dar suporte ao Protocolo HTTP, comunicação entre as aplicações de front e </a:t>
-            </a:r>
-            <a:r>
-              <a:rPr lang="pt-BR" dirty="0" err="1"/>
-              <a:t>back</a:t>
-            </a:r>
-            <a:r>
-              <a:rPr lang="pt-BR" dirty="0"/>
-              <a:t>-end.</a:t>
-            </a:r>
-          </a:p>
-          <a:p>
-            <a:r>
-              <a:rPr lang="pt-BR" dirty="0"/>
-              <a:t>Ter suporte Java 8 e aplicações compilada no formato .</a:t>
-            </a:r>
-            <a:r>
-              <a:rPr lang="pt-BR" dirty="0" err="1"/>
-              <a:t>war</a:t>
-            </a:r>
-            <a:r>
-              <a:rPr lang="pt-BR" dirty="0"/>
-              <a:t>. </a:t>
+              <a:t>Gerar relatórios para que os responsáveis possam visualizar os resultados do jogo.</a:t>
+            </a:r>
+          </a:p>
+          <a:p>
+            <a:r>
+              <a:rPr lang="pt-BR" dirty="0"/>
+              <a:t>Ter um único usuário com permissões de executar comando DCL </a:t>
+            </a:r>
+            <a:r>
+              <a:rPr lang="pt-BR" dirty="0" smtClean="0"/>
+              <a:t>e </a:t>
+            </a:r>
+            <a:r>
+              <a:rPr lang="pt-BR" dirty="0"/>
+              <a:t>DDL </a:t>
+            </a:r>
+            <a:r>
+              <a:rPr lang="pt-BR" dirty="0" smtClean="0"/>
+              <a:t>na </a:t>
+            </a:r>
+            <a:r>
+              <a:rPr lang="pt-BR" dirty="0"/>
+              <a:t>Base de Dados da aplicação.</a:t>
             </a:r>
           </a:p>
         </p:txBody>
@@ -8571,7 +8556,7 @@
     </p:spTree>
     <p:extLst>
       <p:ext uri="{BB962C8B-B14F-4D97-AF65-F5344CB8AC3E}">
-        <p14:creationId xmlns:p14="http://schemas.microsoft.com/office/powerpoint/2010/main" val="3655480647"/>
+        <p14:creationId xmlns:p14="http://schemas.microsoft.com/office/powerpoint/2010/main" val="572130673"/>
       </p:ext>
     </p:extLst>
   </p:cSld>
@@ -8614,8 +8599,12 @@
           <a:lstStyle/>
           <a:p>
             <a:r>
-              <a:rPr lang="pt-BR" dirty="0"/>
-              <a:t>Servidor de Banco de Dados	</a:t>
+              <a:rPr lang="pt-BR" dirty="0" err="1"/>
+              <a:t>Balanceador</a:t>
+            </a:r>
+            <a:r>
+              <a:rPr lang="pt-BR" dirty="0"/>
+              <a:t> de Carga</a:t>
             </a:r>
           </a:p>
         </p:txBody>
@@ -8639,37 +8628,65 @@
           <a:p>
             <a:r>
               <a:rPr lang="pt-BR" dirty="0"/>
-              <a:t>É necessário armazenar todas informações pertinentes ao jogo.</a:t>
+              <a:t>Controlar a quantidade de acesso ao Servidor de </a:t>
+            </a:r>
+            <a:r>
+              <a:rPr lang="pt-BR" i="1" dirty="0" err="1"/>
+              <a:t>back</a:t>
+            </a:r>
+            <a:r>
+              <a:rPr lang="pt-BR" i="1" dirty="0"/>
+              <a:t>-end.</a:t>
             </a:r>
             <a:endParaRPr lang="en-US" dirty="0"/>
           </a:p>
           <a:p>
             <a:r>
-              <a:rPr lang="pt-BR" dirty="0"/>
-              <a:t>Gerar relatórios para que os responsáveis possam visualizar os resultados do jogo.</a:t>
-            </a:r>
-          </a:p>
-          <a:p>
-            <a:r>
-              <a:rPr lang="pt-BR" dirty="0"/>
-              <a:t>Ter um único usuário com permissões de executar comando DCL </a:t>
-            </a:r>
-            <a:r>
               <a:rPr lang="pt-BR" dirty="0" smtClean="0"/>
-              <a:t>e </a:t>
-            </a:r>
-            <a:r>
-              <a:rPr lang="pt-BR" dirty="0"/>
-              <a:t>DDL </a:t>
+              <a:t>Escalonar </a:t>
+            </a:r>
+            <a:r>
+              <a:rPr lang="pt-BR" dirty="0"/>
+              <a:t>o serviço servidor de </a:t>
+            </a:r>
+            <a:r>
+              <a:rPr lang="pt-BR" i="1" dirty="0" err="1"/>
+              <a:t>back-end</a:t>
+            </a:r>
+            <a:r>
+              <a:rPr lang="pt-BR" i="1" dirty="0"/>
+              <a:t>, </a:t>
+            </a:r>
+            <a:r>
+              <a:rPr lang="pt-BR" dirty="0"/>
+              <a:t>redirecionando </a:t>
             </a:r>
             <a:r>
               <a:rPr lang="pt-BR" dirty="0" smtClean="0"/>
-              <a:t>na </a:t>
-            </a:r>
-            <a:r>
-              <a:rPr lang="pt-BR" dirty="0"/>
-              <a:t>Base de Dados da aplicação.</a:t>
-            </a:r>
+              <a:t>as requisições ao </a:t>
+            </a:r>
+            <a:r>
+              <a:rPr lang="pt-BR" dirty="0"/>
+              <a:t>serviço com menos carga.  </a:t>
+            </a:r>
+          </a:p>
+          <a:p>
+            <a:r>
+              <a:rPr lang="pt-BR" dirty="0"/>
+              <a:t>Ter suporte ao </a:t>
+            </a:r>
+            <a:r>
+              <a:rPr lang="pt-BR" i="1" dirty="0"/>
+              <a:t>Proxy-Reverso.</a:t>
+            </a:r>
+            <a:endParaRPr lang="pt-BR" dirty="0"/>
+          </a:p>
+          <a:p>
+            <a:r>
+              <a:rPr lang="pt-BR" dirty="0"/>
+              <a:t>Fornecer interface gráfica para monitoramento das requisições.</a:t>
+            </a:r>
+            <a:endParaRPr lang="pt-BR" i="1" dirty="0"/>
           </a:p>
         </p:txBody>
       </p:sp>
@@ -8708,7 +8725,7 @@
     </p:spTree>
     <p:extLst>
       <p:ext uri="{BB962C8B-B14F-4D97-AF65-F5344CB8AC3E}">
-        <p14:creationId xmlns:p14="http://schemas.microsoft.com/office/powerpoint/2010/main" val="572130673"/>
+        <p14:creationId xmlns:p14="http://schemas.microsoft.com/office/powerpoint/2010/main" val="2857918926"/>
       </p:ext>
     </p:extLst>
   </p:cSld>
@@ -8751,12 +8768,8 @@
           <a:lstStyle/>
           <a:p>
             <a:r>
-              <a:rPr lang="pt-BR" dirty="0" err="1"/>
-              <a:t>Balanceador</a:t>
-            </a:r>
-            <a:r>
-              <a:rPr lang="pt-BR" dirty="0"/>
-              <a:t> de Carga</a:t>
+              <a:rPr lang="pt-BR" dirty="0"/>
+              <a:t>Integração Contínua</a:t>
             </a:r>
           </a:p>
         </p:txBody>
@@ -8780,71 +8793,95 @@
           <a:p>
             <a:r>
               <a:rPr lang="pt-BR" dirty="0"/>
-              <a:t>Controlar a quantidade de acesso ao Servidor de </a:t>
-            </a:r>
-            <a:r>
-              <a:rPr lang="pt-BR" i="1" dirty="0" err="1"/>
-              <a:t>back</a:t>
-            </a:r>
-            <a:r>
-              <a:rPr lang="pt-BR" i="1" dirty="0"/>
-              <a:t>-end.</a:t>
+              <a:t>Ter um serviço </a:t>
+            </a:r>
+            <a:r>
+              <a:rPr lang="pt-BR" dirty="0" smtClean="0"/>
+              <a:t>capaz realizar </a:t>
+            </a:r>
+            <a:r>
+              <a:rPr lang="pt-BR" dirty="0"/>
+              <a:t>os processos de Integração Contínua:</a:t>
             </a:r>
             <a:endParaRPr lang="en-US" dirty="0"/>
           </a:p>
           <a:p>
-            <a:r>
-              <a:rPr lang="pt-BR" dirty="0" smtClean="0"/>
-              <a:t>Escalonar </a:t>
-            </a:r>
-            <a:r>
-              <a:rPr lang="pt-BR" dirty="0"/>
-              <a:t>o serviço servidor de </a:t>
-            </a:r>
-            <a:r>
-              <a:rPr lang="pt-BR" i="1" dirty="0" err="1"/>
-              <a:t>back-end</a:t>
-            </a:r>
-            <a:r>
-              <a:rPr lang="pt-BR" i="1" dirty="0"/>
-              <a:t>, </a:t>
-            </a:r>
-            <a:r>
-              <a:rPr lang="pt-BR" dirty="0"/>
-              <a:t>redirecionando </a:t>
-            </a:r>
-            <a:r>
-              <a:rPr lang="pt-BR" dirty="0" smtClean="0"/>
-              <a:t>as requisições ao </a:t>
-            </a:r>
-            <a:r>
-              <a:rPr lang="pt-BR" dirty="0"/>
-              <a:t>serviço com menos carga.  </a:t>
-            </a:r>
-          </a:p>
-          <a:p>
-            <a:r>
-              <a:rPr lang="pt-BR" dirty="0"/>
-              <a:t>Ter suporte ao </a:t>
-            </a:r>
-            <a:r>
-              <a:rPr lang="pt-BR" i="1" dirty="0"/>
-              <a:t>Proxy-Reverso.</a:t>
-            </a:r>
-            <a:endParaRPr lang="pt-BR" dirty="0"/>
-          </a:p>
-          <a:p>
-            <a:r>
-              <a:rPr lang="pt-BR" dirty="0"/>
-              <a:t>Fornecer interface gráfica para monitoramento das requisições.</a:t>
-            </a:r>
-            <a:endParaRPr lang="pt-BR" i="1" dirty="0"/>
-          </a:p>
-        </p:txBody>
-      </p:sp>
-      <p:sp>
-        <p:nvSpPr>
-          <p:cNvPr id="4" name="Retângulo 3"/>
+            <a:pPr lvl="1"/>
+            <a:r>
+              <a:rPr lang="pt-BR" dirty="0"/>
+              <a:t>Controle de Versão;</a:t>
+            </a:r>
+          </a:p>
+          <a:p>
+            <a:pPr lvl="1"/>
+            <a:r>
+              <a:rPr lang="pt-BR" dirty="0"/>
+              <a:t>Construções;</a:t>
+            </a:r>
+            <a:endParaRPr lang="en-US" dirty="0"/>
+          </a:p>
+          <a:p>
+            <a:pPr lvl="1"/>
+            <a:r>
+              <a:rPr lang="pt-BR" dirty="0"/>
+              <a:t>Validações;</a:t>
+            </a:r>
+            <a:endParaRPr lang="en-US" dirty="0"/>
+          </a:p>
+          <a:p>
+            <a:pPr lvl="1"/>
+            <a:r>
+              <a:rPr lang="pt-BR" dirty="0"/>
+              <a:t>Testes; e</a:t>
+            </a:r>
+            <a:endParaRPr lang="en-US" dirty="0"/>
+          </a:p>
+          <a:p>
+            <a:pPr lvl="1"/>
+            <a:r>
+              <a:rPr lang="pt-BR" dirty="0" err="1"/>
+              <a:t>Deploy</a:t>
+            </a:r>
+            <a:r>
+              <a:rPr lang="pt-BR" dirty="0"/>
+              <a:t>. </a:t>
+            </a:r>
+          </a:p>
+        </p:txBody>
+      </p:sp>
+      <p:pic>
+        <p:nvPicPr>
+          <p:cNvPr id="4" name="Imagem 3"/>
+          <p:cNvPicPr>
+            <a:picLocks noChangeAspect="1"/>
+          </p:cNvPicPr>
+          <p:nvPr/>
+        </p:nvPicPr>
+        <p:blipFill>
+          <a:blip r:embed="rId2">
+            <a:extLst>
+              <a:ext uri="{28A0092B-C50C-407E-A947-70E740481C1C}">
+                <a14:useLocalDpi xmlns:a14="http://schemas.microsoft.com/office/drawing/2010/main" val="0"/>
+              </a:ext>
+            </a:extLst>
+          </a:blip>
+          <a:stretch>
+            <a:fillRect/>
+          </a:stretch>
+        </p:blipFill>
+        <p:spPr>
+          <a:xfrm>
+            <a:off x="5238206" y="3324709"/>
+            <a:ext cx="5055976" cy="2611480"/>
+          </a:xfrm>
+          <a:prstGeom prst="rect">
+            <a:avLst/>
+          </a:prstGeom>
+        </p:spPr>
+      </p:pic>
+      <p:sp>
+        <p:nvSpPr>
+          <p:cNvPr id="5" name="Retângulo 4"/>
           <p:cNvSpPr/>
           <p:nvPr/>
         </p:nvSpPr>
@@ -8877,7 +8914,7 @@
     </p:spTree>
     <p:extLst>
       <p:ext uri="{BB962C8B-B14F-4D97-AF65-F5344CB8AC3E}">
-        <p14:creationId xmlns:p14="http://schemas.microsoft.com/office/powerpoint/2010/main" val="2857918926"/>
+        <p14:creationId xmlns:p14="http://schemas.microsoft.com/office/powerpoint/2010/main" val="3480261159"/>
       </p:ext>
     </p:extLst>
   </p:cSld>
@@ -8921,7 +8958,7 @@
           <a:p>
             <a:r>
               <a:rPr lang="pt-BR" dirty="0"/>
-              <a:t>Integração Contínua</a:t>
+              <a:t>Interface de Monitoramento</a:t>
             </a:r>
           </a:p>
         </p:txBody>
@@ -8938,102 +8975,83 @@
         </p:nvSpPr>
         <p:spPr/>
         <p:txBody>
-          <a:bodyPr vert="horz" lIns="91440" tIns="45720" rIns="91440" bIns="45720" rtlCol="0" anchor="t">
-            <a:normAutofit/>
-          </a:bodyPr>
-          <a:lstStyle/>
-          <a:p>
-            <a:r>
-              <a:rPr lang="pt-BR" dirty="0"/>
-              <a:t>Ter um serviço </a:t>
-            </a:r>
+          <a:bodyPr/>
+          <a:lstStyle/>
+          <a:p>
             <a:r>
               <a:rPr lang="pt-BR" dirty="0" smtClean="0"/>
-              <a:t>capaz realizar </a:t>
-            </a:r>
-            <a:r>
-              <a:rPr lang="pt-BR" dirty="0"/>
-              <a:t>os processos de Integração Contínua:</a:t>
-            </a:r>
-            <a:endParaRPr lang="en-US" dirty="0"/>
+              <a:t>Monitoramento de recurso em </a:t>
+            </a:r>
+            <a:r>
+              <a:rPr lang="pt-BR" dirty="0"/>
+              <a:t>tempo </a:t>
+            </a:r>
+            <a:r>
+              <a:rPr lang="pt-BR" dirty="0" smtClean="0"/>
+              <a:t>real, </a:t>
+            </a:r>
           </a:p>
           <a:p>
             <a:pPr lvl="1"/>
             <a:r>
-              <a:rPr lang="pt-BR" dirty="0"/>
-              <a:t>Controle de Versão;</a:t>
+              <a:rPr lang="pt-BR" dirty="0" smtClean="0"/>
+              <a:t>Memória;</a:t>
             </a:r>
           </a:p>
           <a:p>
             <a:pPr lvl="1"/>
             <a:r>
-              <a:rPr lang="pt-BR" dirty="0"/>
-              <a:t>Construções;</a:t>
-            </a:r>
-            <a:endParaRPr lang="en-US" dirty="0"/>
+              <a:rPr lang="pt-BR" dirty="0" smtClean="0"/>
+              <a:t>Processador;</a:t>
+            </a:r>
           </a:p>
           <a:p>
             <a:pPr lvl="1"/>
             <a:r>
-              <a:rPr lang="pt-BR" dirty="0"/>
-              <a:t>Validações;</a:t>
-            </a:r>
-            <a:endParaRPr lang="en-US" dirty="0"/>
+              <a:rPr lang="pt-BR" dirty="0" smtClean="0"/>
+              <a:t>Entrada </a:t>
+            </a:r>
+            <a:r>
+              <a:rPr lang="pt-BR" dirty="0"/>
+              <a:t>e saída </a:t>
+            </a:r>
+            <a:r>
+              <a:rPr lang="pt-BR" dirty="0" smtClean="0"/>
+              <a:t>dados;</a:t>
+            </a:r>
           </a:p>
           <a:p>
             <a:pPr lvl="1"/>
             <a:r>
-              <a:rPr lang="pt-BR" dirty="0"/>
-              <a:t>Testes; e</a:t>
-            </a:r>
-            <a:endParaRPr lang="en-US" dirty="0"/>
-          </a:p>
-          <a:p>
-            <a:pPr lvl="1"/>
-            <a:r>
-              <a:rPr lang="pt-BR" dirty="0" err="1"/>
-              <a:t>Deploy</a:t>
-            </a:r>
-            <a:r>
-              <a:rPr lang="pt-BR" dirty="0"/>
-              <a:t>. </a:t>
-            </a:r>
-          </a:p>
-        </p:txBody>
-      </p:sp>
-      <p:pic>
-        <p:nvPicPr>
-          <p:cNvPr id="4" name="Imagem 3"/>
-          <p:cNvPicPr>
-            <a:picLocks noChangeAspect="1"/>
-          </p:cNvPicPr>
-          <p:nvPr/>
-        </p:nvPicPr>
-        <p:blipFill>
-          <a:blip r:embed="rId2">
-            <a:extLst>
-              <a:ext uri="{28A0092B-C50C-407E-A947-70E740481C1C}">
-                <a14:useLocalDpi xmlns:a14="http://schemas.microsoft.com/office/drawing/2010/main" val="0"/>
-              </a:ext>
-            </a:extLst>
-          </a:blip>
-          <a:stretch>
-            <a:fillRect/>
-          </a:stretch>
-        </p:blipFill>
-        <p:spPr>
-          <a:xfrm>
-            <a:off x="5238206" y="3324709"/>
-            <a:ext cx="5055976" cy="2611480"/>
-          </a:xfrm>
-          <a:prstGeom prst="rect">
-            <a:avLst/>
-          </a:prstGeom>
-        </p:spPr>
-      </p:pic>
-      <p:sp>
-        <p:nvSpPr>
-          <p:cNvPr id="5" name="Retângulo 4"/>
+              <a:rPr lang="pt-BR" dirty="0" smtClean="0"/>
+              <a:t>Consumo </a:t>
+            </a:r>
+            <a:r>
+              <a:rPr lang="pt-BR" dirty="0"/>
+              <a:t>de </a:t>
+            </a:r>
+            <a:r>
+              <a:rPr lang="pt-BR" dirty="0" smtClean="0"/>
+              <a:t>network.</a:t>
+            </a:r>
+          </a:p>
+          <a:p>
+            <a:r>
+              <a:rPr lang="pt-BR" dirty="0" smtClean="0"/>
+              <a:t>Monitorar o estado dos containers, exibindo se os mesmos estão ativos ou não. </a:t>
+            </a:r>
+          </a:p>
+          <a:p>
+            <a:endParaRPr lang="pt-BR" dirty="0"/>
+          </a:p>
+          <a:p>
+            <a:endParaRPr lang="pt-BR" dirty="0"/>
+          </a:p>
+        </p:txBody>
+      </p:sp>
+      <p:sp>
+        <p:nvSpPr>
+          <p:cNvPr id="4" name="Retângulo 3"/>
           <p:cNvSpPr/>
           <p:nvPr/>
         </p:nvSpPr>
@@ -9066,7 +9084,7 @@
     </p:spTree>
     <p:extLst>
       <p:ext uri="{BB962C8B-B14F-4D97-AF65-F5344CB8AC3E}">
-        <p14:creationId xmlns:p14="http://schemas.microsoft.com/office/powerpoint/2010/main" val="3480261159"/>
+        <p14:creationId xmlns:p14="http://schemas.microsoft.com/office/powerpoint/2010/main" val="3720204878"/>
       </p:ext>
     </p:extLst>
   </p:cSld>
@@ -9110,7 +9128,7 @@
           <a:p>
             <a:r>
               <a:rPr lang="pt-BR" dirty="0"/>
-              <a:t>Interface de Monitoramento</a:t>
+              <a:t>Quantidade e Escalabilidade</a:t>
             </a:r>
           </a:p>
         </p:txBody>
@@ -9127,40 +9145,103 @@
         </p:nvSpPr>
         <p:spPr/>
         <p:txBody>
-          <a:bodyPr/>
-          <a:lstStyle/>
-          <a:p>
+          <a:bodyPr>
+            <a:normAutofit/>
+          </a:bodyPr>
+          <a:lstStyle/>
+          <a:p>
+            <a:pPr hangingPunct="0"/>
             <a:r>
               <a:rPr lang="pt-BR" dirty="0" smtClean="0"/>
-              <a:t>Conter um serviço de monitoramento de recurso em </a:t>
-            </a:r>
-            <a:r>
-              <a:rPr lang="pt-BR" dirty="0"/>
-              <a:t>tempo </a:t>
-            </a:r>
+              <a:t>Plataforma escalável, com garantia da plataforma estar sempre disponível aos usuários com qualidade. </a:t>
+            </a:r>
+            <a:endParaRPr lang="pt-BR" dirty="0"/>
+          </a:p>
+          <a:p>
+            <a:pPr hangingPunct="0"/>
             <a:r>
               <a:rPr lang="pt-BR" dirty="0" smtClean="0"/>
-              <a:t>real, </a:t>
-            </a:r>
-            <a:r>
-              <a:rPr lang="pt-BR" dirty="0"/>
-              <a:t>demonstrando graficamente quanto é consumido de recurso de memória, processador, entrada e saída dados, bem como métricas referente a consumo de internet do </a:t>
+              <a:t>Estar disponível a 200 </a:t>
+            </a:r>
+            <a:r>
+              <a:rPr lang="pt-BR" dirty="0" err="1"/>
+              <a:t>ETECs</a:t>
+            </a:r>
+            <a:r>
+              <a:rPr lang="pt-BR" dirty="0"/>
+              <a:t>, 70 </a:t>
+            </a:r>
+            <a:r>
+              <a:rPr lang="pt-BR" dirty="0" err="1"/>
+              <a:t>FATECs</a:t>
+            </a:r>
+            <a:r>
+              <a:rPr lang="pt-BR" dirty="0"/>
+              <a:t>, cada uma oferecendo seus cursos, sendo estes, com em média 40 alunos matriculados</a:t>
             </a:r>
             <a:r>
               <a:rPr lang="pt-BR" dirty="0" smtClean="0"/>
-              <a:t>servidor.</a:t>
-            </a:r>
-          </a:p>
-          <a:p>
+              <a:t>.</a:t>
+            </a:r>
+          </a:p>
+          <a:p>
+            <a:pPr marL="228600" lvl="1" hangingPunct="0">
+              <a:spcBef>
+                <a:spcPts val="1000"/>
+              </a:spcBef>
+            </a:pPr>
+            <a:r>
+              <a:rPr lang="pt-BR" dirty="0"/>
+              <a:t>FATEC de São José dos </a:t>
+            </a:r>
             <a:r>
               <a:rPr lang="pt-BR" dirty="0" smtClean="0"/>
-              <a:t>Monitorar o estado dos containers, exibindo se os mesmos estão ativos ou não. </a:t>
-            </a:r>
-          </a:p>
-          <a:p>
-            <a:endParaRPr lang="pt-BR" dirty="0"/>
-          </a:p>
-          <a:p>
+              <a:t>Campos</a:t>
+            </a:r>
+          </a:p>
+          <a:p>
+            <a:pPr marL="685800" lvl="2" hangingPunct="0">
+              <a:spcBef>
+                <a:spcPts val="1000"/>
+              </a:spcBef>
+            </a:pPr>
+            <a:r>
+              <a:rPr lang="pt-BR" dirty="0" smtClean="0"/>
+              <a:t>Cursos: 7;</a:t>
+            </a:r>
+          </a:p>
+          <a:p>
+            <a:pPr marL="685800" lvl="2" hangingPunct="0">
+              <a:spcBef>
+                <a:spcPts val="1000"/>
+              </a:spcBef>
+            </a:pPr>
+            <a:r>
+              <a:rPr lang="pt-BR" dirty="0" smtClean="0"/>
+              <a:t>Alunos por curso: 40 alunos;</a:t>
+            </a:r>
+          </a:p>
+          <a:p>
+            <a:pPr marL="685800" lvl="2" hangingPunct="0">
+              <a:spcBef>
+                <a:spcPts val="1000"/>
+              </a:spcBef>
+            </a:pPr>
+            <a:r>
+              <a:rPr lang="pt-BR" dirty="0" smtClean="0"/>
+              <a:t>Quantidade de Acesso Simultâneo: aproximadamente 360 alunos ingressantes.</a:t>
+            </a:r>
+          </a:p>
+          <a:p>
+            <a:pPr marL="685800" lvl="2" hangingPunct="0">
+              <a:spcBef>
+                <a:spcPts val="1000"/>
+              </a:spcBef>
+            </a:pPr>
+            <a:r>
+              <a:rPr lang="pt-BR" dirty="0" smtClean="0"/>
+              <a:t>Disponibilidade: Acesso a qualquer momento e de qualquer lugar.</a:t>
+            </a:r>
             <a:endParaRPr lang="pt-BR" dirty="0"/>
           </a:p>
         </p:txBody>
@@ -9200,7 +9281,7 @@
     </p:spTree>
     <p:extLst>
       <p:ext uri="{BB962C8B-B14F-4D97-AF65-F5344CB8AC3E}">
-        <p14:creationId xmlns:p14="http://schemas.microsoft.com/office/powerpoint/2010/main" val="3720204878"/>
+        <p14:creationId xmlns:p14="http://schemas.microsoft.com/office/powerpoint/2010/main" val="3227115249"/>
       </p:ext>
     </p:extLst>
   </p:cSld>
@@ -9244,132 +9325,40 @@
           <a:p>
             <a:r>
               <a:rPr lang="pt-BR" dirty="0"/>
-              <a:t>Quantidade e Escalabilidade</a:t>
-            </a:r>
-          </a:p>
-        </p:txBody>
-      </p:sp>
-      <p:sp>
-        <p:nvSpPr>
-          <p:cNvPr id="3" name="Espaço Reservado para Conteúdo 2"/>
-          <p:cNvSpPr>
-            <a:spLocks noGrp="1"/>
-          </p:cNvSpPr>
+              <a:t>Arquitetura com Base no Requisito</a:t>
+            </a:r>
+          </a:p>
+        </p:txBody>
+      </p:sp>
+      <p:pic>
+        <p:nvPicPr>
+          <p:cNvPr id="5" name="Espaço Reservado para Conteúdo 4"/>
+          <p:cNvPicPr>
+            <a:picLocks noGrp="1" noChangeAspect="1"/>
+          </p:cNvPicPr>
           <p:nvPr>
             <p:ph idx="1"/>
           </p:nvPr>
-        </p:nvSpPr>
-        <p:spPr/>
-        <p:txBody>
-          <a:bodyPr>
-            <a:normAutofit/>
-          </a:bodyPr>
-          <a:lstStyle/>
-          <a:p>
-            <a:pPr hangingPunct="0"/>
-            <a:r>
-              <a:rPr lang="pt-BR" dirty="0" smtClean="0"/>
-              <a:t>Plataforma escalável, com garantia da plataforma estar sempre </a:t>
-            </a:r>
-            <a:r>
-              <a:rPr lang="pt-BR" dirty="0" smtClean="0"/>
-              <a:t>disponível aos usuários com qualidade. </a:t>
-            </a:r>
-            <a:endParaRPr lang="pt-BR" dirty="0"/>
-          </a:p>
-          <a:p>
-            <a:pPr hangingPunct="0"/>
-            <a:r>
-              <a:rPr lang="pt-BR" dirty="0" smtClean="0"/>
-              <a:t>Estar disponível a </a:t>
-            </a:r>
-            <a:r>
-              <a:rPr lang="pt-BR" dirty="0" smtClean="0"/>
-              <a:t>200 </a:t>
-            </a:r>
-            <a:r>
-              <a:rPr lang="pt-BR" dirty="0" err="1"/>
-              <a:t>ETECs</a:t>
-            </a:r>
-            <a:r>
-              <a:rPr lang="pt-BR" dirty="0"/>
-              <a:t>, 70 </a:t>
-            </a:r>
-            <a:r>
-              <a:rPr lang="pt-BR" dirty="0" err="1"/>
-              <a:t>FATECs</a:t>
-            </a:r>
-            <a:r>
-              <a:rPr lang="pt-BR" dirty="0"/>
-              <a:t>, cada uma oferecendo seus cursos, sendo estes, com em média 40 alunos matriculados</a:t>
-            </a:r>
-            <a:r>
-              <a:rPr lang="pt-BR" dirty="0" smtClean="0"/>
-              <a:t>.</a:t>
-            </a:r>
-          </a:p>
-          <a:p>
-            <a:pPr marL="228600" lvl="1" hangingPunct="0">
-              <a:spcBef>
-                <a:spcPts val="1000"/>
-              </a:spcBef>
-            </a:pPr>
-            <a:r>
-              <a:rPr lang="pt-BR" dirty="0"/>
-              <a:t>FATEC de São José dos </a:t>
-            </a:r>
-            <a:r>
-              <a:rPr lang="pt-BR" dirty="0" smtClean="0"/>
-              <a:t>Campos</a:t>
-            </a:r>
-          </a:p>
-          <a:p>
-            <a:pPr marL="685800" lvl="2" hangingPunct="0">
-              <a:spcBef>
-                <a:spcPts val="1000"/>
-              </a:spcBef>
-            </a:pPr>
-            <a:r>
-              <a:rPr lang="pt-BR" dirty="0" smtClean="0"/>
-              <a:t>Cursos: 7;</a:t>
-            </a:r>
-          </a:p>
-          <a:p>
-            <a:pPr marL="685800" lvl="2" hangingPunct="0">
-              <a:spcBef>
-                <a:spcPts val="1000"/>
-              </a:spcBef>
-            </a:pPr>
-            <a:r>
-              <a:rPr lang="pt-BR" dirty="0" smtClean="0"/>
-              <a:t>Alunos por curso: 40 alunos;</a:t>
-            </a:r>
-          </a:p>
-          <a:p>
-            <a:pPr marL="685800" lvl="2" hangingPunct="0">
-              <a:spcBef>
-                <a:spcPts val="1000"/>
-              </a:spcBef>
-            </a:pPr>
-            <a:r>
-              <a:rPr lang="pt-BR" dirty="0" smtClean="0"/>
-              <a:t>Quantidade de Acesso Simultâneo: aproximadamente 360 alunos ingressantes.</a:t>
-            </a:r>
-          </a:p>
-          <a:p>
-            <a:pPr marL="685800" lvl="2" hangingPunct="0">
-              <a:spcBef>
-                <a:spcPts val="1000"/>
-              </a:spcBef>
-            </a:pPr>
-            <a:r>
-              <a:rPr lang="pt-BR" dirty="0" smtClean="0"/>
-              <a:t>Disponibilidade: Acesso a qualquer momento e de qualquer lugar.</a:t>
-            </a:r>
-            <a:endParaRPr lang="pt-BR" dirty="0"/>
-          </a:p>
-        </p:txBody>
-      </p:sp>
+        </p:nvPicPr>
+        <p:blipFill>
+          <a:blip r:embed="rId2">
+            <a:extLst>
+              <a:ext uri="{28A0092B-C50C-407E-A947-70E740481C1C}">
+                <a14:useLocalDpi xmlns:a14="http://schemas.microsoft.com/office/drawing/2010/main" val="0"/>
+              </a:ext>
+            </a:extLst>
+          </a:blip>
+          <a:stretch>
+            <a:fillRect/>
+          </a:stretch>
+        </p:blipFill>
+        <p:spPr>
+          <a:xfrm>
+            <a:off x="2049463" y="2521744"/>
+            <a:ext cx="6877050" cy="3228975"/>
+          </a:xfrm>
+        </p:spPr>
+      </p:pic>
       <p:sp>
         <p:nvSpPr>
           <p:cNvPr id="4" name="Retângulo 3"/>
@@ -9378,7 +9367,7 @@
         </p:nvSpPr>
         <p:spPr>
           <a:xfrm>
-            <a:off x="680321" y="250521"/>
+            <a:off x="680321" y="252848"/>
             <a:ext cx="3384516" cy="369332"/>
           </a:xfrm>
           <a:prstGeom prst="rect">
@@ -9405,7 +9394,7 @@
     </p:spTree>
     <p:extLst>
       <p:ext uri="{BB962C8B-B14F-4D97-AF65-F5344CB8AC3E}">
-        <p14:creationId xmlns:p14="http://schemas.microsoft.com/office/powerpoint/2010/main" val="3227115249"/>
+        <p14:creationId xmlns:p14="http://schemas.microsoft.com/office/powerpoint/2010/main" val="1268492596"/>
       </p:ext>
     </p:extLst>
   </p:cSld>
@@ -9842,9 +9831,10 @@
           <a:lstStyle/>
           <a:p>
             <a:r>
-              <a:rPr lang="pt-BR" dirty="0"/>
-              <a:t>Arquitetura</a:t>
-            </a:r>
+              <a:rPr lang="pt-BR" dirty="0" smtClean="0"/>
+              <a:t>Arquitetura com Base na Solução</a:t>
+            </a:r>
+            <a:endParaRPr lang="pt-BR" dirty="0"/>
           </a:p>
         </p:txBody>
       </p:sp>
@@ -10332,6 +10322,32 @@
           <a:p>
             <a:pPr hangingPunct="0"/>
             <a:r>
+              <a:rPr lang="pt-BR" dirty="0" err="1"/>
+              <a:t>Tomcat</a:t>
+            </a:r>
+            <a:r>
+              <a:rPr lang="pt-BR" dirty="0"/>
+              <a:t> </a:t>
+            </a:r>
+            <a:r>
+              <a:rPr lang="pt-BR" dirty="0" smtClean="0"/>
+              <a:t>8.5</a:t>
+            </a:r>
+          </a:p>
+          <a:p>
+            <a:pPr hangingPunct="0"/>
+            <a:r>
+              <a:rPr lang="pt-BR" dirty="0" smtClean="0"/>
+              <a:t>Java </a:t>
+            </a:r>
+            <a:r>
+              <a:rPr lang="pt-BR" dirty="0"/>
+              <a:t>1.8 </a:t>
+            </a:r>
+          </a:p>
+          <a:p>
+            <a:pPr hangingPunct="0"/>
+            <a:r>
               <a:rPr lang="pt-BR" dirty="0" smtClean="0"/>
               <a:t>Container </a:t>
             </a:r>
@@ -10355,56 +10371,20 @@
               <a:rPr lang="pt-BR" dirty="0"/>
               <a:t>. </a:t>
             </a:r>
-            <a:endParaRPr lang="pt-BR" dirty="0"/>
           </a:p>
           <a:p>
             <a:pPr hangingPunct="0"/>
             <a:r>
+              <a:rPr lang="pt-BR" dirty="0" err="1" smtClean="0"/>
+              <a:t>Url</a:t>
+            </a:r>
+            <a:r>
               <a:rPr lang="pt-BR" dirty="0" smtClean="0"/>
-              <a:t>Java 1.8 </a:t>
-            </a:r>
-          </a:p>
-          <a:p>
-            <a:pPr hangingPunct="0"/>
-            <a:r>
-              <a:rPr lang="pt-BR" dirty="0" err="1" smtClean="0"/>
-              <a:t>Tomcat</a:t>
-            </a:r>
-            <a:r>
-              <a:rPr lang="pt-BR" dirty="0" smtClean="0"/>
-              <a:t> 8.5</a:t>
-            </a:r>
-            <a:r>
-              <a:rPr lang="pt-BR" dirty="0"/>
-              <a:t>, </a:t>
-            </a:r>
-            <a:endParaRPr lang="pt-BR" dirty="0" smtClean="0"/>
-          </a:p>
-          <a:p>
-            <a:pPr hangingPunct="0"/>
-            <a:r>
-              <a:rPr lang="pt-BR" dirty="0" smtClean="0"/>
-              <a:t>Imagem Base: </a:t>
-            </a:r>
-            <a:r>
-              <a:rPr lang="pt-BR" dirty="0" err="1" smtClean="0"/>
-              <a:t>Alpine</a:t>
-            </a:r>
-            <a:r>
-              <a:rPr lang="pt-BR" dirty="0" smtClean="0"/>
-              <a:t> 3</a:t>
-            </a:r>
-            <a:endParaRPr lang="pt-BR" dirty="0"/>
-          </a:p>
-          <a:p>
-            <a:pPr hangingPunct="0"/>
-            <a:r>
-              <a:rPr lang="pt-BR" dirty="0" err="1"/>
-              <a:t>Url</a:t>
-            </a:r>
-            <a:r>
-              <a:rPr lang="pt-BR" dirty="0"/>
-              <a:t> de acesso a API: http://ip_do_host:8080/</a:t>
+              <a:t> </a:t>
+            </a:r>
+            <a:r>
+              <a:rPr lang="pt-BR" dirty="0"/>
+              <a:t>de acesso a API: http://ip_do_host:8080/</a:t>
             </a:r>
             <a:r>
               <a:rPr lang="pt-BR" i="1" dirty="0"/>
@@ -10761,7 +10741,15 @@
             </a:r>
             <a:r>
               <a:rPr lang="pt-BR" dirty="0" smtClean="0"/>
-              <a:t> com permissões de execução de comandos DCL e DDL na </a:t>
+              <a:t> com permissões </a:t>
+            </a:r>
+            <a:r>
+              <a:rPr lang="pt-BR" dirty="0" smtClean="0"/>
+              <a:t>de acesso remoto e </a:t>
+            </a:r>
+            <a:r>
+              <a:rPr lang="pt-BR" dirty="0" smtClean="0"/>
+              <a:t>execução de comandos DCL e DDL na </a:t>
             </a:r>
             <a:r>
               <a:rPr lang="pt-BR" dirty="0"/>
@@ -10783,20 +10771,16 @@
               <a:t>Somente o Container </a:t>
             </a:r>
             <a:r>
-              <a:rPr lang="pt-BR" dirty="0" err="1"/>
-              <a:t>Tomcat</a:t>
-            </a:r>
-            <a:r>
-              <a:rPr lang="pt-BR" dirty="0"/>
-              <a:t>-Back-</a:t>
-            </a:r>
-            <a:r>
-              <a:rPr lang="pt-BR" dirty="0" err="1"/>
-              <a:t>End</a:t>
-            </a:r>
-            <a:r>
-              <a:rPr lang="pt-BR" dirty="0"/>
-              <a:t> pode se comunicar com a Base de </a:t>
+              <a:rPr lang="pt-BR" dirty="0" err="1" smtClean="0"/>
+              <a:t>Mapskills-back</a:t>
+            </a:r>
+            <a:r>
+              <a:rPr lang="pt-BR" dirty="0" smtClean="0"/>
+              <a:t> </a:t>
+            </a:r>
+            <a:r>
+              <a:rPr lang="pt-BR" dirty="0"/>
+              <a:t>pode se comunicar com a Base de </a:t>
             </a:r>
             <a:r>
               <a:rPr lang="pt-BR" dirty="0" smtClean="0"/>
@@ -10918,15 +10902,7 @@
             </a:r>
             <a:r>
               <a:rPr lang="pt-BR" dirty="0" smtClean="0"/>
-              <a:t> de carga que controla </a:t>
-            </a:r>
-            <a:r>
-              <a:rPr lang="pt-BR" dirty="0" smtClean="0"/>
-              <a:t>as requisições </a:t>
-            </a:r>
-            <a:r>
-              <a:rPr lang="pt-BR" dirty="0" smtClean="0"/>
-              <a:t>HTTP </a:t>
+              <a:t> de carga que controla as requisições HTTP </a:t>
             </a:r>
             <a:r>
               <a:rPr lang="pt-BR" dirty="0"/>
@@ -10940,7 +10916,6 @@
               <a:rPr lang="pt-BR" dirty="0"/>
               <a:t>.</a:t>
             </a:r>
-            <a:endParaRPr lang="pt-BR" dirty="0"/>
           </a:p>
           <a:p>
             <a:pPr hangingPunct="0"/>
@@ -11011,7 +10986,6 @@
               <a:rPr lang="pt-BR" dirty="0"/>
               <a:t>.</a:t>
             </a:r>
-            <a:endParaRPr lang="pt-BR" dirty="0"/>
           </a:p>
           <a:p>
             <a:pPr hangingPunct="0"/>
@@ -11253,15 +11227,7 @@
             <a:pPr hangingPunct="0"/>
             <a:r>
               <a:rPr lang="pt-BR" dirty="0" smtClean="0"/>
-              <a:t>Automatização </a:t>
-            </a:r>
-            <a:r>
-              <a:rPr lang="pt-BR" dirty="0" smtClean="0"/>
-              <a:t>e orquestração </a:t>
-            </a:r>
-            <a:r>
-              <a:rPr lang="pt-BR" dirty="0" smtClean="0"/>
-              <a:t>de </a:t>
+              <a:t>Automatização e orquestração de </a:t>
             </a:r>
             <a:r>
               <a:rPr lang="pt-BR" dirty="0"/>
@@ -11297,29 +11263,31 @@
             <a:pPr lvl="1" hangingPunct="0"/>
             <a:r>
               <a:rPr lang="pt-BR" dirty="0" err="1" smtClean="0"/>
-              <a:t>mapskill-app</a:t>
+              <a:t>mapskill-back</a:t>
             </a:r>
             <a:r>
               <a:rPr lang="pt-BR" dirty="0" smtClean="0"/>
               <a:t>;</a:t>
             </a:r>
+            <a:endParaRPr lang="pt-BR" dirty="0" smtClean="0"/>
           </a:p>
           <a:p>
             <a:pPr lvl="1" hangingPunct="0"/>
             <a:r>
               <a:rPr lang="pt-BR" dirty="0" err="1" smtClean="0"/>
-              <a:t>mapskills</a:t>
+              <a:t>Mapskills</a:t>
             </a:r>
             <a:r>
               <a:rPr lang="pt-BR" dirty="0" smtClean="0"/>
-              <a:t>-web;</a:t>
-            </a:r>
+              <a:t>-front;</a:t>
+            </a:r>
+            <a:endParaRPr lang="pt-BR" dirty="0" smtClean="0"/>
           </a:p>
           <a:p>
             <a:pPr lvl="1" hangingPunct="0"/>
             <a:r>
               <a:rPr lang="pt-BR" dirty="0" err="1" smtClean="0"/>
-              <a:t>mapskills-Haproxy</a:t>
+              <a:t>mapskills-haproxy</a:t>
             </a:r>
             <a:r>
               <a:rPr lang="pt-BR" dirty="0"/>
@@ -11497,26 +11465,7 @@
               <a:rPr lang="pt-BR" dirty="0"/>
               <a:t>-web </a:t>
             </a:r>
-            <a:r>
-              <a:rPr lang="pt-BR" dirty="0" smtClean="0"/>
-              <a:t>comunicação entre a </a:t>
-            </a:r>
-            <a:r>
-              <a:rPr lang="pt-BR" dirty="0"/>
-              <a:t>interface web </a:t>
-            </a:r>
-            <a:r>
-              <a:rPr lang="pt-BR" dirty="0" smtClean="0"/>
-              <a:t>e o </a:t>
-            </a:r>
-            <a:r>
-              <a:rPr lang="pt-BR" i="1" dirty="0" err="1" smtClean="0"/>
-              <a:t>back-end</a:t>
-            </a:r>
-            <a:r>
-              <a:rPr lang="pt-BR" dirty="0"/>
-              <a:t>, por meio do protocolo HTTP.</a:t>
-            </a:r>
+            <a:endParaRPr lang="pt-BR" dirty="0" smtClean="0"/>
           </a:p>
           <a:p>
             <a:pPr hangingPunct="0"/>
@@ -11536,26 +11485,7 @@
               <a:rPr lang="pt-BR" dirty="0" err="1" smtClean="0"/>
               <a:t>Mapskills-mysql</a:t>
             </a:r>
-            <a:r>
-              <a:rPr lang="pt-BR" dirty="0"/>
-              <a:t>, </a:t>
-            </a:r>
-            <a:r>
-              <a:rPr lang="pt-BR" dirty="0" smtClean="0"/>
-              <a:t>permite o acesso a </a:t>
-            </a:r>
-            <a:r>
-              <a:rPr lang="pt-BR" dirty="0" smtClean="0"/>
-              <a:t>base </a:t>
-            </a:r>
-            <a:r>
-              <a:rPr lang="pt-BR" dirty="0" smtClean="0"/>
-              <a:t>de </a:t>
-            </a:r>
-            <a:r>
-              <a:rPr lang="pt-BR" dirty="0"/>
-              <a:t>dados.</a:t>
-            </a:r>
+            <a:endParaRPr lang="pt-BR" dirty="0" smtClean="0"/>
           </a:p>
           <a:p>
             <a:pPr hangingPunct="0"/>
@@ -11575,29 +11505,14 @@
               <a:rPr lang="pt-BR" dirty="0" err="1" smtClean="0"/>
               <a:t>Mapskills-app</a:t>
             </a:r>
-            <a:r>
-              <a:rPr lang="pt-BR" dirty="0" smtClean="0"/>
-              <a:t> permite a comunicação entre o </a:t>
-            </a:r>
-            <a:r>
-              <a:rPr lang="pt-BR" dirty="0" err="1" smtClean="0"/>
-              <a:t>balanceador</a:t>
-            </a:r>
-            <a:r>
-              <a:rPr lang="pt-BR" dirty="0" smtClean="0"/>
-              <a:t> de carga e o servidor de </a:t>
-            </a:r>
-            <a:r>
-              <a:rPr lang="pt-BR" dirty="0" err="1" smtClean="0"/>
-              <a:t>back</a:t>
-            </a:r>
-            <a:r>
-              <a:rPr lang="pt-BR" dirty="0" smtClean="0"/>
-              <a:t>-end.</a:t>
-            </a:r>
+            <a:endParaRPr lang="pt-BR" dirty="0" smtClean="0"/>
+          </a:p>
+          <a:p>
+            <a:pPr hangingPunct="0"/>
             <a:endParaRPr lang="pt-BR" dirty="0"/>
           </a:p>
           <a:p>
+            <a:pPr hangingPunct="0"/>
             <a:endParaRPr lang="pt-BR" dirty="0"/>
           </a:p>
         </p:txBody>
@@ -11634,6 +11549,36 @@
           </a:p>
         </p:txBody>
       </p:sp>
+      <p:pic>
+        <p:nvPicPr>
+          <p:cNvPr id="6" name="Espaço Reservado para Conteúdo 3"/>
+          <p:cNvPicPr>
+            <a:picLocks noChangeAspect="1"/>
+          </p:cNvPicPr>
+          <p:nvPr/>
+        </p:nvPicPr>
+        <p:blipFill>
+          <a:blip r:embed="rId2">
+            <a:extLst>
+              <a:ext uri="{28A0092B-C50C-407E-A947-70E740481C1C}">
+                <a14:useLocalDpi xmlns:a14="http://schemas.microsoft.com/office/drawing/2010/main" val="0"/>
+              </a:ext>
+            </a:extLst>
+          </a:blip>
+          <a:stretch>
+            <a:fillRect/>
+          </a:stretch>
+        </p:blipFill>
+        <p:spPr>
+          <a:xfrm>
+            <a:off x="6021978" y="3019988"/>
+            <a:ext cx="5742437" cy="3418908"/>
+          </a:xfrm>
+          <a:prstGeom prst="rect">
+            <a:avLst/>
+          </a:prstGeom>
+        </p:spPr>
+      </p:pic>
     </p:spTree>
     <p:extLst>
       <p:ext uri="{BB962C8B-B14F-4D97-AF65-F5344CB8AC3E}">
@@ -11681,46 +11626,136 @@
           <a:p>
             <a:r>
               <a:rPr lang="pt-BR" dirty="0"/>
-              <a:t>Links</a:t>
-            </a:r>
-          </a:p>
-        </p:txBody>
-      </p:sp>
-      <p:pic>
-        <p:nvPicPr>
-          <p:cNvPr id="4" name="Espaço Reservado para Conteúdo 3"/>
-          <p:cNvPicPr>
-            <a:picLocks noGrp="1" noChangeAspect="1"/>
-          </p:cNvPicPr>
+              <a:t>Volumes</a:t>
+            </a:r>
+          </a:p>
+        </p:txBody>
+      </p:sp>
+      <p:sp>
+        <p:nvSpPr>
+          <p:cNvPr id="3" name="Espaço Reservado para Conteúdo 2"/>
+          <p:cNvSpPr>
+            <a:spLocks noGrp="1"/>
+          </p:cNvSpPr>
           <p:nvPr>
             <p:ph idx="1"/>
           </p:nvPr>
-        </p:nvPicPr>
-        <p:blipFill>
-          <a:blip r:embed="rId2">
-            <a:extLst>
-              <a:ext uri="{28A0092B-C50C-407E-A947-70E740481C1C}">
-                <a14:useLocalDpi xmlns:a14="http://schemas.microsoft.com/office/drawing/2010/main" val="0"/>
-              </a:ext>
-            </a:extLst>
-          </a:blip>
-          <a:stretch>
-            <a:fillRect/>
-          </a:stretch>
-        </p:blipFill>
-        <p:spPr>
-          <a:xfrm>
-            <a:off x="3409406" y="2495006"/>
-            <a:ext cx="5742437" cy="3418908"/>
-          </a:xfrm>
-          <a:prstGeom prst="rect">
-            <a:avLst/>
-          </a:prstGeom>
-        </p:spPr>
-      </p:pic>
-      <p:sp>
-        <p:nvSpPr>
-          <p:cNvPr id="7" name="Retângulo 6"/>
+        </p:nvSpPr>
+        <p:spPr>
+          <a:xfrm>
+            <a:off x="680321" y="2336873"/>
+            <a:ext cx="9613861" cy="4103116"/>
+          </a:xfrm>
+        </p:spPr>
+        <p:txBody>
+          <a:bodyPr>
+            <a:normAutofit/>
+          </a:bodyPr>
+          <a:lstStyle/>
+          <a:p>
+            <a:pPr hangingPunct="0"/>
+            <a:r>
+              <a:rPr lang="pt-BR" dirty="0" err="1" smtClean="0"/>
+              <a:t>Mapskills-Mysql</a:t>
+            </a:r>
+            <a:r>
+              <a:rPr lang="pt-BR" dirty="0" smtClean="0"/>
+              <a:t> </a:t>
+            </a:r>
+            <a:r>
+              <a:rPr lang="pt-BR" dirty="0"/>
+              <a:t>tem a finalidade de armazenar todas informações salva na base de dados</a:t>
+            </a:r>
+            <a:r>
+              <a:rPr lang="pt-BR" dirty="0" smtClean="0"/>
+              <a:t>.</a:t>
+            </a:r>
+          </a:p>
+          <a:p>
+            <a:pPr hangingPunct="0"/>
+            <a:r>
+              <a:rPr lang="pt-BR" dirty="0" err="1"/>
+              <a:t>Mapskills-Cadvisor</a:t>
+            </a:r>
+            <a:r>
+              <a:rPr lang="pt-BR" dirty="0"/>
+              <a:t> tem a finalidade de compartilhar informações do host com o container. </a:t>
+            </a:r>
+            <a:endParaRPr lang="pt-BR" dirty="0"/>
+          </a:p>
+          <a:p>
+            <a:pPr hangingPunct="0"/>
+            <a:r>
+              <a:rPr lang="pt-BR" dirty="0" smtClean="0"/>
+              <a:t>Os volumes </a:t>
+            </a:r>
+            <a:r>
+              <a:rPr lang="pt-BR" dirty="0" err="1" smtClean="0"/>
+              <a:t>Mapkills-Jenkins</a:t>
+            </a:r>
+            <a:r>
+              <a:rPr lang="pt-BR" dirty="0"/>
+              <a:t>:</a:t>
+            </a:r>
+            <a:endParaRPr lang="pt-BR" dirty="0" smtClean="0"/>
+          </a:p>
+          <a:p>
+            <a:pPr lvl="1" hangingPunct="0"/>
+            <a:r>
+              <a:rPr lang="pt-BR" sz="2400" dirty="0" smtClean="0"/>
+              <a:t>Volume compartilhado com os containers </a:t>
+            </a:r>
+            <a:r>
+              <a:rPr lang="pt-BR" sz="2400" dirty="0" err="1"/>
+              <a:t>Mapkills-App</a:t>
+            </a:r>
+            <a:r>
+              <a:rPr lang="pt-BR" sz="2400" dirty="0"/>
+              <a:t> e </a:t>
+            </a:r>
+            <a:r>
+              <a:rPr lang="pt-BR" sz="2400" dirty="0" err="1"/>
+              <a:t>Mapskills</a:t>
+            </a:r>
+            <a:r>
+              <a:rPr lang="pt-BR" sz="2400" dirty="0"/>
+              <a:t>-Web </a:t>
+            </a:r>
+            <a:endParaRPr lang="pt-BR" sz="2400" dirty="0" smtClean="0"/>
+          </a:p>
+          <a:p>
+            <a:pPr lvl="1" hangingPunct="0"/>
+            <a:r>
+              <a:rPr lang="pt-BR" sz="2400" dirty="0" smtClean="0"/>
+              <a:t>Compartilhamento dos arquivos </a:t>
+            </a:r>
+            <a:r>
+              <a:rPr lang="pt-BR" sz="2400" dirty="0" err="1" smtClean="0"/>
+              <a:t>Docker</a:t>
+            </a:r>
+            <a:r>
+              <a:rPr lang="pt-BR" sz="2400" dirty="0" smtClean="0"/>
+              <a:t> e </a:t>
+            </a:r>
+            <a:r>
+              <a:rPr lang="pt-BR" sz="2400" dirty="0" err="1" smtClean="0"/>
+              <a:t>docker-compose.yaml</a:t>
+            </a:r>
+            <a:r>
+              <a:rPr lang="pt-BR" sz="2400" dirty="0" smtClean="0"/>
+              <a:t> entre o host e container</a:t>
+            </a:r>
+            <a:r>
+              <a:rPr lang="pt-BR" sz="2400" dirty="0" smtClean="0"/>
+              <a:t>.</a:t>
+            </a:r>
+            <a:endParaRPr lang="pt-BR" sz="2400" dirty="0" smtClean="0"/>
+          </a:p>
+        </p:txBody>
+      </p:sp>
+      <p:sp>
+        <p:nvSpPr>
+          <p:cNvPr id="5" name="Retângulo 4"/>
           <p:cNvSpPr/>
           <p:nvPr/>
         </p:nvSpPr>
@@ -11753,7 +11788,7 @@
     </p:spTree>
     <p:extLst>
       <p:ext uri="{BB962C8B-B14F-4D97-AF65-F5344CB8AC3E}">
-        <p14:creationId xmlns:p14="http://schemas.microsoft.com/office/powerpoint/2010/main" val="1588161288"/>
+        <p14:creationId xmlns:p14="http://schemas.microsoft.com/office/powerpoint/2010/main" val="1216461368"/>
       </p:ext>
     </p:extLst>
   </p:cSld>
@@ -11796,9 +11831,10 @@
           <a:lstStyle/>
           <a:p>
             <a:r>
-              <a:rPr lang="pt-BR" dirty="0"/>
-              <a:t>Volumes</a:t>
-            </a:r>
+              <a:rPr lang="pt-BR" dirty="0" err="1"/>
+              <a:t>Mapskills-Jenkins</a:t>
+            </a:r>
+            <a:endParaRPr lang="pt-BR" dirty="0"/>
           </a:p>
         </p:txBody>
       </p:sp>
@@ -11815,22 +11851,49 @@
         <p:spPr/>
         <p:txBody>
           <a:bodyPr>
-            <a:normAutofit lnSpcReduction="10000"/>
+            <a:normAutofit/>
           </a:bodyPr>
           <a:lstStyle/>
           <a:p>
             <a:pPr hangingPunct="0"/>
             <a:r>
-              <a:rPr lang="pt-BR" dirty="0" err="1" smtClean="0"/>
-              <a:t>Mapskills-app</a:t>
-            </a:r>
-            <a:r>
               <a:rPr lang="pt-BR" dirty="0" smtClean="0"/>
-              <a:t> </a:t>
-            </a:r>
-            <a:r>
-              <a:rPr lang="pt-BR" dirty="0"/>
-              <a:t>e </a:t>
+              <a:t>Responsável por executar as tarefas destinadas à integração contínua.</a:t>
+            </a:r>
+            <a:endParaRPr lang="pt-BR" dirty="0"/>
+          </a:p>
+          <a:p>
+            <a:pPr hangingPunct="0"/>
+            <a:r>
+              <a:rPr lang="pt-BR" dirty="0"/>
+              <a:t>Jobs: </a:t>
+            </a:r>
+          </a:p>
+          <a:p>
+            <a:pPr lvl="1" hangingPunct="0"/>
+            <a:r>
+              <a:rPr lang="pt-BR" dirty="0"/>
+              <a:t>Build-</a:t>
+            </a:r>
+            <a:r>
+              <a:rPr lang="pt-BR" dirty="0" err="1"/>
+              <a:t>Mapksills</a:t>
+            </a:r>
+            <a:r>
+              <a:rPr lang="pt-BR" dirty="0"/>
+              <a:t>-</a:t>
+            </a:r>
+            <a:r>
+              <a:rPr lang="pt-BR" dirty="0" err="1"/>
+              <a:t>App</a:t>
+            </a:r>
+            <a:endParaRPr lang="pt-BR" dirty="0"/>
+          </a:p>
+          <a:p>
+            <a:pPr lvl="1" hangingPunct="0"/>
+            <a:r>
+              <a:rPr lang="pt-BR" dirty="0"/>
+              <a:t>Build-</a:t>
             </a:r>
             <a:r>
               <a:rPr lang="pt-BR" dirty="0" err="1"/>
@@ -11838,15 +11901,96 @@
             </a:r>
             <a:r>
               <a:rPr lang="pt-BR" dirty="0"/>
-              <a:t>-web tem os arquivos .</a:t>
-            </a:r>
+              <a:t>-Front</a:t>
+            </a:r>
+          </a:p>
+          <a:p>
+            <a:pPr lvl="1" hangingPunct="0"/>
             <a:r>
               <a:rPr lang="pt-BR" dirty="0" err="1"/>
-              <a:t>war</a:t>
-            </a:r>
-            <a:r>
-              <a:rPr lang="pt-BR" dirty="0"/>
-              <a:t> mapeados para que possam ser atualizados pelo </a:t>
+              <a:t>Copy</a:t>
+            </a:r>
+            <a:r>
+              <a:rPr lang="pt-BR" dirty="0"/>
+              <a:t> </a:t>
+            </a:r>
+            <a:r>
+              <a:rPr lang="pt-BR" dirty="0" err="1"/>
+              <a:t>Artifact</a:t>
+            </a:r>
+            <a:r>
+              <a:rPr lang="pt-BR" dirty="0"/>
+              <a:t> </a:t>
+            </a:r>
+            <a:r>
+              <a:rPr lang="pt-BR" dirty="0" err="1"/>
+              <a:t>Mapskills</a:t>
+            </a:r>
+            <a:r>
+              <a:rPr lang="pt-BR" dirty="0"/>
+              <a:t> </a:t>
+            </a:r>
+            <a:r>
+              <a:rPr lang="pt-BR" dirty="0" err="1"/>
+              <a:t>App</a:t>
+            </a:r>
+            <a:endParaRPr lang="pt-BR" dirty="0"/>
+          </a:p>
+          <a:p>
+            <a:pPr lvl="1" hangingPunct="0"/>
+            <a:r>
+              <a:rPr lang="pt-BR" dirty="0" err="1"/>
+              <a:t>Copy</a:t>
+            </a:r>
+            <a:r>
+              <a:rPr lang="pt-BR" dirty="0"/>
+              <a:t> </a:t>
+            </a:r>
+            <a:r>
+              <a:rPr lang="pt-BR" dirty="0" err="1"/>
+              <a:t>Artifact</a:t>
+            </a:r>
+            <a:r>
+              <a:rPr lang="pt-BR" dirty="0"/>
+              <a:t> </a:t>
+            </a:r>
+            <a:r>
+              <a:rPr lang="pt-BR" dirty="0" err="1"/>
+              <a:t>Mapskills</a:t>
+            </a:r>
+            <a:r>
+              <a:rPr lang="pt-BR" dirty="0"/>
+              <a:t> Front</a:t>
+            </a:r>
+          </a:p>
+          <a:p>
+            <a:pPr lvl="1" hangingPunct="0"/>
+            <a:r>
+              <a:rPr lang="pt-BR" dirty="0" err="1"/>
+              <a:t>Deploy</a:t>
+            </a:r>
+            <a:r>
+              <a:rPr lang="pt-BR" dirty="0"/>
+              <a:t> </a:t>
+            </a:r>
+            <a:r>
+              <a:rPr lang="pt-BR" dirty="0" err="1"/>
+              <a:t>Mapskills</a:t>
+            </a:r>
+            <a:r>
+              <a:rPr lang="pt-BR" dirty="0"/>
+              <a:t>. </a:t>
+            </a:r>
+          </a:p>
+          <a:p>
+            <a:pPr hangingPunct="0"/>
+            <a:r>
+              <a:rPr lang="pt-BR" dirty="0" err="1"/>
+              <a:t>Url</a:t>
+            </a:r>
+            <a:r>
+              <a:rPr lang="pt-BR" dirty="0"/>
+              <a:t> de acesso ao </a:t>
             </a:r>
             <a:r>
               <a:rPr lang="pt-BR" dirty="0" err="1"/>
@@ -11854,108 +11998,8 @@
             </a:r>
             <a:r>
               <a:rPr lang="pt-BR" dirty="0"/>
-              <a:t>.</a:t>
-            </a:r>
-          </a:p>
-          <a:p>
-            <a:pPr hangingPunct="0"/>
-            <a:r>
-              <a:rPr lang="pt-BR" dirty="0" err="1" smtClean="0"/>
-              <a:t>Mapskills-Mysql</a:t>
-            </a:r>
-            <a:r>
-              <a:rPr lang="pt-BR" dirty="0" smtClean="0"/>
-              <a:t> </a:t>
-            </a:r>
-            <a:r>
-              <a:rPr lang="pt-BR" dirty="0"/>
-              <a:t>tem a finalidade de armazenar todas informações salva na base de dados.</a:t>
-            </a:r>
-          </a:p>
-          <a:p>
-            <a:pPr hangingPunct="0"/>
-            <a:r>
-              <a:rPr lang="pt-BR" dirty="0" smtClean="0"/>
-              <a:t>Os volumes </a:t>
-            </a:r>
-            <a:r>
-              <a:rPr lang="pt-BR" dirty="0" err="1" smtClean="0"/>
-              <a:t>Mapkills-Jenkins</a:t>
-            </a:r>
-            <a:r>
-              <a:rPr lang="pt-BR" dirty="0"/>
-              <a:t>, </a:t>
-            </a:r>
-            <a:endParaRPr lang="pt-BR" dirty="0" smtClean="0"/>
-          </a:p>
-          <a:p>
-            <a:pPr lvl="1" hangingPunct="0"/>
-            <a:r>
-              <a:rPr lang="pt-BR" dirty="0" smtClean="0"/>
-              <a:t>Volume compartilhado com os </a:t>
-            </a:r>
-            <a:r>
-              <a:rPr lang="pt-BR" dirty="0" smtClean="0"/>
-              <a:t>containers </a:t>
-            </a:r>
-            <a:r>
-              <a:rPr lang="pt-BR" dirty="0" err="1"/>
-              <a:t>Mapkills-App</a:t>
-            </a:r>
-            <a:r>
-              <a:rPr lang="pt-BR" dirty="0"/>
-              <a:t> e </a:t>
-            </a:r>
-            <a:r>
-              <a:rPr lang="pt-BR" dirty="0" err="1"/>
-              <a:t>Mapskills</a:t>
-            </a:r>
-            <a:r>
-              <a:rPr lang="pt-BR" dirty="0"/>
-              <a:t>-Web </a:t>
-            </a:r>
-            <a:endParaRPr lang="pt-BR" dirty="0" smtClean="0"/>
-          </a:p>
-          <a:p>
-            <a:pPr lvl="1" hangingPunct="0"/>
-            <a:r>
-              <a:rPr lang="pt-BR" dirty="0" smtClean="0"/>
-              <a:t>Compartilhamento dos arquivos </a:t>
-            </a:r>
-            <a:r>
-              <a:rPr lang="pt-BR" dirty="0" err="1" smtClean="0"/>
-              <a:t>Docker</a:t>
-            </a:r>
-            <a:r>
-              <a:rPr lang="pt-BR" dirty="0" smtClean="0"/>
-              <a:t> e </a:t>
-            </a:r>
-            <a:r>
-              <a:rPr lang="pt-BR" dirty="0" err="1" smtClean="0"/>
-              <a:t>docker-compose.yaml</a:t>
-            </a:r>
-            <a:r>
-              <a:rPr lang="pt-BR" dirty="0" smtClean="0"/>
-              <a:t> entre o host e container.</a:t>
-            </a:r>
-          </a:p>
-          <a:p>
-            <a:pPr hangingPunct="0"/>
-            <a:r>
-              <a:rPr lang="pt-BR" dirty="0" err="1" smtClean="0"/>
-              <a:t>Mapskills-Cadvisor</a:t>
-            </a:r>
-            <a:r>
-              <a:rPr lang="pt-BR" dirty="0" smtClean="0"/>
-              <a:t> </a:t>
-            </a:r>
-            <a:r>
-              <a:rPr lang="pt-BR" dirty="0"/>
-              <a:t>tem a finalidade de compartilhar informações do host com o container. </a:t>
-            </a:r>
-          </a:p>
-          <a:p>
-            <a:endParaRPr lang="pt-BR" dirty="0"/>
+              <a:t>: http://ip_do_host:8585.</a:t>
+            </a:r>
           </a:p>
         </p:txBody>
       </p:sp>
@@ -11994,7 +12038,7 @@
     </p:spTree>
     <p:extLst>
       <p:ext uri="{BB962C8B-B14F-4D97-AF65-F5344CB8AC3E}">
-        <p14:creationId xmlns:p14="http://schemas.microsoft.com/office/powerpoint/2010/main" val="1216461368"/>
+        <p14:creationId xmlns:p14="http://schemas.microsoft.com/office/powerpoint/2010/main" val="1515907411"/>
       </p:ext>
     </p:extLst>
   </p:cSld>
@@ -12117,171 +12161,32 @@
           </a:p>
         </p:txBody>
       </p:sp>
-      <p:sp>
-        <p:nvSpPr>
-          <p:cNvPr id="3" name="Espaço Reservado para Conteúdo 2"/>
-          <p:cNvSpPr>
-            <a:spLocks noGrp="1"/>
-          </p:cNvSpPr>
+      <p:pic>
+        <p:nvPicPr>
+          <p:cNvPr id="4" name="Figura1"/>
+          <p:cNvPicPr>
+            <a:picLocks noGrp="1"/>
+          </p:cNvPicPr>
           <p:nvPr>
             <p:ph idx="1"/>
           </p:nvPr>
-        </p:nvSpPr>
-        <p:spPr/>
-        <p:txBody>
-          <a:bodyPr>
-            <a:normAutofit/>
-          </a:bodyPr>
-          <a:lstStyle/>
-          <a:p>
-            <a:pPr hangingPunct="0"/>
-            <a:r>
-              <a:rPr lang="pt-BR" dirty="0" smtClean="0"/>
-              <a:t>Responsável por executar as tarefas destinadas à integração contínua.</a:t>
-            </a:r>
-            <a:endParaRPr lang="pt-BR" dirty="0"/>
-          </a:p>
-          <a:p>
-            <a:pPr hangingPunct="0"/>
-            <a:r>
-              <a:rPr lang="pt-BR" dirty="0"/>
-              <a:t>Jobs: </a:t>
-            </a:r>
-          </a:p>
-          <a:p>
-            <a:pPr lvl="1" hangingPunct="0"/>
-            <a:r>
-              <a:rPr lang="pt-BR" dirty="0"/>
-              <a:t>Build-</a:t>
-            </a:r>
-            <a:r>
-              <a:rPr lang="pt-BR" dirty="0" err="1"/>
-              <a:t>Mapksills</a:t>
-            </a:r>
-            <a:r>
-              <a:rPr lang="pt-BR" dirty="0"/>
-              <a:t>-</a:t>
-            </a:r>
-            <a:r>
-              <a:rPr lang="pt-BR" dirty="0" err="1"/>
-              <a:t>App</a:t>
-            </a:r>
-            <a:endParaRPr lang="pt-BR" dirty="0"/>
-          </a:p>
-          <a:p>
-            <a:pPr lvl="1" hangingPunct="0"/>
-            <a:r>
-              <a:rPr lang="pt-BR" dirty="0"/>
-              <a:t>Build-</a:t>
-            </a:r>
-            <a:r>
-              <a:rPr lang="pt-BR" dirty="0" err="1"/>
-              <a:t>Mapskills</a:t>
-            </a:r>
-            <a:r>
-              <a:rPr lang="pt-BR" dirty="0"/>
-              <a:t>-Front</a:t>
-            </a:r>
-          </a:p>
-          <a:p>
-            <a:pPr lvl="1" hangingPunct="0"/>
-            <a:r>
-              <a:rPr lang="pt-BR" dirty="0" err="1"/>
-              <a:t>Copy</a:t>
-            </a:r>
-            <a:r>
-              <a:rPr lang="pt-BR" dirty="0"/>
-              <a:t> </a:t>
-            </a:r>
-            <a:r>
-              <a:rPr lang="pt-BR" dirty="0" err="1"/>
-              <a:t>Artifact</a:t>
-            </a:r>
-            <a:r>
-              <a:rPr lang="pt-BR" dirty="0"/>
-              <a:t> </a:t>
-            </a:r>
-            <a:r>
-              <a:rPr lang="pt-BR" dirty="0" err="1"/>
-              <a:t>Mapskills</a:t>
-            </a:r>
-            <a:r>
-              <a:rPr lang="pt-BR" dirty="0"/>
-              <a:t> </a:t>
-            </a:r>
-            <a:r>
-              <a:rPr lang="pt-BR" dirty="0" err="1"/>
-              <a:t>App</a:t>
-            </a:r>
-            <a:endParaRPr lang="pt-BR" dirty="0"/>
-          </a:p>
-          <a:p>
-            <a:pPr lvl="1" hangingPunct="0"/>
-            <a:r>
-              <a:rPr lang="pt-BR" dirty="0" err="1"/>
-              <a:t>Copy</a:t>
-            </a:r>
-            <a:r>
-              <a:rPr lang="pt-BR" dirty="0"/>
-              <a:t> </a:t>
-            </a:r>
-            <a:r>
-              <a:rPr lang="pt-BR" dirty="0" err="1"/>
-              <a:t>Artifact</a:t>
-            </a:r>
-            <a:r>
-              <a:rPr lang="pt-BR" dirty="0"/>
-              <a:t> </a:t>
-            </a:r>
-            <a:r>
-              <a:rPr lang="pt-BR" dirty="0" err="1"/>
-              <a:t>Mapskills</a:t>
-            </a:r>
-            <a:r>
-              <a:rPr lang="pt-BR" dirty="0"/>
-              <a:t> Front</a:t>
-            </a:r>
-          </a:p>
-          <a:p>
-            <a:pPr lvl="1" hangingPunct="0"/>
-            <a:r>
-              <a:rPr lang="pt-BR" dirty="0" err="1"/>
-              <a:t>Deploy</a:t>
-            </a:r>
-            <a:r>
-              <a:rPr lang="pt-BR" dirty="0"/>
-              <a:t> </a:t>
-            </a:r>
-            <a:r>
-              <a:rPr lang="pt-BR" dirty="0" err="1"/>
-              <a:t>Mapskills</a:t>
-            </a:r>
-            <a:r>
-              <a:rPr lang="pt-BR" dirty="0"/>
-              <a:t>. </a:t>
-            </a:r>
-          </a:p>
-          <a:p>
-            <a:pPr hangingPunct="0"/>
-            <a:r>
-              <a:rPr lang="pt-BR" dirty="0" err="1"/>
-              <a:t>Url</a:t>
-            </a:r>
-            <a:r>
-              <a:rPr lang="pt-BR" dirty="0"/>
-              <a:t> de acesso ao </a:t>
-            </a:r>
-            <a:r>
-              <a:rPr lang="pt-BR" dirty="0" err="1"/>
-              <a:t>Jenkins</a:t>
-            </a:r>
-            <a:r>
-              <a:rPr lang="pt-BR" dirty="0"/>
-              <a:t>: http://ip_do_host:8585.</a:t>
-            </a:r>
-          </a:p>
-        </p:txBody>
-      </p:sp>
+        </p:nvPicPr>
+        <p:blipFill>
+          <a:blip r:embed="rId2"/>
+          <a:stretch>
+            <a:fillRect/>
+          </a:stretch>
+        </p:blipFill>
+        <p:spPr bwMode="auto">
+          <a:xfrm>
+            <a:off x="1006892" y="2510226"/>
+            <a:ext cx="9613900" cy="3408765"/>
+          </a:xfrm>
+          <a:prstGeom prst="rect">
+            <a:avLst/>
+          </a:prstGeom>
+        </p:spPr>
+      </p:pic>
       <p:sp>
         <p:nvSpPr>
           <p:cNvPr id="5" name="Retângulo 4"/>
@@ -12317,7 +12222,7 @@
     </p:spTree>
     <p:extLst>
       <p:ext uri="{BB962C8B-B14F-4D97-AF65-F5344CB8AC3E}">
-        <p14:creationId xmlns:p14="http://schemas.microsoft.com/office/powerpoint/2010/main" val="1515907411"/>
+        <p14:creationId xmlns:p14="http://schemas.microsoft.com/office/powerpoint/2010/main" val="2225200717"/>
       </p:ext>
     </p:extLst>
   </p:cSld>
@@ -12361,41 +12266,156 @@
           <a:p>
             <a:r>
               <a:rPr lang="pt-BR" dirty="0" err="1"/>
-              <a:t>Mapskills-Jenkins</a:t>
+              <a:t>Job</a:t>
+            </a:r>
+            <a:r>
+              <a:rPr lang="pt-BR" dirty="0"/>
+              <a:t> - Build </a:t>
+            </a:r>
+            <a:r>
+              <a:rPr lang="pt-BR" dirty="0" err="1"/>
+              <a:t>Mapskills-app</a:t>
             </a:r>
             <a:endParaRPr lang="pt-BR" dirty="0"/>
           </a:p>
         </p:txBody>
       </p:sp>
-      <p:pic>
-        <p:nvPicPr>
-          <p:cNvPr id="4" name="Figura1"/>
-          <p:cNvPicPr>
-            <a:picLocks noGrp="1"/>
-          </p:cNvPicPr>
+      <p:sp>
+        <p:nvSpPr>
+          <p:cNvPr id="3" name="Espaço Reservado para Conteúdo 2"/>
+          <p:cNvSpPr>
+            <a:spLocks noGrp="1"/>
+          </p:cNvSpPr>
           <p:nvPr>
             <p:ph idx="1"/>
           </p:nvPr>
-        </p:nvPicPr>
-        <p:blipFill>
-          <a:blip r:embed="rId2"/>
-          <a:stretch>
-            <a:fillRect/>
-          </a:stretch>
-        </p:blipFill>
-        <p:spPr bwMode="auto">
-          <a:xfrm>
-            <a:off x="1006892" y="2510226"/>
-            <a:ext cx="9613900" cy="3408765"/>
-          </a:xfrm>
-          <a:prstGeom prst="rect">
-            <a:avLst/>
-          </a:prstGeom>
-        </p:spPr>
-      </p:pic>
-      <p:sp>
-        <p:nvSpPr>
-          <p:cNvPr id="5" name="Retângulo 4"/>
+        </p:nvSpPr>
+        <p:spPr>
+          <a:xfrm>
+            <a:off x="680321" y="2336873"/>
+            <a:ext cx="10122662" cy="3599316"/>
+          </a:xfrm>
+        </p:spPr>
+        <p:txBody>
+          <a:bodyPr>
+            <a:normAutofit/>
+          </a:bodyPr>
+          <a:lstStyle/>
+          <a:p>
+            <a:pPr hangingPunct="0"/>
+            <a:r>
+              <a:rPr lang="pt-BR" dirty="0"/>
+              <a:t>Este </a:t>
+            </a:r>
+            <a:r>
+              <a:rPr lang="pt-BR" i="1" dirty="0" err="1"/>
+              <a:t>Job</a:t>
+            </a:r>
+            <a:r>
+              <a:rPr lang="pt-BR" dirty="0"/>
+              <a:t> irá baixar o projeto Java do repositório </a:t>
+            </a:r>
+            <a:r>
+              <a:rPr lang="pt-BR" dirty="0" smtClean="0"/>
+              <a:t>GitHub, baixar as dependências do projeto e compila-lo </a:t>
+            </a:r>
+            <a:r>
+              <a:rPr lang="pt-BR" dirty="0"/>
+              <a:t>no formato .</a:t>
+            </a:r>
+            <a:r>
+              <a:rPr lang="pt-BR" dirty="0" err="1" smtClean="0"/>
+              <a:t>war</a:t>
+            </a:r>
+            <a:r>
+              <a:rPr lang="pt-BR" dirty="0" smtClean="0"/>
+              <a:t>.</a:t>
+            </a:r>
+            <a:endParaRPr lang="pt-BR" dirty="0"/>
+          </a:p>
+          <a:p>
+            <a:pPr marL="0" indent="0" hangingPunct="0">
+              <a:buNone/>
+            </a:pPr>
+            <a:endParaRPr lang="en-US" dirty="0" smtClean="0">
+              <a:latin typeface="Courier New" panose="02070309020205020404" pitchFamily="49" charset="0"/>
+              <a:cs typeface="Courier New" panose="02070309020205020404" pitchFamily="49" charset="0"/>
+            </a:endParaRPr>
+          </a:p>
+          <a:p>
+            <a:pPr marL="0" indent="0" hangingPunct="0">
+              <a:buNone/>
+            </a:pPr>
+            <a:endParaRPr lang="en-US" dirty="0">
+              <a:latin typeface="Courier New" panose="02070309020205020404" pitchFamily="49" charset="0"/>
+              <a:cs typeface="Courier New" panose="02070309020205020404" pitchFamily="49" charset="0"/>
+            </a:endParaRPr>
+          </a:p>
+          <a:p>
+            <a:pPr marL="0" indent="0" hangingPunct="0">
+              <a:buNone/>
+            </a:pPr>
+            <a:r>
+              <a:rPr lang="en-US" dirty="0" err="1">
+                <a:latin typeface="Courier New" panose="02070309020205020404" pitchFamily="49" charset="0"/>
+                <a:cs typeface="Courier New" panose="02070309020205020404" pitchFamily="49" charset="0"/>
+              </a:rPr>
+              <a:t>mvn</a:t>
+            </a:r>
+            <a:r>
+              <a:rPr lang="en-US" dirty="0">
+                <a:latin typeface="Courier New" panose="02070309020205020404" pitchFamily="49" charset="0"/>
+                <a:cs typeface="Courier New" panose="02070309020205020404" pitchFamily="49" charset="0"/>
+              </a:rPr>
+              <a:t> clean install -</a:t>
+            </a:r>
+            <a:r>
+              <a:rPr lang="en-US" dirty="0" err="1">
+                <a:latin typeface="Courier New" panose="02070309020205020404" pitchFamily="49" charset="0"/>
+                <a:cs typeface="Courier New" panose="02070309020205020404" pitchFamily="49" charset="0"/>
+              </a:rPr>
+              <a:t>Dliquibase.should.run</a:t>
+            </a:r>
+            <a:r>
+              <a:rPr lang="en-US" dirty="0">
+                <a:latin typeface="Courier New" panose="02070309020205020404" pitchFamily="49" charset="0"/>
+                <a:cs typeface="Courier New" panose="02070309020205020404" pitchFamily="49" charset="0"/>
+              </a:rPr>
+              <a:t>=false -</a:t>
+            </a:r>
+            <a:r>
+              <a:rPr lang="en-US" dirty="0" err="1">
+                <a:latin typeface="Courier New" panose="02070309020205020404" pitchFamily="49" charset="0"/>
+                <a:cs typeface="Courier New" panose="02070309020205020404" pitchFamily="49" charset="0"/>
+              </a:rPr>
+              <a:t>Pazure</a:t>
+            </a:r>
+            <a:endParaRPr lang="pt-BR" dirty="0">
+              <a:latin typeface="Courier New" panose="02070309020205020404" pitchFamily="49" charset="0"/>
+              <a:cs typeface="Courier New" panose="02070309020205020404" pitchFamily="49" charset="0"/>
+            </a:endParaRPr>
+          </a:p>
+          <a:p>
+            <a:pPr marL="0" indent="0" hangingPunct="0">
+              <a:buNone/>
+            </a:pPr>
+            <a:endParaRPr lang="pt-BR" dirty="0"/>
+          </a:p>
+          <a:p>
+            <a:pPr marL="0" indent="0" hangingPunct="0">
+              <a:buNone/>
+            </a:pPr>
+            <a:endParaRPr lang="en-US" dirty="0"/>
+          </a:p>
+          <a:p>
+            <a:pPr hangingPunct="0"/>
+            <a:endParaRPr lang="pt-BR" dirty="0"/>
+          </a:p>
+        </p:txBody>
+      </p:sp>
+      <p:sp>
+        <p:nvSpPr>
+          <p:cNvPr id="4" name="Retângulo 3"/>
           <p:cNvSpPr/>
           <p:nvPr/>
         </p:nvSpPr>
@@ -12428,7 +12448,7 @@
     </p:spTree>
     <p:extLst>
       <p:ext uri="{BB962C8B-B14F-4D97-AF65-F5344CB8AC3E}">
-        <p14:creationId xmlns:p14="http://schemas.microsoft.com/office/powerpoint/2010/main" val="2225200717"/>
+        <p14:creationId xmlns:p14="http://schemas.microsoft.com/office/powerpoint/2010/main" val="1785981346"/>
       </p:ext>
     </p:extLst>
   </p:cSld>
@@ -12476,13 +12496,16 @@
             </a:r>
             <a:r>
               <a:rPr lang="pt-BR" dirty="0"/>
-              <a:t> - Build </a:t>
+              <a:t> – Build </a:t>
             </a:r>
             <a:r>
               <a:rPr lang="pt-BR" dirty="0" err="1"/>
-              <a:t>Mapskills-app</a:t>
-            </a:r>
-            <a:endParaRPr lang="pt-BR" dirty="0"/>
+              <a:t>Mapskills</a:t>
+            </a:r>
+            <a:r>
+              <a:rPr lang="pt-BR" dirty="0"/>
+              <a:t>-web</a:t>
+            </a:r>
           </a:p>
         </p:txBody>
       </p:sp>
@@ -12498,9 +12521,7 @@
         </p:nvSpPr>
         <p:spPr/>
         <p:txBody>
-          <a:bodyPr>
-            <a:normAutofit fontScale="92500" lnSpcReduction="10000"/>
-          </a:bodyPr>
+          <a:bodyPr/>
           <a:lstStyle/>
           <a:p>
             <a:pPr hangingPunct="0"/>
@@ -12514,7 +12535,7 @@
             </a:r>
             <a:r>
               <a:rPr lang="pt-BR" dirty="0"/>
-              <a:t> irá baixar o projeto Java do repositório GitHub e compilar o projeto no formato .</a:t>
+              <a:t> irá baixar o projeto Java do repositório GitHub, baixar as dependências do projeto e compila-lo no formato .</a:t>
             </a:r>
             <a:r>
               <a:rPr lang="pt-BR" dirty="0" err="1"/>
@@ -12522,99 +12543,49 @@
             </a:r>
             <a:r>
               <a:rPr lang="pt-BR" dirty="0"/>
-              <a:t>, para que seja disponibilizado posteriormente por outro </a:t>
-            </a:r>
-            <a:r>
-              <a:rPr lang="pt-BR" i="1" dirty="0" err="1"/>
-              <a:t>Job</a:t>
-            </a:r>
-            <a:r>
-              <a:rPr lang="pt-BR" dirty="0"/>
               <a:t>.</a:t>
             </a:r>
           </a:p>
           <a:p>
-            <a:pPr marL="0" indent="0" hangingPunct="0">
+            <a:pPr marL="0" indent="0">
               <a:buNone/>
             </a:pPr>
-            <a:endParaRPr lang="en-US" dirty="0">
-              <a:latin typeface="Courier New" panose="02070309020205020404" pitchFamily="49" charset="0"/>
-              <a:cs typeface="Courier New" panose="02070309020205020404" pitchFamily="49" charset="0"/>
-            </a:endParaRPr>
-          </a:p>
-          <a:p>
-            <a:pPr marL="0" indent="0" hangingPunct="0">
+            <a:endParaRPr lang="pt-BR" dirty="0"/>
+          </a:p>
+          <a:p>
+            <a:pPr marL="0" indent="0" algn="ctr">
               <a:buNone/>
             </a:pPr>
             <a:r>
-              <a:rPr lang="en-US" dirty="0" err="1">
+              <a:rPr lang="pt-BR" dirty="0" err="1">
                 <a:latin typeface="Courier New" panose="02070309020205020404" pitchFamily="49" charset="0"/>
                 <a:cs typeface="Courier New" panose="02070309020205020404" pitchFamily="49" charset="0"/>
               </a:rPr>
               <a:t>mvn</a:t>
             </a:r>
             <a:r>
-              <a:rPr lang="en-US" dirty="0">
+              <a:rPr lang="pt-BR" dirty="0">
                 <a:latin typeface="Courier New" panose="02070309020205020404" pitchFamily="49" charset="0"/>
                 <a:cs typeface="Courier New" panose="02070309020205020404" pitchFamily="49" charset="0"/>
               </a:rPr>
-              <a:t> clean install -</a:t>
-            </a:r>
-            <a:r>
-              <a:rPr lang="en-US" dirty="0" err="1">
+              <a:t> clean </a:t>
+            </a:r>
+            <a:r>
+              <a:rPr lang="pt-BR" dirty="0" err="1">
                 <a:latin typeface="Courier New" panose="02070309020205020404" pitchFamily="49" charset="0"/>
                 <a:cs typeface="Courier New" panose="02070309020205020404" pitchFamily="49" charset="0"/>
               </a:rPr>
-              <a:t>Dliquibase.should.run</a:t>
-            </a:r>
-            <a:r>
-              <a:rPr lang="en-US" dirty="0">
+              <a:t>install</a:t>
+            </a:r>
+            <a:r>
+              <a:rPr lang="pt-BR" dirty="0">
                 <a:latin typeface="Courier New" panose="02070309020205020404" pitchFamily="49" charset="0"/>
                 <a:cs typeface="Courier New" panose="02070309020205020404" pitchFamily="49" charset="0"/>
               </a:rPr>
-              <a:t>=false -</a:t>
-            </a:r>
-            <a:r>
-              <a:rPr lang="en-US" dirty="0" err="1">
-                <a:latin typeface="Courier New" panose="02070309020205020404" pitchFamily="49" charset="0"/>
-                <a:cs typeface="Courier New" panose="02070309020205020404" pitchFamily="49" charset="0"/>
-              </a:rPr>
-              <a:t>Pazure</a:t>
-            </a:r>
-            <a:endParaRPr lang="pt-BR" dirty="0">
-              <a:latin typeface="Courier New" panose="02070309020205020404" pitchFamily="49" charset="0"/>
-              <a:cs typeface="Courier New" panose="02070309020205020404" pitchFamily="49" charset="0"/>
-            </a:endParaRPr>
-          </a:p>
-          <a:p>
-            <a:pPr marL="0" indent="0" hangingPunct="0">
-              <a:buNone/>
-            </a:pPr>
-            <a:endParaRPr lang="pt-BR" dirty="0"/>
-          </a:p>
-          <a:p>
-            <a:pPr hangingPunct="0"/>
-            <a:r>
-              <a:rPr lang="pt-BR" dirty="0"/>
-              <a:t>O comando utilizado apaga a pasta Target, instala os pacotes nos respectivos repositórios e não rodar o script de criação do Banco de Dados. Todos esses comandos são rodados pelo perfil </a:t>
-            </a:r>
-            <a:r>
-              <a:rPr lang="pt-BR" dirty="0" err="1"/>
-              <a:t>Azure</a:t>
-            </a:r>
-            <a:r>
-              <a:rPr lang="pt-BR" dirty="0"/>
-              <a:t>, configurado na aplicação.</a:t>
-            </a:r>
-          </a:p>
-          <a:p>
-            <a:pPr marL="0" indent="0" hangingPunct="0">
-              <a:buNone/>
-            </a:pPr>
-            <a:endParaRPr lang="en-US" dirty="0"/>
-          </a:p>
-          <a:p>
-            <a:pPr hangingPunct="0"/>
+              <a:t> </a:t>
+            </a:r>
+          </a:p>
+          <a:p>
             <a:endParaRPr lang="pt-BR" dirty="0"/>
           </a:p>
         </p:txBody>
@@ -12654,7 +12625,7 @@
     </p:spTree>
     <p:extLst>
       <p:ext uri="{BB962C8B-B14F-4D97-AF65-F5344CB8AC3E}">
-        <p14:creationId xmlns:p14="http://schemas.microsoft.com/office/powerpoint/2010/main" val="1785981346"/>
+        <p14:creationId xmlns:p14="http://schemas.microsoft.com/office/powerpoint/2010/main" val="575999161"/>
       </p:ext>
     </p:extLst>
   </p:cSld>
@@ -12697,21 +12668,85 @@
           <a:lstStyle/>
           <a:p>
             <a:r>
+              <a:rPr lang="pt-BR" dirty="0" smtClean="0"/>
+              <a:t>Jobs </a:t>
+            </a:r>
+            <a:r>
+              <a:rPr lang="pt-BR" dirty="0"/>
+              <a:t>-</a:t>
+            </a:r>
+            <a:r>
+              <a:rPr lang="pt-BR" dirty="0" smtClean="0"/>
+              <a:t> </a:t>
+            </a:r>
+            <a:r>
               <a:rPr lang="pt-BR" dirty="0" err="1"/>
-              <a:t>Job</a:t>
-            </a:r>
-            <a:r>
-              <a:rPr lang="pt-BR" dirty="0"/>
-              <a:t> – Build </a:t>
+              <a:t>Copy</a:t>
+            </a:r>
+            <a:r>
+              <a:rPr lang="pt-BR" dirty="0"/>
+              <a:t> </a:t>
             </a:r>
             <a:r>
               <a:rPr lang="pt-BR" dirty="0" err="1"/>
+              <a:t>Artifact</a:t>
+            </a:r>
+            <a:r>
+              <a:rPr lang="pt-BR" dirty="0"/>
+              <a:t> </a:t>
+            </a:r>
+            <a:r>
+              <a:rPr lang="pt-BR" dirty="0" err="1"/>
+              <a:t>Mapskills-app</a:t>
+            </a:r>
+            <a:r>
+              <a:rPr lang="pt-BR" dirty="0"/>
+              <a:t> e </a:t>
+            </a:r>
+            <a:r>
+              <a:rPr lang="pt-BR" dirty="0" smtClean="0"/>
+              <a:t/>
+            </a:r>
+            <a:br>
+              <a:rPr lang="pt-BR" dirty="0" smtClean="0"/>
+            </a:br>
+            <a:r>
+              <a:rPr lang="pt-BR" dirty="0"/>
+              <a:t>	</a:t>
+            </a:r>
+            <a:r>
+              <a:rPr lang="pt-BR" dirty="0" smtClean="0"/>
+              <a:t>   </a:t>
+            </a:r>
+            <a:r>
+              <a:rPr lang="pt-BR" dirty="0" err="1" smtClean="0"/>
+              <a:t>Copy</a:t>
+            </a:r>
+            <a:r>
+              <a:rPr lang="pt-BR" dirty="0" smtClean="0"/>
+              <a:t> </a:t>
+            </a:r>
+            <a:r>
+              <a:rPr lang="pt-BR" dirty="0" err="1" smtClean="0"/>
+              <a:t>Artifact</a:t>
+            </a:r>
+            <a:r>
+              <a:rPr lang="pt-BR" dirty="0" smtClean="0"/>
+              <a:t> </a:t>
+            </a:r>
+            <a:r>
+              <a:rPr lang="pt-BR" dirty="0" err="1" smtClean="0"/>
               <a:t>Mapskills</a:t>
             </a:r>
             <a:r>
-              <a:rPr lang="pt-BR" dirty="0"/>
-              <a:t>-web</a:t>
-            </a:r>
+              <a:rPr lang="pt-BR" dirty="0" smtClean="0"/>
+              <a:t>-f</a:t>
+            </a:r>
+            <a:r>
+              <a:rPr lang="pt-BR" dirty="0" smtClean="0"/>
+              <a:t>ront</a:t>
+            </a:r>
+            <a:endParaRPr lang="pt-BR" dirty="0"/>
           </a:p>
         </p:txBody>
       </p:sp>
@@ -12725,30 +12760,67 @@
             <p:ph idx="1"/>
           </p:nvPr>
         </p:nvSpPr>
-        <p:spPr/>
-        <p:txBody>
-          <a:bodyPr/>
-          <a:lstStyle/>
-          <a:p>
-            <a:r>
-              <a:rPr lang="pt-BR" dirty="0"/>
-              <a:t>Este </a:t>
-            </a:r>
-            <a:r>
-              <a:rPr lang="pt-BR" dirty="0" err="1"/>
+        <p:spPr>
+          <a:xfrm>
+            <a:off x="287383" y="2336873"/>
+            <a:ext cx="10829108" cy="3599316"/>
+          </a:xfrm>
+        </p:spPr>
+        <p:txBody>
+          <a:bodyPr>
+            <a:normAutofit fontScale="92500"/>
+          </a:bodyPr>
+          <a:lstStyle/>
+          <a:p>
+            <a:r>
+              <a:rPr lang="pt-BR" dirty="0" smtClean="0"/>
+              <a:t>Depende da execução com sucesso do </a:t>
+            </a:r>
+            <a:r>
+              <a:rPr lang="pt-BR" dirty="0" err="1" smtClean="0"/>
               <a:t>job</a:t>
             </a:r>
             <a:r>
-              <a:rPr lang="pt-BR" dirty="0"/>
-              <a:t> irá baixar o projeto de Interface Web do repositório </a:t>
-            </a:r>
-            <a:r>
-              <a:rPr lang="pt-BR" u="sng" dirty="0"/>
-              <a:t>GitHub</a:t>
-            </a:r>
-            <a:r>
-              <a:rPr lang="pt-BR" dirty="0"/>
-              <a:t> e compilar o projeto no formato .</a:t>
+              <a:rPr lang="pt-BR" dirty="0" smtClean="0"/>
+              <a:t> Build-</a:t>
+            </a:r>
+            <a:r>
+              <a:rPr lang="pt-BR" dirty="0" err="1" smtClean="0"/>
+              <a:t>Mapskills</a:t>
+            </a:r>
+            <a:r>
+              <a:rPr lang="pt-BR" dirty="0" smtClean="0"/>
+              <a:t>-</a:t>
+            </a:r>
+            <a:r>
+              <a:rPr lang="pt-BR" dirty="0" err="1" smtClean="0"/>
+              <a:t>App</a:t>
+            </a:r>
+            <a:r>
+              <a:rPr lang="pt-BR" dirty="0" smtClean="0"/>
+              <a:t> e </a:t>
+            </a:r>
+            <a:r>
+              <a:rPr lang="pt-BR" dirty="0" err="1" smtClean="0"/>
+              <a:t>Mapskills</a:t>
+            </a:r>
+            <a:r>
+              <a:rPr lang="pt-BR" dirty="0" smtClean="0"/>
+              <a:t>-Front</a:t>
+            </a:r>
+            <a:r>
+              <a:rPr lang="pt-BR" dirty="0" smtClean="0"/>
+              <a:t>.</a:t>
+            </a:r>
+          </a:p>
+          <a:p>
+            <a:r>
+              <a:rPr lang="pt-BR" dirty="0" smtClean="0"/>
+              <a:t>Ele </a:t>
+            </a:r>
+            <a:r>
+              <a:rPr lang="pt-BR" dirty="0"/>
+              <a:t>copiar o arquivo .</a:t>
             </a:r>
             <a:r>
               <a:rPr lang="pt-BR" dirty="0" err="1"/>
@@ -12756,17 +12828,177 @@
             </a:r>
             <a:r>
               <a:rPr lang="pt-BR" dirty="0"/>
-              <a:t>, para que seja disponibilizado posteriormente.</a:t>
-            </a:r>
-          </a:p>
-          <a:p>
-            <a:pPr marL="0" indent="0">
+              <a:t> da pasta </a:t>
+            </a:r>
+            <a:r>
+              <a:rPr lang="pt-BR" dirty="0" smtClean="0"/>
+              <a:t>Target do Container </a:t>
+            </a:r>
+            <a:r>
+              <a:rPr lang="pt-BR" dirty="0" err="1" smtClean="0"/>
+              <a:t>Jenkisn</a:t>
+            </a:r>
+            <a:r>
+              <a:rPr lang="pt-BR" dirty="0" smtClean="0"/>
+              <a:t> </a:t>
+            </a:r>
+            <a:r>
+              <a:rPr lang="pt-BR" dirty="0"/>
+              <a:t>para o volume </a:t>
+            </a:r>
+            <a:r>
+              <a:rPr lang="pt-BR" dirty="0" err="1" smtClean="0"/>
+              <a:t>Docker</a:t>
+            </a:r>
+            <a:r>
+              <a:rPr lang="pt-BR" dirty="0" smtClean="0"/>
+              <a:t> </a:t>
+            </a:r>
+            <a:r>
+              <a:rPr lang="pt-BR" dirty="0" err="1" smtClean="0"/>
+              <a:t>Mapskills-back</a:t>
+            </a:r>
+            <a:r>
+              <a:rPr lang="pt-BR" dirty="0" smtClean="0"/>
+              <a:t> e </a:t>
+            </a:r>
+            <a:r>
+              <a:rPr lang="pt-BR" dirty="0" err="1" smtClean="0"/>
+              <a:t>Mapskills</a:t>
+            </a:r>
+            <a:r>
+              <a:rPr lang="pt-BR" dirty="0" smtClean="0"/>
+              <a:t>-front</a:t>
+            </a:r>
+            <a:r>
+              <a:rPr lang="pt-BR" i="1" dirty="0" smtClean="0"/>
+              <a:t>.</a:t>
+            </a:r>
+            <a:endParaRPr lang="pt-BR" i="1" dirty="0"/>
+          </a:p>
+          <a:p>
+            <a:pPr marL="0" indent="0" algn="ctr" hangingPunct="0">
               <a:buNone/>
             </a:pPr>
-            <a:endParaRPr lang="pt-BR" dirty="0"/>
-          </a:p>
-          <a:p>
-            <a:pPr marL="0" indent="0" algn="ctr">
+            <a:endParaRPr lang="en-US" dirty="0" smtClean="0">
+              <a:latin typeface="Courier New" panose="02070309020205020404" pitchFamily="49" charset="0"/>
+              <a:cs typeface="Courier New" panose="02070309020205020404" pitchFamily="49" charset="0"/>
+            </a:endParaRPr>
+          </a:p>
+          <a:p>
+            <a:pPr marL="0" indent="0" algn="ctr" hangingPunct="0">
+              <a:buNone/>
+            </a:pPr>
+            <a:r>
+              <a:rPr lang="en-US" dirty="0" err="1" smtClean="0">
+                <a:latin typeface="Courier New" panose="02070309020205020404" pitchFamily="49" charset="0"/>
+                <a:cs typeface="Courier New" panose="02070309020205020404" pitchFamily="49" charset="0"/>
+              </a:rPr>
+              <a:t>sudo</a:t>
+            </a:r>
+            <a:r>
+              <a:rPr lang="en-US" dirty="0" smtClean="0">
+                <a:latin typeface="Courier New" panose="02070309020205020404" pitchFamily="49" charset="0"/>
+                <a:cs typeface="Courier New" panose="02070309020205020404" pitchFamily="49" charset="0"/>
+              </a:rPr>
+              <a:t> </a:t>
+            </a:r>
+            <a:r>
+              <a:rPr lang="en-US" dirty="0" err="1">
+                <a:latin typeface="Courier New" panose="02070309020205020404" pitchFamily="49" charset="0"/>
+                <a:cs typeface="Courier New" panose="02070309020205020404" pitchFamily="49" charset="0"/>
+              </a:rPr>
+              <a:t>cp</a:t>
+            </a:r>
+            <a:r>
+              <a:rPr lang="en-US" dirty="0">
+                <a:latin typeface="Courier New" panose="02070309020205020404" pitchFamily="49" charset="0"/>
+                <a:cs typeface="Courier New" panose="02070309020205020404" pitchFamily="49" charset="0"/>
+              </a:rPr>
+              <a:t> /</a:t>
+            </a:r>
+            <a:r>
+              <a:rPr lang="en-US" dirty="0" err="1">
+                <a:latin typeface="Courier New" panose="02070309020205020404" pitchFamily="49" charset="0"/>
+                <a:cs typeface="Courier New" panose="02070309020205020404" pitchFamily="49" charset="0"/>
+              </a:rPr>
+              <a:t>var</a:t>
+            </a:r>
+            <a:r>
+              <a:rPr lang="en-US" dirty="0">
+                <a:latin typeface="Courier New" panose="02070309020205020404" pitchFamily="49" charset="0"/>
+                <a:cs typeface="Courier New" panose="02070309020205020404" pitchFamily="49" charset="0"/>
+              </a:rPr>
+              <a:t>/</a:t>
+            </a:r>
+            <a:r>
+              <a:rPr lang="en-US" dirty="0" err="1">
+                <a:latin typeface="Courier New" panose="02070309020205020404" pitchFamily="49" charset="0"/>
+                <a:cs typeface="Courier New" panose="02070309020205020404" pitchFamily="49" charset="0"/>
+              </a:rPr>
+              <a:t>jenkins_home</a:t>
+            </a:r>
+            <a:r>
+              <a:rPr lang="en-US" dirty="0">
+                <a:latin typeface="Courier New" panose="02070309020205020404" pitchFamily="49" charset="0"/>
+                <a:cs typeface="Courier New" panose="02070309020205020404" pitchFamily="49" charset="0"/>
+              </a:rPr>
+              <a:t>/workspace/Build-</a:t>
+            </a:r>
+            <a:r>
+              <a:rPr lang="en-US" dirty="0" err="1">
+                <a:latin typeface="Courier New" panose="02070309020205020404" pitchFamily="49" charset="0"/>
+                <a:cs typeface="Courier New" panose="02070309020205020404" pitchFamily="49" charset="0"/>
+              </a:rPr>
+              <a:t>Mapskills</a:t>
+            </a:r>
+            <a:r>
+              <a:rPr lang="en-US" dirty="0">
+                <a:latin typeface="Courier New" panose="02070309020205020404" pitchFamily="49" charset="0"/>
+                <a:cs typeface="Courier New" panose="02070309020205020404" pitchFamily="49" charset="0"/>
+              </a:rPr>
+              <a:t>-Back/target/</a:t>
+            </a:r>
+            <a:r>
+              <a:rPr lang="en-US" dirty="0" err="1">
+                <a:latin typeface="Courier New" panose="02070309020205020404" pitchFamily="49" charset="0"/>
+                <a:cs typeface="Courier New" panose="02070309020205020404" pitchFamily="49" charset="0"/>
+              </a:rPr>
+              <a:t>mapskills.war</a:t>
+            </a:r>
+            <a:r>
+              <a:rPr lang="en-US" dirty="0">
+                <a:latin typeface="Courier New" panose="02070309020205020404" pitchFamily="49" charset="0"/>
+                <a:cs typeface="Courier New" panose="02070309020205020404" pitchFamily="49" charset="0"/>
+              </a:rPr>
+              <a:t> /</a:t>
+            </a:r>
+            <a:r>
+              <a:rPr lang="en-US" dirty="0" err="1">
+                <a:latin typeface="Courier New" panose="02070309020205020404" pitchFamily="49" charset="0"/>
+                <a:cs typeface="Courier New" panose="02070309020205020404" pitchFamily="49" charset="0"/>
+              </a:rPr>
+              <a:t>mapskills</a:t>
+            </a:r>
+            <a:r>
+              <a:rPr lang="en-US" dirty="0">
+                <a:latin typeface="Courier New" panose="02070309020205020404" pitchFamily="49" charset="0"/>
+                <a:cs typeface="Courier New" panose="02070309020205020404" pitchFamily="49" charset="0"/>
+              </a:rPr>
+              <a:t>/back</a:t>
+            </a:r>
+          </a:p>
+          <a:p>
+            <a:pPr marL="0" indent="0" algn="ctr" hangingPunct="0">
+              <a:buNone/>
+            </a:pPr>
+            <a:endParaRPr lang="pt-BR" dirty="0" smtClean="0">
+              <a:latin typeface="Courier New" panose="02070309020205020404" pitchFamily="49" charset="0"/>
+              <a:cs typeface="Courier New" panose="02070309020205020404" pitchFamily="49" charset="0"/>
+            </a:endParaRPr>
+          </a:p>
+          <a:p>
+            <a:pPr marL="0" indent="0" algn="ctr" hangingPunct="0">
               <a:buNone/>
             </a:pPr>
             <a:r>
@@ -12774,21 +13006,7 @@
                 <a:latin typeface="Courier New" panose="02070309020205020404" pitchFamily="49" charset="0"/>
                 <a:cs typeface="Courier New" panose="02070309020205020404" pitchFamily="49" charset="0"/>
               </a:rPr>
-              <a:t>mvn</a:t>
-            </a:r>
-            <a:r>
-              <a:rPr lang="pt-BR" dirty="0">
-                <a:latin typeface="Courier New" panose="02070309020205020404" pitchFamily="49" charset="0"/>
-                <a:cs typeface="Courier New" panose="02070309020205020404" pitchFamily="49" charset="0"/>
-              </a:rPr>
-              <a:t> clean </a:t>
-            </a:r>
-            <a:r>
-              <a:rPr lang="pt-BR" dirty="0" err="1">
-                <a:latin typeface="Courier New" panose="02070309020205020404" pitchFamily="49" charset="0"/>
-                <a:cs typeface="Courier New" panose="02070309020205020404" pitchFamily="49" charset="0"/>
-              </a:rPr>
-              <a:t>install</a:t>
+              <a:t>sudo</a:t>
             </a:r>
             <a:r>
               <a:rPr lang="pt-BR" dirty="0">
@@ -12797,9 +13015,122 @@
               </a:rPr>
               <a:t> </a:t>
             </a:r>
-          </a:p>
-          <a:p>
-            <a:endParaRPr lang="pt-BR" dirty="0"/>
+            <a:r>
+              <a:rPr lang="pt-BR" dirty="0" err="1">
+                <a:latin typeface="Courier New" panose="02070309020205020404" pitchFamily="49" charset="0"/>
+                <a:cs typeface="Courier New" panose="02070309020205020404" pitchFamily="49" charset="0"/>
+              </a:rPr>
+              <a:t>cp</a:t>
+            </a:r>
+            <a:r>
+              <a:rPr lang="pt-BR" dirty="0">
+                <a:latin typeface="Courier New" panose="02070309020205020404" pitchFamily="49" charset="0"/>
+                <a:cs typeface="Courier New" panose="02070309020205020404" pitchFamily="49" charset="0"/>
+              </a:rPr>
+              <a:t> /var/</a:t>
+            </a:r>
+            <a:r>
+              <a:rPr lang="pt-BR" dirty="0" err="1">
+                <a:latin typeface="Courier New" panose="02070309020205020404" pitchFamily="49" charset="0"/>
+                <a:cs typeface="Courier New" panose="02070309020205020404" pitchFamily="49" charset="0"/>
+              </a:rPr>
+              <a:t>jenkins_home</a:t>
+            </a:r>
+            <a:r>
+              <a:rPr lang="pt-BR" dirty="0">
+                <a:latin typeface="Courier New" panose="02070309020205020404" pitchFamily="49" charset="0"/>
+                <a:cs typeface="Courier New" panose="02070309020205020404" pitchFamily="49" charset="0"/>
+              </a:rPr>
+              <a:t>/</a:t>
+            </a:r>
+            <a:r>
+              <a:rPr lang="pt-BR" dirty="0" err="1">
+                <a:latin typeface="Courier New" panose="02070309020205020404" pitchFamily="49" charset="0"/>
+                <a:cs typeface="Courier New" panose="02070309020205020404" pitchFamily="49" charset="0"/>
+              </a:rPr>
+              <a:t>workspace</a:t>
+            </a:r>
+            <a:r>
+              <a:rPr lang="pt-BR" dirty="0">
+                <a:latin typeface="Courier New" panose="02070309020205020404" pitchFamily="49" charset="0"/>
+                <a:cs typeface="Courier New" panose="02070309020205020404" pitchFamily="49" charset="0"/>
+              </a:rPr>
+              <a:t>/Build-</a:t>
+            </a:r>
+            <a:r>
+              <a:rPr lang="pt-BR" dirty="0" err="1">
+                <a:latin typeface="Courier New" panose="02070309020205020404" pitchFamily="49" charset="0"/>
+                <a:cs typeface="Courier New" panose="02070309020205020404" pitchFamily="49" charset="0"/>
+              </a:rPr>
+              <a:t>Mapskills</a:t>
+            </a:r>
+            <a:r>
+              <a:rPr lang="pt-BR" dirty="0">
+                <a:latin typeface="Courier New" panose="02070309020205020404" pitchFamily="49" charset="0"/>
+                <a:cs typeface="Courier New" panose="02070309020205020404" pitchFamily="49" charset="0"/>
+              </a:rPr>
+              <a:t>-Front/</a:t>
+            </a:r>
+            <a:r>
+              <a:rPr lang="pt-BR" dirty="0" err="1">
+                <a:latin typeface="Courier New" panose="02070309020205020404" pitchFamily="49" charset="0"/>
+                <a:cs typeface="Courier New" panose="02070309020205020404" pitchFamily="49" charset="0"/>
+              </a:rPr>
+              <a:t>mapskills</a:t>
+            </a:r>
+            <a:r>
+              <a:rPr lang="pt-BR" dirty="0">
+                <a:latin typeface="Courier New" panose="02070309020205020404" pitchFamily="49" charset="0"/>
+                <a:cs typeface="Courier New" panose="02070309020205020404" pitchFamily="49" charset="0"/>
+              </a:rPr>
+              <a:t>-web/</a:t>
+            </a:r>
+            <a:r>
+              <a:rPr lang="pt-BR" dirty="0" err="1">
+                <a:latin typeface="Courier New" panose="02070309020205020404" pitchFamily="49" charset="0"/>
+                <a:cs typeface="Courier New" panose="02070309020205020404" pitchFamily="49" charset="0"/>
+              </a:rPr>
+              <a:t>target</a:t>
+            </a:r>
+            <a:r>
+              <a:rPr lang="pt-BR" dirty="0">
+                <a:latin typeface="Courier New" panose="02070309020205020404" pitchFamily="49" charset="0"/>
+                <a:cs typeface="Courier New" panose="02070309020205020404" pitchFamily="49" charset="0"/>
+              </a:rPr>
+              <a:t>/</a:t>
+            </a:r>
+            <a:r>
+              <a:rPr lang="pt-BR" dirty="0" err="1">
+                <a:latin typeface="Courier New" panose="02070309020205020404" pitchFamily="49" charset="0"/>
+                <a:cs typeface="Courier New" panose="02070309020205020404" pitchFamily="49" charset="0"/>
+              </a:rPr>
+              <a:t>mapskills-web.war</a:t>
+            </a:r>
+            <a:r>
+              <a:rPr lang="pt-BR" dirty="0">
+                <a:latin typeface="Courier New" panose="02070309020205020404" pitchFamily="49" charset="0"/>
+                <a:cs typeface="Courier New" panose="02070309020205020404" pitchFamily="49" charset="0"/>
+              </a:rPr>
+              <a:t> /</a:t>
+            </a:r>
+            <a:r>
+              <a:rPr lang="pt-BR" dirty="0" err="1">
+                <a:latin typeface="Courier New" panose="02070309020205020404" pitchFamily="49" charset="0"/>
+                <a:cs typeface="Courier New" panose="02070309020205020404" pitchFamily="49" charset="0"/>
+              </a:rPr>
+              <a:t>mapskills</a:t>
+            </a:r>
+            <a:r>
+              <a:rPr lang="pt-BR" dirty="0">
+                <a:latin typeface="Courier New" panose="02070309020205020404" pitchFamily="49" charset="0"/>
+                <a:cs typeface="Courier New" panose="02070309020205020404" pitchFamily="49" charset="0"/>
+              </a:rPr>
+              <a:t>/front</a:t>
+            </a:r>
+            <a:endParaRPr lang="pt-BR" dirty="0">
+              <a:latin typeface="Courier New" panose="02070309020205020404" pitchFamily="49" charset="0"/>
+              <a:cs typeface="Courier New" panose="02070309020205020404" pitchFamily="49" charset="0"/>
+            </a:endParaRPr>
           </a:p>
         </p:txBody>
       </p:sp>
@@ -12838,7 +13169,7 @@
     </p:spTree>
     <p:extLst>
       <p:ext uri="{BB962C8B-B14F-4D97-AF65-F5344CB8AC3E}">
-        <p14:creationId xmlns:p14="http://schemas.microsoft.com/office/powerpoint/2010/main" val="575999161"/>
+        <p14:creationId xmlns:p14="http://schemas.microsoft.com/office/powerpoint/2010/main" val="1070249952"/>
       </p:ext>
     </p:extLst>
   </p:cSld>
@@ -12890,107 +13221,83 @@
             </a:r>
             <a:r>
               <a:rPr lang="pt-BR" dirty="0" err="1"/>
-              <a:t>Copy</a:t>
+              <a:t>Deploy</a:t>
             </a:r>
             <a:r>
               <a:rPr lang="pt-BR" dirty="0"/>
               <a:t> </a:t>
-            </a:r>
-            <a:r>
-              <a:rPr lang="pt-BR" dirty="0" err="1"/>
-              <a:t>Artifact</a:t>
-            </a:r>
-            <a:r>
-              <a:rPr lang="pt-BR" dirty="0"/>
-              <a:t> </a:t>
-            </a:r>
-            <a:r>
-              <a:rPr lang="pt-BR" dirty="0" err="1"/>
-              <a:t>Mapskills-app</a:t>
-            </a:r>
-            <a:r>
-              <a:rPr lang="pt-BR" dirty="0"/>
-              <a:t> e Front</a:t>
-            </a:r>
-          </a:p>
-        </p:txBody>
-      </p:sp>
-      <p:sp>
-        <p:nvSpPr>
-          <p:cNvPr id="3" name="Espaço Reservado para Conteúdo 2"/>
-          <p:cNvSpPr>
-            <a:spLocks noGrp="1"/>
-          </p:cNvSpPr>
-          <p:nvPr>
-            <p:ph idx="1"/>
-          </p:nvPr>
-        </p:nvSpPr>
-        <p:spPr/>
-        <p:txBody>
-          <a:bodyPr>
-            <a:normAutofit/>
-          </a:bodyPr>
-          <a:lstStyle/>
-          <a:p>
-            <a:r>
-              <a:rPr lang="pt-BR" dirty="0"/>
-              <a:t>Este </a:t>
-            </a:r>
-            <a:r>
-              <a:rPr lang="pt-BR" dirty="0" err="1"/>
-              <a:t>job</a:t>
-            </a:r>
-            <a:r>
-              <a:rPr lang="pt-BR" dirty="0"/>
-              <a:t> depende de que o Build-</a:t>
             </a:r>
             <a:r>
               <a:rPr lang="pt-BR" dirty="0" err="1"/>
               <a:t>Mapskills</a:t>
             </a:r>
-            <a:r>
-              <a:rPr lang="pt-BR" dirty="0"/>
-              <a:t>-</a:t>
+            <a:endParaRPr lang="pt-BR" dirty="0"/>
+          </a:p>
+        </p:txBody>
+      </p:sp>
+      <p:sp>
+        <p:nvSpPr>
+          <p:cNvPr id="3" name="Espaço Reservado para Conteúdo 2"/>
+          <p:cNvSpPr>
+            <a:spLocks noGrp="1"/>
+          </p:cNvSpPr>
+          <p:nvPr>
+            <p:ph idx="1"/>
+          </p:nvPr>
+        </p:nvSpPr>
+        <p:spPr>
+          <a:xfrm>
+            <a:off x="680321" y="2336873"/>
+            <a:ext cx="10893370" cy="3599316"/>
+          </a:xfrm>
+        </p:spPr>
+        <p:txBody>
+          <a:bodyPr/>
+          <a:lstStyle/>
+          <a:p>
+            <a:pPr hangingPunct="0"/>
+            <a:r>
+              <a:rPr lang="pt-BR" dirty="0" err="1" smtClean="0"/>
+              <a:t>Reponsável</a:t>
+            </a:r>
+            <a:r>
+              <a:rPr lang="pt-BR" dirty="0" smtClean="0"/>
+              <a:t> por </a:t>
+            </a:r>
+            <a:r>
+              <a:rPr lang="pt-BR" dirty="0"/>
+              <a:t>disponibilizar os projetos de </a:t>
+            </a:r>
+            <a:r>
+              <a:rPr lang="pt-BR" i="1" dirty="0"/>
+              <a:t>front</a:t>
+            </a:r>
+            <a:r>
+              <a:rPr lang="pt-BR" dirty="0"/>
+              <a:t> e </a:t>
+            </a:r>
+            <a:r>
+              <a:rPr lang="pt-BR" i="1" dirty="0" err="1"/>
+              <a:t>back-end</a:t>
+            </a:r>
+            <a:r>
+              <a:rPr lang="pt-BR" dirty="0"/>
+              <a:t> em produção. Para que seja esteja em produção, é executado o arquivo “</a:t>
             </a:r>
             <a:r>
               <a:rPr lang="pt-BR" dirty="0" err="1"/>
-              <a:t>App</a:t>
-            </a:r>
-            <a:r>
-              <a:rPr lang="pt-BR" dirty="0"/>
-              <a:t> tenha sido finalizado com sucesso. </a:t>
-            </a:r>
-          </a:p>
-          <a:p>
-            <a:r>
-              <a:rPr lang="pt-BR" dirty="0"/>
-              <a:t>Ele copiar o arquivo .</a:t>
-            </a:r>
-            <a:r>
-              <a:rPr lang="pt-BR" dirty="0" err="1"/>
-              <a:t>war</a:t>
-            </a:r>
-            <a:r>
-              <a:rPr lang="pt-BR" dirty="0"/>
-              <a:t> da pasta Target para o volume </a:t>
-            </a:r>
-            <a:r>
-              <a:rPr lang="pt-BR" dirty="0" err="1"/>
-              <a:t>Docker</a:t>
-            </a:r>
-            <a:r>
-              <a:rPr lang="pt-BR" i="1" dirty="0"/>
-              <a:t>.</a:t>
-            </a:r>
-          </a:p>
-          <a:p>
-            <a:pPr marL="0" indent="0" algn="ctr" hangingPunct="0">
+              <a:t>docker-compose.yml</a:t>
+            </a:r>
+            <a:r>
+              <a:rPr lang="pt-BR" dirty="0"/>
+              <a:t>”.</a:t>
+            </a:r>
+          </a:p>
+          <a:p>
+            <a:pPr marL="0" indent="0" hangingPunct="0">
               <a:buNone/>
             </a:pPr>
-            <a:endParaRPr lang="en-US" dirty="0">
-              <a:latin typeface="Courier New" panose="02070309020205020404" pitchFamily="49" charset="0"/>
-              <a:cs typeface="Courier New" panose="02070309020205020404" pitchFamily="49" charset="0"/>
-            </a:endParaRPr>
+            <a:endParaRPr lang="en-US" dirty="0"/>
           </a:p>
           <a:p>
             <a:pPr marL="0" indent="0" algn="ctr" hangingPunct="0">
@@ -13015,21 +13322,21 @@
                 <a:latin typeface="Courier New" panose="02070309020205020404" pitchFamily="49" charset="0"/>
                 <a:cs typeface="Courier New" panose="02070309020205020404" pitchFamily="49" charset="0"/>
               </a:rPr>
-              <a:t>cp</a:t>
+              <a:t>docker</a:t>
             </a:r>
             <a:r>
               <a:rPr lang="en-US" dirty="0">
                 <a:latin typeface="Courier New" panose="02070309020205020404" pitchFamily="49" charset="0"/>
                 <a:cs typeface="Courier New" panose="02070309020205020404" pitchFamily="49" charset="0"/>
               </a:rPr>
-              <a:t> /</a:t>
+              <a:t>-compose -f /</a:t>
             </a:r>
             <a:r>
               <a:rPr lang="en-US" dirty="0" err="1">
                 <a:latin typeface="Courier New" panose="02070309020205020404" pitchFamily="49" charset="0"/>
                 <a:cs typeface="Courier New" panose="02070309020205020404" pitchFamily="49" charset="0"/>
               </a:rPr>
-              <a:t>var</a:t>
+              <a:t>mapskills</a:t>
             </a:r>
             <a:r>
               <a:rPr lang="en-US" dirty="0">
@@ -13043,67 +13350,23 @@
                 <a:latin typeface="Courier New" panose="02070309020205020404" pitchFamily="49" charset="0"/>
                 <a:cs typeface="Courier New" panose="02070309020205020404" pitchFamily="49" charset="0"/>
               </a:rPr>
-              <a:t>jenkins_home</a:t>
+              <a:t>docker-compose.yml</a:t>
             </a:r>
             <a:r>
               <a:rPr lang="en-US" dirty="0">
                 <a:latin typeface="Courier New" panose="02070309020205020404" pitchFamily="49" charset="0"/>
                 <a:cs typeface="Courier New" panose="02070309020205020404" pitchFamily="49" charset="0"/>
               </a:rPr>
-              <a:t>/workspace/Build-</a:t>
-            </a:r>
-            <a:r>
-              <a:rPr lang="en-US" dirty="0" err="1">
-                <a:latin typeface="Courier New" panose="02070309020205020404" pitchFamily="49" charset="0"/>
-                <a:cs typeface="Courier New" panose="02070309020205020404" pitchFamily="49" charset="0"/>
-              </a:rPr>
-              <a:t>Mapskills</a:t>
-            </a:r>
-            <a:r>
-              <a:rPr lang="en-US" dirty="0">
-                <a:latin typeface="Courier New" panose="02070309020205020404" pitchFamily="49" charset="0"/>
-                <a:cs typeface="Courier New" panose="02070309020205020404" pitchFamily="49" charset="0"/>
-              </a:rPr>
-              <a:t>-Back/target/</a:t>
-            </a:r>
-            <a:r>
-              <a:rPr lang="en-US" dirty="0" err="1">
-                <a:latin typeface="Courier New" panose="02070309020205020404" pitchFamily="49" charset="0"/>
-                <a:cs typeface="Courier New" panose="02070309020205020404" pitchFamily="49" charset="0"/>
-              </a:rPr>
-              <a:t>mapskills.war</a:t>
-            </a:r>
-            <a:r>
-              <a:rPr lang="en-US" dirty="0">
-                <a:latin typeface="Courier New" panose="02070309020205020404" pitchFamily="49" charset="0"/>
-                <a:cs typeface="Courier New" panose="02070309020205020404" pitchFamily="49" charset="0"/>
-              </a:rPr>
-              <a:t> /</a:t>
-            </a:r>
-            <a:r>
-              <a:rPr lang="en-US" dirty="0" err="1">
-                <a:latin typeface="Courier New" panose="02070309020205020404" pitchFamily="49" charset="0"/>
-                <a:cs typeface="Courier New" panose="02070309020205020404" pitchFamily="49" charset="0"/>
-              </a:rPr>
-              <a:t>mapskills</a:t>
-            </a:r>
-            <a:r>
-              <a:rPr lang="en-US" dirty="0">
-                <a:latin typeface="Courier New" panose="02070309020205020404" pitchFamily="49" charset="0"/>
-                <a:cs typeface="Courier New" panose="02070309020205020404" pitchFamily="49" charset="0"/>
-              </a:rPr>
-              <a:t>/back</a:t>
-            </a:r>
-          </a:p>
-          <a:p>
-            <a:pPr marL="0" indent="0" algn="ctr" hangingPunct="0">
-              <a:buNone/>
-            </a:pPr>
+              <a:t> up -d</a:t>
+            </a:r>
             <a:endParaRPr lang="pt-BR" dirty="0">
               <a:latin typeface="Courier New" panose="02070309020205020404" pitchFamily="49" charset="0"/>
               <a:cs typeface="Courier New" panose="02070309020205020404" pitchFamily="49" charset="0"/>
             </a:endParaRPr>
           </a:p>
+          <a:p>
+            <a:endParaRPr lang="pt-BR" dirty="0"/>
+          </a:p>
         </p:txBody>
       </p:sp>
       <p:sp>
@@ -13141,7 +13404,7 @@
     </p:spTree>
     <p:extLst>
       <p:ext uri="{BB962C8B-B14F-4D97-AF65-F5344CB8AC3E}">
-        <p14:creationId xmlns:p14="http://schemas.microsoft.com/office/powerpoint/2010/main" val="1070249952"/>
+        <p14:creationId xmlns:p14="http://schemas.microsoft.com/office/powerpoint/2010/main" val="2729253744"/>
       </p:ext>
     </p:extLst>
   </p:cSld>
@@ -13175,7 +13438,7 @@
             <a:spLocks noGrp="1"/>
           </p:cNvSpPr>
           <p:nvPr>
-            <p:ph type="title"/>
+            <p:ph type="ctrTitle"/>
           </p:nvPr>
         </p:nvSpPr>
         <p:spPr/>
@@ -13184,207 +13447,35 @@
           <a:lstStyle/>
           <a:p>
             <a:r>
-              <a:rPr lang="pt-BR" dirty="0" err="1"/>
-              <a:t>Job</a:t>
-            </a:r>
-            <a:r>
-              <a:rPr lang="pt-BR" dirty="0"/>
-              <a:t> – </a:t>
-            </a:r>
-            <a:r>
-              <a:rPr lang="pt-BR" dirty="0" err="1"/>
-              <a:t>Deploy</a:t>
-            </a:r>
-            <a:r>
-              <a:rPr lang="pt-BR" dirty="0"/>
-              <a:t> </a:t>
-            </a:r>
-            <a:r>
-              <a:rPr lang="pt-BR" dirty="0" err="1"/>
-              <a:t>Mapskills</a:t>
-            </a:r>
-            <a:endParaRPr lang="pt-BR" dirty="0"/>
-          </a:p>
-        </p:txBody>
-      </p:sp>
-      <p:sp>
-        <p:nvSpPr>
-          <p:cNvPr id="3" name="Espaço Reservado para Conteúdo 2"/>
-          <p:cNvSpPr>
-            <a:spLocks noGrp="1"/>
-          </p:cNvSpPr>
-          <p:nvPr>
-            <p:ph idx="1"/>
-          </p:nvPr>
-        </p:nvSpPr>
-        <p:spPr>
-          <a:xfrm>
-            <a:off x="680321" y="2336873"/>
-            <a:ext cx="10893370" cy="3599316"/>
-          </a:xfrm>
-        </p:spPr>
+              <a:rPr lang="pt-BR" dirty="0"/>
+              <a:t>Resultados</a:t>
+            </a:r>
+          </a:p>
+        </p:txBody>
+      </p:sp>
+      <p:sp>
+        <p:nvSpPr>
+          <p:cNvPr id="3" name="Subtítulo 2"/>
+          <p:cNvSpPr>
+            <a:spLocks noGrp="1"/>
+          </p:cNvSpPr>
+          <p:nvPr>
+            <p:ph type="subTitle" idx="1"/>
+          </p:nvPr>
+        </p:nvSpPr>
+        <p:spPr/>
         <p:txBody>
           <a:bodyPr/>
           <a:lstStyle/>
           <a:p>
-            <a:pPr hangingPunct="0"/>
-            <a:r>
-              <a:rPr lang="pt-BR" dirty="0"/>
-              <a:t>O trabalho </a:t>
-            </a:r>
-            <a:r>
-              <a:rPr lang="pt-BR" dirty="0" err="1"/>
-              <a:t>Deploy</a:t>
-            </a:r>
-            <a:r>
-              <a:rPr lang="pt-BR" dirty="0"/>
-              <a:t> </a:t>
-            </a:r>
-            <a:r>
-              <a:rPr lang="pt-BR" dirty="0" err="1"/>
-              <a:t>Mapskills</a:t>
-            </a:r>
-            <a:r>
-              <a:rPr lang="pt-BR" dirty="0"/>
-              <a:t> é responsável por disponibilizar os projetos de </a:t>
-            </a:r>
-            <a:r>
-              <a:rPr lang="pt-BR" i="1" dirty="0"/>
-              <a:t>front</a:t>
-            </a:r>
-            <a:r>
-              <a:rPr lang="pt-BR" dirty="0"/>
-              <a:t> e </a:t>
-            </a:r>
-            <a:r>
-              <a:rPr lang="pt-BR" i="1" dirty="0" err="1"/>
-              <a:t>back-end</a:t>
-            </a:r>
-            <a:r>
-              <a:rPr lang="pt-BR" dirty="0"/>
-              <a:t> em produção. Para que seja esteja em produção, é executado o arquivo “</a:t>
-            </a:r>
-            <a:r>
-              <a:rPr lang="pt-BR" dirty="0" err="1"/>
-              <a:t>docker-compose.yml</a:t>
-            </a:r>
-            <a:r>
-              <a:rPr lang="pt-BR" dirty="0"/>
-              <a:t>”.</a:t>
-            </a:r>
-          </a:p>
-          <a:p>
-            <a:pPr marL="0" indent="0" hangingPunct="0">
-              <a:buNone/>
-            </a:pPr>
-            <a:endParaRPr lang="en-US" dirty="0"/>
-          </a:p>
-          <a:p>
-            <a:pPr marL="0" indent="0" algn="ctr" hangingPunct="0">
-              <a:buNone/>
-            </a:pPr>
-            <a:r>
-              <a:rPr lang="en-US" dirty="0" err="1">
-                <a:latin typeface="Courier New" panose="02070309020205020404" pitchFamily="49" charset="0"/>
-                <a:cs typeface="Courier New" panose="02070309020205020404" pitchFamily="49" charset="0"/>
-              </a:rPr>
-              <a:t>sudo</a:t>
-            </a:r>
-            <a:r>
-              <a:rPr lang="en-US" dirty="0">
-                <a:latin typeface="Courier New" panose="02070309020205020404" pitchFamily="49" charset="0"/>
-                <a:cs typeface="Courier New" panose="02070309020205020404" pitchFamily="49" charset="0"/>
-              </a:rPr>
-              <a:t> </a:t>
-            </a:r>
-            <a:r>
-              <a:rPr lang="en-US" dirty="0" err="1">
-                <a:latin typeface="Courier New" panose="02070309020205020404" pitchFamily="49" charset="0"/>
-                <a:cs typeface="Courier New" panose="02070309020205020404" pitchFamily="49" charset="0"/>
-              </a:rPr>
-              <a:t>docker</a:t>
-            </a:r>
-            <a:r>
-              <a:rPr lang="en-US" dirty="0">
-                <a:latin typeface="Courier New" panose="02070309020205020404" pitchFamily="49" charset="0"/>
-                <a:cs typeface="Courier New" panose="02070309020205020404" pitchFamily="49" charset="0"/>
-              </a:rPr>
-              <a:t>-compose -f /</a:t>
-            </a:r>
-            <a:r>
-              <a:rPr lang="en-US" dirty="0" err="1">
-                <a:latin typeface="Courier New" panose="02070309020205020404" pitchFamily="49" charset="0"/>
-                <a:cs typeface="Courier New" panose="02070309020205020404" pitchFamily="49" charset="0"/>
-              </a:rPr>
-              <a:t>mapskills</a:t>
-            </a:r>
-            <a:r>
-              <a:rPr lang="en-US" dirty="0">
-                <a:latin typeface="Courier New" panose="02070309020205020404" pitchFamily="49" charset="0"/>
-                <a:cs typeface="Courier New" panose="02070309020205020404" pitchFamily="49" charset="0"/>
-              </a:rPr>
-              <a:t>/</a:t>
-            </a:r>
-            <a:r>
-              <a:rPr lang="en-US" dirty="0" err="1">
-                <a:latin typeface="Courier New" panose="02070309020205020404" pitchFamily="49" charset="0"/>
-                <a:cs typeface="Courier New" panose="02070309020205020404" pitchFamily="49" charset="0"/>
-              </a:rPr>
-              <a:t>docker-compose.yml</a:t>
-            </a:r>
-            <a:r>
-              <a:rPr lang="en-US" dirty="0">
-                <a:latin typeface="Courier New" panose="02070309020205020404" pitchFamily="49" charset="0"/>
-                <a:cs typeface="Courier New" panose="02070309020205020404" pitchFamily="49" charset="0"/>
-              </a:rPr>
-              <a:t> up -d</a:t>
-            </a:r>
-            <a:endParaRPr lang="pt-BR" dirty="0">
-              <a:latin typeface="Courier New" panose="02070309020205020404" pitchFamily="49" charset="0"/>
-              <a:cs typeface="Courier New" panose="02070309020205020404" pitchFamily="49" charset="0"/>
-            </a:endParaRPr>
-          </a:p>
-          <a:p>
-            <a:endParaRPr lang="pt-BR" dirty="0"/>
-          </a:p>
-        </p:txBody>
-      </p:sp>
-      <p:sp>
-        <p:nvSpPr>
-          <p:cNvPr id="4" name="Retângulo 3"/>
-          <p:cNvSpPr/>
-          <p:nvPr/>
-        </p:nvSpPr>
-        <p:spPr>
-          <a:xfrm>
-            <a:off x="680321" y="250521"/>
-            <a:ext cx="2231701" cy="369332"/>
-          </a:xfrm>
-          <a:prstGeom prst="rect">
-            <a:avLst/>
-          </a:prstGeom>
-        </p:spPr>
-        <p:txBody>
-          <a:bodyPr wrap="none">
-            <a:spAutoFit/>
-          </a:bodyPr>
-          <a:lstStyle/>
-          <a:p>
-            <a:pPr marL="285750" indent="-285750">
-              <a:buFont typeface="Arial" panose="020B0604020202020204" pitchFamily="34" charset="0"/>
-              <a:buChar char="•"/>
-            </a:pPr>
-            <a:r>
-              <a:rPr lang="pt-BR" dirty="0"/>
-              <a:t>Desenvolvimento</a:t>
-            </a:r>
+            <a:endParaRPr lang="pt-BR"/>
           </a:p>
         </p:txBody>
       </p:sp>
     </p:spTree>
     <p:extLst>
       <p:ext uri="{BB962C8B-B14F-4D97-AF65-F5344CB8AC3E}">
-        <p14:creationId xmlns:p14="http://schemas.microsoft.com/office/powerpoint/2010/main" val="2729253744"/>
+        <p14:creationId xmlns:p14="http://schemas.microsoft.com/office/powerpoint/2010/main" val="1979354097"/>
       </p:ext>
     </p:extLst>
   </p:cSld>
@@ -13418,7 +13509,7 @@
             <a:spLocks noGrp="1"/>
           </p:cNvSpPr>
           <p:nvPr>
-            <p:ph type="ctrTitle"/>
+            <p:ph type="title"/>
           </p:nvPr>
         </p:nvSpPr>
         <p:spPr/>
@@ -13428,34 +13519,93 @@
           <a:p>
             <a:r>
               <a:rPr lang="pt-BR" dirty="0"/>
+              <a:t>Escopo dos Resultados</a:t>
+            </a:r>
+          </a:p>
+        </p:txBody>
+      </p:sp>
+      <p:sp>
+        <p:nvSpPr>
+          <p:cNvPr id="3" name="Espaço Reservado para Conteúdo 2"/>
+          <p:cNvSpPr>
+            <a:spLocks noGrp="1"/>
+          </p:cNvSpPr>
+          <p:nvPr>
+            <p:ph idx="1"/>
+          </p:nvPr>
+        </p:nvSpPr>
+        <p:spPr/>
+        <p:txBody>
+          <a:bodyPr/>
+          <a:lstStyle/>
+          <a:p>
+            <a:r>
+              <a:rPr lang="pt-BR" dirty="0"/>
+              <a:t>Realizado com alunos da FATEC Prof. </a:t>
+            </a:r>
+            <a:r>
+              <a:rPr lang="pt-BR" dirty="0" err="1"/>
+              <a:t>Jessen</a:t>
+            </a:r>
+            <a:r>
+              <a:rPr lang="pt-BR" dirty="0"/>
+              <a:t> Vidal.</a:t>
+            </a:r>
+          </a:p>
+          <a:p>
+            <a:r>
+              <a:rPr lang="pt-BR" dirty="0"/>
+              <a:t>Entre os meses de março, abril e maio.</a:t>
+            </a:r>
+          </a:p>
+          <a:p>
+            <a:r>
+              <a:rPr lang="pt-BR" dirty="0"/>
+              <a:t>Testado por mais de </a:t>
+            </a:r>
+            <a:r>
+              <a:rPr lang="pt-BR" dirty="0" smtClean="0"/>
+              <a:t>250 alunos.</a:t>
+            </a:r>
+          </a:p>
+        </p:txBody>
+      </p:sp>
+      <p:sp>
+        <p:nvSpPr>
+          <p:cNvPr id="6" name="Retângulo 5"/>
+          <p:cNvSpPr/>
+          <p:nvPr/>
+        </p:nvSpPr>
+        <p:spPr>
+          <a:xfrm>
+            <a:off x="680321" y="250521"/>
+            <a:ext cx="1569917" cy="369332"/>
+          </a:xfrm>
+          <a:prstGeom prst="rect">
+            <a:avLst/>
+          </a:prstGeom>
+        </p:spPr>
+        <p:txBody>
+          <a:bodyPr wrap="none">
+            <a:spAutoFit/>
+          </a:bodyPr>
+          <a:lstStyle/>
+          <a:p>
+            <a:pPr marL="285750" indent="-285750">
+              <a:buFont typeface="Arial" panose="020B0604020202020204" pitchFamily="34" charset="0"/>
+              <a:buChar char="•"/>
+            </a:pPr>
+            <a:r>
+              <a:rPr lang="pt-BR" dirty="0"/>
               <a:t>Resultados</a:t>
             </a:r>
-          </a:p>
-        </p:txBody>
-      </p:sp>
-      <p:sp>
-        <p:nvSpPr>
-          <p:cNvPr id="3" name="Subtítulo 2"/>
-          <p:cNvSpPr>
-            <a:spLocks noGrp="1"/>
-          </p:cNvSpPr>
-          <p:nvPr>
-            <p:ph type="subTitle" idx="1"/>
-          </p:nvPr>
-        </p:nvSpPr>
-        <p:spPr/>
-        <p:txBody>
-          <a:bodyPr/>
-          <a:lstStyle/>
-          <a:p>
-            <a:endParaRPr lang="pt-BR"/>
           </a:p>
         </p:txBody>
       </p:sp>
     </p:spTree>
     <p:extLst>
       <p:ext uri="{BB962C8B-B14F-4D97-AF65-F5344CB8AC3E}">
-        <p14:creationId xmlns:p14="http://schemas.microsoft.com/office/powerpoint/2010/main" val="1979354097"/>
+        <p14:creationId xmlns:p14="http://schemas.microsoft.com/office/powerpoint/2010/main" val="1937326064"/>
       </p:ext>
     </p:extLst>
   </p:cSld>
@@ -13499,7 +13649,7 @@
           <a:p>
             <a:r>
               <a:rPr lang="pt-BR" dirty="0"/>
-              <a:t>Escopo dos Resultados</a:t>
+              <a:t>Experimento 1</a:t>
             </a:r>
           </a:p>
         </p:txBody>
@@ -13516,39 +13666,93 @@
         </p:nvSpPr>
         <p:spPr/>
         <p:txBody>
-          <a:bodyPr/>
-          <a:lstStyle/>
-          <a:p>
-            <a:r>
-              <a:rPr lang="pt-BR" dirty="0"/>
-              <a:t>Realizado com alunos da FATEC Prof. </a:t>
+          <a:bodyPr>
+            <a:normAutofit fontScale="92500"/>
+          </a:bodyPr>
+          <a:lstStyle/>
+          <a:p>
+            <a:r>
+              <a:rPr lang="pt-BR" dirty="0"/>
+              <a:t>Rede Interna</a:t>
+            </a:r>
+          </a:p>
+          <a:p>
+            <a:r>
+              <a:rPr lang="pt-BR" dirty="0"/>
+              <a:t>Data: 08 de março de 2017</a:t>
+            </a:r>
+          </a:p>
+          <a:p>
+            <a:r>
+              <a:rPr lang="pt-BR" dirty="0"/>
+              <a:t>Horário: 19h às 21h30.</a:t>
+            </a:r>
+          </a:p>
+          <a:p>
+            <a:r>
+              <a:rPr lang="pt-BR" dirty="0"/>
+              <a:t>Quantidade de Alunos: 120.</a:t>
+            </a:r>
+          </a:p>
+          <a:p>
+            <a:r>
+              <a:rPr lang="pt-BR" dirty="0"/>
+              <a:t>Localidade: FATEC São José dos Campos</a:t>
+            </a:r>
+          </a:p>
+          <a:p>
+            <a:pPr hangingPunct="0"/>
+            <a:r>
+              <a:rPr lang="pt-BR" dirty="0"/>
+              <a:t>Resultado: </a:t>
+            </a:r>
+          </a:p>
+          <a:p>
+            <a:pPr lvl="1" hangingPunct="0"/>
+            <a:r>
+              <a:rPr lang="pt-BR" dirty="0"/>
+              <a:t>Consumo de Memória pois eram realizadas diversas tarefas </a:t>
+            </a:r>
+            <a:r>
+              <a:rPr lang="pt-BR" dirty="0" smtClean="0"/>
+              <a:t>concorrentemente</a:t>
+            </a:r>
+            <a:r>
+              <a:rPr lang="pt-BR" dirty="0"/>
+              <a:t>.</a:t>
+            </a:r>
+            <a:endParaRPr lang="pt-BR" dirty="0"/>
+          </a:p>
+          <a:p>
+            <a:pPr lvl="1" hangingPunct="0"/>
+            <a:r>
+              <a:rPr lang="pt-BR" dirty="0"/>
+              <a:t>Acesso ao banco de dados.</a:t>
+            </a:r>
+          </a:p>
+          <a:p>
+            <a:pPr lvl="1" hangingPunct="0"/>
+            <a:r>
+              <a:rPr lang="pt-BR" dirty="0" smtClean="0"/>
+              <a:t>Adicionado </a:t>
             </a:r>
             <a:r>
               <a:rPr lang="pt-BR" dirty="0" err="1"/>
-              <a:t>Jessen</a:t>
-            </a:r>
-            <a:r>
-              <a:rPr lang="pt-BR" dirty="0"/>
-              <a:t> Vidal.</a:t>
-            </a:r>
-          </a:p>
-          <a:p>
-            <a:r>
-              <a:rPr lang="pt-BR" dirty="0"/>
-              <a:t>Entre os meses de março, abril e maio.</a:t>
-            </a:r>
-          </a:p>
-          <a:p>
-            <a:r>
-              <a:rPr lang="pt-BR" dirty="0"/>
-              <a:t>Testado por mais de 250 alunos.</a:t>
-            </a:r>
-          </a:p>
-        </p:txBody>
-      </p:sp>
-      <p:sp>
-        <p:nvSpPr>
-          <p:cNvPr id="6" name="Retângulo 5"/>
+              <a:t>balanceador</a:t>
+            </a:r>
+            <a:r>
+              <a:rPr lang="pt-BR" dirty="0"/>
+              <a:t> de carga.</a:t>
+            </a:r>
+          </a:p>
+          <a:p>
+            <a:endParaRPr lang="pt-BR" dirty="0"/>
+          </a:p>
+        </p:txBody>
+      </p:sp>
+      <p:sp>
+        <p:nvSpPr>
+          <p:cNvPr id="4" name="Retângulo 3"/>
           <p:cNvSpPr/>
           <p:nvPr/>
         </p:nvSpPr>
@@ -13581,7 +13785,7 @@
     </p:spTree>
     <p:extLst>
       <p:ext uri="{BB962C8B-B14F-4D97-AF65-F5344CB8AC3E}">
-        <p14:creationId xmlns:p14="http://schemas.microsoft.com/office/powerpoint/2010/main" val="1937326064"/>
+        <p14:creationId xmlns:p14="http://schemas.microsoft.com/office/powerpoint/2010/main" val="3970051832"/>
       </p:ext>
     </p:extLst>
   </p:cSld>
@@ -13625,7 +13829,7 @@
           <a:p>
             <a:r>
               <a:rPr lang="pt-BR" dirty="0"/>
-              <a:t>Experimento 1</a:t>
+              <a:t>Experimento 2</a:t>
             </a:r>
           </a:p>
         </p:txBody>
@@ -13643,19 +13847,35 @@
         <p:spPr/>
         <p:txBody>
           <a:bodyPr>
-            <a:normAutofit fontScale="92500" lnSpcReduction="10000"/>
+            <a:normAutofit/>
           </a:bodyPr>
           <a:lstStyle/>
           <a:p>
             <a:r>
               <a:rPr lang="pt-BR" dirty="0"/>
-              <a:t>Rede Interna</a:t>
-            </a:r>
-          </a:p>
-          <a:p>
-            <a:r>
-              <a:rPr lang="pt-BR" dirty="0"/>
-              <a:t>Data: 08 de março de 2017</a:t>
+              <a:t>Rede Interna e </a:t>
+            </a:r>
+            <a:r>
+              <a:rPr lang="pt-BR" dirty="0" err="1"/>
+              <a:t>Cloud</a:t>
+            </a:r>
+            <a:r>
+              <a:rPr lang="pt-BR" dirty="0"/>
+              <a:t> </a:t>
+            </a:r>
+            <a:r>
+              <a:rPr lang="pt-BR" dirty="0" err="1"/>
+              <a:t>Azure</a:t>
+            </a:r>
+            <a:r>
+              <a:rPr lang="pt-BR" dirty="0"/>
+              <a:t>.</a:t>
+            </a:r>
+          </a:p>
+          <a:p>
+            <a:r>
+              <a:rPr lang="pt-BR" dirty="0"/>
+              <a:t>Data: 01 de agosto de 2017.</a:t>
             </a:r>
           </a:p>
           <a:p>
@@ -13667,13 +13887,13 @@
           <a:p>
             <a:r>
               <a:rPr lang="pt-BR" dirty="0"/>
-              <a:t>Quantidade de Alunos: 120.</a:t>
-            </a:r>
-          </a:p>
-          <a:p>
-            <a:r>
-              <a:rPr lang="pt-BR" dirty="0"/>
-              <a:t>Localidade: FATEC São José dos Campos</a:t>
+              <a:t>Quantidade de Alunos: 150.</a:t>
+            </a:r>
+          </a:p>
+          <a:p>
+            <a:r>
+              <a:rPr lang="pt-BR" dirty="0"/>
+              <a:t>Localidade: FATEC São José dos Campos.</a:t>
             </a:r>
           </a:p>
           <a:p>
@@ -13687,32 +13907,15 @@
             <a:pPr lvl="1" hangingPunct="0"/>
             <a:r>
               <a:rPr lang="pt-BR" dirty="0"/>
-              <a:t>Consumo de Memória pois eram realizadas diversas tarefas concorrentemente, além de operações de </a:t>
+              <a:t>Monitorar o acesso a plataforma e os recursos utilizados pelo servidor. </a:t>
             </a:r>
           </a:p>
           <a:p>
             <a:pPr lvl="1" hangingPunct="0"/>
             <a:r>
-              <a:rPr lang="pt-BR" dirty="0"/>
-              <a:t>Acesso ao banco de dados.</a:t>
-            </a:r>
-          </a:p>
-          <a:p>
-            <a:pPr lvl="1" hangingPunct="0"/>
-            <a:r>
-              <a:rPr lang="pt-BR" dirty="0"/>
-              <a:t>Para resolver este requisito, foi adicionado </a:t>
-            </a:r>
-            <a:r>
-              <a:rPr lang="pt-BR" dirty="0" err="1"/>
-              <a:t>balanceador</a:t>
-            </a:r>
-            <a:r>
-              <a:rPr lang="pt-BR" dirty="0"/>
-              <a:t> de carga.</a:t>
-            </a:r>
-          </a:p>
-          <a:p>
+              <a:rPr lang="pt-BR" dirty="0" smtClean="0"/>
+              <a:t>Divisão da arquitetura.</a:t>
+            </a:r>
             <a:endParaRPr lang="pt-BR" dirty="0"/>
           </a:p>
         </p:txBody>
@@ -13752,7 +13955,7 @@
     </p:spTree>
     <p:extLst>
       <p:ext uri="{BB962C8B-B14F-4D97-AF65-F5344CB8AC3E}">
-        <p14:creationId xmlns:p14="http://schemas.microsoft.com/office/powerpoint/2010/main" val="3970051832"/>
+        <p14:creationId xmlns:p14="http://schemas.microsoft.com/office/powerpoint/2010/main" val="3404476178"/>
       </p:ext>
     </p:extLst>
   </p:cSld>
@@ -13786,7 +13989,7 @@
             <a:spLocks noGrp="1"/>
           </p:cNvSpPr>
           <p:nvPr>
-            <p:ph type="title"/>
+            <p:ph type="ctrTitle"/>
           </p:nvPr>
         </p:nvSpPr>
         <p:spPr/>
@@ -13796,133 +13999,34 @@
           <a:p>
             <a:r>
               <a:rPr lang="pt-BR" dirty="0"/>
-              <a:t>Experimento 2</a:t>
-            </a:r>
-          </a:p>
-        </p:txBody>
-      </p:sp>
-      <p:sp>
-        <p:nvSpPr>
-          <p:cNvPr id="3" name="Espaço Reservado para Conteúdo 2"/>
-          <p:cNvSpPr>
-            <a:spLocks noGrp="1"/>
-          </p:cNvSpPr>
-          <p:nvPr>
-            <p:ph idx="1"/>
+              <a:t>Considerações Finais</a:t>
+            </a:r>
+          </a:p>
+        </p:txBody>
+      </p:sp>
+      <p:sp>
+        <p:nvSpPr>
+          <p:cNvPr id="3" name="Subtítulo 2"/>
+          <p:cNvSpPr>
+            <a:spLocks noGrp="1"/>
+          </p:cNvSpPr>
+          <p:nvPr>
+            <p:ph type="subTitle" idx="1"/>
           </p:nvPr>
         </p:nvSpPr>
         <p:spPr/>
         <p:txBody>
-          <a:bodyPr>
-            <a:normAutofit/>
-          </a:bodyPr>
-          <a:lstStyle/>
-          <a:p>
-            <a:r>
-              <a:rPr lang="pt-BR" dirty="0"/>
-              <a:t>Rede Interna e </a:t>
-            </a:r>
-            <a:r>
-              <a:rPr lang="pt-BR" dirty="0" err="1"/>
-              <a:t>Cloud</a:t>
-            </a:r>
-            <a:r>
-              <a:rPr lang="pt-BR" dirty="0"/>
-              <a:t> </a:t>
-            </a:r>
-            <a:r>
-              <a:rPr lang="pt-BR" dirty="0" err="1"/>
-              <a:t>Azure</a:t>
-            </a:r>
-            <a:r>
-              <a:rPr lang="pt-BR" dirty="0"/>
-              <a:t>.</a:t>
-            </a:r>
-          </a:p>
-          <a:p>
-            <a:r>
-              <a:rPr lang="pt-BR" dirty="0"/>
-              <a:t>Data: 01 de agosto de 2017.</a:t>
-            </a:r>
-          </a:p>
-          <a:p>
-            <a:r>
-              <a:rPr lang="pt-BR" dirty="0"/>
-              <a:t>Horário: 19h às 21h30.</a:t>
-            </a:r>
-          </a:p>
-          <a:p>
-            <a:r>
-              <a:rPr lang="pt-BR" dirty="0"/>
-              <a:t>Quantidade de Alunos: 150.</a:t>
-            </a:r>
-          </a:p>
-          <a:p>
-            <a:r>
-              <a:rPr lang="pt-BR" dirty="0"/>
-              <a:t>Localidade: FATEC São José dos Campos.</a:t>
-            </a:r>
-          </a:p>
-          <a:p>
-            <a:pPr hangingPunct="0"/>
-            <a:r>
-              <a:rPr lang="pt-BR" dirty="0"/>
-              <a:t>Resultado: </a:t>
-            </a:r>
-          </a:p>
-          <a:p>
-            <a:pPr lvl="1" hangingPunct="0"/>
-            <a:r>
-              <a:rPr lang="pt-BR" dirty="0"/>
-              <a:t>Monitorar o acesso a plataforma e os recursos utilizados pelo servidor. </a:t>
-            </a:r>
-          </a:p>
-          <a:p>
-            <a:pPr lvl="1" hangingPunct="0"/>
-            <a:r>
-              <a:rPr lang="pt-BR" dirty="0" smtClean="0"/>
-              <a:t>Divisão da arquitetura.</a:t>
-            </a:r>
-            <a:endParaRPr lang="pt-BR" dirty="0"/>
-          </a:p>
-        </p:txBody>
-      </p:sp>
-      <p:sp>
-        <p:nvSpPr>
-          <p:cNvPr id="4" name="Retângulo 3"/>
-          <p:cNvSpPr/>
-          <p:nvPr/>
-        </p:nvSpPr>
-        <p:spPr>
-          <a:xfrm>
-            <a:off x="680321" y="250521"/>
-            <a:ext cx="1569917" cy="369332"/>
-          </a:xfrm>
-          <a:prstGeom prst="rect">
-            <a:avLst/>
-          </a:prstGeom>
-        </p:spPr>
-        <p:txBody>
-          <a:bodyPr wrap="none">
-            <a:spAutoFit/>
-          </a:bodyPr>
-          <a:lstStyle/>
-          <a:p>
-            <a:pPr marL="285750" indent="-285750">
-              <a:buFont typeface="Arial" panose="020B0604020202020204" pitchFamily="34" charset="0"/>
-              <a:buChar char="•"/>
-            </a:pPr>
-            <a:r>
-              <a:rPr lang="pt-BR" dirty="0"/>
-              <a:t>Resultados</a:t>
-            </a:r>
+          <a:bodyPr/>
+          <a:lstStyle/>
+          <a:p>
+            <a:endParaRPr lang="pt-BR"/>
           </a:p>
         </p:txBody>
       </p:sp>
     </p:spTree>
     <p:extLst>
       <p:ext uri="{BB962C8B-B14F-4D97-AF65-F5344CB8AC3E}">
-        <p14:creationId xmlns:p14="http://schemas.microsoft.com/office/powerpoint/2010/main" val="3404476178"/>
+        <p14:creationId xmlns:p14="http://schemas.microsoft.com/office/powerpoint/2010/main" val="4192372709"/>
       </p:ext>
     </p:extLst>
   </p:cSld>
@@ -14101,7 +14205,7 @@
             <a:spLocks noGrp="1"/>
           </p:cNvSpPr>
           <p:nvPr>
-            <p:ph type="ctrTitle"/>
+            <p:ph type="title"/>
           </p:nvPr>
         </p:nvSpPr>
         <p:spPr/>
@@ -14111,34 +14215,156 @@
           <a:p>
             <a:r>
               <a:rPr lang="pt-BR" dirty="0"/>
+              <a:t>Trabalhos Futuros</a:t>
+            </a:r>
+          </a:p>
+        </p:txBody>
+      </p:sp>
+      <p:sp>
+        <p:nvSpPr>
+          <p:cNvPr id="3" name="Espaço Reservado para Conteúdo 2"/>
+          <p:cNvSpPr>
+            <a:spLocks noGrp="1"/>
+          </p:cNvSpPr>
+          <p:nvPr>
+            <p:ph idx="1"/>
+          </p:nvPr>
+        </p:nvSpPr>
+        <p:spPr/>
+        <p:txBody>
+          <a:bodyPr>
+            <a:normAutofit/>
+          </a:bodyPr>
+          <a:lstStyle/>
+          <a:p>
+            <a:r>
+              <a:rPr lang="pt-BR" dirty="0"/>
+              <a:t>Alterar o Servidor de Controle de Versão </a:t>
+            </a:r>
+            <a:r>
+              <a:rPr lang="pt-BR" dirty="0" smtClean="0"/>
+              <a:t>para o </a:t>
+            </a:r>
+            <a:r>
+              <a:rPr lang="pt-BR" dirty="0" err="1"/>
+              <a:t>GitLab</a:t>
+            </a:r>
+            <a:r>
+              <a:rPr lang="pt-BR" dirty="0"/>
+              <a:t>.</a:t>
+            </a:r>
+          </a:p>
+          <a:p>
+            <a:r>
+              <a:rPr lang="pt-BR" dirty="0"/>
+              <a:t>Deixar flexível o </a:t>
+            </a:r>
+            <a:r>
+              <a:rPr lang="pt-BR" dirty="0" smtClean="0"/>
+              <a:t>arquivo </a:t>
+            </a:r>
+            <a:r>
+              <a:rPr lang="pt-BR" i="1" dirty="0" err="1" smtClean="0"/>
+              <a:t>application.properties</a:t>
+            </a:r>
+            <a:r>
+              <a:rPr lang="pt-BR" dirty="0" smtClean="0"/>
+              <a:t> da aplicação </a:t>
+            </a:r>
+            <a:r>
+              <a:rPr lang="pt-BR" i="1" dirty="0" err="1" smtClean="0"/>
+              <a:t>back-end</a:t>
+            </a:r>
+            <a:r>
+              <a:rPr lang="pt-BR" i="1" dirty="0" smtClean="0"/>
+              <a:t> </a:t>
+            </a:r>
+            <a:r>
+              <a:rPr lang="pt-BR" dirty="0" smtClean="0"/>
+              <a:t>para configuração do </a:t>
+            </a:r>
+            <a:r>
+              <a:rPr lang="pt-BR" dirty="0"/>
+              <a:t>local onde ficarão as imagens das cenas dos jogos. </a:t>
+            </a:r>
+          </a:p>
+          <a:p>
+            <a:r>
+              <a:rPr lang="pt-BR" dirty="0"/>
+              <a:t>Separar do Servidor de Banco de Dados para garantir a integridade e disponibilidade.</a:t>
+            </a:r>
+          </a:p>
+          <a:p>
+            <a:r>
+              <a:rPr lang="pt-BR" dirty="0"/>
+              <a:t>Implementar uma arquitetura de clusters utilizando do </a:t>
+            </a:r>
+            <a:r>
+              <a:rPr lang="pt-BR" dirty="0" err="1"/>
+              <a:t>Docker</a:t>
+            </a:r>
+            <a:r>
+              <a:rPr lang="pt-BR" dirty="0"/>
+              <a:t> </a:t>
+            </a:r>
+            <a:r>
+              <a:rPr lang="pt-BR" dirty="0" err="1"/>
+              <a:t>Swarm</a:t>
+            </a:r>
+            <a:r>
+              <a:rPr lang="pt-BR" dirty="0"/>
+              <a:t> ou </a:t>
+            </a:r>
+            <a:r>
+              <a:rPr lang="pt-BR" dirty="0" err="1"/>
+              <a:t>Kubernets</a:t>
+            </a:r>
+            <a:r>
+              <a:rPr lang="pt-BR" dirty="0"/>
+              <a:t>, onde vários computadores trabalham juntos afim de garantir desempenho e disponibilidade da plataforma.</a:t>
+            </a:r>
+          </a:p>
+          <a:p>
+            <a:endParaRPr lang="pt-BR" dirty="0"/>
+          </a:p>
+        </p:txBody>
+      </p:sp>
+      <p:sp>
+        <p:nvSpPr>
+          <p:cNvPr id="4" name="Retângulo 3"/>
+          <p:cNvSpPr/>
+          <p:nvPr/>
+        </p:nvSpPr>
+        <p:spPr>
+          <a:xfrm>
+            <a:off x="680321" y="250521"/>
+            <a:ext cx="2606804" cy="369332"/>
+          </a:xfrm>
+          <a:prstGeom prst="rect">
+            <a:avLst/>
+          </a:prstGeom>
+        </p:spPr>
+        <p:txBody>
+          <a:bodyPr wrap="none">
+            <a:spAutoFit/>
+          </a:bodyPr>
+          <a:lstStyle/>
+          <a:p>
+            <a:pPr marL="285750" indent="-285750">
+              <a:buFont typeface="Arial" panose="020B0604020202020204" pitchFamily="34" charset="0"/>
+              <a:buChar char="•"/>
+            </a:pPr>
+            <a:r>
+              <a:rPr lang="pt-BR" dirty="0"/>
               <a:t>Considerações Finais</a:t>
             </a:r>
-          </a:p>
-        </p:txBody>
-      </p:sp>
-      <p:sp>
-        <p:nvSpPr>
-          <p:cNvPr id="3" name="Subtítulo 2"/>
-          <p:cNvSpPr>
-            <a:spLocks noGrp="1"/>
-          </p:cNvSpPr>
-          <p:nvPr>
-            <p:ph type="subTitle" idx="1"/>
-          </p:nvPr>
-        </p:nvSpPr>
-        <p:spPr/>
-        <p:txBody>
-          <a:bodyPr/>
-          <a:lstStyle/>
-          <a:p>
-            <a:endParaRPr lang="pt-BR"/>
           </a:p>
         </p:txBody>
       </p:sp>
     </p:spTree>
     <p:extLst>
       <p:ext uri="{BB962C8B-B14F-4D97-AF65-F5344CB8AC3E}">
-        <p14:creationId xmlns:p14="http://schemas.microsoft.com/office/powerpoint/2010/main" val="4192372709"/>
+        <p14:creationId xmlns:p14="http://schemas.microsoft.com/office/powerpoint/2010/main" val="671967937"/>
       </p:ext>
     </p:extLst>
   </p:cSld>
@@ -14182,187 +14408,6 @@
           <a:p>
             <a:r>
               <a:rPr lang="pt-BR" dirty="0"/>
-              <a:t>Trabalhos Futuros</a:t>
-            </a:r>
-          </a:p>
-        </p:txBody>
-      </p:sp>
-      <p:sp>
-        <p:nvSpPr>
-          <p:cNvPr id="3" name="Espaço Reservado para Conteúdo 2"/>
-          <p:cNvSpPr>
-            <a:spLocks noGrp="1"/>
-          </p:cNvSpPr>
-          <p:nvPr>
-            <p:ph idx="1"/>
-          </p:nvPr>
-        </p:nvSpPr>
-        <p:spPr/>
-        <p:txBody>
-          <a:bodyPr>
-            <a:normAutofit/>
-          </a:bodyPr>
-          <a:lstStyle/>
-          <a:p>
-            <a:r>
-              <a:rPr lang="pt-BR" dirty="0"/>
-              <a:t>Alterar o Servidor de Controle de Versão para </a:t>
-            </a:r>
-            <a:r>
-              <a:rPr lang="pt-BR" dirty="0" err="1"/>
-              <a:t>GitLab</a:t>
-            </a:r>
-            <a:r>
-              <a:rPr lang="pt-BR" dirty="0"/>
-              <a:t>.</a:t>
-            </a:r>
-          </a:p>
-          <a:p>
-            <a:r>
-              <a:rPr lang="pt-BR" dirty="0"/>
-              <a:t>Deixar flexível o arquivo </a:t>
-            </a:r>
-            <a:r>
-              <a:rPr lang="pt-BR" i="1" dirty="0" err="1"/>
-              <a:t>application.properties</a:t>
-            </a:r>
-            <a:r>
-              <a:rPr lang="pt-BR" dirty="0"/>
-              <a:t> da aplicação </a:t>
-            </a:r>
-            <a:r>
-              <a:rPr lang="pt-BR" i="1" dirty="0" err="1"/>
-              <a:t>back-end</a:t>
-            </a:r>
-            <a:r>
-              <a:rPr lang="pt-BR" i="1" dirty="0"/>
-              <a:t> </a:t>
-            </a:r>
-            <a:r>
-              <a:rPr lang="pt-BR" dirty="0"/>
-              <a:t>para configuração do local onde ficarão as imagens das cenas dos jogos. </a:t>
-            </a:r>
-          </a:p>
-          <a:p>
-            <a:r>
-              <a:rPr lang="pt-BR" dirty="0"/>
-              <a:t>Separar do Servidor de Banco de Dados para garantir a integridade e disponibilidade.</a:t>
-            </a:r>
-          </a:p>
-          <a:p>
-            <a:r>
-              <a:rPr lang="pt-BR" dirty="0"/>
-              <a:t>Implementar uma arquitetura de clusters utilizando do </a:t>
-            </a:r>
-            <a:r>
-              <a:rPr lang="pt-BR" dirty="0" err="1"/>
-              <a:t>Docker</a:t>
-            </a:r>
-            <a:r>
-              <a:rPr lang="pt-BR" dirty="0"/>
-              <a:t> </a:t>
-            </a:r>
-            <a:r>
-              <a:rPr lang="pt-BR" dirty="0" err="1"/>
-              <a:t>Swarm</a:t>
-            </a:r>
-            <a:r>
-              <a:rPr lang="pt-BR" dirty="0"/>
-              <a:t> ou </a:t>
-            </a:r>
-            <a:r>
-              <a:rPr lang="pt-BR" dirty="0" err="1"/>
-              <a:t>Kubernets</a:t>
-            </a:r>
-            <a:r>
-              <a:rPr lang="pt-BR" dirty="0"/>
-              <a:t>, onde vários computadores trabalham juntos afim de garantir desempenho e disponibilidade da plataforma.</a:t>
-            </a:r>
-          </a:p>
-          <a:p>
-            <a:endParaRPr lang="pt-BR" dirty="0"/>
-          </a:p>
-        </p:txBody>
-      </p:sp>
-      <p:sp>
-        <p:nvSpPr>
-          <p:cNvPr id="4" name="Retângulo 3"/>
-          <p:cNvSpPr/>
-          <p:nvPr/>
-        </p:nvSpPr>
-        <p:spPr>
-          <a:xfrm>
-            <a:off x="680321" y="250521"/>
-            <a:ext cx="2606804" cy="369332"/>
-          </a:xfrm>
-          <a:prstGeom prst="rect">
-            <a:avLst/>
-          </a:prstGeom>
-        </p:spPr>
-        <p:txBody>
-          <a:bodyPr wrap="none">
-            <a:spAutoFit/>
-          </a:bodyPr>
-          <a:lstStyle/>
-          <a:p>
-            <a:pPr marL="285750" indent="-285750">
-              <a:buFont typeface="Arial" panose="020B0604020202020204" pitchFamily="34" charset="0"/>
-              <a:buChar char="•"/>
-            </a:pPr>
-            <a:r>
-              <a:rPr lang="pt-BR" dirty="0"/>
-              <a:t>Considerações Finais</a:t>
-            </a:r>
-          </a:p>
-        </p:txBody>
-      </p:sp>
-    </p:spTree>
-    <p:extLst>
-      <p:ext uri="{BB962C8B-B14F-4D97-AF65-F5344CB8AC3E}">
-        <p14:creationId xmlns:p14="http://schemas.microsoft.com/office/powerpoint/2010/main" val="671967937"/>
-      </p:ext>
-    </p:extLst>
-  </p:cSld>
-  <p:clrMapOvr>
-    <a:masterClrMapping/>
-  </p:clrMapOvr>
-</p:sld>
-</file>
-
-<file path=ppt/slides/slide42.xml><?xml version="1.0" encoding="utf-8"?>
-<p:sld xmlns:a="http://schemas.openxmlformats.org/drawingml/2006/main" xmlns:r="http://schemas.openxmlformats.org/officeDocument/2006/relationships" xmlns:p="http://schemas.openxmlformats.org/presentationml/2006/main">
-  <p:cSld>
-    <p:spTree>
-      <p:nvGrpSpPr>
-        <p:cNvPr id="1" name=""/>
-        <p:cNvGrpSpPr/>
-        <p:nvPr/>
-      </p:nvGrpSpPr>
-      <p:grpSpPr>
-        <a:xfrm>
-          <a:off x="0" y="0"/>
-          <a:ext cx="0" cy="0"/>
-          <a:chOff x="0" y="0"/>
-          <a:chExt cx="0" cy="0"/>
-        </a:xfrm>
-      </p:grpSpPr>
-      <p:sp>
-        <p:nvSpPr>
-          <p:cNvPr id="2" name="Título 1"/>
-          <p:cNvSpPr>
-            <a:spLocks noGrp="1"/>
-          </p:cNvSpPr>
-          <p:nvPr>
-            <p:ph type="title"/>
-          </p:nvPr>
-        </p:nvSpPr>
-        <p:spPr/>
-        <p:txBody>
-          <a:bodyPr/>
-          <a:lstStyle/>
-          <a:p>
-            <a:r>
-              <a:rPr lang="pt-BR" dirty="0"/>
               <a:t>Agradecimentos</a:t>
             </a:r>
           </a:p>
@@ -14489,7 +14534,7 @@
 </p:sld>
 </file>
 
-<file path=ppt/slides/slide43.xml><?xml version="1.0" encoding="utf-8"?>
+<file path=ppt/slides/slide42.xml><?xml version="1.0" encoding="utf-8"?>
 <p:sld xmlns:a="http://schemas.openxmlformats.org/drawingml/2006/main" xmlns:r="http://schemas.openxmlformats.org/officeDocument/2006/relationships" xmlns:p="http://schemas.openxmlformats.org/presentationml/2006/main">
   <p:cSld>
     <p:spTree>
@@ -14657,7 +14702,15 @@
           <a:p>
             <a:r>
               <a:rPr lang="pt-BR" dirty="0"/>
-              <a:t>Falta de Pessoal para dar Suporte a todas Aplicações já Implantadas no Centro Paula Souza.</a:t>
+              <a:t>Falta de </a:t>
+            </a:r>
+            <a:r>
+              <a:rPr lang="pt-BR" dirty="0" smtClean="0"/>
+              <a:t>pessoal </a:t>
+            </a:r>
+            <a:r>
+              <a:rPr lang="pt-BR" dirty="0"/>
+              <a:t>para dar Suporte a todas Aplicações já Implantadas no Centro Paula Souza.</a:t>
             </a:r>
           </a:p>
           <a:p>
@@ -14956,40 +15009,65 @@
           <a:p>
             <a:r>
               <a:rPr lang="pt-BR" dirty="0"/>
-              <a:t>Arquitetura com Base no Requisito</a:t>
-            </a:r>
-          </a:p>
-        </p:txBody>
-      </p:sp>
-      <p:pic>
-        <p:nvPicPr>
-          <p:cNvPr id="5" name="Espaço Reservado para Conteúdo 4"/>
-          <p:cNvPicPr>
-            <a:picLocks noGrp="1" noChangeAspect="1"/>
-          </p:cNvPicPr>
+              <a:t>Maquina Virtual</a:t>
+            </a:r>
+          </a:p>
+        </p:txBody>
+      </p:sp>
+      <p:sp>
+        <p:nvSpPr>
+          <p:cNvPr id="3" name="Espaço Reservado para Conteúdo 2"/>
+          <p:cNvSpPr>
+            <a:spLocks noGrp="1"/>
+          </p:cNvSpPr>
           <p:nvPr>
             <p:ph idx="1"/>
           </p:nvPr>
-        </p:nvPicPr>
-        <p:blipFill>
-          <a:blip r:embed="rId2">
-            <a:extLst>
-              <a:ext uri="{28A0092B-C50C-407E-A947-70E740481C1C}">
-                <a14:useLocalDpi xmlns:a14="http://schemas.microsoft.com/office/drawing/2010/main" val="0"/>
-              </a:ext>
-            </a:extLst>
-          </a:blip>
-          <a:stretch>
-            <a:fillRect/>
-          </a:stretch>
-        </p:blipFill>
-        <p:spPr>
-          <a:xfrm>
-            <a:off x="2049463" y="2521744"/>
-            <a:ext cx="6877050" cy="3228975"/>
-          </a:xfrm>
-        </p:spPr>
-      </p:pic>
+        </p:nvSpPr>
+        <p:spPr/>
+        <p:txBody>
+          <a:bodyPr vert="horz" lIns="91440" tIns="45720" rIns="91440" bIns="45720" rtlCol="0" anchor="t">
+            <a:normAutofit/>
+          </a:bodyPr>
+          <a:lstStyle/>
+          <a:p>
+            <a:r>
+              <a:rPr lang="pt-BR" dirty="0"/>
+              <a:t>Plataforma </a:t>
+            </a:r>
+            <a:r>
+              <a:rPr lang="pt-BR" dirty="0" err="1"/>
+              <a:t>Cloud</a:t>
+            </a:r>
+            <a:r>
+              <a:rPr lang="pt-BR" dirty="0"/>
+              <a:t> </a:t>
+            </a:r>
+            <a:r>
+              <a:rPr lang="pt-BR" dirty="0" err="1"/>
+              <a:t>Azure</a:t>
+            </a:r>
+            <a:r>
+              <a:rPr lang="pt-BR" dirty="0"/>
+              <a:t>.</a:t>
+            </a:r>
+            <a:endParaRPr lang="en-US" dirty="0"/>
+          </a:p>
+          <a:p>
+            <a:r>
+              <a:rPr lang="pt-BR" dirty="0"/>
+              <a:t>Seja Escalável </a:t>
+            </a:r>
+            <a:endParaRPr lang="pt-BR"/>
+          </a:p>
+          <a:p>
+            <a:r>
+              <a:rPr lang="pt-BR" dirty="0"/>
+              <a:t>Acesso Remoto através de usuário e Senha.</a:t>
+            </a:r>
+          </a:p>
+        </p:txBody>
+      </p:sp>
       <p:sp>
         <p:nvSpPr>
           <p:cNvPr id="4" name="Retângulo 3"/>
@@ -14998,7 +15076,7 @@
         </p:nvSpPr>
         <p:spPr>
           <a:xfrm>
-            <a:off x="680321" y="252848"/>
+            <a:off x="680321" y="250521"/>
             <a:ext cx="3384516" cy="369332"/>
           </a:xfrm>
           <a:prstGeom prst="rect">
@@ -15025,7 +15103,7 @@
     </p:spTree>
     <p:extLst>
       <p:ext uri="{BB962C8B-B14F-4D97-AF65-F5344CB8AC3E}">
-        <p14:creationId xmlns:p14="http://schemas.microsoft.com/office/powerpoint/2010/main" val="1268492596"/>
+        <p14:creationId xmlns:p14="http://schemas.microsoft.com/office/powerpoint/2010/main" val="655308488"/>
       </p:ext>
     </p:extLst>
   </p:cSld>
@@ -15069,7 +15147,15 @@
           <a:p>
             <a:r>
               <a:rPr lang="pt-BR" dirty="0"/>
-              <a:t>Maquina Virtual</a:t>
+              <a:t>Servidor Web Front-</a:t>
+            </a:r>
+            <a:r>
+              <a:rPr lang="pt-BR" dirty="0" err="1"/>
+              <a:t>End</a:t>
+            </a:r>
+            <a:r>
+              <a:rPr lang="pt-BR" dirty="0"/>
+              <a:t> e Back-End.</a:t>
             </a:r>
           </a:p>
         </p:txBody>
@@ -15093,37 +15179,54 @@
           <a:p>
             <a:r>
               <a:rPr lang="pt-BR" dirty="0"/>
-              <a:t>Plataforma </a:t>
+              <a:t>Servidor Web para disponibilizar interface de comunicação com o usuário</a:t>
+            </a:r>
+            <a:r>
+              <a:rPr lang="pt-BR" dirty="0" smtClean="0"/>
+              <a:t>.</a:t>
+            </a:r>
+            <a:endParaRPr lang="en-US" dirty="0"/>
+          </a:p>
+          <a:p>
+            <a:r>
+              <a:rPr lang="pt-BR" dirty="0"/>
+              <a:t>Servidor com suporte o modelo Cliente-Servidor.</a:t>
+            </a:r>
+          </a:p>
+          <a:p>
+            <a:r>
+              <a:rPr lang="pt-BR" dirty="0"/>
+              <a:t>Dar suporte ao </a:t>
+            </a:r>
+            <a:r>
+              <a:rPr lang="pt-BR" dirty="0" smtClean="0"/>
+              <a:t>protocolo </a:t>
+            </a:r>
+            <a:r>
+              <a:rPr lang="pt-BR" dirty="0"/>
+              <a:t>HTTP, comunicação entre as aplicações de front e </a:t>
             </a:r>
             <a:r>
               <a:rPr lang="pt-BR" dirty="0" err="1"/>
-              <a:t>Cloud</a:t>
-            </a:r>
-            <a:r>
-              <a:rPr lang="pt-BR" dirty="0"/>
-              <a:t> </a:t>
+              <a:t>back</a:t>
+            </a:r>
+            <a:r>
+              <a:rPr lang="pt-BR" dirty="0"/>
+              <a:t>-end.</a:t>
+            </a:r>
+          </a:p>
+          <a:p>
+            <a:r>
+              <a:rPr lang="pt-BR" dirty="0"/>
+              <a:t>Ter suporte Java 8 e aplicações compilada no formato .</a:t>
             </a:r>
             <a:r>
               <a:rPr lang="pt-BR" dirty="0" err="1"/>
-              <a:t>Azure</a:t>
-            </a:r>
-            <a:r>
-              <a:rPr lang="pt-BR" dirty="0"/>
-              <a:t>.</a:t>
-            </a:r>
-            <a:endParaRPr lang="en-US" dirty="0"/>
-          </a:p>
-          <a:p>
-            <a:r>
-              <a:rPr lang="pt-BR" dirty="0"/>
-              <a:t>Seja Escalável </a:t>
-            </a:r>
-            <a:endParaRPr lang="pt-BR"/>
-          </a:p>
-          <a:p>
-            <a:r>
-              <a:rPr lang="pt-BR" dirty="0"/>
-              <a:t>Acesso Remoto através de usuário e Senha.</a:t>
+              <a:t>war</a:t>
+            </a:r>
+            <a:r>
+              <a:rPr lang="pt-BR" dirty="0"/>
+              <a:t>. </a:t>
             </a:r>
           </a:p>
         </p:txBody>
@@ -15163,7 +15266,7 @@
     </p:spTree>
     <p:extLst>
       <p:ext uri="{BB962C8B-B14F-4D97-AF65-F5344CB8AC3E}">
-        <p14:creationId xmlns:p14="http://schemas.microsoft.com/office/powerpoint/2010/main" val="655308488"/>
+        <p14:creationId xmlns:p14="http://schemas.microsoft.com/office/powerpoint/2010/main" val="3655480647"/>
       </p:ext>
     </p:extLst>
   </p:cSld>

--- a/Docs/Apresentação.pptx
+++ b/Docs/Apresentação.pptx
@@ -5,7 +5,7 @@
     <p:sldMasterId id="2147483785" r:id="rId1"/>
   </p:sldMasterIdLst>
   <p:notesMasterIdLst>
-    <p:notesMasterId r:id="rId44"/>
+    <p:notesMasterId r:id="rId45"/>
   </p:notesMasterIdLst>
   <p:sldIdLst>
     <p:sldId id="256" r:id="rId2"/>
@@ -26,30 +26,31 @@
     <p:sldId id="268" r:id="rId17"/>
     <p:sldId id="304" r:id="rId18"/>
     <p:sldId id="269" r:id="rId19"/>
-    <p:sldId id="270" r:id="rId20"/>
-    <p:sldId id="301" r:id="rId21"/>
-    <p:sldId id="271" r:id="rId22"/>
-    <p:sldId id="272" r:id="rId23"/>
-    <p:sldId id="286" r:id="rId24"/>
-    <p:sldId id="287" r:id="rId25"/>
-    <p:sldId id="288" r:id="rId26"/>
-    <p:sldId id="289" r:id="rId27"/>
-    <p:sldId id="290" r:id="rId28"/>
-    <p:sldId id="291" r:id="rId29"/>
-    <p:sldId id="292" r:id="rId30"/>
-    <p:sldId id="303" r:id="rId31"/>
-    <p:sldId id="293" r:id="rId32"/>
-    <p:sldId id="294" r:id="rId33"/>
-    <p:sldId id="295" r:id="rId34"/>
-    <p:sldId id="297" r:id="rId35"/>
-    <p:sldId id="273" r:id="rId36"/>
-    <p:sldId id="274" r:id="rId37"/>
-    <p:sldId id="298" r:id="rId38"/>
-    <p:sldId id="299" r:id="rId39"/>
-    <p:sldId id="275" r:id="rId40"/>
-    <p:sldId id="276" r:id="rId41"/>
-    <p:sldId id="300" r:id="rId42"/>
-    <p:sldId id="279" r:id="rId43"/>
+    <p:sldId id="305" r:id="rId20"/>
+    <p:sldId id="270" r:id="rId21"/>
+    <p:sldId id="301" r:id="rId22"/>
+    <p:sldId id="271" r:id="rId23"/>
+    <p:sldId id="272" r:id="rId24"/>
+    <p:sldId id="286" r:id="rId25"/>
+    <p:sldId id="287" r:id="rId26"/>
+    <p:sldId id="288" r:id="rId27"/>
+    <p:sldId id="289" r:id="rId28"/>
+    <p:sldId id="290" r:id="rId29"/>
+    <p:sldId id="291" r:id="rId30"/>
+    <p:sldId id="292" r:id="rId31"/>
+    <p:sldId id="303" r:id="rId32"/>
+    <p:sldId id="293" r:id="rId33"/>
+    <p:sldId id="294" r:id="rId34"/>
+    <p:sldId id="295" r:id="rId35"/>
+    <p:sldId id="297" r:id="rId36"/>
+    <p:sldId id="273" r:id="rId37"/>
+    <p:sldId id="274" r:id="rId38"/>
+    <p:sldId id="298" r:id="rId39"/>
+    <p:sldId id="299" r:id="rId40"/>
+    <p:sldId id="275" r:id="rId41"/>
+    <p:sldId id="276" r:id="rId42"/>
+    <p:sldId id="300" r:id="rId43"/>
+    <p:sldId id="279" r:id="rId44"/>
   </p:sldIdLst>
   <p:sldSz cx="12192000" cy="6858000"/>
   <p:notesSz cx="6858000" cy="9144000"/>
@@ -8500,15 +8501,19 @@
           <a:p>
             <a:r>
               <a:rPr lang="pt-BR" dirty="0"/>
-              <a:t>Ter um único usuário com permissões de executar comando DCL </a:t>
+              <a:t>Ter um único usuário com permissões de executar comando </a:t>
+            </a:r>
+            <a:r>
+              <a:rPr lang="pt-BR" dirty="0" smtClean="0"/>
+              <a:t>DDL </a:t>
             </a:r>
             <a:r>
               <a:rPr lang="pt-BR" dirty="0" smtClean="0"/>
               <a:t>e </a:t>
             </a:r>
             <a:r>
-              <a:rPr lang="pt-BR" dirty="0"/>
-              <a:t>DDL </a:t>
+              <a:rPr lang="pt-BR" dirty="0" smtClean="0"/>
+              <a:t>DML </a:t>
             </a:r>
             <a:r>
               <a:rPr lang="pt-BR" dirty="0" smtClean="0"/>
@@ -8553,6 +8558,36 @@
           </a:p>
         </p:txBody>
       </p:sp>
+      <p:pic>
+        <p:nvPicPr>
+          <p:cNvPr id="5" name="Imagem 4"/>
+          <p:cNvPicPr>
+            <a:picLocks noChangeAspect="1"/>
+          </p:cNvPicPr>
+          <p:nvPr/>
+        </p:nvPicPr>
+        <p:blipFill>
+          <a:blip r:embed="rId2" cstate="print">
+            <a:extLst>
+              <a:ext uri="{28A0092B-C50C-407E-A947-70E740481C1C}">
+                <a14:useLocalDpi xmlns:a14="http://schemas.microsoft.com/office/drawing/2010/main" val="0"/>
+              </a:ext>
+            </a:extLst>
+          </a:blip>
+          <a:stretch>
+            <a:fillRect/>
+          </a:stretch>
+        </p:blipFill>
+        <p:spPr>
+          <a:xfrm>
+            <a:off x="10602142" y="920672"/>
+            <a:ext cx="1589858" cy="650549"/>
+          </a:xfrm>
+          <a:prstGeom prst="rect">
+            <a:avLst/>
+          </a:prstGeom>
+        </p:spPr>
+      </p:pic>
     </p:spTree>
     <p:extLst>
       <p:ext uri="{BB962C8B-B14F-4D97-AF65-F5344CB8AC3E}">
@@ -8722,6 +8757,36 @@
           </a:p>
         </p:txBody>
       </p:sp>
+      <p:pic>
+        <p:nvPicPr>
+          <p:cNvPr id="5" name="Imagem 4"/>
+          <p:cNvPicPr>
+            <a:picLocks noChangeAspect="1"/>
+          </p:cNvPicPr>
+          <p:nvPr/>
+        </p:nvPicPr>
+        <p:blipFill>
+          <a:blip r:embed="rId2" cstate="print">
+            <a:extLst>
+              <a:ext uri="{28A0092B-C50C-407E-A947-70E740481C1C}">
+                <a14:useLocalDpi xmlns:a14="http://schemas.microsoft.com/office/drawing/2010/main" val="0"/>
+              </a:ext>
+            </a:extLst>
+          </a:blip>
+          <a:stretch>
+            <a:fillRect/>
+          </a:stretch>
+        </p:blipFill>
+        <p:spPr>
+          <a:xfrm>
+            <a:off x="10602142" y="920672"/>
+            <a:ext cx="1589858" cy="650549"/>
+          </a:xfrm>
+          <a:prstGeom prst="rect">
+            <a:avLst/>
+          </a:prstGeom>
+        </p:spPr>
+      </p:pic>
     </p:spTree>
     <p:extLst>
       <p:ext uri="{BB962C8B-B14F-4D97-AF65-F5344CB8AC3E}">
@@ -8911,6 +8976,36 @@
           </a:p>
         </p:txBody>
       </p:sp>
+      <p:pic>
+        <p:nvPicPr>
+          <p:cNvPr id="6" name="Imagem 5"/>
+          <p:cNvPicPr>
+            <a:picLocks noChangeAspect="1"/>
+          </p:cNvPicPr>
+          <p:nvPr/>
+        </p:nvPicPr>
+        <p:blipFill>
+          <a:blip r:embed="rId3" cstate="print">
+            <a:extLst>
+              <a:ext uri="{28A0092B-C50C-407E-A947-70E740481C1C}">
+                <a14:useLocalDpi xmlns:a14="http://schemas.microsoft.com/office/drawing/2010/main" val="0"/>
+              </a:ext>
+            </a:extLst>
+          </a:blip>
+          <a:stretch>
+            <a:fillRect/>
+          </a:stretch>
+        </p:blipFill>
+        <p:spPr>
+          <a:xfrm>
+            <a:off x="10602142" y="920672"/>
+            <a:ext cx="1589858" cy="650549"/>
+          </a:xfrm>
+          <a:prstGeom prst="rect">
+            <a:avLst/>
+          </a:prstGeom>
+        </p:spPr>
+      </p:pic>
     </p:spTree>
     <p:extLst>
       <p:ext uri="{BB962C8B-B14F-4D97-AF65-F5344CB8AC3E}">
@@ -9081,6 +9176,36 @@
           </a:p>
         </p:txBody>
       </p:sp>
+      <p:pic>
+        <p:nvPicPr>
+          <p:cNvPr id="5" name="Imagem 4"/>
+          <p:cNvPicPr>
+            <a:picLocks noChangeAspect="1"/>
+          </p:cNvPicPr>
+          <p:nvPr/>
+        </p:nvPicPr>
+        <p:blipFill>
+          <a:blip r:embed="rId2" cstate="print">
+            <a:extLst>
+              <a:ext uri="{28A0092B-C50C-407E-A947-70E740481C1C}">
+                <a14:useLocalDpi xmlns:a14="http://schemas.microsoft.com/office/drawing/2010/main" val="0"/>
+              </a:ext>
+            </a:extLst>
+          </a:blip>
+          <a:stretch>
+            <a:fillRect/>
+          </a:stretch>
+        </p:blipFill>
+        <p:spPr>
+          <a:xfrm>
+            <a:off x="10602142" y="920672"/>
+            <a:ext cx="1589858" cy="650549"/>
+          </a:xfrm>
+          <a:prstGeom prst="rect">
+            <a:avLst/>
+          </a:prstGeom>
+        </p:spPr>
+      </p:pic>
     </p:spTree>
     <p:extLst>
       <p:ext uri="{BB962C8B-B14F-4D97-AF65-F5344CB8AC3E}">
@@ -9278,6 +9403,36 @@
           </a:p>
         </p:txBody>
       </p:sp>
+      <p:pic>
+        <p:nvPicPr>
+          <p:cNvPr id="5" name="Imagem 4"/>
+          <p:cNvPicPr>
+            <a:picLocks noChangeAspect="1"/>
+          </p:cNvPicPr>
+          <p:nvPr/>
+        </p:nvPicPr>
+        <p:blipFill>
+          <a:blip r:embed="rId2" cstate="print">
+            <a:extLst>
+              <a:ext uri="{28A0092B-C50C-407E-A947-70E740481C1C}">
+                <a14:useLocalDpi xmlns:a14="http://schemas.microsoft.com/office/drawing/2010/main" val="0"/>
+              </a:ext>
+            </a:extLst>
+          </a:blip>
+          <a:stretch>
+            <a:fillRect/>
+          </a:stretch>
+        </p:blipFill>
+        <p:spPr>
+          <a:xfrm>
+            <a:off x="10602142" y="920672"/>
+            <a:ext cx="1589858" cy="650549"/>
+          </a:xfrm>
+          <a:prstGeom prst="rect">
+            <a:avLst/>
+          </a:prstGeom>
+        </p:spPr>
+      </p:pic>
     </p:spTree>
     <p:extLst>
       <p:ext uri="{BB962C8B-B14F-4D97-AF65-F5344CB8AC3E}">
@@ -9391,6 +9546,36 @@
           </a:p>
         </p:txBody>
       </p:sp>
+      <p:pic>
+        <p:nvPicPr>
+          <p:cNvPr id="6" name="Imagem 5"/>
+          <p:cNvPicPr>
+            <a:picLocks noChangeAspect="1"/>
+          </p:cNvPicPr>
+          <p:nvPr/>
+        </p:nvPicPr>
+        <p:blipFill>
+          <a:blip r:embed="rId3" cstate="print">
+            <a:extLst>
+              <a:ext uri="{28A0092B-C50C-407E-A947-70E740481C1C}">
+                <a14:useLocalDpi xmlns:a14="http://schemas.microsoft.com/office/drawing/2010/main" val="0"/>
+              </a:ext>
+            </a:extLst>
+          </a:blip>
+          <a:stretch>
+            <a:fillRect/>
+          </a:stretch>
+        </p:blipFill>
+        <p:spPr>
+          <a:xfrm>
+            <a:off x="10602142" y="920672"/>
+            <a:ext cx="1589858" cy="650549"/>
+          </a:xfrm>
+          <a:prstGeom prst="rect">
+            <a:avLst/>
+          </a:prstGeom>
+        </p:spPr>
+      </p:pic>
     </p:spTree>
     <p:extLst>
       <p:ext uri="{BB962C8B-B14F-4D97-AF65-F5344CB8AC3E}">
@@ -9779,6 +9964,36 @@
           <a:xfrm>
             <a:off x="1394588" y="5423830"/>
             <a:ext cx="2213990" cy="971777"/>
+          </a:xfrm>
+          <a:prstGeom prst="rect">
+            <a:avLst/>
+          </a:prstGeom>
+        </p:spPr>
+      </p:pic>
+      <p:pic>
+        <p:nvPicPr>
+          <p:cNvPr id="15" name="Imagem 14"/>
+          <p:cNvPicPr>
+            <a:picLocks noChangeAspect="1"/>
+          </p:cNvPicPr>
+          <p:nvPr/>
+        </p:nvPicPr>
+        <p:blipFill>
+          <a:blip r:embed="rId10" cstate="print">
+            <a:extLst>
+              <a:ext uri="{28A0092B-C50C-407E-A947-70E740481C1C}">
+                <a14:useLocalDpi xmlns:a14="http://schemas.microsoft.com/office/drawing/2010/main" val="0"/>
+              </a:ext>
+            </a:extLst>
+          </a:blip>
+          <a:stretch>
+            <a:fillRect/>
+          </a:stretch>
+        </p:blipFill>
+        <p:spPr>
+          <a:xfrm>
+            <a:off x="10602142" y="920672"/>
+            <a:ext cx="1589858" cy="650549"/>
           </a:xfrm>
           <a:prstGeom prst="rect">
             <a:avLst/>
@@ -9899,6 +10114,36 @@
           </a:p>
         </p:txBody>
       </p:sp>
+      <p:pic>
+        <p:nvPicPr>
+          <p:cNvPr id="6" name="Imagem 5"/>
+          <p:cNvPicPr>
+            <a:picLocks noChangeAspect="1"/>
+          </p:cNvPicPr>
+          <p:nvPr/>
+        </p:nvPicPr>
+        <p:blipFill>
+          <a:blip r:embed="rId3" cstate="print">
+            <a:extLst>
+              <a:ext uri="{28A0092B-C50C-407E-A947-70E740481C1C}">
+                <a14:useLocalDpi xmlns:a14="http://schemas.microsoft.com/office/drawing/2010/main" val="0"/>
+              </a:ext>
+            </a:extLst>
+          </a:blip>
+          <a:stretch>
+            <a:fillRect/>
+          </a:stretch>
+        </p:blipFill>
+        <p:spPr>
+          <a:xfrm>
+            <a:off x="10602142" y="920672"/>
+            <a:ext cx="1589858" cy="650549"/>
+          </a:xfrm>
+          <a:prstGeom prst="rect">
+            <a:avLst/>
+          </a:prstGeom>
+        </p:spPr>
+      </p:pic>
     </p:spTree>
     <p:extLst>
       <p:ext uri="{BB962C8B-B14F-4D97-AF65-F5344CB8AC3E}">
@@ -9929,6 +10174,36 @@
           <a:chExt cx="0" cy="0"/>
         </a:xfrm>
       </p:grpSpPr>
+      <p:pic>
+        <p:nvPicPr>
+          <p:cNvPr id="6" name="Imagem 5"/>
+          <p:cNvPicPr>
+            <a:picLocks noChangeAspect="1"/>
+          </p:cNvPicPr>
+          <p:nvPr/>
+        </p:nvPicPr>
+        <p:blipFill>
+          <a:blip r:embed="rId2">
+            <a:extLst>
+              <a:ext uri="{28A0092B-C50C-407E-A947-70E740481C1C}">
+                <a14:useLocalDpi xmlns:a14="http://schemas.microsoft.com/office/drawing/2010/main" val="0"/>
+              </a:ext>
+            </a:extLst>
+          </a:blip>
+          <a:stretch>
+            <a:fillRect/>
+          </a:stretch>
+        </p:blipFill>
+        <p:spPr>
+          <a:xfrm>
+            <a:off x="6192006" y="3205063"/>
+            <a:ext cx="5205065" cy="3110213"/>
+          </a:xfrm>
+          <a:prstGeom prst="rect">
+            <a:avLst/>
+          </a:prstGeom>
+        </p:spPr>
+      </p:pic>
       <p:sp>
         <p:nvSpPr>
           <p:cNvPr id="2" name="Título 1"/>
@@ -9945,8 +10220,32 @@
           <a:lstStyle/>
           <a:p>
             <a:r>
-              <a:rPr lang="pt-BR" dirty="0" err="1"/>
-              <a:t>Mapskills-Cadvisor</a:t>
+              <a:rPr lang="pt-BR" dirty="0" smtClean="0"/>
+              <a:t>Microsoft </a:t>
+            </a:r>
+            <a:r>
+              <a:rPr lang="pt-BR" dirty="0" err="1" smtClean="0"/>
+              <a:t>Cloud</a:t>
+            </a:r>
+            <a:r>
+              <a:rPr lang="pt-BR" dirty="0" smtClean="0"/>
+              <a:t> </a:t>
+            </a:r>
+            <a:r>
+              <a:rPr lang="pt-BR" dirty="0" err="1" smtClean="0"/>
+              <a:t>Azure</a:t>
+            </a:r>
+            <a:r>
+              <a:rPr lang="pt-BR" dirty="0" smtClean="0"/>
+              <a:t> e </a:t>
+            </a:r>
+            <a:r>
+              <a:rPr lang="pt-BR" dirty="0" err="1" smtClean="0"/>
+              <a:t>Docker</a:t>
+            </a:r>
+            <a:r>
+              <a:rPr lang="pt-BR" dirty="0" smtClean="0"/>
+              <a:t> </a:t>
             </a:r>
             <a:endParaRPr lang="pt-BR" dirty="0"/>
           </a:p>
@@ -9954,7 +10253,7 @@
       </p:sp>
       <p:sp>
         <p:nvSpPr>
-          <p:cNvPr id="3" name="Espaço Reservado para Conteúdo 2"/>
+          <p:cNvPr id="5" name="Espaço Reservado para Conteúdo 4"/>
           <p:cNvSpPr>
             <a:spLocks noGrp="1"/>
           </p:cNvSpPr>
@@ -9962,54 +10261,74 @@
             <p:ph idx="1"/>
           </p:nvPr>
         </p:nvSpPr>
-        <p:spPr/>
-        <p:txBody>
-          <a:bodyPr/>
-          <a:lstStyle/>
-          <a:p>
-            <a:r>
-              <a:rPr lang="pt-BR" dirty="0"/>
-              <a:t>Container que auxilia no monitoramento dos recursos consumidos pelo host. </a:t>
-            </a:r>
-          </a:p>
-          <a:p>
-            <a:pPr marL="0" indent="0">
-              <a:buNone/>
-            </a:pPr>
-            <a:endParaRPr lang="pt-BR" dirty="0"/>
-          </a:p>
-          <a:p>
-            <a:r>
-              <a:rPr lang="pt-BR" dirty="0"/>
-              <a:t>Monitoramento dos serviços que compõem a arquitetura da aplicação </a:t>
-            </a:r>
-            <a:r>
-              <a:rPr lang="pt-BR" i="1" dirty="0" err="1"/>
-              <a:t>Mapskills</a:t>
-            </a:r>
+        <p:spPr>
+          <a:xfrm>
+            <a:off x="680320" y="2253695"/>
+            <a:ext cx="11302413" cy="1799690"/>
+          </a:xfrm>
+        </p:spPr>
+        <p:txBody>
+          <a:bodyPr>
+            <a:normAutofit/>
+          </a:bodyPr>
+          <a:lstStyle/>
+          <a:p>
             <a:r>
               <a:rPr lang="pt-BR" dirty="0" smtClean="0"/>
-              <a:t>.</a:t>
-            </a:r>
-          </a:p>
-          <a:p>
-            <a:pPr marL="0" indent="0">
-              <a:buNone/>
-            </a:pPr>
-            <a:endParaRPr lang="pt-BR" dirty="0"/>
-          </a:p>
-          <a:p>
+              <a:t>Microsoft </a:t>
+            </a:r>
+            <a:r>
+              <a:rPr lang="pt-BR" dirty="0" err="1" smtClean="0"/>
+              <a:t>Azure</a:t>
+            </a:r>
             <a:r>
               <a:rPr lang="pt-BR" dirty="0" smtClean="0"/>
-              <a:t>Acesso a Interface de Monitoramento: http://ip_do_host:8888</a:t>
-            </a:r>
-            <a:endParaRPr lang="pt-BR" dirty="0"/>
-          </a:p>
-        </p:txBody>
-      </p:sp>
-      <p:sp>
-        <p:nvSpPr>
-          <p:cNvPr id="5" name="Retângulo 4"/>
+              <a:t>: Plataforma de computação na nuvem que hospeda o servidor usado para </a:t>
+            </a:r>
+            <a:r>
+              <a:rPr lang="pt-BR" u="sng" dirty="0" smtClean="0"/>
+              <a:t>implantação</a:t>
+            </a:r>
+            <a:r>
+              <a:rPr lang="pt-BR" dirty="0" smtClean="0"/>
+              <a:t> da plataforma.</a:t>
+            </a:r>
+          </a:p>
+        </p:txBody>
+      </p:sp>
+      <p:pic>
+        <p:nvPicPr>
+          <p:cNvPr id="7" name="Imagem 6"/>
+          <p:cNvPicPr>
+            <a:picLocks noChangeAspect="1"/>
+          </p:cNvPicPr>
+          <p:nvPr/>
+        </p:nvPicPr>
+        <p:blipFill>
+          <a:blip r:embed="rId3" cstate="print">
+            <a:extLst>
+              <a:ext uri="{28A0092B-C50C-407E-A947-70E740481C1C}">
+                <a14:useLocalDpi xmlns:a14="http://schemas.microsoft.com/office/drawing/2010/main" val="0"/>
+              </a:ext>
+            </a:extLst>
+          </a:blip>
+          <a:stretch>
+            <a:fillRect/>
+          </a:stretch>
+        </p:blipFill>
+        <p:spPr>
+          <a:xfrm>
+            <a:off x="10602142" y="920672"/>
+            <a:ext cx="1589858" cy="650549"/>
+          </a:xfrm>
+          <a:prstGeom prst="rect">
+            <a:avLst/>
+          </a:prstGeom>
+        </p:spPr>
+      </p:pic>
+      <p:sp>
+        <p:nvSpPr>
+          <p:cNvPr id="10" name="Retângulo 9"/>
           <p:cNvSpPr/>
           <p:nvPr/>
         </p:nvSpPr>
@@ -10039,10 +10358,67 @@
           </a:p>
         </p:txBody>
       </p:sp>
+      <p:sp>
+        <p:nvSpPr>
+          <p:cNvPr id="11" name="CaixaDeTexto 10"/>
+          <p:cNvSpPr txBox="1"/>
+          <p:nvPr/>
+        </p:nvSpPr>
+        <p:spPr>
+          <a:xfrm>
+            <a:off x="680320" y="3205063"/>
+            <a:ext cx="5431809" cy="1846659"/>
+          </a:xfrm>
+          <a:prstGeom prst="rect">
+            <a:avLst/>
+          </a:prstGeom>
+          <a:noFill/>
+        </p:spPr>
+        <p:txBody>
+          <a:bodyPr wrap="square" rtlCol="0">
+            <a:spAutoFit/>
+          </a:bodyPr>
+          <a:lstStyle/>
+          <a:p>
+            <a:pPr marL="285750" indent="-285750">
+              <a:buFont typeface="Arial" panose="020B0604020202020204" pitchFamily="34" charset="0"/>
+              <a:buChar char="•"/>
+            </a:pPr>
+            <a:r>
+              <a:rPr lang="pt-BR" sz="2400" dirty="0" err="1"/>
+              <a:t>Docker</a:t>
+            </a:r>
+            <a:r>
+              <a:rPr lang="pt-BR" sz="2400" dirty="0"/>
+              <a:t>: Plataforma de software que permite a criação e implantação de </a:t>
+            </a:r>
+            <a:r>
+              <a:rPr lang="pt-BR" sz="2400" dirty="0" smtClean="0"/>
+              <a:t>da plataforma </a:t>
+            </a:r>
+            <a:r>
+              <a:rPr lang="pt-BR" sz="2400" dirty="0" err="1" smtClean="0"/>
+              <a:t>Mapskills</a:t>
+            </a:r>
+            <a:r>
+              <a:rPr lang="pt-BR" sz="2400" dirty="0" smtClean="0"/>
+              <a:t>. </a:t>
+            </a:r>
+            <a:endParaRPr lang="pt-BR" sz="2400" dirty="0"/>
+          </a:p>
+          <a:p>
+            <a:pPr marL="285750" indent="-285750">
+              <a:buFont typeface="Arial" panose="020B0604020202020204" pitchFamily="34" charset="0"/>
+              <a:buChar char="•"/>
+            </a:pPr>
+            <a:endParaRPr lang="pt-BR" dirty="0"/>
+          </a:p>
+        </p:txBody>
+      </p:sp>
     </p:spTree>
     <p:extLst>
       <p:ext uri="{BB962C8B-B14F-4D97-AF65-F5344CB8AC3E}">
-        <p14:creationId xmlns:p14="http://schemas.microsoft.com/office/powerpoint/2010/main" val="2298780734"/>
+        <p14:creationId xmlns:p14="http://schemas.microsoft.com/office/powerpoint/2010/main" val="1229527605"/>
       </p:ext>
     </p:extLst>
   </p:cSld>
@@ -10139,6 +10515,36 @@
           </a:p>
         </p:txBody>
       </p:sp>
+      <p:pic>
+        <p:nvPicPr>
+          <p:cNvPr id="4" name="Imagem 3"/>
+          <p:cNvPicPr>
+            <a:picLocks noChangeAspect="1"/>
+          </p:cNvPicPr>
+          <p:nvPr/>
+        </p:nvPicPr>
+        <p:blipFill>
+          <a:blip r:embed="rId2" cstate="print">
+            <a:extLst>
+              <a:ext uri="{28A0092B-C50C-407E-A947-70E740481C1C}">
+                <a14:useLocalDpi xmlns:a14="http://schemas.microsoft.com/office/drawing/2010/main" val="0"/>
+              </a:ext>
+            </a:extLst>
+          </a:blip>
+          <a:stretch>
+            <a:fillRect/>
+          </a:stretch>
+        </p:blipFill>
+        <p:spPr>
+          <a:xfrm>
+            <a:off x="10602142" y="920672"/>
+            <a:ext cx="1589858" cy="650549"/>
+          </a:xfrm>
+          <a:prstGeom prst="rect">
+            <a:avLst/>
+          </a:prstGeom>
+        </p:spPr>
+      </p:pic>
     </p:spTree>
     <p:extLst>
       <p:ext uri="{BB962C8B-B14F-4D97-AF65-F5344CB8AC3E}">
@@ -10192,68 +10598,127 @@
           </a:p>
         </p:txBody>
       </p:sp>
+      <p:sp>
+        <p:nvSpPr>
+          <p:cNvPr id="3" name="Espaço Reservado para Conteúdo 2"/>
+          <p:cNvSpPr>
+            <a:spLocks noGrp="1"/>
+          </p:cNvSpPr>
+          <p:nvPr>
+            <p:ph idx="1"/>
+          </p:nvPr>
+        </p:nvSpPr>
+        <p:spPr/>
+        <p:txBody>
+          <a:bodyPr/>
+          <a:lstStyle/>
+          <a:p>
+            <a:r>
+              <a:rPr lang="pt-BR" dirty="0"/>
+              <a:t>Container que auxilia no monitoramento dos recursos consumidos pelo host. </a:t>
+            </a:r>
+          </a:p>
+          <a:p>
+            <a:pPr marL="0" indent="0">
+              <a:buNone/>
+            </a:pPr>
+            <a:endParaRPr lang="pt-BR" dirty="0"/>
+          </a:p>
+          <a:p>
+            <a:r>
+              <a:rPr lang="pt-BR" dirty="0"/>
+              <a:t>Monitoramento dos serviços que compõem a arquitetura da aplicação </a:t>
+            </a:r>
+            <a:r>
+              <a:rPr lang="pt-BR" i="1" dirty="0" err="1"/>
+              <a:t>Mapskills</a:t>
+            </a:r>
+            <a:r>
+              <a:rPr lang="pt-BR" dirty="0" smtClean="0"/>
+              <a:t>.</a:t>
+            </a:r>
+          </a:p>
+          <a:p>
+            <a:pPr marL="0" indent="0">
+              <a:buNone/>
+            </a:pPr>
+            <a:endParaRPr lang="pt-BR" dirty="0"/>
+          </a:p>
+          <a:p>
+            <a:r>
+              <a:rPr lang="pt-BR" dirty="0" smtClean="0"/>
+              <a:t>Acesso a Interface de Monitoramento: http://ip_do_host:8888</a:t>
+            </a:r>
+            <a:endParaRPr lang="pt-BR" dirty="0"/>
+          </a:p>
+        </p:txBody>
+      </p:sp>
+      <p:sp>
+        <p:nvSpPr>
+          <p:cNvPr id="5" name="Retângulo 4"/>
+          <p:cNvSpPr/>
+          <p:nvPr/>
+        </p:nvSpPr>
+        <p:spPr>
+          <a:xfrm>
+            <a:off x="680321" y="250521"/>
+            <a:ext cx="2231701" cy="369332"/>
+          </a:xfrm>
+          <a:prstGeom prst="rect">
+            <a:avLst/>
+          </a:prstGeom>
+        </p:spPr>
+        <p:txBody>
+          <a:bodyPr wrap="none">
+            <a:spAutoFit/>
+          </a:bodyPr>
+          <a:lstStyle/>
+          <a:p>
+            <a:pPr marL="285750" indent="-285750">
+              <a:buFont typeface="Arial" panose="020B0604020202020204" pitchFamily="34" charset="0"/>
+              <a:buChar char="•"/>
+            </a:pPr>
+            <a:r>
+              <a:rPr lang="pt-BR" dirty="0"/>
+              <a:t>Desenvolvimento</a:t>
+            </a:r>
+          </a:p>
+        </p:txBody>
+      </p:sp>
       <p:pic>
         <p:nvPicPr>
-          <p:cNvPr id="4" name="Espaço Reservado para Conteúdo 3"/>
+          <p:cNvPr id="6" name="Imagem 5"/>
           <p:cNvPicPr>
-            <a:picLocks noGrp="1" noChangeAspect="1"/>
+            <a:picLocks noChangeAspect="1"/>
           </p:cNvPicPr>
-          <p:nvPr>
-            <p:ph idx="1"/>
-          </p:nvPr>
+          <p:nvPr/>
         </p:nvPicPr>
         <p:blipFill>
-          <a:blip r:embed="rId2"/>
+          <a:blip r:embed="rId2" cstate="print">
+            <a:extLst>
+              <a:ext uri="{28A0092B-C50C-407E-A947-70E740481C1C}">
+                <a14:useLocalDpi xmlns:a14="http://schemas.microsoft.com/office/drawing/2010/main" val="0"/>
+              </a:ext>
+            </a:extLst>
+          </a:blip>
           <a:stretch>
             <a:fillRect/>
           </a:stretch>
         </p:blipFill>
         <p:spPr>
           <a:xfrm>
-            <a:off x="2325191" y="2454366"/>
-            <a:ext cx="6805748" cy="3763554"/>
+            <a:off x="10602142" y="920672"/>
+            <a:ext cx="1589858" cy="650549"/>
           </a:xfrm>
           <a:prstGeom prst="rect">
             <a:avLst/>
           </a:prstGeom>
         </p:spPr>
       </p:pic>
-      <p:sp>
-        <p:nvSpPr>
-          <p:cNvPr id="5" name="Retângulo 4"/>
-          <p:cNvSpPr/>
-          <p:nvPr/>
-        </p:nvSpPr>
-        <p:spPr>
-          <a:xfrm>
-            <a:off x="680321" y="250521"/>
-            <a:ext cx="2231701" cy="369332"/>
-          </a:xfrm>
-          <a:prstGeom prst="rect">
-            <a:avLst/>
-          </a:prstGeom>
-        </p:spPr>
-        <p:txBody>
-          <a:bodyPr wrap="none">
-            <a:spAutoFit/>
-          </a:bodyPr>
-          <a:lstStyle/>
-          <a:p>
-            <a:pPr marL="285750" indent="-285750">
-              <a:buFont typeface="Arial" panose="020B0604020202020204" pitchFamily="34" charset="0"/>
-              <a:buChar char="•"/>
-            </a:pPr>
-            <a:r>
-              <a:rPr lang="pt-BR" dirty="0"/>
-              <a:t>Desenvolvimento</a:t>
-            </a:r>
-          </a:p>
-        </p:txBody>
-      </p:sp>
     </p:spTree>
     <p:extLst>
       <p:ext uri="{BB962C8B-B14F-4D97-AF65-F5344CB8AC3E}">
-        <p14:creationId xmlns:p14="http://schemas.microsoft.com/office/powerpoint/2010/main" val="3599699526"/>
+        <p14:creationId xmlns:p14="http://schemas.microsoft.com/office/powerpoint/2010/main" val="2298780734"/>
       </p:ext>
     </p:extLst>
   </p:cSld>
@@ -10296,110 +10761,42 @@
           <a:lstStyle/>
           <a:p>
             <a:r>
-              <a:rPr lang="pt-BR" dirty="0" err="1" smtClean="0"/>
-              <a:t>Mapskills-back</a:t>
+              <a:rPr lang="pt-BR" dirty="0" err="1"/>
+              <a:t>Mapskills-Cadvisor</a:t>
             </a:r>
             <a:endParaRPr lang="pt-BR" dirty="0"/>
           </a:p>
         </p:txBody>
       </p:sp>
-      <p:sp>
-        <p:nvSpPr>
-          <p:cNvPr id="3" name="Espaço Reservado para Conteúdo 2"/>
-          <p:cNvSpPr>
-            <a:spLocks noGrp="1"/>
-          </p:cNvSpPr>
+      <p:pic>
+        <p:nvPicPr>
+          <p:cNvPr id="4" name="Espaço Reservado para Conteúdo 3"/>
+          <p:cNvPicPr>
+            <a:picLocks noGrp="1" noChangeAspect="1"/>
+          </p:cNvPicPr>
           <p:nvPr>
             <p:ph idx="1"/>
           </p:nvPr>
-        </p:nvSpPr>
-        <p:spPr/>
-        <p:txBody>
-          <a:bodyPr>
-            <a:normAutofit/>
-          </a:bodyPr>
-          <a:lstStyle/>
-          <a:p>
-            <a:pPr hangingPunct="0"/>
-            <a:r>
-              <a:rPr lang="pt-BR" dirty="0" err="1"/>
-              <a:t>Tomcat</a:t>
-            </a:r>
-            <a:r>
-              <a:rPr lang="pt-BR" dirty="0"/>
-              <a:t> </a:t>
-            </a:r>
-            <a:r>
-              <a:rPr lang="pt-BR" dirty="0" smtClean="0"/>
-              <a:t>8.5</a:t>
-            </a:r>
-          </a:p>
-          <a:p>
-            <a:pPr hangingPunct="0"/>
-            <a:r>
-              <a:rPr lang="pt-BR" dirty="0" smtClean="0"/>
-              <a:t>Java </a:t>
-            </a:r>
-            <a:r>
-              <a:rPr lang="pt-BR" dirty="0"/>
-              <a:t>1.8 </a:t>
-            </a:r>
-          </a:p>
-          <a:p>
-            <a:pPr hangingPunct="0"/>
-            <a:r>
-              <a:rPr lang="pt-BR" dirty="0" smtClean="0"/>
-              <a:t>Container </a:t>
-            </a:r>
-            <a:r>
-              <a:rPr lang="pt-BR" dirty="0"/>
-              <a:t>responsável por conter o projeto Java de </a:t>
-            </a:r>
-            <a:r>
-              <a:rPr lang="pt-BR" i="1" dirty="0" err="1"/>
-              <a:t>back-end</a:t>
-            </a:r>
-            <a:r>
-              <a:rPr lang="pt-BR" dirty="0"/>
-              <a:t>, </a:t>
-            </a:r>
-            <a:r>
-              <a:rPr lang="pt-BR" i="1" dirty="0" err="1"/>
-              <a:t>mapskills.war</a:t>
-            </a:r>
-            <a:r>
-              <a:rPr lang="pt-BR" dirty="0"/>
-              <a:t>. </a:t>
-            </a:r>
-          </a:p>
-          <a:p>
-            <a:pPr hangingPunct="0"/>
-            <a:r>
-              <a:rPr lang="pt-BR" dirty="0" err="1" smtClean="0"/>
-              <a:t>Url</a:t>
-            </a:r>
-            <a:r>
-              <a:rPr lang="pt-BR" dirty="0" smtClean="0"/>
-              <a:t> </a:t>
-            </a:r>
-            <a:r>
-              <a:rPr lang="pt-BR" dirty="0"/>
-              <a:t>de acesso a API: http://ip_do_host:8080/</a:t>
-            </a:r>
-            <a:r>
-              <a:rPr lang="pt-BR" i="1" dirty="0"/>
-              <a:t>mapskills</a:t>
-            </a:r>
-            <a:endParaRPr lang="pt-BR" dirty="0"/>
-          </a:p>
-          <a:p>
-            <a:endParaRPr lang="pt-BR" dirty="0"/>
-          </a:p>
-        </p:txBody>
-      </p:sp>
-      <p:sp>
-        <p:nvSpPr>
-          <p:cNvPr id="4" name="Retângulo 3"/>
+        </p:nvPicPr>
+        <p:blipFill>
+          <a:blip r:embed="rId2"/>
+          <a:stretch>
+            <a:fillRect/>
+          </a:stretch>
+        </p:blipFill>
+        <p:spPr>
+          <a:xfrm>
+            <a:off x="2325191" y="2454366"/>
+            <a:ext cx="6805748" cy="3763554"/>
+          </a:xfrm>
+          <a:prstGeom prst="rect">
+            <a:avLst/>
+          </a:prstGeom>
+        </p:spPr>
+      </p:pic>
+      <p:sp>
+        <p:nvSpPr>
+          <p:cNvPr id="5" name="Retângulo 4"/>
           <p:cNvSpPr/>
           <p:nvPr/>
         </p:nvSpPr>
@@ -10429,10 +10826,40 @@
           </a:p>
         </p:txBody>
       </p:sp>
+      <p:pic>
+        <p:nvPicPr>
+          <p:cNvPr id="6" name="Imagem 5"/>
+          <p:cNvPicPr>
+            <a:picLocks noChangeAspect="1"/>
+          </p:cNvPicPr>
+          <p:nvPr/>
+        </p:nvPicPr>
+        <p:blipFill>
+          <a:blip r:embed="rId3" cstate="print">
+            <a:extLst>
+              <a:ext uri="{28A0092B-C50C-407E-A947-70E740481C1C}">
+                <a14:useLocalDpi xmlns:a14="http://schemas.microsoft.com/office/drawing/2010/main" val="0"/>
+              </a:ext>
+            </a:extLst>
+          </a:blip>
+          <a:stretch>
+            <a:fillRect/>
+          </a:stretch>
+        </p:blipFill>
+        <p:spPr>
+          <a:xfrm>
+            <a:off x="10602142" y="920672"/>
+            <a:ext cx="1589858" cy="650549"/>
+          </a:xfrm>
+          <a:prstGeom prst="rect">
+            <a:avLst/>
+          </a:prstGeom>
+        </p:spPr>
+      </p:pic>
     </p:spTree>
     <p:extLst>
       <p:ext uri="{BB962C8B-B14F-4D97-AF65-F5344CB8AC3E}">
-        <p14:creationId xmlns:p14="http://schemas.microsoft.com/office/powerpoint/2010/main" val="3385733950"/>
+        <p14:creationId xmlns:p14="http://schemas.microsoft.com/office/powerpoint/2010/main" val="3599699526"/>
       </p:ext>
     </p:extLst>
   </p:cSld>
@@ -10476,54 +10903,42 @@
           <a:p>
             <a:r>
               <a:rPr lang="pt-BR" dirty="0" err="1" smtClean="0"/>
-              <a:t>Mapskills</a:t>
+              <a:t>Mapskills-back</a:t>
+            </a:r>
+            <a:endParaRPr lang="pt-BR" dirty="0"/>
+          </a:p>
+        </p:txBody>
+      </p:sp>
+      <p:sp>
+        <p:nvSpPr>
+          <p:cNvPr id="3" name="Espaço Reservado para Conteúdo 2"/>
+          <p:cNvSpPr>
+            <a:spLocks noGrp="1"/>
+          </p:cNvSpPr>
+          <p:nvPr>
+            <p:ph idx="1"/>
+          </p:nvPr>
+        </p:nvSpPr>
+        <p:spPr/>
+        <p:txBody>
+          <a:bodyPr>
+            <a:normAutofit/>
+          </a:bodyPr>
+          <a:lstStyle/>
+          <a:p>
+            <a:pPr hangingPunct="0"/>
+            <a:r>
+              <a:rPr lang="pt-BR" dirty="0" err="1"/>
+              <a:t>Tomcat</a:t>
+            </a:r>
+            <a:r>
+              <a:rPr lang="pt-BR" dirty="0"/>
+              <a:t> </a:t>
             </a:r>
             <a:r>
               <a:rPr lang="pt-BR" dirty="0" smtClean="0"/>
-              <a:t>-front</a:t>
-            </a:r>
-            <a:endParaRPr lang="pt-BR" dirty="0"/>
-          </a:p>
-        </p:txBody>
-      </p:sp>
-      <p:sp>
-        <p:nvSpPr>
-          <p:cNvPr id="3" name="Espaço Reservado para Conteúdo 2"/>
-          <p:cNvSpPr>
-            <a:spLocks noGrp="1"/>
-          </p:cNvSpPr>
-          <p:nvPr>
-            <p:ph idx="1"/>
-          </p:nvPr>
-        </p:nvSpPr>
-        <p:spPr>
-          <a:xfrm>
-            <a:off x="680320" y="2310748"/>
-            <a:ext cx="9613861" cy="3599316"/>
-          </a:xfrm>
-        </p:spPr>
-        <p:txBody>
-          <a:bodyPr/>
-          <a:lstStyle/>
-          <a:p>
-            <a:pPr hangingPunct="0"/>
-            <a:r>
-              <a:rPr lang="pt-BR" dirty="0"/>
-              <a:t>Container responsável por conter o projeto de Interface </a:t>
-            </a:r>
-            <a:r>
-              <a:rPr lang="pt-BR" dirty="0" smtClean="0"/>
-              <a:t>Web, </a:t>
-            </a:r>
-            <a:r>
-              <a:rPr lang="pt-BR" dirty="0" err="1"/>
-              <a:t>mapskills-web.war</a:t>
-            </a:r>
-            <a:r>
-              <a:rPr lang="pt-BR" dirty="0"/>
-              <a:t>. </a:t>
-            </a:r>
-            <a:endParaRPr lang="pt-BR" dirty="0" smtClean="0"/>
+              <a:t>8.5</a:t>
+            </a:r>
           </a:p>
           <a:p>
             <a:pPr hangingPunct="0"/>
@@ -10533,41 +10948,35 @@
             </a:r>
             <a:r>
               <a:rPr lang="pt-BR" dirty="0"/>
-              <a:t>na versão 1.8 </a:t>
-            </a:r>
-            <a:endParaRPr lang="pt-BR" dirty="0" smtClean="0"/>
+              <a:t>1.8 </a:t>
+            </a:r>
           </a:p>
           <a:p>
             <a:pPr hangingPunct="0"/>
             <a:r>
-              <a:rPr lang="pt-BR" dirty="0" err="1" smtClean="0"/>
-              <a:t>Tomcat</a:t>
-            </a:r>
-            <a:r>
               <a:rPr lang="pt-BR" dirty="0" smtClean="0"/>
-              <a:t> 8.5</a:t>
-            </a:r>
-            <a:endParaRPr lang="pt-BR" dirty="0"/>
-          </a:p>
-          <a:p>
-            <a:pPr hangingPunct="0"/>
-            <a:r>
-              <a:rPr lang="pt-BR" dirty="0"/>
-              <a:t>Imagem Base: </a:t>
-            </a:r>
-            <a:r>
-              <a:rPr lang="pt-BR" dirty="0" err="1"/>
-              <a:t>Alpine</a:t>
-            </a:r>
-            <a:r>
-              <a:rPr lang="pt-BR" dirty="0"/>
-              <a:t> </a:t>
-            </a:r>
-            <a:r>
-              <a:rPr lang="pt-BR" dirty="0" smtClean="0"/>
-              <a:t>3</a:t>
-            </a:r>
-            <a:endParaRPr lang="pt-BR" dirty="0"/>
+              <a:t>Container </a:t>
+            </a:r>
+            <a:r>
+              <a:rPr lang="pt-BR" dirty="0"/>
+              <a:t>responsável por conter o projeto Java de </a:t>
+            </a:r>
+            <a:r>
+              <a:rPr lang="pt-BR" i="1" dirty="0" err="1"/>
+              <a:t>back-end</a:t>
+            </a:r>
+            <a:r>
+              <a:rPr lang="pt-BR" dirty="0"/>
+              <a:t>, </a:t>
+            </a:r>
+            <a:r>
+              <a:rPr lang="pt-BR" i="1" dirty="0" err="1"/>
+              <a:t>mapskills.war</a:t>
+            </a:r>
+            <a:r>
+              <a:rPr lang="pt-BR" dirty="0"/>
+              <a:t>. </a:t>
+            </a:r>
           </a:p>
           <a:p>
             <a:pPr hangingPunct="0"/>
@@ -10577,12 +10986,17 @@
             </a:r>
             <a:r>
               <a:rPr lang="pt-BR" dirty="0" smtClean="0"/>
-              <a:t> de acesso a interface: </a:t>
-            </a:r>
-            <a:r>
-              <a:rPr lang="pt-BR" dirty="0"/>
-              <a:t>http://ip_do_host/mapskills-web</a:t>
-            </a:r>
+              <a:t> </a:t>
+            </a:r>
+            <a:r>
+              <a:rPr lang="pt-BR" dirty="0"/>
+              <a:t>de acesso a API: http://ip_do_host:8080/</a:t>
+            </a:r>
+            <a:r>
+              <a:rPr lang="pt-BR" i="1" dirty="0"/>
+              <a:t>mapskills</a:t>
+            </a:r>
+            <a:endParaRPr lang="pt-BR" dirty="0"/>
           </a:p>
           <a:p>
             <a:endParaRPr lang="pt-BR" dirty="0"/>
@@ -10621,10 +11035,40 @@
           </a:p>
         </p:txBody>
       </p:sp>
+      <p:pic>
+        <p:nvPicPr>
+          <p:cNvPr id="5" name="Imagem 4"/>
+          <p:cNvPicPr>
+            <a:picLocks noChangeAspect="1"/>
+          </p:cNvPicPr>
+          <p:nvPr/>
+        </p:nvPicPr>
+        <p:blipFill>
+          <a:blip r:embed="rId2" cstate="print">
+            <a:extLst>
+              <a:ext uri="{28A0092B-C50C-407E-A947-70E740481C1C}">
+                <a14:useLocalDpi xmlns:a14="http://schemas.microsoft.com/office/drawing/2010/main" val="0"/>
+              </a:ext>
+            </a:extLst>
+          </a:blip>
+          <a:stretch>
+            <a:fillRect/>
+          </a:stretch>
+        </p:blipFill>
+        <p:spPr>
+          <a:xfrm>
+            <a:off x="10602142" y="920672"/>
+            <a:ext cx="1589858" cy="650549"/>
+          </a:xfrm>
+          <a:prstGeom prst="rect">
+            <a:avLst/>
+          </a:prstGeom>
+        </p:spPr>
+      </p:pic>
     </p:spTree>
     <p:extLst>
       <p:ext uri="{BB962C8B-B14F-4D97-AF65-F5344CB8AC3E}">
-        <p14:creationId xmlns:p14="http://schemas.microsoft.com/office/powerpoint/2010/main" val="1993514350"/>
+        <p14:creationId xmlns:p14="http://schemas.microsoft.com/office/powerpoint/2010/main" val="3385733950"/>
       </p:ext>
     </p:extLst>
   </p:cSld>
@@ -10667,128 +11111,116 @@
           <a:lstStyle/>
           <a:p>
             <a:r>
+              <a:rPr lang="pt-BR" dirty="0" err="1" smtClean="0"/>
+              <a:t>Mapskills</a:t>
+            </a:r>
+            <a:r>
+              <a:rPr lang="pt-BR" dirty="0" smtClean="0"/>
+              <a:t>-front</a:t>
+            </a:r>
+            <a:endParaRPr lang="pt-BR" dirty="0"/>
+          </a:p>
+        </p:txBody>
+      </p:sp>
+      <p:sp>
+        <p:nvSpPr>
+          <p:cNvPr id="3" name="Espaço Reservado para Conteúdo 2"/>
+          <p:cNvSpPr>
+            <a:spLocks noGrp="1"/>
+          </p:cNvSpPr>
+          <p:nvPr>
+            <p:ph idx="1"/>
+          </p:nvPr>
+        </p:nvSpPr>
+        <p:spPr>
+          <a:xfrm>
+            <a:off x="680320" y="2310748"/>
+            <a:ext cx="9613861" cy="3599316"/>
+          </a:xfrm>
+        </p:spPr>
+        <p:txBody>
+          <a:bodyPr/>
+          <a:lstStyle/>
+          <a:p>
+            <a:pPr hangingPunct="0"/>
+            <a:r>
+              <a:rPr lang="pt-BR" dirty="0"/>
+              <a:t>Container responsável por conter o projeto de Interface </a:t>
+            </a:r>
+            <a:r>
+              <a:rPr lang="pt-BR" dirty="0" smtClean="0"/>
+              <a:t>Web, </a:t>
+            </a:r>
+            <a:r>
               <a:rPr lang="pt-BR" dirty="0" err="1"/>
-              <a:t>Mapskills-Mysql</a:t>
+              <a:t>mapskills-web.war</a:t>
+            </a:r>
+            <a:r>
+              <a:rPr lang="pt-BR" dirty="0"/>
+              <a:t>. </a:t>
+            </a:r>
+            <a:endParaRPr lang="pt-BR" dirty="0" smtClean="0"/>
+          </a:p>
+          <a:p>
+            <a:pPr hangingPunct="0"/>
+            <a:r>
+              <a:rPr lang="pt-BR" dirty="0" smtClean="0"/>
+              <a:t>Java </a:t>
+            </a:r>
+            <a:r>
+              <a:rPr lang="pt-BR" dirty="0"/>
+              <a:t>na versão 1.8 </a:t>
+            </a:r>
+            <a:endParaRPr lang="pt-BR" dirty="0" smtClean="0"/>
+          </a:p>
+          <a:p>
+            <a:pPr hangingPunct="0"/>
+            <a:r>
+              <a:rPr lang="pt-BR" dirty="0" err="1" smtClean="0"/>
+              <a:t>Tomcat</a:t>
+            </a:r>
+            <a:r>
+              <a:rPr lang="pt-BR" dirty="0" smtClean="0"/>
+              <a:t> 8.5</a:t>
             </a:r>
             <a:endParaRPr lang="pt-BR" dirty="0"/>
           </a:p>
-        </p:txBody>
-      </p:sp>
-      <p:sp>
-        <p:nvSpPr>
-          <p:cNvPr id="3" name="Espaço Reservado para Conteúdo 2"/>
-          <p:cNvSpPr>
-            <a:spLocks noGrp="1"/>
-          </p:cNvSpPr>
-          <p:nvPr>
-            <p:ph idx="1"/>
-          </p:nvPr>
-        </p:nvSpPr>
-        <p:spPr/>
-        <p:txBody>
-          <a:bodyPr>
-            <a:normAutofit/>
-          </a:bodyPr>
-          <a:lstStyle/>
           <a:p>
             <a:pPr hangingPunct="0"/>
             <a:r>
+              <a:rPr lang="pt-BR" dirty="0"/>
+              <a:t>Imagem Base: </a:t>
+            </a:r>
+            <a:r>
+              <a:rPr lang="pt-BR" dirty="0" err="1"/>
+              <a:t>Alpine</a:t>
+            </a:r>
+            <a:r>
+              <a:rPr lang="pt-BR" dirty="0"/>
+              <a:t> </a:t>
+            </a:r>
+            <a:r>
               <a:rPr lang="pt-BR" dirty="0" smtClean="0"/>
-              <a:t>Alterado parâmetro </a:t>
-            </a:r>
-            <a:r>
-              <a:rPr lang="pt-BR" i="1" dirty="0" err="1" smtClean="0"/>
-              <a:t>bind-address</a:t>
+              <a:t>3</a:t>
+            </a:r>
+            <a:endParaRPr lang="pt-BR" dirty="0"/>
+          </a:p>
+          <a:p>
+            <a:pPr hangingPunct="0"/>
+            <a:r>
+              <a:rPr lang="pt-BR" dirty="0" err="1" smtClean="0"/>
+              <a:t>Url</a:t>
             </a:r>
             <a:r>
               <a:rPr lang="pt-BR" dirty="0" smtClean="0"/>
-              <a:t> </a:t>
-            </a:r>
-            <a:r>
-              <a:rPr lang="pt-BR" dirty="0"/>
-              <a:t>para </a:t>
-            </a:r>
-            <a:r>
-              <a:rPr lang="pt-BR" i="1" dirty="0"/>
-              <a:t>0.0.0.0 </a:t>
-            </a:r>
-            <a:r>
-              <a:rPr lang="pt-BR" dirty="0"/>
-              <a:t>no arquivo </a:t>
-            </a:r>
-            <a:r>
-              <a:rPr lang="pt-BR" i="1" dirty="0" err="1"/>
-              <a:t>my.cnf</a:t>
-            </a:r>
-            <a:r>
-              <a:rPr lang="pt-BR" i="1" dirty="0"/>
-              <a:t> </a:t>
-            </a:r>
-            <a:r>
-              <a:rPr lang="pt-BR" dirty="0"/>
-              <a:t>permitindo acesso remoto.</a:t>
-            </a:r>
-          </a:p>
-          <a:p>
-            <a:pPr hangingPunct="0"/>
-            <a:r>
-              <a:rPr lang="pt-BR" dirty="0"/>
-              <a:t>Usuário </a:t>
-            </a:r>
-            <a:r>
-              <a:rPr lang="pt-BR" dirty="0" err="1" smtClean="0"/>
-              <a:t>mapskills</a:t>
-            </a:r>
-            <a:r>
-              <a:rPr lang="pt-BR" dirty="0" smtClean="0"/>
-              <a:t> com permissões </a:t>
-            </a:r>
-            <a:r>
-              <a:rPr lang="pt-BR" dirty="0" smtClean="0"/>
-              <a:t>de acesso remoto e </a:t>
-            </a:r>
-            <a:r>
-              <a:rPr lang="pt-BR" dirty="0" smtClean="0"/>
-              <a:t>execução de comandos DCL e DDL na </a:t>
-            </a:r>
-            <a:r>
-              <a:rPr lang="pt-BR" dirty="0"/>
-              <a:t>Base de Dados </a:t>
-            </a:r>
-            <a:r>
-              <a:rPr lang="pt-BR" dirty="0" err="1"/>
-              <a:t>Mapskills</a:t>
-            </a:r>
-            <a:r>
-              <a:rPr lang="pt-BR" dirty="0"/>
-              <a:t>.</a:t>
-            </a:r>
-          </a:p>
-          <a:p>
-            <a:pPr hangingPunct="0"/>
-            <a:r>
-              <a:rPr lang="pt-BR" dirty="0"/>
-              <a:t>Somente o Container </a:t>
-            </a:r>
-            <a:r>
-              <a:rPr lang="pt-BR" dirty="0" err="1" smtClean="0"/>
-              <a:t>Mapskills-back</a:t>
-            </a:r>
-            <a:r>
-              <a:rPr lang="pt-BR" dirty="0" smtClean="0"/>
-              <a:t> </a:t>
-            </a:r>
-            <a:r>
-              <a:rPr lang="pt-BR" dirty="0"/>
-              <a:t>pode se comunicar com a Base de </a:t>
-            </a:r>
-            <a:r>
-              <a:rPr lang="pt-BR" dirty="0" smtClean="0"/>
-              <a:t>Dados.</a:t>
-            </a:r>
-          </a:p>
-          <a:p>
-            <a:pPr hangingPunct="0"/>
+              <a:t> de acesso a interface: </a:t>
+            </a:r>
+            <a:r>
+              <a:rPr lang="pt-BR" dirty="0"/>
+              <a:t>http://ip_do_host/mapskills-web</a:t>
+            </a:r>
+          </a:p>
+          <a:p>
             <a:endParaRPr lang="pt-BR" dirty="0"/>
           </a:p>
         </p:txBody>
@@ -10825,10 +11257,40 @@
           </a:p>
         </p:txBody>
       </p:sp>
+      <p:pic>
+        <p:nvPicPr>
+          <p:cNvPr id="5" name="Imagem 4"/>
+          <p:cNvPicPr>
+            <a:picLocks noChangeAspect="1"/>
+          </p:cNvPicPr>
+          <p:nvPr/>
+        </p:nvPicPr>
+        <p:blipFill>
+          <a:blip r:embed="rId2" cstate="print">
+            <a:extLst>
+              <a:ext uri="{28A0092B-C50C-407E-A947-70E740481C1C}">
+                <a14:useLocalDpi xmlns:a14="http://schemas.microsoft.com/office/drawing/2010/main" val="0"/>
+              </a:ext>
+            </a:extLst>
+          </a:blip>
+          <a:stretch>
+            <a:fillRect/>
+          </a:stretch>
+        </p:blipFill>
+        <p:spPr>
+          <a:xfrm>
+            <a:off x="10602142" y="920672"/>
+            <a:ext cx="1589858" cy="650549"/>
+          </a:xfrm>
+          <a:prstGeom prst="rect">
+            <a:avLst/>
+          </a:prstGeom>
+        </p:spPr>
+      </p:pic>
     </p:spTree>
     <p:extLst>
       <p:ext uri="{BB962C8B-B14F-4D97-AF65-F5344CB8AC3E}">
-        <p14:creationId xmlns:p14="http://schemas.microsoft.com/office/powerpoint/2010/main" val="3414724196"/>
+        <p14:creationId xmlns:p14="http://schemas.microsoft.com/office/powerpoint/2010/main" val="1993514350"/>
       </p:ext>
     </p:extLst>
   </p:cSld>
@@ -10872,7 +11334,7 @@
           <a:p>
             <a:r>
               <a:rPr lang="pt-BR" dirty="0" err="1"/>
-              <a:t>Mapskills-Haproxy</a:t>
+              <a:t>Mapskills-Mysql</a:t>
             </a:r>
             <a:endParaRPr lang="pt-BR" dirty="0"/>
           </a:p>
@@ -10897,54 +11359,12 @@
           <a:p>
             <a:pPr hangingPunct="0"/>
             <a:r>
-              <a:rPr lang="pt-BR" dirty="0" err="1" smtClean="0"/>
-              <a:t>Balanceador</a:t>
-            </a:r>
-            <a:r>
               <a:rPr lang="pt-BR" dirty="0" smtClean="0"/>
-              <a:t> de carga que controla as requisições HTTP </a:t>
-            </a:r>
-            <a:r>
-              <a:rPr lang="pt-BR" dirty="0"/>
-              <a:t>destinadas ao </a:t>
-            </a:r>
-            <a:r>
-              <a:rPr lang="pt-BR" dirty="0" err="1" smtClean="0"/>
-              <a:t>Mapskills-app</a:t>
-            </a:r>
-            <a:r>
-              <a:rPr lang="pt-BR" dirty="0"/>
-              <a:t>.</a:t>
-            </a:r>
-          </a:p>
-          <a:p>
-            <a:pPr hangingPunct="0"/>
-            <a:r>
-              <a:rPr lang="pt-BR" dirty="0" smtClean="0"/>
-              <a:t>Utiliza do algoritmo </a:t>
-            </a:r>
-            <a:r>
-              <a:rPr lang="pt-BR" dirty="0"/>
-              <a:t>Round </a:t>
-            </a:r>
-            <a:r>
-              <a:rPr lang="pt-BR" dirty="0" smtClean="0"/>
-              <a:t>Robin.</a:t>
-            </a:r>
-            <a:endParaRPr lang="pt-BR" dirty="0"/>
-          </a:p>
-          <a:p>
-            <a:pPr hangingPunct="0"/>
-            <a:r>
-              <a:rPr lang="pt-BR" dirty="0" smtClean="0"/>
-              <a:t>Proxy Reverso.</a:t>
-            </a:r>
-          </a:p>
-          <a:p>
-            <a:pPr hangingPunct="0"/>
-            <a:r>
-              <a:rPr lang="pt-BR" dirty="0" err="1" smtClean="0"/>
-              <a:t>Dashboard</a:t>
+              <a:t>Alterado parâmetro </a:t>
+            </a:r>
+            <a:r>
+              <a:rPr lang="pt-BR" i="1" dirty="0" err="1" smtClean="0"/>
+              <a:t>bind-address</a:t>
             </a:r>
             <a:r>
               <a:rPr lang="pt-BR" dirty="0" smtClean="0"/>
@@ -10952,61 +11372,81 @@
             </a:r>
             <a:r>
               <a:rPr lang="pt-BR" dirty="0"/>
-              <a:t>para visualização </a:t>
+              <a:t>para </a:t>
+            </a:r>
+            <a:r>
+              <a:rPr lang="pt-BR" i="1" dirty="0"/>
+              <a:t>0.0.0.0 </a:t>
+            </a:r>
+            <a:r>
+              <a:rPr lang="pt-BR" dirty="0"/>
+              <a:t>no arquivo </a:t>
+            </a:r>
+            <a:r>
+              <a:rPr lang="pt-BR" i="1" dirty="0" err="1"/>
+              <a:t>my.cnf</a:t>
+            </a:r>
+            <a:r>
+              <a:rPr lang="pt-BR" i="1" dirty="0"/>
+              <a:t> </a:t>
+            </a:r>
+            <a:r>
+              <a:rPr lang="pt-BR" dirty="0"/>
+              <a:t>permitindo acesso remoto.</a:t>
+            </a:r>
+          </a:p>
+          <a:p>
+            <a:pPr hangingPunct="0"/>
+            <a:r>
+              <a:rPr lang="pt-BR" dirty="0"/>
+              <a:t>Usuário </a:t>
+            </a:r>
+            <a:r>
+              <a:rPr lang="pt-BR" dirty="0" err="1" smtClean="0"/>
+              <a:t>mapskills</a:t>
             </a:r>
             <a:r>
               <a:rPr lang="pt-BR" dirty="0" smtClean="0"/>
-              <a:t>do </a:t>
-            </a:r>
-            <a:r>
-              <a:rPr lang="pt-BR" dirty="0"/>
-              <a:t>números de </a:t>
+              <a:t> com permissões de acesso remoto e execução de comandos DCL e DDL na </a:t>
+            </a:r>
+            <a:r>
+              <a:rPr lang="pt-BR" dirty="0"/>
+              <a:t>Base de Dados </a:t>
+            </a:r>
+            <a:r>
+              <a:rPr lang="pt-BR" dirty="0" err="1"/>
+              <a:t>Mapskills</a:t>
+            </a:r>
+            <a:r>
+              <a:rPr lang="pt-BR" dirty="0"/>
+              <a:t>.</a:t>
+            </a:r>
+          </a:p>
+          <a:p>
+            <a:pPr hangingPunct="0"/>
+            <a:r>
+              <a:rPr lang="pt-BR" dirty="0"/>
+              <a:t>Somente o Container </a:t>
+            </a:r>
+            <a:r>
+              <a:rPr lang="pt-BR" dirty="0" err="1" smtClean="0"/>
+              <a:t>Mapskills-back</a:t>
             </a:r>
             <a:r>
               <a:rPr lang="pt-BR" dirty="0" smtClean="0"/>
-              <a:t>requisições, exibindo em </a:t>
-            </a:r>
-            <a:r>
-              <a:rPr lang="pt-BR" dirty="0"/>
-              <a:t>tempo real a quantidade de </a:t>
+              <a:t> </a:t>
+            </a:r>
+            <a:r>
+              <a:rPr lang="pt-BR" dirty="0"/>
+              <a:t>pode se comunicar com a Base de </a:t>
             </a:r>
             <a:r>
               <a:rPr lang="pt-BR" dirty="0" smtClean="0"/>
-              <a:t>dados </a:t>
-            </a:r>
-            <a:r>
-              <a:rPr lang="pt-BR" dirty="0"/>
-              <a:t>que foi trafegada pela </a:t>
-            </a:r>
-            <a:r>
-              <a:rPr lang="pt-BR" dirty="0" smtClean="0"/>
-              <a:t>rede</a:t>
-            </a:r>
-            <a:r>
-              <a:rPr lang="pt-BR" dirty="0"/>
-              <a:t>.</a:t>
+              <a:t>Dados.</a:t>
             </a:r>
           </a:p>
           <a:p>
             <a:pPr hangingPunct="0"/>
-            <a:r>
-              <a:rPr lang="pt-BR" dirty="0" err="1"/>
-              <a:t>Url</a:t>
-            </a:r>
-            <a:r>
-              <a:rPr lang="pt-BR" dirty="0"/>
-              <a:t> de acesso ao </a:t>
-            </a:r>
-            <a:r>
-              <a:rPr lang="pt-BR" dirty="0" err="1"/>
-              <a:t>dashboard</a:t>
-            </a:r>
-            <a:r>
-              <a:rPr lang="pt-BR" dirty="0"/>
-              <a:t>: http://ip_do_host:1936.</a:t>
-            </a:r>
-          </a:p>
-          <a:p>
             <a:endParaRPr lang="pt-BR" dirty="0"/>
           </a:p>
         </p:txBody>
@@ -11043,10 +11483,40 @@
           </a:p>
         </p:txBody>
       </p:sp>
+      <p:pic>
+        <p:nvPicPr>
+          <p:cNvPr id="5" name="Imagem 4"/>
+          <p:cNvPicPr>
+            <a:picLocks noChangeAspect="1"/>
+          </p:cNvPicPr>
+          <p:nvPr/>
+        </p:nvPicPr>
+        <p:blipFill>
+          <a:blip r:embed="rId2" cstate="print">
+            <a:extLst>
+              <a:ext uri="{28A0092B-C50C-407E-A947-70E740481C1C}">
+                <a14:useLocalDpi xmlns:a14="http://schemas.microsoft.com/office/drawing/2010/main" val="0"/>
+              </a:ext>
+            </a:extLst>
+          </a:blip>
+          <a:stretch>
+            <a:fillRect/>
+          </a:stretch>
+        </p:blipFill>
+        <p:spPr>
+          <a:xfrm>
+            <a:off x="10602142" y="920672"/>
+            <a:ext cx="1589858" cy="650549"/>
+          </a:xfrm>
+          <a:prstGeom prst="rect">
+            <a:avLst/>
+          </a:prstGeom>
+        </p:spPr>
+      </p:pic>
     </p:spTree>
     <p:extLst>
       <p:ext uri="{BB962C8B-B14F-4D97-AF65-F5344CB8AC3E}">
-        <p14:creationId xmlns:p14="http://schemas.microsoft.com/office/powerpoint/2010/main" val="1443225755"/>
+        <p14:creationId xmlns:p14="http://schemas.microsoft.com/office/powerpoint/2010/main" val="3414724196"/>
       </p:ext>
     </p:extLst>
   </p:cSld>
@@ -11096,68 +11566,205 @@
           </a:p>
         </p:txBody>
       </p:sp>
+      <p:sp>
+        <p:nvSpPr>
+          <p:cNvPr id="3" name="Espaço Reservado para Conteúdo 2"/>
+          <p:cNvSpPr>
+            <a:spLocks noGrp="1"/>
+          </p:cNvSpPr>
+          <p:nvPr>
+            <p:ph idx="1"/>
+          </p:nvPr>
+        </p:nvSpPr>
+        <p:spPr/>
+        <p:txBody>
+          <a:bodyPr>
+            <a:normAutofit/>
+          </a:bodyPr>
+          <a:lstStyle/>
+          <a:p>
+            <a:pPr hangingPunct="0"/>
+            <a:r>
+              <a:rPr lang="pt-BR" dirty="0" err="1" smtClean="0"/>
+              <a:t>Balanceador</a:t>
+            </a:r>
+            <a:r>
+              <a:rPr lang="pt-BR" dirty="0" smtClean="0"/>
+              <a:t> de carga que controla as requisições HTTP </a:t>
+            </a:r>
+            <a:r>
+              <a:rPr lang="pt-BR" dirty="0"/>
+              <a:t>destinadas ao </a:t>
+            </a:r>
+            <a:r>
+              <a:rPr lang="pt-BR" dirty="0" err="1" smtClean="0"/>
+              <a:t>Mapskills-app</a:t>
+            </a:r>
+            <a:r>
+              <a:rPr lang="pt-BR" dirty="0"/>
+              <a:t>.</a:t>
+            </a:r>
+          </a:p>
+          <a:p>
+            <a:pPr hangingPunct="0"/>
+            <a:r>
+              <a:rPr lang="pt-BR" dirty="0" smtClean="0"/>
+              <a:t>Utiliza do algoritmo </a:t>
+            </a:r>
+            <a:r>
+              <a:rPr lang="pt-BR" dirty="0"/>
+              <a:t>Round </a:t>
+            </a:r>
+            <a:r>
+              <a:rPr lang="pt-BR" dirty="0" smtClean="0"/>
+              <a:t>Robin.</a:t>
+            </a:r>
+            <a:endParaRPr lang="pt-BR" dirty="0"/>
+          </a:p>
+          <a:p>
+            <a:pPr hangingPunct="0"/>
+            <a:r>
+              <a:rPr lang="pt-BR" dirty="0" smtClean="0"/>
+              <a:t>Proxy Reverso.</a:t>
+            </a:r>
+          </a:p>
+          <a:p>
+            <a:pPr hangingPunct="0"/>
+            <a:r>
+              <a:rPr lang="pt-BR" dirty="0" err="1" smtClean="0"/>
+              <a:t>Dashboard</a:t>
+            </a:r>
+            <a:r>
+              <a:rPr lang="pt-BR" dirty="0" smtClean="0"/>
+              <a:t> </a:t>
+            </a:r>
+            <a:r>
+              <a:rPr lang="pt-BR" dirty="0"/>
+              <a:t>para visualização </a:t>
+            </a:r>
+            <a:r>
+              <a:rPr lang="pt-BR" dirty="0" smtClean="0"/>
+              <a:t>do </a:t>
+            </a:r>
+            <a:r>
+              <a:rPr lang="pt-BR" dirty="0"/>
+              <a:t>números de </a:t>
+            </a:r>
+            <a:r>
+              <a:rPr lang="pt-BR" dirty="0" smtClean="0"/>
+              <a:t>requisições, exibindo em </a:t>
+            </a:r>
+            <a:r>
+              <a:rPr lang="pt-BR" dirty="0"/>
+              <a:t>tempo real a quantidade de </a:t>
+            </a:r>
+            <a:r>
+              <a:rPr lang="pt-BR" dirty="0" smtClean="0"/>
+              <a:t>dados </a:t>
+            </a:r>
+            <a:r>
+              <a:rPr lang="pt-BR" dirty="0"/>
+              <a:t>que foi trafegada pela </a:t>
+            </a:r>
+            <a:r>
+              <a:rPr lang="pt-BR" dirty="0" smtClean="0"/>
+              <a:t>rede</a:t>
+            </a:r>
+            <a:r>
+              <a:rPr lang="pt-BR" dirty="0"/>
+              <a:t>.</a:t>
+            </a:r>
+          </a:p>
+          <a:p>
+            <a:pPr hangingPunct="0"/>
+            <a:r>
+              <a:rPr lang="pt-BR" dirty="0" err="1"/>
+              <a:t>Url</a:t>
+            </a:r>
+            <a:r>
+              <a:rPr lang="pt-BR" dirty="0"/>
+              <a:t> de acesso ao </a:t>
+            </a:r>
+            <a:r>
+              <a:rPr lang="pt-BR" dirty="0" err="1"/>
+              <a:t>dashboard</a:t>
+            </a:r>
+            <a:r>
+              <a:rPr lang="pt-BR" dirty="0"/>
+              <a:t>: http://ip_do_host:1936.</a:t>
+            </a:r>
+          </a:p>
+          <a:p>
+            <a:endParaRPr lang="pt-BR" dirty="0"/>
+          </a:p>
+        </p:txBody>
+      </p:sp>
+      <p:sp>
+        <p:nvSpPr>
+          <p:cNvPr id="4" name="Retângulo 3"/>
+          <p:cNvSpPr/>
+          <p:nvPr/>
+        </p:nvSpPr>
+        <p:spPr>
+          <a:xfrm>
+            <a:off x="680321" y="250521"/>
+            <a:ext cx="2231701" cy="369332"/>
+          </a:xfrm>
+          <a:prstGeom prst="rect">
+            <a:avLst/>
+          </a:prstGeom>
+        </p:spPr>
+        <p:txBody>
+          <a:bodyPr wrap="none">
+            <a:spAutoFit/>
+          </a:bodyPr>
+          <a:lstStyle/>
+          <a:p>
+            <a:pPr marL="285750" indent="-285750">
+              <a:buFont typeface="Arial" panose="020B0604020202020204" pitchFamily="34" charset="0"/>
+              <a:buChar char="•"/>
+            </a:pPr>
+            <a:r>
+              <a:rPr lang="pt-BR" dirty="0"/>
+              <a:t>Desenvolvimento</a:t>
+            </a:r>
+          </a:p>
+        </p:txBody>
+      </p:sp>
       <p:pic>
         <p:nvPicPr>
-          <p:cNvPr id="4" name="Figura4"/>
+          <p:cNvPr id="5" name="Imagem 4"/>
           <p:cNvPicPr>
-            <a:picLocks noGrp="1"/>
+            <a:picLocks noChangeAspect="1"/>
           </p:cNvPicPr>
-          <p:nvPr>
-            <p:ph idx="1"/>
-          </p:nvPr>
+          <p:nvPr/>
         </p:nvPicPr>
         <p:blipFill>
-          <a:blip r:embed="rId2"/>
+          <a:blip r:embed="rId2" cstate="print">
+            <a:extLst>
+              <a:ext uri="{28A0092B-C50C-407E-A947-70E740481C1C}">
+                <a14:useLocalDpi xmlns:a14="http://schemas.microsoft.com/office/drawing/2010/main" val="0"/>
+              </a:ext>
+            </a:extLst>
+          </a:blip>
           <a:stretch>
             <a:fillRect/>
           </a:stretch>
         </p:blipFill>
-        <p:spPr bwMode="auto">
-          <a:xfrm>
-            <a:off x="1410789" y="2336800"/>
-            <a:ext cx="8386353" cy="3598863"/>
+        <p:spPr>
+          <a:xfrm>
+            <a:off x="10602142" y="920672"/>
+            <a:ext cx="1589858" cy="650549"/>
           </a:xfrm>
           <a:prstGeom prst="rect">
             <a:avLst/>
           </a:prstGeom>
         </p:spPr>
       </p:pic>
-      <p:sp>
-        <p:nvSpPr>
-          <p:cNvPr id="5" name="Retângulo 4"/>
-          <p:cNvSpPr/>
-          <p:nvPr/>
-        </p:nvSpPr>
-        <p:spPr>
-          <a:xfrm>
-            <a:off x="680321" y="250521"/>
-            <a:ext cx="2231701" cy="369332"/>
-          </a:xfrm>
-          <a:prstGeom prst="rect">
-            <a:avLst/>
-          </a:prstGeom>
-        </p:spPr>
-        <p:txBody>
-          <a:bodyPr wrap="none">
-            <a:spAutoFit/>
-          </a:bodyPr>
-          <a:lstStyle/>
-          <a:p>
-            <a:pPr marL="285750" indent="-285750">
-              <a:buFont typeface="Arial" panose="020B0604020202020204" pitchFamily="34" charset="0"/>
-              <a:buChar char="•"/>
-            </a:pPr>
-            <a:r>
-              <a:rPr lang="pt-BR" dirty="0"/>
-              <a:t>Desenvolvimento</a:t>
-            </a:r>
-          </a:p>
-        </p:txBody>
-      </p:sp>
     </p:spTree>
     <p:extLst>
       <p:ext uri="{BB962C8B-B14F-4D97-AF65-F5344CB8AC3E}">
-        <p14:creationId xmlns:p14="http://schemas.microsoft.com/office/powerpoint/2010/main" val="1829818420"/>
+        <p14:creationId xmlns:p14="http://schemas.microsoft.com/office/powerpoint/2010/main" val="1443225755"/>
       </p:ext>
     </p:extLst>
   </p:cSld>
@@ -11201,151 +11808,41 @@
           <a:p>
             <a:r>
               <a:rPr lang="pt-BR" dirty="0" err="1"/>
-              <a:t>Docker-Compose</a:t>
+              <a:t>Mapskills-Haproxy</a:t>
             </a:r>
             <a:endParaRPr lang="pt-BR" dirty="0"/>
           </a:p>
         </p:txBody>
       </p:sp>
-      <p:sp>
-        <p:nvSpPr>
-          <p:cNvPr id="3" name="Espaço Reservado para Conteúdo 2"/>
-          <p:cNvSpPr>
-            <a:spLocks noGrp="1"/>
-          </p:cNvSpPr>
+      <p:pic>
+        <p:nvPicPr>
+          <p:cNvPr id="4" name="Figura4"/>
+          <p:cNvPicPr>
+            <a:picLocks noGrp="1"/>
+          </p:cNvPicPr>
           <p:nvPr>
             <p:ph idx="1"/>
           </p:nvPr>
-        </p:nvSpPr>
-        <p:spPr/>
-        <p:txBody>
-          <a:bodyPr>
-            <a:normAutofit lnSpcReduction="10000"/>
-          </a:bodyPr>
-          <a:lstStyle/>
-          <a:p>
-            <a:pPr hangingPunct="0"/>
-            <a:r>
-              <a:rPr lang="pt-BR" dirty="0" smtClean="0"/>
-              <a:t>Automatização e orquestração de </a:t>
-            </a:r>
-            <a:r>
-              <a:rPr lang="pt-BR" dirty="0"/>
-              <a:t>todo ambiente de produção necessário para que o </a:t>
-            </a:r>
-            <a:r>
-              <a:rPr lang="pt-BR" dirty="0" err="1"/>
-              <a:t>Mapskills</a:t>
-            </a:r>
-            <a:r>
-              <a:rPr lang="pt-BR" dirty="0"/>
-              <a:t> funcione. </a:t>
-            </a:r>
-            <a:endParaRPr lang="pt-BR" dirty="0" smtClean="0"/>
-          </a:p>
-          <a:p>
-            <a:pPr hangingPunct="0"/>
-            <a:r>
-              <a:rPr lang="pt-BR" dirty="0" err="1" smtClean="0"/>
-              <a:t>Docker-compose</a:t>
-            </a:r>
-            <a:r>
-              <a:rPr lang="pt-BR" dirty="0" smtClean="0"/>
-              <a:t> </a:t>
-            </a:r>
-            <a:r>
-              <a:rPr lang="pt-BR" dirty="0"/>
-              <a:t>de aplicação: </a:t>
-            </a:r>
-            <a:endParaRPr lang="pt-BR" dirty="0" smtClean="0"/>
-          </a:p>
-          <a:p>
-            <a:pPr lvl="1" hangingPunct="0"/>
-            <a:r>
-              <a:rPr lang="pt-BR" dirty="0" err="1" smtClean="0"/>
-              <a:t>mapskill-back</a:t>
-            </a:r>
-            <a:r>
-              <a:rPr lang="pt-BR" dirty="0" smtClean="0"/>
-              <a:t>;</a:t>
-            </a:r>
-            <a:endParaRPr lang="pt-BR" dirty="0" smtClean="0"/>
-          </a:p>
-          <a:p>
-            <a:pPr lvl="1" hangingPunct="0"/>
-            <a:r>
-              <a:rPr lang="pt-BR" dirty="0" err="1" smtClean="0"/>
-              <a:t>Mapskills</a:t>
-            </a:r>
-            <a:r>
-              <a:rPr lang="pt-BR" dirty="0" smtClean="0"/>
-              <a:t>-front;</a:t>
-            </a:r>
-            <a:endParaRPr lang="pt-BR" dirty="0" smtClean="0"/>
-          </a:p>
-          <a:p>
-            <a:pPr lvl="1" hangingPunct="0"/>
-            <a:r>
-              <a:rPr lang="pt-BR" dirty="0" err="1" smtClean="0"/>
-              <a:t>mapskills-haproxy</a:t>
-            </a:r>
-            <a:r>
-              <a:rPr lang="pt-BR" dirty="0"/>
-              <a:t>. </a:t>
-            </a:r>
-          </a:p>
-          <a:p>
-            <a:pPr hangingPunct="0"/>
-            <a:r>
-              <a:rPr lang="pt-BR" dirty="0" err="1"/>
-              <a:t>Docker-compose</a:t>
-            </a:r>
-            <a:r>
-              <a:rPr lang="pt-BR" dirty="0"/>
-              <a:t> de gerenciamento: </a:t>
-            </a:r>
-            <a:endParaRPr lang="pt-BR" dirty="0" smtClean="0"/>
-          </a:p>
-          <a:p>
-            <a:pPr lvl="1" hangingPunct="0"/>
-            <a:r>
-              <a:rPr lang="pt-BR" dirty="0" err="1" smtClean="0"/>
-              <a:t>mapskills-jenkins</a:t>
-            </a:r>
-            <a:r>
-              <a:rPr lang="pt-BR" dirty="0"/>
-              <a:t>;</a:t>
-            </a:r>
-            <a:endParaRPr lang="pt-BR" dirty="0" smtClean="0"/>
-          </a:p>
-          <a:p>
-            <a:pPr lvl="1" hangingPunct="0"/>
-            <a:r>
-              <a:rPr lang="pt-BR" dirty="0" err="1" smtClean="0"/>
-              <a:t>mapskills-cavisor</a:t>
-            </a:r>
-            <a:r>
-              <a:rPr lang="pt-BR" dirty="0"/>
-              <a:t>;</a:t>
-            </a:r>
-            <a:endParaRPr lang="pt-BR" dirty="0" smtClean="0"/>
-          </a:p>
-          <a:p>
-            <a:pPr lvl="1" hangingPunct="0"/>
-            <a:r>
-              <a:rPr lang="pt-BR" dirty="0" err="1" smtClean="0"/>
-              <a:t>mapskills-mysql</a:t>
-            </a:r>
-            <a:r>
-              <a:rPr lang="pt-BR" dirty="0"/>
-              <a:t>. </a:t>
-            </a:r>
-          </a:p>
-        </p:txBody>
-      </p:sp>
-      <p:sp>
-        <p:nvSpPr>
-          <p:cNvPr id="4" name="Retângulo 3"/>
+        </p:nvPicPr>
+        <p:blipFill>
+          <a:blip r:embed="rId2"/>
+          <a:stretch>
+            <a:fillRect/>
+          </a:stretch>
+        </p:blipFill>
+        <p:spPr bwMode="auto">
+          <a:xfrm>
+            <a:off x="1410789" y="2336800"/>
+            <a:ext cx="8386353" cy="3598863"/>
+          </a:xfrm>
+          <a:prstGeom prst="rect">
+            <a:avLst/>
+          </a:prstGeom>
+        </p:spPr>
+      </p:pic>
+      <p:sp>
+        <p:nvSpPr>
+          <p:cNvPr id="5" name="Retângulo 4"/>
           <p:cNvSpPr/>
           <p:nvPr/>
         </p:nvSpPr>
@@ -11375,10 +11872,40 @@
           </a:p>
         </p:txBody>
       </p:sp>
+      <p:pic>
+        <p:nvPicPr>
+          <p:cNvPr id="6" name="Imagem 5"/>
+          <p:cNvPicPr>
+            <a:picLocks noChangeAspect="1"/>
+          </p:cNvPicPr>
+          <p:nvPr/>
+        </p:nvPicPr>
+        <p:blipFill>
+          <a:blip r:embed="rId3" cstate="print">
+            <a:extLst>
+              <a:ext uri="{28A0092B-C50C-407E-A947-70E740481C1C}">
+                <a14:useLocalDpi xmlns:a14="http://schemas.microsoft.com/office/drawing/2010/main" val="0"/>
+              </a:ext>
+            </a:extLst>
+          </a:blip>
+          <a:stretch>
+            <a:fillRect/>
+          </a:stretch>
+        </p:blipFill>
+        <p:spPr>
+          <a:xfrm>
+            <a:off x="10602142" y="920672"/>
+            <a:ext cx="1589858" cy="650549"/>
+          </a:xfrm>
+          <a:prstGeom prst="rect">
+            <a:avLst/>
+          </a:prstGeom>
+        </p:spPr>
+      </p:pic>
     </p:spTree>
     <p:extLst>
       <p:ext uri="{BB962C8B-B14F-4D97-AF65-F5344CB8AC3E}">
-        <p14:creationId xmlns:p14="http://schemas.microsoft.com/office/powerpoint/2010/main" val="990325619"/>
+        <p14:creationId xmlns:p14="http://schemas.microsoft.com/office/powerpoint/2010/main" val="1829818420"/>
       </p:ext>
     </p:extLst>
   </p:cSld>
@@ -11421,9 +11948,10 @@
           <a:lstStyle/>
           <a:p>
             <a:r>
-              <a:rPr lang="pt-BR" dirty="0"/>
-              <a:t>Links</a:t>
-            </a:r>
+              <a:rPr lang="pt-BR" dirty="0" err="1"/>
+              <a:t>Docker-Compose</a:t>
+            </a:r>
+            <a:endParaRPr lang="pt-BR" dirty="0"/>
           </a:p>
         </p:txBody>
       </p:sp>
@@ -11440,14 +11968,34 @@
         <p:spPr/>
         <p:txBody>
           <a:bodyPr>
-            <a:normAutofit/>
+            <a:normAutofit lnSpcReduction="10000"/>
           </a:bodyPr>
           <a:lstStyle/>
           <a:p>
             <a:pPr hangingPunct="0"/>
             <a:r>
+              <a:rPr lang="pt-BR" dirty="0" smtClean="0"/>
+              <a:t>Automatização e orquestração de </a:t>
+            </a:r>
+            <a:r>
+              <a:rPr lang="pt-BR" dirty="0"/>
+              <a:t>todo ambiente de produção necessário para que o </a:t>
+            </a:r>
+            <a:r>
+              <a:rPr lang="pt-BR" dirty="0" err="1"/>
+              <a:t>Mapskills</a:t>
+            </a:r>
+            <a:r>
+              <a:rPr lang="pt-BR" dirty="0"/>
+              <a:t> funcione. </a:t>
+            </a:r>
+            <a:endParaRPr lang="pt-BR" dirty="0" smtClean="0"/>
+          </a:p>
+          <a:p>
+            <a:pPr hangingPunct="0"/>
+            <a:r>
               <a:rPr lang="pt-BR" dirty="0" err="1" smtClean="0"/>
-              <a:t>Mapskills-app</a:t>
+              <a:t>Docker-compose</a:t>
             </a:r>
             <a:r>
               <a:rPr lang="pt-BR" dirty="0" smtClean="0"/>
@@ -11455,71 +12003,95 @@
             </a:r>
             <a:r>
               <a:rPr lang="pt-BR" dirty="0"/>
-              <a:t>e </a:t>
-            </a:r>
+              <a:t>de aplicação: </a:t>
+            </a:r>
+            <a:endParaRPr lang="pt-BR" dirty="0" smtClean="0"/>
+          </a:p>
+          <a:p>
+            <a:pPr lvl="1" hangingPunct="0"/>
+            <a:r>
+              <a:rPr lang="pt-BR" dirty="0" err="1" smtClean="0"/>
+              <a:t>mapskill-back</a:t>
+            </a:r>
+            <a:r>
+              <a:rPr lang="pt-BR" dirty="0" smtClean="0"/>
+              <a:t>;</a:t>
+            </a:r>
+          </a:p>
+          <a:p>
+            <a:pPr lvl="1" hangingPunct="0"/>
+            <a:r>
+              <a:rPr lang="pt-BR" dirty="0" err="1" smtClean="0"/>
+              <a:t>Mapskills</a:t>
+            </a:r>
+            <a:r>
+              <a:rPr lang="pt-BR" dirty="0" smtClean="0"/>
+              <a:t>-front;</a:t>
+            </a:r>
+          </a:p>
+          <a:p>
+            <a:pPr lvl="1" hangingPunct="0"/>
+            <a:r>
+              <a:rPr lang="pt-BR" dirty="0" err="1" smtClean="0"/>
+              <a:t>mapskills-haproxy</a:t>
+            </a:r>
+            <a:r>
+              <a:rPr lang="pt-BR" dirty="0"/>
+              <a:t>. </a:t>
+            </a:r>
+          </a:p>
+          <a:p>
+            <a:pPr hangingPunct="0"/>
             <a:r>
               <a:rPr lang="pt-BR" dirty="0" err="1"/>
-              <a:t>Mapskills</a:t>
-            </a:r>
-            <a:r>
-              <a:rPr lang="pt-BR" dirty="0"/>
-              <a:t>-web </a:t>
+              <a:t>Docker-compose</a:t>
+            </a:r>
+            <a:r>
+              <a:rPr lang="pt-BR" dirty="0"/>
+              <a:t> de gerenciamento: </a:t>
             </a:r>
             <a:endParaRPr lang="pt-BR" dirty="0" smtClean="0"/>
           </a:p>
           <a:p>
-            <a:pPr hangingPunct="0"/>
+            <a:pPr lvl="1" hangingPunct="0"/>
             <a:r>
               <a:rPr lang="pt-BR" dirty="0" err="1" smtClean="0"/>
-              <a:t>Mapskills-app</a:t>
-            </a:r>
-            <a:r>
-              <a:rPr lang="pt-BR" dirty="0" smtClean="0"/>
-              <a:t> </a:t>
-            </a:r>
-            <a:r>
-              <a:rPr lang="pt-BR" dirty="0"/>
-              <a:t>e o </a:t>
-            </a:r>
+              <a:t>mapskills-jenkins</a:t>
+            </a:r>
+            <a:r>
+              <a:rPr lang="pt-BR" dirty="0"/>
+              <a:t>;</a:t>
+            </a:r>
+            <a:endParaRPr lang="pt-BR" dirty="0" smtClean="0"/>
+          </a:p>
+          <a:p>
+            <a:pPr lvl="1" hangingPunct="0"/>
             <a:r>
               <a:rPr lang="pt-BR" dirty="0" err="1" smtClean="0"/>
-              <a:t>Mapskills-mysql</a:t>
+              <a:t>mapskills-cavisor</a:t>
+            </a:r>
+            <a:r>
+              <a:rPr lang="pt-BR" dirty="0"/>
+              <a:t>;</a:t>
             </a:r>
             <a:endParaRPr lang="pt-BR" dirty="0" smtClean="0"/>
           </a:p>
           <a:p>
-            <a:pPr hangingPunct="0"/>
+            <a:pPr lvl="1" hangingPunct="0"/>
             <a:r>
               <a:rPr lang="pt-BR" dirty="0" err="1" smtClean="0"/>
-              <a:t>Mapskills-haproxy</a:t>
-            </a:r>
-            <a:r>
-              <a:rPr lang="pt-BR" dirty="0" smtClean="0"/>
-              <a:t> </a:t>
-            </a:r>
-            <a:r>
-              <a:rPr lang="pt-BR" dirty="0"/>
-              <a:t>e </a:t>
-            </a:r>
-            <a:r>
-              <a:rPr lang="pt-BR" dirty="0" err="1" smtClean="0"/>
-              <a:t>Mapskills-app</a:t>
-            </a:r>
-            <a:endParaRPr lang="pt-BR" dirty="0" smtClean="0"/>
-          </a:p>
-          <a:p>
-            <a:pPr hangingPunct="0"/>
-            <a:endParaRPr lang="pt-BR" dirty="0"/>
-          </a:p>
-          <a:p>
-            <a:pPr hangingPunct="0"/>
-            <a:endParaRPr lang="pt-BR" dirty="0"/>
-          </a:p>
-        </p:txBody>
-      </p:sp>
-      <p:sp>
-        <p:nvSpPr>
-          <p:cNvPr id="5" name="Retângulo 4"/>
+              <a:t>mapskills-mysql</a:t>
+            </a:r>
+            <a:r>
+              <a:rPr lang="pt-BR" dirty="0"/>
+              <a:t>. </a:t>
+            </a:r>
+          </a:p>
+        </p:txBody>
+      </p:sp>
+      <p:sp>
+        <p:nvSpPr>
+          <p:cNvPr id="4" name="Retângulo 3"/>
           <p:cNvSpPr/>
           <p:nvPr/>
         </p:nvSpPr>
@@ -11551,14 +12123,14 @@
       </p:sp>
       <p:pic>
         <p:nvPicPr>
-          <p:cNvPr id="6" name="Espaço Reservado para Conteúdo 3"/>
+          <p:cNvPr id="5" name="Imagem 4"/>
           <p:cNvPicPr>
             <a:picLocks noChangeAspect="1"/>
           </p:cNvPicPr>
           <p:nvPr/>
         </p:nvPicPr>
         <p:blipFill>
-          <a:blip r:embed="rId2">
+          <a:blip r:embed="rId2" cstate="print">
             <a:extLst>
               <a:ext uri="{28A0092B-C50C-407E-A947-70E740481C1C}">
                 <a14:useLocalDpi xmlns:a14="http://schemas.microsoft.com/office/drawing/2010/main" val="0"/>
@@ -11571,8 +12143,8 @@
         </p:blipFill>
         <p:spPr>
           <a:xfrm>
-            <a:off x="6021978" y="3019988"/>
-            <a:ext cx="5742437" cy="3418908"/>
+            <a:off x="10602142" y="920672"/>
+            <a:ext cx="1589858" cy="650549"/>
           </a:xfrm>
           <a:prstGeom prst="rect">
             <a:avLst/>
@@ -11582,7 +12154,7 @@
     </p:spTree>
     <p:extLst>
       <p:ext uri="{BB962C8B-B14F-4D97-AF65-F5344CB8AC3E}">
-        <p14:creationId xmlns:p14="http://schemas.microsoft.com/office/powerpoint/2010/main" val="737797116"/>
+        <p14:creationId xmlns:p14="http://schemas.microsoft.com/office/powerpoint/2010/main" val="990325619"/>
       </p:ext>
     </p:extLst>
   </p:cSld>
@@ -11626,7 +12198,7 @@
           <a:p>
             <a:r>
               <a:rPr lang="pt-BR" dirty="0"/>
-              <a:t>Volumes</a:t>
+              <a:t>Links</a:t>
             </a:r>
           </a:p>
         </p:txBody>
@@ -11641,12 +12213,7 @@
             <p:ph idx="1"/>
           </p:nvPr>
         </p:nvSpPr>
-        <p:spPr>
-          <a:xfrm>
-            <a:off x="680321" y="2336873"/>
-            <a:ext cx="9613861" cy="4103116"/>
-          </a:xfrm>
-        </p:spPr>
+        <p:spPr/>
         <p:txBody>
           <a:bodyPr>
             <a:normAutofit/>
@@ -11656,7 +12223,7 @@
             <a:pPr hangingPunct="0"/>
             <a:r>
               <a:rPr lang="pt-BR" dirty="0" err="1" smtClean="0"/>
-              <a:t>Mapskills-Mysql</a:t>
+              <a:t>Mapskills-app</a:t>
             </a:r>
             <a:r>
               <a:rPr lang="pt-BR" dirty="0" smtClean="0"/>
@@ -11664,92 +12231,65 @@
             </a:r>
             <a:r>
               <a:rPr lang="pt-BR" dirty="0"/>
-              <a:t>tem a finalidade de armazenar todas informações salva na base de dados</a:t>
+              <a:t>e </a:t>
+            </a:r>
+            <a:r>
+              <a:rPr lang="pt-BR" dirty="0" err="1"/>
+              <a:t>Mapskills</a:t>
+            </a:r>
+            <a:r>
+              <a:rPr lang="pt-BR" dirty="0"/>
+              <a:t>-web </a:t>
+            </a:r>
+            <a:endParaRPr lang="pt-BR" dirty="0" smtClean="0"/>
+          </a:p>
+          <a:p>
+            <a:pPr hangingPunct="0"/>
+            <a:r>
+              <a:rPr lang="pt-BR" dirty="0" err="1" smtClean="0"/>
+              <a:t>Mapskills-app</a:t>
             </a:r>
             <a:r>
               <a:rPr lang="pt-BR" dirty="0" smtClean="0"/>
-              <a:t>.</a:t>
-            </a:r>
+              <a:t> </a:t>
+            </a:r>
+            <a:r>
+              <a:rPr lang="pt-BR" dirty="0"/>
+              <a:t>e o </a:t>
+            </a:r>
+            <a:r>
+              <a:rPr lang="pt-BR" dirty="0" err="1" smtClean="0"/>
+              <a:t>Mapskills-mysql</a:t>
+            </a:r>
+            <a:endParaRPr lang="pt-BR" dirty="0" smtClean="0"/>
           </a:p>
           <a:p>
             <a:pPr hangingPunct="0"/>
             <a:r>
-              <a:rPr lang="pt-BR" dirty="0" err="1"/>
-              <a:t>Mapskills-Cadvisor</a:t>
-            </a:r>
-            <a:r>
-              <a:rPr lang="pt-BR" dirty="0"/>
-              <a:t> tem a finalidade de compartilhar informações do host com o container. </a:t>
-            </a:r>
+              <a:rPr lang="pt-BR" dirty="0" err="1" smtClean="0"/>
+              <a:t>Mapskills-haproxy</a:t>
+            </a:r>
+            <a:r>
+              <a:rPr lang="pt-BR" dirty="0" smtClean="0"/>
+              <a:t> </a:t>
+            </a:r>
+            <a:r>
+              <a:rPr lang="pt-BR" dirty="0"/>
+              <a:t>e </a:t>
+            </a:r>
+            <a:r>
+              <a:rPr lang="pt-BR" dirty="0" err="1" smtClean="0"/>
+              <a:t>Mapskills-app</a:t>
+            </a:r>
+            <a:endParaRPr lang="pt-BR" dirty="0" smtClean="0"/>
+          </a:p>
+          <a:p>
+            <a:pPr hangingPunct="0"/>
             <a:endParaRPr lang="pt-BR" dirty="0"/>
           </a:p>
           <a:p>
             <a:pPr hangingPunct="0"/>
-            <a:r>
-              <a:rPr lang="pt-BR" dirty="0" smtClean="0"/>
-              <a:t>Os volumes </a:t>
-            </a:r>
-            <a:r>
-              <a:rPr lang="pt-BR" dirty="0" err="1" smtClean="0"/>
-              <a:t>Mapkills-Jenkins</a:t>
-            </a:r>
-            <a:r>
-              <a:rPr lang="pt-BR" dirty="0"/>
-              <a:t>:</a:t>
-            </a:r>
-            <a:endParaRPr lang="pt-BR" dirty="0" smtClean="0"/>
-          </a:p>
-          <a:p>
-            <a:pPr lvl="1" hangingPunct="0"/>
-            <a:r>
-              <a:rPr lang="pt-BR" sz="2400" dirty="0" smtClean="0"/>
-              <a:t>Volume compartilhado com os containers </a:t>
-            </a:r>
-            <a:r>
-              <a:rPr lang="pt-BR" sz="2400" dirty="0" err="1"/>
-              <a:t>Mapkills-App</a:t>
-            </a:r>
-            <a:r>
-              <a:rPr lang="pt-BR" sz="2400" dirty="0"/>
-              <a:t> e </a:t>
-            </a:r>
-            <a:r>
-              <a:rPr lang="pt-BR" sz="2400" dirty="0" err="1"/>
-              <a:t>Mapskills</a:t>
-            </a:r>
-            <a:r>
-              <a:rPr lang="pt-BR" sz="2400" dirty="0"/>
-              <a:t>-Web </a:t>
-            </a:r>
-            <a:endParaRPr lang="pt-BR" sz="2400" dirty="0" smtClean="0"/>
-          </a:p>
-          <a:p>
-            <a:pPr lvl="1" hangingPunct="0"/>
-            <a:r>
-              <a:rPr lang="pt-BR" sz="2400" dirty="0" smtClean="0"/>
-              <a:t>Compartilhamento dos arquivos </a:t>
-            </a:r>
-            <a:r>
-              <a:rPr lang="pt-BR" sz="2400" dirty="0" err="1" smtClean="0"/>
-              <a:t>Docker</a:t>
-            </a:r>
-            <a:r>
-              <a:rPr lang="pt-BR" sz="2400" dirty="0" smtClean="0"/>
-              <a:t> e </a:t>
-            </a:r>
-            <a:r>
-              <a:rPr lang="pt-BR" sz="2400" dirty="0" err="1" smtClean="0"/>
-              <a:t>docker-compose.yaml</a:t>
-            </a:r>
-            <a:r>
-              <a:rPr lang="pt-BR" sz="2400" dirty="0" smtClean="0"/>
-              <a:t> entre o host e container</a:t>
-            </a:r>
-            <a:r>
-              <a:rPr lang="pt-BR" sz="2400" dirty="0" smtClean="0"/>
-              <a:t>.</a:t>
-            </a:r>
-            <a:endParaRPr lang="pt-BR" sz="2400" dirty="0" smtClean="0"/>
+            <a:endParaRPr lang="pt-BR" dirty="0"/>
           </a:p>
         </p:txBody>
       </p:sp>
@@ -11785,10 +12325,70 @@
           </a:p>
         </p:txBody>
       </p:sp>
+      <p:pic>
+        <p:nvPicPr>
+          <p:cNvPr id="6" name="Espaço Reservado para Conteúdo 3"/>
+          <p:cNvPicPr>
+            <a:picLocks noChangeAspect="1"/>
+          </p:cNvPicPr>
+          <p:nvPr/>
+        </p:nvPicPr>
+        <p:blipFill>
+          <a:blip r:embed="rId2">
+            <a:extLst>
+              <a:ext uri="{28A0092B-C50C-407E-A947-70E740481C1C}">
+                <a14:useLocalDpi xmlns:a14="http://schemas.microsoft.com/office/drawing/2010/main" val="0"/>
+              </a:ext>
+            </a:extLst>
+          </a:blip>
+          <a:stretch>
+            <a:fillRect/>
+          </a:stretch>
+        </p:blipFill>
+        <p:spPr>
+          <a:xfrm>
+            <a:off x="6021978" y="3019988"/>
+            <a:ext cx="5742437" cy="3418908"/>
+          </a:xfrm>
+          <a:prstGeom prst="rect">
+            <a:avLst/>
+          </a:prstGeom>
+        </p:spPr>
+      </p:pic>
+      <p:pic>
+        <p:nvPicPr>
+          <p:cNvPr id="7" name="Imagem 6"/>
+          <p:cNvPicPr>
+            <a:picLocks noChangeAspect="1"/>
+          </p:cNvPicPr>
+          <p:nvPr/>
+        </p:nvPicPr>
+        <p:blipFill>
+          <a:blip r:embed="rId3" cstate="print">
+            <a:extLst>
+              <a:ext uri="{28A0092B-C50C-407E-A947-70E740481C1C}">
+                <a14:useLocalDpi xmlns:a14="http://schemas.microsoft.com/office/drawing/2010/main" val="0"/>
+              </a:ext>
+            </a:extLst>
+          </a:blip>
+          <a:stretch>
+            <a:fillRect/>
+          </a:stretch>
+        </p:blipFill>
+        <p:spPr>
+          <a:xfrm>
+            <a:off x="10602142" y="920672"/>
+            <a:ext cx="1589858" cy="650549"/>
+          </a:xfrm>
+          <a:prstGeom prst="rect">
+            <a:avLst/>
+          </a:prstGeom>
+        </p:spPr>
+      </p:pic>
     </p:spTree>
     <p:extLst>
       <p:ext uri="{BB962C8B-B14F-4D97-AF65-F5344CB8AC3E}">
-        <p14:creationId xmlns:p14="http://schemas.microsoft.com/office/powerpoint/2010/main" val="1216461368"/>
+        <p14:creationId xmlns:p14="http://schemas.microsoft.com/office/powerpoint/2010/main" val="737797116"/>
       </p:ext>
     </p:extLst>
   </p:cSld>
@@ -11831,10 +12431,9 @@
           <a:lstStyle/>
           <a:p>
             <a:r>
-              <a:rPr lang="pt-BR" dirty="0" err="1"/>
-              <a:t>Mapskills-Jenkins</a:t>
-            </a:r>
-            <a:endParaRPr lang="pt-BR" dirty="0"/>
+              <a:rPr lang="pt-BR" dirty="0"/>
+              <a:t>Volumes</a:t>
+            </a:r>
           </a:p>
         </p:txBody>
       </p:sp>
@@ -11848,7 +12447,12 @@
             <p:ph idx="1"/>
           </p:nvPr>
         </p:nvSpPr>
-        <p:spPr/>
+        <p:spPr>
+          <a:xfrm>
+            <a:off x="680321" y="2336873"/>
+            <a:ext cx="9613861" cy="4103116"/>
+          </a:xfrm>
+        </p:spPr>
         <p:txBody>
           <a:bodyPr>
             <a:normAutofit/>
@@ -11857,148 +12461,94 @@
           <a:p>
             <a:pPr hangingPunct="0"/>
             <a:r>
+              <a:rPr lang="pt-BR" dirty="0" err="1" smtClean="0"/>
+              <a:t>Mapskills-Mysql</a:t>
+            </a:r>
+            <a:r>
               <a:rPr lang="pt-BR" dirty="0" smtClean="0"/>
-              <a:t>Responsável por executar as tarefas destinadas à integração contínua.</a:t>
-            </a:r>
-            <a:endParaRPr lang="pt-BR" dirty="0"/>
+              <a:t> </a:t>
+            </a:r>
+            <a:r>
+              <a:rPr lang="pt-BR" dirty="0"/>
+              <a:t>tem a finalidade de armazenar todas informações salva na base de dados</a:t>
+            </a:r>
+            <a:r>
+              <a:rPr lang="pt-BR" dirty="0" smtClean="0"/>
+              <a:t>.</a:t>
+            </a:r>
           </a:p>
           <a:p>
             <a:pPr hangingPunct="0"/>
             <a:r>
-              <a:rPr lang="pt-BR" dirty="0"/>
-              <a:t>Jobs: </a:t>
-            </a:r>
+              <a:rPr lang="pt-BR" dirty="0" err="1"/>
+              <a:t>Mapskills-Cadvisor</a:t>
+            </a:r>
+            <a:r>
+              <a:rPr lang="pt-BR" dirty="0"/>
+              <a:t> tem a finalidade de compartilhar informações do host com o container. </a:t>
+            </a:r>
+          </a:p>
+          <a:p>
+            <a:pPr hangingPunct="0"/>
+            <a:r>
+              <a:rPr lang="pt-BR" dirty="0" smtClean="0"/>
+              <a:t>Os volumes </a:t>
+            </a:r>
+            <a:r>
+              <a:rPr lang="pt-BR" dirty="0" err="1" smtClean="0"/>
+              <a:t>Mapkills-Jenkins</a:t>
+            </a:r>
+            <a:r>
+              <a:rPr lang="pt-BR" dirty="0"/>
+              <a:t>:</a:t>
+            </a:r>
+            <a:endParaRPr lang="pt-BR" dirty="0" smtClean="0"/>
           </a:p>
           <a:p>
             <a:pPr lvl="1" hangingPunct="0"/>
             <a:r>
-              <a:rPr lang="pt-BR" dirty="0"/>
-              <a:t>Build-</a:t>
-            </a:r>
-            <a:r>
-              <a:rPr lang="pt-BR" dirty="0" err="1"/>
-              <a:t>Mapksills</a:t>
-            </a:r>
-            <a:r>
-              <a:rPr lang="pt-BR" dirty="0"/>
-              <a:t>-</a:t>
-            </a:r>
-            <a:r>
-              <a:rPr lang="pt-BR" dirty="0" err="1"/>
-              <a:t>App</a:t>
-            </a:r>
-            <a:endParaRPr lang="pt-BR" dirty="0"/>
+              <a:rPr lang="pt-BR" sz="2400" dirty="0" smtClean="0"/>
+              <a:t>Volume compartilhado com os containers </a:t>
+            </a:r>
+            <a:r>
+              <a:rPr lang="pt-BR" sz="2400" dirty="0" err="1"/>
+              <a:t>Mapkills-App</a:t>
+            </a:r>
+            <a:r>
+              <a:rPr lang="pt-BR" sz="2400" dirty="0"/>
+              <a:t> e </a:t>
+            </a:r>
+            <a:r>
+              <a:rPr lang="pt-BR" sz="2400" dirty="0" err="1"/>
+              <a:t>Mapskills</a:t>
+            </a:r>
+            <a:r>
+              <a:rPr lang="pt-BR" sz="2400" dirty="0"/>
+              <a:t>-Web </a:t>
+            </a:r>
+            <a:endParaRPr lang="pt-BR" sz="2400" dirty="0" smtClean="0"/>
           </a:p>
           <a:p>
             <a:pPr lvl="1" hangingPunct="0"/>
             <a:r>
-              <a:rPr lang="pt-BR" dirty="0"/>
-              <a:t>Build-</a:t>
-            </a:r>
-            <a:r>
-              <a:rPr lang="pt-BR" dirty="0" err="1"/>
-              <a:t>Mapskills</a:t>
-            </a:r>
-            <a:r>
-              <a:rPr lang="pt-BR" dirty="0"/>
-              <a:t>-Front</a:t>
-            </a:r>
-          </a:p>
-          <a:p>
-            <a:pPr lvl="1" hangingPunct="0"/>
-            <a:r>
-              <a:rPr lang="pt-BR" dirty="0" err="1"/>
-              <a:t>Copy</a:t>
-            </a:r>
-            <a:r>
-              <a:rPr lang="pt-BR" dirty="0"/>
-              <a:t> </a:t>
-            </a:r>
-            <a:r>
-              <a:rPr lang="pt-BR" dirty="0" err="1"/>
-              <a:t>Artifact</a:t>
-            </a:r>
-            <a:r>
-              <a:rPr lang="pt-BR" dirty="0"/>
-              <a:t> </a:t>
-            </a:r>
-            <a:r>
-              <a:rPr lang="pt-BR" dirty="0" err="1"/>
-              <a:t>Mapskills</a:t>
-            </a:r>
-            <a:r>
-              <a:rPr lang="pt-BR" dirty="0"/>
-              <a:t> </a:t>
-            </a:r>
-            <a:r>
-              <a:rPr lang="pt-BR" dirty="0" err="1"/>
-              <a:t>App</a:t>
-            </a:r>
-            <a:endParaRPr lang="pt-BR" dirty="0"/>
-          </a:p>
-          <a:p>
-            <a:pPr lvl="1" hangingPunct="0"/>
-            <a:r>
-              <a:rPr lang="pt-BR" dirty="0" err="1"/>
-              <a:t>Copy</a:t>
-            </a:r>
-            <a:r>
-              <a:rPr lang="pt-BR" dirty="0"/>
-              <a:t> </a:t>
-            </a:r>
-            <a:r>
-              <a:rPr lang="pt-BR" dirty="0" err="1"/>
-              <a:t>Artifact</a:t>
-            </a:r>
-            <a:r>
-              <a:rPr lang="pt-BR" dirty="0"/>
-              <a:t> </a:t>
-            </a:r>
-            <a:r>
-              <a:rPr lang="pt-BR" dirty="0" err="1"/>
-              <a:t>Mapskills</a:t>
-            </a:r>
-            <a:r>
-              <a:rPr lang="pt-BR" dirty="0"/>
-              <a:t> Front</a:t>
-            </a:r>
-          </a:p>
-          <a:p>
-            <a:pPr lvl="1" hangingPunct="0"/>
-            <a:r>
-              <a:rPr lang="pt-BR" dirty="0" err="1"/>
-              <a:t>Deploy</a:t>
-            </a:r>
-            <a:r>
-              <a:rPr lang="pt-BR" dirty="0"/>
-              <a:t> </a:t>
-            </a:r>
-            <a:r>
-              <a:rPr lang="pt-BR" dirty="0" err="1"/>
-              <a:t>Mapskills</a:t>
-            </a:r>
-            <a:r>
-              <a:rPr lang="pt-BR" dirty="0"/>
-              <a:t>. </a:t>
-            </a:r>
-          </a:p>
-          <a:p>
-            <a:pPr hangingPunct="0"/>
-            <a:r>
-              <a:rPr lang="pt-BR" dirty="0" err="1"/>
-              <a:t>Url</a:t>
-            </a:r>
-            <a:r>
-              <a:rPr lang="pt-BR" dirty="0"/>
-              <a:t> de acesso ao </a:t>
-            </a:r>
-            <a:r>
-              <a:rPr lang="pt-BR" dirty="0" err="1"/>
-              <a:t>Jenkins</a:t>
-            </a:r>
-            <a:r>
-              <a:rPr lang="pt-BR" dirty="0"/>
-              <a:t>: http://ip_do_host:8585.</a:t>
+              <a:rPr lang="pt-BR" sz="2400" dirty="0" smtClean="0"/>
+              <a:t>Compartilhamento dos arquivos </a:t>
+            </a:r>
+            <a:r>
+              <a:rPr lang="pt-BR" sz="2400" dirty="0" err="1" smtClean="0"/>
+              <a:t>Docker</a:t>
+            </a:r>
+            <a:r>
+              <a:rPr lang="pt-BR" sz="2400" dirty="0" smtClean="0"/>
+              <a:t> e </a:t>
+            </a:r>
+            <a:r>
+              <a:rPr lang="pt-BR" sz="2400" dirty="0" err="1" smtClean="0"/>
+              <a:t>docker-compose.yaml</a:t>
+            </a:r>
+            <a:r>
+              <a:rPr lang="pt-BR" sz="2400" dirty="0" smtClean="0"/>
+              <a:t> entre o host e container.</a:t>
             </a:r>
           </a:p>
         </p:txBody>
@@ -12035,10 +12585,40 @@
           </a:p>
         </p:txBody>
       </p:sp>
+      <p:pic>
+        <p:nvPicPr>
+          <p:cNvPr id="6" name="Imagem 5"/>
+          <p:cNvPicPr>
+            <a:picLocks noChangeAspect="1"/>
+          </p:cNvPicPr>
+          <p:nvPr/>
+        </p:nvPicPr>
+        <p:blipFill>
+          <a:blip r:embed="rId2" cstate="print">
+            <a:extLst>
+              <a:ext uri="{28A0092B-C50C-407E-A947-70E740481C1C}">
+                <a14:useLocalDpi xmlns:a14="http://schemas.microsoft.com/office/drawing/2010/main" val="0"/>
+              </a:ext>
+            </a:extLst>
+          </a:blip>
+          <a:stretch>
+            <a:fillRect/>
+          </a:stretch>
+        </p:blipFill>
+        <p:spPr>
+          <a:xfrm>
+            <a:off x="10602142" y="920672"/>
+            <a:ext cx="1589858" cy="650549"/>
+          </a:xfrm>
+          <a:prstGeom prst="rect">
+            <a:avLst/>
+          </a:prstGeom>
+        </p:spPr>
+      </p:pic>
     </p:spTree>
     <p:extLst>
       <p:ext uri="{BB962C8B-B14F-4D97-AF65-F5344CB8AC3E}">
-        <p14:creationId xmlns:p14="http://schemas.microsoft.com/office/powerpoint/2010/main" val="1515907411"/>
+        <p14:creationId xmlns:p14="http://schemas.microsoft.com/office/powerpoint/2010/main" val="1216461368"/>
       </p:ext>
     </p:extLst>
   </p:cSld>
@@ -12161,68 +12741,237 @@
           </a:p>
         </p:txBody>
       </p:sp>
+      <p:sp>
+        <p:nvSpPr>
+          <p:cNvPr id="3" name="Espaço Reservado para Conteúdo 2"/>
+          <p:cNvSpPr>
+            <a:spLocks noGrp="1"/>
+          </p:cNvSpPr>
+          <p:nvPr>
+            <p:ph idx="1"/>
+          </p:nvPr>
+        </p:nvSpPr>
+        <p:spPr/>
+        <p:txBody>
+          <a:bodyPr>
+            <a:normAutofit/>
+          </a:bodyPr>
+          <a:lstStyle/>
+          <a:p>
+            <a:pPr hangingPunct="0"/>
+            <a:r>
+              <a:rPr lang="pt-BR" dirty="0" smtClean="0"/>
+              <a:t>Responsável por executar as tarefas destinadas à integração contínua.</a:t>
+            </a:r>
+            <a:endParaRPr lang="pt-BR" dirty="0"/>
+          </a:p>
+          <a:p>
+            <a:pPr hangingPunct="0"/>
+            <a:r>
+              <a:rPr lang="pt-BR" dirty="0"/>
+              <a:t>Jobs: </a:t>
+            </a:r>
+          </a:p>
+          <a:p>
+            <a:pPr lvl="1" hangingPunct="0"/>
+            <a:r>
+              <a:rPr lang="pt-BR" dirty="0"/>
+              <a:t>Build-</a:t>
+            </a:r>
+            <a:r>
+              <a:rPr lang="pt-BR" dirty="0" err="1"/>
+              <a:t>Mapksills</a:t>
+            </a:r>
+            <a:r>
+              <a:rPr lang="pt-BR" dirty="0"/>
+              <a:t>-</a:t>
+            </a:r>
+            <a:r>
+              <a:rPr lang="pt-BR" dirty="0" err="1"/>
+              <a:t>App</a:t>
+            </a:r>
+            <a:endParaRPr lang="pt-BR" dirty="0"/>
+          </a:p>
+          <a:p>
+            <a:pPr lvl="1" hangingPunct="0"/>
+            <a:r>
+              <a:rPr lang="pt-BR" dirty="0"/>
+              <a:t>Build-</a:t>
+            </a:r>
+            <a:r>
+              <a:rPr lang="pt-BR" dirty="0" err="1"/>
+              <a:t>Mapskills</a:t>
+            </a:r>
+            <a:r>
+              <a:rPr lang="pt-BR" dirty="0"/>
+              <a:t>-Front</a:t>
+            </a:r>
+          </a:p>
+          <a:p>
+            <a:pPr lvl="1" hangingPunct="0"/>
+            <a:r>
+              <a:rPr lang="pt-BR" dirty="0" err="1"/>
+              <a:t>Copy</a:t>
+            </a:r>
+            <a:r>
+              <a:rPr lang="pt-BR" dirty="0"/>
+              <a:t> </a:t>
+            </a:r>
+            <a:r>
+              <a:rPr lang="pt-BR" dirty="0" err="1"/>
+              <a:t>Artifact</a:t>
+            </a:r>
+            <a:r>
+              <a:rPr lang="pt-BR" dirty="0"/>
+              <a:t> </a:t>
+            </a:r>
+            <a:r>
+              <a:rPr lang="pt-BR" dirty="0" err="1"/>
+              <a:t>Mapskills</a:t>
+            </a:r>
+            <a:r>
+              <a:rPr lang="pt-BR" dirty="0"/>
+              <a:t> </a:t>
+            </a:r>
+            <a:r>
+              <a:rPr lang="pt-BR" dirty="0" err="1"/>
+              <a:t>App</a:t>
+            </a:r>
+            <a:endParaRPr lang="pt-BR" dirty="0"/>
+          </a:p>
+          <a:p>
+            <a:pPr lvl="1" hangingPunct="0"/>
+            <a:r>
+              <a:rPr lang="pt-BR" dirty="0" err="1"/>
+              <a:t>Copy</a:t>
+            </a:r>
+            <a:r>
+              <a:rPr lang="pt-BR" dirty="0"/>
+              <a:t> </a:t>
+            </a:r>
+            <a:r>
+              <a:rPr lang="pt-BR" dirty="0" err="1"/>
+              <a:t>Artifact</a:t>
+            </a:r>
+            <a:r>
+              <a:rPr lang="pt-BR" dirty="0"/>
+              <a:t> </a:t>
+            </a:r>
+            <a:r>
+              <a:rPr lang="pt-BR" dirty="0" err="1"/>
+              <a:t>Mapskills</a:t>
+            </a:r>
+            <a:r>
+              <a:rPr lang="pt-BR" dirty="0"/>
+              <a:t> Front</a:t>
+            </a:r>
+          </a:p>
+          <a:p>
+            <a:pPr lvl="1" hangingPunct="0"/>
+            <a:r>
+              <a:rPr lang="pt-BR" dirty="0" err="1"/>
+              <a:t>Deploy</a:t>
+            </a:r>
+            <a:r>
+              <a:rPr lang="pt-BR" dirty="0"/>
+              <a:t> </a:t>
+            </a:r>
+            <a:r>
+              <a:rPr lang="pt-BR" dirty="0" err="1"/>
+              <a:t>Mapskills</a:t>
+            </a:r>
+            <a:r>
+              <a:rPr lang="pt-BR" dirty="0"/>
+              <a:t>. </a:t>
+            </a:r>
+          </a:p>
+          <a:p>
+            <a:pPr hangingPunct="0"/>
+            <a:r>
+              <a:rPr lang="pt-BR" dirty="0" err="1"/>
+              <a:t>Url</a:t>
+            </a:r>
+            <a:r>
+              <a:rPr lang="pt-BR" dirty="0"/>
+              <a:t> de acesso ao </a:t>
+            </a:r>
+            <a:r>
+              <a:rPr lang="pt-BR" dirty="0" err="1"/>
+              <a:t>Jenkins</a:t>
+            </a:r>
+            <a:r>
+              <a:rPr lang="pt-BR" dirty="0"/>
+              <a:t>: http://ip_do_host:8585.</a:t>
+            </a:r>
+          </a:p>
+        </p:txBody>
+      </p:sp>
+      <p:sp>
+        <p:nvSpPr>
+          <p:cNvPr id="5" name="Retângulo 4"/>
+          <p:cNvSpPr/>
+          <p:nvPr/>
+        </p:nvSpPr>
+        <p:spPr>
+          <a:xfrm>
+            <a:off x="680321" y="250521"/>
+            <a:ext cx="2231701" cy="369332"/>
+          </a:xfrm>
+          <a:prstGeom prst="rect">
+            <a:avLst/>
+          </a:prstGeom>
+        </p:spPr>
+        <p:txBody>
+          <a:bodyPr wrap="none">
+            <a:spAutoFit/>
+          </a:bodyPr>
+          <a:lstStyle/>
+          <a:p>
+            <a:pPr marL="285750" indent="-285750">
+              <a:buFont typeface="Arial" panose="020B0604020202020204" pitchFamily="34" charset="0"/>
+              <a:buChar char="•"/>
+            </a:pPr>
+            <a:r>
+              <a:rPr lang="pt-BR" dirty="0"/>
+              <a:t>Desenvolvimento</a:t>
+            </a:r>
+          </a:p>
+        </p:txBody>
+      </p:sp>
       <p:pic>
         <p:nvPicPr>
-          <p:cNvPr id="4" name="Figura1"/>
+          <p:cNvPr id="6" name="Imagem 5"/>
           <p:cNvPicPr>
-            <a:picLocks noGrp="1"/>
+            <a:picLocks noChangeAspect="1"/>
           </p:cNvPicPr>
-          <p:nvPr>
-            <p:ph idx="1"/>
-          </p:nvPr>
+          <p:nvPr/>
         </p:nvPicPr>
         <p:blipFill>
-          <a:blip r:embed="rId2"/>
+          <a:blip r:embed="rId2" cstate="print">
+            <a:extLst>
+              <a:ext uri="{28A0092B-C50C-407E-A947-70E740481C1C}">
+                <a14:useLocalDpi xmlns:a14="http://schemas.microsoft.com/office/drawing/2010/main" val="0"/>
+              </a:ext>
+            </a:extLst>
+          </a:blip>
           <a:stretch>
             <a:fillRect/>
           </a:stretch>
         </p:blipFill>
-        <p:spPr bwMode="auto">
-          <a:xfrm>
-            <a:off x="1006892" y="2510226"/>
-            <a:ext cx="9613900" cy="3408765"/>
+        <p:spPr>
+          <a:xfrm>
+            <a:off x="10602142" y="920672"/>
+            <a:ext cx="1589858" cy="650549"/>
           </a:xfrm>
           <a:prstGeom prst="rect">
             <a:avLst/>
           </a:prstGeom>
         </p:spPr>
       </p:pic>
-      <p:sp>
-        <p:nvSpPr>
-          <p:cNvPr id="5" name="Retângulo 4"/>
-          <p:cNvSpPr/>
-          <p:nvPr/>
-        </p:nvSpPr>
-        <p:spPr>
-          <a:xfrm>
-            <a:off x="680321" y="250521"/>
-            <a:ext cx="2231701" cy="369332"/>
-          </a:xfrm>
-          <a:prstGeom prst="rect">
-            <a:avLst/>
-          </a:prstGeom>
-        </p:spPr>
-        <p:txBody>
-          <a:bodyPr wrap="none">
-            <a:spAutoFit/>
-          </a:bodyPr>
-          <a:lstStyle/>
-          <a:p>
-            <a:pPr marL="285750" indent="-285750">
-              <a:buFont typeface="Arial" panose="020B0604020202020204" pitchFamily="34" charset="0"/>
-              <a:buChar char="•"/>
-            </a:pPr>
-            <a:r>
-              <a:rPr lang="pt-BR" dirty="0"/>
-              <a:t>Desenvolvimento</a:t>
-            </a:r>
-          </a:p>
-        </p:txBody>
-      </p:sp>
     </p:spTree>
     <p:extLst>
       <p:ext uri="{BB962C8B-B14F-4D97-AF65-F5344CB8AC3E}">
-        <p14:creationId xmlns:p14="http://schemas.microsoft.com/office/powerpoint/2010/main" val="2225200717"/>
+        <p14:creationId xmlns:p14="http://schemas.microsoft.com/office/powerpoint/2010/main" val="1515907411"/>
       </p:ext>
     </p:extLst>
   </p:cSld>
@@ -12266,156 +13015,41 @@
           <a:p>
             <a:r>
               <a:rPr lang="pt-BR" dirty="0" err="1"/>
-              <a:t>Job</a:t>
-            </a:r>
-            <a:r>
-              <a:rPr lang="pt-BR" dirty="0"/>
-              <a:t> - Build </a:t>
-            </a:r>
-            <a:r>
-              <a:rPr lang="pt-BR" dirty="0" err="1"/>
-              <a:t>Mapskills-app</a:t>
+              <a:t>Mapskills-Jenkins</a:t>
             </a:r>
             <a:endParaRPr lang="pt-BR" dirty="0"/>
           </a:p>
         </p:txBody>
       </p:sp>
-      <p:sp>
-        <p:nvSpPr>
-          <p:cNvPr id="3" name="Espaço Reservado para Conteúdo 2"/>
-          <p:cNvSpPr>
-            <a:spLocks noGrp="1"/>
-          </p:cNvSpPr>
+      <p:pic>
+        <p:nvPicPr>
+          <p:cNvPr id="4" name="Figura1"/>
+          <p:cNvPicPr>
+            <a:picLocks noGrp="1"/>
+          </p:cNvPicPr>
           <p:nvPr>
             <p:ph idx="1"/>
           </p:nvPr>
-        </p:nvSpPr>
-        <p:spPr>
-          <a:xfrm>
-            <a:off x="680321" y="2336873"/>
-            <a:ext cx="10122662" cy="3599316"/>
-          </a:xfrm>
-        </p:spPr>
-        <p:txBody>
-          <a:bodyPr>
-            <a:normAutofit/>
-          </a:bodyPr>
-          <a:lstStyle/>
-          <a:p>
-            <a:pPr hangingPunct="0"/>
-            <a:r>
-              <a:rPr lang="pt-BR" dirty="0"/>
-              <a:t>Este </a:t>
-            </a:r>
-            <a:r>
-              <a:rPr lang="pt-BR" i="1" dirty="0" err="1"/>
-              <a:t>Job</a:t>
-            </a:r>
-            <a:r>
-              <a:rPr lang="pt-BR" dirty="0"/>
-              <a:t> irá baixar o projeto Java do repositório </a:t>
-            </a:r>
-            <a:r>
-              <a:rPr lang="pt-BR" dirty="0" smtClean="0"/>
-              <a:t>GitHub, baixar as dependências do projeto e compila-lo </a:t>
-            </a:r>
-            <a:r>
-              <a:rPr lang="pt-BR" dirty="0"/>
-              <a:t>no formato .</a:t>
-            </a:r>
-            <a:r>
-              <a:rPr lang="pt-BR" dirty="0" err="1" smtClean="0"/>
-              <a:t>war</a:t>
-            </a:r>
-            <a:r>
-              <a:rPr lang="pt-BR" dirty="0" smtClean="0"/>
-              <a:t>.</a:t>
-            </a:r>
-            <a:endParaRPr lang="pt-BR" dirty="0"/>
-          </a:p>
-          <a:p>
-            <a:pPr marL="0" indent="0" hangingPunct="0">
-              <a:buNone/>
-            </a:pPr>
-            <a:endParaRPr lang="en-US" dirty="0" smtClean="0">
-              <a:latin typeface="Courier New" panose="02070309020205020404" pitchFamily="49" charset="0"/>
-              <a:cs typeface="Courier New" panose="02070309020205020404" pitchFamily="49" charset="0"/>
-            </a:endParaRPr>
-          </a:p>
-          <a:p>
-            <a:pPr marL="0" indent="0" hangingPunct="0">
-              <a:buNone/>
-            </a:pPr>
-            <a:endParaRPr lang="en-US" dirty="0">
-              <a:latin typeface="Courier New" panose="02070309020205020404" pitchFamily="49" charset="0"/>
-              <a:cs typeface="Courier New" panose="02070309020205020404" pitchFamily="49" charset="0"/>
-            </a:endParaRPr>
-          </a:p>
-          <a:p>
-            <a:pPr marL="0" indent="0" hangingPunct="0">
-              <a:buNone/>
-            </a:pPr>
-            <a:r>
-              <a:rPr lang="en-US" dirty="0" err="1">
-                <a:latin typeface="Courier New" panose="02070309020205020404" pitchFamily="49" charset="0"/>
-                <a:cs typeface="Courier New" panose="02070309020205020404" pitchFamily="49" charset="0"/>
-              </a:rPr>
-              <a:t>mvn</a:t>
-            </a:r>
-            <a:r>
-              <a:rPr lang="en-US" dirty="0">
-                <a:latin typeface="Courier New" panose="02070309020205020404" pitchFamily="49" charset="0"/>
-                <a:cs typeface="Courier New" panose="02070309020205020404" pitchFamily="49" charset="0"/>
-              </a:rPr>
-              <a:t> clean install -</a:t>
-            </a:r>
-            <a:r>
-              <a:rPr lang="en-US" dirty="0" err="1">
-                <a:latin typeface="Courier New" panose="02070309020205020404" pitchFamily="49" charset="0"/>
-                <a:cs typeface="Courier New" panose="02070309020205020404" pitchFamily="49" charset="0"/>
-              </a:rPr>
-              <a:t>Dliquibase.should.run</a:t>
-            </a:r>
-            <a:r>
-              <a:rPr lang="en-US" dirty="0">
-                <a:latin typeface="Courier New" panose="02070309020205020404" pitchFamily="49" charset="0"/>
-                <a:cs typeface="Courier New" panose="02070309020205020404" pitchFamily="49" charset="0"/>
-              </a:rPr>
-              <a:t>=false -</a:t>
-            </a:r>
-            <a:r>
-              <a:rPr lang="en-US" dirty="0" err="1">
-                <a:latin typeface="Courier New" panose="02070309020205020404" pitchFamily="49" charset="0"/>
-                <a:cs typeface="Courier New" panose="02070309020205020404" pitchFamily="49" charset="0"/>
-              </a:rPr>
-              <a:t>Pazure</a:t>
-            </a:r>
-            <a:endParaRPr lang="pt-BR" dirty="0">
-              <a:latin typeface="Courier New" panose="02070309020205020404" pitchFamily="49" charset="0"/>
-              <a:cs typeface="Courier New" panose="02070309020205020404" pitchFamily="49" charset="0"/>
-            </a:endParaRPr>
-          </a:p>
-          <a:p>
-            <a:pPr marL="0" indent="0" hangingPunct="0">
-              <a:buNone/>
-            </a:pPr>
-            <a:endParaRPr lang="pt-BR" dirty="0"/>
-          </a:p>
-          <a:p>
-            <a:pPr marL="0" indent="0" hangingPunct="0">
-              <a:buNone/>
-            </a:pPr>
-            <a:endParaRPr lang="en-US" dirty="0"/>
-          </a:p>
-          <a:p>
-            <a:pPr hangingPunct="0"/>
-            <a:endParaRPr lang="pt-BR" dirty="0"/>
-          </a:p>
-        </p:txBody>
-      </p:sp>
-      <p:sp>
-        <p:nvSpPr>
-          <p:cNvPr id="4" name="Retângulo 3"/>
+        </p:nvPicPr>
+        <p:blipFill>
+          <a:blip r:embed="rId2"/>
+          <a:stretch>
+            <a:fillRect/>
+          </a:stretch>
+        </p:blipFill>
+        <p:spPr bwMode="auto">
+          <a:xfrm>
+            <a:off x="1006892" y="2510226"/>
+            <a:ext cx="9613900" cy="3408765"/>
+          </a:xfrm>
+          <a:prstGeom prst="rect">
+            <a:avLst/>
+          </a:prstGeom>
+        </p:spPr>
+      </p:pic>
+      <p:sp>
+        <p:nvSpPr>
+          <p:cNvPr id="5" name="Retângulo 4"/>
           <p:cNvSpPr/>
           <p:nvPr/>
         </p:nvSpPr>
@@ -12445,10 +13079,40 @@
           </a:p>
         </p:txBody>
       </p:sp>
+      <p:pic>
+        <p:nvPicPr>
+          <p:cNvPr id="6" name="Imagem 5"/>
+          <p:cNvPicPr>
+            <a:picLocks noChangeAspect="1"/>
+          </p:cNvPicPr>
+          <p:nvPr/>
+        </p:nvPicPr>
+        <p:blipFill>
+          <a:blip r:embed="rId3" cstate="print">
+            <a:extLst>
+              <a:ext uri="{28A0092B-C50C-407E-A947-70E740481C1C}">
+                <a14:useLocalDpi xmlns:a14="http://schemas.microsoft.com/office/drawing/2010/main" val="0"/>
+              </a:ext>
+            </a:extLst>
+          </a:blip>
+          <a:stretch>
+            <a:fillRect/>
+          </a:stretch>
+        </p:blipFill>
+        <p:spPr>
+          <a:xfrm>
+            <a:off x="10602142" y="920672"/>
+            <a:ext cx="1589858" cy="650549"/>
+          </a:xfrm>
+          <a:prstGeom prst="rect">
+            <a:avLst/>
+          </a:prstGeom>
+        </p:spPr>
+      </p:pic>
     </p:spTree>
     <p:extLst>
       <p:ext uri="{BB962C8B-B14F-4D97-AF65-F5344CB8AC3E}">
-        <p14:creationId xmlns:p14="http://schemas.microsoft.com/office/powerpoint/2010/main" val="1785981346"/>
+        <p14:creationId xmlns:p14="http://schemas.microsoft.com/office/powerpoint/2010/main" val="2225200717"/>
       </p:ext>
     </p:extLst>
   </p:cSld>
@@ -12496,16 +13160,13 @@
             </a:r>
             <a:r>
               <a:rPr lang="pt-BR" dirty="0"/>
-              <a:t> – Build </a:t>
+              <a:t> - Build </a:t>
             </a:r>
             <a:r>
               <a:rPr lang="pt-BR" dirty="0" err="1"/>
-              <a:t>Mapskills</a:t>
-            </a:r>
-            <a:r>
-              <a:rPr lang="pt-BR" dirty="0"/>
-              <a:t>-web</a:t>
-            </a:r>
+              <a:t>Mapskills-app</a:t>
+            </a:r>
+            <a:endParaRPr lang="pt-BR" dirty="0"/>
           </a:p>
         </p:txBody>
       </p:sp>
@@ -12519,9 +13180,16 @@
             <p:ph idx="1"/>
           </p:nvPr>
         </p:nvSpPr>
-        <p:spPr/>
-        <p:txBody>
-          <a:bodyPr/>
+        <p:spPr>
+          <a:xfrm>
+            <a:off x="680321" y="2336873"/>
+            <a:ext cx="10122662" cy="3599316"/>
+          </a:xfrm>
+        </p:spPr>
+        <p:txBody>
+          <a:bodyPr>
+            <a:normAutofit/>
+          </a:bodyPr>
           <a:lstStyle/>
           <a:p>
             <a:pPr hangingPunct="0"/>
@@ -12535,57 +13203,102 @@
             </a:r>
             <a:r>
               <a:rPr lang="pt-BR" dirty="0"/>
-              <a:t> irá baixar o projeto Java do repositório GitHub, baixar as dependências do projeto e compila-lo no formato .</a:t>
-            </a:r>
-            <a:r>
-              <a:rPr lang="pt-BR" dirty="0" err="1"/>
+              <a:t> irá baixar o projeto Java do repositório </a:t>
+            </a:r>
+            <a:r>
+              <a:rPr lang="pt-BR" dirty="0" smtClean="0"/>
+              <a:t>GitHub, baixar as dependências do projeto e compila-lo </a:t>
+            </a:r>
+            <a:r>
+              <a:rPr lang="pt-BR" dirty="0"/>
+              <a:t>no formato .</a:t>
+            </a:r>
+            <a:r>
+              <a:rPr lang="pt-BR" dirty="0" err="1" smtClean="0"/>
               <a:t>war</a:t>
             </a:r>
             <a:r>
-              <a:rPr lang="pt-BR" dirty="0"/>
+              <a:rPr lang="pt-BR" dirty="0" smtClean="0"/>
               <a:t>.</a:t>
             </a:r>
-          </a:p>
-          <a:p>
-            <a:pPr marL="0" indent="0">
+            <a:endParaRPr lang="pt-BR" dirty="0"/>
+          </a:p>
+          <a:p>
+            <a:pPr marL="0" indent="0" hangingPunct="0">
               <a:buNone/>
             </a:pPr>
-            <a:endParaRPr lang="pt-BR" dirty="0"/>
-          </a:p>
-          <a:p>
-            <a:pPr marL="0" indent="0" algn="ctr">
+            <a:endParaRPr lang="en-US" dirty="0" smtClean="0">
+              <a:latin typeface="Courier New" panose="02070309020205020404" pitchFamily="49" charset="0"/>
+              <a:cs typeface="Courier New" panose="02070309020205020404" pitchFamily="49" charset="0"/>
+            </a:endParaRPr>
+          </a:p>
+          <a:p>
+            <a:pPr marL="0" indent="0" hangingPunct="0">
               <a:buNone/>
             </a:pPr>
-            <a:r>
-              <a:rPr lang="pt-BR" dirty="0" err="1">
+            <a:endParaRPr lang="en-US" dirty="0">
+              <a:latin typeface="Courier New" panose="02070309020205020404" pitchFamily="49" charset="0"/>
+              <a:cs typeface="Courier New" panose="02070309020205020404" pitchFamily="49" charset="0"/>
+            </a:endParaRPr>
+          </a:p>
+          <a:p>
+            <a:pPr marL="0" indent="0" hangingPunct="0">
+              <a:buNone/>
+            </a:pPr>
+            <a:r>
+              <a:rPr lang="en-US" dirty="0" err="1">
                 <a:latin typeface="Courier New" panose="02070309020205020404" pitchFamily="49" charset="0"/>
                 <a:cs typeface="Courier New" panose="02070309020205020404" pitchFamily="49" charset="0"/>
               </a:rPr>
               <a:t>mvn</a:t>
             </a:r>
             <a:r>
-              <a:rPr lang="pt-BR" dirty="0">
+              <a:rPr lang="en-US" dirty="0">
                 <a:latin typeface="Courier New" panose="02070309020205020404" pitchFamily="49" charset="0"/>
                 <a:cs typeface="Courier New" panose="02070309020205020404" pitchFamily="49" charset="0"/>
               </a:rPr>
-              <a:t> clean </a:t>
-            </a:r>
-            <a:r>
-              <a:rPr lang="pt-BR" dirty="0" err="1">
+              <a:t> clean install -</a:t>
+            </a:r>
+            <a:r>
+              <a:rPr lang="en-US" dirty="0" err="1">
                 <a:latin typeface="Courier New" panose="02070309020205020404" pitchFamily="49" charset="0"/>
                 <a:cs typeface="Courier New" panose="02070309020205020404" pitchFamily="49" charset="0"/>
               </a:rPr>
-              <a:t>install</a:t>
-            </a:r>
-            <a:r>
-              <a:rPr lang="pt-BR" dirty="0">
+              <a:t>Dliquibase.should.run</a:t>
+            </a:r>
+            <a:r>
+              <a:rPr lang="en-US" dirty="0">
                 <a:latin typeface="Courier New" panose="02070309020205020404" pitchFamily="49" charset="0"/>
                 <a:cs typeface="Courier New" panose="02070309020205020404" pitchFamily="49" charset="0"/>
               </a:rPr>
-              <a:t> </a:t>
-            </a:r>
-          </a:p>
-          <a:p>
+              <a:t>=false -</a:t>
+            </a:r>
+            <a:r>
+              <a:rPr lang="en-US" dirty="0" err="1">
+                <a:latin typeface="Courier New" panose="02070309020205020404" pitchFamily="49" charset="0"/>
+                <a:cs typeface="Courier New" panose="02070309020205020404" pitchFamily="49" charset="0"/>
+              </a:rPr>
+              <a:t>Pazure</a:t>
+            </a:r>
+            <a:endParaRPr lang="pt-BR" dirty="0">
+              <a:latin typeface="Courier New" panose="02070309020205020404" pitchFamily="49" charset="0"/>
+              <a:cs typeface="Courier New" panose="02070309020205020404" pitchFamily="49" charset="0"/>
+            </a:endParaRPr>
+          </a:p>
+          <a:p>
+            <a:pPr marL="0" indent="0" hangingPunct="0">
+              <a:buNone/>
+            </a:pPr>
+            <a:endParaRPr lang="pt-BR" dirty="0"/>
+          </a:p>
+          <a:p>
+            <a:pPr marL="0" indent="0" hangingPunct="0">
+              <a:buNone/>
+            </a:pPr>
+            <a:endParaRPr lang="en-US" dirty="0"/>
+          </a:p>
+          <a:p>
+            <a:pPr hangingPunct="0"/>
             <a:endParaRPr lang="pt-BR" dirty="0"/>
           </a:p>
         </p:txBody>
@@ -12622,10 +13335,40 @@
           </a:p>
         </p:txBody>
       </p:sp>
+      <p:pic>
+        <p:nvPicPr>
+          <p:cNvPr id="5" name="Imagem 4"/>
+          <p:cNvPicPr>
+            <a:picLocks noChangeAspect="1"/>
+          </p:cNvPicPr>
+          <p:nvPr/>
+        </p:nvPicPr>
+        <p:blipFill>
+          <a:blip r:embed="rId2" cstate="print">
+            <a:extLst>
+              <a:ext uri="{28A0092B-C50C-407E-A947-70E740481C1C}">
+                <a14:useLocalDpi xmlns:a14="http://schemas.microsoft.com/office/drawing/2010/main" val="0"/>
+              </a:ext>
+            </a:extLst>
+          </a:blip>
+          <a:stretch>
+            <a:fillRect/>
+          </a:stretch>
+        </p:blipFill>
+        <p:spPr>
+          <a:xfrm>
+            <a:off x="10602142" y="920672"/>
+            <a:ext cx="1589858" cy="650549"/>
+          </a:xfrm>
+          <a:prstGeom prst="rect">
+            <a:avLst/>
+          </a:prstGeom>
+        </p:spPr>
+      </p:pic>
     </p:spTree>
     <p:extLst>
       <p:ext uri="{BB962C8B-B14F-4D97-AF65-F5344CB8AC3E}">
-        <p14:creationId xmlns:p14="http://schemas.microsoft.com/office/powerpoint/2010/main" val="575999161"/>
+        <p14:creationId xmlns:p14="http://schemas.microsoft.com/office/powerpoint/2010/main" val="1785981346"/>
       </p:ext>
     </p:extLst>
   </p:cSld>
@@ -12668,85 +13411,21 @@
           <a:lstStyle/>
           <a:p>
             <a:r>
-              <a:rPr lang="pt-BR" dirty="0" smtClean="0"/>
-              <a:t>Jobs </a:t>
-            </a:r>
-            <a:r>
-              <a:rPr lang="pt-BR" dirty="0"/>
-              <a:t>-</a:t>
-            </a:r>
-            <a:r>
-              <a:rPr lang="pt-BR" dirty="0" smtClean="0"/>
-              <a:t> </a:t>
-            </a:r>
-            <a:r>
               <a:rPr lang="pt-BR" dirty="0" err="1"/>
-              <a:t>Copy</a:t>
-            </a:r>
-            <a:r>
-              <a:rPr lang="pt-BR" dirty="0"/>
-              <a:t> </a:t>
+              <a:t>Job</a:t>
+            </a:r>
+            <a:r>
+              <a:rPr lang="pt-BR" dirty="0"/>
+              <a:t> – Build </a:t>
             </a:r>
             <a:r>
               <a:rPr lang="pt-BR" dirty="0" err="1"/>
-              <a:t>Artifact</a:t>
-            </a:r>
-            <a:r>
-              <a:rPr lang="pt-BR" dirty="0"/>
-              <a:t> </a:t>
-            </a:r>
-            <a:r>
-              <a:rPr lang="pt-BR" dirty="0" err="1"/>
-              <a:t>Mapskills-app</a:t>
-            </a:r>
-            <a:r>
-              <a:rPr lang="pt-BR" dirty="0"/>
-              <a:t> e </a:t>
-            </a:r>
-            <a:r>
-              <a:rPr lang="pt-BR" dirty="0" smtClean="0"/>
-              <a:t/>
-            </a:r>
-            <a:br>
-              <a:rPr lang="pt-BR" dirty="0" smtClean="0"/>
-            </a:br>
-            <a:r>
-              <a:rPr lang="pt-BR" dirty="0"/>
-              <a:t>	</a:t>
-            </a:r>
-            <a:r>
-              <a:rPr lang="pt-BR" dirty="0" smtClean="0"/>
-              <a:t>   </a:t>
-            </a:r>
-            <a:r>
-              <a:rPr lang="pt-BR" dirty="0" err="1" smtClean="0"/>
-              <a:t>Copy</a:t>
-            </a:r>
-            <a:r>
-              <a:rPr lang="pt-BR" dirty="0" smtClean="0"/>
-              <a:t> </a:t>
-            </a:r>
-            <a:r>
-              <a:rPr lang="pt-BR" dirty="0" err="1" smtClean="0"/>
-              <a:t>Artifact</a:t>
-            </a:r>
-            <a:r>
-              <a:rPr lang="pt-BR" dirty="0" smtClean="0"/>
-              <a:t> </a:t>
-            </a:r>
-            <a:r>
-              <a:rPr lang="pt-BR" dirty="0" err="1" smtClean="0"/>
               <a:t>Mapskills</a:t>
             </a:r>
             <a:r>
-              <a:rPr lang="pt-BR" dirty="0" smtClean="0"/>
-              <a:t>-f</a:t>
-            </a:r>
-            <a:r>
-              <a:rPr lang="pt-BR" dirty="0" smtClean="0"/>
-              <a:t>ront</a:t>
-            </a:r>
-            <a:endParaRPr lang="pt-BR" dirty="0"/>
+              <a:rPr lang="pt-BR" dirty="0"/>
+              <a:t>-web</a:t>
+            </a:r>
           </a:p>
         </p:txBody>
       </p:sp>
@@ -12760,67 +13439,23 @@
             <p:ph idx="1"/>
           </p:nvPr>
         </p:nvSpPr>
-        <p:spPr>
-          <a:xfrm>
-            <a:off x="287383" y="2336873"/>
-            <a:ext cx="10829108" cy="3599316"/>
-          </a:xfrm>
-        </p:spPr>
-        <p:txBody>
-          <a:bodyPr>
-            <a:normAutofit fontScale="92500"/>
-          </a:bodyPr>
-          <a:lstStyle/>
-          <a:p>
-            <a:r>
-              <a:rPr lang="pt-BR" dirty="0" smtClean="0"/>
-              <a:t>Depende da execução com sucesso do </a:t>
-            </a:r>
-            <a:r>
-              <a:rPr lang="pt-BR" dirty="0" err="1" smtClean="0"/>
-              <a:t>job</a:t>
-            </a:r>
-            <a:r>
-              <a:rPr lang="pt-BR" dirty="0" smtClean="0"/>
-              <a:t> Build-</a:t>
-            </a:r>
-            <a:r>
-              <a:rPr lang="pt-BR" dirty="0" err="1" smtClean="0"/>
-              <a:t>Mapskills</a:t>
-            </a:r>
-            <a:r>
-              <a:rPr lang="pt-BR" dirty="0" smtClean="0"/>
-              <a:t>-</a:t>
-            </a:r>
-            <a:r>
-              <a:rPr lang="pt-BR" dirty="0" err="1" smtClean="0"/>
-              <a:t>App</a:t>
-            </a:r>
-            <a:r>
-              <a:rPr lang="pt-BR" dirty="0" smtClean="0"/>
-              <a:t> e </a:t>
-            </a:r>
-            <a:r>
-              <a:rPr lang="pt-BR" dirty="0" err="1" smtClean="0"/>
-              <a:t>Mapskills</a:t>
-            </a:r>
-            <a:r>
-              <a:rPr lang="pt-BR" dirty="0" smtClean="0"/>
-              <a:t>-Front</a:t>
-            </a:r>
-            <a:r>
-              <a:rPr lang="pt-BR" dirty="0" smtClean="0"/>
-              <a:t>.</a:t>
-            </a:r>
-          </a:p>
-          <a:p>
-            <a:r>
-              <a:rPr lang="pt-BR" dirty="0" smtClean="0"/>
-              <a:t>Ele </a:t>
-            </a:r>
-            <a:r>
-              <a:rPr lang="pt-BR" dirty="0"/>
-              <a:t>copiar o arquivo .</a:t>
+        <p:spPr/>
+        <p:txBody>
+          <a:bodyPr/>
+          <a:lstStyle/>
+          <a:p>
+            <a:pPr hangingPunct="0"/>
+            <a:r>
+              <a:rPr lang="pt-BR" dirty="0"/>
+              <a:t>Este </a:t>
+            </a:r>
+            <a:r>
+              <a:rPr lang="pt-BR" i="1" dirty="0" err="1"/>
+              <a:t>Job</a:t>
+            </a:r>
+            <a:r>
+              <a:rPr lang="pt-BR" dirty="0"/>
+              <a:t> irá baixar o projeto Java do repositório GitHub, baixar as dependências do projeto e compila-lo no formato .</a:t>
             </a:r>
             <a:r>
               <a:rPr lang="pt-BR" dirty="0" err="1"/>
@@ -12828,177 +13463,17 @@
             </a:r>
             <a:r>
               <a:rPr lang="pt-BR" dirty="0"/>
-              <a:t> da pasta </a:t>
-            </a:r>
-            <a:r>
-              <a:rPr lang="pt-BR" dirty="0" smtClean="0"/>
-              <a:t>Target do Container </a:t>
-            </a:r>
-            <a:r>
-              <a:rPr lang="pt-BR" dirty="0" err="1" smtClean="0"/>
-              <a:t>Jenkisn</a:t>
-            </a:r>
-            <a:r>
-              <a:rPr lang="pt-BR" dirty="0" smtClean="0"/>
-              <a:t> </a:t>
-            </a:r>
-            <a:r>
-              <a:rPr lang="pt-BR" dirty="0"/>
-              <a:t>para o volume </a:t>
-            </a:r>
-            <a:r>
-              <a:rPr lang="pt-BR" dirty="0" err="1" smtClean="0"/>
-              <a:t>Docker</a:t>
-            </a:r>
-            <a:r>
-              <a:rPr lang="pt-BR" dirty="0" smtClean="0"/>
-              <a:t> </a:t>
-            </a:r>
-            <a:r>
-              <a:rPr lang="pt-BR" dirty="0" err="1" smtClean="0"/>
-              <a:t>Mapskills-back</a:t>
-            </a:r>
-            <a:r>
-              <a:rPr lang="pt-BR" dirty="0" smtClean="0"/>
-              <a:t> e </a:t>
-            </a:r>
-            <a:r>
-              <a:rPr lang="pt-BR" dirty="0" err="1" smtClean="0"/>
-              <a:t>Mapskills</a:t>
-            </a:r>
-            <a:r>
-              <a:rPr lang="pt-BR" dirty="0" smtClean="0"/>
-              <a:t>-front</a:t>
-            </a:r>
-            <a:r>
-              <a:rPr lang="pt-BR" i="1" dirty="0" smtClean="0"/>
               <a:t>.</a:t>
             </a:r>
-            <a:endParaRPr lang="pt-BR" i="1" dirty="0"/>
-          </a:p>
-          <a:p>
-            <a:pPr marL="0" indent="0" algn="ctr" hangingPunct="0">
+          </a:p>
+          <a:p>
+            <a:pPr marL="0" indent="0">
               <a:buNone/>
             </a:pPr>
-            <a:endParaRPr lang="en-US" dirty="0" smtClean="0">
-              <a:latin typeface="Courier New" panose="02070309020205020404" pitchFamily="49" charset="0"/>
-              <a:cs typeface="Courier New" panose="02070309020205020404" pitchFamily="49" charset="0"/>
-            </a:endParaRPr>
-          </a:p>
-          <a:p>
-            <a:pPr marL="0" indent="0" algn="ctr" hangingPunct="0">
-              <a:buNone/>
-            </a:pPr>
-            <a:r>
-              <a:rPr lang="en-US" dirty="0" err="1" smtClean="0">
-                <a:latin typeface="Courier New" panose="02070309020205020404" pitchFamily="49" charset="0"/>
-                <a:cs typeface="Courier New" panose="02070309020205020404" pitchFamily="49" charset="0"/>
-              </a:rPr>
-              <a:t>sudo</a:t>
-            </a:r>
-            <a:r>
-              <a:rPr lang="en-US" dirty="0" smtClean="0">
-                <a:latin typeface="Courier New" panose="02070309020205020404" pitchFamily="49" charset="0"/>
-                <a:cs typeface="Courier New" panose="02070309020205020404" pitchFamily="49" charset="0"/>
-              </a:rPr>
-              <a:t> </a:t>
-            </a:r>
-            <a:r>
-              <a:rPr lang="en-US" dirty="0" err="1">
-                <a:latin typeface="Courier New" panose="02070309020205020404" pitchFamily="49" charset="0"/>
-                <a:cs typeface="Courier New" panose="02070309020205020404" pitchFamily="49" charset="0"/>
-              </a:rPr>
-              <a:t>cp</a:t>
-            </a:r>
-            <a:r>
-              <a:rPr lang="en-US" dirty="0">
-                <a:latin typeface="Courier New" panose="02070309020205020404" pitchFamily="49" charset="0"/>
-                <a:cs typeface="Courier New" panose="02070309020205020404" pitchFamily="49" charset="0"/>
-              </a:rPr>
-              <a:t> /</a:t>
-            </a:r>
-            <a:r>
-              <a:rPr lang="en-US" dirty="0" err="1">
-                <a:latin typeface="Courier New" panose="02070309020205020404" pitchFamily="49" charset="0"/>
-                <a:cs typeface="Courier New" panose="02070309020205020404" pitchFamily="49" charset="0"/>
-              </a:rPr>
-              <a:t>var</a:t>
-            </a:r>
-            <a:r>
-              <a:rPr lang="en-US" dirty="0">
-                <a:latin typeface="Courier New" panose="02070309020205020404" pitchFamily="49" charset="0"/>
-                <a:cs typeface="Courier New" panose="02070309020205020404" pitchFamily="49" charset="0"/>
-              </a:rPr>
-              <a:t>/</a:t>
-            </a:r>
-            <a:r>
-              <a:rPr lang="en-US" dirty="0" err="1">
-                <a:latin typeface="Courier New" panose="02070309020205020404" pitchFamily="49" charset="0"/>
-                <a:cs typeface="Courier New" panose="02070309020205020404" pitchFamily="49" charset="0"/>
-              </a:rPr>
-              <a:t>jenkins_home</a:t>
-            </a:r>
-            <a:r>
-              <a:rPr lang="en-US" dirty="0">
-                <a:latin typeface="Courier New" panose="02070309020205020404" pitchFamily="49" charset="0"/>
-                <a:cs typeface="Courier New" panose="02070309020205020404" pitchFamily="49" charset="0"/>
-              </a:rPr>
-              <a:t>/workspace/Build-</a:t>
-            </a:r>
-            <a:r>
-              <a:rPr lang="en-US" dirty="0" err="1">
-                <a:latin typeface="Courier New" panose="02070309020205020404" pitchFamily="49" charset="0"/>
-                <a:cs typeface="Courier New" panose="02070309020205020404" pitchFamily="49" charset="0"/>
-              </a:rPr>
-              <a:t>Mapskills</a:t>
-            </a:r>
-            <a:r>
-              <a:rPr lang="en-US" dirty="0">
-                <a:latin typeface="Courier New" panose="02070309020205020404" pitchFamily="49" charset="0"/>
-                <a:cs typeface="Courier New" panose="02070309020205020404" pitchFamily="49" charset="0"/>
-              </a:rPr>
-              <a:t>-Back/target/</a:t>
-            </a:r>
-            <a:r>
-              <a:rPr lang="en-US" dirty="0" err="1">
-                <a:latin typeface="Courier New" panose="02070309020205020404" pitchFamily="49" charset="0"/>
-                <a:cs typeface="Courier New" panose="02070309020205020404" pitchFamily="49" charset="0"/>
-              </a:rPr>
-              <a:t>mapskills.war</a:t>
-            </a:r>
-            <a:r>
-              <a:rPr lang="en-US" dirty="0">
-                <a:latin typeface="Courier New" panose="02070309020205020404" pitchFamily="49" charset="0"/>
-                <a:cs typeface="Courier New" panose="02070309020205020404" pitchFamily="49" charset="0"/>
-              </a:rPr>
-              <a:t> /</a:t>
-            </a:r>
-            <a:r>
-              <a:rPr lang="en-US" dirty="0" err="1">
-                <a:latin typeface="Courier New" panose="02070309020205020404" pitchFamily="49" charset="0"/>
-                <a:cs typeface="Courier New" panose="02070309020205020404" pitchFamily="49" charset="0"/>
-              </a:rPr>
-              <a:t>mapskills</a:t>
-            </a:r>
-            <a:r>
-              <a:rPr lang="en-US" dirty="0">
-                <a:latin typeface="Courier New" panose="02070309020205020404" pitchFamily="49" charset="0"/>
-                <a:cs typeface="Courier New" panose="02070309020205020404" pitchFamily="49" charset="0"/>
-              </a:rPr>
-              <a:t>/back</a:t>
-            </a:r>
-          </a:p>
-          <a:p>
-            <a:pPr marL="0" indent="0" algn="ctr" hangingPunct="0">
-              <a:buNone/>
-            </a:pPr>
-            <a:endParaRPr lang="pt-BR" dirty="0" smtClean="0">
-              <a:latin typeface="Courier New" panose="02070309020205020404" pitchFamily="49" charset="0"/>
-              <a:cs typeface="Courier New" panose="02070309020205020404" pitchFamily="49" charset="0"/>
-            </a:endParaRPr>
-          </a:p>
-          <a:p>
-            <a:pPr marL="0" indent="0" algn="ctr" hangingPunct="0">
+            <a:endParaRPr lang="pt-BR" dirty="0"/>
+          </a:p>
+          <a:p>
+            <a:pPr marL="0" indent="0" algn="ctr">
               <a:buNone/>
             </a:pPr>
             <a:r>
@@ -13006,7 +13481,21 @@
                 <a:latin typeface="Courier New" panose="02070309020205020404" pitchFamily="49" charset="0"/>
                 <a:cs typeface="Courier New" panose="02070309020205020404" pitchFamily="49" charset="0"/>
               </a:rPr>
-              <a:t>sudo</a:t>
+              <a:t>mvn</a:t>
+            </a:r>
+            <a:r>
+              <a:rPr lang="pt-BR" dirty="0">
+                <a:latin typeface="Courier New" panose="02070309020205020404" pitchFamily="49" charset="0"/>
+                <a:cs typeface="Courier New" panose="02070309020205020404" pitchFamily="49" charset="0"/>
+              </a:rPr>
+              <a:t> clean </a:t>
+            </a:r>
+            <a:r>
+              <a:rPr lang="pt-BR" dirty="0" err="1">
+                <a:latin typeface="Courier New" panose="02070309020205020404" pitchFamily="49" charset="0"/>
+                <a:cs typeface="Courier New" panose="02070309020205020404" pitchFamily="49" charset="0"/>
+              </a:rPr>
+              <a:t>install</a:t>
             </a:r>
             <a:r>
               <a:rPr lang="pt-BR" dirty="0">
@@ -13015,122 +13504,9 @@
               </a:rPr>
               <a:t> </a:t>
             </a:r>
-            <a:r>
-              <a:rPr lang="pt-BR" dirty="0" err="1">
-                <a:latin typeface="Courier New" panose="02070309020205020404" pitchFamily="49" charset="0"/>
-                <a:cs typeface="Courier New" panose="02070309020205020404" pitchFamily="49" charset="0"/>
-              </a:rPr>
-              <a:t>cp</a:t>
-            </a:r>
-            <a:r>
-              <a:rPr lang="pt-BR" dirty="0">
-                <a:latin typeface="Courier New" panose="02070309020205020404" pitchFamily="49" charset="0"/>
-                <a:cs typeface="Courier New" panose="02070309020205020404" pitchFamily="49" charset="0"/>
-              </a:rPr>
-              <a:t> /var/</a:t>
-            </a:r>
-            <a:r>
-              <a:rPr lang="pt-BR" dirty="0" err="1">
-                <a:latin typeface="Courier New" panose="02070309020205020404" pitchFamily="49" charset="0"/>
-                <a:cs typeface="Courier New" panose="02070309020205020404" pitchFamily="49" charset="0"/>
-              </a:rPr>
-              <a:t>jenkins_home</a:t>
-            </a:r>
-            <a:r>
-              <a:rPr lang="pt-BR" dirty="0">
-                <a:latin typeface="Courier New" panose="02070309020205020404" pitchFamily="49" charset="0"/>
-                <a:cs typeface="Courier New" panose="02070309020205020404" pitchFamily="49" charset="0"/>
-              </a:rPr>
-              <a:t>/</a:t>
-            </a:r>
-            <a:r>
-              <a:rPr lang="pt-BR" dirty="0" err="1">
-                <a:latin typeface="Courier New" panose="02070309020205020404" pitchFamily="49" charset="0"/>
-                <a:cs typeface="Courier New" panose="02070309020205020404" pitchFamily="49" charset="0"/>
-              </a:rPr>
-              <a:t>workspace</a:t>
-            </a:r>
-            <a:r>
-              <a:rPr lang="pt-BR" dirty="0">
-                <a:latin typeface="Courier New" panose="02070309020205020404" pitchFamily="49" charset="0"/>
-                <a:cs typeface="Courier New" panose="02070309020205020404" pitchFamily="49" charset="0"/>
-              </a:rPr>
-              <a:t>/Build-</a:t>
-            </a:r>
-            <a:r>
-              <a:rPr lang="pt-BR" dirty="0" err="1">
-                <a:latin typeface="Courier New" panose="02070309020205020404" pitchFamily="49" charset="0"/>
-                <a:cs typeface="Courier New" panose="02070309020205020404" pitchFamily="49" charset="0"/>
-              </a:rPr>
-              <a:t>Mapskills</a:t>
-            </a:r>
-            <a:r>
-              <a:rPr lang="pt-BR" dirty="0">
-                <a:latin typeface="Courier New" panose="02070309020205020404" pitchFamily="49" charset="0"/>
-                <a:cs typeface="Courier New" panose="02070309020205020404" pitchFamily="49" charset="0"/>
-              </a:rPr>
-              <a:t>-Front/</a:t>
-            </a:r>
-            <a:r>
-              <a:rPr lang="pt-BR" dirty="0" err="1">
-                <a:latin typeface="Courier New" panose="02070309020205020404" pitchFamily="49" charset="0"/>
-                <a:cs typeface="Courier New" panose="02070309020205020404" pitchFamily="49" charset="0"/>
-              </a:rPr>
-              <a:t>mapskills</a:t>
-            </a:r>
-            <a:r>
-              <a:rPr lang="pt-BR" dirty="0">
-                <a:latin typeface="Courier New" panose="02070309020205020404" pitchFamily="49" charset="0"/>
-                <a:cs typeface="Courier New" panose="02070309020205020404" pitchFamily="49" charset="0"/>
-              </a:rPr>
-              <a:t>-web/</a:t>
-            </a:r>
-            <a:r>
-              <a:rPr lang="pt-BR" dirty="0" err="1">
-                <a:latin typeface="Courier New" panose="02070309020205020404" pitchFamily="49" charset="0"/>
-                <a:cs typeface="Courier New" panose="02070309020205020404" pitchFamily="49" charset="0"/>
-              </a:rPr>
-              <a:t>target</a:t>
-            </a:r>
-            <a:r>
-              <a:rPr lang="pt-BR" dirty="0">
-                <a:latin typeface="Courier New" panose="02070309020205020404" pitchFamily="49" charset="0"/>
-                <a:cs typeface="Courier New" panose="02070309020205020404" pitchFamily="49" charset="0"/>
-              </a:rPr>
-              <a:t>/</a:t>
-            </a:r>
-            <a:r>
-              <a:rPr lang="pt-BR" dirty="0" err="1">
-                <a:latin typeface="Courier New" panose="02070309020205020404" pitchFamily="49" charset="0"/>
-                <a:cs typeface="Courier New" panose="02070309020205020404" pitchFamily="49" charset="0"/>
-              </a:rPr>
-              <a:t>mapskills-web.war</a:t>
-            </a:r>
-            <a:r>
-              <a:rPr lang="pt-BR" dirty="0">
-                <a:latin typeface="Courier New" panose="02070309020205020404" pitchFamily="49" charset="0"/>
-                <a:cs typeface="Courier New" panose="02070309020205020404" pitchFamily="49" charset="0"/>
-              </a:rPr>
-              <a:t> /</a:t>
-            </a:r>
-            <a:r>
-              <a:rPr lang="pt-BR" dirty="0" err="1">
-                <a:latin typeface="Courier New" panose="02070309020205020404" pitchFamily="49" charset="0"/>
-                <a:cs typeface="Courier New" panose="02070309020205020404" pitchFamily="49" charset="0"/>
-              </a:rPr>
-              <a:t>mapskills</a:t>
-            </a:r>
-            <a:r>
-              <a:rPr lang="pt-BR" dirty="0">
-                <a:latin typeface="Courier New" panose="02070309020205020404" pitchFamily="49" charset="0"/>
-                <a:cs typeface="Courier New" panose="02070309020205020404" pitchFamily="49" charset="0"/>
-              </a:rPr>
-              <a:t>/front</a:t>
-            </a:r>
-            <a:endParaRPr lang="pt-BR" dirty="0">
-              <a:latin typeface="Courier New" panose="02070309020205020404" pitchFamily="49" charset="0"/>
-              <a:cs typeface="Courier New" panose="02070309020205020404" pitchFamily="49" charset="0"/>
-            </a:endParaRPr>
+          </a:p>
+          <a:p>
+            <a:endParaRPr lang="pt-BR" dirty="0"/>
           </a:p>
         </p:txBody>
       </p:sp>
@@ -13166,10 +13542,40 @@
           </a:p>
         </p:txBody>
       </p:sp>
+      <p:pic>
+        <p:nvPicPr>
+          <p:cNvPr id="5" name="Imagem 4"/>
+          <p:cNvPicPr>
+            <a:picLocks noChangeAspect="1"/>
+          </p:cNvPicPr>
+          <p:nvPr/>
+        </p:nvPicPr>
+        <p:blipFill>
+          <a:blip r:embed="rId2" cstate="print">
+            <a:extLst>
+              <a:ext uri="{28A0092B-C50C-407E-A947-70E740481C1C}">
+                <a14:useLocalDpi xmlns:a14="http://schemas.microsoft.com/office/drawing/2010/main" val="0"/>
+              </a:ext>
+            </a:extLst>
+          </a:blip>
+          <a:stretch>
+            <a:fillRect/>
+          </a:stretch>
+        </p:blipFill>
+        <p:spPr>
+          <a:xfrm>
+            <a:off x="10602142" y="920672"/>
+            <a:ext cx="1589858" cy="650549"/>
+          </a:xfrm>
+          <a:prstGeom prst="rect">
+            <a:avLst/>
+          </a:prstGeom>
+        </p:spPr>
+      </p:pic>
     </p:spTree>
     <p:extLst>
       <p:ext uri="{BB962C8B-B14F-4D97-AF65-F5344CB8AC3E}">
-        <p14:creationId xmlns:p14="http://schemas.microsoft.com/office/powerpoint/2010/main" val="1070249952"/>
+        <p14:creationId xmlns:p14="http://schemas.microsoft.com/office/powerpoint/2010/main" val="575999161"/>
       </p:ext>
     </p:extLst>
   </p:cSld>
@@ -13212,16 +13618,28 @@
           <a:lstStyle/>
           <a:p>
             <a:r>
+              <a:rPr lang="pt-BR" dirty="0" smtClean="0"/>
+              <a:t>Jobs </a:t>
+            </a:r>
+            <a:r>
+              <a:rPr lang="pt-BR" dirty="0"/>
+              <a:t>-</a:t>
+            </a:r>
+            <a:r>
+              <a:rPr lang="pt-BR" dirty="0" smtClean="0"/>
+              <a:t> </a:t>
+            </a:r>
+            <a:r>
               <a:rPr lang="pt-BR" dirty="0" err="1"/>
-              <a:t>Job</a:t>
-            </a:r>
-            <a:r>
-              <a:rPr lang="pt-BR" dirty="0"/>
-              <a:t> – </a:t>
+              <a:t>Copy</a:t>
+            </a:r>
+            <a:r>
+              <a:rPr lang="pt-BR" dirty="0"/>
+              <a:t> </a:t>
             </a:r>
             <a:r>
               <a:rPr lang="pt-BR" dirty="0" err="1"/>
-              <a:t>Deploy</a:t>
+              <a:t>Artifact</a:t>
             </a:r>
             <a:r>
               <a:rPr lang="pt-BR" dirty="0"/>
@@ -13229,8 +13647,51 @@
             </a:r>
             <a:r>
               <a:rPr lang="pt-BR" dirty="0" err="1"/>
+              <a:t>Mapskills-app</a:t>
+            </a:r>
+            <a:r>
+              <a:rPr lang="pt-BR" dirty="0"/>
+              <a:t> e </a:t>
+            </a:r>
+            <a:r>
+              <a:rPr lang="pt-BR" dirty="0" smtClean="0"/>
+              <a:t/>
+            </a:r>
+            <a:br>
+              <a:rPr lang="pt-BR" dirty="0" smtClean="0"/>
+            </a:br>
+            <a:r>
+              <a:rPr lang="pt-BR" dirty="0"/>
+              <a:t>	</a:t>
+            </a:r>
+            <a:r>
+              <a:rPr lang="pt-BR" dirty="0" smtClean="0"/>
+              <a:t>   </a:t>
+            </a:r>
+            <a:r>
+              <a:rPr lang="pt-BR" dirty="0" err="1" smtClean="0"/>
+              <a:t>Copy</a:t>
+            </a:r>
+            <a:r>
+              <a:rPr lang="pt-BR" dirty="0" smtClean="0"/>
+              <a:t> </a:t>
+            </a:r>
+            <a:r>
+              <a:rPr lang="pt-BR" dirty="0" err="1" smtClean="0"/>
+              <a:t>Artifact</a:t>
+            </a:r>
+            <a:r>
+              <a:rPr lang="pt-BR" dirty="0" smtClean="0"/>
+              <a:t> </a:t>
+            </a:r>
+            <a:r>
+              <a:rPr lang="pt-BR" dirty="0" err="1" smtClean="0"/>
               <a:t>Mapskills</a:t>
             </a:r>
+            <a:r>
+              <a:rPr lang="pt-BR" dirty="0" smtClean="0"/>
+              <a:t>-front</a:t>
+            </a:r>
             <a:endParaRPr lang="pt-BR" dirty="0"/>
           </a:p>
         </p:txBody>
@@ -13247,89 +13708,212 @@
         </p:nvSpPr>
         <p:spPr>
           <a:xfrm>
-            <a:off x="680321" y="2336873"/>
-            <a:ext cx="10893370" cy="3599316"/>
-          </a:xfrm>
-        </p:spPr>
-        <p:txBody>
-          <a:bodyPr/>
-          <a:lstStyle/>
-          <a:p>
-            <a:pPr hangingPunct="0"/>
+            <a:off x="287383" y="2336873"/>
+            <a:ext cx="10829108" cy="3599316"/>
+          </a:xfrm>
+        </p:spPr>
+        <p:txBody>
+          <a:bodyPr>
+            <a:normAutofit fontScale="92500"/>
+          </a:bodyPr>
+          <a:lstStyle/>
+          <a:p>
+            <a:r>
+              <a:rPr lang="pt-BR" dirty="0" smtClean="0"/>
+              <a:t>Depende da execução com sucesso do </a:t>
+            </a:r>
             <a:r>
               <a:rPr lang="pt-BR" dirty="0" err="1" smtClean="0"/>
-              <a:t>Reponsável</a:t>
+              <a:t>job</a:t>
             </a:r>
             <a:r>
               <a:rPr lang="pt-BR" dirty="0" smtClean="0"/>
-              <a:t> por </a:t>
-            </a:r>
-            <a:r>
-              <a:rPr lang="pt-BR" dirty="0"/>
-              <a:t>disponibilizar os projetos de </a:t>
-            </a:r>
-            <a:r>
-              <a:rPr lang="pt-BR" i="1" dirty="0"/>
-              <a:t>front</a:t>
-            </a:r>
-            <a:r>
-              <a:rPr lang="pt-BR" dirty="0"/>
+              <a:t> Build-</a:t>
+            </a:r>
+            <a:r>
+              <a:rPr lang="pt-BR" dirty="0" err="1" smtClean="0"/>
+              <a:t>Mapskills</a:t>
+            </a:r>
+            <a:r>
+              <a:rPr lang="pt-BR" dirty="0" smtClean="0"/>
+              <a:t>-</a:t>
+            </a:r>
+            <a:r>
+              <a:rPr lang="pt-BR" dirty="0" err="1" smtClean="0"/>
+              <a:t>App</a:t>
+            </a:r>
+            <a:r>
+              <a:rPr lang="pt-BR" dirty="0" smtClean="0"/>
               <a:t> e </a:t>
             </a:r>
             <a:r>
-              <a:rPr lang="pt-BR" i="1" dirty="0" err="1"/>
-              <a:t>back-end</a:t>
-            </a:r>
-            <a:r>
-              <a:rPr lang="pt-BR" dirty="0"/>
-              <a:t> em produção. Para que seja esteja em produção, é executado o arquivo “</a:t>
+              <a:rPr lang="pt-BR" dirty="0" err="1" smtClean="0"/>
+              <a:t>Mapskills</a:t>
+            </a:r>
+            <a:r>
+              <a:rPr lang="pt-BR" dirty="0" smtClean="0"/>
+              <a:t>-Front.</a:t>
+            </a:r>
+          </a:p>
+          <a:p>
+            <a:r>
+              <a:rPr lang="pt-BR" dirty="0" smtClean="0"/>
+              <a:t>Ele </a:t>
+            </a:r>
+            <a:r>
+              <a:rPr lang="pt-BR" dirty="0"/>
+              <a:t>copiar o arquivo .</a:t>
             </a:r>
             <a:r>
               <a:rPr lang="pt-BR" dirty="0" err="1"/>
-              <a:t>docker-compose.yml</a:t>
-            </a:r>
-            <a:r>
-              <a:rPr lang="pt-BR" dirty="0"/>
-              <a:t>”.</a:t>
-            </a:r>
-          </a:p>
-          <a:p>
-            <a:pPr marL="0" indent="0" hangingPunct="0">
+              <a:t>war</a:t>
+            </a:r>
+            <a:r>
+              <a:rPr lang="pt-BR" dirty="0"/>
+              <a:t> da pasta </a:t>
+            </a:r>
+            <a:r>
+              <a:rPr lang="pt-BR" dirty="0" smtClean="0"/>
+              <a:t>Target do Container </a:t>
+            </a:r>
+            <a:r>
+              <a:rPr lang="pt-BR" dirty="0" err="1" smtClean="0"/>
+              <a:t>Jenkisn</a:t>
+            </a:r>
+            <a:r>
+              <a:rPr lang="pt-BR" dirty="0" smtClean="0"/>
+              <a:t> </a:t>
+            </a:r>
+            <a:r>
+              <a:rPr lang="pt-BR" dirty="0"/>
+              <a:t>para o volume </a:t>
+            </a:r>
+            <a:r>
+              <a:rPr lang="pt-BR" dirty="0" err="1" smtClean="0"/>
+              <a:t>Docker</a:t>
+            </a:r>
+            <a:r>
+              <a:rPr lang="pt-BR" dirty="0" smtClean="0"/>
+              <a:t> </a:t>
+            </a:r>
+            <a:r>
+              <a:rPr lang="pt-BR" dirty="0" err="1" smtClean="0"/>
+              <a:t>Mapskills-back</a:t>
+            </a:r>
+            <a:r>
+              <a:rPr lang="pt-BR" dirty="0" smtClean="0"/>
+              <a:t> e </a:t>
+            </a:r>
+            <a:r>
+              <a:rPr lang="pt-BR" dirty="0" err="1" smtClean="0"/>
+              <a:t>Mapskills</a:t>
+            </a:r>
+            <a:r>
+              <a:rPr lang="pt-BR" dirty="0" smtClean="0"/>
+              <a:t>-front</a:t>
+            </a:r>
+            <a:r>
+              <a:rPr lang="pt-BR" i="1" dirty="0" smtClean="0"/>
+              <a:t>.</a:t>
+            </a:r>
+            <a:endParaRPr lang="pt-BR" i="1" dirty="0"/>
+          </a:p>
+          <a:p>
+            <a:pPr marL="0" indent="0" algn="ctr" hangingPunct="0">
               <a:buNone/>
             </a:pPr>
-            <a:endParaRPr lang="en-US" dirty="0"/>
+            <a:endParaRPr lang="en-US" dirty="0" smtClean="0">
+              <a:latin typeface="Courier New" panose="02070309020205020404" pitchFamily="49" charset="0"/>
+              <a:cs typeface="Courier New" panose="02070309020205020404" pitchFamily="49" charset="0"/>
+            </a:endParaRPr>
           </a:p>
           <a:p>
             <a:pPr marL="0" indent="0" algn="ctr" hangingPunct="0">
               <a:buNone/>
             </a:pPr>
+            <a:r>
+              <a:rPr lang="en-US" dirty="0" err="1" smtClean="0">
+                <a:latin typeface="Courier New" panose="02070309020205020404" pitchFamily="49" charset="0"/>
+                <a:cs typeface="Courier New" panose="02070309020205020404" pitchFamily="49" charset="0"/>
+              </a:rPr>
+              <a:t>sudo</a:t>
+            </a:r>
+            <a:r>
+              <a:rPr lang="en-US" dirty="0" smtClean="0">
+                <a:latin typeface="Courier New" panose="02070309020205020404" pitchFamily="49" charset="0"/>
+                <a:cs typeface="Courier New" panose="02070309020205020404" pitchFamily="49" charset="0"/>
+              </a:rPr>
+              <a:t> </a:t>
+            </a:r>
             <a:r>
               <a:rPr lang="en-US" dirty="0" err="1">
                 <a:latin typeface="Courier New" panose="02070309020205020404" pitchFamily="49" charset="0"/>
                 <a:cs typeface="Courier New" panose="02070309020205020404" pitchFamily="49" charset="0"/>
               </a:rPr>
-              <a:t>sudo</a:t>
+              <a:t>cp</a:t>
             </a:r>
             <a:r>
               <a:rPr lang="en-US" dirty="0">
                 <a:latin typeface="Courier New" panose="02070309020205020404" pitchFamily="49" charset="0"/>
                 <a:cs typeface="Courier New" panose="02070309020205020404" pitchFamily="49" charset="0"/>
               </a:rPr>
-              <a:t> </a:t>
+              <a:t> /</a:t>
             </a:r>
             <a:r>
               <a:rPr lang="en-US" dirty="0" err="1">
                 <a:latin typeface="Courier New" panose="02070309020205020404" pitchFamily="49" charset="0"/>
                 <a:cs typeface="Courier New" panose="02070309020205020404" pitchFamily="49" charset="0"/>
               </a:rPr>
-              <a:t>docker</a:t>
+              <a:t>var</a:t>
             </a:r>
             <a:r>
               <a:rPr lang="en-US" dirty="0">
                 <a:latin typeface="Courier New" panose="02070309020205020404" pitchFamily="49" charset="0"/>
                 <a:cs typeface="Courier New" panose="02070309020205020404" pitchFamily="49" charset="0"/>
               </a:rPr>
-              <a:t>-compose -f /</a:t>
+              <a:t>/</a:t>
+            </a:r>
+            <a:r>
+              <a:rPr lang="en-US" dirty="0" err="1">
+                <a:latin typeface="Courier New" panose="02070309020205020404" pitchFamily="49" charset="0"/>
+                <a:cs typeface="Courier New" panose="02070309020205020404" pitchFamily="49" charset="0"/>
+              </a:rPr>
+              <a:t>jenkins_home</a:t>
+            </a:r>
+            <a:r>
+              <a:rPr lang="en-US" dirty="0">
+                <a:latin typeface="Courier New" panose="02070309020205020404" pitchFamily="49" charset="0"/>
+                <a:cs typeface="Courier New" panose="02070309020205020404" pitchFamily="49" charset="0"/>
+              </a:rPr>
+              <a:t>/workspace/Build-</a:t>
+            </a:r>
+            <a:r>
+              <a:rPr lang="en-US" dirty="0" err="1">
+                <a:latin typeface="Courier New" panose="02070309020205020404" pitchFamily="49" charset="0"/>
+                <a:cs typeface="Courier New" panose="02070309020205020404" pitchFamily="49" charset="0"/>
+              </a:rPr>
+              <a:t>Mapskills</a:t>
+            </a:r>
+            <a:r>
+              <a:rPr lang="en-US" dirty="0">
+                <a:latin typeface="Courier New" panose="02070309020205020404" pitchFamily="49" charset="0"/>
+                <a:cs typeface="Courier New" panose="02070309020205020404" pitchFamily="49" charset="0"/>
+              </a:rPr>
+              <a:t>-Back/target/</a:t>
+            </a:r>
+            <a:r>
+              <a:rPr lang="en-US" dirty="0" err="1">
+                <a:latin typeface="Courier New" panose="02070309020205020404" pitchFamily="49" charset="0"/>
+                <a:cs typeface="Courier New" panose="02070309020205020404" pitchFamily="49" charset="0"/>
+              </a:rPr>
+              <a:t>mapskills.war</a:t>
+            </a:r>
+            <a:r>
+              <a:rPr lang="en-US" dirty="0">
+                <a:latin typeface="Courier New" panose="02070309020205020404" pitchFamily="49" charset="0"/>
+                <a:cs typeface="Courier New" panose="02070309020205020404" pitchFamily="49" charset="0"/>
+              </a:rPr>
+              <a:t> /</a:t>
             </a:r>
             <a:r>
               <a:rPr lang="en-US" dirty="0" err="1">
@@ -13343,29 +13927,148 @@
                 <a:latin typeface="Courier New" panose="02070309020205020404" pitchFamily="49" charset="0"/>
                 <a:cs typeface="Courier New" panose="02070309020205020404" pitchFamily="49" charset="0"/>
               </a:rPr>
-              <a:t>/</a:t>
-            </a:r>
-            <a:r>
-              <a:rPr lang="en-US" dirty="0" err="1">
+              <a:t>/back</a:t>
+            </a:r>
+          </a:p>
+          <a:p>
+            <a:pPr marL="0" indent="0" algn="ctr" hangingPunct="0">
+              <a:buNone/>
+            </a:pPr>
+            <a:endParaRPr lang="pt-BR" dirty="0" smtClean="0">
+              <a:latin typeface="Courier New" panose="02070309020205020404" pitchFamily="49" charset="0"/>
+              <a:cs typeface="Courier New" panose="02070309020205020404" pitchFamily="49" charset="0"/>
+            </a:endParaRPr>
+          </a:p>
+          <a:p>
+            <a:pPr marL="0" indent="0" algn="ctr" hangingPunct="0">
+              <a:buNone/>
+            </a:pPr>
+            <a:r>
+              <a:rPr lang="pt-BR" dirty="0" err="1">
                 <a:latin typeface="Courier New" panose="02070309020205020404" pitchFamily="49" charset="0"/>
                 <a:cs typeface="Courier New" panose="02070309020205020404" pitchFamily="49" charset="0"/>
               </a:rPr>
-              <a:t>docker-compose.yml</a:t>
-            </a:r>
-            <a:r>
-              <a:rPr lang="en-US" dirty="0">
+              <a:t>sudo</a:t>
+            </a:r>
+            <a:r>
+              <a:rPr lang="pt-BR" dirty="0">
                 <a:latin typeface="Courier New" panose="02070309020205020404" pitchFamily="49" charset="0"/>
                 <a:cs typeface="Courier New" panose="02070309020205020404" pitchFamily="49" charset="0"/>
               </a:rPr>
-              <a:t> up -d</a:t>
-            </a:r>
-            <a:endParaRPr lang="pt-BR" dirty="0">
-              <a:latin typeface="Courier New" panose="02070309020205020404" pitchFamily="49" charset="0"/>
-              <a:cs typeface="Courier New" panose="02070309020205020404" pitchFamily="49" charset="0"/>
-            </a:endParaRPr>
-          </a:p>
-          <a:p>
-            <a:endParaRPr lang="pt-BR" dirty="0"/>
+              <a:t> </a:t>
+            </a:r>
+            <a:r>
+              <a:rPr lang="pt-BR" dirty="0" err="1">
+                <a:latin typeface="Courier New" panose="02070309020205020404" pitchFamily="49" charset="0"/>
+                <a:cs typeface="Courier New" panose="02070309020205020404" pitchFamily="49" charset="0"/>
+              </a:rPr>
+              <a:t>cp</a:t>
+            </a:r>
+            <a:r>
+              <a:rPr lang="pt-BR" dirty="0">
+                <a:latin typeface="Courier New" panose="02070309020205020404" pitchFamily="49" charset="0"/>
+                <a:cs typeface="Courier New" panose="02070309020205020404" pitchFamily="49" charset="0"/>
+              </a:rPr>
+              <a:t> /var/</a:t>
+            </a:r>
+            <a:r>
+              <a:rPr lang="pt-BR" dirty="0" err="1">
+                <a:latin typeface="Courier New" panose="02070309020205020404" pitchFamily="49" charset="0"/>
+                <a:cs typeface="Courier New" panose="02070309020205020404" pitchFamily="49" charset="0"/>
+              </a:rPr>
+              <a:t>jenkins_home</a:t>
+            </a:r>
+            <a:r>
+              <a:rPr lang="pt-BR" dirty="0">
+                <a:latin typeface="Courier New" panose="02070309020205020404" pitchFamily="49" charset="0"/>
+                <a:cs typeface="Courier New" panose="02070309020205020404" pitchFamily="49" charset="0"/>
+              </a:rPr>
+              <a:t>/</a:t>
+            </a:r>
+            <a:r>
+              <a:rPr lang="pt-BR" dirty="0" err="1">
+                <a:latin typeface="Courier New" panose="02070309020205020404" pitchFamily="49" charset="0"/>
+                <a:cs typeface="Courier New" panose="02070309020205020404" pitchFamily="49" charset="0"/>
+              </a:rPr>
+              <a:t>workspace</a:t>
+            </a:r>
+            <a:r>
+              <a:rPr lang="pt-BR" dirty="0">
+                <a:latin typeface="Courier New" panose="02070309020205020404" pitchFamily="49" charset="0"/>
+                <a:cs typeface="Courier New" panose="02070309020205020404" pitchFamily="49" charset="0"/>
+              </a:rPr>
+              <a:t>/Build-</a:t>
+            </a:r>
+            <a:r>
+              <a:rPr lang="pt-BR" dirty="0" err="1">
+                <a:latin typeface="Courier New" panose="02070309020205020404" pitchFamily="49" charset="0"/>
+                <a:cs typeface="Courier New" panose="02070309020205020404" pitchFamily="49" charset="0"/>
+              </a:rPr>
+              <a:t>Mapskills</a:t>
+            </a:r>
+            <a:r>
+              <a:rPr lang="pt-BR" dirty="0">
+                <a:latin typeface="Courier New" panose="02070309020205020404" pitchFamily="49" charset="0"/>
+                <a:cs typeface="Courier New" panose="02070309020205020404" pitchFamily="49" charset="0"/>
+              </a:rPr>
+              <a:t>-Front/</a:t>
+            </a:r>
+            <a:r>
+              <a:rPr lang="pt-BR" dirty="0" err="1">
+                <a:latin typeface="Courier New" panose="02070309020205020404" pitchFamily="49" charset="0"/>
+                <a:cs typeface="Courier New" panose="02070309020205020404" pitchFamily="49" charset="0"/>
+              </a:rPr>
+              <a:t>mapskills</a:t>
+            </a:r>
+            <a:r>
+              <a:rPr lang="pt-BR" dirty="0">
+                <a:latin typeface="Courier New" panose="02070309020205020404" pitchFamily="49" charset="0"/>
+                <a:cs typeface="Courier New" panose="02070309020205020404" pitchFamily="49" charset="0"/>
+              </a:rPr>
+              <a:t>-web/</a:t>
+            </a:r>
+            <a:r>
+              <a:rPr lang="pt-BR" dirty="0" err="1">
+                <a:latin typeface="Courier New" panose="02070309020205020404" pitchFamily="49" charset="0"/>
+                <a:cs typeface="Courier New" panose="02070309020205020404" pitchFamily="49" charset="0"/>
+              </a:rPr>
+              <a:t>target</a:t>
+            </a:r>
+            <a:r>
+              <a:rPr lang="pt-BR" dirty="0">
+                <a:latin typeface="Courier New" panose="02070309020205020404" pitchFamily="49" charset="0"/>
+                <a:cs typeface="Courier New" panose="02070309020205020404" pitchFamily="49" charset="0"/>
+              </a:rPr>
+              <a:t>/</a:t>
+            </a:r>
+            <a:r>
+              <a:rPr lang="pt-BR" dirty="0" err="1">
+                <a:latin typeface="Courier New" panose="02070309020205020404" pitchFamily="49" charset="0"/>
+                <a:cs typeface="Courier New" panose="02070309020205020404" pitchFamily="49" charset="0"/>
+              </a:rPr>
+              <a:t>mapskills-web.war</a:t>
+            </a:r>
+            <a:r>
+              <a:rPr lang="pt-BR" dirty="0">
+                <a:latin typeface="Courier New" panose="02070309020205020404" pitchFamily="49" charset="0"/>
+                <a:cs typeface="Courier New" panose="02070309020205020404" pitchFamily="49" charset="0"/>
+              </a:rPr>
+              <a:t> /</a:t>
+            </a:r>
+            <a:r>
+              <a:rPr lang="pt-BR" dirty="0" err="1">
+                <a:latin typeface="Courier New" panose="02070309020205020404" pitchFamily="49" charset="0"/>
+                <a:cs typeface="Courier New" panose="02070309020205020404" pitchFamily="49" charset="0"/>
+              </a:rPr>
+              <a:t>mapskills</a:t>
+            </a:r>
+            <a:r>
+              <a:rPr lang="pt-BR" dirty="0">
+                <a:latin typeface="Courier New" panose="02070309020205020404" pitchFamily="49" charset="0"/>
+                <a:cs typeface="Courier New" panose="02070309020205020404" pitchFamily="49" charset="0"/>
+              </a:rPr>
+              <a:t>/front</a:t>
+            </a:r>
           </a:p>
         </p:txBody>
       </p:sp>
@@ -13401,10 +14104,40 @@
           </a:p>
         </p:txBody>
       </p:sp>
+      <p:pic>
+        <p:nvPicPr>
+          <p:cNvPr id="5" name="Imagem 4"/>
+          <p:cNvPicPr>
+            <a:picLocks noChangeAspect="1"/>
+          </p:cNvPicPr>
+          <p:nvPr/>
+        </p:nvPicPr>
+        <p:blipFill>
+          <a:blip r:embed="rId2" cstate="print">
+            <a:extLst>
+              <a:ext uri="{28A0092B-C50C-407E-A947-70E740481C1C}">
+                <a14:useLocalDpi xmlns:a14="http://schemas.microsoft.com/office/drawing/2010/main" val="0"/>
+              </a:ext>
+            </a:extLst>
+          </a:blip>
+          <a:stretch>
+            <a:fillRect/>
+          </a:stretch>
+        </p:blipFill>
+        <p:spPr>
+          <a:xfrm>
+            <a:off x="10602142" y="920672"/>
+            <a:ext cx="1589858" cy="650549"/>
+          </a:xfrm>
+          <a:prstGeom prst="rect">
+            <a:avLst/>
+          </a:prstGeom>
+        </p:spPr>
+      </p:pic>
     </p:spTree>
     <p:extLst>
       <p:ext uri="{BB962C8B-B14F-4D97-AF65-F5344CB8AC3E}">
-        <p14:creationId xmlns:p14="http://schemas.microsoft.com/office/powerpoint/2010/main" val="2729253744"/>
+        <p14:creationId xmlns:p14="http://schemas.microsoft.com/office/powerpoint/2010/main" val="1070249952"/>
       </p:ext>
     </p:extLst>
   </p:cSld>
@@ -13438,7 +14171,7 @@
             <a:spLocks noGrp="1"/>
           </p:cNvSpPr>
           <p:nvPr>
-            <p:ph type="ctrTitle"/>
+            <p:ph type="title"/>
           </p:nvPr>
         </p:nvSpPr>
         <p:spPr/>
@@ -13447,35 +14180,229 @@
           <a:lstStyle/>
           <a:p>
             <a:r>
-              <a:rPr lang="pt-BR" dirty="0"/>
-              <a:t>Resultados</a:t>
-            </a:r>
-          </a:p>
-        </p:txBody>
-      </p:sp>
-      <p:sp>
-        <p:nvSpPr>
-          <p:cNvPr id="3" name="Subtítulo 2"/>
-          <p:cNvSpPr>
-            <a:spLocks noGrp="1"/>
-          </p:cNvSpPr>
-          <p:nvPr>
-            <p:ph type="subTitle" idx="1"/>
-          </p:nvPr>
-        </p:nvSpPr>
-        <p:spPr/>
+              <a:rPr lang="pt-BR" dirty="0" err="1"/>
+              <a:t>Job</a:t>
+            </a:r>
+            <a:r>
+              <a:rPr lang="pt-BR" dirty="0"/>
+              <a:t> – </a:t>
+            </a:r>
+            <a:r>
+              <a:rPr lang="pt-BR" dirty="0" err="1"/>
+              <a:t>Deploy</a:t>
+            </a:r>
+            <a:r>
+              <a:rPr lang="pt-BR" dirty="0"/>
+              <a:t> </a:t>
+            </a:r>
+            <a:r>
+              <a:rPr lang="pt-BR" dirty="0" err="1"/>
+              <a:t>Mapskills</a:t>
+            </a:r>
+            <a:endParaRPr lang="pt-BR" dirty="0"/>
+          </a:p>
+        </p:txBody>
+      </p:sp>
+      <p:sp>
+        <p:nvSpPr>
+          <p:cNvPr id="3" name="Espaço Reservado para Conteúdo 2"/>
+          <p:cNvSpPr>
+            <a:spLocks noGrp="1"/>
+          </p:cNvSpPr>
+          <p:nvPr>
+            <p:ph idx="1"/>
+          </p:nvPr>
+        </p:nvSpPr>
+        <p:spPr>
+          <a:xfrm>
+            <a:off x="680321" y="2336873"/>
+            <a:ext cx="10893370" cy="3599316"/>
+          </a:xfrm>
+        </p:spPr>
         <p:txBody>
           <a:bodyPr/>
           <a:lstStyle/>
           <a:p>
-            <a:endParaRPr lang="pt-BR"/>
-          </a:p>
-        </p:txBody>
-      </p:sp>
+            <a:pPr hangingPunct="0"/>
+            <a:r>
+              <a:rPr lang="pt-BR" dirty="0" err="1" smtClean="0"/>
+              <a:t>Reponsável</a:t>
+            </a:r>
+            <a:r>
+              <a:rPr lang="pt-BR" dirty="0" smtClean="0"/>
+              <a:t> por </a:t>
+            </a:r>
+            <a:r>
+              <a:rPr lang="pt-BR" dirty="0"/>
+              <a:t>disponibilizar os projetos de </a:t>
+            </a:r>
+            <a:r>
+              <a:rPr lang="pt-BR" i="1" dirty="0"/>
+              <a:t>front</a:t>
+            </a:r>
+            <a:r>
+              <a:rPr lang="pt-BR" dirty="0"/>
+              <a:t> e </a:t>
+            </a:r>
+            <a:r>
+              <a:rPr lang="pt-BR" i="1" dirty="0" err="1"/>
+              <a:t>back-end</a:t>
+            </a:r>
+            <a:r>
+              <a:rPr lang="pt-BR" dirty="0"/>
+              <a:t> em produção. Para que seja esteja em produção, é executado o arquivo “</a:t>
+            </a:r>
+            <a:r>
+              <a:rPr lang="pt-BR" dirty="0" err="1"/>
+              <a:t>docker-compose.yml</a:t>
+            </a:r>
+            <a:r>
+              <a:rPr lang="pt-BR" dirty="0"/>
+              <a:t>”.</a:t>
+            </a:r>
+          </a:p>
+          <a:p>
+            <a:pPr marL="0" indent="0" hangingPunct="0">
+              <a:buNone/>
+            </a:pPr>
+            <a:endParaRPr lang="en-US" dirty="0"/>
+          </a:p>
+          <a:p>
+            <a:pPr marL="0" indent="0" algn="ctr" hangingPunct="0">
+              <a:buNone/>
+            </a:pPr>
+            <a:r>
+              <a:rPr lang="en-US" dirty="0" err="1">
+                <a:latin typeface="Courier New" panose="02070309020205020404" pitchFamily="49" charset="0"/>
+                <a:cs typeface="Courier New" panose="02070309020205020404" pitchFamily="49" charset="0"/>
+              </a:rPr>
+              <a:t>sudo</a:t>
+            </a:r>
+            <a:r>
+              <a:rPr lang="en-US" dirty="0">
+                <a:latin typeface="Courier New" panose="02070309020205020404" pitchFamily="49" charset="0"/>
+                <a:cs typeface="Courier New" panose="02070309020205020404" pitchFamily="49" charset="0"/>
+              </a:rPr>
+              <a:t> </a:t>
+            </a:r>
+            <a:r>
+              <a:rPr lang="en-US" dirty="0" err="1">
+                <a:latin typeface="Courier New" panose="02070309020205020404" pitchFamily="49" charset="0"/>
+                <a:cs typeface="Courier New" panose="02070309020205020404" pitchFamily="49" charset="0"/>
+              </a:rPr>
+              <a:t>docker</a:t>
+            </a:r>
+            <a:r>
+              <a:rPr lang="en-US" dirty="0">
+                <a:latin typeface="Courier New" panose="02070309020205020404" pitchFamily="49" charset="0"/>
+                <a:cs typeface="Courier New" panose="02070309020205020404" pitchFamily="49" charset="0"/>
+              </a:rPr>
+              <a:t>-compose -f /</a:t>
+            </a:r>
+            <a:r>
+              <a:rPr lang="en-US" dirty="0" err="1">
+                <a:latin typeface="Courier New" panose="02070309020205020404" pitchFamily="49" charset="0"/>
+                <a:cs typeface="Courier New" panose="02070309020205020404" pitchFamily="49" charset="0"/>
+              </a:rPr>
+              <a:t>mapskills</a:t>
+            </a:r>
+            <a:r>
+              <a:rPr lang="en-US" dirty="0">
+                <a:latin typeface="Courier New" panose="02070309020205020404" pitchFamily="49" charset="0"/>
+                <a:cs typeface="Courier New" panose="02070309020205020404" pitchFamily="49" charset="0"/>
+              </a:rPr>
+              <a:t>/</a:t>
+            </a:r>
+            <a:r>
+              <a:rPr lang="en-US" dirty="0" err="1">
+                <a:latin typeface="Courier New" panose="02070309020205020404" pitchFamily="49" charset="0"/>
+                <a:cs typeface="Courier New" panose="02070309020205020404" pitchFamily="49" charset="0"/>
+              </a:rPr>
+              <a:t>docker-compose.yml</a:t>
+            </a:r>
+            <a:r>
+              <a:rPr lang="en-US" dirty="0">
+                <a:latin typeface="Courier New" panose="02070309020205020404" pitchFamily="49" charset="0"/>
+                <a:cs typeface="Courier New" panose="02070309020205020404" pitchFamily="49" charset="0"/>
+              </a:rPr>
+              <a:t> up -d</a:t>
+            </a:r>
+            <a:endParaRPr lang="pt-BR" dirty="0">
+              <a:latin typeface="Courier New" panose="02070309020205020404" pitchFamily="49" charset="0"/>
+              <a:cs typeface="Courier New" panose="02070309020205020404" pitchFamily="49" charset="0"/>
+            </a:endParaRPr>
+          </a:p>
+          <a:p>
+            <a:endParaRPr lang="pt-BR" dirty="0"/>
+          </a:p>
+        </p:txBody>
+      </p:sp>
+      <p:sp>
+        <p:nvSpPr>
+          <p:cNvPr id="4" name="Retângulo 3"/>
+          <p:cNvSpPr/>
+          <p:nvPr/>
+        </p:nvSpPr>
+        <p:spPr>
+          <a:xfrm>
+            <a:off x="680321" y="250521"/>
+            <a:ext cx="2231701" cy="369332"/>
+          </a:xfrm>
+          <a:prstGeom prst="rect">
+            <a:avLst/>
+          </a:prstGeom>
+        </p:spPr>
+        <p:txBody>
+          <a:bodyPr wrap="none">
+            <a:spAutoFit/>
+          </a:bodyPr>
+          <a:lstStyle/>
+          <a:p>
+            <a:pPr marL="285750" indent="-285750">
+              <a:buFont typeface="Arial" panose="020B0604020202020204" pitchFamily="34" charset="0"/>
+              <a:buChar char="•"/>
+            </a:pPr>
+            <a:r>
+              <a:rPr lang="pt-BR" dirty="0"/>
+              <a:t>Desenvolvimento</a:t>
+            </a:r>
+          </a:p>
+        </p:txBody>
+      </p:sp>
+      <p:pic>
+        <p:nvPicPr>
+          <p:cNvPr id="5" name="Imagem 4"/>
+          <p:cNvPicPr>
+            <a:picLocks noChangeAspect="1"/>
+          </p:cNvPicPr>
+          <p:nvPr/>
+        </p:nvPicPr>
+        <p:blipFill>
+          <a:blip r:embed="rId2" cstate="print">
+            <a:extLst>
+              <a:ext uri="{28A0092B-C50C-407E-A947-70E740481C1C}">
+                <a14:useLocalDpi xmlns:a14="http://schemas.microsoft.com/office/drawing/2010/main" val="0"/>
+              </a:ext>
+            </a:extLst>
+          </a:blip>
+          <a:stretch>
+            <a:fillRect/>
+          </a:stretch>
+        </p:blipFill>
+        <p:spPr>
+          <a:xfrm>
+            <a:off x="10602142" y="920672"/>
+            <a:ext cx="1589858" cy="650549"/>
+          </a:xfrm>
+          <a:prstGeom prst="rect">
+            <a:avLst/>
+          </a:prstGeom>
+        </p:spPr>
+      </p:pic>
     </p:spTree>
     <p:extLst>
       <p:ext uri="{BB962C8B-B14F-4D97-AF65-F5344CB8AC3E}">
-        <p14:creationId xmlns:p14="http://schemas.microsoft.com/office/powerpoint/2010/main" val="1979354097"/>
+        <p14:creationId xmlns:p14="http://schemas.microsoft.com/office/powerpoint/2010/main" val="2729253744"/>
       </p:ext>
     </p:extLst>
   </p:cSld>
@@ -13509,7 +14436,7 @@
             <a:spLocks noGrp="1"/>
           </p:cNvSpPr>
           <p:nvPr>
-            <p:ph type="title"/>
+            <p:ph type="ctrTitle"/>
           </p:nvPr>
         </p:nvSpPr>
         <p:spPr/>
@@ -13519,19 +14446,19 @@
           <a:p>
             <a:r>
               <a:rPr lang="pt-BR" dirty="0"/>
-              <a:t>Escopo dos Resultados</a:t>
-            </a:r>
-          </a:p>
-        </p:txBody>
-      </p:sp>
-      <p:sp>
-        <p:nvSpPr>
-          <p:cNvPr id="3" name="Espaço Reservado para Conteúdo 2"/>
-          <p:cNvSpPr>
-            <a:spLocks noGrp="1"/>
-          </p:cNvSpPr>
-          <p:nvPr>
-            <p:ph idx="1"/>
+              <a:t>Resultados</a:t>
+            </a:r>
+          </a:p>
+        </p:txBody>
+      </p:sp>
+      <p:sp>
+        <p:nvSpPr>
+          <p:cNvPr id="3" name="Subtítulo 2"/>
+          <p:cNvSpPr>
+            <a:spLocks noGrp="1"/>
+          </p:cNvSpPr>
+          <p:nvPr>
+            <p:ph type="subTitle" idx="1"/>
           </p:nvPr>
         </p:nvSpPr>
         <p:spPr/>
@@ -13539,73 +14466,14 @@
           <a:bodyPr/>
           <a:lstStyle/>
           <a:p>
-            <a:r>
-              <a:rPr lang="pt-BR" dirty="0"/>
-              <a:t>Realizado com alunos da FATEC Prof. </a:t>
-            </a:r>
-            <a:r>
-              <a:rPr lang="pt-BR" dirty="0" err="1"/>
-              <a:t>Jessen</a:t>
-            </a:r>
-            <a:r>
-              <a:rPr lang="pt-BR" dirty="0"/>
-              <a:t> Vidal.</a:t>
-            </a:r>
-          </a:p>
-          <a:p>
-            <a:r>
-              <a:rPr lang="pt-BR" dirty="0"/>
-              <a:t>Entre os meses de março, abril e maio.</a:t>
-            </a:r>
-          </a:p>
-          <a:p>
-            <a:r>
-              <a:rPr lang="pt-BR" dirty="0"/>
-              <a:t>Testado por mais de </a:t>
-            </a:r>
-            <a:r>
-              <a:rPr lang="pt-BR" dirty="0" smtClean="0"/>
-              <a:t>250 alunos.</a:t>
-            </a:r>
-          </a:p>
-        </p:txBody>
-      </p:sp>
-      <p:sp>
-        <p:nvSpPr>
-          <p:cNvPr id="6" name="Retângulo 5"/>
-          <p:cNvSpPr/>
-          <p:nvPr/>
-        </p:nvSpPr>
-        <p:spPr>
-          <a:xfrm>
-            <a:off x="680321" y="250521"/>
-            <a:ext cx="1569917" cy="369332"/>
-          </a:xfrm>
-          <a:prstGeom prst="rect">
-            <a:avLst/>
-          </a:prstGeom>
-        </p:spPr>
-        <p:txBody>
-          <a:bodyPr wrap="none">
-            <a:spAutoFit/>
-          </a:bodyPr>
-          <a:lstStyle/>
-          <a:p>
-            <a:pPr marL="285750" indent="-285750">
-              <a:buFont typeface="Arial" panose="020B0604020202020204" pitchFamily="34" charset="0"/>
-              <a:buChar char="•"/>
-            </a:pPr>
-            <a:r>
-              <a:rPr lang="pt-BR" dirty="0"/>
-              <a:t>Resultados</a:t>
-            </a:r>
+            <a:endParaRPr lang="pt-BR"/>
           </a:p>
         </p:txBody>
       </p:sp>
     </p:spTree>
     <p:extLst>
       <p:ext uri="{BB962C8B-B14F-4D97-AF65-F5344CB8AC3E}">
-        <p14:creationId xmlns:p14="http://schemas.microsoft.com/office/powerpoint/2010/main" val="1937326064"/>
+        <p14:creationId xmlns:p14="http://schemas.microsoft.com/office/powerpoint/2010/main" val="1979354097"/>
       </p:ext>
     </p:extLst>
   </p:cSld>
@@ -13649,7 +14517,7 @@
           <a:p>
             <a:r>
               <a:rPr lang="pt-BR" dirty="0"/>
-              <a:t>Experimento 1</a:t>
+              <a:t>Escopo dos Resultados</a:t>
             </a:r>
           </a:p>
         </p:txBody>
@@ -13666,93 +14534,43 @@
         </p:nvSpPr>
         <p:spPr/>
         <p:txBody>
-          <a:bodyPr>
-            <a:normAutofit fontScale="92500"/>
-          </a:bodyPr>
-          <a:lstStyle/>
-          <a:p>
-            <a:r>
-              <a:rPr lang="pt-BR" dirty="0"/>
-              <a:t>Rede Interna</a:t>
-            </a:r>
-          </a:p>
-          <a:p>
-            <a:r>
-              <a:rPr lang="pt-BR" dirty="0"/>
-              <a:t>Data: 08 de março de 2017</a:t>
-            </a:r>
-          </a:p>
-          <a:p>
-            <a:r>
-              <a:rPr lang="pt-BR" dirty="0"/>
-              <a:t>Horário: 19h às 21h30.</a:t>
-            </a:r>
-          </a:p>
-          <a:p>
-            <a:r>
-              <a:rPr lang="pt-BR" dirty="0"/>
-              <a:t>Quantidade de Alunos: 120.</a:t>
-            </a:r>
-          </a:p>
-          <a:p>
-            <a:r>
-              <a:rPr lang="pt-BR" dirty="0"/>
-              <a:t>Localidade: FATEC São José dos Campos</a:t>
-            </a:r>
-          </a:p>
-          <a:p>
-            <a:pPr hangingPunct="0"/>
-            <a:r>
-              <a:rPr lang="pt-BR" dirty="0"/>
-              <a:t>Resultado: </a:t>
-            </a:r>
-          </a:p>
-          <a:p>
-            <a:pPr lvl="1" hangingPunct="0"/>
-            <a:r>
-              <a:rPr lang="pt-BR" dirty="0"/>
-              <a:t>Consumo de Memória pois eram realizadas diversas tarefas </a:t>
+          <a:bodyPr/>
+          <a:lstStyle/>
+          <a:p>
+            <a:r>
+              <a:rPr lang="pt-BR" dirty="0"/>
+              <a:t>Realizado com alunos da FATEC Prof. </a:t>
+            </a:r>
+            <a:r>
+              <a:rPr lang="pt-BR" dirty="0" err="1"/>
+              <a:t>Jessen</a:t>
+            </a:r>
+            <a:r>
+              <a:rPr lang="pt-BR" dirty="0"/>
+              <a:t> Vidal.</a:t>
+            </a:r>
+          </a:p>
+          <a:p>
+            <a:r>
+              <a:rPr lang="pt-BR" dirty="0"/>
+              <a:t>Entre os meses de março, abril e maio.</a:t>
+            </a:r>
+          </a:p>
+          <a:p>
+            <a:r>
+              <a:rPr lang="pt-BR" dirty="0"/>
+              <a:t>Testado por mais de </a:t>
             </a:r>
             <a:r>
               <a:rPr lang="pt-BR" dirty="0" smtClean="0"/>
-              <a:t>concorrentemente</a:t>
-            </a:r>
-            <a:r>
-              <a:rPr lang="pt-BR" dirty="0"/>
-              <a:t>.</a:t>
-            </a:r>
-            <a:endParaRPr lang="pt-BR" dirty="0"/>
-          </a:p>
-          <a:p>
-            <a:pPr lvl="1" hangingPunct="0"/>
-            <a:r>
-              <a:rPr lang="pt-BR" dirty="0"/>
-              <a:t>Acesso ao banco de dados.</a:t>
-            </a:r>
-          </a:p>
-          <a:p>
-            <a:pPr lvl="1" hangingPunct="0"/>
-            <a:r>
-              <a:rPr lang="pt-BR" dirty="0" smtClean="0"/>
-              <a:t>Adicionado </a:t>
-            </a:r>
-            <a:r>
-              <a:rPr lang="pt-BR" dirty="0" err="1"/>
-              <a:t>balanceador</a:t>
-            </a:r>
-            <a:r>
-              <a:rPr lang="pt-BR" dirty="0"/>
-              <a:t> de carga.</a:t>
-            </a:r>
-          </a:p>
-          <a:p>
-            <a:endParaRPr lang="pt-BR" dirty="0"/>
-          </a:p>
-        </p:txBody>
-      </p:sp>
-      <p:sp>
-        <p:nvSpPr>
-          <p:cNvPr id="4" name="Retângulo 3"/>
+              <a:t>250 alunos.</a:t>
+            </a:r>
+          </a:p>
+        </p:txBody>
+      </p:sp>
+      <p:sp>
+        <p:nvSpPr>
+          <p:cNvPr id="6" name="Retângulo 5"/>
           <p:cNvSpPr/>
           <p:nvPr/>
         </p:nvSpPr>
@@ -13782,10 +14600,40 @@
           </a:p>
         </p:txBody>
       </p:sp>
+      <p:pic>
+        <p:nvPicPr>
+          <p:cNvPr id="5" name="Imagem 4"/>
+          <p:cNvPicPr>
+            <a:picLocks noChangeAspect="1"/>
+          </p:cNvPicPr>
+          <p:nvPr/>
+        </p:nvPicPr>
+        <p:blipFill>
+          <a:blip r:embed="rId2" cstate="print">
+            <a:extLst>
+              <a:ext uri="{28A0092B-C50C-407E-A947-70E740481C1C}">
+                <a14:useLocalDpi xmlns:a14="http://schemas.microsoft.com/office/drawing/2010/main" val="0"/>
+              </a:ext>
+            </a:extLst>
+          </a:blip>
+          <a:stretch>
+            <a:fillRect/>
+          </a:stretch>
+        </p:blipFill>
+        <p:spPr>
+          <a:xfrm>
+            <a:off x="10602142" y="920672"/>
+            <a:ext cx="1589858" cy="650549"/>
+          </a:xfrm>
+          <a:prstGeom prst="rect">
+            <a:avLst/>
+          </a:prstGeom>
+        </p:spPr>
+      </p:pic>
     </p:spTree>
     <p:extLst>
       <p:ext uri="{BB962C8B-B14F-4D97-AF65-F5344CB8AC3E}">
-        <p14:creationId xmlns:p14="http://schemas.microsoft.com/office/powerpoint/2010/main" val="3970051832"/>
+        <p14:creationId xmlns:p14="http://schemas.microsoft.com/office/powerpoint/2010/main" val="1937326064"/>
       </p:ext>
     </p:extLst>
   </p:cSld>
@@ -13829,7 +14677,7 @@
           <a:p>
             <a:r>
               <a:rPr lang="pt-BR" dirty="0"/>
-              <a:t>Experimento 2</a:t>
+              <a:t>Experimento 1</a:t>
             </a:r>
           </a:p>
         </p:txBody>
@@ -13847,75 +14695,84 @@
         <p:spPr/>
         <p:txBody>
           <a:bodyPr>
-            <a:normAutofit/>
+            <a:normAutofit fontScale="92500"/>
           </a:bodyPr>
           <a:lstStyle/>
           <a:p>
             <a:r>
               <a:rPr lang="pt-BR" dirty="0"/>
-              <a:t>Rede Interna e </a:t>
+              <a:t>Rede Interna</a:t>
+            </a:r>
+          </a:p>
+          <a:p>
+            <a:r>
+              <a:rPr lang="pt-BR" dirty="0"/>
+              <a:t>Data: 08 de março de 2017</a:t>
+            </a:r>
+          </a:p>
+          <a:p>
+            <a:r>
+              <a:rPr lang="pt-BR" dirty="0"/>
+              <a:t>Horário: 19h às 21h30.</a:t>
+            </a:r>
+          </a:p>
+          <a:p>
+            <a:r>
+              <a:rPr lang="pt-BR" dirty="0"/>
+              <a:t>Quantidade de Alunos: 120.</a:t>
+            </a:r>
+          </a:p>
+          <a:p>
+            <a:r>
+              <a:rPr lang="pt-BR" dirty="0"/>
+              <a:t>Localidade: FATEC São José dos Campos</a:t>
+            </a:r>
+          </a:p>
+          <a:p>
+            <a:pPr hangingPunct="0"/>
+            <a:r>
+              <a:rPr lang="pt-BR" dirty="0"/>
+              <a:t>Resultado: </a:t>
+            </a:r>
+          </a:p>
+          <a:p>
+            <a:pPr lvl="1" hangingPunct="0"/>
+            <a:r>
+              <a:rPr lang="pt-BR" dirty="0"/>
+              <a:t>Consumo de Memória pois eram realizadas diversas tarefas </a:t>
+            </a:r>
+            <a:r>
+              <a:rPr lang="pt-BR" dirty="0" smtClean="0"/>
+              <a:t>concorrentemente</a:t>
+            </a:r>
+            <a:r>
+              <a:rPr lang="pt-BR" dirty="0"/>
+              <a:t>.</a:t>
+            </a:r>
+          </a:p>
+          <a:p>
+            <a:pPr lvl="1" hangingPunct="0"/>
+            <a:r>
+              <a:rPr lang="pt-BR" dirty="0"/>
+              <a:t>Acesso ao banco de dados.</a:t>
+            </a:r>
+          </a:p>
+          <a:p>
+            <a:pPr lvl="1" hangingPunct="0"/>
+            <a:r>
+              <a:rPr lang="pt-BR" dirty="0" smtClean="0"/>
+              <a:t>Adicionado </a:t>
             </a:r>
             <a:r>
               <a:rPr lang="pt-BR" dirty="0" err="1"/>
-              <a:t>Cloud</a:t>
-            </a:r>
-            <a:r>
-              <a:rPr lang="pt-BR" dirty="0"/>
-              <a:t> </a:t>
-            </a:r>
-            <a:r>
-              <a:rPr lang="pt-BR" dirty="0" err="1"/>
-              <a:t>Azure</a:t>
-            </a:r>
-            <a:r>
-              <a:rPr lang="pt-BR" dirty="0"/>
-              <a:t>.</a:t>
-            </a:r>
-          </a:p>
-          <a:p>
-            <a:r>
-              <a:rPr lang="pt-BR" dirty="0"/>
-              <a:t>Data: 01 de agosto de 2017.</a:t>
-            </a:r>
-          </a:p>
-          <a:p>
-            <a:r>
-              <a:rPr lang="pt-BR" dirty="0"/>
-              <a:t>Horário: 19h às 21h30.</a:t>
-            </a:r>
-          </a:p>
-          <a:p>
-            <a:r>
-              <a:rPr lang="pt-BR" dirty="0"/>
-              <a:t>Quantidade de Alunos: 150.</a:t>
-            </a:r>
-          </a:p>
-          <a:p>
-            <a:r>
-              <a:rPr lang="pt-BR" dirty="0"/>
-              <a:t>Localidade: FATEC São José dos Campos.</a:t>
-            </a:r>
-          </a:p>
-          <a:p>
-            <a:pPr hangingPunct="0"/>
-            <a:r>
-              <a:rPr lang="pt-BR" dirty="0"/>
-              <a:t>Resultado: </a:t>
-            </a:r>
-          </a:p>
-          <a:p>
-            <a:pPr lvl="1" hangingPunct="0"/>
-            <a:r>
-              <a:rPr lang="pt-BR" dirty="0"/>
-              <a:t>Monitorar o acesso a plataforma e os recursos utilizados pelo servidor. </a:t>
-            </a:r>
-          </a:p>
-          <a:p>
-            <a:pPr lvl="1" hangingPunct="0"/>
-            <a:r>
-              <a:rPr lang="pt-BR" dirty="0" smtClean="0"/>
-              <a:t>Divisão da arquitetura.</a:t>
-            </a:r>
+              <a:t>balanceador</a:t>
+            </a:r>
+            <a:r>
+              <a:rPr lang="pt-BR" dirty="0"/>
+              <a:t> de carga.</a:t>
+            </a:r>
+          </a:p>
+          <a:p>
             <a:endParaRPr lang="pt-BR" dirty="0"/>
           </a:p>
         </p:txBody>
@@ -13952,10 +14809,40 @@
           </a:p>
         </p:txBody>
       </p:sp>
+      <p:pic>
+        <p:nvPicPr>
+          <p:cNvPr id="5" name="Imagem 4"/>
+          <p:cNvPicPr>
+            <a:picLocks noChangeAspect="1"/>
+          </p:cNvPicPr>
+          <p:nvPr/>
+        </p:nvPicPr>
+        <p:blipFill>
+          <a:blip r:embed="rId2" cstate="print">
+            <a:extLst>
+              <a:ext uri="{28A0092B-C50C-407E-A947-70E740481C1C}">
+                <a14:useLocalDpi xmlns:a14="http://schemas.microsoft.com/office/drawing/2010/main" val="0"/>
+              </a:ext>
+            </a:extLst>
+          </a:blip>
+          <a:stretch>
+            <a:fillRect/>
+          </a:stretch>
+        </p:blipFill>
+        <p:spPr>
+          <a:xfrm>
+            <a:off x="10602142" y="920672"/>
+            <a:ext cx="1589858" cy="650549"/>
+          </a:xfrm>
+          <a:prstGeom prst="rect">
+            <a:avLst/>
+          </a:prstGeom>
+        </p:spPr>
+      </p:pic>
     </p:spTree>
     <p:extLst>
       <p:ext uri="{BB962C8B-B14F-4D97-AF65-F5344CB8AC3E}">
-        <p14:creationId xmlns:p14="http://schemas.microsoft.com/office/powerpoint/2010/main" val="3404476178"/>
+        <p14:creationId xmlns:p14="http://schemas.microsoft.com/office/powerpoint/2010/main" val="3970051832"/>
       </p:ext>
     </p:extLst>
   </p:cSld>
@@ -13989,7 +14876,7 @@
             <a:spLocks noGrp="1"/>
           </p:cNvSpPr>
           <p:nvPr>
-            <p:ph type="ctrTitle"/>
+            <p:ph type="title"/>
           </p:nvPr>
         </p:nvSpPr>
         <p:spPr/>
@@ -13999,34 +14886,163 @@
           <a:p>
             <a:r>
               <a:rPr lang="pt-BR" dirty="0"/>
-              <a:t>Considerações Finais</a:t>
-            </a:r>
-          </a:p>
-        </p:txBody>
-      </p:sp>
-      <p:sp>
-        <p:nvSpPr>
-          <p:cNvPr id="3" name="Subtítulo 2"/>
-          <p:cNvSpPr>
-            <a:spLocks noGrp="1"/>
-          </p:cNvSpPr>
-          <p:nvPr>
-            <p:ph type="subTitle" idx="1"/>
+              <a:t>Experimento 2</a:t>
+            </a:r>
+          </a:p>
+        </p:txBody>
+      </p:sp>
+      <p:sp>
+        <p:nvSpPr>
+          <p:cNvPr id="3" name="Espaço Reservado para Conteúdo 2"/>
+          <p:cNvSpPr>
+            <a:spLocks noGrp="1"/>
+          </p:cNvSpPr>
+          <p:nvPr>
+            <p:ph idx="1"/>
           </p:nvPr>
         </p:nvSpPr>
         <p:spPr/>
         <p:txBody>
-          <a:bodyPr/>
-          <a:lstStyle/>
-          <a:p>
-            <a:endParaRPr lang="pt-BR"/>
-          </a:p>
-        </p:txBody>
-      </p:sp>
+          <a:bodyPr>
+            <a:normAutofit/>
+          </a:bodyPr>
+          <a:lstStyle/>
+          <a:p>
+            <a:r>
+              <a:rPr lang="pt-BR" dirty="0"/>
+              <a:t>Rede Interna e </a:t>
+            </a:r>
+            <a:r>
+              <a:rPr lang="pt-BR" dirty="0" err="1"/>
+              <a:t>Cloud</a:t>
+            </a:r>
+            <a:r>
+              <a:rPr lang="pt-BR" dirty="0"/>
+              <a:t> </a:t>
+            </a:r>
+            <a:r>
+              <a:rPr lang="pt-BR" dirty="0" err="1"/>
+              <a:t>Azure</a:t>
+            </a:r>
+            <a:r>
+              <a:rPr lang="pt-BR" dirty="0"/>
+              <a:t>.</a:t>
+            </a:r>
+          </a:p>
+          <a:p>
+            <a:r>
+              <a:rPr lang="pt-BR" dirty="0"/>
+              <a:t>Data: 01 de agosto de 2017.</a:t>
+            </a:r>
+          </a:p>
+          <a:p>
+            <a:r>
+              <a:rPr lang="pt-BR" dirty="0"/>
+              <a:t>Horário: 19h às 21h30.</a:t>
+            </a:r>
+          </a:p>
+          <a:p>
+            <a:r>
+              <a:rPr lang="pt-BR" dirty="0"/>
+              <a:t>Quantidade de Alunos: 150.</a:t>
+            </a:r>
+          </a:p>
+          <a:p>
+            <a:r>
+              <a:rPr lang="pt-BR" dirty="0"/>
+              <a:t>Localidade: FATEC São José dos Campos.</a:t>
+            </a:r>
+          </a:p>
+          <a:p>
+            <a:pPr hangingPunct="0"/>
+            <a:r>
+              <a:rPr lang="pt-BR" dirty="0"/>
+              <a:t>Resultado: </a:t>
+            </a:r>
+          </a:p>
+          <a:p>
+            <a:pPr lvl="1" hangingPunct="0"/>
+            <a:r>
+              <a:rPr lang="pt-BR" dirty="0"/>
+              <a:t>Monitorar o acesso a plataforma e os recursos utilizados pelo servidor. </a:t>
+            </a:r>
+          </a:p>
+          <a:p>
+            <a:pPr lvl="1" hangingPunct="0"/>
+            <a:r>
+              <a:rPr lang="pt-BR" dirty="0" smtClean="0"/>
+              <a:t>Divisão da arquitetura.</a:t>
+            </a:r>
+            <a:endParaRPr lang="pt-BR" dirty="0"/>
+          </a:p>
+        </p:txBody>
+      </p:sp>
+      <p:sp>
+        <p:nvSpPr>
+          <p:cNvPr id="4" name="Retângulo 3"/>
+          <p:cNvSpPr/>
+          <p:nvPr/>
+        </p:nvSpPr>
+        <p:spPr>
+          <a:xfrm>
+            <a:off x="680321" y="250521"/>
+            <a:ext cx="1569917" cy="369332"/>
+          </a:xfrm>
+          <a:prstGeom prst="rect">
+            <a:avLst/>
+          </a:prstGeom>
+        </p:spPr>
+        <p:txBody>
+          <a:bodyPr wrap="none">
+            <a:spAutoFit/>
+          </a:bodyPr>
+          <a:lstStyle/>
+          <a:p>
+            <a:pPr marL="285750" indent="-285750">
+              <a:buFont typeface="Arial" panose="020B0604020202020204" pitchFamily="34" charset="0"/>
+              <a:buChar char="•"/>
+            </a:pPr>
+            <a:r>
+              <a:rPr lang="pt-BR" dirty="0"/>
+              <a:t>Resultados</a:t>
+            </a:r>
+          </a:p>
+        </p:txBody>
+      </p:sp>
+      <p:pic>
+        <p:nvPicPr>
+          <p:cNvPr id="5" name="Imagem 4"/>
+          <p:cNvPicPr>
+            <a:picLocks noChangeAspect="1"/>
+          </p:cNvPicPr>
+          <p:nvPr/>
+        </p:nvPicPr>
+        <p:blipFill>
+          <a:blip r:embed="rId2" cstate="print">
+            <a:extLst>
+              <a:ext uri="{28A0092B-C50C-407E-A947-70E740481C1C}">
+                <a14:useLocalDpi xmlns:a14="http://schemas.microsoft.com/office/drawing/2010/main" val="0"/>
+              </a:ext>
+            </a:extLst>
+          </a:blip>
+          <a:stretch>
+            <a:fillRect/>
+          </a:stretch>
+        </p:blipFill>
+        <p:spPr>
+          <a:xfrm>
+            <a:off x="10602142" y="920672"/>
+            <a:ext cx="1589858" cy="650549"/>
+          </a:xfrm>
+          <a:prstGeom prst="rect">
+            <a:avLst/>
+          </a:prstGeom>
+        </p:spPr>
+      </p:pic>
     </p:spTree>
     <p:extLst>
       <p:ext uri="{BB962C8B-B14F-4D97-AF65-F5344CB8AC3E}">
-        <p14:creationId xmlns:p14="http://schemas.microsoft.com/office/powerpoint/2010/main" val="4192372709"/>
+        <p14:creationId xmlns:p14="http://schemas.microsoft.com/office/powerpoint/2010/main" val="3404476178"/>
       </p:ext>
     </p:extLst>
   </p:cSld>
@@ -14168,6 +15184,36 @@
           </a:p>
         </p:txBody>
       </p:sp>
+      <p:pic>
+        <p:nvPicPr>
+          <p:cNvPr id="5" name="Imagem 4"/>
+          <p:cNvPicPr>
+            <a:picLocks noChangeAspect="1"/>
+          </p:cNvPicPr>
+          <p:nvPr/>
+        </p:nvPicPr>
+        <p:blipFill>
+          <a:blip r:embed="rId2" cstate="print">
+            <a:extLst>
+              <a:ext uri="{28A0092B-C50C-407E-A947-70E740481C1C}">
+                <a14:useLocalDpi xmlns:a14="http://schemas.microsoft.com/office/drawing/2010/main" val="0"/>
+              </a:ext>
+            </a:extLst>
+          </a:blip>
+          <a:stretch>
+            <a:fillRect/>
+          </a:stretch>
+        </p:blipFill>
+        <p:spPr>
+          <a:xfrm>
+            <a:off x="10602142" y="920672"/>
+            <a:ext cx="1589858" cy="650549"/>
+          </a:xfrm>
+          <a:prstGeom prst="rect">
+            <a:avLst/>
+          </a:prstGeom>
+        </p:spPr>
+      </p:pic>
     </p:spTree>
     <p:extLst>
       <p:ext uri="{BB962C8B-B14F-4D97-AF65-F5344CB8AC3E}">
@@ -14205,7 +15251,7 @@
             <a:spLocks noGrp="1"/>
           </p:cNvSpPr>
           <p:nvPr>
-            <p:ph type="title"/>
+            <p:ph type="ctrTitle"/>
           </p:nvPr>
         </p:nvSpPr>
         <p:spPr/>
@@ -14215,156 +15261,34 @@
           <a:p>
             <a:r>
               <a:rPr lang="pt-BR" dirty="0"/>
-              <a:t>Trabalhos Futuros</a:t>
-            </a:r>
-          </a:p>
-        </p:txBody>
-      </p:sp>
-      <p:sp>
-        <p:nvSpPr>
-          <p:cNvPr id="3" name="Espaço Reservado para Conteúdo 2"/>
-          <p:cNvSpPr>
-            <a:spLocks noGrp="1"/>
-          </p:cNvSpPr>
-          <p:nvPr>
-            <p:ph idx="1"/>
+              <a:t>Considerações Finais</a:t>
+            </a:r>
+          </a:p>
+        </p:txBody>
+      </p:sp>
+      <p:sp>
+        <p:nvSpPr>
+          <p:cNvPr id="3" name="Subtítulo 2"/>
+          <p:cNvSpPr>
+            <a:spLocks noGrp="1"/>
+          </p:cNvSpPr>
+          <p:nvPr>
+            <p:ph type="subTitle" idx="1"/>
           </p:nvPr>
         </p:nvSpPr>
         <p:spPr/>
         <p:txBody>
-          <a:bodyPr>
-            <a:normAutofit/>
-          </a:bodyPr>
-          <a:lstStyle/>
-          <a:p>
-            <a:r>
-              <a:rPr lang="pt-BR" dirty="0"/>
-              <a:t>Alterar o Servidor de Controle de Versão </a:t>
-            </a:r>
-            <a:r>
-              <a:rPr lang="pt-BR" dirty="0" smtClean="0"/>
-              <a:t>para o </a:t>
-            </a:r>
-            <a:r>
-              <a:rPr lang="pt-BR" dirty="0" err="1"/>
-              <a:t>GitLab</a:t>
-            </a:r>
-            <a:r>
-              <a:rPr lang="pt-BR" dirty="0"/>
-              <a:t>.</a:t>
-            </a:r>
-          </a:p>
-          <a:p>
-            <a:r>
-              <a:rPr lang="pt-BR" dirty="0"/>
-              <a:t>Deixar flexível o </a:t>
-            </a:r>
-            <a:r>
-              <a:rPr lang="pt-BR" dirty="0" smtClean="0"/>
-              <a:t>arquivo </a:t>
-            </a:r>
-            <a:r>
-              <a:rPr lang="pt-BR" i="1" dirty="0" err="1" smtClean="0"/>
-              <a:t>application.properties</a:t>
-            </a:r>
-            <a:r>
-              <a:rPr lang="pt-BR" dirty="0" smtClean="0"/>
-              <a:t> da aplicação </a:t>
-            </a:r>
-            <a:r>
-              <a:rPr lang="pt-BR" i="1" dirty="0" err="1" smtClean="0"/>
-              <a:t>back-end</a:t>
-            </a:r>
-            <a:r>
-              <a:rPr lang="pt-BR" i="1" dirty="0" smtClean="0"/>
-              <a:t> </a:t>
-            </a:r>
-            <a:r>
-              <a:rPr lang="pt-BR" dirty="0" smtClean="0"/>
-              <a:t>para configuração do </a:t>
-            </a:r>
-            <a:r>
-              <a:rPr lang="pt-BR" dirty="0"/>
-              <a:t>local onde ficarão as imagens das cenas dos jogos. </a:t>
-            </a:r>
-          </a:p>
-          <a:p>
-            <a:r>
-              <a:rPr lang="pt-BR" dirty="0"/>
-              <a:t>Separar do Servidor de Banco de Dados para garantir a integridade e disponibilidade.</a:t>
-            </a:r>
-          </a:p>
-          <a:p>
-            <a:r>
-              <a:rPr lang="pt-BR" dirty="0"/>
-              <a:t>Implementar uma arquitetura de clusters utilizando do </a:t>
-            </a:r>
-            <a:r>
-              <a:rPr lang="pt-BR" dirty="0" err="1"/>
-              <a:t>Docker</a:t>
-            </a:r>
-            <a:r>
-              <a:rPr lang="pt-BR" dirty="0"/>
-              <a:t> </a:t>
-            </a:r>
-            <a:r>
-              <a:rPr lang="pt-BR" dirty="0" err="1"/>
-              <a:t>Swarm</a:t>
-            </a:r>
-            <a:r>
-              <a:rPr lang="pt-BR" dirty="0"/>
-              <a:t> ou </a:t>
-            </a:r>
-            <a:r>
-              <a:rPr lang="pt-BR" dirty="0" err="1"/>
-              <a:t>Kubernets</a:t>
-            </a:r>
-            <a:r>
-              <a:rPr lang="pt-BR" dirty="0"/>
-              <a:t>, onde vários computadores trabalham juntos afim de garantir desempenho e disponibilidade da plataforma.</a:t>
-            </a:r>
-          </a:p>
-          <a:p>
-            <a:endParaRPr lang="pt-BR" dirty="0"/>
-          </a:p>
-        </p:txBody>
-      </p:sp>
-      <p:sp>
-        <p:nvSpPr>
-          <p:cNvPr id="4" name="Retângulo 3"/>
-          <p:cNvSpPr/>
-          <p:nvPr/>
-        </p:nvSpPr>
-        <p:spPr>
-          <a:xfrm>
-            <a:off x="680321" y="250521"/>
-            <a:ext cx="2606804" cy="369332"/>
-          </a:xfrm>
-          <a:prstGeom prst="rect">
-            <a:avLst/>
-          </a:prstGeom>
-        </p:spPr>
-        <p:txBody>
-          <a:bodyPr wrap="none">
-            <a:spAutoFit/>
-          </a:bodyPr>
-          <a:lstStyle/>
-          <a:p>
-            <a:pPr marL="285750" indent="-285750">
-              <a:buFont typeface="Arial" panose="020B0604020202020204" pitchFamily="34" charset="0"/>
-              <a:buChar char="•"/>
-            </a:pPr>
-            <a:r>
-              <a:rPr lang="pt-BR" dirty="0"/>
-              <a:t>Considerações Finais</a:t>
-            </a:r>
+          <a:bodyPr/>
+          <a:lstStyle/>
+          <a:p>
+            <a:endParaRPr lang="pt-BR"/>
           </a:p>
         </p:txBody>
       </p:sp>
     </p:spTree>
     <p:extLst>
       <p:ext uri="{BB962C8B-B14F-4D97-AF65-F5344CB8AC3E}">
-        <p14:creationId xmlns:p14="http://schemas.microsoft.com/office/powerpoint/2010/main" val="671967937"/>
+        <p14:creationId xmlns:p14="http://schemas.microsoft.com/office/powerpoint/2010/main" val="4192372709"/>
       </p:ext>
     </p:extLst>
   </p:cSld>
@@ -14408,6 +15332,229 @@
           <a:p>
             <a:r>
               <a:rPr lang="pt-BR" dirty="0"/>
+              <a:t>Trabalhos Futuros</a:t>
+            </a:r>
+          </a:p>
+        </p:txBody>
+      </p:sp>
+      <p:sp>
+        <p:nvSpPr>
+          <p:cNvPr id="3" name="Espaço Reservado para Conteúdo 2"/>
+          <p:cNvSpPr>
+            <a:spLocks noGrp="1"/>
+          </p:cNvSpPr>
+          <p:nvPr>
+            <p:ph idx="1"/>
+          </p:nvPr>
+        </p:nvSpPr>
+        <p:spPr/>
+        <p:txBody>
+          <a:bodyPr>
+            <a:normAutofit/>
+          </a:bodyPr>
+          <a:lstStyle/>
+          <a:p>
+            <a:r>
+              <a:rPr lang="pt-BR" dirty="0"/>
+              <a:t>Alterar o Servidor de Controle de Versão </a:t>
+            </a:r>
+            <a:r>
+              <a:rPr lang="pt-BR" dirty="0" smtClean="0"/>
+              <a:t>para o </a:t>
+            </a:r>
+            <a:r>
+              <a:rPr lang="pt-BR" dirty="0" err="1"/>
+              <a:t>GitLab</a:t>
+            </a:r>
+            <a:r>
+              <a:rPr lang="pt-BR" dirty="0"/>
+              <a:t>.</a:t>
+            </a:r>
+          </a:p>
+          <a:p>
+            <a:r>
+              <a:rPr lang="pt-BR" dirty="0"/>
+              <a:t>Deixar flexível o </a:t>
+            </a:r>
+            <a:r>
+              <a:rPr lang="pt-BR" dirty="0" smtClean="0"/>
+              <a:t>arquivo </a:t>
+            </a:r>
+            <a:r>
+              <a:rPr lang="pt-BR" i="1" dirty="0" err="1" smtClean="0"/>
+              <a:t>application.properties</a:t>
+            </a:r>
+            <a:r>
+              <a:rPr lang="pt-BR" dirty="0" smtClean="0"/>
+              <a:t> da aplicação </a:t>
+            </a:r>
+            <a:r>
+              <a:rPr lang="pt-BR" i="1" dirty="0" err="1" smtClean="0"/>
+              <a:t>back-end</a:t>
+            </a:r>
+            <a:r>
+              <a:rPr lang="pt-BR" i="1" dirty="0" smtClean="0"/>
+              <a:t> </a:t>
+            </a:r>
+            <a:r>
+              <a:rPr lang="pt-BR" dirty="0" smtClean="0"/>
+              <a:t>para configuração do </a:t>
+            </a:r>
+            <a:r>
+              <a:rPr lang="pt-BR" dirty="0"/>
+              <a:t>local onde ficarão as imagens das cenas dos jogos. </a:t>
+            </a:r>
+          </a:p>
+          <a:p>
+            <a:r>
+              <a:rPr lang="pt-BR" dirty="0"/>
+              <a:t>Separar do Servidor de Banco de Dados para garantir a integridade e disponibilidade.</a:t>
+            </a:r>
+          </a:p>
+          <a:p>
+            <a:r>
+              <a:rPr lang="pt-BR" dirty="0"/>
+              <a:t>Implementar uma arquitetura de clusters utilizando do </a:t>
+            </a:r>
+            <a:r>
+              <a:rPr lang="pt-BR" dirty="0" err="1"/>
+              <a:t>Docker</a:t>
+            </a:r>
+            <a:r>
+              <a:rPr lang="pt-BR" dirty="0"/>
+              <a:t> </a:t>
+            </a:r>
+            <a:r>
+              <a:rPr lang="pt-BR" dirty="0" err="1"/>
+              <a:t>Swarm</a:t>
+            </a:r>
+            <a:r>
+              <a:rPr lang="pt-BR" dirty="0"/>
+              <a:t> ou </a:t>
+            </a:r>
+            <a:r>
+              <a:rPr lang="pt-BR" dirty="0" err="1"/>
+              <a:t>Kubernets</a:t>
+            </a:r>
+            <a:r>
+              <a:rPr lang="pt-BR" dirty="0"/>
+              <a:t>, onde vários computadores trabalham juntos afim de garantir desempenho e disponibilidade da plataforma.</a:t>
+            </a:r>
+          </a:p>
+          <a:p>
+            <a:endParaRPr lang="pt-BR" dirty="0"/>
+          </a:p>
+        </p:txBody>
+      </p:sp>
+      <p:sp>
+        <p:nvSpPr>
+          <p:cNvPr id="4" name="Retângulo 3"/>
+          <p:cNvSpPr/>
+          <p:nvPr/>
+        </p:nvSpPr>
+        <p:spPr>
+          <a:xfrm>
+            <a:off x="680321" y="250521"/>
+            <a:ext cx="2606804" cy="369332"/>
+          </a:xfrm>
+          <a:prstGeom prst="rect">
+            <a:avLst/>
+          </a:prstGeom>
+        </p:spPr>
+        <p:txBody>
+          <a:bodyPr wrap="none">
+            <a:spAutoFit/>
+          </a:bodyPr>
+          <a:lstStyle/>
+          <a:p>
+            <a:pPr marL="285750" indent="-285750">
+              <a:buFont typeface="Arial" panose="020B0604020202020204" pitchFamily="34" charset="0"/>
+              <a:buChar char="•"/>
+            </a:pPr>
+            <a:r>
+              <a:rPr lang="pt-BR" dirty="0"/>
+              <a:t>Considerações Finais</a:t>
+            </a:r>
+          </a:p>
+        </p:txBody>
+      </p:sp>
+      <p:pic>
+        <p:nvPicPr>
+          <p:cNvPr id="5" name="Imagem 4"/>
+          <p:cNvPicPr>
+            <a:picLocks noChangeAspect="1"/>
+          </p:cNvPicPr>
+          <p:nvPr/>
+        </p:nvPicPr>
+        <p:blipFill>
+          <a:blip r:embed="rId2" cstate="print">
+            <a:extLst>
+              <a:ext uri="{28A0092B-C50C-407E-A947-70E740481C1C}">
+                <a14:useLocalDpi xmlns:a14="http://schemas.microsoft.com/office/drawing/2010/main" val="0"/>
+              </a:ext>
+            </a:extLst>
+          </a:blip>
+          <a:stretch>
+            <a:fillRect/>
+          </a:stretch>
+        </p:blipFill>
+        <p:spPr>
+          <a:xfrm>
+            <a:off x="10602142" y="920672"/>
+            <a:ext cx="1589858" cy="650549"/>
+          </a:xfrm>
+          <a:prstGeom prst="rect">
+            <a:avLst/>
+          </a:prstGeom>
+        </p:spPr>
+      </p:pic>
+    </p:spTree>
+    <p:extLst>
+      <p:ext uri="{BB962C8B-B14F-4D97-AF65-F5344CB8AC3E}">
+        <p14:creationId xmlns:p14="http://schemas.microsoft.com/office/powerpoint/2010/main" val="671967937"/>
+      </p:ext>
+    </p:extLst>
+  </p:cSld>
+  <p:clrMapOvr>
+    <a:masterClrMapping/>
+  </p:clrMapOvr>
+</p:sld>
+</file>
+
+<file path=ppt/slides/slide42.xml><?xml version="1.0" encoding="utf-8"?>
+<p:sld xmlns:a="http://schemas.openxmlformats.org/drawingml/2006/main" xmlns:r="http://schemas.openxmlformats.org/officeDocument/2006/relationships" xmlns:p="http://schemas.openxmlformats.org/presentationml/2006/main">
+  <p:cSld>
+    <p:spTree>
+      <p:nvGrpSpPr>
+        <p:cNvPr id="1" name=""/>
+        <p:cNvGrpSpPr/>
+        <p:nvPr/>
+      </p:nvGrpSpPr>
+      <p:grpSpPr>
+        <a:xfrm>
+          <a:off x="0" y="0"/>
+          <a:ext cx="0" cy="0"/>
+          <a:chOff x="0" y="0"/>
+          <a:chExt cx="0" cy="0"/>
+        </a:xfrm>
+      </p:grpSpPr>
+      <p:sp>
+        <p:nvSpPr>
+          <p:cNvPr id="2" name="Título 1"/>
+          <p:cNvSpPr>
+            <a:spLocks noGrp="1"/>
+          </p:cNvSpPr>
+          <p:nvPr>
+            <p:ph type="title"/>
+          </p:nvPr>
+        </p:nvSpPr>
+        <p:spPr/>
+        <p:txBody>
+          <a:bodyPr/>
+          <a:lstStyle/>
+          <a:p>
+            <a:r>
+              <a:rPr lang="pt-BR" dirty="0"/>
               <a:t>Agradecimentos</a:t>
             </a:r>
           </a:p>
@@ -14437,8 +15584,13 @@
             </a:pPr>
             <a:r>
               <a:rPr lang="pt-BR" dirty="0"/>
-              <a:t>Agradeço em primeiro lugar aquele que permite que todas as coisas se concretizem, nosso Deus.</a:t>
-            </a:r>
+              <a:t>Agradeço em primeiro lugar aquele que permite que todas as coisas se concretizem, </a:t>
+            </a:r>
+            <a:r>
+              <a:rPr lang="pt-BR" dirty="0" smtClean="0"/>
+              <a:t>Deus.</a:t>
+            </a:r>
+            <a:endParaRPr lang="pt-BR" dirty="0"/>
           </a:p>
           <a:p>
             <a:pPr algn="just">
@@ -14521,6 +15673,36 @@
           </a:p>
         </p:txBody>
       </p:sp>
+      <p:pic>
+        <p:nvPicPr>
+          <p:cNvPr id="5" name="Imagem 4"/>
+          <p:cNvPicPr>
+            <a:picLocks noChangeAspect="1"/>
+          </p:cNvPicPr>
+          <p:nvPr/>
+        </p:nvPicPr>
+        <p:blipFill>
+          <a:blip r:embed="rId2" cstate="print">
+            <a:extLst>
+              <a:ext uri="{28A0092B-C50C-407E-A947-70E740481C1C}">
+                <a14:useLocalDpi xmlns:a14="http://schemas.microsoft.com/office/drawing/2010/main" val="0"/>
+              </a:ext>
+            </a:extLst>
+          </a:blip>
+          <a:stretch>
+            <a:fillRect/>
+          </a:stretch>
+        </p:blipFill>
+        <p:spPr>
+          <a:xfrm>
+            <a:off x="10602142" y="920672"/>
+            <a:ext cx="1589858" cy="650549"/>
+          </a:xfrm>
+          <a:prstGeom prst="rect">
+            <a:avLst/>
+          </a:prstGeom>
+        </p:spPr>
+      </p:pic>
     </p:spTree>
     <p:extLst>
       <p:ext uri="{BB962C8B-B14F-4D97-AF65-F5344CB8AC3E}">
@@ -14534,7 +15716,7 @@
 </p:sld>
 </file>
 
-<file path=ppt/slides/slide42.xml><?xml version="1.0" encoding="utf-8"?>
+<file path=ppt/slides/slide43.xml><?xml version="1.0" encoding="utf-8"?>
 <p:sld xmlns:a="http://schemas.openxmlformats.org/drawingml/2006/main" xmlns:r="http://schemas.openxmlformats.org/officeDocument/2006/relationships" xmlns:p="http://schemas.openxmlformats.org/presentationml/2006/main">
   <p:cSld>
     <p:spTree>
@@ -14769,6 +15951,36 @@
           </a:p>
         </p:txBody>
       </p:sp>
+      <p:pic>
+        <p:nvPicPr>
+          <p:cNvPr id="5" name="Imagem 4"/>
+          <p:cNvPicPr>
+            <a:picLocks noChangeAspect="1"/>
+          </p:cNvPicPr>
+          <p:nvPr/>
+        </p:nvPicPr>
+        <p:blipFill>
+          <a:blip r:embed="rId2" cstate="print">
+            <a:extLst>
+              <a:ext uri="{28A0092B-C50C-407E-A947-70E740481C1C}">
+                <a14:useLocalDpi xmlns:a14="http://schemas.microsoft.com/office/drawing/2010/main" val="0"/>
+              </a:ext>
+            </a:extLst>
+          </a:blip>
+          <a:stretch>
+            <a:fillRect/>
+          </a:stretch>
+        </p:blipFill>
+        <p:spPr>
+          <a:xfrm>
+            <a:off x="10602142" y="920672"/>
+            <a:ext cx="1589858" cy="650549"/>
+          </a:xfrm>
+          <a:prstGeom prst="rect">
+            <a:avLst/>
+          </a:prstGeom>
+        </p:spPr>
+      </p:pic>
     </p:spTree>
     <p:extLst>
       <p:ext uri="{BB962C8B-B14F-4D97-AF65-F5344CB8AC3E}">
@@ -14841,8 +16053,53 @@
             <a:pPr hangingPunct="0"/>
             <a:r>
               <a:rPr lang="pt-BR" dirty="0"/>
-              <a:t>Prover uma arquitetura para dar suporte a plataforma, garantindo a agilidade, qualidade e estabilidade com escalabilidade, além de integrar de forma contínua.</a:t>
-            </a:r>
+              <a:t>Prover uma arquitetura para dar suporte a plataforma, </a:t>
+            </a:r>
+            <a:r>
+              <a:rPr lang="pt-BR" dirty="0" smtClean="0"/>
+              <a:t>garantindo:</a:t>
+            </a:r>
+          </a:p>
+          <a:p>
+            <a:pPr lvl="1" hangingPunct="0"/>
+            <a:r>
+              <a:rPr lang="pt-BR" dirty="0" smtClean="0"/>
+              <a:t>Agilidade</a:t>
+            </a:r>
+          </a:p>
+          <a:p>
+            <a:pPr lvl="1" hangingPunct="0"/>
+            <a:r>
+              <a:rPr lang="pt-BR" dirty="0" smtClean="0"/>
+              <a:t>Qualidade </a:t>
+            </a:r>
+            <a:r>
+              <a:rPr lang="pt-BR" dirty="0"/>
+              <a:t>e </a:t>
+            </a:r>
+            <a:r>
+              <a:rPr lang="pt-BR" dirty="0"/>
+              <a:t>E</a:t>
+            </a:r>
+            <a:r>
+              <a:rPr lang="pt-BR" dirty="0" smtClean="0"/>
+              <a:t>stabilidade </a:t>
+            </a:r>
+          </a:p>
+          <a:p>
+            <a:pPr lvl="1" hangingPunct="0"/>
+            <a:r>
+              <a:rPr lang="pt-BR" dirty="0" smtClean="0"/>
+              <a:t>Escalabilidade</a:t>
+            </a:r>
+          </a:p>
+          <a:p>
+            <a:pPr lvl="1" hangingPunct="0"/>
+            <a:r>
+              <a:rPr lang="pt-BR" dirty="0" smtClean="0"/>
+              <a:t>Integração Contínua.</a:t>
+            </a:r>
+            <a:endParaRPr lang="pt-BR" dirty="0"/>
           </a:p>
           <a:p>
             <a:pPr hangingPunct="0"/>
@@ -14891,6 +16148,36 @@
           </a:p>
         </p:txBody>
       </p:sp>
+      <p:pic>
+        <p:nvPicPr>
+          <p:cNvPr id="5" name="Imagem 4"/>
+          <p:cNvPicPr>
+            <a:picLocks noChangeAspect="1"/>
+          </p:cNvPicPr>
+          <p:nvPr/>
+        </p:nvPicPr>
+        <p:blipFill>
+          <a:blip r:embed="rId2" cstate="print">
+            <a:extLst>
+              <a:ext uri="{28A0092B-C50C-407E-A947-70E740481C1C}">
+                <a14:useLocalDpi xmlns:a14="http://schemas.microsoft.com/office/drawing/2010/main" val="0"/>
+              </a:ext>
+            </a:extLst>
+          </a:blip>
+          <a:stretch>
+            <a:fillRect/>
+          </a:stretch>
+        </p:blipFill>
+        <p:spPr>
+          <a:xfrm>
+            <a:off x="10602142" y="920672"/>
+            <a:ext cx="1589858" cy="650549"/>
+          </a:xfrm>
+          <a:prstGeom prst="rect">
+            <a:avLst/>
+          </a:prstGeom>
+        </p:spPr>
+      </p:pic>
     </p:spTree>
     <p:extLst>
       <p:ext uri="{BB962C8B-B14F-4D97-AF65-F5344CB8AC3E}">
@@ -15100,6 +16387,36 @@
           </a:p>
         </p:txBody>
       </p:sp>
+      <p:pic>
+        <p:nvPicPr>
+          <p:cNvPr id="5" name="Imagem 4"/>
+          <p:cNvPicPr>
+            <a:picLocks noChangeAspect="1"/>
+          </p:cNvPicPr>
+          <p:nvPr/>
+        </p:nvPicPr>
+        <p:blipFill>
+          <a:blip r:embed="rId2" cstate="print">
+            <a:extLst>
+              <a:ext uri="{28A0092B-C50C-407E-A947-70E740481C1C}">
+                <a14:useLocalDpi xmlns:a14="http://schemas.microsoft.com/office/drawing/2010/main" val="0"/>
+              </a:ext>
+            </a:extLst>
+          </a:blip>
+          <a:stretch>
+            <a:fillRect/>
+          </a:stretch>
+        </p:blipFill>
+        <p:spPr>
+          <a:xfrm>
+            <a:off x="10602142" y="920672"/>
+            <a:ext cx="1589858" cy="650549"/>
+          </a:xfrm>
+          <a:prstGeom prst="rect">
+            <a:avLst/>
+          </a:prstGeom>
+        </p:spPr>
+      </p:pic>
     </p:spTree>
     <p:extLst>
       <p:ext uri="{BB962C8B-B14F-4D97-AF65-F5344CB8AC3E}">
@@ -15263,6 +16580,36 @@
           </a:p>
         </p:txBody>
       </p:sp>
+      <p:pic>
+        <p:nvPicPr>
+          <p:cNvPr id="5" name="Imagem 4"/>
+          <p:cNvPicPr>
+            <a:picLocks noChangeAspect="1"/>
+          </p:cNvPicPr>
+          <p:nvPr/>
+        </p:nvPicPr>
+        <p:blipFill>
+          <a:blip r:embed="rId2" cstate="print">
+            <a:extLst>
+              <a:ext uri="{28A0092B-C50C-407E-A947-70E740481C1C}">
+                <a14:useLocalDpi xmlns:a14="http://schemas.microsoft.com/office/drawing/2010/main" val="0"/>
+              </a:ext>
+            </a:extLst>
+          </a:blip>
+          <a:stretch>
+            <a:fillRect/>
+          </a:stretch>
+        </p:blipFill>
+        <p:spPr>
+          <a:xfrm>
+            <a:off x="10602142" y="920672"/>
+            <a:ext cx="1589858" cy="650549"/>
+          </a:xfrm>
+          <a:prstGeom prst="rect">
+            <a:avLst/>
+          </a:prstGeom>
+        </p:spPr>
+      </p:pic>
     </p:spTree>
     <p:extLst>
       <p:ext uri="{BB962C8B-B14F-4D97-AF65-F5344CB8AC3E}">

--- a/Docs/Apresentação.pptx
+++ b/Docs/Apresentação.pptx
@@ -5,7 +5,7 @@
     <p:sldMasterId id="2147483785" r:id="rId1"/>
   </p:sldMasterIdLst>
   <p:notesMasterIdLst>
-    <p:notesMasterId r:id="rId45"/>
+    <p:notesMasterId r:id="rId36"/>
   </p:notesMasterIdLst>
   <p:sldIdLst>
     <p:sldId id="256" r:id="rId2"/>
@@ -16,41 +16,32 @@
     <p:sldId id="261" r:id="rId7"/>
     <p:sldId id="263" r:id="rId8"/>
     <p:sldId id="266" r:id="rId9"/>
-    <p:sldId id="267" r:id="rId10"/>
-    <p:sldId id="281" r:id="rId11"/>
-    <p:sldId id="282" r:id="rId12"/>
-    <p:sldId id="283" r:id="rId13"/>
-    <p:sldId id="284" r:id="rId14"/>
-    <p:sldId id="285" r:id="rId15"/>
-    <p:sldId id="265" r:id="rId16"/>
-    <p:sldId id="268" r:id="rId17"/>
-    <p:sldId id="304" r:id="rId18"/>
-    <p:sldId id="269" r:id="rId19"/>
-    <p:sldId id="305" r:id="rId20"/>
-    <p:sldId id="270" r:id="rId21"/>
-    <p:sldId id="301" r:id="rId22"/>
-    <p:sldId id="271" r:id="rId23"/>
-    <p:sldId id="272" r:id="rId24"/>
-    <p:sldId id="286" r:id="rId25"/>
-    <p:sldId id="287" r:id="rId26"/>
-    <p:sldId id="288" r:id="rId27"/>
-    <p:sldId id="289" r:id="rId28"/>
-    <p:sldId id="290" r:id="rId29"/>
-    <p:sldId id="291" r:id="rId30"/>
-    <p:sldId id="292" r:id="rId31"/>
-    <p:sldId id="303" r:id="rId32"/>
-    <p:sldId id="293" r:id="rId33"/>
-    <p:sldId id="294" r:id="rId34"/>
-    <p:sldId id="295" r:id="rId35"/>
-    <p:sldId id="297" r:id="rId36"/>
-    <p:sldId id="273" r:id="rId37"/>
-    <p:sldId id="274" r:id="rId38"/>
-    <p:sldId id="298" r:id="rId39"/>
-    <p:sldId id="299" r:id="rId40"/>
-    <p:sldId id="275" r:id="rId41"/>
-    <p:sldId id="276" r:id="rId42"/>
-    <p:sldId id="300" r:id="rId43"/>
-    <p:sldId id="279" r:id="rId44"/>
+    <p:sldId id="283" r:id="rId10"/>
+    <p:sldId id="265" r:id="rId11"/>
+    <p:sldId id="268" r:id="rId12"/>
+    <p:sldId id="304" r:id="rId13"/>
+    <p:sldId id="269" r:id="rId14"/>
+    <p:sldId id="305" r:id="rId15"/>
+    <p:sldId id="270" r:id="rId16"/>
+    <p:sldId id="271" r:id="rId17"/>
+    <p:sldId id="287" r:id="rId18"/>
+    <p:sldId id="288" r:id="rId19"/>
+    <p:sldId id="289" r:id="rId20"/>
+    <p:sldId id="290" r:id="rId21"/>
+    <p:sldId id="291" r:id="rId22"/>
+    <p:sldId id="292" r:id="rId23"/>
+    <p:sldId id="303" r:id="rId24"/>
+    <p:sldId id="293" r:id="rId25"/>
+    <p:sldId id="295" r:id="rId26"/>
+    <p:sldId id="297" r:id="rId27"/>
+    <p:sldId id="273" r:id="rId28"/>
+    <p:sldId id="274" r:id="rId29"/>
+    <p:sldId id="298" r:id="rId30"/>
+    <p:sldId id="299" r:id="rId31"/>
+    <p:sldId id="275" r:id="rId32"/>
+    <p:sldId id="276" r:id="rId33"/>
+    <p:sldId id="300" r:id="rId34"/>
+    <p:sldId id="279" r:id="rId35"/>
   </p:sldIdLst>
   <p:sldSz cx="12192000" cy="6858000"/>
   <p:notesSz cx="6858000" cy="9144000"/>
@@ -678,6 +669,635 @@
     </a:lvl9pPr>
   </p:notesStyle>
 </p:notesMaster>
+</file>
+
+<file path=ppt/notesSlides/notesSlide1.xml><?xml version="1.0" encoding="utf-8"?>
+<p:notes xmlns:a="http://schemas.openxmlformats.org/drawingml/2006/main" xmlns:r="http://schemas.openxmlformats.org/officeDocument/2006/relationships" xmlns:p="http://schemas.openxmlformats.org/presentationml/2006/main">
+  <p:cSld>
+    <p:spTree>
+      <p:nvGrpSpPr>
+        <p:cNvPr id="1" name=""/>
+        <p:cNvGrpSpPr/>
+        <p:nvPr/>
+      </p:nvGrpSpPr>
+      <p:grpSpPr>
+        <a:xfrm>
+          <a:off x="0" y="0"/>
+          <a:ext cx="0" cy="0"/>
+          <a:chOff x="0" y="0"/>
+          <a:chExt cx="0" cy="0"/>
+        </a:xfrm>
+      </p:grpSpPr>
+      <p:sp>
+        <p:nvSpPr>
+          <p:cNvPr id="2" name="Espaço Reservado para Imagem de Slide 1"/>
+          <p:cNvSpPr>
+            <a:spLocks noGrp="1" noRot="1" noChangeAspect="1"/>
+          </p:cNvSpPr>
+          <p:nvPr>
+            <p:ph type="sldImg"/>
+          </p:nvPr>
+        </p:nvSpPr>
+        <p:spPr/>
+      </p:sp>
+      <p:sp>
+        <p:nvSpPr>
+          <p:cNvPr id="3" name="Espaço Reservado para Anotações 2"/>
+          <p:cNvSpPr>
+            <a:spLocks noGrp="1"/>
+          </p:cNvSpPr>
+          <p:nvPr>
+            <p:ph type="body" idx="1"/>
+          </p:nvPr>
+        </p:nvSpPr>
+        <p:spPr/>
+        <p:txBody>
+          <a:bodyPr/>
+          <a:lstStyle/>
+          <a:p>
+            <a:pPr marL="0" marR="0" indent="0" algn="l" defTabSz="914400" rtl="0" eaLnBrk="1" fontAlgn="auto" latinLnBrk="0" hangingPunct="1">
+              <a:lnSpc>
+                <a:spcPct val="100000"/>
+              </a:lnSpc>
+              <a:spcBef>
+                <a:spcPts val="0"/>
+              </a:spcBef>
+              <a:spcAft>
+                <a:spcPts val="0"/>
+              </a:spcAft>
+              <a:buClrTx/>
+              <a:buSzTx/>
+              <a:buFontTx/>
+              <a:buNone/>
+              <a:tabLst/>
+              <a:defRPr/>
+            </a:pPr>
+            <a:r>
+              <a:rPr lang="pt-BR" dirty="0" err="1" smtClean="0"/>
+              <a:t>Azure</a:t>
+            </a:r>
+            <a:r>
+              <a:rPr lang="pt-BR" dirty="0" smtClean="0"/>
+              <a:t>:</a:t>
+            </a:r>
+            <a:r>
+              <a:rPr lang="pt-BR" baseline="0" dirty="0" smtClean="0"/>
+              <a:t> </a:t>
+            </a:r>
+            <a:r>
+              <a:rPr lang="pt-BR" dirty="0" smtClean="0"/>
+              <a:t>Escalável, Acesso Remoto</a:t>
+            </a:r>
+          </a:p>
+          <a:p>
+            <a:pPr marL="0" marR="0" indent="0" algn="l" defTabSz="914400" rtl="0" eaLnBrk="1" fontAlgn="auto" latinLnBrk="0" hangingPunct="1">
+              <a:lnSpc>
+                <a:spcPct val="100000"/>
+              </a:lnSpc>
+              <a:spcBef>
+                <a:spcPts val="0"/>
+              </a:spcBef>
+              <a:spcAft>
+                <a:spcPts val="0"/>
+              </a:spcAft>
+              <a:buClrTx/>
+              <a:buSzTx/>
+              <a:buFontTx/>
+              <a:buNone/>
+              <a:tabLst/>
+              <a:defRPr/>
+            </a:pPr>
+            <a:r>
+              <a:rPr lang="pt-BR" dirty="0" smtClean="0"/>
+              <a:t>Servidor Web Front-</a:t>
+            </a:r>
+            <a:r>
+              <a:rPr lang="pt-BR" dirty="0" err="1" smtClean="0"/>
+              <a:t>End</a:t>
+            </a:r>
+            <a:r>
+              <a:rPr lang="pt-BR" dirty="0" smtClean="0"/>
+              <a:t> e Back-</a:t>
+            </a:r>
+            <a:r>
+              <a:rPr lang="pt-BR" dirty="0" err="1" smtClean="0"/>
+              <a:t>End</a:t>
+            </a:r>
+            <a:r>
+              <a:rPr lang="pt-BR" dirty="0" smtClean="0"/>
+              <a:t>:</a:t>
+            </a:r>
+            <a:r>
+              <a:rPr lang="pt-BR" baseline="0" dirty="0" smtClean="0"/>
+              <a:t> </a:t>
+            </a:r>
+            <a:r>
+              <a:rPr lang="pt-BR" dirty="0" smtClean="0"/>
+              <a:t>Cliente-Servidor,</a:t>
+            </a:r>
+            <a:r>
+              <a:rPr lang="pt-BR" baseline="0" dirty="0" smtClean="0"/>
+              <a:t> </a:t>
+            </a:r>
+            <a:r>
+              <a:rPr lang="pt-BR" dirty="0" smtClean="0"/>
+              <a:t>HTTP, Java 8 e aplicações compilada no formato .</a:t>
+            </a:r>
+            <a:r>
+              <a:rPr lang="pt-BR" dirty="0" err="1" smtClean="0"/>
+              <a:t>war</a:t>
+            </a:r>
+            <a:endParaRPr lang="pt-BR" dirty="0" smtClean="0"/>
+          </a:p>
+          <a:p>
+            <a:pPr marL="0" marR="0" indent="0" algn="l" defTabSz="914400" rtl="0" eaLnBrk="1" fontAlgn="auto" latinLnBrk="0" hangingPunct="1">
+              <a:lnSpc>
+                <a:spcPct val="100000"/>
+              </a:lnSpc>
+              <a:spcBef>
+                <a:spcPts val="0"/>
+              </a:spcBef>
+              <a:spcAft>
+                <a:spcPts val="0"/>
+              </a:spcAft>
+              <a:buClrTx/>
+              <a:buSzTx/>
+              <a:buFontTx/>
+              <a:buNone/>
+              <a:tabLst/>
+              <a:defRPr/>
+            </a:pPr>
+            <a:r>
+              <a:rPr lang="pt-BR" dirty="0" smtClean="0"/>
+              <a:t>Banco</a:t>
+            </a:r>
+            <a:r>
+              <a:rPr lang="pt-BR" baseline="0" dirty="0" smtClean="0"/>
+              <a:t> de Dados: </a:t>
+            </a:r>
+            <a:r>
+              <a:rPr lang="pt-BR" dirty="0" smtClean="0"/>
+              <a:t>comando DDL e DML na Base de Dados da aplicação.</a:t>
+            </a:r>
+          </a:p>
+          <a:p>
+            <a:pPr marL="0" marR="0" indent="0" algn="l" defTabSz="914400" rtl="0" eaLnBrk="1" fontAlgn="auto" latinLnBrk="0" hangingPunct="1">
+              <a:lnSpc>
+                <a:spcPct val="100000"/>
+              </a:lnSpc>
+              <a:spcBef>
+                <a:spcPts val="0"/>
+              </a:spcBef>
+              <a:spcAft>
+                <a:spcPts val="0"/>
+              </a:spcAft>
+              <a:buClrTx/>
+              <a:buSzTx/>
+              <a:buFontTx/>
+              <a:buNone/>
+              <a:tabLst/>
+              <a:defRPr/>
+            </a:pPr>
+            <a:r>
+              <a:rPr lang="pt-BR" dirty="0" err="1" smtClean="0"/>
+              <a:t>Load</a:t>
+            </a:r>
+            <a:r>
+              <a:rPr lang="pt-BR" baseline="0" dirty="0" smtClean="0"/>
+              <a:t> Balance: </a:t>
+            </a:r>
+            <a:r>
+              <a:rPr lang="pt-BR" dirty="0" smtClean="0"/>
+              <a:t>quantidade, proxy reverso,</a:t>
+            </a:r>
+            <a:r>
+              <a:rPr lang="pt-BR" baseline="0" dirty="0" smtClean="0"/>
+              <a:t> escalonar </a:t>
+            </a:r>
+            <a:r>
+              <a:rPr lang="pt-BR" baseline="0" dirty="0" err="1" smtClean="0"/>
+              <a:t>back-end</a:t>
+            </a:r>
+            <a:r>
+              <a:rPr lang="pt-BR" baseline="0" dirty="0" smtClean="0"/>
+              <a:t>, interface gráfica.</a:t>
+            </a:r>
+          </a:p>
+          <a:p>
+            <a:pPr marL="0" marR="0" indent="0" algn="l" defTabSz="914400" rtl="0" eaLnBrk="1" fontAlgn="auto" latinLnBrk="0" hangingPunct="1">
+              <a:lnSpc>
+                <a:spcPct val="100000"/>
+              </a:lnSpc>
+              <a:spcBef>
+                <a:spcPts val="0"/>
+              </a:spcBef>
+              <a:spcAft>
+                <a:spcPts val="0"/>
+              </a:spcAft>
+              <a:buClrTx/>
+              <a:buSzTx/>
+              <a:buFontTx/>
+              <a:buNone/>
+              <a:tabLst/>
+              <a:defRPr/>
+            </a:pPr>
+            <a:r>
+              <a:rPr lang="pt-BR" baseline="0" dirty="0" smtClean="0"/>
+              <a:t>Monitoramento: Memória, Processador, Entrada e </a:t>
+            </a:r>
+            <a:r>
+              <a:rPr lang="pt-BR" baseline="0" dirty="0" err="1" smtClean="0"/>
+              <a:t>Saida</a:t>
+            </a:r>
+            <a:r>
+              <a:rPr lang="pt-BR" baseline="0" dirty="0" smtClean="0"/>
+              <a:t> de Dados, Consumo de Internet, containers</a:t>
+            </a:r>
+          </a:p>
+          <a:p>
+            <a:pPr marL="0" marR="0" indent="0" algn="l" defTabSz="914400" rtl="0" eaLnBrk="1" fontAlgn="auto" latinLnBrk="0" hangingPunct="1">
+              <a:lnSpc>
+                <a:spcPct val="100000"/>
+              </a:lnSpc>
+              <a:spcBef>
+                <a:spcPts val="0"/>
+              </a:spcBef>
+              <a:spcAft>
+                <a:spcPts val="0"/>
+              </a:spcAft>
+              <a:buClrTx/>
+              <a:buSzTx/>
+              <a:buFontTx/>
+              <a:buNone/>
+              <a:tabLst/>
+              <a:defRPr/>
+            </a:pPr>
+            <a:endParaRPr lang="pt-BR" dirty="0" smtClean="0"/>
+          </a:p>
+          <a:p>
+            <a:pPr marL="0" marR="0" indent="0" algn="l" defTabSz="914400" rtl="0" eaLnBrk="1" fontAlgn="auto" latinLnBrk="0" hangingPunct="1">
+              <a:lnSpc>
+                <a:spcPct val="100000"/>
+              </a:lnSpc>
+              <a:spcBef>
+                <a:spcPts val="0"/>
+              </a:spcBef>
+              <a:spcAft>
+                <a:spcPts val="0"/>
+              </a:spcAft>
+              <a:buClrTx/>
+              <a:buSzTx/>
+              <a:buFontTx/>
+              <a:buNone/>
+              <a:tabLst/>
+              <a:defRPr/>
+            </a:pPr>
+            <a:endParaRPr lang="pt-BR" dirty="0" smtClean="0"/>
+          </a:p>
+          <a:p>
+            <a:pPr marL="0" marR="0" indent="0" algn="l" defTabSz="914400" rtl="0" eaLnBrk="1" fontAlgn="auto" latinLnBrk="0" hangingPunct="1">
+              <a:lnSpc>
+                <a:spcPct val="100000"/>
+              </a:lnSpc>
+              <a:spcBef>
+                <a:spcPts val="0"/>
+              </a:spcBef>
+              <a:spcAft>
+                <a:spcPts val="0"/>
+              </a:spcAft>
+              <a:buClrTx/>
+              <a:buSzTx/>
+              <a:buFontTx/>
+              <a:buNone/>
+              <a:tabLst/>
+              <a:defRPr/>
+            </a:pPr>
+            <a:endParaRPr lang="pt-BR" dirty="0" smtClean="0"/>
+          </a:p>
+          <a:p>
+            <a:pPr marL="0" marR="0" indent="0" algn="l" defTabSz="914400" rtl="0" eaLnBrk="1" fontAlgn="auto" latinLnBrk="0" hangingPunct="1">
+              <a:lnSpc>
+                <a:spcPct val="100000"/>
+              </a:lnSpc>
+              <a:spcBef>
+                <a:spcPts val="0"/>
+              </a:spcBef>
+              <a:spcAft>
+                <a:spcPts val="0"/>
+              </a:spcAft>
+              <a:buClrTx/>
+              <a:buSzTx/>
+              <a:buFontTx/>
+              <a:buNone/>
+              <a:tabLst/>
+              <a:defRPr/>
+            </a:pPr>
+            <a:endParaRPr lang="en-US" dirty="0" smtClean="0"/>
+          </a:p>
+          <a:p>
+            <a:endParaRPr lang="pt-BR" dirty="0"/>
+          </a:p>
+        </p:txBody>
+      </p:sp>
+      <p:sp>
+        <p:nvSpPr>
+          <p:cNvPr id="4" name="Espaço Reservado para Número de Slide 3"/>
+          <p:cNvSpPr>
+            <a:spLocks noGrp="1"/>
+          </p:cNvSpPr>
+          <p:nvPr>
+            <p:ph type="sldNum" sz="quarter" idx="10"/>
+          </p:nvPr>
+        </p:nvSpPr>
+        <p:spPr/>
+        <p:txBody>
+          <a:bodyPr/>
+          <a:lstStyle/>
+          <a:p>
+            <a:fld id="{093F3445-790F-45D2-B911-1A138284D247}" type="slidenum">
+              <a:rPr lang="pt-BR" smtClean="0"/>
+              <a:t>8</a:t>
+            </a:fld>
+            <a:endParaRPr lang="pt-BR"/>
+          </a:p>
+        </p:txBody>
+      </p:sp>
+    </p:spTree>
+    <p:extLst>
+      <p:ext uri="{BB962C8B-B14F-4D97-AF65-F5344CB8AC3E}">
+        <p14:creationId xmlns:p14="http://schemas.microsoft.com/office/powerpoint/2010/main" val="3795837124"/>
+      </p:ext>
+    </p:extLst>
+  </p:cSld>
+  <p:clrMapOvr>
+    <a:masterClrMapping/>
+  </p:clrMapOvr>
+</p:notes>
+</file>
+
+<file path=ppt/notesSlides/notesSlide2.xml><?xml version="1.0" encoding="utf-8"?>
+<p:notes xmlns:a="http://schemas.openxmlformats.org/drawingml/2006/main" xmlns:r="http://schemas.openxmlformats.org/officeDocument/2006/relationships" xmlns:p="http://schemas.openxmlformats.org/presentationml/2006/main">
+  <p:cSld>
+    <p:spTree>
+      <p:nvGrpSpPr>
+        <p:cNvPr id="1" name=""/>
+        <p:cNvGrpSpPr/>
+        <p:nvPr/>
+      </p:nvGrpSpPr>
+      <p:grpSpPr>
+        <a:xfrm>
+          <a:off x="0" y="0"/>
+          <a:ext cx="0" cy="0"/>
+          <a:chOff x="0" y="0"/>
+          <a:chExt cx="0" cy="0"/>
+        </a:xfrm>
+      </p:grpSpPr>
+      <p:sp>
+        <p:nvSpPr>
+          <p:cNvPr id="2" name="Espaço Reservado para Imagem de Slide 1"/>
+          <p:cNvSpPr>
+            <a:spLocks noGrp="1" noRot="1" noChangeAspect="1"/>
+          </p:cNvSpPr>
+          <p:nvPr>
+            <p:ph type="sldImg"/>
+          </p:nvPr>
+        </p:nvSpPr>
+        <p:spPr/>
+      </p:sp>
+      <p:sp>
+        <p:nvSpPr>
+          <p:cNvPr id="3" name="Espaço Reservado para Anotações 2"/>
+          <p:cNvSpPr>
+            <a:spLocks noGrp="1"/>
+          </p:cNvSpPr>
+          <p:nvPr>
+            <p:ph type="body" idx="1"/>
+          </p:nvPr>
+        </p:nvSpPr>
+        <p:spPr/>
+        <p:txBody>
+          <a:bodyPr/>
+          <a:lstStyle/>
+          <a:p>
+            <a:r>
+              <a:rPr lang="pt-BR" dirty="0" err="1" smtClean="0"/>
+              <a:t>Dashboard</a:t>
+            </a:r>
+            <a:r>
+              <a:rPr lang="pt-BR" dirty="0" smtClean="0"/>
+              <a:t>:</a:t>
+            </a:r>
+            <a:r>
+              <a:rPr lang="pt-BR" baseline="0" dirty="0" smtClean="0"/>
+              <a:t> </a:t>
+            </a:r>
+            <a:r>
+              <a:rPr lang="pt-BR" dirty="0" smtClean="0"/>
+              <a:t>para visualização do números de requisições, exibindo em tempo real a quantidade de dados que foi trafegada pela rede</a:t>
+            </a:r>
+            <a:endParaRPr lang="pt-BR" dirty="0"/>
+          </a:p>
+        </p:txBody>
+      </p:sp>
+      <p:sp>
+        <p:nvSpPr>
+          <p:cNvPr id="4" name="Espaço Reservado para Número de Slide 3"/>
+          <p:cNvSpPr>
+            <a:spLocks noGrp="1"/>
+          </p:cNvSpPr>
+          <p:nvPr>
+            <p:ph type="sldNum" sz="quarter" idx="10"/>
+          </p:nvPr>
+        </p:nvSpPr>
+        <p:spPr/>
+        <p:txBody>
+          <a:bodyPr/>
+          <a:lstStyle/>
+          <a:p>
+            <a:fld id="{093F3445-790F-45D2-B911-1A138284D247}" type="slidenum">
+              <a:rPr lang="pt-BR" smtClean="0"/>
+              <a:t>17</a:t>
+            </a:fld>
+            <a:endParaRPr lang="pt-BR"/>
+          </a:p>
+        </p:txBody>
+      </p:sp>
+    </p:spTree>
+    <p:extLst>
+      <p:ext uri="{BB962C8B-B14F-4D97-AF65-F5344CB8AC3E}">
+        <p14:creationId xmlns:p14="http://schemas.microsoft.com/office/powerpoint/2010/main" val="1775068989"/>
+      </p:ext>
+    </p:extLst>
+  </p:cSld>
+  <p:clrMapOvr>
+    <a:masterClrMapping/>
+  </p:clrMapOvr>
+</p:notes>
+</file>
+
+<file path=ppt/notesSlides/notesSlide3.xml><?xml version="1.0" encoding="utf-8"?>
+<p:notes xmlns:a="http://schemas.openxmlformats.org/drawingml/2006/main" xmlns:r="http://schemas.openxmlformats.org/officeDocument/2006/relationships" xmlns:p="http://schemas.openxmlformats.org/presentationml/2006/main">
+  <p:cSld>
+    <p:spTree>
+      <p:nvGrpSpPr>
+        <p:cNvPr id="1" name=""/>
+        <p:cNvGrpSpPr/>
+        <p:nvPr/>
+      </p:nvGrpSpPr>
+      <p:grpSpPr>
+        <a:xfrm>
+          <a:off x="0" y="0"/>
+          <a:ext cx="0" cy="0"/>
+          <a:chOff x="0" y="0"/>
+          <a:chExt cx="0" cy="0"/>
+        </a:xfrm>
+      </p:grpSpPr>
+      <p:sp>
+        <p:nvSpPr>
+          <p:cNvPr id="2" name="Espaço Reservado para Imagem de Slide 1"/>
+          <p:cNvSpPr>
+            <a:spLocks noGrp="1" noRot="1" noChangeAspect="1"/>
+          </p:cNvSpPr>
+          <p:nvPr>
+            <p:ph type="sldImg"/>
+          </p:nvPr>
+        </p:nvSpPr>
+        <p:spPr/>
+      </p:sp>
+      <p:sp>
+        <p:nvSpPr>
+          <p:cNvPr id="3" name="Espaço Reservado para Anotações 2"/>
+          <p:cNvSpPr>
+            <a:spLocks noGrp="1"/>
+          </p:cNvSpPr>
+          <p:nvPr>
+            <p:ph type="body" idx="1"/>
+          </p:nvPr>
+        </p:nvSpPr>
+        <p:spPr/>
+        <p:txBody>
+          <a:bodyPr/>
+          <a:lstStyle/>
+          <a:p>
+            <a:pPr hangingPunct="0"/>
+            <a:r>
+              <a:rPr lang="pt-BR" dirty="0" err="1" smtClean="0"/>
+              <a:t>Mapskills-Mysql</a:t>
+            </a:r>
+            <a:r>
+              <a:rPr lang="pt-BR" dirty="0" smtClean="0"/>
+              <a:t> </a:t>
+            </a:r>
+          </a:p>
+          <a:p>
+            <a:pPr hangingPunct="0"/>
+            <a:r>
+              <a:rPr lang="pt-BR" dirty="0" err="1" smtClean="0"/>
+              <a:t>Mapskills-Cadvisor</a:t>
+            </a:r>
+            <a:r>
+              <a:rPr lang="pt-BR" dirty="0" smtClean="0"/>
+              <a:t> tem a finalidade de compartilhar informações do host com o container. </a:t>
+            </a:r>
+          </a:p>
+          <a:p>
+            <a:pPr hangingPunct="0"/>
+            <a:r>
+              <a:rPr lang="pt-BR" dirty="0" smtClean="0"/>
+              <a:t>Os volumes </a:t>
+            </a:r>
+            <a:r>
+              <a:rPr lang="pt-BR" dirty="0" err="1" smtClean="0"/>
+              <a:t>Mapkills-Jenkins</a:t>
+            </a:r>
+            <a:r>
+              <a:rPr lang="pt-BR" dirty="0" smtClean="0"/>
+              <a:t>:</a:t>
+            </a:r>
+          </a:p>
+          <a:p>
+            <a:pPr lvl="1" hangingPunct="0"/>
+            <a:r>
+              <a:rPr lang="pt-BR" sz="2400" dirty="0" smtClean="0"/>
+              <a:t>Volume compartilhado com os containers </a:t>
+            </a:r>
+            <a:r>
+              <a:rPr lang="pt-BR" sz="2400" dirty="0" err="1" smtClean="0"/>
+              <a:t>Mapkills-App</a:t>
+            </a:r>
+            <a:r>
+              <a:rPr lang="pt-BR" sz="2400" dirty="0" smtClean="0"/>
+              <a:t> e </a:t>
+            </a:r>
+            <a:r>
+              <a:rPr lang="pt-BR" sz="2400" dirty="0" err="1" smtClean="0"/>
+              <a:t>Mapskills</a:t>
+            </a:r>
+            <a:r>
+              <a:rPr lang="pt-BR" sz="2400" dirty="0" smtClean="0"/>
+              <a:t>-Web </a:t>
+            </a:r>
+          </a:p>
+          <a:p>
+            <a:pPr lvl="1" hangingPunct="0"/>
+            <a:r>
+              <a:rPr lang="pt-BR" sz="2400" dirty="0" smtClean="0"/>
+              <a:t>Compartilhamento dos arquivos </a:t>
+            </a:r>
+            <a:r>
+              <a:rPr lang="pt-BR" sz="2400" dirty="0" err="1" smtClean="0"/>
+              <a:t>Docker</a:t>
+            </a:r>
+            <a:r>
+              <a:rPr lang="pt-BR" sz="2400" dirty="0" smtClean="0"/>
+              <a:t> e </a:t>
+            </a:r>
+            <a:r>
+              <a:rPr lang="pt-BR" sz="2400" dirty="0" err="1" smtClean="0"/>
+              <a:t>docker-compose.yaml</a:t>
+            </a:r>
+            <a:r>
+              <a:rPr lang="pt-BR" sz="2400" dirty="0" smtClean="0"/>
+              <a:t> entre o host e container.</a:t>
+            </a:r>
+            <a:endParaRPr lang="pt-BR" sz="2400" dirty="0" smtClean="0"/>
+          </a:p>
+        </p:txBody>
+      </p:sp>
+      <p:sp>
+        <p:nvSpPr>
+          <p:cNvPr id="4" name="Espaço Reservado para Número de Slide 3"/>
+          <p:cNvSpPr>
+            <a:spLocks noGrp="1"/>
+          </p:cNvSpPr>
+          <p:nvPr>
+            <p:ph type="sldNum" sz="quarter" idx="10"/>
+          </p:nvPr>
+        </p:nvSpPr>
+        <p:spPr/>
+        <p:txBody>
+          <a:bodyPr/>
+          <a:lstStyle/>
+          <a:p>
+            <a:fld id="{093F3445-790F-45D2-B911-1A138284D247}" type="slidenum">
+              <a:rPr lang="pt-BR" smtClean="0"/>
+              <a:t>21</a:t>
+            </a:fld>
+            <a:endParaRPr lang="pt-BR"/>
+          </a:p>
+        </p:txBody>
+      </p:sp>
+    </p:spTree>
+    <p:extLst>
+      <p:ext uri="{BB962C8B-B14F-4D97-AF65-F5344CB8AC3E}">
+        <p14:creationId xmlns:p14="http://schemas.microsoft.com/office/powerpoint/2010/main" val="2879272620"/>
+      </p:ext>
+    </p:extLst>
+  </p:cSld>
+  <p:clrMapOvr>
+    <a:masterClrMapping/>
+  </p:clrMapOvr>
+</p:notes>
 </file>
 
 <file path=ppt/slideLayouts/slideLayout1.xml><?xml version="1.0" encoding="utf-8"?>
@@ -8351,10 +8971,25 @@
           <a:lstStyle/>
           <a:p>
             <a:r>
-              <a:rPr lang="pt-BR" sz="3600"/>
-              <a:t>Planejamento e Implatação da Plataforma para Mapeamento para Competências </a:t>
-            </a:r>
-            <a:endParaRPr lang="pt-BR" sz="3600" dirty="0"/>
+              <a:rPr lang="pt-BR" sz="3600" dirty="0"/>
+              <a:t>Planejamento e </a:t>
+            </a:r>
+            <a:r>
+              <a:rPr lang="pt-BR" sz="3600" dirty="0" smtClean="0"/>
+              <a:t>Implantação </a:t>
+            </a:r>
+            <a:r>
+              <a:rPr lang="pt-BR" sz="3600" dirty="0"/>
+              <a:t>da Plataforma para Mapeamento </a:t>
+            </a:r>
+            <a:r>
+              <a:rPr lang="pt-BR" sz="3600" dirty="0" smtClean="0"/>
+              <a:t>de </a:t>
+            </a:r>
+            <a:r>
+              <a:rPr lang="pt-BR" sz="3600" dirty="0"/>
+              <a:t>Competências </a:t>
+            </a:r>
           </a:p>
         </p:txBody>
       </p:sp>
@@ -8427,6 +9062,13 @@
   <p:clrMapOvr>
     <a:masterClrMapping/>
   </p:clrMapOvr>
+  <p:timing>
+    <p:tnLst>
+      <p:par>
+        <p:cTn id="1" dur="indefinite" restart="never" nodeType="tmRoot"/>
+      </p:par>
+    </p:tnLst>
+  </p:timing>
 </p:sld>
 </file>
 
@@ -8464,110 +9106,23 @@
           <a:p>
             <a:r>
               <a:rPr lang="pt-BR" dirty="0"/>
-              <a:t>Servidor de Banco de Dados	</a:t>
-            </a:r>
-          </a:p>
-        </p:txBody>
-      </p:sp>
-      <p:sp>
-        <p:nvSpPr>
-          <p:cNvPr id="3" name="Espaço Reservado para Conteúdo 2"/>
-          <p:cNvSpPr>
-            <a:spLocks noGrp="1"/>
-          </p:cNvSpPr>
-          <p:nvPr>
-            <p:ph idx="1"/>
-          </p:nvPr>
-        </p:nvSpPr>
-        <p:spPr/>
-        <p:txBody>
-          <a:bodyPr vert="horz" lIns="91440" tIns="45720" rIns="91440" bIns="45720" rtlCol="0" anchor="t">
-            <a:normAutofit/>
-          </a:bodyPr>
-          <a:lstStyle/>
-          <a:p>
-            <a:r>
-              <a:rPr lang="pt-BR" dirty="0"/>
-              <a:t>É necessário armazenar todas informações pertinentes ao jogo.</a:t>
-            </a:r>
-            <a:endParaRPr lang="en-US" dirty="0"/>
-          </a:p>
-          <a:p>
-            <a:r>
-              <a:rPr lang="pt-BR" dirty="0"/>
-              <a:t>Gerar relatórios para que os responsáveis possam visualizar os resultados do jogo.</a:t>
-            </a:r>
-          </a:p>
-          <a:p>
-            <a:r>
-              <a:rPr lang="pt-BR" dirty="0"/>
-              <a:t>Ter um único usuário com permissões de executar comando </a:t>
-            </a:r>
-            <a:r>
-              <a:rPr lang="pt-BR" dirty="0" smtClean="0"/>
-              <a:t>DDL </a:t>
-            </a:r>
-            <a:r>
-              <a:rPr lang="pt-BR" dirty="0" smtClean="0"/>
-              <a:t>e </a:t>
-            </a:r>
-            <a:r>
-              <a:rPr lang="pt-BR" dirty="0" smtClean="0"/>
-              <a:t>DML </a:t>
-            </a:r>
-            <a:r>
-              <a:rPr lang="pt-BR" dirty="0" smtClean="0"/>
-              <a:t>na </a:t>
-            </a:r>
-            <a:r>
-              <a:rPr lang="pt-BR" dirty="0"/>
-              <a:t>Base de Dados da aplicação.</a:t>
-            </a:r>
-          </a:p>
-        </p:txBody>
-      </p:sp>
-      <p:sp>
-        <p:nvSpPr>
-          <p:cNvPr id="4" name="Retângulo 3"/>
-          <p:cNvSpPr/>
-          <p:nvPr/>
-        </p:nvSpPr>
-        <p:spPr>
-          <a:xfrm>
-            <a:off x="680321" y="250521"/>
-            <a:ext cx="3384516" cy="369332"/>
-          </a:xfrm>
-          <a:prstGeom prst="rect">
-            <a:avLst/>
-          </a:prstGeom>
-        </p:spPr>
-        <p:txBody>
-          <a:bodyPr wrap="none">
-            <a:spAutoFit/>
-          </a:bodyPr>
-          <a:lstStyle/>
-          <a:p>
-            <a:pPr marL="285750" indent="-285750">
-              <a:buFont typeface="Arial" panose="020B0604020202020204" pitchFamily="34" charset="0"/>
-              <a:buChar char="•"/>
-            </a:pPr>
-            <a:r>
-              <a:rPr lang="pt-BR" dirty="0"/>
-              <a:t>Levantamento de Requisitos</a:t>
+              <a:t>Arquitetura com Base no Requisito</a:t>
             </a:r>
           </a:p>
         </p:txBody>
       </p:sp>
       <p:pic>
         <p:nvPicPr>
-          <p:cNvPr id="5" name="Imagem 4"/>
+          <p:cNvPr id="5" name="Espaço Reservado para Conteúdo 4"/>
           <p:cNvPicPr>
-            <a:picLocks noChangeAspect="1"/>
+            <a:picLocks noGrp="1" noChangeAspect="1"/>
           </p:cNvPicPr>
-          <p:nvPr/>
+          <p:nvPr>
+            <p:ph idx="1"/>
+          </p:nvPr>
         </p:nvPicPr>
         <p:blipFill>
-          <a:blip r:embed="rId2" cstate="print">
+          <a:blip r:embed="rId2">
             <a:extLst>
               <a:ext uri="{28A0092B-C50C-407E-A947-70E740481C1C}">
                 <a14:useLocalDpi xmlns:a14="http://schemas.microsoft.com/office/drawing/2010/main" val="0"/>
@@ -8580,6 +9135,65 @@
         </p:blipFill>
         <p:spPr>
           <a:xfrm>
+            <a:off x="1842984" y="2610234"/>
+            <a:ext cx="7853245" cy="3687327"/>
+          </a:xfrm>
+        </p:spPr>
+      </p:pic>
+      <p:sp>
+        <p:nvSpPr>
+          <p:cNvPr id="4" name="Retângulo 3"/>
+          <p:cNvSpPr/>
+          <p:nvPr/>
+        </p:nvSpPr>
+        <p:spPr>
+          <a:xfrm>
+            <a:off x="680321" y="252848"/>
+            <a:ext cx="3384516" cy="369332"/>
+          </a:xfrm>
+          <a:prstGeom prst="rect">
+            <a:avLst/>
+          </a:prstGeom>
+        </p:spPr>
+        <p:txBody>
+          <a:bodyPr wrap="none">
+            <a:spAutoFit/>
+          </a:bodyPr>
+          <a:lstStyle/>
+          <a:p>
+            <a:pPr marL="285750" indent="-285750">
+              <a:buFont typeface="Arial" panose="020B0604020202020204" pitchFamily="34" charset="0"/>
+              <a:buChar char="•"/>
+            </a:pPr>
+            <a:r>
+              <a:rPr lang="pt-BR" dirty="0"/>
+              <a:t>Levantamento de Requisitos</a:t>
+            </a:r>
+          </a:p>
+        </p:txBody>
+      </p:sp>
+      <p:pic>
+        <p:nvPicPr>
+          <p:cNvPr id="6" name="Imagem 5"/>
+          <p:cNvPicPr>
+            <a:picLocks noChangeAspect="1"/>
+          </p:cNvPicPr>
+          <p:nvPr/>
+        </p:nvPicPr>
+        <p:blipFill>
+          <a:blip r:embed="rId3" cstate="print">
+            <a:extLst>
+              <a:ext uri="{28A0092B-C50C-407E-A947-70E740481C1C}">
+                <a14:useLocalDpi xmlns:a14="http://schemas.microsoft.com/office/drawing/2010/main" val="0"/>
+              </a:ext>
+            </a:extLst>
+          </a:blip>
+          <a:stretch>
+            <a:fillRect/>
+          </a:stretch>
+        </p:blipFill>
+        <p:spPr>
+          <a:xfrm>
             <a:off x="10602142" y="920672"/>
             <a:ext cx="1589858" cy="650549"/>
           </a:xfrm>
@@ -8591,7 +9205,7 @@
     </p:spTree>
     <p:extLst>
       <p:ext uri="{BB962C8B-B14F-4D97-AF65-F5344CB8AC3E}">
-        <p14:creationId xmlns:p14="http://schemas.microsoft.com/office/powerpoint/2010/main" val="572130673"/>
+        <p14:creationId xmlns:p14="http://schemas.microsoft.com/office/powerpoint/2010/main" val="1268492596"/>
       </p:ext>
     </p:extLst>
   </p:cSld>
@@ -8625,7 +9239,7 @@
             <a:spLocks noGrp="1"/>
           </p:cNvSpPr>
           <p:nvPr>
-            <p:ph type="title"/>
+            <p:ph type="ctrTitle"/>
           </p:nvPr>
         </p:nvSpPr>
         <p:spPr/>
@@ -8634,163 +9248,35 @@
           <a:lstStyle/>
           <a:p>
             <a:r>
-              <a:rPr lang="pt-BR" dirty="0" err="1"/>
-              <a:t>Balanceador</a:t>
-            </a:r>
-            <a:r>
               <a:rPr lang="pt-BR" dirty="0"/>
-              <a:t> de Carga</a:t>
-            </a:r>
-          </a:p>
-        </p:txBody>
-      </p:sp>
-      <p:sp>
-        <p:nvSpPr>
-          <p:cNvPr id="3" name="Espaço Reservado para Conteúdo 2"/>
-          <p:cNvSpPr>
-            <a:spLocks noGrp="1"/>
-          </p:cNvSpPr>
-          <p:nvPr>
-            <p:ph idx="1"/>
+              <a:t>Desenvolvimento</a:t>
+            </a:r>
+          </a:p>
+        </p:txBody>
+      </p:sp>
+      <p:sp>
+        <p:nvSpPr>
+          <p:cNvPr id="4" name="Subtítulo 3"/>
+          <p:cNvSpPr>
+            <a:spLocks noGrp="1"/>
+          </p:cNvSpPr>
+          <p:nvPr>
+            <p:ph type="subTitle" idx="1"/>
           </p:nvPr>
         </p:nvSpPr>
         <p:spPr/>
         <p:txBody>
-          <a:bodyPr vert="horz" lIns="91440" tIns="45720" rIns="91440" bIns="45720" rtlCol="0" anchor="t">
-            <a:normAutofit/>
-          </a:bodyPr>
-          <a:lstStyle/>
-          <a:p>
-            <a:r>
-              <a:rPr lang="pt-BR" dirty="0"/>
-              <a:t>Controlar a quantidade de acesso ao Servidor de </a:t>
-            </a:r>
-            <a:r>
-              <a:rPr lang="pt-BR" i="1" dirty="0" err="1"/>
-              <a:t>back</a:t>
-            </a:r>
-            <a:r>
-              <a:rPr lang="pt-BR" i="1" dirty="0"/>
-              <a:t>-end.</a:t>
-            </a:r>
-            <a:endParaRPr lang="en-US" dirty="0"/>
-          </a:p>
-          <a:p>
-            <a:r>
-              <a:rPr lang="pt-BR" dirty="0" smtClean="0"/>
-              <a:t>Escalonar </a:t>
-            </a:r>
-            <a:r>
-              <a:rPr lang="pt-BR" dirty="0"/>
-              <a:t>o serviço servidor de </a:t>
-            </a:r>
-            <a:r>
-              <a:rPr lang="pt-BR" i="1" dirty="0" err="1"/>
-              <a:t>back-end</a:t>
-            </a:r>
-            <a:r>
-              <a:rPr lang="pt-BR" i="1" dirty="0"/>
-              <a:t>, </a:t>
-            </a:r>
-            <a:r>
-              <a:rPr lang="pt-BR" dirty="0"/>
-              <a:t>redirecionando </a:t>
-            </a:r>
-            <a:r>
-              <a:rPr lang="pt-BR" dirty="0" smtClean="0"/>
-              <a:t>as requisições ao </a:t>
-            </a:r>
-            <a:r>
-              <a:rPr lang="pt-BR" dirty="0"/>
-              <a:t>serviço com menos carga.  </a:t>
-            </a:r>
-          </a:p>
-          <a:p>
-            <a:r>
-              <a:rPr lang="pt-BR" dirty="0"/>
-              <a:t>Ter suporte ao </a:t>
-            </a:r>
-            <a:r>
-              <a:rPr lang="pt-BR" i="1" dirty="0"/>
-              <a:t>Proxy-Reverso.</a:t>
-            </a:r>
-            <a:endParaRPr lang="pt-BR" dirty="0"/>
-          </a:p>
-          <a:p>
-            <a:r>
-              <a:rPr lang="pt-BR" dirty="0"/>
-              <a:t>Fornecer interface gráfica para monitoramento das requisições.</a:t>
-            </a:r>
-            <a:endParaRPr lang="pt-BR" i="1" dirty="0"/>
-          </a:p>
-        </p:txBody>
-      </p:sp>
-      <p:sp>
-        <p:nvSpPr>
-          <p:cNvPr id="4" name="Retângulo 3"/>
-          <p:cNvSpPr/>
-          <p:nvPr/>
-        </p:nvSpPr>
-        <p:spPr>
-          <a:xfrm>
-            <a:off x="680321" y="250521"/>
-            <a:ext cx="3384516" cy="369332"/>
-          </a:xfrm>
-          <a:prstGeom prst="rect">
-            <a:avLst/>
-          </a:prstGeom>
-        </p:spPr>
-        <p:txBody>
-          <a:bodyPr wrap="none">
-            <a:spAutoFit/>
-          </a:bodyPr>
-          <a:lstStyle/>
-          <a:p>
-            <a:pPr marL="285750" indent="-285750">
-              <a:buFont typeface="Arial" panose="020B0604020202020204" pitchFamily="34" charset="0"/>
-              <a:buChar char="•"/>
-            </a:pPr>
-            <a:r>
-              <a:rPr lang="pt-BR" dirty="0"/>
-              <a:t>Levantamento de Requisitos</a:t>
-            </a:r>
-          </a:p>
-        </p:txBody>
-      </p:sp>
-      <p:pic>
-        <p:nvPicPr>
-          <p:cNvPr id="5" name="Imagem 4"/>
-          <p:cNvPicPr>
-            <a:picLocks noChangeAspect="1"/>
-          </p:cNvPicPr>
-          <p:nvPr/>
-        </p:nvPicPr>
-        <p:blipFill>
-          <a:blip r:embed="rId2" cstate="print">
-            <a:extLst>
-              <a:ext uri="{28A0092B-C50C-407E-A947-70E740481C1C}">
-                <a14:useLocalDpi xmlns:a14="http://schemas.microsoft.com/office/drawing/2010/main" val="0"/>
-              </a:ext>
-            </a:extLst>
-          </a:blip>
-          <a:stretch>
-            <a:fillRect/>
-          </a:stretch>
-        </p:blipFill>
-        <p:spPr>
-          <a:xfrm>
-            <a:off x="10602142" y="920672"/>
-            <a:ext cx="1589858" cy="650549"/>
-          </a:xfrm>
-          <a:prstGeom prst="rect">
-            <a:avLst/>
-          </a:prstGeom>
-        </p:spPr>
-      </p:pic>
+          <a:bodyPr/>
+          <a:lstStyle/>
+          <a:p>
+            <a:endParaRPr lang="pt-BR"/>
+          </a:p>
+        </p:txBody>
+      </p:sp>
     </p:spTree>
     <p:extLst>
       <p:ext uri="{BB962C8B-B14F-4D97-AF65-F5344CB8AC3E}">
-        <p14:creationId xmlns:p14="http://schemas.microsoft.com/office/powerpoint/2010/main" val="2857918926"/>
+        <p14:creationId xmlns:p14="http://schemas.microsoft.com/office/powerpoint/2010/main" val="1617949282"/>
       </p:ext>
     </p:extLst>
   </p:cSld>
@@ -8834,93 +9320,20 @@
           <a:p>
             <a:r>
               <a:rPr lang="pt-BR" dirty="0"/>
-              <a:t>Integração Contínua</a:t>
-            </a:r>
-          </a:p>
-        </p:txBody>
-      </p:sp>
-      <p:sp>
-        <p:nvSpPr>
-          <p:cNvPr id="3" name="Espaço Reservado para Conteúdo 2"/>
-          <p:cNvSpPr>
-            <a:spLocks noGrp="1"/>
-          </p:cNvSpPr>
-          <p:nvPr>
-            <p:ph idx="1"/>
-          </p:nvPr>
-        </p:nvSpPr>
-        <p:spPr/>
-        <p:txBody>
-          <a:bodyPr vert="horz" lIns="91440" tIns="45720" rIns="91440" bIns="45720" rtlCol="0" anchor="t">
-            <a:normAutofit/>
-          </a:bodyPr>
-          <a:lstStyle/>
-          <a:p>
-            <a:r>
-              <a:rPr lang="pt-BR" dirty="0"/>
-              <a:t>Ter um serviço </a:t>
-            </a:r>
-            <a:r>
-              <a:rPr lang="pt-BR" dirty="0" smtClean="0"/>
-              <a:t>capaz realizar </a:t>
-            </a:r>
-            <a:r>
-              <a:rPr lang="pt-BR" dirty="0"/>
-              <a:t>os processos de Integração Contínua:</a:t>
-            </a:r>
-            <a:endParaRPr lang="en-US" dirty="0"/>
-          </a:p>
-          <a:p>
-            <a:pPr lvl="1"/>
-            <a:r>
-              <a:rPr lang="pt-BR" dirty="0"/>
-              <a:t>Controle de Versão;</a:t>
-            </a:r>
-          </a:p>
-          <a:p>
-            <a:pPr lvl="1"/>
-            <a:r>
-              <a:rPr lang="pt-BR" dirty="0"/>
-              <a:t>Construções;</a:t>
-            </a:r>
-            <a:endParaRPr lang="en-US" dirty="0"/>
-          </a:p>
-          <a:p>
-            <a:pPr lvl="1"/>
-            <a:r>
-              <a:rPr lang="pt-BR" dirty="0"/>
-              <a:t>Validações;</a:t>
-            </a:r>
-            <a:endParaRPr lang="en-US" dirty="0"/>
-          </a:p>
-          <a:p>
-            <a:pPr lvl="1"/>
-            <a:r>
-              <a:rPr lang="pt-BR" dirty="0"/>
-              <a:t>Testes; e</a:t>
-            </a:r>
-            <a:endParaRPr lang="en-US" dirty="0"/>
-          </a:p>
-          <a:p>
-            <a:pPr lvl="1"/>
-            <a:r>
-              <a:rPr lang="pt-BR" dirty="0" err="1"/>
-              <a:t>Deploy</a:t>
-            </a:r>
-            <a:r>
-              <a:rPr lang="pt-BR" dirty="0"/>
-              <a:t>. </a:t>
+              <a:t>Tecnologias Utilizadas</a:t>
             </a:r>
           </a:p>
         </p:txBody>
       </p:sp>
       <p:pic>
         <p:nvPicPr>
-          <p:cNvPr id="4" name="Imagem 3"/>
+          <p:cNvPr id="12" name="Espaço Reservado para Conteúdo 11"/>
           <p:cNvPicPr>
-            <a:picLocks noChangeAspect="1"/>
+            <a:picLocks noGrp="1" noChangeAspect="1"/>
           </p:cNvPicPr>
-          <p:nvPr/>
+          <p:nvPr>
+            <p:ph idx="1"/>
+          </p:nvPr>
         </p:nvPicPr>
         <p:blipFill>
           <a:blip r:embed="rId2">
@@ -8936,24 +9349,21 @@
         </p:blipFill>
         <p:spPr>
           <a:xfrm>
-            <a:off x="5238206" y="3324709"/>
-            <a:ext cx="5055976" cy="2611480"/>
-          </a:xfrm>
-          <a:prstGeom prst="rect">
-            <a:avLst/>
-          </a:prstGeom>
+            <a:off x="454876" y="2248512"/>
+            <a:ext cx="3672987" cy="1138626"/>
+          </a:xfrm>
         </p:spPr>
       </p:pic>
       <p:sp>
         <p:nvSpPr>
-          <p:cNvPr id="5" name="Retângulo 4"/>
+          <p:cNvPr id="4" name="Retângulo 3"/>
           <p:cNvSpPr/>
           <p:nvPr/>
         </p:nvSpPr>
         <p:spPr>
           <a:xfrm>
             <a:off x="680321" y="250521"/>
-            <a:ext cx="3384516" cy="369332"/>
+            <a:ext cx="2231701" cy="369332"/>
           </a:xfrm>
           <a:prstGeom prst="rect">
             <a:avLst/>
@@ -8971,14 +9381,14 @@
             </a:pPr>
             <a:r>
               <a:rPr lang="pt-BR" dirty="0"/>
-              <a:t>Levantamento de Requisitos</a:t>
+              <a:t>Desenvolvimento</a:t>
             </a:r>
           </a:p>
         </p:txBody>
       </p:sp>
       <p:pic>
         <p:nvPicPr>
-          <p:cNvPr id="6" name="Imagem 5"/>
+          <p:cNvPr id="13" name="Imagem 12"/>
           <p:cNvPicPr>
             <a:picLocks noChangeAspect="1"/>
           </p:cNvPicPr>
@@ -8998,6 +9408,216 @@
         </p:blipFill>
         <p:spPr>
           <a:xfrm>
+            <a:off x="4372388" y="2527367"/>
+            <a:ext cx="2211292" cy="1972852"/>
+          </a:xfrm>
+          <a:prstGeom prst="rect">
+            <a:avLst/>
+          </a:prstGeom>
+        </p:spPr>
+      </p:pic>
+      <p:pic>
+        <p:nvPicPr>
+          <p:cNvPr id="14" name="Imagem 13"/>
+          <p:cNvPicPr>
+            <a:picLocks noChangeAspect="1"/>
+          </p:cNvPicPr>
+          <p:nvPr/>
+        </p:nvPicPr>
+        <p:blipFill>
+          <a:blip r:embed="rId4" cstate="print">
+            <a:extLst>
+              <a:ext uri="{28A0092B-C50C-407E-A947-70E740481C1C}">
+                <a14:useLocalDpi xmlns:a14="http://schemas.microsoft.com/office/drawing/2010/main" val="0"/>
+              </a:ext>
+            </a:extLst>
+          </a:blip>
+          <a:stretch>
+            <a:fillRect/>
+          </a:stretch>
+        </p:blipFill>
+        <p:spPr>
+          <a:xfrm>
+            <a:off x="6806399" y="2248512"/>
+            <a:ext cx="3487783" cy="816780"/>
+          </a:xfrm>
+          <a:prstGeom prst="rect">
+            <a:avLst/>
+          </a:prstGeom>
+        </p:spPr>
+      </p:pic>
+      <p:pic>
+        <p:nvPicPr>
+          <p:cNvPr id="16" name="Imagem 15"/>
+          <p:cNvPicPr>
+            <a:picLocks noChangeAspect="1"/>
+          </p:cNvPicPr>
+          <p:nvPr/>
+        </p:nvPicPr>
+        <p:blipFill>
+          <a:blip r:embed="rId5">
+            <a:extLst>
+              <a:ext uri="{28A0092B-C50C-407E-A947-70E740481C1C}">
+                <a14:useLocalDpi xmlns:a14="http://schemas.microsoft.com/office/drawing/2010/main" val="0"/>
+              </a:ext>
+            </a:extLst>
+          </a:blip>
+          <a:stretch>
+            <a:fillRect/>
+          </a:stretch>
+        </p:blipFill>
+        <p:spPr>
+          <a:xfrm>
+            <a:off x="751733" y="3588783"/>
+            <a:ext cx="2231701" cy="1406535"/>
+          </a:xfrm>
+          <a:prstGeom prst="rect">
+            <a:avLst/>
+          </a:prstGeom>
+        </p:spPr>
+      </p:pic>
+      <p:pic>
+        <p:nvPicPr>
+          <p:cNvPr id="18" name="Imagem 17"/>
+          <p:cNvPicPr>
+            <a:picLocks noChangeAspect="1"/>
+          </p:cNvPicPr>
+          <p:nvPr/>
+        </p:nvPicPr>
+        <p:blipFill>
+          <a:blip r:embed="rId6" cstate="print">
+            <a:extLst>
+              <a:ext uri="{28A0092B-C50C-407E-A947-70E740481C1C}">
+                <a14:useLocalDpi xmlns:a14="http://schemas.microsoft.com/office/drawing/2010/main" val="0"/>
+              </a:ext>
+            </a:extLst>
+          </a:blip>
+          <a:stretch>
+            <a:fillRect/>
+          </a:stretch>
+        </p:blipFill>
+        <p:spPr>
+          <a:xfrm>
+            <a:off x="4233722" y="3938990"/>
+            <a:ext cx="2816873" cy="2112655"/>
+          </a:xfrm>
+          <a:prstGeom prst="rect">
+            <a:avLst/>
+          </a:prstGeom>
+        </p:spPr>
+      </p:pic>
+      <p:pic>
+        <p:nvPicPr>
+          <p:cNvPr id="20" name="Imagem 19"/>
+          <p:cNvPicPr>
+            <a:picLocks noChangeAspect="1"/>
+          </p:cNvPicPr>
+          <p:nvPr/>
+        </p:nvPicPr>
+        <p:blipFill>
+          <a:blip r:embed="rId7">
+            <a:extLst>
+              <a:ext uri="{28A0092B-C50C-407E-A947-70E740481C1C}">
+                <a14:useLocalDpi xmlns:a14="http://schemas.microsoft.com/office/drawing/2010/main" val="0"/>
+              </a:ext>
+            </a:extLst>
+          </a:blip>
+          <a:stretch>
+            <a:fillRect/>
+          </a:stretch>
+        </p:blipFill>
+        <p:spPr>
+          <a:xfrm>
+            <a:off x="8798484" y="3456594"/>
+            <a:ext cx="2151982" cy="1119030"/>
+          </a:xfrm>
+          <a:prstGeom prst="rect">
+            <a:avLst/>
+          </a:prstGeom>
+        </p:spPr>
+      </p:pic>
+      <p:pic>
+        <p:nvPicPr>
+          <p:cNvPr id="21" name="Imagem 20"/>
+          <p:cNvPicPr>
+            <a:picLocks noChangeAspect="1"/>
+          </p:cNvPicPr>
+          <p:nvPr/>
+        </p:nvPicPr>
+        <p:blipFill>
+          <a:blip r:embed="rId8">
+            <a:extLst>
+              <a:ext uri="{28A0092B-C50C-407E-A947-70E740481C1C}">
+                <a14:useLocalDpi xmlns:a14="http://schemas.microsoft.com/office/drawing/2010/main" val="0"/>
+              </a:ext>
+            </a:extLst>
+          </a:blip>
+          <a:stretch>
+            <a:fillRect/>
+          </a:stretch>
+        </p:blipFill>
+        <p:spPr>
+          <a:xfrm>
+            <a:off x="7486523" y="4687720"/>
+            <a:ext cx="2139758" cy="1890372"/>
+          </a:xfrm>
+          <a:prstGeom prst="rect">
+            <a:avLst/>
+          </a:prstGeom>
+        </p:spPr>
+      </p:pic>
+      <p:pic>
+        <p:nvPicPr>
+          <p:cNvPr id="22" name="Imagem 21"/>
+          <p:cNvPicPr>
+            <a:picLocks noChangeAspect="1"/>
+          </p:cNvPicPr>
+          <p:nvPr/>
+        </p:nvPicPr>
+        <p:blipFill>
+          <a:blip r:embed="rId9" cstate="print">
+            <a:extLst>
+              <a:ext uri="{28A0092B-C50C-407E-A947-70E740481C1C}">
+                <a14:useLocalDpi xmlns:a14="http://schemas.microsoft.com/office/drawing/2010/main" val="0"/>
+              </a:ext>
+            </a:extLst>
+          </a:blip>
+          <a:stretch>
+            <a:fillRect/>
+          </a:stretch>
+        </p:blipFill>
+        <p:spPr>
+          <a:xfrm>
+            <a:off x="1394588" y="5423830"/>
+            <a:ext cx="2213990" cy="971777"/>
+          </a:xfrm>
+          <a:prstGeom prst="rect">
+            <a:avLst/>
+          </a:prstGeom>
+        </p:spPr>
+      </p:pic>
+      <p:pic>
+        <p:nvPicPr>
+          <p:cNvPr id="15" name="Imagem 14"/>
+          <p:cNvPicPr>
+            <a:picLocks noChangeAspect="1"/>
+          </p:cNvPicPr>
+          <p:nvPr/>
+        </p:nvPicPr>
+        <p:blipFill>
+          <a:blip r:embed="rId10" cstate="print">
+            <a:extLst>
+              <a:ext uri="{28A0092B-C50C-407E-A947-70E740481C1C}">
+                <a14:useLocalDpi xmlns:a14="http://schemas.microsoft.com/office/drawing/2010/main" val="0"/>
+              </a:ext>
+            </a:extLst>
+          </a:blip>
+          <a:stretch>
+            <a:fillRect/>
+          </a:stretch>
+        </p:blipFill>
+        <p:spPr>
+          <a:xfrm>
             <a:off x="10602142" y="920672"/>
             <a:ext cx="1589858" cy="650549"/>
           </a:xfrm>
@@ -9009,7 +9629,7 @@
     </p:spTree>
     <p:extLst>
       <p:ext uri="{BB962C8B-B14F-4D97-AF65-F5344CB8AC3E}">
-        <p14:creationId xmlns:p14="http://schemas.microsoft.com/office/powerpoint/2010/main" val="3480261159"/>
+        <p14:creationId xmlns:p14="http://schemas.microsoft.com/office/powerpoint/2010/main" val="1196947794"/>
       </p:ext>
     </p:extLst>
   </p:cSld>
@@ -9052,442 +9672,16 @@
           <a:lstStyle/>
           <a:p>
             <a:r>
-              <a:rPr lang="pt-BR" dirty="0"/>
-              <a:t>Interface de Monitoramento</a:t>
-            </a:r>
-          </a:p>
-        </p:txBody>
-      </p:sp>
-      <p:sp>
-        <p:nvSpPr>
-          <p:cNvPr id="3" name="Espaço Reservado para Conteúdo 2"/>
-          <p:cNvSpPr>
-            <a:spLocks noGrp="1"/>
-          </p:cNvSpPr>
-          <p:nvPr>
-            <p:ph idx="1"/>
-          </p:nvPr>
-        </p:nvSpPr>
-        <p:spPr/>
-        <p:txBody>
-          <a:bodyPr/>
-          <a:lstStyle/>
-          <a:p>
-            <a:r>
               <a:rPr lang="pt-BR" dirty="0" smtClean="0"/>
-              <a:t>Monitoramento de recurso em </a:t>
-            </a:r>
-            <a:r>
-              <a:rPr lang="pt-BR" dirty="0"/>
-              <a:t>tempo </a:t>
-            </a:r>
-            <a:r>
-              <a:rPr lang="pt-BR" dirty="0" smtClean="0"/>
-              <a:t>real, </a:t>
-            </a:r>
-          </a:p>
-          <a:p>
-            <a:pPr lvl="1"/>
-            <a:r>
-              <a:rPr lang="pt-BR" dirty="0" smtClean="0"/>
-              <a:t>Memória;</a:t>
-            </a:r>
-          </a:p>
-          <a:p>
-            <a:pPr lvl="1"/>
-            <a:r>
-              <a:rPr lang="pt-BR" dirty="0" smtClean="0"/>
-              <a:t>Processador;</a:t>
-            </a:r>
-          </a:p>
-          <a:p>
-            <a:pPr lvl="1"/>
-            <a:r>
-              <a:rPr lang="pt-BR" dirty="0" smtClean="0"/>
-              <a:t>Entrada </a:t>
-            </a:r>
-            <a:r>
-              <a:rPr lang="pt-BR" dirty="0"/>
-              <a:t>e saída </a:t>
-            </a:r>
-            <a:r>
-              <a:rPr lang="pt-BR" dirty="0" smtClean="0"/>
-              <a:t>dados;</a:t>
-            </a:r>
-          </a:p>
-          <a:p>
-            <a:pPr lvl="1"/>
-            <a:r>
-              <a:rPr lang="pt-BR" dirty="0" smtClean="0"/>
-              <a:t>Consumo </a:t>
-            </a:r>
-            <a:r>
-              <a:rPr lang="pt-BR" dirty="0"/>
-              <a:t>de </a:t>
-            </a:r>
-            <a:r>
-              <a:rPr lang="pt-BR" dirty="0" smtClean="0"/>
-              <a:t>network.</a:t>
-            </a:r>
-          </a:p>
-          <a:p>
-            <a:r>
-              <a:rPr lang="pt-BR" dirty="0" smtClean="0"/>
-              <a:t>Monitorar o estado dos containers, exibindo se os mesmos estão ativos ou não. </a:t>
-            </a:r>
-          </a:p>
-          <a:p>
+              <a:t>Arquitetura com Base na Solução</a:t>
+            </a:r>
             <a:endParaRPr lang="pt-BR" dirty="0"/>
-          </a:p>
-          <a:p>
-            <a:endParaRPr lang="pt-BR" dirty="0"/>
-          </a:p>
-        </p:txBody>
-      </p:sp>
-      <p:sp>
-        <p:nvSpPr>
-          <p:cNvPr id="4" name="Retângulo 3"/>
-          <p:cNvSpPr/>
-          <p:nvPr/>
-        </p:nvSpPr>
-        <p:spPr>
-          <a:xfrm>
-            <a:off x="680321" y="250521"/>
-            <a:ext cx="3384516" cy="369332"/>
-          </a:xfrm>
-          <a:prstGeom prst="rect">
-            <a:avLst/>
-          </a:prstGeom>
-        </p:spPr>
-        <p:txBody>
-          <a:bodyPr wrap="none">
-            <a:spAutoFit/>
-          </a:bodyPr>
-          <a:lstStyle/>
-          <a:p>
-            <a:pPr marL="285750" indent="-285750">
-              <a:buFont typeface="Arial" panose="020B0604020202020204" pitchFamily="34" charset="0"/>
-              <a:buChar char="•"/>
-            </a:pPr>
-            <a:r>
-              <a:rPr lang="pt-BR" dirty="0"/>
-              <a:t>Levantamento de Requisitos</a:t>
-            </a:r>
           </a:p>
         </p:txBody>
       </p:sp>
       <p:pic>
         <p:nvPicPr>
-          <p:cNvPr id="5" name="Imagem 4"/>
-          <p:cNvPicPr>
-            <a:picLocks noChangeAspect="1"/>
-          </p:cNvPicPr>
-          <p:nvPr/>
-        </p:nvPicPr>
-        <p:blipFill>
-          <a:blip r:embed="rId2" cstate="print">
-            <a:extLst>
-              <a:ext uri="{28A0092B-C50C-407E-A947-70E740481C1C}">
-                <a14:useLocalDpi xmlns:a14="http://schemas.microsoft.com/office/drawing/2010/main" val="0"/>
-              </a:ext>
-            </a:extLst>
-          </a:blip>
-          <a:stretch>
-            <a:fillRect/>
-          </a:stretch>
-        </p:blipFill>
-        <p:spPr>
-          <a:xfrm>
-            <a:off x="10602142" y="920672"/>
-            <a:ext cx="1589858" cy="650549"/>
-          </a:xfrm>
-          <a:prstGeom prst="rect">
-            <a:avLst/>
-          </a:prstGeom>
-        </p:spPr>
-      </p:pic>
-    </p:spTree>
-    <p:extLst>
-      <p:ext uri="{BB962C8B-B14F-4D97-AF65-F5344CB8AC3E}">
-        <p14:creationId xmlns:p14="http://schemas.microsoft.com/office/powerpoint/2010/main" val="3720204878"/>
-      </p:ext>
-    </p:extLst>
-  </p:cSld>
-  <p:clrMapOvr>
-    <a:masterClrMapping/>
-  </p:clrMapOvr>
-</p:sld>
-</file>
-
-<file path=ppt/slides/slide14.xml><?xml version="1.0" encoding="utf-8"?>
-<p:sld xmlns:a="http://schemas.openxmlformats.org/drawingml/2006/main" xmlns:r="http://schemas.openxmlformats.org/officeDocument/2006/relationships" xmlns:p="http://schemas.openxmlformats.org/presentationml/2006/main">
-  <p:cSld>
-    <p:spTree>
-      <p:nvGrpSpPr>
-        <p:cNvPr id="1" name=""/>
-        <p:cNvGrpSpPr/>
-        <p:nvPr/>
-      </p:nvGrpSpPr>
-      <p:grpSpPr>
-        <a:xfrm>
-          <a:off x="0" y="0"/>
-          <a:ext cx="0" cy="0"/>
-          <a:chOff x="0" y="0"/>
-          <a:chExt cx="0" cy="0"/>
-        </a:xfrm>
-      </p:grpSpPr>
-      <p:sp>
-        <p:nvSpPr>
-          <p:cNvPr id="2" name="Título 1"/>
-          <p:cNvSpPr>
-            <a:spLocks noGrp="1"/>
-          </p:cNvSpPr>
-          <p:nvPr>
-            <p:ph type="title"/>
-          </p:nvPr>
-        </p:nvSpPr>
-        <p:spPr/>
-        <p:txBody>
-          <a:bodyPr/>
-          <a:lstStyle/>
-          <a:p>
-            <a:r>
-              <a:rPr lang="pt-BR" dirty="0"/>
-              <a:t>Quantidade e Escalabilidade</a:t>
-            </a:r>
-          </a:p>
-        </p:txBody>
-      </p:sp>
-      <p:sp>
-        <p:nvSpPr>
-          <p:cNvPr id="3" name="Espaço Reservado para Conteúdo 2"/>
-          <p:cNvSpPr>
-            <a:spLocks noGrp="1"/>
-          </p:cNvSpPr>
-          <p:nvPr>
-            <p:ph idx="1"/>
-          </p:nvPr>
-        </p:nvSpPr>
-        <p:spPr/>
-        <p:txBody>
-          <a:bodyPr>
-            <a:normAutofit/>
-          </a:bodyPr>
-          <a:lstStyle/>
-          <a:p>
-            <a:pPr hangingPunct="0"/>
-            <a:r>
-              <a:rPr lang="pt-BR" dirty="0" smtClean="0"/>
-              <a:t>Plataforma escalável, com garantia da plataforma estar sempre disponível aos usuários com qualidade. </a:t>
-            </a:r>
-            <a:endParaRPr lang="pt-BR" dirty="0"/>
-          </a:p>
-          <a:p>
-            <a:pPr hangingPunct="0"/>
-            <a:r>
-              <a:rPr lang="pt-BR" dirty="0" smtClean="0"/>
-              <a:t>Estar disponível a 200 </a:t>
-            </a:r>
-            <a:r>
-              <a:rPr lang="pt-BR" dirty="0" err="1"/>
-              <a:t>ETECs</a:t>
-            </a:r>
-            <a:r>
-              <a:rPr lang="pt-BR" dirty="0"/>
-              <a:t>, 70 </a:t>
-            </a:r>
-            <a:r>
-              <a:rPr lang="pt-BR" dirty="0" err="1"/>
-              <a:t>FATECs</a:t>
-            </a:r>
-            <a:r>
-              <a:rPr lang="pt-BR" dirty="0"/>
-              <a:t>, cada uma oferecendo seus cursos, sendo estes, com em média 40 alunos matriculados</a:t>
-            </a:r>
-            <a:r>
-              <a:rPr lang="pt-BR" dirty="0" smtClean="0"/>
-              <a:t>.</a:t>
-            </a:r>
-          </a:p>
-          <a:p>
-            <a:pPr marL="228600" lvl="1" hangingPunct="0">
-              <a:spcBef>
-                <a:spcPts val="1000"/>
-              </a:spcBef>
-            </a:pPr>
-            <a:r>
-              <a:rPr lang="pt-BR" dirty="0"/>
-              <a:t>FATEC de São José dos </a:t>
-            </a:r>
-            <a:r>
-              <a:rPr lang="pt-BR" dirty="0" smtClean="0"/>
-              <a:t>Campos</a:t>
-            </a:r>
-          </a:p>
-          <a:p>
-            <a:pPr marL="685800" lvl="2" hangingPunct="0">
-              <a:spcBef>
-                <a:spcPts val="1000"/>
-              </a:spcBef>
-            </a:pPr>
-            <a:r>
-              <a:rPr lang="pt-BR" dirty="0" smtClean="0"/>
-              <a:t>Cursos: 7;</a:t>
-            </a:r>
-          </a:p>
-          <a:p>
-            <a:pPr marL="685800" lvl="2" hangingPunct="0">
-              <a:spcBef>
-                <a:spcPts val="1000"/>
-              </a:spcBef>
-            </a:pPr>
-            <a:r>
-              <a:rPr lang="pt-BR" dirty="0" smtClean="0"/>
-              <a:t>Alunos por curso: 40 alunos;</a:t>
-            </a:r>
-          </a:p>
-          <a:p>
-            <a:pPr marL="685800" lvl="2" hangingPunct="0">
-              <a:spcBef>
-                <a:spcPts val="1000"/>
-              </a:spcBef>
-            </a:pPr>
-            <a:r>
-              <a:rPr lang="pt-BR" dirty="0" smtClean="0"/>
-              <a:t>Quantidade de Acesso Simultâneo: aproximadamente 360 alunos ingressantes.</a:t>
-            </a:r>
-          </a:p>
-          <a:p>
-            <a:pPr marL="685800" lvl="2" hangingPunct="0">
-              <a:spcBef>
-                <a:spcPts val="1000"/>
-              </a:spcBef>
-            </a:pPr>
-            <a:r>
-              <a:rPr lang="pt-BR" dirty="0" smtClean="0"/>
-              <a:t>Disponibilidade: Acesso a qualquer momento e de qualquer lugar.</a:t>
-            </a:r>
-            <a:endParaRPr lang="pt-BR" dirty="0"/>
-          </a:p>
-        </p:txBody>
-      </p:sp>
-      <p:sp>
-        <p:nvSpPr>
-          <p:cNvPr id="4" name="Retângulo 3"/>
-          <p:cNvSpPr/>
-          <p:nvPr/>
-        </p:nvSpPr>
-        <p:spPr>
-          <a:xfrm>
-            <a:off x="680321" y="250521"/>
-            <a:ext cx="3384516" cy="369332"/>
-          </a:xfrm>
-          <a:prstGeom prst="rect">
-            <a:avLst/>
-          </a:prstGeom>
-        </p:spPr>
-        <p:txBody>
-          <a:bodyPr wrap="none">
-            <a:spAutoFit/>
-          </a:bodyPr>
-          <a:lstStyle/>
-          <a:p>
-            <a:pPr marL="285750" indent="-285750">
-              <a:buFont typeface="Arial" panose="020B0604020202020204" pitchFamily="34" charset="0"/>
-              <a:buChar char="•"/>
-            </a:pPr>
-            <a:r>
-              <a:rPr lang="pt-BR" dirty="0"/>
-              <a:t>Levantamento de Requisitos</a:t>
-            </a:r>
-          </a:p>
-        </p:txBody>
-      </p:sp>
-      <p:pic>
-        <p:nvPicPr>
-          <p:cNvPr id="5" name="Imagem 4"/>
-          <p:cNvPicPr>
-            <a:picLocks noChangeAspect="1"/>
-          </p:cNvPicPr>
-          <p:nvPr/>
-        </p:nvPicPr>
-        <p:blipFill>
-          <a:blip r:embed="rId2" cstate="print">
-            <a:extLst>
-              <a:ext uri="{28A0092B-C50C-407E-A947-70E740481C1C}">
-                <a14:useLocalDpi xmlns:a14="http://schemas.microsoft.com/office/drawing/2010/main" val="0"/>
-              </a:ext>
-            </a:extLst>
-          </a:blip>
-          <a:stretch>
-            <a:fillRect/>
-          </a:stretch>
-        </p:blipFill>
-        <p:spPr>
-          <a:xfrm>
-            <a:off x="10602142" y="920672"/>
-            <a:ext cx="1589858" cy="650549"/>
-          </a:xfrm>
-          <a:prstGeom prst="rect">
-            <a:avLst/>
-          </a:prstGeom>
-        </p:spPr>
-      </p:pic>
-    </p:spTree>
-    <p:extLst>
-      <p:ext uri="{BB962C8B-B14F-4D97-AF65-F5344CB8AC3E}">
-        <p14:creationId xmlns:p14="http://schemas.microsoft.com/office/powerpoint/2010/main" val="3227115249"/>
-      </p:ext>
-    </p:extLst>
-  </p:cSld>
-  <p:clrMapOvr>
-    <a:masterClrMapping/>
-  </p:clrMapOvr>
-</p:sld>
-</file>
-
-<file path=ppt/slides/slide15.xml><?xml version="1.0" encoding="utf-8"?>
-<p:sld xmlns:a="http://schemas.openxmlformats.org/drawingml/2006/main" xmlns:r="http://schemas.openxmlformats.org/officeDocument/2006/relationships" xmlns:p="http://schemas.openxmlformats.org/presentationml/2006/main">
-  <p:cSld>
-    <p:spTree>
-      <p:nvGrpSpPr>
-        <p:cNvPr id="1" name=""/>
-        <p:cNvGrpSpPr/>
-        <p:nvPr/>
-      </p:nvGrpSpPr>
-      <p:grpSpPr>
-        <a:xfrm>
-          <a:off x="0" y="0"/>
-          <a:ext cx="0" cy="0"/>
-          <a:chOff x="0" y="0"/>
-          <a:chExt cx="0" cy="0"/>
-        </a:xfrm>
-      </p:grpSpPr>
-      <p:sp>
-        <p:nvSpPr>
-          <p:cNvPr id="2" name="Título 1"/>
-          <p:cNvSpPr>
-            <a:spLocks noGrp="1"/>
-          </p:cNvSpPr>
-          <p:nvPr>
-            <p:ph type="title"/>
-          </p:nvPr>
-        </p:nvSpPr>
-        <p:spPr/>
-        <p:txBody>
-          <a:bodyPr/>
-          <a:lstStyle/>
-          <a:p>
-            <a:r>
-              <a:rPr lang="pt-BR" dirty="0"/>
-              <a:t>Arquitetura com Base no Requisito</a:t>
-            </a:r>
-          </a:p>
-        </p:txBody>
-      </p:sp>
-      <p:pic>
-        <p:nvPicPr>
-          <p:cNvPr id="5" name="Espaço Reservado para Conteúdo 4"/>
+          <p:cNvPr id="4" name="Espaço Reservado para Conteúdo 3"/>
           <p:cNvPicPr>
             <a:picLocks noGrp="1" noChangeAspect="1"/>
           </p:cNvPicPr>
@@ -9509,21 +9703,21 @@
         </p:blipFill>
         <p:spPr>
           <a:xfrm>
-            <a:off x="2049463" y="2521744"/>
-            <a:ext cx="6877050" cy="3228975"/>
+            <a:off x="2160564" y="2661265"/>
+            <a:ext cx="7008809" cy="3598863"/>
           </a:xfrm>
         </p:spPr>
       </p:pic>
       <p:sp>
         <p:nvSpPr>
-          <p:cNvPr id="4" name="Retângulo 3"/>
+          <p:cNvPr id="5" name="Retângulo 4"/>
           <p:cNvSpPr/>
           <p:nvPr/>
         </p:nvSpPr>
         <p:spPr>
           <a:xfrm>
-            <a:off x="680321" y="252848"/>
-            <a:ext cx="3384516" cy="369332"/>
+            <a:off x="680321" y="250521"/>
+            <a:ext cx="2231701" cy="369332"/>
           </a:xfrm>
           <a:prstGeom prst="rect">
             <a:avLst/>
@@ -9541,7 +9735,7 @@
             </a:pPr>
             <a:r>
               <a:rPr lang="pt-BR" dirty="0"/>
-              <a:t>Levantamento de Requisitos</a:t>
+              <a:t>Desenvolvimento</a:t>
             </a:r>
           </a:p>
         </p:txBody>
@@ -9579,574 +9773,6 @@
     </p:spTree>
     <p:extLst>
       <p:ext uri="{BB962C8B-B14F-4D97-AF65-F5344CB8AC3E}">
-        <p14:creationId xmlns:p14="http://schemas.microsoft.com/office/powerpoint/2010/main" val="1268492596"/>
-      </p:ext>
-    </p:extLst>
-  </p:cSld>
-  <p:clrMapOvr>
-    <a:masterClrMapping/>
-  </p:clrMapOvr>
-</p:sld>
-</file>
-
-<file path=ppt/slides/slide16.xml><?xml version="1.0" encoding="utf-8"?>
-<p:sld xmlns:a="http://schemas.openxmlformats.org/drawingml/2006/main" xmlns:r="http://schemas.openxmlformats.org/officeDocument/2006/relationships" xmlns:p="http://schemas.openxmlformats.org/presentationml/2006/main">
-  <p:cSld>
-    <p:spTree>
-      <p:nvGrpSpPr>
-        <p:cNvPr id="1" name=""/>
-        <p:cNvGrpSpPr/>
-        <p:nvPr/>
-      </p:nvGrpSpPr>
-      <p:grpSpPr>
-        <a:xfrm>
-          <a:off x="0" y="0"/>
-          <a:ext cx="0" cy="0"/>
-          <a:chOff x="0" y="0"/>
-          <a:chExt cx="0" cy="0"/>
-        </a:xfrm>
-      </p:grpSpPr>
-      <p:sp>
-        <p:nvSpPr>
-          <p:cNvPr id="2" name="Título 1"/>
-          <p:cNvSpPr>
-            <a:spLocks noGrp="1"/>
-          </p:cNvSpPr>
-          <p:nvPr>
-            <p:ph type="ctrTitle"/>
-          </p:nvPr>
-        </p:nvSpPr>
-        <p:spPr/>
-        <p:txBody>
-          <a:bodyPr/>
-          <a:lstStyle/>
-          <a:p>
-            <a:r>
-              <a:rPr lang="pt-BR" dirty="0"/>
-              <a:t>Desenvolvimento</a:t>
-            </a:r>
-          </a:p>
-        </p:txBody>
-      </p:sp>
-      <p:sp>
-        <p:nvSpPr>
-          <p:cNvPr id="4" name="Subtítulo 3"/>
-          <p:cNvSpPr>
-            <a:spLocks noGrp="1"/>
-          </p:cNvSpPr>
-          <p:nvPr>
-            <p:ph type="subTitle" idx="1"/>
-          </p:nvPr>
-        </p:nvSpPr>
-        <p:spPr/>
-        <p:txBody>
-          <a:bodyPr/>
-          <a:lstStyle/>
-          <a:p>
-            <a:endParaRPr lang="pt-BR"/>
-          </a:p>
-        </p:txBody>
-      </p:sp>
-    </p:spTree>
-    <p:extLst>
-      <p:ext uri="{BB962C8B-B14F-4D97-AF65-F5344CB8AC3E}">
-        <p14:creationId xmlns:p14="http://schemas.microsoft.com/office/powerpoint/2010/main" val="1617949282"/>
-      </p:ext>
-    </p:extLst>
-  </p:cSld>
-  <p:clrMapOvr>
-    <a:masterClrMapping/>
-  </p:clrMapOvr>
-</p:sld>
-</file>
-
-<file path=ppt/slides/slide17.xml><?xml version="1.0" encoding="utf-8"?>
-<p:sld xmlns:a="http://schemas.openxmlformats.org/drawingml/2006/main" xmlns:r="http://schemas.openxmlformats.org/officeDocument/2006/relationships" xmlns:p="http://schemas.openxmlformats.org/presentationml/2006/main">
-  <p:cSld>
-    <p:spTree>
-      <p:nvGrpSpPr>
-        <p:cNvPr id="1" name=""/>
-        <p:cNvGrpSpPr/>
-        <p:nvPr/>
-      </p:nvGrpSpPr>
-      <p:grpSpPr>
-        <a:xfrm>
-          <a:off x="0" y="0"/>
-          <a:ext cx="0" cy="0"/>
-          <a:chOff x="0" y="0"/>
-          <a:chExt cx="0" cy="0"/>
-        </a:xfrm>
-      </p:grpSpPr>
-      <p:sp>
-        <p:nvSpPr>
-          <p:cNvPr id="2" name="Título 1"/>
-          <p:cNvSpPr>
-            <a:spLocks noGrp="1"/>
-          </p:cNvSpPr>
-          <p:nvPr>
-            <p:ph type="title"/>
-          </p:nvPr>
-        </p:nvSpPr>
-        <p:spPr/>
-        <p:txBody>
-          <a:bodyPr/>
-          <a:lstStyle/>
-          <a:p>
-            <a:r>
-              <a:rPr lang="pt-BR" dirty="0"/>
-              <a:t>Tecnologias Utilizadas</a:t>
-            </a:r>
-          </a:p>
-        </p:txBody>
-      </p:sp>
-      <p:pic>
-        <p:nvPicPr>
-          <p:cNvPr id="12" name="Espaço Reservado para Conteúdo 11"/>
-          <p:cNvPicPr>
-            <a:picLocks noGrp="1" noChangeAspect="1"/>
-          </p:cNvPicPr>
-          <p:nvPr>
-            <p:ph idx="1"/>
-          </p:nvPr>
-        </p:nvPicPr>
-        <p:blipFill>
-          <a:blip r:embed="rId2">
-            <a:extLst>
-              <a:ext uri="{28A0092B-C50C-407E-A947-70E740481C1C}">
-                <a14:useLocalDpi xmlns:a14="http://schemas.microsoft.com/office/drawing/2010/main" val="0"/>
-              </a:ext>
-            </a:extLst>
-          </a:blip>
-          <a:stretch>
-            <a:fillRect/>
-          </a:stretch>
-        </p:blipFill>
-        <p:spPr>
-          <a:xfrm>
-            <a:off x="454876" y="2248512"/>
-            <a:ext cx="3672987" cy="1138626"/>
-          </a:xfrm>
-        </p:spPr>
-      </p:pic>
-      <p:sp>
-        <p:nvSpPr>
-          <p:cNvPr id="4" name="Retângulo 3"/>
-          <p:cNvSpPr/>
-          <p:nvPr/>
-        </p:nvSpPr>
-        <p:spPr>
-          <a:xfrm>
-            <a:off x="680321" y="250521"/>
-            <a:ext cx="2231701" cy="369332"/>
-          </a:xfrm>
-          <a:prstGeom prst="rect">
-            <a:avLst/>
-          </a:prstGeom>
-        </p:spPr>
-        <p:txBody>
-          <a:bodyPr wrap="none">
-            <a:spAutoFit/>
-          </a:bodyPr>
-          <a:lstStyle/>
-          <a:p>
-            <a:pPr marL="285750" indent="-285750">
-              <a:buFont typeface="Arial" panose="020B0604020202020204" pitchFamily="34" charset="0"/>
-              <a:buChar char="•"/>
-            </a:pPr>
-            <a:r>
-              <a:rPr lang="pt-BR" dirty="0"/>
-              <a:t>Desenvolvimento</a:t>
-            </a:r>
-          </a:p>
-        </p:txBody>
-      </p:sp>
-      <p:pic>
-        <p:nvPicPr>
-          <p:cNvPr id="13" name="Imagem 12"/>
-          <p:cNvPicPr>
-            <a:picLocks noChangeAspect="1"/>
-          </p:cNvPicPr>
-          <p:nvPr/>
-        </p:nvPicPr>
-        <p:blipFill>
-          <a:blip r:embed="rId3" cstate="print">
-            <a:extLst>
-              <a:ext uri="{28A0092B-C50C-407E-A947-70E740481C1C}">
-                <a14:useLocalDpi xmlns:a14="http://schemas.microsoft.com/office/drawing/2010/main" val="0"/>
-              </a:ext>
-            </a:extLst>
-          </a:blip>
-          <a:stretch>
-            <a:fillRect/>
-          </a:stretch>
-        </p:blipFill>
-        <p:spPr>
-          <a:xfrm>
-            <a:off x="4372388" y="2527367"/>
-            <a:ext cx="2211292" cy="1972852"/>
-          </a:xfrm>
-          <a:prstGeom prst="rect">
-            <a:avLst/>
-          </a:prstGeom>
-        </p:spPr>
-      </p:pic>
-      <p:pic>
-        <p:nvPicPr>
-          <p:cNvPr id="14" name="Imagem 13"/>
-          <p:cNvPicPr>
-            <a:picLocks noChangeAspect="1"/>
-          </p:cNvPicPr>
-          <p:nvPr/>
-        </p:nvPicPr>
-        <p:blipFill>
-          <a:blip r:embed="rId4" cstate="print">
-            <a:extLst>
-              <a:ext uri="{28A0092B-C50C-407E-A947-70E740481C1C}">
-                <a14:useLocalDpi xmlns:a14="http://schemas.microsoft.com/office/drawing/2010/main" val="0"/>
-              </a:ext>
-            </a:extLst>
-          </a:blip>
-          <a:stretch>
-            <a:fillRect/>
-          </a:stretch>
-        </p:blipFill>
-        <p:spPr>
-          <a:xfrm>
-            <a:off x="6806399" y="2248512"/>
-            <a:ext cx="3487783" cy="816780"/>
-          </a:xfrm>
-          <a:prstGeom prst="rect">
-            <a:avLst/>
-          </a:prstGeom>
-        </p:spPr>
-      </p:pic>
-      <p:pic>
-        <p:nvPicPr>
-          <p:cNvPr id="16" name="Imagem 15"/>
-          <p:cNvPicPr>
-            <a:picLocks noChangeAspect="1"/>
-          </p:cNvPicPr>
-          <p:nvPr/>
-        </p:nvPicPr>
-        <p:blipFill>
-          <a:blip r:embed="rId5">
-            <a:extLst>
-              <a:ext uri="{28A0092B-C50C-407E-A947-70E740481C1C}">
-                <a14:useLocalDpi xmlns:a14="http://schemas.microsoft.com/office/drawing/2010/main" val="0"/>
-              </a:ext>
-            </a:extLst>
-          </a:blip>
-          <a:stretch>
-            <a:fillRect/>
-          </a:stretch>
-        </p:blipFill>
-        <p:spPr>
-          <a:xfrm>
-            <a:off x="751733" y="3588783"/>
-            <a:ext cx="2231701" cy="1406535"/>
-          </a:xfrm>
-          <a:prstGeom prst="rect">
-            <a:avLst/>
-          </a:prstGeom>
-        </p:spPr>
-      </p:pic>
-      <p:pic>
-        <p:nvPicPr>
-          <p:cNvPr id="18" name="Imagem 17"/>
-          <p:cNvPicPr>
-            <a:picLocks noChangeAspect="1"/>
-          </p:cNvPicPr>
-          <p:nvPr/>
-        </p:nvPicPr>
-        <p:blipFill>
-          <a:blip r:embed="rId6" cstate="print">
-            <a:extLst>
-              <a:ext uri="{28A0092B-C50C-407E-A947-70E740481C1C}">
-                <a14:useLocalDpi xmlns:a14="http://schemas.microsoft.com/office/drawing/2010/main" val="0"/>
-              </a:ext>
-            </a:extLst>
-          </a:blip>
-          <a:stretch>
-            <a:fillRect/>
-          </a:stretch>
-        </p:blipFill>
-        <p:spPr>
-          <a:xfrm>
-            <a:off x="4233722" y="3938990"/>
-            <a:ext cx="2816873" cy="2112655"/>
-          </a:xfrm>
-          <a:prstGeom prst="rect">
-            <a:avLst/>
-          </a:prstGeom>
-        </p:spPr>
-      </p:pic>
-      <p:pic>
-        <p:nvPicPr>
-          <p:cNvPr id="20" name="Imagem 19"/>
-          <p:cNvPicPr>
-            <a:picLocks noChangeAspect="1"/>
-          </p:cNvPicPr>
-          <p:nvPr/>
-        </p:nvPicPr>
-        <p:blipFill>
-          <a:blip r:embed="rId7">
-            <a:extLst>
-              <a:ext uri="{28A0092B-C50C-407E-A947-70E740481C1C}">
-                <a14:useLocalDpi xmlns:a14="http://schemas.microsoft.com/office/drawing/2010/main" val="0"/>
-              </a:ext>
-            </a:extLst>
-          </a:blip>
-          <a:stretch>
-            <a:fillRect/>
-          </a:stretch>
-        </p:blipFill>
-        <p:spPr>
-          <a:xfrm>
-            <a:off x="8798484" y="3456594"/>
-            <a:ext cx="2151982" cy="1119030"/>
-          </a:xfrm>
-          <a:prstGeom prst="rect">
-            <a:avLst/>
-          </a:prstGeom>
-        </p:spPr>
-      </p:pic>
-      <p:pic>
-        <p:nvPicPr>
-          <p:cNvPr id="21" name="Imagem 20"/>
-          <p:cNvPicPr>
-            <a:picLocks noChangeAspect="1"/>
-          </p:cNvPicPr>
-          <p:nvPr/>
-        </p:nvPicPr>
-        <p:blipFill>
-          <a:blip r:embed="rId8">
-            <a:extLst>
-              <a:ext uri="{28A0092B-C50C-407E-A947-70E740481C1C}">
-                <a14:useLocalDpi xmlns:a14="http://schemas.microsoft.com/office/drawing/2010/main" val="0"/>
-              </a:ext>
-            </a:extLst>
-          </a:blip>
-          <a:stretch>
-            <a:fillRect/>
-          </a:stretch>
-        </p:blipFill>
-        <p:spPr>
-          <a:xfrm>
-            <a:off x="7486523" y="4687720"/>
-            <a:ext cx="2139758" cy="1890372"/>
-          </a:xfrm>
-          <a:prstGeom prst="rect">
-            <a:avLst/>
-          </a:prstGeom>
-        </p:spPr>
-      </p:pic>
-      <p:pic>
-        <p:nvPicPr>
-          <p:cNvPr id="22" name="Imagem 21"/>
-          <p:cNvPicPr>
-            <a:picLocks noChangeAspect="1"/>
-          </p:cNvPicPr>
-          <p:nvPr/>
-        </p:nvPicPr>
-        <p:blipFill>
-          <a:blip r:embed="rId9" cstate="print">
-            <a:extLst>
-              <a:ext uri="{28A0092B-C50C-407E-A947-70E740481C1C}">
-                <a14:useLocalDpi xmlns:a14="http://schemas.microsoft.com/office/drawing/2010/main" val="0"/>
-              </a:ext>
-            </a:extLst>
-          </a:blip>
-          <a:stretch>
-            <a:fillRect/>
-          </a:stretch>
-        </p:blipFill>
-        <p:spPr>
-          <a:xfrm>
-            <a:off x="1394588" y="5423830"/>
-            <a:ext cx="2213990" cy="971777"/>
-          </a:xfrm>
-          <a:prstGeom prst="rect">
-            <a:avLst/>
-          </a:prstGeom>
-        </p:spPr>
-      </p:pic>
-      <p:pic>
-        <p:nvPicPr>
-          <p:cNvPr id="15" name="Imagem 14"/>
-          <p:cNvPicPr>
-            <a:picLocks noChangeAspect="1"/>
-          </p:cNvPicPr>
-          <p:nvPr/>
-        </p:nvPicPr>
-        <p:blipFill>
-          <a:blip r:embed="rId10" cstate="print">
-            <a:extLst>
-              <a:ext uri="{28A0092B-C50C-407E-A947-70E740481C1C}">
-                <a14:useLocalDpi xmlns:a14="http://schemas.microsoft.com/office/drawing/2010/main" val="0"/>
-              </a:ext>
-            </a:extLst>
-          </a:blip>
-          <a:stretch>
-            <a:fillRect/>
-          </a:stretch>
-        </p:blipFill>
-        <p:spPr>
-          <a:xfrm>
-            <a:off x="10602142" y="920672"/>
-            <a:ext cx="1589858" cy="650549"/>
-          </a:xfrm>
-          <a:prstGeom prst="rect">
-            <a:avLst/>
-          </a:prstGeom>
-        </p:spPr>
-      </p:pic>
-    </p:spTree>
-    <p:extLst>
-      <p:ext uri="{BB962C8B-B14F-4D97-AF65-F5344CB8AC3E}">
-        <p14:creationId xmlns:p14="http://schemas.microsoft.com/office/powerpoint/2010/main" val="1196947794"/>
-      </p:ext>
-    </p:extLst>
-  </p:cSld>
-  <p:clrMapOvr>
-    <a:masterClrMapping/>
-  </p:clrMapOvr>
-</p:sld>
-</file>
-
-<file path=ppt/slides/slide18.xml><?xml version="1.0" encoding="utf-8"?>
-<p:sld xmlns:a="http://schemas.openxmlformats.org/drawingml/2006/main" xmlns:r="http://schemas.openxmlformats.org/officeDocument/2006/relationships" xmlns:p="http://schemas.openxmlformats.org/presentationml/2006/main">
-  <p:cSld>
-    <p:spTree>
-      <p:nvGrpSpPr>
-        <p:cNvPr id="1" name=""/>
-        <p:cNvGrpSpPr/>
-        <p:nvPr/>
-      </p:nvGrpSpPr>
-      <p:grpSpPr>
-        <a:xfrm>
-          <a:off x="0" y="0"/>
-          <a:ext cx="0" cy="0"/>
-          <a:chOff x="0" y="0"/>
-          <a:chExt cx="0" cy="0"/>
-        </a:xfrm>
-      </p:grpSpPr>
-      <p:sp>
-        <p:nvSpPr>
-          <p:cNvPr id="2" name="Título 1"/>
-          <p:cNvSpPr>
-            <a:spLocks noGrp="1"/>
-          </p:cNvSpPr>
-          <p:nvPr>
-            <p:ph type="title"/>
-          </p:nvPr>
-        </p:nvSpPr>
-        <p:spPr/>
-        <p:txBody>
-          <a:bodyPr/>
-          <a:lstStyle/>
-          <a:p>
-            <a:r>
-              <a:rPr lang="pt-BR" dirty="0" smtClean="0"/>
-              <a:t>Arquitetura com Base na Solução</a:t>
-            </a:r>
-            <a:endParaRPr lang="pt-BR" dirty="0"/>
-          </a:p>
-        </p:txBody>
-      </p:sp>
-      <p:pic>
-        <p:nvPicPr>
-          <p:cNvPr id="4" name="Espaço Reservado para Conteúdo 3"/>
-          <p:cNvPicPr>
-            <a:picLocks noGrp="1" noChangeAspect="1"/>
-          </p:cNvPicPr>
-          <p:nvPr>
-            <p:ph idx="1"/>
-          </p:nvPr>
-        </p:nvPicPr>
-        <p:blipFill>
-          <a:blip r:embed="rId2">
-            <a:extLst>
-              <a:ext uri="{28A0092B-C50C-407E-A947-70E740481C1C}">
-                <a14:useLocalDpi xmlns:a14="http://schemas.microsoft.com/office/drawing/2010/main" val="0"/>
-              </a:ext>
-            </a:extLst>
-          </a:blip>
-          <a:stretch>
-            <a:fillRect/>
-          </a:stretch>
-        </p:blipFill>
-        <p:spPr>
-          <a:xfrm>
-            <a:off x="1983583" y="2336800"/>
-            <a:ext cx="7008809" cy="3598863"/>
-          </a:xfrm>
-        </p:spPr>
-      </p:pic>
-      <p:sp>
-        <p:nvSpPr>
-          <p:cNvPr id="5" name="Retângulo 4"/>
-          <p:cNvSpPr/>
-          <p:nvPr/>
-        </p:nvSpPr>
-        <p:spPr>
-          <a:xfrm>
-            <a:off x="680321" y="250521"/>
-            <a:ext cx="2231701" cy="369332"/>
-          </a:xfrm>
-          <a:prstGeom prst="rect">
-            <a:avLst/>
-          </a:prstGeom>
-        </p:spPr>
-        <p:txBody>
-          <a:bodyPr wrap="none">
-            <a:spAutoFit/>
-          </a:bodyPr>
-          <a:lstStyle/>
-          <a:p>
-            <a:pPr marL="285750" indent="-285750">
-              <a:buFont typeface="Arial" panose="020B0604020202020204" pitchFamily="34" charset="0"/>
-              <a:buChar char="•"/>
-            </a:pPr>
-            <a:r>
-              <a:rPr lang="pt-BR" dirty="0"/>
-              <a:t>Desenvolvimento</a:t>
-            </a:r>
-          </a:p>
-        </p:txBody>
-      </p:sp>
-      <p:pic>
-        <p:nvPicPr>
-          <p:cNvPr id="6" name="Imagem 5"/>
-          <p:cNvPicPr>
-            <a:picLocks noChangeAspect="1"/>
-          </p:cNvPicPr>
-          <p:nvPr/>
-        </p:nvPicPr>
-        <p:blipFill>
-          <a:blip r:embed="rId3" cstate="print">
-            <a:extLst>
-              <a:ext uri="{28A0092B-C50C-407E-A947-70E740481C1C}">
-                <a14:useLocalDpi xmlns:a14="http://schemas.microsoft.com/office/drawing/2010/main" val="0"/>
-              </a:ext>
-            </a:extLst>
-          </a:blip>
-          <a:stretch>
-            <a:fillRect/>
-          </a:stretch>
-        </p:blipFill>
-        <p:spPr>
-          <a:xfrm>
-            <a:off x="10602142" y="920672"/>
-            <a:ext cx="1589858" cy="650549"/>
-          </a:xfrm>
-          <a:prstGeom prst="rect">
-            <a:avLst/>
-          </a:prstGeom>
-        </p:spPr>
-      </p:pic>
-    </p:spTree>
-    <p:extLst>
-      <p:ext uri="{BB962C8B-B14F-4D97-AF65-F5344CB8AC3E}">
         <p14:creationId xmlns:p14="http://schemas.microsoft.com/office/powerpoint/2010/main" val="3213119346"/>
       </p:ext>
     </p:extLst>
@@ -10157,7 +9783,7 @@
 </p:sld>
 </file>
 
-<file path=ppt/slides/slide19.xml><?xml version="1.0" encoding="utf-8"?>
+<file path=ppt/slides/slide14.xml><?xml version="1.0" encoding="utf-8"?>
 <p:sld xmlns:a="http://schemas.openxmlformats.org/drawingml/2006/main" xmlns:r="http://schemas.openxmlformats.org/officeDocument/2006/relationships" xmlns:p="http://schemas.openxmlformats.org/presentationml/2006/main">
   <p:cSld>
     <p:spTree>
@@ -10196,8 +9822,8 @@
         </p:blipFill>
         <p:spPr>
           <a:xfrm>
-            <a:off x="6192006" y="3205063"/>
-            <a:ext cx="5205065" cy="3110213"/>
+            <a:off x="2912022" y="2734927"/>
+            <a:ext cx="5863482" cy="3503641"/>
           </a:xfrm>
           <a:prstGeom prst="rect">
             <a:avLst/>
@@ -10248,51 +9874,6 @@
               <a:t> </a:t>
             </a:r>
             <a:endParaRPr lang="pt-BR" dirty="0"/>
-          </a:p>
-        </p:txBody>
-      </p:sp>
-      <p:sp>
-        <p:nvSpPr>
-          <p:cNvPr id="5" name="Espaço Reservado para Conteúdo 4"/>
-          <p:cNvSpPr>
-            <a:spLocks noGrp="1"/>
-          </p:cNvSpPr>
-          <p:nvPr>
-            <p:ph idx="1"/>
-          </p:nvPr>
-        </p:nvSpPr>
-        <p:spPr>
-          <a:xfrm>
-            <a:off x="680320" y="2253695"/>
-            <a:ext cx="11302413" cy="1799690"/>
-          </a:xfrm>
-        </p:spPr>
-        <p:txBody>
-          <a:bodyPr>
-            <a:normAutofit/>
-          </a:bodyPr>
-          <a:lstStyle/>
-          <a:p>
-            <a:r>
-              <a:rPr lang="pt-BR" dirty="0" smtClean="0"/>
-              <a:t>Microsoft </a:t>
-            </a:r>
-            <a:r>
-              <a:rPr lang="pt-BR" dirty="0" err="1" smtClean="0"/>
-              <a:t>Azure</a:t>
-            </a:r>
-            <a:r>
-              <a:rPr lang="pt-BR" dirty="0" smtClean="0"/>
-              <a:t>: Plataforma de computação na nuvem que hospeda o servidor usado para </a:t>
-            </a:r>
-            <a:r>
-              <a:rPr lang="pt-BR" u="sng" dirty="0" smtClean="0"/>
-              <a:t>implantação</a:t>
-            </a:r>
-            <a:r>
-              <a:rPr lang="pt-BR" dirty="0" smtClean="0"/>
-              <a:t> da plataforma.</a:t>
-            </a:r>
           </a:p>
         </p:txBody>
       </p:sp>
@@ -10358,24 +9939,118 @@
           </a:p>
         </p:txBody>
       </p:sp>
-      <p:sp>
-        <p:nvSpPr>
-          <p:cNvPr id="11" name="CaixaDeTexto 10"/>
-          <p:cNvSpPr txBox="1"/>
+    </p:spTree>
+    <p:extLst>
+      <p:ext uri="{BB962C8B-B14F-4D97-AF65-F5344CB8AC3E}">
+        <p14:creationId xmlns:p14="http://schemas.microsoft.com/office/powerpoint/2010/main" val="1229527605"/>
+      </p:ext>
+    </p:extLst>
+  </p:cSld>
+  <p:clrMapOvr>
+    <a:masterClrMapping/>
+  </p:clrMapOvr>
+</p:sld>
+</file>
+
+<file path=ppt/slides/slide15.xml><?xml version="1.0" encoding="utf-8"?>
+<p:sld xmlns:a="http://schemas.openxmlformats.org/drawingml/2006/main" xmlns:r="http://schemas.openxmlformats.org/officeDocument/2006/relationships" xmlns:p="http://schemas.openxmlformats.org/presentationml/2006/main">
+  <p:cSld>
+    <p:spTree>
+      <p:nvGrpSpPr>
+        <p:cNvPr id="1" name=""/>
+        <p:cNvGrpSpPr/>
+        <p:nvPr/>
+      </p:nvGrpSpPr>
+      <p:grpSpPr>
+        <a:xfrm>
+          <a:off x="0" y="0"/>
+          <a:ext cx="0" cy="0"/>
+          <a:chOff x="0" y="0"/>
+          <a:chExt cx="0" cy="0"/>
+        </a:xfrm>
+      </p:grpSpPr>
+      <p:sp>
+        <p:nvSpPr>
+          <p:cNvPr id="2" name="Título 1"/>
+          <p:cNvSpPr>
+            <a:spLocks noGrp="1"/>
+          </p:cNvSpPr>
+          <p:nvPr>
+            <p:ph type="title"/>
+          </p:nvPr>
+        </p:nvSpPr>
+        <p:spPr/>
+        <p:txBody>
+          <a:bodyPr/>
+          <a:lstStyle/>
+          <a:p>
+            <a:r>
+              <a:rPr lang="pt-BR" dirty="0" err="1"/>
+              <a:t>Mapskills-Cadvisor</a:t>
+            </a:r>
+            <a:endParaRPr lang="pt-BR" dirty="0"/>
+          </a:p>
+        </p:txBody>
+      </p:sp>
+      <p:sp>
+        <p:nvSpPr>
+          <p:cNvPr id="3" name="Espaço Reservado para Conteúdo 2"/>
+          <p:cNvSpPr>
+            <a:spLocks noGrp="1"/>
+          </p:cNvSpPr>
+          <p:nvPr>
+            <p:ph idx="1"/>
+          </p:nvPr>
+        </p:nvSpPr>
+        <p:spPr/>
+        <p:txBody>
+          <a:bodyPr/>
+          <a:lstStyle/>
+          <a:p>
+            <a:r>
+              <a:rPr lang="pt-BR" dirty="0" smtClean="0"/>
+              <a:t>Monitoramento do Host e Containers </a:t>
+            </a:r>
+            <a:r>
+              <a:rPr lang="pt-BR" dirty="0" err="1" smtClean="0"/>
+              <a:t>Docker</a:t>
+            </a:r>
+            <a:r>
+              <a:rPr lang="pt-BR" dirty="0" smtClean="0"/>
+              <a:t>.</a:t>
+            </a:r>
+            <a:endParaRPr lang="pt-BR" dirty="0"/>
+          </a:p>
+          <a:p>
+            <a:r>
+              <a:rPr lang="pt-BR" dirty="0" smtClean="0"/>
+              <a:t>Acesso a Interface de Monitoramento: http://</a:t>
+            </a:r>
+            <a:r>
+              <a:rPr lang="pt-BR" dirty="0" smtClean="0"/>
+              <a:t>ip_do_host:8888.</a:t>
+            </a:r>
+            <a:endParaRPr lang="pt-BR" dirty="0"/>
+          </a:p>
+        </p:txBody>
+      </p:sp>
+      <p:sp>
+        <p:nvSpPr>
+          <p:cNvPr id="5" name="Retângulo 4"/>
+          <p:cNvSpPr/>
           <p:nvPr/>
         </p:nvSpPr>
         <p:spPr>
           <a:xfrm>
-            <a:off x="680320" y="3205063"/>
-            <a:ext cx="5431809" cy="1846659"/>
+            <a:off x="680321" y="250521"/>
+            <a:ext cx="2231701" cy="369332"/>
           </a:xfrm>
           <a:prstGeom prst="rect">
             <a:avLst/>
           </a:prstGeom>
-          <a:noFill/>
-        </p:spPr>
-        <p:txBody>
-          <a:bodyPr wrap="square" rtlCol="0">
+        </p:spPr>
+        <p:txBody>
+          <a:bodyPr wrap="none">
             <a:spAutoFit/>
           </a:bodyPr>
           <a:lstStyle/>
@@ -10385,40 +10060,887 @@
               <a:buChar char="•"/>
             </a:pPr>
             <a:r>
-              <a:rPr lang="pt-BR" sz="2400" dirty="0" err="1"/>
-              <a:t>Docker</a:t>
-            </a:r>
-            <a:r>
-              <a:rPr lang="pt-BR" sz="2400" dirty="0"/>
-              <a:t>: Plataforma de software que permite a criação e implantação de </a:t>
-            </a:r>
-            <a:r>
-              <a:rPr lang="pt-BR" sz="2400" dirty="0" smtClean="0"/>
-              <a:t>da plataforma </a:t>
-            </a:r>
-            <a:r>
-              <a:rPr lang="pt-BR" sz="2400" dirty="0" err="1" smtClean="0"/>
-              <a:t>Mapskills</a:t>
-            </a:r>
-            <a:r>
-              <a:rPr lang="pt-BR" sz="2400" dirty="0" smtClean="0"/>
+              <a:rPr lang="pt-BR" dirty="0"/>
+              <a:t>Desenvolvimento</a:t>
+            </a:r>
+          </a:p>
+        </p:txBody>
+      </p:sp>
+      <p:pic>
+        <p:nvPicPr>
+          <p:cNvPr id="6" name="Imagem 5"/>
+          <p:cNvPicPr>
+            <a:picLocks noChangeAspect="1"/>
+          </p:cNvPicPr>
+          <p:nvPr/>
+        </p:nvPicPr>
+        <p:blipFill>
+          <a:blip r:embed="rId2" cstate="print">
+            <a:extLst>
+              <a:ext uri="{28A0092B-C50C-407E-A947-70E740481C1C}">
+                <a14:useLocalDpi xmlns:a14="http://schemas.microsoft.com/office/drawing/2010/main" val="0"/>
+              </a:ext>
+            </a:extLst>
+          </a:blip>
+          <a:stretch>
+            <a:fillRect/>
+          </a:stretch>
+        </p:blipFill>
+        <p:spPr>
+          <a:xfrm>
+            <a:off x="10602142" y="920672"/>
+            <a:ext cx="1589858" cy="650549"/>
+          </a:xfrm>
+          <a:prstGeom prst="rect">
+            <a:avLst/>
+          </a:prstGeom>
+        </p:spPr>
+      </p:pic>
+      <p:pic>
+        <p:nvPicPr>
+          <p:cNvPr id="7" name="Espaço Reservado para Conteúdo 3"/>
+          <p:cNvPicPr>
+            <a:picLocks noChangeAspect="1"/>
+          </p:cNvPicPr>
+          <p:nvPr/>
+        </p:nvPicPr>
+        <p:blipFill>
+          <a:blip r:embed="rId3"/>
+          <a:stretch>
+            <a:fillRect/>
+          </a:stretch>
+        </p:blipFill>
+        <p:spPr>
+          <a:xfrm>
+            <a:off x="3108958" y="3333249"/>
+            <a:ext cx="5616035" cy="3105647"/>
+          </a:xfrm>
+          <a:prstGeom prst="rect">
+            <a:avLst/>
+          </a:prstGeom>
+        </p:spPr>
+      </p:pic>
+    </p:spTree>
+    <p:extLst>
+      <p:ext uri="{BB962C8B-B14F-4D97-AF65-F5344CB8AC3E}">
+        <p14:creationId xmlns:p14="http://schemas.microsoft.com/office/powerpoint/2010/main" val="2298780734"/>
+      </p:ext>
+    </p:extLst>
+  </p:cSld>
+  <p:clrMapOvr>
+    <a:masterClrMapping/>
+  </p:clrMapOvr>
+</p:sld>
+</file>
+
+<file path=ppt/slides/slide16.xml><?xml version="1.0" encoding="utf-8"?>
+<p:sld xmlns:a="http://schemas.openxmlformats.org/drawingml/2006/main" xmlns:r="http://schemas.openxmlformats.org/officeDocument/2006/relationships" xmlns:p="http://schemas.openxmlformats.org/presentationml/2006/main">
+  <p:cSld>
+    <p:spTree>
+      <p:nvGrpSpPr>
+        <p:cNvPr id="1" name=""/>
+        <p:cNvGrpSpPr/>
+        <p:nvPr/>
+      </p:nvGrpSpPr>
+      <p:grpSpPr>
+        <a:xfrm>
+          <a:off x="0" y="0"/>
+          <a:ext cx="0" cy="0"/>
+          <a:chOff x="0" y="0"/>
+          <a:chExt cx="0" cy="0"/>
+        </a:xfrm>
+      </p:grpSpPr>
+      <p:sp>
+        <p:nvSpPr>
+          <p:cNvPr id="2" name="Título 1"/>
+          <p:cNvSpPr>
+            <a:spLocks noGrp="1"/>
+          </p:cNvSpPr>
+          <p:nvPr>
+            <p:ph type="title"/>
+          </p:nvPr>
+        </p:nvSpPr>
+        <p:spPr/>
+        <p:txBody>
+          <a:bodyPr/>
+          <a:lstStyle/>
+          <a:p>
+            <a:r>
+              <a:rPr lang="pt-BR" dirty="0" smtClean="0"/>
+              <a:t>Back-</a:t>
+            </a:r>
+            <a:r>
+              <a:rPr lang="pt-BR" dirty="0" err="1" smtClean="0"/>
+              <a:t>end</a:t>
+            </a:r>
+            <a:r>
+              <a:rPr lang="pt-BR" dirty="0" smtClean="0"/>
+              <a:t> </a:t>
+            </a:r>
+            <a:r>
+              <a:rPr lang="pt-BR" dirty="0"/>
+              <a:t>e </a:t>
+            </a:r>
+            <a:r>
+              <a:rPr lang="pt-BR" dirty="0" smtClean="0"/>
+              <a:t>Front-</a:t>
+            </a:r>
+            <a:r>
+              <a:rPr lang="pt-BR" dirty="0" err="1" smtClean="0"/>
+              <a:t>end</a:t>
+            </a:r>
+            <a:endParaRPr lang="pt-BR" dirty="0"/>
+          </a:p>
+        </p:txBody>
+      </p:sp>
+      <p:sp>
+        <p:nvSpPr>
+          <p:cNvPr id="3" name="Espaço Reservado para Conteúdo 2"/>
+          <p:cNvSpPr>
+            <a:spLocks noGrp="1"/>
+          </p:cNvSpPr>
+          <p:nvPr>
+            <p:ph idx="1"/>
+          </p:nvPr>
+        </p:nvSpPr>
+        <p:spPr>
+          <a:xfrm>
+            <a:off x="680321" y="2336873"/>
+            <a:ext cx="10423108" cy="3599316"/>
+          </a:xfrm>
+        </p:spPr>
+        <p:txBody>
+          <a:bodyPr>
+            <a:normAutofit/>
+          </a:bodyPr>
+          <a:lstStyle/>
+          <a:p>
+            <a:pPr hangingPunct="0"/>
+            <a:r>
+              <a:rPr lang="pt-BR" dirty="0" smtClean="0"/>
+              <a:t>Container</a:t>
+            </a:r>
+            <a:r>
+              <a:rPr lang="pt-BR" u="sng" dirty="0" smtClean="0"/>
+              <a:t>s</a:t>
+            </a:r>
+            <a:r>
+              <a:rPr lang="pt-BR" dirty="0" smtClean="0"/>
+              <a:t> responsáveis </a:t>
+            </a:r>
+            <a:r>
+              <a:rPr lang="pt-BR" dirty="0"/>
+              <a:t>por conter </a:t>
+            </a:r>
+            <a:r>
+              <a:rPr lang="pt-BR" dirty="0" smtClean="0"/>
+              <a:t>os projetos </a:t>
+            </a:r>
+            <a:r>
+              <a:rPr lang="pt-BR" dirty="0"/>
+              <a:t>Java de </a:t>
+            </a:r>
+            <a:r>
+              <a:rPr lang="pt-BR" i="1" dirty="0" err="1" smtClean="0"/>
+              <a:t>back-end</a:t>
+            </a:r>
+            <a:r>
+              <a:rPr lang="pt-BR" i="1" dirty="0" smtClean="0"/>
+              <a:t> e front-</a:t>
+            </a:r>
+            <a:r>
+              <a:rPr lang="pt-BR" i="1" dirty="0" err="1" smtClean="0"/>
+              <a:t>end</a:t>
+            </a:r>
+            <a:r>
+              <a:rPr lang="pt-BR" dirty="0" smtClean="0"/>
+              <a:t>, </a:t>
+            </a:r>
+            <a:r>
+              <a:rPr lang="pt-BR" i="1" dirty="0" err="1"/>
+              <a:t>mapskills.war</a:t>
+            </a:r>
+            <a:r>
+              <a:rPr lang="pt-BR" dirty="0"/>
               <a:t>. </a:t>
             </a:r>
-            <a:endParaRPr lang="pt-BR" sz="2400" dirty="0"/>
-          </a:p>
+            <a:endParaRPr lang="pt-BR" dirty="0" smtClean="0"/>
+          </a:p>
+          <a:p>
+            <a:pPr hangingPunct="0"/>
+            <a:endParaRPr lang="pt-BR" dirty="0" smtClean="0"/>
+          </a:p>
+          <a:p>
+            <a:pPr hangingPunct="0"/>
+            <a:r>
+              <a:rPr lang="pt-BR" dirty="0" err="1" smtClean="0"/>
+              <a:t>Url</a:t>
+            </a:r>
+            <a:r>
+              <a:rPr lang="pt-BR" dirty="0" smtClean="0"/>
+              <a:t> de acesso a interface: </a:t>
+            </a:r>
+            <a:r>
+              <a:rPr lang="pt-BR" dirty="0"/>
+              <a:t>http://</a:t>
+            </a:r>
+            <a:r>
+              <a:rPr lang="pt-BR" dirty="0" smtClean="0"/>
+              <a:t>ip_do_host/mapskills-web</a:t>
+            </a:r>
+            <a:endParaRPr lang="pt-BR" dirty="0"/>
+          </a:p>
+          <a:p>
+            <a:pPr hangingPunct="0"/>
+            <a:r>
+              <a:rPr lang="pt-BR" dirty="0" err="1" smtClean="0"/>
+              <a:t>Url</a:t>
+            </a:r>
+            <a:r>
+              <a:rPr lang="pt-BR" dirty="0" smtClean="0"/>
+              <a:t> </a:t>
+            </a:r>
+            <a:r>
+              <a:rPr lang="pt-BR" dirty="0"/>
+              <a:t>de acesso a API: http://ip_do_host:8080/</a:t>
+            </a:r>
+            <a:r>
+              <a:rPr lang="pt-BR" i="1" dirty="0"/>
+              <a:t>mapskills</a:t>
+            </a:r>
+            <a:endParaRPr lang="pt-BR" dirty="0"/>
+          </a:p>
+          <a:p>
+            <a:endParaRPr lang="pt-BR" dirty="0"/>
+          </a:p>
+        </p:txBody>
+      </p:sp>
+      <p:sp>
+        <p:nvSpPr>
+          <p:cNvPr id="4" name="Retângulo 3"/>
+          <p:cNvSpPr/>
+          <p:nvPr/>
+        </p:nvSpPr>
+        <p:spPr>
+          <a:xfrm>
+            <a:off x="680321" y="250521"/>
+            <a:ext cx="2231701" cy="369332"/>
+          </a:xfrm>
+          <a:prstGeom prst="rect">
+            <a:avLst/>
+          </a:prstGeom>
+        </p:spPr>
+        <p:txBody>
+          <a:bodyPr wrap="none">
+            <a:spAutoFit/>
+          </a:bodyPr>
+          <a:lstStyle/>
           <a:p>
             <a:pPr marL="285750" indent="-285750">
               <a:buFont typeface="Arial" panose="020B0604020202020204" pitchFamily="34" charset="0"/>
               <a:buChar char="•"/>
             </a:pPr>
-            <a:endParaRPr lang="pt-BR" dirty="0"/>
-          </a:p>
-        </p:txBody>
-      </p:sp>
+            <a:r>
+              <a:rPr lang="pt-BR" dirty="0"/>
+              <a:t>Desenvolvimento</a:t>
+            </a:r>
+          </a:p>
+        </p:txBody>
+      </p:sp>
+      <p:pic>
+        <p:nvPicPr>
+          <p:cNvPr id="5" name="Imagem 4"/>
+          <p:cNvPicPr>
+            <a:picLocks noChangeAspect="1"/>
+          </p:cNvPicPr>
+          <p:nvPr/>
+        </p:nvPicPr>
+        <p:blipFill>
+          <a:blip r:embed="rId2" cstate="print">
+            <a:extLst>
+              <a:ext uri="{28A0092B-C50C-407E-A947-70E740481C1C}">
+                <a14:useLocalDpi xmlns:a14="http://schemas.microsoft.com/office/drawing/2010/main" val="0"/>
+              </a:ext>
+            </a:extLst>
+          </a:blip>
+          <a:stretch>
+            <a:fillRect/>
+          </a:stretch>
+        </p:blipFill>
+        <p:spPr>
+          <a:xfrm>
+            <a:off x="10602142" y="920672"/>
+            <a:ext cx="1589858" cy="650549"/>
+          </a:xfrm>
+          <a:prstGeom prst="rect">
+            <a:avLst/>
+          </a:prstGeom>
+        </p:spPr>
+      </p:pic>
     </p:spTree>
     <p:extLst>
       <p:ext uri="{BB962C8B-B14F-4D97-AF65-F5344CB8AC3E}">
-        <p14:creationId xmlns:p14="http://schemas.microsoft.com/office/powerpoint/2010/main" val="1229527605"/>
+        <p14:creationId xmlns:p14="http://schemas.microsoft.com/office/powerpoint/2010/main" val="3385733950"/>
+      </p:ext>
+    </p:extLst>
+  </p:cSld>
+  <p:clrMapOvr>
+    <a:masterClrMapping/>
+  </p:clrMapOvr>
+</p:sld>
+</file>
+
+<file path=ppt/slides/slide17.xml><?xml version="1.0" encoding="utf-8"?>
+<p:sld xmlns:a="http://schemas.openxmlformats.org/drawingml/2006/main" xmlns:r="http://schemas.openxmlformats.org/officeDocument/2006/relationships" xmlns:p="http://schemas.openxmlformats.org/presentationml/2006/main">
+  <p:cSld>
+    <p:spTree>
+      <p:nvGrpSpPr>
+        <p:cNvPr id="1" name=""/>
+        <p:cNvGrpSpPr/>
+        <p:nvPr/>
+      </p:nvGrpSpPr>
+      <p:grpSpPr>
+        <a:xfrm>
+          <a:off x="0" y="0"/>
+          <a:ext cx="0" cy="0"/>
+          <a:chOff x="0" y="0"/>
+          <a:chExt cx="0" cy="0"/>
+        </a:xfrm>
+      </p:grpSpPr>
+      <p:sp>
+        <p:nvSpPr>
+          <p:cNvPr id="2" name="Título 1"/>
+          <p:cNvSpPr>
+            <a:spLocks noGrp="1"/>
+          </p:cNvSpPr>
+          <p:nvPr>
+            <p:ph type="title"/>
+          </p:nvPr>
+        </p:nvSpPr>
+        <p:spPr/>
+        <p:txBody>
+          <a:bodyPr/>
+          <a:lstStyle/>
+          <a:p>
+            <a:r>
+              <a:rPr lang="pt-BR" dirty="0" err="1"/>
+              <a:t>Mapskills-Haproxy</a:t>
+            </a:r>
+            <a:endParaRPr lang="pt-BR" dirty="0"/>
+          </a:p>
+        </p:txBody>
+      </p:sp>
+      <p:sp>
+        <p:nvSpPr>
+          <p:cNvPr id="3" name="Espaço Reservado para Conteúdo 2"/>
+          <p:cNvSpPr>
+            <a:spLocks noGrp="1"/>
+          </p:cNvSpPr>
+          <p:nvPr>
+            <p:ph idx="1"/>
+          </p:nvPr>
+        </p:nvSpPr>
+        <p:spPr/>
+        <p:txBody>
+          <a:bodyPr>
+            <a:normAutofit/>
+          </a:bodyPr>
+          <a:lstStyle/>
+          <a:p>
+            <a:pPr hangingPunct="0"/>
+            <a:r>
+              <a:rPr lang="pt-BR" dirty="0" smtClean="0"/>
+              <a:t>Round </a:t>
+            </a:r>
+            <a:r>
+              <a:rPr lang="pt-BR" dirty="0" smtClean="0"/>
+              <a:t>Robin.</a:t>
+            </a:r>
+            <a:endParaRPr lang="pt-BR" dirty="0"/>
+          </a:p>
+          <a:p>
+            <a:pPr hangingPunct="0"/>
+            <a:r>
+              <a:rPr lang="pt-BR" dirty="0" smtClean="0"/>
+              <a:t>Proxy Reverso.</a:t>
+            </a:r>
+          </a:p>
+          <a:p>
+            <a:pPr hangingPunct="0"/>
+            <a:r>
+              <a:rPr lang="pt-BR" dirty="0" err="1" smtClean="0"/>
+              <a:t>Dashboard</a:t>
+            </a:r>
+            <a:r>
+              <a:rPr lang="pt-BR" dirty="0" smtClean="0"/>
+              <a:t>.</a:t>
+            </a:r>
+            <a:endParaRPr lang="pt-BR" dirty="0"/>
+          </a:p>
+          <a:p>
+            <a:pPr hangingPunct="0"/>
+            <a:r>
+              <a:rPr lang="pt-BR" dirty="0" err="1"/>
+              <a:t>Url</a:t>
+            </a:r>
+            <a:r>
+              <a:rPr lang="pt-BR" dirty="0"/>
+              <a:t> de acesso ao </a:t>
+            </a:r>
+            <a:r>
+              <a:rPr lang="pt-BR" dirty="0" err="1"/>
+              <a:t>dashboard</a:t>
+            </a:r>
+            <a:r>
+              <a:rPr lang="pt-BR" dirty="0"/>
+              <a:t>: http://ip_do_host:1936.</a:t>
+            </a:r>
+          </a:p>
+          <a:p>
+            <a:endParaRPr lang="pt-BR" dirty="0"/>
+          </a:p>
+        </p:txBody>
+      </p:sp>
+      <p:sp>
+        <p:nvSpPr>
+          <p:cNvPr id="4" name="Retângulo 3"/>
+          <p:cNvSpPr/>
+          <p:nvPr/>
+        </p:nvSpPr>
+        <p:spPr>
+          <a:xfrm>
+            <a:off x="680321" y="250521"/>
+            <a:ext cx="2231701" cy="369332"/>
+          </a:xfrm>
+          <a:prstGeom prst="rect">
+            <a:avLst/>
+          </a:prstGeom>
+        </p:spPr>
+        <p:txBody>
+          <a:bodyPr wrap="none">
+            <a:spAutoFit/>
+          </a:bodyPr>
+          <a:lstStyle/>
+          <a:p>
+            <a:pPr marL="285750" indent="-285750">
+              <a:buFont typeface="Arial" panose="020B0604020202020204" pitchFamily="34" charset="0"/>
+              <a:buChar char="•"/>
+            </a:pPr>
+            <a:r>
+              <a:rPr lang="pt-BR" dirty="0"/>
+              <a:t>Desenvolvimento</a:t>
+            </a:r>
+          </a:p>
+        </p:txBody>
+      </p:sp>
+      <p:pic>
+        <p:nvPicPr>
+          <p:cNvPr id="5" name="Imagem 4"/>
+          <p:cNvPicPr>
+            <a:picLocks noChangeAspect="1"/>
+          </p:cNvPicPr>
+          <p:nvPr/>
+        </p:nvPicPr>
+        <p:blipFill>
+          <a:blip r:embed="rId3" cstate="print">
+            <a:extLst>
+              <a:ext uri="{28A0092B-C50C-407E-A947-70E740481C1C}">
+                <a14:useLocalDpi xmlns:a14="http://schemas.microsoft.com/office/drawing/2010/main" val="0"/>
+              </a:ext>
+            </a:extLst>
+          </a:blip>
+          <a:stretch>
+            <a:fillRect/>
+          </a:stretch>
+        </p:blipFill>
+        <p:spPr>
+          <a:xfrm>
+            <a:off x="10602142" y="920672"/>
+            <a:ext cx="1589858" cy="650549"/>
+          </a:xfrm>
+          <a:prstGeom prst="rect">
+            <a:avLst/>
+          </a:prstGeom>
+        </p:spPr>
+      </p:pic>
+    </p:spTree>
+    <p:extLst>
+      <p:ext uri="{BB962C8B-B14F-4D97-AF65-F5344CB8AC3E}">
+        <p14:creationId xmlns:p14="http://schemas.microsoft.com/office/powerpoint/2010/main" val="1443225755"/>
+      </p:ext>
+    </p:extLst>
+  </p:cSld>
+  <p:clrMapOvr>
+    <a:masterClrMapping/>
+  </p:clrMapOvr>
+</p:sld>
+</file>
+
+<file path=ppt/slides/slide18.xml><?xml version="1.0" encoding="utf-8"?>
+<p:sld xmlns:a="http://schemas.openxmlformats.org/drawingml/2006/main" xmlns:r="http://schemas.openxmlformats.org/officeDocument/2006/relationships" xmlns:p="http://schemas.openxmlformats.org/presentationml/2006/main">
+  <p:cSld>
+    <p:spTree>
+      <p:nvGrpSpPr>
+        <p:cNvPr id="1" name=""/>
+        <p:cNvGrpSpPr/>
+        <p:nvPr/>
+      </p:nvGrpSpPr>
+      <p:grpSpPr>
+        <a:xfrm>
+          <a:off x="0" y="0"/>
+          <a:ext cx="0" cy="0"/>
+          <a:chOff x="0" y="0"/>
+          <a:chExt cx="0" cy="0"/>
+        </a:xfrm>
+      </p:grpSpPr>
+      <p:sp>
+        <p:nvSpPr>
+          <p:cNvPr id="2" name="Título 1"/>
+          <p:cNvSpPr>
+            <a:spLocks noGrp="1"/>
+          </p:cNvSpPr>
+          <p:nvPr>
+            <p:ph type="title"/>
+          </p:nvPr>
+        </p:nvSpPr>
+        <p:spPr/>
+        <p:txBody>
+          <a:bodyPr/>
+          <a:lstStyle/>
+          <a:p>
+            <a:r>
+              <a:rPr lang="pt-BR" dirty="0" err="1"/>
+              <a:t>Mapskills-Haproxy</a:t>
+            </a:r>
+            <a:endParaRPr lang="pt-BR" dirty="0"/>
+          </a:p>
+        </p:txBody>
+      </p:sp>
+      <p:pic>
+        <p:nvPicPr>
+          <p:cNvPr id="4" name="Figura4"/>
+          <p:cNvPicPr>
+            <a:picLocks noGrp="1"/>
+          </p:cNvPicPr>
+          <p:nvPr>
+            <p:ph idx="1"/>
+          </p:nvPr>
+        </p:nvPicPr>
+        <p:blipFill>
+          <a:blip r:embed="rId2"/>
+          <a:stretch>
+            <a:fillRect/>
+          </a:stretch>
+        </p:blipFill>
+        <p:spPr bwMode="auto">
+          <a:xfrm>
+            <a:off x="1410789" y="2336800"/>
+            <a:ext cx="8386353" cy="3598863"/>
+          </a:xfrm>
+          <a:prstGeom prst="rect">
+            <a:avLst/>
+          </a:prstGeom>
+        </p:spPr>
+      </p:pic>
+      <p:sp>
+        <p:nvSpPr>
+          <p:cNvPr id="5" name="Retângulo 4"/>
+          <p:cNvSpPr/>
+          <p:nvPr/>
+        </p:nvSpPr>
+        <p:spPr>
+          <a:xfrm>
+            <a:off x="680321" y="250521"/>
+            <a:ext cx="2231701" cy="369332"/>
+          </a:xfrm>
+          <a:prstGeom prst="rect">
+            <a:avLst/>
+          </a:prstGeom>
+        </p:spPr>
+        <p:txBody>
+          <a:bodyPr wrap="none">
+            <a:spAutoFit/>
+          </a:bodyPr>
+          <a:lstStyle/>
+          <a:p>
+            <a:pPr marL="285750" indent="-285750">
+              <a:buFont typeface="Arial" panose="020B0604020202020204" pitchFamily="34" charset="0"/>
+              <a:buChar char="•"/>
+            </a:pPr>
+            <a:r>
+              <a:rPr lang="pt-BR" dirty="0"/>
+              <a:t>Desenvolvimento</a:t>
+            </a:r>
+          </a:p>
+        </p:txBody>
+      </p:sp>
+      <p:pic>
+        <p:nvPicPr>
+          <p:cNvPr id="6" name="Imagem 5"/>
+          <p:cNvPicPr>
+            <a:picLocks noChangeAspect="1"/>
+          </p:cNvPicPr>
+          <p:nvPr/>
+        </p:nvPicPr>
+        <p:blipFill>
+          <a:blip r:embed="rId3" cstate="print">
+            <a:extLst>
+              <a:ext uri="{28A0092B-C50C-407E-A947-70E740481C1C}">
+                <a14:useLocalDpi xmlns:a14="http://schemas.microsoft.com/office/drawing/2010/main" val="0"/>
+              </a:ext>
+            </a:extLst>
+          </a:blip>
+          <a:stretch>
+            <a:fillRect/>
+          </a:stretch>
+        </p:blipFill>
+        <p:spPr>
+          <a:xfrm>
+            <a:off x="10602142" y="920672"/>
+            <a:ext cx="1589858" cy="650549"/>
+          </a:xfrm>
+          <a:prstGeom prst="rect">
+            <a:avLst/>
+          </a:prstGeom>
+        </p:spPr>
+      </p:pic>
+    </p:spTree>
+    <p:extLst>
+      <p:ext uri="{BB962C8B-B14F-4D97-AF65-F5344CB8AC3E}">
+        <p14:creationId xmlns:p14="http://schemas.microsoft.com/office/powerpoint/2010/main" val="1829818420"/>
+      </p:ext>
+    </p:extLst>
+  </p:cSld>
+  <p:clrMapOvr>
+    <a:masterClrMapping/>
+  </p:clrMapOvr>
+</p:sld>
+</file>
+
+<file path=ppt/slides/slide19.xml><?xml version="1.0" encoding="utf-8"?>
+<p:sld xmlns:a="http://schemas.openxmlformats.org/drawingml/2006/main" xmlns:r="http://schemas.openxmlformats.org/officeDocument/2006/relationships" xmlns:p="http://schemas.openxmlformats.org/presentationml/2006/main">
+  <p:cSld>
+    <p:spTree>
+      <p:nvGrpSpPr>
+        <p:cNvPr id="1" name=""/>
+        <p:cNvGrpSpPr/>
+        <p:nvPr/>
+      </p:nvGrpSpPr>
+      <p:grpSpPr>
+        <a:xfrm>
+          <a:off x="0" y="0"/>
+          <a:ext cx="0" cy="0"/>
+          <a:chOff x="0" y="0"/>
+          <a:chExt cx="0" cy="0"/>
+        </a:xfrm>
+      </p:grpSpPr>
+      <p:sp>
+        <p:nvSpPr>
+          <p:cNvPr id="2" name="Título 1"/>
+          <p:cNvSpPr>
+            <a:spLocks noGrp="1"/>
+          </p:cNvSpPr>
+          <p:nvPr>
+            <p:ph type="title"/>
+          </p:nvPr>
+        </p:nvSpPr>
+        <p:spPr/>
+        <p:txBody>
+          <a:bodyPr/>
+          <a:lstStyle/>
+          <a:p>
+            <a:r>
+              <a:rPr lang="pt-BR" dirty="0" err="1"/>
+              <a:t>Docker-Compose</a:t>
+            </a:r>
+            <a:endParaRPr lang="pt-BR" dirty="0"/>
+          </a:p>
+        </p:txBody>
+      </p:sp>
+      <p:sp>
+        <p:nvSpPr>
+          <p:cNvPr id="3" name="Espaço Reservado para Conteúdo 2"/>
+          <p:cNvSpPr>
+            <a:spLocks noGrp="1"/>
+          </p:cNvSpPr>
+          <p:nvPr>
+            <p:ph idx="1"/>
+          </p:nvPr>
+        </p:nvSpPr>
+        <p:spPr/>
+        <p:txBody>
+          <a:bodyPr>
+            <a:normAutofit/>
+          </a:bodyPr>
+          <a:lstStyle/>
+          <a:p>
+            <a:pPr hangingPunct="0"/>
+            <a:r>
+              <a:rPr lang="pt-BR" dirty="0" err="1" smtClean="0"/>
+              <a:t>Docker-compose</a:t>
+            </a:r>
+            <a:r>
+              <a:rPr lang="pt-BR" dirty="0" smtClean="0"/>
+              <a:t> </a:t>
+            </a:r>
+            <a:r>
+              <a:rPr lang="pt-BR" dirty="0"/>
+              <a:t>de aplicação: </a:t>
+            </a:r>
+            <a:endParaRPr lang="pt-BR" dirty="0" smtClean="0"/>
+          </a:p>
+          <a:p>
+            <a:pPr lvl="1" hangingPunct="0"/>
+            <a:r>
+              <a:rPr lang="pt-BR" dirty="0" err="1" smtClean="0"/>
+              <a:t>mapskill-back</a:t>
+            </a:r>
+            <a:r>
+              <a:rPr lang="pt-BR" dirty="0" smtClean="0"/>
+              <a:t>;</a:t>
+            </a:r>
+          </a:p>
+          <a:p>
+            <a:pPr lvl="1" hangingPunct="0"/>
+            <a:r>
+              <a:rPr lang="pt-BR" dirty="0" err="1" smtClean="0"/>
+              <a:t>mapskills</a:t>
+            </a:r>
+            <a:r>
+              <a:rPr lang="pt-BR" dirty="0" smtClean="0"/>
+              <a:t>-front</a:t>
+            </a:r>
+            <a:r>
+              <a:rPr lang="pt-BR" dirty="0" smtClean="0"/>
+              <a:t>;</a:t>
+            </a:r>
+          </a:p>
+          <a:p>
+            <a:pPr lvl="1" hangingPunct="0"/>
+            <a:r>
+              <a:rPr lang="pt-BR" dirty="0" err="1" smtClean="0"/>
+              <a:t>mapskills-haproxy</a:t>
+            </a:r>
+            <a:r>
+              <a:rPr lang="pt-BR" dirty="0"/>
+              <a:t>. </a:t>
+            </a:r>
+          </a:p>
+          <a:p>
+            <a:pPr hangingPunct="0"/>
+            <a:r>
+              <a:rPr lang="pt-BR" dirty="0" err="1"/>
+              <a:t>Docker-compose</a:t>
+            </a:r>
+            <a:r>
+              <a:rPr lang="pt-BR" dirty="0"/>
+              <a:t> de gerenciamento: </a:t>
+            </a:r>
+            <a:endParaRPr lang="pt-BR" dirty="0" smtClean="0"/>
+          </a:p>
+          <a:p>
+            <a:pPr lvl="1" hangingPunct="0"/>
+            <a:r>
+              <a:rPr lang="pt-BR" dirty="0" err="1" smtClean="0"/>
+              <a:t>mapskills-jenkins</a:t>
+            </a:r>
+            <a:r>
+              <a:rPr lang="pt-BR" dirty="0"/>
+              <a:t>;</a:t>
+            </a:r>
+            <a:endParaRPr lang="pt-BR" dirty="0" smtClean="0"/>
+          </a:p>
+          <a:p>
+            <a:pPr lvl="1" hangingPunct="0"/>
+            <a:r>
+              <a:rPr lang="pt-BR" dirty="0" err="1" smtClean="0"/>
+              <a:t>mapskills-cavisor</a:t>
+            </a:r>
+            <a:r>
+              <a:rPr lang="pt-BR" dirty="0"/>
+              <a:t>;</a:t>
+            </a:r>
+            <a:endParaRPr lang="pt-BR" dirty="0" smtClean="0"/>
+          </a:p>
+          <a:p>
+            <a:pPr lvl="1" hangingPunct="0"/>
+            <a:r>
+              <a:rPr lang="pt-BR" dirty="0" err="1" smtClean="0"/>
+              <a:t>mapskills-mysql</a:t>
+            </a:r>
+            <a:r>
+              <a:rPr lang="pt-BR" dirty="0"/>
+              <a:t>. </a:t>
+            </a:r>
+          </a:p>
+        </p:txBody>
+      </p:sp>
+      <p:sp>
+        <p:nvSpPr>
+          <p:cNvPr id="4" name="Retângulo 3"/>
+          <p:cNvSpPr/>
+          <p:nvPr/>
+        </p:nvSpPr>
+        <p:spPr>
+          <a:xfrm>
+            <a:off x="680321" y="250521"/>
+            <a:ext cx="2231701" cy="369332"/>
+          </a:xfrm>
+          <a:prstGeom prst="rect">
+            <a:avLst/>
+          </a:prstGeom>
+        </p:spPr>
+        <p:txBody>
+          <a:bodyPr wrap="none">
+            <a:spAutoFit/>
+          </a:bodyPr>
+          <a:lstStyle/>
+          <a:p>
+            <a:pPr marL="285750" indent="-285750">
+              <a:buFont typeface="Arial" panose="020B0604020202020204" pitchFamily="34" charset="0"/>
+              <a:buChar char="•"/>
+            </a:pPr>
+            <a:r>
+              <a:rPr lang="pt-BR" dirty="0"/>
+              <a:t>Desenvolvimento</a:t>
+            </a:r>
+          </a:p>
+        </p:txBody>
+      </p:sp>
+      <p:pic>
+        <p:nvPicPr>
+          <p:cNvPr id="5" name="Imagem 4"/>
+          <p:cNvPicPr>
+            <a:picLocks noChangeAspect="1"/>
+          </p:cNvPicPr>
+          <p:nvPr/>
+        </p:nvPicPr>
+        <p:blipFill>
+          <a:blip r:embed="rId2" cstate="print">
+            <a:extLst>
+              <a:ext uri="{28A0092B-C50C-407E-A947-70E740481C1C}">
+                <a14:useLocalDpi xmlns:a14="http://schemas.microsoft.com/office/drawing/2010/main" val="0"/>
+              </a:ext>
+            </a:extLst>
+          </a:blip>
+          <a:stretch>
+            <a:fillRect/>
+          </a:stretch>
+        </p:blipFill>
+        <p:spPr>
+          <a:xfrm>
+            <a:off x="10602142" y="920672"/>
+            <a:ext cx="1589858" cy="650549"/>
+          </a:xfrm>
+          <a:prstGeom prst="rect">
+            <a:avLst/>
+          </a:prstGeom>
+        </p:spPr>
+      </p:pic>
+    </p:spTree>
+    <p:extLst>
+      <p:ext uri="{BB962C8B-B14F-4D97-AF65-F5344CB8AC3E}">
+        <p14:creationId xmlns:p14="http://schemas.microsoft.com/office/powerpoint/2010/main" val="990325619"/>
       </p:ext>
     </p:extLst>
   </p:cSld>
@@ -10555,6 +11077,13 @@
   <p:clrMapOvr>
     <a:masterClrMapping/>
   </p:clrMapOvr>
+  <p:timing>
+    <p:tnLst>
+      <p:par>
+        <p:cTn id="1" dur="indefinite" restart="never" nodeType="tmRoot"/>
+      </p:par>
+    </p:tnLst>
+  </p:timing>
 </p:sld>
 </file>
 
@@ -10591,64 +11120,98 @@
           <a:lstStyle/>
           <a:p>
             <a:r>
-              <a:rPr lang="pt-BR" dirty="0" err="1"/>
-              <a:t>Mapskills-Cadvisor</a:t>
-            </a:r>
+              <a:rPr lang="pt-BR" dirty="0"/>
+              <a:t>Links</a:t>
+            </a:r>
+          </a:p>
+        </p:txBody>
+      </p:sp>
+      <p:sp>
+        <p:nvSpPr>
+          <p:cNvPr id="3" name="Espaço Reservado para Conteúdo 2"/>
+          <p:cNvSpPr>
+            <a:spLocks noGrp="1"/>
+          </p:cNvSpPr>
+          <p:nvPr>
+            <p:ph idx="1"/>
+          </p:nvPr>
+        </p:nvSpPr>
+        <p:spPr/>
+        <p:txBody>
+          <a:bodyPr>
+            <a:normAutofit/>
+          </a:bodyPr>
+          <a:lstStyle/>
+          <a:p>
+            <a:pPr hangingPunct="0"/>
+            <a:r>
+              <a:rPr lang="pt-BR" dirty="0" err="1" smtClean="0"/>
+              <a:t>Mapskills-app</a:t>
+            </a:r>
+            <a:r>
+              <a:rPr lang="pt-BR" dirty="0" smtClean="0"/>
+              <a:t> </a:t>
+            </a:r>
+            <a:r>
+              <a:rPr lang="pt-BR" dirty="0"/>
+              <a:t>e </a:t>
+            </a:r>
+            <a:r>
+              <a:rPr lang="pt-BR" dirty="0" err="1" smtClean="0"/>
+              <a:t>Mapskills</a:t>
+            </a:r>
+            <a:r>
+              <a:rPr lang="pt-BR" dirty="0" smtClean="0"/>
+              <a:t>-web </a:t>
+            </a:r>
+            <a:endParaRPr lang="pt-BR" dirty="0" smtClean="0"/>
+          </a:p>
+          <a:p>
+            <a:pPr hangingPunct="0"/>
+            <a:r>
+              <a:rPr lang="pt-BR" dirty="0" err="1" smtClean="0"/>
+              <a:t>Mapskills-app</a:t>
+            </a:r>
+            <a:r>
+              <a:rPr lang="pt-BR" dirty="0" smtClean="0"/>
+              <a:t> </a:t>
+            </a:r>
+            <a:r>
+              <a:rPr lang="pt-BR" dirty="0"/>
+              <a:t>e o </a:t>
+            </a:r>
+            <a:r>
+              <a:rPr lang="pt-BR" dirty="0" err="1" smtClean="0"/>
+              <a:t>Mapskills-mysql</a:t>
+            </a:r>
+            <a:endParaRPr lang="pt-BR" dirty="0" smtClean="0"/>
+          </a:p>
+          <a:p>
+            <a:pPr hangingPunct="0"/>
+            <a:r>
+              <a:rPr lang="pt-BR" dirty="0" err="1" smtClean="0"/>
+              <a:t>Mapskills-haproxy</a:t>
+            </a:r>
+            <a:r>
+              <a:rPr lang="pt-BR" dirty="0" smtClean="0"/>
+              <a:t> </a:t>
+            </a:r>
+            <a:r>
+              <a:rPr lang="pt-BR" dirty="0"/>
+              <a:t>e </a:t>
+            </a:r>
+            <a:r>
+              <a:rPr lang="pt-BR" dirty="0" err="1" smtClean="0"/>
+              <a:t>Mapskills-app</a:t>
+            </a:r>
+            <a:endParaRPr lang="pt-BR" dirty="0" smtClean="0"/>
+          </a:p>
+          <a:p>
+            <a:pPr hangingPunct="0"/>
             <a:endParaRPr lang="pt-BR" dirty="0"/>
           </a:p>
-        </p:txBody>
-      </p:sp>
-      <p:sp>
-        <p:nvSpPr>
-          <p:cNvPr id="3" name="Espaço Reservado para Conteúdo 2"/>
-          <p:cNvSpPr>
-            <a:spLocks noGrp="1"/>
-          </p:cNvSpPr>
-          <p:nvPr>
-            <p:ph idx="1"/>
-          </p:nvPr>
-        </p:nvSpPr>
-        <p:spPr/>
-        <p:txBody>
-          <a:bodyPr/>
-          <a:lstStyle/>
-          <a:p>
-            <a:r>
-              <a:rPr lang="pt-BR" dirty="0"/>
-              <a:t>Container que auxilia no monitoramento dos recursos consumidos pelo host. </a:t>
-            </a:r>
-          </a:p>
-          <a:p>
-            <a:pPr marL="0" indent="0">
-              <a:buNone/>
-            </a:pPr>
-            <a:endParaRPr lang="pt-BR" dirty="0"/>
-          </a:p>
-          <a:p>
-            <a:r>
-              <a:rPr lang="pt-BR" dirty="0"/>
-              <a:t>Monitoramento dos serviços que compõem a arquitetura da aplicação </a:t>
-            </a:r>
-            <a:r>
-              <a:rPr lang="pt-BR" i="1" dirty="0" err="1"/>
-              <a:t>Mapskills</a:t>
-            </a:r>
-            <a:r>
-              <a:rPr lang="pt-BR" dirty="0" smtClean="0"/>
-              <a:t>.</a:t>
-            </a:r>
-          </a:p>
-          <a:p>
-            <a:pPr marL="0" indent="0">
-              <a:buNone/>
-            </a:pPr>
-            <a:endParaRPr lang="pt-BR" dirty="0"/>
-          </a:p>
-          <a:p>
-            <a:r>
-              <a:rPr lang="pt-BR" dirty="0" smtClean="0"/>
-              <a:t>Acesso a Interface de Monitoramento: http://ip_do_host:8888</a:t>
-            </a:r>
+          <a:p>
+            <a:pPr hangingPunct="0"/>
             <a:endParaRPr lang="pt-BR" dirty="0"/>
           </a:p>
         </p:txBody>
@@ -10687,14 +11250,14 @@
       </p:sp>
       <p:pic>
         <p:nvPicPr>
-          <p:cNvPr id="6" name="Imagem 5"/>
+          <p:cNvPr id="6" name="Espaço Reservado para Conteúdo 3"/>
           <p:cNvPicPr>
             <a:picLocks noChangeAspect="1"/>
           </p:cNvPicPr>
           <p:nvPr/>
         </p:nvPicPr>
         <p:blipFill>
-          <a:blip r:embed="rId2" cstate="print">
+          <a:blip r:embed="rId2">
             <a:extLst>
               <a:ext uri="{28A0092B-C50C-407E-A947-70E740481C1C}">
                 <a14:useLocalDpi xmlns:a14="http://schemas.microsoft.com/office/drawing/2010/main" val="0"/>
@@ -10707,6 +11270,36 @@
         </p:blipFill>
         <p:spPr>
           <a:xfrm>
+            <a:off x="6021978" y="3019988"/>
+            <a:ext cx="5742437" cy="3418908"/>
+          </a:xfrm>
+          <a:prstGeom prst="rect">
+            <a:avLst/>
+          </a:prstGeom>
+        </p:spPr>
+      </p:pic>
+      <p:pic>
+        <p:nvPicPr>
+          <p:cNvPr id="7" name="Imagem 6"/>
+          <p:cNvPicPr>
+            <a:picLocks noChangeAspect="1"/>
+          </p:cNvPicPr>
+          <p:nvPr/>
+        </p:nvPicPr>
+        <p:blipFill>
+          <a:blip r:embed="rId3" cstate="print">
+            <a:extLst>
+              <a:ext uri="{28A0092B-C50C-407E-A947-70E740481C1C}">
+                <a14:useLocalDpi xmlns:a14="http://schemas.microsoft.com/office/drawing/2010/main" val="0"/>
+              </a:ext>
+            </a:extLst>
+          </a:blip>
+          <a:stretch>
+            <a:fillRect/>
+          </a:stretch>
+        </p:blipFill>
+        <p:spPr>
+          <a:xfrm>
             <a:off x="10602142" y="920672"/>
             <a:ext cx="1589858" cy="650549"/>
           </a:xfrm>
@@ -10718,7 +11311,7 @@
     </p:spTree>
     <p:extLst>
       <p:ext uri="{BB962C8B-B14F-4D97-AF65-F5344CB8AC3E}">
-        <p14:creationId xmlns:p14="http://schemas.microsoft.com/office/powerpoint/2010/main" val="2298780734"/>
+        <p14:creationId xmlns:p14="http://schemas.microsoft.com/office/powerpoint/2010/main" val="737797116"/>
       </p:ext>
     </p:extLst>
   </p:cSld>
@@ -10761,39 +11354,99 @@
           <a:lstStyle/>
           <a:p>
             <a:r>
-              <a:rPr lang="pt-BR" dirty="0" err="1"/>
+              <a:rPr lang="pt-BR" dirty="0"/>
+              <a:t>Volumes</a:t>
+            </a:r>
+          </a:p>
+        </p:txBody>
+      </p:sp>
+      <p:sp>
+        <p:nvSpPr>
+          <p:cNvPr id="3" name="Espaço Reservado para Conteúdo 2"/>
+          <p:cNvSpPr>
+            <a:spLocks noGrp="1"/>
+          </p:cNvSpPr>
+          <p:nvPr>
+            <p:ph idx="1"/>
+          </p:nvPr>
+        </p:nvSpPr>
+        <p:spPr>
+          <a:xfrm>
+            <a:off x="680321" y="2336873"/>
+            <a:ext cx="9613861" cy="4103116"/>
+          </a:xfrm>
+        </p:spPr>
+        <p:txBody>
+          <a:bodyPr>
+            <a:normAutofit/>
+          </a:bodyPr>
+          <a:lstStyle/>
+          <a:p>
+            <a:pPr hangingPunct="0"/>
+            <a:r>
+              <a:rPr lang="pt-BR" dirty="0" err="1" smtClean="0"/>
+              <a:t>Mapskills-Mysql</a:t>
+            </a:r>
+            <a:r>
+              <a:rPr lang="pt-BR" dirty="0" smtClean="0"/>
+              <a:t> </a:t>
+            </a:r>
+            <a:endParaRPr lang="pt-BR" dirty="0" smtClean="0"/>
+          </a:p>
+          <a:p>
+            <a:pPr hangingPunct="0"/>
+            <a:r>
+              <a:rPr lang="pt-BR" dirty="0" err="1" smtClean="0"/>
               <a:t>Mapskills-Cadvisor</a:t>
             </a:r>
-            <a:endParaRPr lang="pt-BR" dirty="0"/>
-          </a:p>
-        </p:txBody>
-      </p:sp>
-      <p:pic>
-        <p:nvPicPr>
-          <p:cNvPr id="4" name="Espaço Reservado para Conteúdo 3"/>
-          <p:cNvPicPr>
-            <a:picLocks noGrp="1" noChangeAspect="1"/>
-          </p:cNvPicPr>
-          <p:nvPr>
-            <p:ph idx="1"/>
-          </p:nvPr>
-        </p:nvPicPr>
-        <p:blipFill>
-          <a:blip r:embed="rId2"/>
-          <a:stretch>
-            <a:fillRect/>
-          </a:stretch>
-        </p:blipFill>
-        <p:spPr>
-          <a:xfrm>
-            <a:off x="2325191" y="2454366"/>
-            <a:ext cx="6805748" cy="3763554"/>
-          </a:xfrm>
-          <a:prstGeom prst="rect">
-            <a:avLst/>
-          </a:prstGeom>
-        </p:spPr>
-      </p:pic>
+            <a:endParaRPr lang="pt-BR" dirty="0" smtClean="0"/>
+          </a:p>
+          <a:p>
+            <a:pPr hangingPunct="0"/>
+            <a:r>
+              <a:rPr lang="pt-BR" dirty="0" err="1" smtClean="0"/>
+              <a:t>Mapkills-Jenkins</a:t>
+            </a:r>
+            <a:r>
+              <a:rPr lang="pt-BR" dirty="0"/>
+              <a:t>:</a:t>
+            </a:r>
+            <a:endParaRPr lang="pt-BR" dirty="0" smtClean="0"/>
+          </a:p>
+          <a:p>
+            <a:pPr lvl="1" hangingPunct="0"/>
+            <a:r>
+              <a:rPr lang="pt-BR" sz="2400" dirty="0" err="1" smtClean="0"/>
+              <a:t>Mapkills-App</a:t>
+            </a:r>
+            <a:r>
+              <a:rPr lang="pt-BR" sz="2400" dirty="0" smtClean="0"/>
+              <a:t> </a:t>
+            </a:r>
+            <a:r>
+              <a:rPr lang="pt-BR" sz="2400" dirty="0"/>
+              <a:t>e </a:t>
+            </a:r>
+            <a:r>
+              <a:rPr lang="pt-BR" sz="2400" dirty="0" err="1"/>
+              <a:t>Mapskills</a:t>
+            </a:r>
+            <a:r>
+              <a:rPr lang="pt-BR" sz="2400" dirty="0"/>
+              <a:t>-Web </a:t>
+            </a:r>
+            <a:endParaRPr lang="pt-BR" sz="2400" dirty="0" smtClean="0"/>
+          </a:p>
+          <a:p>
+            <a:pPr lvl="1" hangingPunct="0"/>
+            <a:r>
+              <a:rPr lang="pt-BR" sz="2400" dirty="0" err="1" smtClean="0"/>
+              <a:t>docker-compose.yaml</a:t>
+            </a:r>
+            <a:endParaRPr lang="pt-BR" sz="2400" dirty="0" smtClean="0"/>
+          </a:p>
+        </p:txBody>
+      </p:sp>
       <p:sp>
         <p:nvSpPr>
           <p:cNvPr id="5" name="Retângulo 4"/>
@@ -10859,7 +11512,7 @@
     </p:spTree>
     <p:extLst>
       <p:ext uri="{BB962C8B-B14F-4D97-AF65-F5344CB8AC3E}">
-        <p14:creationId xmlns:p14="http://schemas.microsoft.com/office/powerpoint/2010/main" val="3599699526"/>
+        <p14:creationId xmlns:p14="http://schemas.microsoft.com/office/powerpoint/2010/main" val="1216461368"/>
       </p:ext>
     </p:extLst>
   </p:cSld>
@@ -10902,8 +11555,8 @@
           <a:lstStyle/>
           <a:p>
             <a:r>
-              <a:rPr lang="pt-BR" dirty="0" err="1" smtClean="0"/>
-              <a:t>Mapskills-back</a:t>
+              <a:rPr lang="pt-BR" dirty="0" err="1"/>
+              <a:t>Mapskills-Jenkins</a:t>
             </a:r>
             <a:endParaRPr lang="pt-BR" dirty="0"/>
           </a:p>
@@ -10928,50 +11581,127 @@
           <a:p>
             <a:pPr hangingPunct="0"/>
             <a:r>
+              <a:rPr lang="pt-BR" dirty="0" smtClean="0"/>
+              <a:t>Jobs</a:t>
+            </a:r>
+            <a:r>
+              <a:rPr lang="pt-BR" dirty="0"/>
+              <a:t>: </a:t>
+            </a:r>
+          </a:p>
+          <a:p>
+            <a:pPr lvl="1" hangingPunct="0"/>
+            <a:r>
+              <a:rPr lang="pt-BR" dirty="0"/>
+              <a:t>Build-</a:t>
+            </a:r>
+            <a:r>
               <a:rPr lang="pt-BR" dirty="0" err="1"/>
-              <a:t>Tomcat</a:t>
+              <a:t>Mapksills</a:t>
+            </a:r>
+            <a:r>
+              <a:rPr lang="pt-BR" dirty="0"/>
+              <a:t>-</a:t>
+            </a:r>
+            <a:r>
+              <a:rPr lang="pt-BR" dirty="0" err="1"/>
+              <a:t>App</a:t>
+            </a:r>
+            <a:endParaRPr lang="pt-BR" dirty="0"/>
+          </a:p>
+          <a:p>
+            <a:pPr lvl="1" hangingPunct="0"/>
+            <a:r>
+              <a:rPr lang="pt-BR" dirty="0" smtClean="0"/>
+              <a:t>Build-</a:t>
+            </a:r>
+            <a:r>
+              <a:rPr lang="pt-BR" dirty="0" err="1" smtClean="0"/>
+              <a:t>Mapskills</a:t>
+            </a:r>
+            <a:r>
+              <a:rPr lang="pt-BR" dirty="0" smtClean="0"/>
+              <a:t>-Front</a:t>
+            </a:r>
+            <a:endParaRPr lang="pt-BR" dirty="0"/>
+          </a:p>
+          <a:p>
+            <a:pPr lvl="1" hangingPunct="0"/>
+            <a:r>
+              <a:rPr lang="pt-BR" dirty="0" err="1"/>
+              <a:t>Copy</a:t>
             </a:r>
             <a:r>
               <a:rPr lang="pt-BR" dirty="0"/>
               <a:t> </a:t>
             </a:r>
             <a:r>
+              <a:rPr lang="pt-BR" dirty="0" err="1"/>
+              <a:t>Artifact</a:t>
+            </a:r>
+            <a:r>
+              <a:rPr lang="pt-BR" dirty="0"/>
+              <a:t> </a:t>
+            </a:r>
+            <a:r>
+              <a:rPr lang="pt-BR" dirty="0" err="1"/>
+              <a:t>Mapskills</a:t>
+            </a:r>
+            <a:r>
+              <a:rPr lang="pt-BR" dirty="0"/>
+              <a:t> </a:t>
+            </a:r>
+            <a:r>
+              <a:rPr lang="pt-BR" dirty="0" err="1"/>
+              <a:t>App</a:t>
+            </a:r>
+            <a:endParaRPr lang="pt-BR" dirty="0"/>
+          </a:p>
+          <a:p>
+            <a:pPr lvl="1" hangingPunct="0"/>
+            <a:r>
+              <a:rPr lang="pt-BR" dirty="0" err="1"/>
+              <a:t>Copy</a:t>
+            </a:r>
+            <a:r>
+              <a:rPr lang="pt-BR" dirty="0"/>
+              <a:t> </a:t>
+            </a:r>
+            <a:r>
+              <a:rPr lang="pt-BR" dirty="0" err="1"/>
+              <a:t>Artifact</a:t>
+            </a:r>
+            <a:r>
+              <a:rPr lang="pt-BR" dirty="0"/>
+              <a:t> </a:t>
+            </a:r>
+            <a:r>
+              <a:rPr lang="pt-BR" dirty="0" err="1"/>
+              <a:t>Mapskills</a:t>
+            </a:r>
+            <a:r>
+              <a:rPr lang="pt-BR" dirty="0"/>
+              <a:t> </a:t>
+            </a:r>
+            <a:r>
               <a:rPr lang="pt-BR" dirty="0" smtClean="0"/>
-              <a:t>8.5</a:t>
-            </a:r>
-          </a:p>
-          <a:p>
-            <a:pPr hangingPunct="0"/>
-            <a:r>
-              <a:rPr lang="pt-BR" dirty="0" smtClean="0"/>
-              <a:t>Java </a:t>
+              <a:t>Front</a:t>
+            </a:r>
+            <a:endParaRPr lang="pt-BR" dirty="0"/>
+          </a:p>
+          <a:p>
+            <a:pPr lvl="1" hangingPunct="0"/>
+            <a:r>
+              <a:rPr lang="pt-BR" dirty="0" err="1"/>
+              <a:t>Deploy</a:t>
             </a:r>
             <a:r>
               <a:rPr lang="pt-BR" dirty="0"/>
-              <a:t>1.8 </a:t>
-            </a:r>
-          </a:p>
-          <a:p>
-            <a:pPr hangingPunct="0"/>
-            <a:r>
-              <a:rPr lang="pt-BR" dirty="0" smtClean="0"/>
-              <a:t>Container </a:t>
-            </a:r>
-            <a:r>
-              <a:rPr lang="pt-BR" dirty="0"/>
-              <a:t>responsável por conter o projeto Java de </a:t>
-            </a:r>
-            <a:r>
-              <a:rPr lang="pt-BR" i="1" dirty="0" err="1"/>
-              <a:t>back-end</a:t>
-            </a:r>
-            <a:r>
-              <a:rPr lang="pt-BR" dirty="0"/>
-              <a:t>, </a:t>
-            </a:r>
-            <a:r>
-              <a:rPr lang="pt-BR" i="1" dirty="0" err="1"/>
-              <a:t>mapskills.war</a:t>
+              <a:t> </a:t>
+            </a:r>
+            <a:r>
+              <a:rPr lang="pt-BR" dirty="0" err="1"/>
+              <a:t>Mapskills</a:t>
             </a:r>
             <a:r>
               <a:rPr lang="pt-BR" dirty="0"/>
@@ -10981,31 +11711,27 @@
           <a:p>
             <a:pPr hangingPunct="0"/>
             <a:r>
-              <a:rPr lang="pt-BR" dirty="0" err="1" smtClean="0"/>
+              <a:rPr lang="pt-BR" dirty="0" err="1"/>
               <a:t>Url</a:t>
             </a:r>
             <a:r>
-              <a:rPr lang="pt-BR" dirty="0" smtClean="0"/>
-              <a:t> </a:t>
-            </a:r>
-            <a:r>
               <a:rPr lang="pt-BR" dirty="0"/>
-              <a:t>de acesso a API: http://ip_do_host:8080/</a:t>
-            </a:r>
-            <a:r>
-              <a:rPr lang="pt-BR" i="1" dirty="0"/>
-              <a:t>mapskills</a:t>
-            </a:r>
-            <a:endParaRPr lang="pt-BR" dirty="0"/>
-          </a:p>
-          <a:p>
-            <a:endParaRPr lang="pt-BR" dirty="0"/>
-          </a:p>
-        </p:txBody>
-      </p:sp>
-      <p:sp>
-        <p:nvSpPr>
-          <p:cNvPr id="4" name="Retângulo 3"/>
+              <a:t> de acesso ao </a:t>
+            </a:r>
+            <a:r>
+              <a:rPr lang="pt-BR" dirty="0" err="1"/>
+              <a:t>Jenkins</a:t>
+            </a:r>
+            <a:r>
+              <a:rPr lang="pt-BR" dirty="0"/>
+              <a:t>: http://ip_do_host:8585.</a:t>
+            </a:r>
+          </a:p>
+        </p:txBody>
+      </p:sp>
+      <p:sp>
+        <p:nvSpPr>
+          <p:cNvPr id="5" name="Retângulo 4"/>
           <p:cNvSpPr/>
           <p:nvPr/>
         </p:nvSpPr>
@@ -11037,7 +11763,7 @@
       </p:sp>
       <p:pic>
         <p:nvPicPr>
-          <p:cNvPr id="5" name="Imagem 4"/>
+          <p:cNvPr id="6" name="Imagem 5"/>
           <p:cNvPicPr>
             <a:picLocks noChangeAspect="1"/>
           </p:cNvPicPr>
@@ -11068,7 +11794,7 @@
     </p:spTree>
     <p:extLst>
       <p:ext uri="{BB962C8B-B14F-4D97-AF65-F5344CB8AC3E}">
-        <p14:creationId xmlns:p14="http://schemas.microsoft.com/office/powerpoint/2010/main" val="3385733950"/>
+        <p14:creationId xmlns:p14="http://schemas.microsoft.com/office/powerpoint/2010/main" val="1515907411"/>
       </p:ext>
     </p:extLst>
   </p:cSld>
@@ -11111,123 +11837,42 @@
           <a:lstStyle/>
           <a:p>
             <a:r>
-              <a:rPr lang="pt-BR" dirty="0" err="1" smtClean="0"/>
-              <a:t>Mapskills</a:t>
-            </a:r>
-            <a:r>
-              <a:rPr lang="pt-BR" dirty="0" smtClean="0"/>
-              <a:t>-front</a:t>
+              <a:rPr lang="pt-BR" dirty="0" err="1"/>
+              <a:t>Mapskills-Jenkins</a:t>
             </a:r>
             <a:endParaRPr lang="pt-BR" dirty="0"/>
           </a:p>
         </p:txBody>
       </p:sp>
-      <p:sp>
-        <p:nvSpPr>
-          <p:cNvPr id="3" name="Espaço Reservado para Conteúdo 2"/>
-          <p:cNvSpPr>
-            <a:spLocks noGrp="1"/>
-          </p:cNvSpPr>
+      <p:pic>
+        <p:nvPicPr>
+          <p:cNvPr id="4" name="Figura1"/>
+          <p:cNvPicPr>
+            <a:picLocks noGrp="1"/>
+          </p:cNvPicPr>
           <p:nvPr>
             <p:ph idx="1"/>
           </p:nvPr>
-        </p:nvSpPr>
-        <p:spPr>
-          <a:xfrm>
-            <a:off x="680320" y="2310748"/>
-            <a:ext cx="9613861" cy="3599316"/>
-          </a:xfrm>
-        </p:spPr>
-        <p:txBody>
-          <a:bodyPr/>
-          <a:lstStyle/>
-          <a:p>
-            <a:pPr hangingPunct="0"/>
-            <a:r>
-              <a:rPr lang="pt-BR" dirty="0"/>
-              <a:t>Container responsável por conter o projeto de Interface </a:t>
-            </a:r>
-            <a:r>
-              <a:rPr lang="pt-BR" dirty="0" smtClean="0"/>
-              <a:t>Web, </a:t>
-            </a:r>
-            <a:r>
-              <a:rPr lang="pt-BR" dirty="0" err="1"/>
-              <a:t>mapskills-web.war</a:t>
-            </a:r>
-            <a:r>
-              <a:rPr lang="pt-BR" dirty="0"/>
-              <a:t>. </a:t>
-            </a:r>
-            <a:endParaRPr lang="pt-BR" dirty="0" smtClean="0"/>
-          </a:p>
-          <a:p>
-            <a:pPr hangingPunct="0"/>
-            <a:r>
-              <a:rPr lang="pt-BR" dirty="0" smtClean="0"/>
-              <a:t>Java </a:t>
-            </a:r>
-            <a:r>
-              <a:rPr lang="pt-BR" dirty="0"/>
-              <a:t>na versão 1.8 </a:t>
-            </a:r>
-            <a:endParaRPr lang="pt-BR" dirty="0" smtClean="0"/>
-          </a:p>
-          <a:p>
-            <a:pPr hangingPunct="0"/>
-            <a:r>
-              <a:rPr lang="pt-BR" dirty="0" err="1" smtClean="0"/>
-              <a:t>Tomcat</a:t>
-            </a:r>
-            <a:r>
-              <a:rPr lang="pt-BR" dirty="0" smtClean="0"/>
-              <a:t> 8.5</a:t>
-            </a:r>
-            <a:endParaRPr lang="pt-BR" dirty="0"/>
-          </a:p>
-          <a:p>
-            <a:pPr hangingPunct="0"/>
-            <a:r>
-              <a:rPr lang="pt-BR" dirty="0"/>
-              <a:t>Imagem Base: </a:t>
-            </a:r>
-            <a:r>
-              <a:rPr lang="pt-BR" dirty="0" err="1"/>
-              <a:t>Alpine</a:t>
-            </a:r>
-            <a:r>
-              <a:rPr lang="pt-BR" dirty="0"/>
-              <a:t> </a:t>
-            </a:r>
-            <a:r>
-              <a:rPr lang="pt-BR" dirty="0" smtClean="0"/>
-              <a:t>3</a:t>
-            </a:r>
-            <a:endParaRPr lang="pt-BR" dirty="0"/>
-          </a:p>
-          <a:p>
-            <a:pPr hangingPunct="0"/>
-            <a:r>
-              <a:rPr lang="pt-BR" dirty="0" err="1" smtClean="0"/>
-              <a:t>Url</a:t>
-            </a:r>
-            <a:r>
-              <a:rPr lang="pt-BR" dirty="0" smtClean="0"/>
-              <a:t> de acesso a interface: </a:t>
-            </a:r>
-            <a:r>
-              <a:rPr lang="pt-BR" dirty="0"/>
-              <a:t>http://ip_do_host/mapskills-web</a:t>
-            </a:r>
-          </a:p>
-          <a:p>
-            <a:endParaRPr lang="pt-BR" dirty="0"/>
-          </a:p>
-        </p:txBody>
-      </p:sp>
-      <p:sp>
-        <p:nvSpPr>
-          <p:cNvPr id="4" name="Retângulo 3"/>
+        </p:nvPicPr>
+        <p:blipFill>
+          <a:blip r:embed="rId2"/>
+          <a:stretch>
+            <a:fillRect/>
+          </a:stretch>
+        </p:blipFill>
+        <p:spPr bwMode="auto">
+          <a:xfrm>
+            <a:off x="1006892" y="2510226"/>
+            <a:ext cx="9613900" cy="3408765"/>
+          </a:xfrm>
+          <a:prstGeom prst="rect">
+            <a:avLst/>
+          </a:prstGeom>
+        </p:spPr>
+      </p:pic>
+      <p:sp>
+        <p:nvSpPr>
+          <p:cNvPr id="5" name="Retângulo 4"/>
           <p:cNvSpPr/>
           <p:nvPr/>
         </p:nvSpPr>
@@ -11259,14 +11904,14 @@
       </p:sp>
       <p:pic>
         <p:nvPicPr>
-          <p:cNvPr id="5" name="Imagem 4"/>
+          <p:cNvPr id="6" name="Imagem 5"/>
           <p:cNvPicPr>
             <a:picLocks noChangeAspect="1"/>
           </p:cNvPicPr>
           <p:nvPr/>
         </p:nvPicPr>
         <p:blipFill>
-          <a:blip r:embed="rId2" cstate="print">
+          <a:blip r:embed="rId3" cstate="print">
             <a:extLst>
               <a:ext uri="{28A0092B-C50C-407E-A947-70E740481C1C}">
                 <a14:useLocalDpi xmlns:a14="http://schemas.microsoft.com/office/drawing/2010/main" val="0"/>
@@ -11290,7 +11935,7 @@
     </p:spTree>
     <p:extLst>
       <p:ext uri="{BB962C8B-B14F-4D97-AF65-F5344CB8AC3E}">
-        <p14:creationId xmlns:p14="http://schemas.microsoft.com/office/powerpoint/2010/main" val="1993514350"/>
+        <p14:creationId xmlns:p14="http://schemas.microsoft.com/office/powerpoint/2010/main" val="2225200717"/>
       </p:ext>
     </p:extLst>
   </p:cSld>
@@ -11334,7 +11979,27 @@
           <a:p>
             <a:r>
               <a:rPr lang="pt-BR" dirty="0" err="1"/>
-              <a:t>Mapskills-Mysql</a:t>
+              <a:t>Job</a:t>
+            </a:r>
+            <a:r>
+              <a:rPr lang="pt-BR" dirty="0"/>
+              <a:t> - Build </a:t>
+            </a:r>
+            <a:r>
+              <a:rPr lang="pt-BR" dirty="0" err="1" smtClean="0"/>
+              <a:t>Mapskills-app</a:t>
+            </a:r>
+            <a:r>
+              <a:rPr lang="pt-BR" dirty="0" smtClean="0"/>
+              <a:t> e </a:t>
+            </a:r>
+            <a:r>
+              <a:rPr lang="pt-BR" dirty="0" err="1" smtClean="0"/>
+              <a:t>Mapkills</a:t>
+            </a:r>
+            <a:r>
+              <a:rPr lang="pt-BR" dirty="0" smtClean="0"/>
+              <a:t>-web</a:t>
             </a:r>
             <a:endParaRPr lang="pt-BR" dirty="0"/>
           </a:p>
@@ -11350,7 +12015,12 @@
             <p:ph idx="1"/>
           </p:nvPr>
         </p:nvSpPr>
-        <p:spPr/>
+        <p:spPr>
+          <a:xfrm>
+            <a:off x="680321" y="2336873"/>
+            <a:ext cx="10122662" cy="3599316"/>
+          </a:xfrm>
+        </p:spPr>
         <p:txBody>
           <a:bodyPr>
             <a:normAutofit/>
@@ -11360,90 +12030,49 @@
             <a:pPr hangingPunct="0"/>
             <a:r>
               <a:rPr lang="pt-BR" dirty="0" smtClean="0"/>
-              <a:t>Alterado parâmetro </a:t>
-            </a:r>
-            <a:r>
-              <a:rPr lang="pt-BR" i="1" dirty="0" err="1" smtClean="0"/>
-              <a:t>bind-address</a:t>
+              <a:t>Estes </a:t>
+            </a:r>
+            <a:r>
+              <a:rPr lang="pt-BR" i="1" dirty="0" smtClean="0"/>
+              <a:t>Jobs</a:t>
             </a:r>
             <a:r>
               <a:rPr lang="pt-BR" dirty="0" smtClean="0"/>
-              <a:t> </a:t>
+              <a:t> irão fazer o download dos projetos </a:t>
             </a:r>
             <a:r>
               <a:rPr lang="pt-BR" dirty="0"/>
-              <a:t>para </a:t>
-            </a:r>
-            <a:r>
-              <a:rPr lang="pt-BR" i="1" dirty="0"/>
-              <a:t>0.0.0.0 </a:t>
+              <a:t>Java do repositório </a:t>
+            </a:r>
+            <a:r>
+              <a:rPr lang="pt-BR" dirty="0" smtClean="0"/>
+              <a:t>GitHub, baixar as dependências do projeto e compila-lo </a:t>
             </a:r>
             <a:r>
               <a:rPr lang="pt-BR" dirty="0"/>
-              <a:t>no arquivo </a:t>
-            </a:r>
-            <a:r>
-              <a:rPr lang="pt-BR" i="1" dirty="0" err="1"/>
-              <a:t>my.cnf</a:t>
-            </a:r>
-            <a:r>
-              <a:rPr lang="pt-BR" i="1" dirty="0"/>
-              <a:t> </a:t>
-            </a:r>
-            <a:r>
-              <a:rPr lang="pt-BR" dirty="0"/>
-              <a:t>permitindo acesso remoto.</a:t>
-            </a:r>
-          </a:p>
-          <a:p>
-            <a:pPr hangingPunct="0"/>
-            <a:r>
-              <a:rPr lang="pt-BR" dirty="0"/>
-              <a:t>Usuário </a:t>
+              <a:t>no formato .</a:t>
             </a:r>
             <a:r>
               <a:rPr lang="pt-BR" dirty="0" err="1" smtClean="0"/>
-              <a:t>mapskills</a:t>
+              <a:t>war</a:t>
             </a:r>
             <a:r>
               <a:rPr lang="pt-BR" dirty="0" smtClean="0"/>
-              <a:t> com permissões de acesso remoto e execução de comandos DCL e DDL na </a:t>
-            </a:r>
-            <a:r>
-              <a:rPr lang="pt-BR" dirty="0"/>
-              <a:t>Base de Dados </a:t>
-            </a:r>
-            <a:r>
-              <a:rPr lang="pt-BR" dirty="0" err="1"/>
-              <a:t>Mapskills</a:t>
-            </a:r>
-            <a:r>
-              <a:rPr lang="pt-BR" dirty="0"/>
               <a:t>.</a:t>
             </a:r>
-          </a:p>
-          <a:p>
-            <a:pPr hangingPunct="0"/>
-            <a:r>
-              <a:rPr lang="pt-BR" dirty="0"/>
-              <a:t>Somente o Container </a:t>
-            </a:r>
-            <a:r>
-              <a:rPr lang="pt-BR" dirty="0" err="1" smtClean="0"/>
-              <a:t>Mapskills-back</a:t>
-            </a:r>
-            <a:r>
-              <a:rPr lang="pt-BR" dirty="0" smtClean="0"/>
-              <a:t> </a:t>
-            </a:r>
-            <a:r>
-              <a:rPr lang="pt-BR" dirty="0"/>
-              <a:t>pode se comunicar com a Base de </a:t>
-            </a:r>
-            <a:r>
-              <a:rPr lang="pt-BR" dirty="0" smtClean="0"/>
-              <a:t>Dados.</a:t>
-            </a:r>
+            <a:endParaRPr lang="pt-BR" dirty="0"/>
+          </a:p>
+          <a:p>
+            <a:pPr marL="0" indent="0" hangingPunct="0">
+              <a:buNone/>
+            </a:pPr>
+            <a:endParaRPr lang="pt-BR" dirty="0"/>
+          </a:p>
+          <a:p>
+            <a:pPr marL="0" indent="0" hangingPunct="0">
+              <a:buNone/>
+            </a:pPr>
+            <a:endParaRPr lang="en-US" dirty="0"/>
           </a:p>
           <a:p>
             <a:pPr hangingPunct="0"/>
@@ -11516,7 +12145,7 @@
     </p:spTree>
     <p:extLst>
       <p:ext uri="{BB962C8B-B14F-4D97-AF65-F5344CB8AC3E}">
-        <p14:creationId xmlns:p14="http://schemas.microsoft.com/office/powerpoint/2010/main" val="3414724196"/>
+        <p14:creationId xmlns:p14="http://schemas.microsoft.com/office/powerpoint/2010/main" val="1785981346"/>
       </p:ext>
     </p:extLst>
   </p:cSld>
@@ -11559,8 +12188,79 @@
           <a:lstStyle/>
           <a:p>
             <a:r>
+              <a:rPr lang="pt-BR" dirty="0" smtClean="0"/>
+              <a:t>Jobs </a:t>
+            </a:r>
+            <a:r>
+              <a:rPr lang="pt-BR" dirty="0"/>
+              <a:t>-</a:t>
+            </a:r>
+            <a:r>
+              <a:rPr lang="pt-BR" dirty="0" smtClean="0"/>
+              <a:t> </a:t>
+            </a:r>
+            <a:r>
               <a:rPr lang="pt-BR" dirty="0" err="1"/>
-              <a:t>Mapskills-Haproxy</a:t>
+              <a:t>Copy</a:t>
+            </a:r>
+            <a:r>
+              <a:rPr lang="pt-BR" dirty="0"/>
+              <a:t> </a:t>
+            </a:r>
+            <a:r>
+              <a:rPr lang="pt-BR" dirty="0" err="1"/>
+              <a:t>Artifact</a:t>
+            </a:r>
+            <a:r>
+              <a:rPr lang="pt-BR" dirty="0"/>
+              <a:t> </a:t>
+            </a:r>
+            <a:r>
+              <a:rPr lang="pt-BR" dirty="0" err="1"/>
+              <a:t>Mapskills-app</a:t>
+            </a:r>
+            <a:r>
+              <a:rPr lang="pt-BR" dirty="0"/>
+              <a:t> e </a:t>
+            </a:r>
+            <a:r>
+              <a:rPr lang="pt-BR" dirty="0" smtClean="0"/>
+              <a:t/>
+            </a:r>
+            <a:br>
+              <a:rPr lang="pt-BR" dirty="0" smtClean="0"/>
+            </a:br>
+            <a:r>
+              <a:rPr lang="pt-BR" dirty="0"/>
+              <a:t>	</a:t>
+            </a:r>
+            <a:r>
+              <a:rPr lang="pt-BR" dirty="0" smtClean="0"/>
+              <a:t>   </a:t>
+            </a:r>
+            <a:r>
+              <a:rPr lang="pt-BR" dirty="0" err="1" smtClean="0"/>
+              <a:t>Copy</a:t>
+            </a:r>
+            <a:r>
+              <a:rPr lang="pt-BR" dirty="0" smtClean="0"/>
+              <a:t> </a:t>
+            </a:r>
+            <a:r>
+              <a:rPr lang="pt-BR" dirty="0" err="1" smtClean="0"/>
+              <a:t>Artifact</a:t>
+            </a:r>
+            <a:r>
+              <a:rPr lang="pt-BR" dirty="0" smtClean="0"/>
+              <a:t> </a:t>
+            </a:r>
+            <a:r>
+              <a:rPr lang="pt-BR" dirty="0" err="1" smtClean="0"/>
+              <a:t>Mapskills</a:t>
+            </a:r>
+            <a:r>
+              <a:rPr lang="pt-BR" dirty="0" smtClean="0"/>
+              <a:t>-front</a:t>
             </a:r>
             <a:endParaRPr lang="pt-BR" dirty="0"/>
           </a:p>
@@ -11576,63 +12276,83 @@
             <p:ph idx="1"/>
           </p:nvPr>
         </p:nvSpPr>
-        <p:spPr/>
+        <p:spPr>
+          <a:xfrm>
+            <a:off x="567963" y="2415250"/>
+            <a:ext cx="10829108" cy="3599316"/>
+          </a:xfrm>
+        </p:spPr>
         <p:txBody>
           <a:bodyPr>
             <a:normAutofit/>
           </a:bodyPr>
           <a:lstStyle/>
           <a:p>
-            <a:pPr hangingPunct="0"/>
+            <a:r>
+              <a:rPr lang="pt-BR" dirty="0" smtClean="0"/>
+              <a:t>Depende </a:t>
+            </a:r>
+            <a:r>
+              <a:rPr lang="pt-BR" dirty="0" smtClean="0"/>
+              <a:t>do </a:t>
+            </a:r>
             <a:r>
               <a:rPr lang="pt-BR" dirty="0" err="1" smtClean="0"/>
-              <a:t>Balanceador</a:t>
+              <a:t>job</a:t>
             </a:r>
             <a:r>
               <a:rPr lang="pt-BR" dirty="0" smtClean="0"/>
-              <a:t> de carga que controla as requisições HTTP </a:t>
+              <a:t> Build-</a:t>
+            </a:r>
+            <a:r>
+              <a:rPr lang="pt-BR" dirty="0" err="1" smtClean="0"/>
+              <a:t>Mapskills</a:t>
+            </a:r>
+            <a:r>
+              <a:rPr lang="pt-BR" dirty="0" smtClean="0"/>
+              <a:t>-</a:t>
+            </a:r>
+            <a:r>
+              <a:rPr lang="pt-BR" dirty="0" err="1" smtClean="0"/>
+              <a:t>App</a:t>
+            </a:r>
+            <a:r>
+              <a:rPr lang="pt-BR" dirty="0" smtClean="0"/>
+              <a:t> e </a:t>
+            </a:r>
+            <a:r>
+              <a:rPr lang="pt-BR" dirty="0" err="1" smtClean="0"/>
+              <a:t>Mapskills</a:t>
+            </a:r>
+            <a:r>
+              <a:rPr lang="pt-BR" dirty="0" smtClean="0"/>
+              <a:t>-Front.</a:t>
+            </a:r>
+          </a:p>
+          <a:p>
+            <a:r>
+              <a:rPr lang="pt-BR" dirty="0" smtClean="0"/>
+              <a:t>Ele </a:t>
             </a:r>
             <a:r>
               <a:rPr lang="pt-BR" dirty="0"/>
-              <a:t>destinadas ao </a:t>
+              <a:t>copiar o arquivo .</a:t>
+            </a:r>
+            <a:r>
+              <a:rPr lang="pt-BR" dirty="0" err="1"/>
+              <a:t>war</a:t>
+            </a:r>
+            <a:r>
+              <a:rPr lang="pt-BR" dirty="0"/>
+              <a:t> da pasta </a:t>
+            </a:r>
+            <a:r>
+              <a:rPr lang="pt-BR" dirty="0" smtClean="0"/>
+              <a:t>Target do Container </a:t>
             </a:r>
             <a:r>
               <a:rPr lang="pt-BR" dirty="0" err="1" smtClean="0"/>
-              <a:t>Mapskills-app</a:t>
-            </a:r>
-            <a:r>
-              <a:rPr lang="pt-BR" dirty="0"/>
-              <a:t>.</a:t>
-            </a:r>
-          </a:p>
-          <a:p>
-            <a:pPr hangingPunct="0"/>
-            <a:r>
-              <a:rPr lang="pt-BR" dirty="0" smtClean="0"/>
-              <a:t>Utiliza do algoritmo </a:t>
-            </a:r>
-            <a:r>
-              <a:rPr lang="pt-BR" dirty="0"/>
-              <a:t>Round </a:t>
-            </a:r>
-            <a:r>
-              <a:rPr lang="pt-BR" dirty="0" smtClean="0"/>
-              <a:t>Robin.</a:t>
-            </a:r>
-            <a:endParaRPr lang="pt-BR" dirty="0"/>
-          </a:p>
-          <a:p>
-            <a:pPr hangingPunct="0"/>
-            <a:r>
-              <a:rPr lang="pt-BR" dirty="0" smtClean="0"/>
-              <a:t>Proxy Reverso.</a:t>
-            </a:r>
-          </a:p>
-          <a:p>
-            <a:pPr hangingPunct="0"/>
-            <a:r>
-              <a:rPr lang="pt-BR" dirty="0" err="1" smtClean="0"/>
-              <a:t>Dashboard</a:t>
+              <a:t>Jenkins</a:t>
             </a:r>
             <a:r>
               <a:rPr lang="pt-BR" dirty="0" smtClean="0"/>
@@ -11640,62 +12360,37 @@
             </a:r>
             <a:r>
               <a:rPr lang="pt-BR" dirty="0"/>
-              <a:t>para visualização </a:t>
+              <a:t>para o volume </a:t>
+            </a:r>
+            <a:r>
+              <a:rPr lang="pt-BR" dirty="0" err="1" smtClean="0"/>
+              <a:t>Docker</a:t>
             </a:r>
             <a:r>
               <a:rPr lang="pt-BR" dirty="0" smtClean="0"/>
-              <a:t>do </a:t>
-            </a:r>
-            <a:r>
-              <a:rPr lang="pt-BR" dirty="0"/>
-              <a:t>números de </a:t>
+              <a:t> </a:t>
+            </a:r>
+            <a:r>
+              <a:rPr lang="pt-BR" dirty="0" err="1" smtClean="0"/>
+              <a:t>Mapskills-back</a:t>
             </a:r>
             <a:r>
               <a:rPr lang="pt-BR" dirty="0" smtClean="0"/>
-              <a:t>requisições, exibindo em </a:t>
-            </a:r>
-            <a:r>
-              <a:rPr lang="pt-BR" dirty="0"/>
-              <a:t>tempo real a quantidade de </a:t>
+              <a:t> e </a:t>
+            </a:r>
+            <a:r>
+              <a:rPr lang="pt-BR" dirty="0" err="1" smtClean="0"/>
+              <a:t>Mapskills</a:t>
             </a:r>
             <a:r>
               <a:rPr lang="pt-BR" dirty="0" smtClean="0"/>
-              <a:t>dados </a:t>
-            </a:r>
-            <a:r>
-              <a:rPr lang="pt-BR" dirty="0"/>
-              <a:t>que foi trafegada pela </a:t>
-            </a:r>
-            <a:r>
-              <a:rPr lang="pt-BR" dirty="0" smtClean="0"/>
-              <a:t>rede</a:t>
-            </a:r>
-            <a:r>
-              <a:rPr lang="pt-BR" dirty="0"/>
+              <a:t>-front</a:t>
+            </a:r>
+            <a:r>
+              <a:rPr lang="pt-BR" i="1" dirty="0" smtClean="0"/>
               <a:t>.</a:t>
             </a:r>
-          </a:p>
-          <a:p>
-            <a:pPr hangingPunct="0"/>
-            <a:r>
-              <a:rPr lang="pt-BR" dirty="0" err="1"/>
-              <a:t>Url</a:t>
-            </a:r>
-            <a:r>
-              <a:rPr lang="pt-BR" dirty="0"/>
-              <a:t> de acesso ao </a:t>
-            </a:r>
-            <a:r>
-              <a:rPr lang="pt-BR" dirty="0" err="1"/>
-              <a:t>dashboard</a:t>
-            </a:r>
-            <a:r>
-              <a:rPr lang="pt-BR" dirty="0"/>
-              <a:t>: http://ip_do_host:1936.</a:t>
-            </a:r>
-          </a:p>
-          <a:p>
-            <a:endParaRPr lang="pt-BR" dirty="0"/>
+            <a:endParaRPr lang="pt-BR" i="1" dirty="0"/>
           </a:p>
         </p:txBody>
       </p:sp>
@@ -11764,7 +12459,7 @@
     </p:spTree>
     <p:extLst>
       <p:ext uri="{BB962C8B-B14F-4D97-AF65-F5344CB8AC3E}">
-        <p14:creationId xmlns:p14="http://schemas.microsoft.com/office/powerpoint/2010/main" val="1443225755"/>
+        <p14:creationId xmlns:p14="http://schemas.microsoft.com/office/powerpoint/2010/main" val="1070249952"/>
       </p:ext>
     </p:extLst>
   </p:cSld>
@@ -11808,41 +12503,140 @@
           <a:p>
             <a:r>
               <a:rPr lang="pt-BR" dirty="0" err="1"/>
-              <a:t>Mapskills-Haproxy</a:t>
+              <a:t>Job</a:t>
+            </a:r>
+            <a:r>
+              <a:rPr lang="pt-BR" dirty="0"/>
+              <a:t> – </a:t>
+            </a:r>
+            <a:r>
+              <a:rPr lang="pt-BR" dirty="0" err="1"/>
+              <a:t>Deploy</a:t>
+            </a:r>
+            <a:r>
+              <a:rPr lang="pt-BR" dirty="0"/>
+              <a:t> </a:t>
+            </a:r>
+            <a:r>
+              <a:rPr lang="pt-BR" dirty="0" err="1"/>
+              <a:t>Mapskills</a:t>
             </a:r>
             <a:endParaRPr lang="pt-BR" dirty="0"/>
           </a:p>
         </p:txBody>
       </p:sp>
-      <p:pic>
-        <p:nvPicPr>
-          <p:cNvPr id="4" name="Figura4"/>
-          <p:cNvPicPr>
-            <a:picLocks noGrp="1"/>
-          </p:cNvPicPr>
+      <p:sp>
+        <p:nvSpPr>
+          <p:cNvPr id="3" name="Espaço Reservado para Conteúdo 2"/>
+          <p:cNvSpPr>
+            <a:spLocks noGrp="1"/>
+          </p:cNvSpPr>
           <p:nvPr>
             <p:ph idx="1"/>
           </p:nvPr>
-        </p:nvPicPr>
-        <p:blipFill>
-          <a:blip r:embed="rId2"/>
-          <a:stretch>
-            <a:fillRect/>
-          </a:stretch>
-        </p:blipFill>
-        <p:spPr bwMode="auto">
-          <a:xfrm>
-            <a:off x="1410789" y="2336800"/>
-            <a:ext cx="8386353" cy="3598863"/>
-          </a:xfrm>
-          <a:prstGeom prst="rect">
-            <a:avLst/>
-          </a:prstGeom>
-        </p:spPr>
-      </p:pic>
-      <p:sp>
-        <p:nvSpPr>
-          <p:cNvPr id="5" name="Retângulo 4"/>
+        </p:nvSpPr>
+        <p:spPr>
+          <a:xfrm>
+            <a:off x="680321" y="2336873"/>
+            <a:ext cx="10893370" cy="3599316"/>
+          </a:xfrm>
+        </p:spPr>
+        <p:txBody>
+          <a:bodyPr/>
+          <a:lstStyle/>
+          <a:p>
+            <a:pPr hangingPunct="0"/>
+            <a:r>
+              <a:rPr lang="pt-BR" dirty="0" err="1" smtClean="0"/>
+              <a:t>Dependencia</a:t>
+            </a:r>
+            <a:r>
+              <a:rPr lang="pt-BR" dirty="0" smtClean="0"/>
+              <a:t> dos Jobs </a:t>
+            </a:r>
+            <a:r>
+              <a:rPr lang="pt-BR" dirty="0" err="1" smtClean="0"/>
+              <a:t>Copy</a:t>
+            </a:r>
+            <a:r>
+              <a:rPr lang="pt-BR" dirty="0" smtClean="0"/>
+              <a:t> </a:t>
+            </a:r>
+            <a:r>
+              <a:rPr lang="pt-BR" dirty="0" err="1" smtClean="0"/>
+              <a:t>Artifact</a:t>
+            </a:r>
+            <a:r>
+              <a:rPr lang="pt-BR" dirty="0" smtClean="0"/>
+              <a:t> </a:t>
+            </a:r>
+            <a:r>
+              <a:rPr lang="pt-BR" dirty="0" err="1" smtClean="0"/>
+              <a:t>Mapskills</a:t>
+            </a:r>
+            <a:r>
+              <a:rPr lang="pt-BR" dirty="0" smtClean="0"/>
+              <a:t> </a:t>
+            </a:r>
+            <a:r>
+              <a:rPr lang="pt-BR" dirty="0" err="1" smtClean="0"/>
+              <a:t>app</a:t>
+            </a:r>
+            <a:r>
+              <a:rPr lang="pt-BR" dirty="0" smtClean="0"/>
+              <a:t> e </a:t>
+            </a:r>
+            <a:r>
+              <a:rPr lang="pt-BR" dirty="0" err="1" smtClean="0"/>
+              <a:t>Mapskills</a:t>
+            </a:r>
+            <a:r>
+              <a:rPr lang="pt-BR" dirty="0"/>
+              <a:t> </a:t>
+            </a:r>
+            <a:r>
+              <a:rPr lang="pt-BR" dirty="0" smtClean="0"/>
+              <a:t>front</a:t>
+            </a:r>
+            <a:endParaRPr lang="pt-BR" dirty="0" smtClean="0"/>
+          </a:p>
+          <a:p>
+            <a:pPr hangingPunct="0"/>
+            <a:r>
+              <a:rPr lang="pt-BR" dirty="0" smtClean="0"/>
+              <a:t>Execução do arquivo</a:t>
+            </a:r>
+            <a:r>
+              <a:rPr lang="pt-BR" dirty="0" smtClean="0"/>
+              <a:t> </a:t>
+            </a:r>
+            <a:r>
+              <a:rPr lang="pt-BR" dirty="0"/>
+              <a:t>“</a:t>
+            </a:r>
+            <a:r>
+              <a:rPr lang="pt-BR" dirty="0" err="1"/>
+              <a:t>docker-compose.yml</a:t>
+            </a:r>
+            <a:r>
+              <a:rPr lang="pt-BR" dirty="0"/>
+              <a:t>”.</a:t>
+            </a:r>
+          </a:p>
+          <a:p>
+            <a:pPr marL="0" indent="0" hangingPunct="0">
+              <a:buNone/>
+            </a:pPr>
+            <a:endParaRPr lang="en-US" dirty="0"/>
+          </a:p>
+          <a:p>
+            <a:endParaRPr lang="pt-BR" dirty="0"/>
+          </a:p>
+        </p:txBody>
+      </p:sp>
+      <p:sp>
+        <p:nvSpPr>
+          <p:cNvPr id="4" name="Retângulo 3"/>
           <p:cNvSpPr/>
           <p:nvPr/>
         </p:nvSpPr>
@@ -11874,14 +12668,14 @@
       </p:sp>
       <p:pic>
         <p:nvPicPr>
-          <p:cNvPr id="6" name="Imagem 5"/>
+          <p:cNvPr id="5" name="Imagem 4"/>
           <p:cNvPicPr>
             <a:picLocks noChangeAspect="1"/>
           </p:cNvPicPr>
           <p:nvPr/>
         </p:nvPicPr>
         <p:blipFill>
-          <a:blip r:embed="rId3" cstate="print">
+          <a:blip r:embed="rId2" cstate="print">
             <a:extLst>
               <a:ext uri="{28A0092B-C50C-407E-A947-70E740481C1C}">
                 <a14:useLocalDpi xmlns:a14="http://schemas.microsoft.com/office/drawing/2010/main" val="0"/>
@@ -11905,7 +12699,7 @@
     </p:spTree>
     <p:extLst>
       <p:ext uri="{BB962C8B-B14F-4D97-AF65-F5344CB8AC3E}">
-        <p14:creationId xmlns:p14="http://schemas.microsoft.com/office/powerpoint/2010/main" val="1829818420"/>
+        <p14:creationId xmlns:p14="http://schemas.microsoft.com/office/powerpoint/2010/main" val="2729253744"/>
       </p:ext>
     </p:extLst>
   </p:cSld>
@@ -11939,7 +12733,7 @@
             <a:spLocks noGrp="1"/>
           </p:cNvSpPr>
           <p:nvPr>
-            <p:ph type="title"/>
+            <p:ph type="ctrTitle"/>
           </p:nvPr>
         </p:nvSpPr>
         <p:spPr/>
@@ -11948,213 +12742,35 @@
           <a:lstStyle/>
           <a:p>
             <a:r>
-              <a:rPr lang="pt-BR" dirty="0" err="1"/>
-              <a:t>Docker-Compose</a:t>
-            </a:r>
-            <a:endParaRPr lang="pt-BR" dirty="0"/>
-          </a:p>
-        </p:txBody>
-      </p:sp>
-      <p:sp>
-        <p:nvSpPr>
-          <p:cNvPr id="3" name="Espaço Reservado para Conteúdo 2"/>
-          <p:cNvSpPr>
-            <a:spLocks noGrp="1"/>
-          </p:cNvSpPr>
-          <p:nvPr>
-            <p:ph idx="1"/>
+              <a:rPr lang="pt-BR" dirty="0"/>
+              <a:t>Resultados</a:t>
+            </a:r>
+          </a:p>
+        </p:txBody>
+      </p:sp>
+      <p:sp>
+        <p:nvSpPr>
+          <p:cNvPr id="3" name="Subtítulo 2"/>
+          <p:cNvSpPr>
+            <a:spLocks noGrp="1"/>
+          </p:cNvSpPr>
+          <p:nvPr>
+            <p:ph type="subTitle" idx="1"/>
           </p:nvPr>
         </p:nvSpPr>
         <p:spPr/>
         <p:txBody>
-          <a:bodyPr>
-            <a:normAutofit lnSpcReduction="10000"/>
-          </a:bodyPr>
-          <a:lstStyle/>
-          <a:p>
-            <a:pPr hangingPunct="0"/>
-            <a:r>
-              <a:rPr lang="pt-BR" dirty="0" smtClean="0"/>
-              <a:t>Automatização e orquestração de </a:t>
-            </a:r>
-            <a:r>
-              <a:rPr lang="pt-BR" dirty="0"/>
-              <a:t>todo ambiente de produção necessário para que o </a:t>
-            </a:r>
-            <a:r>
-              <a:rPr lang="pt-BR" dirty="0" err="1"/>
-              <a:t>Mapskills</a:t>
-            </a:r>
-            <a:r>
-              <a:rPr lang="pt-BR" dirty="0"/>
-              <a:t> funcione. </a:t>
-            </a:r>
-            <a:endParaRPr lang="pt-BR" dirty="0" smtClean="0"/>
-          </a:p>
-          <a:p>
-            <a:pPr hangingPunct="0"/>
-            <a:r>
-              <a:rPr lang="pt-BR" dirty="0" err="1" smtClean="0"/>
-              <a:t>Docker-compose</a:t>
-            </a:r>
-            <a:r>
-              <a:rPr lang="pt-BR" dirty="0" smtClean="0"/>
-              <a:t> </a:t>
-            </a:r>
-            <a:r>
-              <a:rPr lang="pt-BR" dirty="0"/>
-              <a:t>de aplicação: </a:t>
-            </a:r>
-            <a:endParaRPr lang="pt-BR" dirty="0" smtClean="0"/>
-          </a:p>
-          <a:p>
-            <a:pPr lvl="1" hangingPunct="0"/>
-            <a:r>
-              <a:rPr lang="pt-BR" dirty="0" err="1" smtClean="0"/>
-              <a:t>mapskill-back</a:t>
-            </a:r>
-            <a:r>
-              <a:rPr lang="pt-BR" dirty="0" smtClean="0"/>
-              <a:t>;</a:t>
-            </a:r>
-          </a:p>
-          <a:p>
-            <a:pPr lvl="1" hangingPunct="0"/>
-            <a:r>
-              <a:rPr lang="pt-BR" dirty="0" err="1" smtClean="0"/>
-              <a:t>Mapskills</a:t>
-            </a:r>
-            <a:r>
-              <a:rPr lang="pt-BR" dirty="0" smtClean="0"/>
-              <a:t>-front;</a:t>
-            </a:r>
-          </a:p>
-          <a:p>
-            <a:pPr lvl="1" hangingPunct="0"/>
-            <a:r>
-              <a:rPr lang="pt-BR" dirty="0" err="1" smtClean="0"/>
-              <a:t>mapskills-haproxy</a:t>
-            </a:r>
-            <a:r>
-              <a:rPr lang="pt-BR" dirty="0"/>
-              <a:t>. </a:t>
-            </a:r>
-          </a:p>
-          <a:p>
-            <a:pPr hangingPunct="0"/>
-            <a:r>
-              <a:rPr lang="pt-BR" dirty="0" err="1"/>
-              <a:t>Docker-compose</a:t>
-            </a:r>
-            <a:r>
-              <a:rPr lang="pt-BR" dirty="0"/>
-              <a:t> de gerenciamento: </a:t>
-            </a:r>
-            <a:endParaRPr lang="pt-BR" dirty="0" smtClean="0"/>
-          </a:p>
-          <a:p>
-            <a:pPr lvl="1" hangingPunct="0"/>
-            <a:r>
-              <a:rPr lang="pt-BR" dirty="0" err="1" smtClean="0"/>
-              <a:t>mapskills-jenkins</a:t>
-            </a:r>
-            <a:r>
-              <a:rPr lang="pt-BR" dirty="0"/>
-              <a:t>;</a:t>
-            </a:r>
-            <a:endParaRPr lang="pt-BR" dirty="0" smtClean="0"/>
-          </a:p>
-          <a:p>
-            <a:pPr lvl="1" hangingPunct="0"/>
-            <a:r>
-              <a:rPr lang="pt-BR" dirty="0" err="1" smtClean="0"/>
-              <a:t>mapskills-cavisor</a:t>
-            </a:r>
-            <a:r>
-              <a:rPr lang="pt-BR" dirty="0"/>
-              <a:t>;</a:t>
-            </a:r>
-            <a:endParaRPr lang="pt-BR" dirty="0" smtClean="0"/>
-          </a:p>
-          <a:p>
-            <a:pPr lvl="1" hangingPunct="0"/>
-            <a:r>
-              <a:rPr lang="pt-BR" dirty="0" err="1" smtClean="0"/>
-              <a:t>mapskills-mysql</a:t>
-            </a:r>
-            <a:r>
-              <a:rPr lang="pt-BR" dirty="0"/>
-              <a:t>. </a:t>
-            </a:r>
-          </a:p>
-        </p:txBody>
-      </p:sp>
-      <p:sp>
-        <p:nvSpPr>
-          <p:cNvPr id="4" name="Retângulo 3"/>
-          <p:cNvSpPr/>
-          <p:nvPr/>
-        </p:nvSpPr>
-        <p:spPr>
-          <a:xfrm>
-            <a:off x="680321" y="250521"/>
-            <a:ext cx="2231701" cy="369332"/>
-          </a:xfrm>
-          <a:prstGeom prst="rect">
-            <a:avLst/>
-          </a:prstGeom>
-        </p:spPr>
-        <p:txBody>
-          <a:bodyPr wrap="none">
-            <a:spAutoFit/>
-          </a:bodyPr>
-          <a:lstStyle/>
-          <a:p>
-            <a:pPr marL="285750" indent="-285750">
-              <a:buFont typeface="Arial" panose="020B0604020202020204" pitchFamily="34" charset="0"/>
-              <a:buChar char="•"/>
-            </a:pPr>
-            <a:r>
-              <a:rPr lang="pt-BR" dirty="0"/>
-              <a:t>Desenvolvimento</a:t>
-            </a:r>
-          </a:p>
-        </p:txBody>
-      </p:sp>
-      <p:pic>
-        <p:nvPicPr>
-          <p:cNvPr id="5" name="Imagem 4"/>
-          <p:cNvPicPr>
-            <a:picLocks noChangeAspect="1"/>
-          </p:cNvPicPr>
-          <p:nvPr/>
-        </p:nvPicPr>
-        <p:blipFill>
-          <a:blip r:embed="rId2" cstate="print">
-            <a:extLst>
-              <a:ext uri="{28A0092B-C50C-407E-A947-70E740481C1C}">
-                <a14:useLocalDpi xmlns:a14="http://schemas.microsoft.com/office/drawing/2010/main" val="0"/>
-              </a:ext>
-            </a:extLst>
-          </a:blip>
-          <a:stretch>
-            <a:fillRect/>
-          </a:stretch>
-        </p:blipFill>
-        <p:spPr>
-          <a:xfrm>
-            <a:off x="10602142" y="920672"/>
-            <a:ext cx="1589858" cy="650549"/>
-          </a:xfrm>
-          <a:prstGeom prst="rect">
-            <a:avLst/>
-          </a:prstGeom>
-        </p:spPr>
-      </p:pic>
+          <a:bodyPr/>
+          <a:lstStyle/>
+          <a:p>
+            <a:endParaRPr lang="pt-BR"/>
+          </a:p>
+        </p:txBody>
+      </p:sp>
     </p:spTree>
     <p:extLst>
       <p:ext uri="{BB962C8B-B14F-4D97-AF65-F5344CB8AC3E}">
-        <p14:creationId xmlns:p14="http://schemas.microsoft.com/office/powerpoint/2010/main" val="990325619"/>
+        <p14:creationId xmlns:p14="http://schemas.microsoft.com/office/powerpoint/2010/main" val="1979354097"/>
       </p:ext>
     </p:extLst>
   </p:cSld>
@@ -12198,7 +12814,7 @@
           <a:p>
             <a:r>
               <a:rPr lang="pt-BR" dirty="0"/>
-              <a:t>Links</a:t>
+              <a:t>Escopo dos Resultados</a:t>
             </a:r>
           </a:p>
         </p:txBody>
@@ -12215,94 +12831,50 @@
         </p:nvSpPr>
         <p:spPr/>
         <p:txBody>
-          <a:bodyPr>
-            <a:normAutofit/>
-          </a:bodyPr>
-          <a:lstStyle/>
-          <a:p>
-            <a:pPr hangingPunct="0"/>
-            <a:r>
-              <a:rPr lang="pt-BR" dirty="0" err="1" smtClean="0"/>
-              <a:t>Mapskills-app</a:t>
+          <a:bodyPr/>
+          <a:lstStyle/>
+          <a:p>
+            <a:r>
+              <a:rPr lang="pt-BR" dirty="0"/>
+              <a:t>Realizado com alunos da FATEC Prof. </a:t>
+            </a:r>
+            <a:r>
+              <a:rPr lang="pt-BR" dirty="0" err="1"/>
+              <a:t>Jessen</a:t>
+            </a:r>
+            <a:r>
+              <a:rPr lang="pt-BR" dirty="0"/>
+              <a:t> Vidal.</a:t>
+            </a:r>
+          </a:p>
+          <a:p>
+            <a:r>
+              <a:rPr lang="pt-BR" dirty="0"/>
+              <a:t>Entre os meses de março, abril e maio.</a:t>
+            </a:r>
+          </a:p>
+          <a:p>
+            <a:r>
+              <a:rPr lang="pt-BR" dirty="0"/>
+              <a:t>Testado por mais de </a:t>
             </a:r>
             <a:r>
               <a:rPr lang="pt-BR" dirty="0" smtClean="0"/>
-              <a:t> </a:t>
-            </a:r>
-            <a:r>
-              <a:rPr lang="pt-BR" dirty="0"/>
-              <a:t>e </a:t>
-            </a:r>
-            <a:r>
-              <a:rPr lang="pt-BR" dirty="0" err="1"/>
-              <a:t>Mapskills</a:t>
-            </a:r>
-            <a:r>
-              <a:rPr lang="pt-BR" dirty="0"/>
-              <a:t>-web </a:t>
-            </a:r>
-            <a:endParaRPr lang="pt-BR" dirty="0" smtClean="0"/>
-          </a:p>
-          <a:p>
-            <a:pPr hangingPunct="0"/>
-            <a:r>
-              <a:rPr lang="pt-BR" dirty="0" err="1" smtClean="0"/>
-              <a:t>Mapskills-app</a:t>
-            </a:r>
-            <a:r>
-              <a:rPr lang="pt-BR" dirty="0" smtClean="0"/>
-              <a:t> </a:t>
-            </a:r>
-            <a:r>
-              <a:rPr lang="pt-BR" dirty="0"/>
-              <a:t>e o </a:t>
-            </a:r>
-            <a:r>
-              <a:rPr lang="pt-BR" dirty="0" err="1" smtClean="0"/>
-              <a:t>Mapskills-mysql</a:t>
-            </a:r>
-            <a:endParaRPr lang="pt-BR" dirty="0" smtClean="0"/>
-          </a:p>
-          <a:p>
-            <a:pPr hangingPunct="0"/>
-            <a:r>
-              <a:rPr lang="pt-BR" dirty="0" err="1" smtClean="0"/>
-              <a:t>Mapskills-haproxy</a:t>
-            </a:r>
-            <a:r>
-              <a:rPr lang="pt-BR" dirty="0" smtClean="0"/>
-              <a:t> </a:t>
-            </a:r>
-            <a:r>
-              <a:rPr lang="pt-BR" dirty="0"/>
-              <a:t>e </a:t>
-            </a:r>
-            <a:r>
-              <a:rPr lang="pt-BR" dirty="0" err="1" smtClean="0"/>
-              <a:t>Mapskills-app</a:t>
-            </a:r>
-            <a:endParaRPr lang="pt-BR" dirty="0" smtClean="0"/>
-          </a:p>
-          <a:p>
-            <a:pPr hangingPunct="0"/>
-            <a:endParaRPr lang="pt-BR" dirty="0"/>
-          </a:p>
-          <a:p>
-            <a:pPr hangingPunct="0"/>
-            <a:endParaRPr lang="pt-BR" dirty="0"/>
-          </a:p>
-        </p:txBody>
-      </p:sp>
-      <p:sp>
-        <p:nvSpPr>
-          <p:cNvPr id="5" name="Retângulo 4"/>
+              <a:t>250 alunos.</a:t>
+            </a:r>
+          </a:p>
+        </p:txBody>
+      </p:sp>
+      <p:sp>
+        <p:nvSpPr>
+          <p:cNvPr id="6" name="Retângulo 5"/>
           <p:cNvSpPr/>
           <p:nvPr/>
         </p:nvSpPr>
         <p:spPr>
           <a:xfrm>
             <a:off x="680321" y="250521"/>
-            <a:ext cx="2231701" cy="369332"/>
+            <a:ext cx="1569917" cy="369332"/>
           </a:xfrm>
           <a:prstGeom prst="rect">
             <a:avLst/>
@@ -12320,21 +12892,21 @@
             </a:pPr>
             <a:r>
               <a:rPr lang="pt-BR" dirty="0"/>
-              <a:t>Desenvolvimento</a:t>
+              <a:t>Resultados</a:t>
             </a:r>
           </a:p>
         </p:txBody>
       </p:sp>
       <p:pic>
         <p:nvPicPr>
-          <p:cNvPr id="6" name="Espaço Reservado para Conteúdo 3"/>
+          <p:cNvPr id="5" name="Imagem 4"/>
           <p:cNvPicPr>
             <a:picLocks noChangeAspect="1"/>
           </p:cNvPicPr>
           <p:nvPr/>
         </p:nvPicPr>
         <p:blipFill>
-          <a:blip r:embed="rId2">
+          <a:blip r:embed="rId2" cstate="print">
             <a:extLst>
               <a:ext uri="{28A0092B-C50C-407E-A947-70E740481C1C}">
                 <a14:useLocalDpi xmlns:a14="http://schemas.microsoft.com/office/drawing/2010/main" val="0"/>
@@ -12347,36 +12919,6 @@
         </p:blipFill>
         <p:spPr>
           <a:xfrm>
-            <a:off x="6021978" y="3019988"/>
-            <a:ext cx="5742437" cy="3418908"/>
-          </a:xfrm>
-          <a:prstGeom prst="rect">
-            <a:avLst/>
-          </a:prstGeom>
-        </p:spPr>
-      </p:pic>
-      <p:pic>
-        <p:nvPicPr>
-          <p:cNvPr id="7" name="Imagem 6"/>
-          <p:cNvPicPr>
-            <a:picLocks noChangeAspect="1"/>
-          </p:cNvPicPr>
-          <p:nvPr/>
-        </p:nvPicPr>
-        <p:blipFill>
-          <a:blip r:embed="rId3" cstate="print">
-            <a:extLst>
-              <a:ext uri="{28A0092B-C50C-407E-A947-70E740481C1C}">
-                <a14:useLocalDpi xmlns:a14="http://schemas.microsoft.com/office/drawing/2010/main" val="0"/>
-              </a:ext>
-            </a:extLst>
-          </a:blip>
-          <a:stretch>
-            <a:fillRect/>
-          </a:stretch>
-        </p:blipFill>
-        <p:spPr>
-          <a:xfrm>
             <a:off x="10602142" y="920672"/>
             <a:ext cx="1589858" cy="650549"/>
           </a:xfrm>
@@ -12388,7 +12930,7 @@
     </p:spTree>
     <p:extLst>
       <p:ext uri="{BB962C8B-B14F-4D97-AF65-F5344CB8AC3E}">
-        <p14:creationId xmlns:p14="http://schemas.microsoft.com/office/powerpoint/2010/main" val="737797116"/>
+        <p14:creationId xmlns:p14="http://schemas.microsoft.com/office/powerpoint/2010/main" val="1937326064"/>
       </p:ext>
     </p:extLst>
   </p:cSld>
@@ -12432,7 +12974,7 @@
           <a:p>
             <a:r>
               <a:rPr lang="pt-BR" dirty="0"/>
-              <a:t>Volumes</a:t>
+              <a:t>Experimento 1</a:t>
             </a:r>
           </a:p>
         </p:txBody>
@@ -12450,7 +12992,7 @@
         <p:spPr>
           <a:xfrm>
             <a:off x="680321" y="2336873"/>
-            <a:ext cx="9613861" cy="4103116"/>
+            <a:ext cx="9613861" cy="3960688"/>
           </a:xfrm>
         </p:spPr>
         <p:txBody>
@@ -12459,110 +13001,88 @@
           </a:bodyPr>
           <a:lstStyle/>
           <a:p>
+            <a:r>
+              <a:rPr lang="pt-BR" dirty="0"/>
+              <a:t>Rede Interna</a:t>
+            </a:r>
+          </a:p>
+          <a:p>
+            <a:r>
+              <a:rPr lang="pt-BR" dirty="0"/>
+              <a:t>Data: 08 de março de 2017</a:t>
+            </a:r>
+          </a:p>
+          <a:p>
+            <a:r>
+              <a:rPr lang="pt-BR" dirty="0"/>
+              <a:t>Horário: 19h às 21h30.</a:t>
+            </a:r>
+          </a:p>
+          <a:p>
+            <a:r>
+              <a:rPr lang="pt-BR" dirty="0"/>
+              <a:t>Quantidade de Alunos: 120.</a:t>
+            </a:r>
+          </a:p>
+          <a:p>
+            <a:r>
+              <a:rPr lang="pt-BR" dirty="0"/>
+              <a:t>Localidade: FATEC São José dos Campos</a:t>
+            </a:r>
+          </a:p>
+          <a:p>
             <a:pPr hangingPunct="0"/>
             <a:r>
-              <a:rPr lang="pt-BR" dirty="0" err="1" smtClean="0"/>
-              <a:t>Mapskills-Mysql</a:t>
-            </a:r>
-            <a:r>
-              <a:rPr lang="pt-BR" dirty="0" smtClean="0"/>
-              <a:t> </a:t>
-            </a:r>
-            <a:r>
               <a:rPr lang="pt-BR" dirty="0"/>
-              <a:t>tem a finalidade de armazenar todas informações salva na base de dados</a:t>
-            </a:r>
-            <a:r>
-              <a:rPr lang="pt-BR" dirty="0" smtClean="0"/>
-              <a:t>.</a:t>
-            </a:r>
-          </a:p>
-          <a:p>
-            <a:pPr hangingPunct="0"/>
-            <a:r>
-              <a:rPr lang="pt-BR" dirty="0" err="1"/>
-              <a:t>Mapskills-Cadvisor</a:t>
-            </a:r>
-            <a:r>
-              <a:rPr lang="pt-BR" dirty="0"/>
-              <a:t> tem a finalidade de compartilhar informações do host com o container. </a:t>
-            </a:r>
-          </a:p>
-          <a:p>
-            <a:pPr hangingPunct="0"/>
-            <a:r>
-              <a:rPr lang="pt-BR" dirty="0" smtClean="0"/>
-              <a:t>Os volumes </a:t>
-            </a:r>
-            <a:r>
-              <a:rPr lang="pt-BR" dirty="0" err="1" smtClean="0"/>
-              <a:t>Mapkills-Jenkins</a:t>
-            </a:r>
-            <a:r>
-              <a:rPr lang="pt-BR" dirty="0"/>
-              <a:t>:</a:t>
-            </a:r>
-            <a:endParaRPr lang="pt-BR" dirty="0" smtClean="0"/>
+              <a:t>Resultado: </a:t>
+            </a:r>
+            <a:endParaRPr lang="pt-BR" sz="2200" dirty="0"/>
           </a:p>
           <a:p>
             <a:pPr lvl="1" hangingPunct="0"/>
             <a:r>
-              <a:rPr lang="pt-BR" sz="2400" dirty="0" smtClean="0"/>
-              <a:t>Volume compartilhado com os containers </a:t>
-            </a:r>
-            <a:r>
-              <a:rPr lang="pt-BR" sz="2400" dirty="0" err="1"/>
-              <a:t>Mapkills-App</a:t>
-            </a:r>
-            <a:r>
-              <a:rPr lang="pt-BR" sz="2400" dirty="0"/>
-              <a:t> e </a:t>
-            </a:r>
-            <a:r>
-              <a:rPr lang="pt-BR" sz="2400" dirty="0" err="1"/>
-              <a:t>Mapskills</a:t>
-            </a:r>
-            <a:r>
-              <a:rPr lang="pt-BR" sz="2400" dirty="0"/>
-              <a:t>-Web </a:t>
-            </a:r>
-            <a:endParaRPr lang="pt-BR" sz="2400" dirty="0" smtClean="0"/>
+              <a:rPr lang="pt-BR" sz="2200" dirty="0"/>
+              <a:t>Consumo de </a:t>
+            </a:r>
+            <a:r>
+              <a:rPr lang="pt-BR" sz="2200" dirty="0" smtClean="0"/>
+              <a:t>Memória por causa do alto acesso </a:t>
+            </a:r>
+            <a:r>
+              <a:rPr lang="pt-BR" sz="2200" dirty="0"/>
+              <a:t>ao banco de dados.</a:t>
+            </a:r>
           </a:p>
           <a:p>
             <a:pPr lvl="1" hangingPunct="0"/>
             <a:r>
-              <a:rPr lang="pt-BR" sz="2400" dirty="0" smtClean="0"/>
-              <a:t>Compartilhamento dos arquivos </a:t>
-            </a:r>
-            <a:r>
-              <a:rPr lang="pt-BR" sz="2400" dirty="0" err="1" smtClean="0"/>
-              <a:t>Docker</a:t>
-            </a:r>
-            <a:r>
-              <a:rPr lang="pt-BR" sz="2400" dirty="0" smtClean="0"/>
-              <a:t> e </a:t>
-            </a:r>
-            <a:r>
-              <a:rPr lang="pt-BR" sz="2400" dirty="0" err="1" smtClean="0"/>
-              <a:t>docker-compose.yaml</a:t>
-            </a:r>
-            <a:r>
-              <a:rPr lang="pt-BR" sz="2400" dirty="0" smtClean="0"/>
-              <a:t> entre o host e container.</a:t>
-            </a:r>
-          </a:p>
-        </p:txBody>
-      </p:sp>
-      <p:sp>
-        <p:nvSpPr>
-          <p:cNvPr id="5" name="Retângulo 4"/>
+              <a:rPr lang="pt-BR" sz="2200" dirty="0" smtClean="0"/>
+              <a:t>Adicionado </a:t>
+            </a:r>
+            <a:r>
+              <a:rPr lang="pt-BR" sz="2200" dirty="0" err="1"/>
+              <a:t>balanceador</a:t>
+            </a:r>
+            <a:r>
+              <a:rPr lang="pt-BR" sz="2200" dirty="0"/>
+              <a:t> de carga.</a:t>
+            </a:r>
+          </a:p>
+          <a:p>
+            <a:endParaRPr lang="pt-BR" dirty="0"/>
+          </a:p>
+        </p:txBody>
+      </p:sp>
+      <p:sp>
+        <p:nvSpPr>
+          <p:cNvPr id="4" name="Retângulo 3"/>
           <p:cNvSpPr/>
           <p:nvPr/>
         </p:nvSpPr>
         <p:spPr>
           <a:xfrm>
             <a:off x="680321" y="250521"/>
-            <a:ext cx="2231701" cy="369332"/>
+            <a:ext cx="1569917" cy="369332"/>
           </a:xfrm>
           <a:prstGeom prst="rect">
             <a:avLst/>
@@ -12580,14 +13100,14 @@
             </a:pPr>
             <a:r>
               <a:rPr lang="pt-BR" dirty="0"/>
-              <a:t>Desenvolvimento</a:t>
+              <a:t>Resultados</a:t>
             </a:r>
           </a:p>
         </p:txBody>
       </p:sp>
       <p:pic>
         <p:nvPicPr>
-          <p:cNvPr id="6" name="Imagem 5"/>
+          <p:cNvPr id="5" name="Imagem 4"/>
           <p:cNvPicPr>
             <a:picLocks noChangeAspect="1"/>
           </p:cNvPicPr>
@@ -12618,7 +13138,7 @@
     </p:spTree>
     <p:extLst>
       <p:ext uri="{BB962C8B-B14F-4D97-AF65-F5344CB8AC3E}">
-        <p14:creationId xmlns:p14="http://schemas.microsoft.com/office/powerpoint/2010/main" val="1216461368"/>
+        <p14:creationId xmlns:p14="http://schemas.microsoft.com/office/powerpoint/2010/main" val="3970051832"/>
       </p:ext>
     </p:extLst>
   </p:cSld>
@@ -12698,6 +13218,13 @@
   <p:clrMapOvr>
     <a:masterClrMapping/>
   </p:clrMapOvr>
+  <p:timing>
+    <p:tnLst>
+      <p:par>
+        <p:cTn id="1" dur="indefinite" restart="never" nodeType="tmRoot"/>
+      </p:par>
+    </p:tnLst>
+  </p:timing>
 </p:sld>
 </file>
 
@@ -12734,10 +13261,9 @@
           <a:lstStyle/>
           <a:p>
             <a:r>
-              <a:rPr lang="pt-BR" dirty="0" err="1"/>
-              <a:t>Mapskills-Jenkins</a:t>
-            </a:r>
-            <a:endParaRPr lang="pt-BR" dirty="0"/>
+              <a:rPr lang="pt-BR" dirty="0"/>
+              <a:t>Experimento 2</a:t>
+            </a:r>
           </a:p>
         </p:txBody>
       </p:sp>
@@ -12751,67 +13277,25 @@
             <p:ph idx="1"/>
           </p:nvPr>
         </p:nvSpPr>
-        <p:spPr/>
+        <p:spPr>
+          <a:xfrm>
+            <a:off x="680321" y="2336872"/>
+            <a:ext cx="9613861" cy="4152418"/>
+          </a:xfrm>
+        </p:spPr>
         <p:txBody>
           <a:bodyPr>
             <a:normAutofit/>
           </a:bodyPr>
           <a:lstStyle/>
           <a:p>
-            <a:pPr hangingPunct="0"/>
-            <a:r>
-              <a:rPr lang="pt-BR" dirty="0" smtClean="0"/>
-              <a:t>Responsável por executar as tarefas destinadas à integração contínua.</a:t>
-            </a:r>
-            <a:endParaRPr lang="pt-BR" dirty="0"/>
-          </a:p>
-          <a:p>
-            <a:pPr hangingPunct="0"/>
             <a:r>
               <a:rPr lang="pt-BR" dirty="0"/>
-              <a:t>Jobs: </a:t>
-            </a:r>
-          </a:p>
-          <a:p>
-            <a:pPr lvl="1" hangingPunct="0"/>
-            <a:r>
-              <a:rPr lang="pt-BR" dirty="0"/>
-              <a:t>Build-</a:t>
+              <a:t>Rede Interna e </a:t>
             </a:r>
             <a:r>
               <a:rPr lang="pt-BR" dirty="0" err="1"/>
-              <a:t>Mapksills</a:t>
-            </a:r>
-            <a:r>
-              <a:rPr lang="pt-BR" dirty="0"/>
-              <a:t>-</a:t>
-            </a:r>
-            <a:r>
-              <a:rPr lang="pt-BR" dirty="0" err="1"/>
-              <a:t>App</a:t>
-            </a:r>
-            <a:endParaRPr lang="pt-BR" dirty="0"/>
-          </a:p>
-          <a:p>
-            <a:pPr lvl="1" hangingPunct="0"/>
-            <a:r>
-              <a:rPr lang="pt-BR" dirty="0"/>
-              <a:t>Build-</a:t>
-            </a:r>
-            <a:r>
-              <a:rPr lang="pt-BR" dirty="0" err="1"/>
-              <a:t>Mapskills</a:t>
-            </a:r>
-            <a:r>
-              <a:rPr lang="pt-BR" dirty="0"/>
-              <a:t>-Front</a:t>
-            </a:r>
-          </a:p>
-          <a:p>
-            <a:pPr lvl="1" hangingPunct="0"/>
-            <a:r>
-              <a:rPr lang="pt-BR" dirty="0" err="1"/>
-              <a:t>Copy</a:t>
+              <a:t>Cloud</a:t>
             </a:r>
             <a:r>
               <a:rPr lang="pt-BR" dirty="0"/>
@@ -12819,103 +13303,72 @@
             </a:r>
             <a:r>
               <a:rPr lang="pt-BR" dirty="0" err="1"/>
-              <a:t>Artifact</a:t>
+              <a:t>Azure</a:t>
             </a:r>
             <a:r>
               <a:rPr lang="pt-BR" dirty="0"/>
-              <a:t> </a:t>
-            </a:r>
-            <a:r>
-              <a:rPr lang="pt-BR" dirty="0" err="1"/>
-              <a:t>Mapskills</a:t>
-            </a:r>
+              <a:t>.</a:t>
+            </a:r>
+          </a:p>
+          <a:p>
             <a:r>
               <a:rPr lang="pt-BR" dirty="0"/>
-              <a:t> </a:t>
-            </a:r>
-            <a:r>
-              <a:rPr lang="pt-BR" dirty="0" err="1"/>
-              <a:t>App</a:t>
-            </a:r>
-            <a:endParaRPr lang="pt-BR" dirty="0"/>
+              <a:t>Data: 01 de agosto de 2017.</a:t>
+            </a:r>
+          </a:p>
+          <a:p>
+            <a:r>
+              <a:rPr lang="pt-BR" dirty="0"/>
+              <a:t>Horário: 19h às 21h30.</a:t>
+            </a:r>
+          </a:p>
+          <a:p>
+            <a:r>
+              <a:rPr lang="pt-BR" dirty="0"/>
+              <a:t>Quantidade de Alunos: 150.</a:t>
+            </a:r>
+          </a:p>
+          <a:p>
+            <a:r>
+              <a:rPr lang="pt-BR" dirty="0"/>
+              <a:t>Localidade: FATEC São José dos Campos.</a:t>
+            </a:r>
+          </a:p>
+          <a:p>
+            <a:pPr hangingPunct="0"/>
+            <a:r>
+              <a:rPr lang="pt-BR" dirty="0"/>
+              <a:t>Resultado: </a:t>
+            </a:r>
+            <a:endParaRPr lang="pt-BR" sz="2200" dirty="0"/>
           </a:p>
           <a:p>
             <a:pPr lvl="1" hangingPunct="0"/>
             <a:r>
-              <a:rPr lang="pt-BR" dirty="0" err="1"/>
-              <a:t>Copy</a:t>
-            </a:r>
-            <a:r>
-              <a:rPr lang="pt-BR" dirty="0"/>
-              <a:t> </a:t>
-            </a:r>
-            <a:r>
-              <a:rPr lang="pt-BR" dirty="0" err="1"/>
-              <a:t>Artifact</a:t>
-            </a:r>
-            <a:r>
-              <a:rPr lang="pt-BR" dirty="0"/>
-              <a:t> </a:t>
-            </a:r>
-            <a:r>
-              <a:rPr lang="pt-BR" dirty="0" err="1"/>
-              <a:t>Mapskills</a:t>
-            </a:r>
-            <a:r>
-              <a:rPr lang="pt-BR" dirty="0"/>
-              <a:t> Front</a:t>
+              <a:rPr lang="pt-BR" sz="2200" dirty="0"/>
+              <a:t>Monitorar o acesso a plataforma e os recursos utilizados pelo servidor. </a:t>
             </a:r>
           </a:p>
           <a:p>
             <a:pPr lvl="1" hangingPunct="0"/>
             <a:r>
-              <a:rPr lang="pt-BR" dirty="0" err="1"/>
-              <a:t>Deploy</a:t>
-            </a:r>
-            <a:r>
-              <a:rPr lang="pt-BR" dirty="0"/>
-              <a:t> </a:t>
-            </a:r>
-            <a:r>
-              <a:rPr lang="pt-BR" dirty="0" err="1"/>
-              <a:t>Mapskills</a:t>
-            </a:r>
-            <a:r>
-              <a:rPr lang="pt-BR" dirty="0"/>
-              <a:t>. </a:t>
-            </a:r>
-          </a:p>
-          <a:p>
-            <a:pPr hangingPunct="0"/>
-            <a:r>
-              <a:rPr lang="pt-BR" dirty="0" err="1"/>
-              <a:t>Url</a:t>
-            </a:r>
-            <a:r>
-              <a:rPr lang="pt-BR" dirty="0"/>
-              <a:t> de acesso ao </a:t>
-            </a:r>
-            <a:r>
-              <a:rPr lang="pt-BR" dirty="0" err="1"/>
-              <a:t>Jenkins</a:t>
-            </a:r>
-            <a:r>
-              <a:rPr lang="pt-BR" dirty="0"/>
-              <a:t>: http://ip_do_host:8585.</a:t>
-            </a:r>
-          </a:p>
-        </p:txBody>
-      </p:sp>
-      <p:sp>
-        <p:nvSpPr>
-          <p:cNvPr id="5" name="Retângulo 4"/>
+              <a:rPr lang="pt-BR" sz="2200" dirty="0" smtClean="0"/>
+              <a:t>Divisão da arquitetura.</a:t>
+            </a:r>
+            <a:endParaRPr lang="pt-BR" sz="2200" dirty="0"/>
+          </a:p>
+        </p:txBody>
+      </p:sp>
+      <p:sp>
+        <p:nvSpPr>
+          <p:cNvPr id="4" name="Retângulo 3"/>
           <p:cNvSpPr/>
           <p:nvPr/>
         </p:nvSpPr>
         <p:spPr>
           <a:xfrm>
             <a:off x="680321" y="250521"/>
-            <a:ext cx="2231701" cy="369332"/>
+            <a:ext cx="1569917" cy="369332"/>
           </a:xfrm>
           <a:prstGeom prst="rect">
             <a:avLst/>
@@ -12933,14 +13386,14 @@
             </a:pPr>
             <a:r>
               <a:rPr lang="pt-BR" dirty="0"/>
-              <a:t>Desenvolvimento</a:t>
+              <a:t>Resultados</a:t>
             </a:r>
           </a:p>
         </p:txBody>
       </p:sp>
       <p:pic>
         <p:nvPicPr>
-          <p:cNvPr id="6" name="Imagem 5"/>
+          <p:cNvPr id="5" name="Imagem 4"/>
           <p:cNvPicPr>
             <a:picLocks noChangeAspect="1"/>
           </p:cNvPicPr>
@@ -12971,7 +13424,7 @@
     </p:spTree>
     <p:extLst>
       <p:ext uri="{BB962C8B-B14F-4D97-AF65-F5344CB8AC3E}">
-        <p14:creationId xmlns:p14="http://schemas.microsoft.com/office/powerpoint/2010/main" val="1515907411"/>
+        <p14:creationId xmlns:p14="http://schemas.microsoft.com/office/powerpoint/2010/main" val="3404476178"/>
       </p:ext>
     </p:extLst>
   </p:cSld>
@@ -13005,7 +13458,7 @@
             <a:spLocks noGrp="1"/>
           </p:cNvSpPr>
           <p:nvPr>
-            <p:ph type="title"/>
+            <p:ph type="ctrTitle"/>
           </p:nvPr>
         </p:nvSpPr>
         <p:spPr/>
@@ -13014,105 +13467,35 @@
           <a:lstStyle/>
           <a:p>
             <a:r>
-              <a:rPr lang="pt-BR" dirty="0" err="1"/>
-              <a:t>Mapskills-Jenkins</a:t>
-            </a:r>
-            <a:endParaRPr lang="pt-BR" dirty="0"/>
-          </a:p>
-        </p:txBody>
-      </p:sp>
-      <p:pic>
-        <p:nvPicPr>
-          <p:cNvPr id="4" name="Figura1"/>
-          <p:cNvPicPr>
-            <a:picLocks noGrp="1"/>
-          </p:cNvPicPr>
-          <p:nvPr>
-            <p:ph idx="1"/>
-          </p:nvPr>
-        </p:nvPicPr>
-        <p:blipFill>
-          <a:blip r:embed="rId2"/>
-          <a:stretch>
-            <a:fillRect/>
-          </a:stretch>
-        </p:blipFill>
-        <p:spPr bwMode="auto">
-          <a:xfrm>
-            <a:off x="1006892" y="2510226"/>
-            <a:ext cx="9613900" cy="3408765"/>
-          </a:xfrm>
-          <a:prstGeom prst="rect">
-            <a:avLst/>
-          </a:prstGeom>
-        </p:spPr>
-      </p:pic>
-      <p:sp>
-        <p:nvSpPr>
-          <p:cNvPr id="5" name="Retângulo 4"/>
-          <p:cNvSpPr/>
-          <p:nvPr/>
-        </p:nvSpPr>
-        <p:spPr>
-          <a:xfrm>
-            <a:off x="680321" y="250521"/>
-            <a:ext cx="2231701" cy="369332"/>
-          </a:xfrm>
-          <a:prstGeom prst="rect">
-            <a:avLst/>
-          </a:prstGeom>
-        </p:spPr>
-        <p:txBody>
-          <a:bodyPr wrap="none">
-            <a:spAutoFit/>
-          </a:bodyPr>
-          <a:lstStyle/>
-          <a:p>
-            <a:pPr marL="285750" indent="-285750">
-              <a:buFont typeface="Arial" panose="020B0604020202020204" pitchFamily="34" charset="0"/>
-              <a:buChar char="•"/>
-            </a:pPr>
-            <a:r>
               <a:rPr lang="pt-BR" dirty="0"/>
-              <a:t>Desenvolvimento</a:t>
-            </a:r>
-          </a:p>
-        </p:txBody>
-      </p:sp>
-      <p:pic>
-        <p:nvPicPr>
-          <p:cNvPr id="6" name="Imagem 5"/>
-          <p:cNvPicPr>
-            <a:picLocks noChangeAspect="1"/>
-          </p:cNvPicPr>
-          <p:nvPr/>
-        </p:nvPicPr>
-        <p:blipFill>
-          <a:blip r:embed="rId3" cstate="print">
-            <a:extLst>
-              <a:ext uri="{28A0092B-C50C-407E-A947-70E740481C1C}">
-                <a14:useLocalDpi xmlns:a14="http://schemas.microsoft.com/office/drawing/2010/main" val="0"/>
-              </a:ext>
-            </a:extLst>
-          </a:blip>
-          <a:stretch>
-            <a:fillRect/>
-          </a:stretch>
-        </p:blipFill>
-        <p:spPr>
-          <a:xfrm>
-            <a:off x="10602142" y="920672"/>
-            <a:ext cx="1589858" cy="650549"/>
-          </a:xfrm>
-          <a:prstGeom prst="rect">
-            <a:avLst/>
-          </a:prstGeom>
-        </p:spPr>
-      </p:pic>
+              <a:t>Considerações Finais</a:t>
+            </a:r>
+          </a:p>
+        </p:txBody>
+      </p:sp>
+      <p:sp>
+        <p:nvSpPr>
+          <p:cNvPr id="3" name="Subtítulo 2"/>
+          <p:cNvSpPr>
+            <a:spLocks noGrp="1"/>
+          </p:cNvSpPr>
+          <p:nvPr>
+            <p:ph type="subTitle" idx="1"/>
+          </p:nvPr>
+        </p:nvSpPr>
+        <p:spPr/>
+        <p:txBody>
+          <a:bodyPr/>
+          <a:lstStyle/>
+          <a:p>
+            <a:endParaRPr lang="pt-BR"/>
+          </a:p>
+        </p:txBody>
+      </p:sp>
     </p:spTree>
     <p:extLst>
       <p:ext uri="{BB962C8B-B14F-4D97-AF65-F5344CB8AC3E}">
-        <p14:creationId xmlns:p14="http://schemas.microsoft.com/office/powerpoint/2010/main" val="2225200717"/>
+        <p14:creationId xmlns:p14="http://schemas.microsoft.com/office/powerpoint/2010/main" val="4192372709"/>
       </p:ext>
     </p:extLst>
   </p:cSld>
@@ -13155,18 +13538,9 @@
           <a:lstStyle/>
           <a:p>
             <a:r>
-              <a:rPr lang="pt-BR" dirty="0" err="1"/>
-              <a:t>Job</a:t>
-            </a:r>
-            <a:r>
               <a:rPr lang="pt-BR" dirty="0"/>
-              <a:t> - Build </a:t>
-            </a:r>
-            <a:r>
-              <a:rPr lang="pt-BR" dirty="0" err="1"/>
-              <a:t>Mapskills-app</a:t>
-            </a:r>
-            <a:endParaRPr lang="pt-BR" dirty="0"/>
+              <a:t>Trabalhos Futuros</a:t>
+            </a:r>
           </a:p>
         </p:txBody>
       </p:sp>
@@ -13180,125 +13554,101 @@
             <p:ph idx="1"/>
           </p:nvPr>
         </p:nvSpPr>
-        <p:spPr>
-          <a:xfrm>
-            <a:off x="680321" y="2336873"/>
-            <a:ext cx="10122662" cy="3599316"/>
-          </a:xfrm>
-        </p:spPr>
+        <p:spPr/>
         <p:txBody>
           <a:bodyPr>
             <a:normAutofit/>
           </a:bodyPr>
           <a:lstStyle/>
           <a:p>
-            <a:pPr hangingPunct="0"/>
             <a:r>
               <a:rPr lang="pt-BR" dirty="0"/>
-              <a:t>Este </a:t>
-            </a:r>
-            <a:r>
-              <a:rPr lang="pt-BR" i="1" dirty="0" err="1"/>
-              <a:t>Job</a:t>
+              <a:t>Alterar o Servidor de Controle de Versão </a:t>
+            </a:r>
+            <a:r>
+              <a:rPr lang="pt-BR" dirty="0" smtClean="0"/>
+              <a:t>para o </a:t>
+            </a:r>
+            <a:r>
+              <a:rPr lang="pt-BR" dirty="0" err="1"/>
+              <a:t>GitLab</a:t>
             </a:r>
             <a:r>
               <a:rPr lang="pt-BR" dirty="0"/>
-              <a:t> irá baixar o projeto Java do repositório </a:t>
+              <a:t>.</a:t>
+            </a:r>
+          </a:p>
+          <a:p>
+            <a:r>
+              <a:rPr lang="pt-BR" dirty="0"/>
+              <a:t>Deixar flexível o </a:t>
             </a:r>
             <a:r>
               <a:rPr lang="pt-BR" dirty="0" smtClean="0"/>
-              <a:t>GitHub, baixar as dependências do projeto e compila-lo </a:t>
+              <a:t>arquivo </a:t>
+            </a:r>
+            <a:r>
+              <a:rPr lang="pt-BR" i="1" dirty="0" err="1" smtClean="0"/>
+              <a:t>application.properties</a:t>
+            </a:r>
+            <a:r>
+              <a:rPr lang="pt-BR" dirty="0" smtClean="0"/>
+              <a:t> da aplicação </a:t>
+            </a:r>
+            <a:r>
+              <a:rPr lang="pt-BR" i="1" dirty="0" err="1" smtClean="0"/>
+              <a:t>back-end</a:t>
+            </a:r>
+            <a:r>
+              <a:rPr lang="pt-BR" i="1" dirty="0" smtClean="0"/>
+              <a:t> </a:t>
+            </a:r>
+            <a:r>
+              <a:rPr lang="pt-BR" dirty="0" smtClean="0"/>
+              <a:t>para configuração do </a:t>
             </a:r>
             <a:r>
               <a:rPr lang="pt-BR" dirty="0"/>
-              <a:t>no formato .</a:t>
-            </a:r>
-            <a:r>
-              <a:rPr lang="pt-BR" dirty="0" err="1" smtClean="0"/>
-              <a:t>war</a:t>
-            </a:r>
-            <a:r>
-              <a:rPr lang="pt-BR" dirty="0" smtClean="0"/>
-              <a:t>.</a:t>
-            </a:r>
-            <a:endParaRPr lang="pt-BR" dirty="0"/>
-          </a:p>
-          <a:p>
-            <a:pPr marL="0" indent="0" hangingPunct="0">
-              <a:buNone/>
-            </a:pPr>
-            <a:endParaRPr lang="en-US" dirty="0" smtClean="0">
-              <a:latin typeface="Courier New" panose="02070309020205020404" pitchFamily="49" charset="0"/>
-              <a:cs typeface="Courier New" panose="02070309020205020404" pitchFamily="49" charset="0"/>
-            </a:endParaRPr>
-          </a:p>
-          <a:p>
-            <a:pPr marL="0" indent="0" hangingPunct="0">
-              <a:buNone/>
-            </a:pPr>
-            <a:endParaRPr lang="en-US" dirty="0">
-              <a:latin typeface="Courier New" panose="02070309020205020404" pitchFamily="49" charset="0"/>
-              <a:cs typeface="Courier New" panose="02070309020205020404" pitchFamily="49" charset="0"/>
-            </a:endParaRPr>
-          </a:p>
-          <a:p>
-            <a:pPr marL="0" indent="0" hangingPunct="0">
-              <a:buNone/>
-            </a:pPr>
-            <a:r>
-              <a:rPr lang="en-US" dirty="0" err="1">
-                <a:latin typeface="Courier New" panose="02070309020205020404" pitchFamily="49" charset="0"/>
-                <a:cs typeface="Courier New" panose="02070309020205020404" pitchFamily="49" charset="0"/>
-              </a:rPr>
-              <a:t>mvn</a:t>
-            </a:r>
-            <a:r>
-              <a:rPr lang="en-US" dirty="0">
-                <a:latin typeface="Courier New" panose="02070309020205020404" pitchFamily="49" charset="0"/>
-                <a:cs typeface="Courier New" panose="02070309020205020404" pitchFamily="49" charset="0"/>
-              </a:rPr>
-              <a:t> clean install -</a:t>
-            </a:r>
-            <a:r>
-              <a:rPr lang="en-US" dirty="0" err="1">
-                <a:latin typeface="Courier New" panose="02070309020205020404" pitchFamily="49" charset="0"/>
-                <a:cs typeface="Courier New" panose="02070309020205020404" pitchFamily="49" charset="0"/>
-              </a:rPr>
-              <a:t>Dliquibase.should.run</a:t>
-            </a:r>
-            <a:r>
-              <a:rPr lang="en-US" dirty="0">
-                <a:latin typeface="Courier New" panose="02070309020205020404" pitchFamily="49" charset="0"/>
-                <a:cs typeface="Courier New" panose="02070309020205020404" pitchFamily="49" charset="0"/>
-              </a:rPr>
-              <a:t>=false -</a:t>
-            </a:r>
-            <a:r>
-              <a:rPr lang="en-US" dirty="0" err="1">
-                <a:latin typeface="Courier New" panose="02070309020205020404" pitchFamily="49" charset="0"/>
-                <a:cs typeface="Courier New" panose="02070309020205020404" pitchFamily="49" charset="0"/>
-              </a:rPr>
-              <a:t>Pazure</a:t>
-            </a:r>
-            <a:endParaRPr lang="pt-BR" dirty="0">
-              <a:latin typeface="Courier New" panose="02070309020205020404" pitchFamily="49" charset="0"/>
-              <a:cs typeface="Courier New" panose="02070309020205020404" pitchFamily="49" charset="0"/>
-            </a:endParaRPr>
-          </a:p>
-          <a:p>
-            <a:pPr marL="0" indent="0" hangingPunct="0">
-              <a:buNone/>
-            </a:pPr>
-            <a:endParaRPr lang="pt-BR" dirty="0"/>
-          </a:p>
-          <a:p>
-            <a:pPr marL="0" indent="0" hangingPunct="0">
-              <a:buNone/>
-            </a:pPr>
-            <a:endParaRPr lang="en-US" dirty="0"/>
-          </a:p>
-          <a:p>
-            <a:pPr hangingPunct="0"/>
+              <a:t>local onde ficarão as imagens das cenas dos jogos. </a:t>
+            </a:r>
+          </a:p>
+          <a:p>
+            <a:r>
+              <a:rPr lang="pt-BR" dirty="0"/>
+              <a:t>Separar do Servidor de Banco de Dados para garantir a integridade e disponibilidade.</a:t>
+            </a:r>
+          </a:p>
+          <a:p>
+            <a:r>
+              <a:rPr lang="pt-BR" dirty="0"/>
+              <a:t>Implementar uma arquitetura de clusters utilizando do </a:t>
+            </a:r>
+            <a:r>
+              <a:rPr lang="pt-BR" dirty="0" err="1"/>
+              <a:t>Docker</a:t>
+            </a:r>
+            <a:r>
+              <a:rPr lang="pt-BR" dirty="0"/>
+              <a:t> </a:t>
+            </a:r>
+            <a:r>
+              <a:rPr lang="pt-BR" dirty="0" err="1"/>
+              <a:t>Swarm</a:t>
+            </a:r>
+            <a:r>
+              <a:rPr lang="pt-BR" dirty="0"/>
+              <a:t> ou </a:t>
+            </a:r>
+            <a:r>
+              <a:rPr lang="pt-BR" dirty="0" err="1"/>
+              <a:t>Kubernets</a:t>
+            </a:r>
+            <a:r>
+              <a:rPr lang="pt-BR" dirty="0"/>
+              <a:t>, onde vários computadores trabalham juntos afim de garantir desempenho e disponibilidade da plataforma.</a:t>
+            </a:r>
+          </a:p>
+          <a:p>
             <a:endParaRPr lang="pt-BR" dirty="0"/>
           </a:p>
         </p:txBody>
@@ -13312,7 +13662,7 @@
         <p:spPr>
           <a:xfrm>
             <a:off x="680321" y="250521"/>
-            <a:ext cx="2231701" cy="369332"/>
+            <a:ext cx="2606804" cy="369332"/>
           </a:xfrm>
           <a:prstGeom prst="rect">
             <a:avLst/>
@@ -13330,7 +13680,7 @@
             </a:pPr>
             <a:r>
               <a:rPr lang="pt-BR" dirty="0"/>
-              <a:t>Desenvolvimento</a:t>
+              <a:t>Considerações Finais</a:t>
             </a:r>
           </a:p>
         </p:txBody>
@@ -13368,7 +13718,7 @@
     </p:spTree>
     <p:extLst>
       <p:ext uri="{BB962C8B-B14F-4D97-AF65-F5344CB8AC3E}">
-        <p14:creationId xmlns:p14="http://schemas.microsoft.com/office/powerpoint/2010/main" val="1785981346"/>
+        <p14:creationId xmlns:p14="http://schemas.microsoft.com/office/powerpoint/2010/main" val="671967937"/>
       </p:ext>
     </p:extLst>
   </p:cSld>
@@ -13411,101 +13761,89 @@
           <a:lstStyle/>
           <a:p>
             <a:r>
+              <a:rPr lang="pt-BR" dirty="0"/>
+              <a:t>Agradecimentos</a:t>
+            </a:r>
+          </a:p>
+        </p:txBody>
+      </p:sp>
+      <p:sp>
+        <p:nvSpPr>
+          <p:cNvPr id="3" name="Espaço Reservado para Conteúdo 2"/>
+          <p:cNvSpPr>
+            <a:spLocks noGrp="1"/>
+          </p:cNvSpPr>
+          <p:nvPr>
+            <p:ph idx="1"/>
+          </p:nvPr>
+        </p:nvSpPr>
+        <p:spPr/>
+        <p:txBody>
+          <a:bodyPr>
+            <a:normAutofit fontScale="92500" lnSpcReduction="10000"/>
+          </a:bodyPr>
+          <a:lstStyle/>
+          <a:p>
+            <a:pPr algn="just">
+              <a:lnSpc>
+                <a:spcPct val="160000"/>
+              </a:lnSpc>
+            </a:pPr>
+            <a:r>
+              <a:rPr lang="pt-BR" dirty="0"/>
+              <a:t>Agradeço em primeiro lugar aquele que permite que todas as coisas se concretizem, </a:t>
+            </a:r>
+            <a:r>
+              <a:rPr lang="pt-BR" dirty="0" smtClean="0"/>
+              <a:t>Deus.</a:t>
+            </a:r>
+            <a:endParaRPr lang="pt-BR" dirty="0"/>
+          </a:p>
+          <a:p>
+            <a:pPr algn="just">
+              <a:lnSpc>
+                <a:spcPct val="160000"/>
+              </a:lnSpc>
+            </a:pPr>
+            <a:r>
+              <a:rPr lang="pt-BR" dirty="0"/>
+              <a:t>Ao orientador Prof. Me. Eduardo </a:t>
+            </a:r>
+            <a:r>
               <a:rPr lang="pt-BR" dirty="0" err="1"/>
-              <a:t>Job</a:t>
+              <a:t>Sakaue</a:t>
             </a:r>
             <a:r>
               <a:rPr lang="pt-BR" dirty="0"/>
-              <a:t> – Build </a:t>
-            </a:r>
-            <a:r>
-              <a:rPr lang="pt-BR" dirty="0" err="1"/>
-              <a:t>Mapskills</a:t>
-            </a:r>
+              <a:t>, por todo apoio.</a:t>
+            </a:r>
+          </a:p>
+          <a:p>
+            <a:pPr algn="just">
+              <a:lnSpc>
+                <a:spcPct val="160000"/>
+              </a:lnSpc>
+            </a:pPr>
             <a:r>
               <a:rPr lang="pt-BR" dirty="0"/>
-              <a:t>-web</a:t>
-            </a:r>
-          </a:p>
-        </p:txBody>
-      </p:sp>
-      <p:sp>
-        <p:nvSpPr>
-          <p:cNvPr id="3" name="Espaço Reservado para Conteúdo 2"/>
-          <p:cNvSpPr>
-            <a:spLocks noGrp="1"/>
-          </p:cNvSpPr>
-          <p:nvPr>
-            <p:ph idx="1"/>
-          </p:nvPr>
-        </p:nvSpPr>
-        <p:spPr/>
-        <p:txBody>
-          <a:bodyPr/>
-          <a:lstStyle/>
-          <a:p>
-            <a:pPr hangingPunct="0"/>
+              <a:t>A todos professores da FATEC, que são responsáveis pela minha formação técnica.</a:t>
+            </a:r>
+          </a:p>
+          <a:p>
+            <a:pPr algn="just">
+              <a:lnSpc>
+                <a:spcPct val="160000"/>
+              </a:lnSpc>
+            </a:pPr>
             <a:r>
               <a:rPr lang="pt-BR" dirty="0"/>
-              <a:t>Este </a:t>
-            </a:r>
-            <a:r>
-              <a:rPr lang="pt-BR" i="1" dirty="0" err="1"/>
-              <a:t>Job</a:t>
-            </a:r>
-            <a:r>
-              <a:rPr lang="pt-BR" dirty="0"/>
-              <a:t> irá baixar o projeto Java do repositório GitHub, baixar as dependências do projeto e compila-lo no formato .</a:t>
-            </a:r>
-            <a:r>
-              <a:rPr lang="pt-BR" dirty="0" err="1"/>
-              <a:t>war</a:t>
-            </a:r>
-            <a:r>
-              <a:rPr lang="pt-BR" dirty="0"/>
-              <a:t>.</a:t>
+              <a:t>A todos amigos e colegas que formei durante os anos de estudo.</a:t>
             </a:r>
           </a:p>
           <a:p>
             <a:pPr marL="0" indent="0">
               <a:buNone/>
             </a:pPr>
-            <a:endParaRPr lang="pt-BR" dirty="0"/>
-          </a:p>
-          <a:p>
-            <a:pPr marL="0" indent="0" algn="ctr">
-              <a:buNone/>
-            </a:pPr>
-            <a:r>
-              <a:rPr lang="pt-BR" dirty="0" err="1">
-                <a:latin typeface="Courier New" panose="02070309020205020404" pitchFamily="49" charset="0"/>
-                <a:cs typeface="Courier New" panose="02070309020205020404" pitchFamily="49" charset="0"/>
-              </a:rPr>
-              <a:t>mvn</a:t>
-            </a:r>
-            <a:r>
-              <a:rPr lang="pt-BR" dirty="0">
-                <a:latin typeface="Courier New" panose="02070309020205020404" pitchFamily="49" charset="0"/>
-                <a:cs typeface="Courier New" panose="02070309020205020404" pitchFamily="49" charset="0"/>
-              </a:rPr>
-              <a:t> clean </a:t>
-            </a:r>
-            <a:r>
-              <a:rPr lang="pt-BR" dirty="0" err="1">
-                <a:latin typeface="Courier New" panose="02070309020205020404" pitchFamily="49" charset="0"/>
-                <a:cs typeface="Courier New" panose="02070309020205020404" pitchFamily="49" charset="0"/>
-              </a:rPr>
-              <a:t>install</a:t>
-            </a:r>
-            <a:r>
-              <a:rPr lang="pt-BR" dirty="0">
-                <a:latin typeface="Courier New" panose="02070309020205020404" pitchFamily="49" charset="0"/>
-                <a:cs typeface="Courier New" panose="02070309020205020404" pitchFamily="49" charset="0"/>
-              </a:rPr>
-              <a:t> </a:t>
-            </a:r>
-          </a:p>
-          <a:p>
             <a:endParaRPr lang="pt-BR" dirty="0"/>
           </a:p>
         </p:txBody>
@@ -13519,7 +13857,7 @@
         <p:spPr>
           <a:xfrm>
             <a:off x="680321" y="250521"/>
-            <a:ext cx="2231701" cy="369332"/>
+            <a:ext cx="2606804" cy="369332"/>
           </a:xfrm>
           <a:prstGeom prst="rect">
             <a:avLst/>
@@ -13537,7 +13875,7 @@
             </a:pPr>
             <a:r>
               <a:rPr lang="pt-BR" dirty="0"/>
-              <a:t>Desenvolvimento</a:t>
+              <a:t>Considerações Finais</a:t>
             </a:r>
           </a:p>
         </p:txBody>
@@ -13575,7 +13913,7 @@
     </p:spTree>
     <p:extLst>
       <p:ext uri="{BB962C8B-B14F-4D97-AF65-F5344CB8AC3E}">
-        <p14:creationId xmlns:p14="http://schemas.microsoft.com/office/powerpoint/2010/main" val="575999161"/>
+        <p14:creationId xmlns:p14="http://schemas.microsoft.com/office/powerpoint/2010/main" val="3788730561"/>
       </p:ext>
     </p:extLst>
   </p:cSld>
@@ -13604,12 +13942,12 @@
       </p:grpSpPr>
       <p:sp>
         <p:nvSpPr>
-          <p:cNvPr id="2" name="Título 1"/>
-          <p:cNvSpPr>
-            <a:spLocks noGrp="1"/>
-          </p:cNvSpPr>
-          <p:nvPr>
-            <p:ph type="title"/>
+          <p:cNvPr id="4" name="Título 3"/>
+          <p:cNvSpPr>
+            <a:spLocks noGrp="1"/>
+          </p:cNvSpPr>
+          <p:nvPr>
+            <p:ph type="ctrTitle"/>
           </p:nvPr>
         </p:nvSpPr>
         <p:spPr/>
@@ -13618,502 +13956,71 @@
           <a:lstStyle/>
           <a:p>
             <a:r>
-              <a:rPr lang="pt-BR" dirty="0" smtClean="0"/>
-              <a:t>Jobs </a:t>
-            </a:r>
-            <a:r>
-              <a:rPr lang="pt-BR" dirty="0"/>
-              <a:t>-</a:t>
-            </a:r>
-            <a:r>
-              <a:rPr lang="pt-BR" dirty="0" smtClean="0"/>
-              <a:t> </a:t>
-            </a:r>
-            <a:r>
-              <a:rPr lang="pt-BR" dirty="0" err="1"/>
-              <a:t>Copy</a:t>
-            </a:r>
-            <a:r>
-              <a:rPr lang="pt-BR" dirty="0"/>
-              <a:t> </a:t>
-            </a:r>
-            <a:r>
-              <a:rPr lang="pt-BR" dirty="0" err="1"/>
-              <a:t>Artifact</a:t>
-            </a:r>
-            <a:r>
-              <a:rPr lang="pt-BR" dirty="0"/>
-              <a:t> </a:t>
-            </a:r>
-            <a:r>
-              <a:rPr lang="pt-BR" dirty="0" err="1"/>
-              <a:t>Mapskills-app</a:t>
-            </a:r>
-            <a:r>
-              <a:rPr lang="pt-BR" dirty="0"/>
-              <a:t> e </a:t>
-            </a:r>
-            <a:r>
-              <a:rPr lang="pt-BR" dirty="0" smtClean="0"/>
-              <a:t/>
-            </a:r>
-            <a:br>
-              <a:rPr lang="pt-BR" dirty="0" smtClean="0"/>
-            </a:br>
-            <a:r>
-              <a:rPr lang="pt-BR" dirty="0"/>
-              <a:t>	</a:t>
-            </a:r>
-            <a:r>
-              <a:rPr lang="pt-BR" dirty="0" smtClean="0"/>
-              <a:t>   </a:t>
-            </a:r>
-            <a:r>
-              <a:rPr lang="pt-BR" dirty="0" err="1" smtClean="0"/>
-              <a:t>Copy</a:t>
-            </a:r>
-            <a:r>
-              <a:rPr lang="pt-BR" dirty="0" smtClean="0"/>
-              <a:t> </a:t>
-            </a:r>
-            <a:r>
-              <a:rPr lang="pt-BR" dirty="0" err="1" smtClean="0"/>
-              <a:t>Artifact</a:t>
-            </a:r>
-            <a:r>
-              <a:rPr lang="pt-BR" dirty="0" smtClean="0"/>
-              <a:t> </a:t>
-            </a:r>
-            <a:r>
-              <a:rPr lang="pt-BR" dirty="0" err="1" smtClean="0"/>
-              <a:t>Mapskills</a:t>
-            </a:r>
-            <a:r>
-              <a:rPr lang="pt-BR" dirty="0" smtClean="0"/>
-              <a:t>-front</a:t>
+              <a:rPr lang="pt-BR" sz="3600" dirty="0"/>
+              <a:t>Planejamento </a:t>
+            </a:r>
+            <a:r>
+              <a:rPr lang="pt-BR" sz="3600"/>
+              <a:t>e </a:t>
+            </a:r>
+            <a:r>
+              <a:rPr lang="pt-BR" sz="3600" smtClean="0"/>
+              <a:t>Implantação </a:t>
+            </a:r>
+            <a:r>
+              <a:rPr lang="pt-BR" sz="3600" dirty="0"/>
+              <a:t>da Plataforma para Mapeamento </a:t>
+            </a:r>
+            <a:r>
+              <a:rPr lang="pt-BR" sz="3600" dirty="0" smtClean="0"/>
+              <a:t>de </a:t>
+            </a:r>
+            <a:r>
+              <a:rPr lang="pt-BR" sz="3600" dirty="0"/>
+              <a:t>Competências </a:t>
+            </a:r>
+          </a:p>
+        </p:txBody>
+      </p:sp>
+      <p:sp>
+        <p:nvSpPr>
+          <p:cNvPr id="5" name="Subtítulo 4"/>
+          <p:cNvSpPr>
+            <a:spLocks noGrp="1"/>
+          </p:cNvSpPr>
+          <p:nvPr>
+            <p:ph type="subTitle" idx="1"/>
+          </p:nvPr>
+        </p:nvSpPr>
+        <p:spPr/>
+        <p:txBody>
+          <a:bodyPr/>
+          <a:lstStyle/>
+          <a:p>
+            <a:r>
+              <a:rPr lang="pt-BR"/>
+              <a:t>Thiago Luis Silva Fortunato</a:t>
+            </a:r>
+          </a:p>
+          <a:p>
+            <a:r>
+              <a:rPr lang="pt-BR"/>
+              <a:t>Orientador: Prof. Me. Eduardo Sakaue</a:t>
             </a:r>
             <a:endParaRPr lang="pt-BR" dirty="0"/>
-          </a:p>
-        </p:txBody>
-      </p:sp>
-      <p:sp>
-        <p:nvSpPr>
-          <p:cNvPr id="3" name="Espaço Reservado para Conteúdo 2"/>
-          <p:cNvSpPr>
-            <a:spLocks noGrp="1"/>
-          </p:cNvSpPr>
-          <p:nvPr>
-            <p:ph idx="1"/>
-          </p:nvPr>
-        </p:nvSpPr>
-        <p:spPr>
-          <a:xfrm>
-            <a:off x="287383" y="2336873"/>
-            <a:ext cx="10829108" cy="3599316"/>
-          </a:xfrm>
-        </p:spPr>
-        <p:txBody>
-          <a:bodyPr>
-            <a:normAutofit fontScale="92500"/>
-          </a:bodyPr>
-          <a:lstStyle/>
-          <a:p>
-            <a:r>
-              <a:rPr lang="pt-BR" dirty="0" smtClean="0"/>
-              <a:t>Depende da execução com sucesso do </a:t>
-            </a:r>
-            <a:r>
-              <a:rPr lang="pt-BR" dirty="0" err="1" smtClean="0"/>
-              <a:t>job</a:t>
-            </a:r>
-            <a:r>
-              <a:rPr lang="pt-BR" dirty="0" smtClean="0"/>
-              <a:t> Build-</a:t>
-            </a:r>
-            <a:r>
-              <a:rPr lang="pt-BR" dirty="0" err="1" smtClean="0"/>
-              <a:t>Mapskills</a:t>
-            </a:r>
-            <a:r>
-              <a:rPr lang="pt-BR" dirty="0" smtClean="0"/>
-              <a:t>-</a:t>
-            </a:r>
-            <a:r>
-              <a:rPr lang="pt-BR" dirty="0" err="1" smtClean="0"/>
-              <a:t>App</a:t>
-            </a:r>
-            <a:r>
-              <a:rPr lang="pt-BR" dirty="0" smtClean="0"/>
-              <a:t> e </a:t>
-            </a:r>
-            <a:r>
-              <a:rPr lang="pt-BR" dirty="0" err="1" smtClean="0"/>
-              <a:t>Mapskills</a:t>
-            </a:r>
-            <a:r>
-              <a:rPr lang="pt-BR" dirty="0" smtClean="0"/>
-              <a:t>-Front.</a:t>
-            </a:r>
-          </a:p>
-          <a:p>
-            <a:r>
-              <a:rPr lang="pt-BR" dirty="0" smtClean="0"/>
-              <a:t>Ele </a:t>
-            </a:r>
-            <a:r>
-              <a:rPr lang="pt-BR" dirty="0"/>
-              <a:t>copiar o arquivo .</a:t>
-            </a:r>
-            <a:r>
-              <a:rPr lang="pt-BR" dirty="0" err="1"/>
-              <a:t>war</a:t>
-            </a:r>
-            <a:r>
-              <a:rPr lang="pt-BR" dirty="0"/>
-              <a:t> da pasta </a:t>
-            </a:r>
-            <a:r>
-              <a:rPr lang="pt-BR" dirty="0" smtClean="0"/>
-              <a:t>Target do Container </a:t>
-            </a:r>
-            <a:r>
-              <a:rPr lang="pt-BR" dirty="0" err="1" smtClean="0"/>
-              <a:t>Jenkisn</a:t>
-            </a:r>
-            <a:r>
-              <a:rPr lang="pt-BR" dirty="0" smtClean="0"/>
-              <a:t> </a:t>
-            </a:r>
-            <a:r>
-              <a:rPr lang="pt-BR" dirty="0"/>
-              <a:t>para o volume </a:t>
-            </a:r>
-            <a:r>
-              <a:rPr lang="pt-BR" dirty="0" err="1" smtClean="0"/>
-              <a:t>Docker</a:t>
-            </a:r>
-            <a:r>
-              <a:rPr lang="pt-BR" dirty="0" smtClean="0"/>
-              <a:t> </a:t>
-            </a:r>
-            <a:r>
-              <a:rPr lang="pt-BR" dirty="0" err="1" smtClean="0"/>
-              <a:t>Mapskills-back</a:t>
-            </a:r>
-            <a:r>
-              <a:rPr lang="pt-BR" dirty="0" smtClean="0"/>
-              <a:t> e </a:t>
-            </a:r>
-            <a:r>
-              <a:rPr lang="pt-BR" dirty="0" err="1" smtClean="0"/>
-              <a:t>Mapskills</a:t>
-            </a:r>
-            <a:r>
-              <a:rPr lang="pt-BR" dirty="0" smtClean="0"/>
-              <a:t>-front</a:t>
-            </a:r>
-            <a:r>
-              <a:rPr lang="pt-BR" i="1" dirty="0" smtClean="0"/>
-              <a:t>.</a:t>
-            </a:r>
-            <a:endParaRPr lang="pt-BR" i="1" dirty="0"/>
-          </a:p>
-          <a:p>
-            <a:pPr marL="0" indent="0" algn="ctr" hangingPunct="0">
-              <a:buNone/>
-            </a:pPr>
-            <a:endParaRPr lang="en-US" dirty="0" smtClean="0">
-              <a:latin typeface="Courier New" panose="02070309020205020404" pitchFamily="49" charset="0"/>
-              <a:cs typeface="Courier New" panose="02070309020205020404" pitchFamily="49" charset="0"/>
-            </a:endParaRPr>
-          </a:p>
-          <a:p>
-            <a:pPr marL="0" indent="0" algn="ctr" hangingPunct="0">
-              <a:buNone/>
-            </a:pPr>
-            <a:r>
-              <a:rPr lang="en-US" dirty="0" err="1" smtClean="0">
-                <a:latin typeface="Courier New" panose="02070309020205020404" pitchFamily="49" charset="0"/>
-                <a:cs typeface="Courier New" panose="02070309020205020404" pitchFamily="49" charset="0"/>
-              </a:rPr>
-              <a:t>sudo</a:t>
-            </a:r>
-            <a:r>
-              <a:rPr lang="en-US" dirty="0" smtClean="0">
-                <a:latin typeface="Courier New" panose="02070309020205020404" pitchFamily="49" charset="0"/>
-                <a:cs typeface="Courier New" panose="02070309020205020404" pitchFamily="49" charset="0"/>
-              </a:rPr>
-              <a:t> </a:t>
-            </a:r>
-            <a:r>
-              <a:rPr lang="en-US" dirty="0" err="1">
-                <a:latin typeface="Courier New" panose="02070309020205020404" pitchFamily="49" charset="0"/>
-                <a:cs typeface="Courier New" panose="02070309020205020404" pitchFamily="49" charset="0"/>
-              </a:rPr>
-              <a:t>cp</a:t>
-            </a:r>
-            <a:r>
-              <a:rPr lang="en-US" dirty="0">
-                <a:latin typeface="Courier New" panose="02070309020205020404" pitchFamily="49" charset="0"/>
-                <a:cs typeface="Courier New" panose="02070309020205020404" pitchFamily="49" charset="0"/>
-              </a:rPr>
-              <a:t> /</a:t>
-            </a:r>
-            <a:r>
-              <a:rPr lang="en-US" dirty="0" err="1">
-                <a:latin typeface="Courier New" panose="02070309020205020404" pitchFamily="49" charset="0"/>
-                <a:cs typeface="Courier New" panose="02070309020205020404" pitchFamily="49" charset="0"/>
-              </a:rPr>
-              <a:t>var</a:t>
-            </a:r>
-            <a:r>
-              <a:rPr lang="en-US" dirty="0">
-                <a:latin typeface="Courier New" panose="02070309020205020404" pitchFamily="49" charset="0"/>
-                <a:cs typeface="Courier New" panose="02070309020205020404" pitchFamily="49" charset="0"/>
-              </a:rPr>
-              <a:t>/</a:t>
-            </a:r>
-            <a:r>
-              <a:rPr lang="en-US" dirty="0" err="1">
-                <a:latin typeface="Courier New" panose="02070309020205020404" pitchFamily="49" charset="0"/>
-                <a:cs typeface="Courier New" panose="02070309020205020404" pitchFamily="49" charset="0"/>
-              </a:rPr>
-              <a:t>jenkins_home</a:t>
-            </a:r>
-            <a:r>
-              <a:rPr lang="en-US" dirty="0">
-                <a:latin typeface="Courier New" panose="02070309020205020404" pitchFamily="49" charset="0"/>
-                <a:cs typeface="Courier New" panose="02070309020205020404" pitchFamily="49" charset="0"/>
-              </a:rPr>
-              <a:t>/workspace/Build-</a:t>
-            </a:r>
-            <a:r>
-              <a:rPr lang="en-US" dirty="0" err="1">
-                <a:latin typeface="Courier New" panose="02070309020205020404" pitchFamily="49" charset="0"/>
-                <a:cs typeface="Courier New" panose="02070309020205020404" pitchFamily="49" charset="0"/>
-              </a:rPr>
-              <a:t>Mapskills</a:t>
-            </a:r>
-            <a:r>
-              <a:rPr lang="en-US" dirty="0">
-                <a:latin typeface="Courier New" panose="02070309020205020404" pitchFamily="49" charset="0"/>
-                <a:cs typeface="Courier New" panose="02070309020205020404" pitchFamily="49" charset="0"/>
-              </a:rPr>
-              <a:t>-Back/target/</a:t>
-            </a:r>
-            <a:r>
-              <a:rPr lang="en-US" dirty="0" err="1">
-                <a:latin typeface="Courier New" panose="02070309020205020404" pitchFamily="49" charset="0"/>
-                <a:cs typeface="Courier New" panose="02070309020205020404" pitchFamily="49" charset="0"/>
-              </a:rPr>
-              <a:t>mapskills.war</a:t>
-            </a:r>
-            <a:r>
-              <a:rPr lang="en-US" dirty="0">
-                <a:latin typeface="Courier New" panose="02070309020205020404" pitchFamily="49" charset="0"/>
-                <a:cs typeface="Courier New" panose="02070309020205020404" pitchFamily="49" charset="0"/>
-              </a:rPr>
-              <a:t> /</a:t>
-            </a:r>
-            <a:r>
-              <a:rPr lang="en-US" dirty="0" err="1">
-                <a:latin typeface="Courier New" panose="02070309020205020404" pitchFamily="49" charset="0"/>
-                <a:cs typeface="Courier New" panose="02070309020205020404" pitchFamily="49" charset="0"/>
-              </a:rPr>
-              <a:t>mapskills</a:t>
-            </a:r>
-            <a:r>
-              <a:rPr lang="en-US" dirty="0">
-                <a:latin typeface="Courier New" panose="02070309020205020404" pitchFamily="49" charset="0"/>
-                <a:cs typeface="Courier New" panose="02070309020205020404" pitchFamily="49" charset="0"/>
-              </a:rPr>
-              <a:t>/back</a:t>
-            </a:r>
-          </a:p>
-          <a:p>
-            <a:pPr marL="0" indent="0" algn="ctr" hangingPunct="0">
-              <a:buNone/>
-            </a:pPr>
-            <a:endParaRPr lang="pt-BR" dirty="0" smtClean="0">
-              <a:latin typeface="Courier New" panose="02070309020205020404" pitchFamily="49" charset="0"/>
-              <a:cs typeface="Courier New" panose="02070309020205020404" pitchFamily="49" charset="0"/>
-            </a:endParaRPr>
-          </a:p>
-          <a:p>
-            <a:pPr marL="0" indent="0" algn="ctr" hangingPunct="0">
-              <a:buNone/>
-            </a:pPr>
-            <a:r>
-              <a:rPr lang="pt-BR" dirty="0" err="1">
-                <a:latin typeface="Courier New" panose="02070309020205020404" pitchFamily="49" charset="0"/>
-                <a:cs typeface="Courier New" panose="02070309020205020404" pitchFamily="49" charset="0"/>
-              </a:rPr>
-              <a:t>sudo</a:t>
-            </a:r>
-            <a:r>
-              <a:rPr lang="pt-BR" dirty="0">
-                <a:latin typeface="Courier New" panose="02070309020205020404" pitchFamily="49" charset="0"/>
-                <a:cs typeface="Courier New" panose="02070309020205020404" pitchFamily="49" charset="0"/>
-              </a:rPr>
-              <a:t> </a:t>
-            </a:r>
-            <a:r>
-              <a:rPr lang="pt-BR" dirty="0" err="1">
-                <a:latin typeface="Courier New" panose="02070309020205020404" pitchFamily="49" charset="0"/>
-                <a:cs typeface="Courier New" panose="02070309020205020404" pitchFamily="49" charset="0"/>
-              </a:rPr>
-              <a:t>cp</a:t>
-            </a:r>
-            <a:r>
-              <a:rPr lang="pt-BR" dirty="0">
-                <a:latin typeface="Courier New" panose="02070309020205020404" pitchFamily="49" charset="0"/>
-                <a:cs typeface="Courier New" panose="02070309020205020404" pitchFamily="49" charset="0"/>
-              </a:rPr>
-              <a:t> /var/</a:t>
-            </a:r>
-            <a:r>
-              <a:rPr lang="pt-BR" dirty="0" err="1">
-                <a:latin typeface="Courier New" panose="02070309020205020404" pitchFamily="49" charset="0"/>
-                <a:cs typeface="Courier New" panose="02070309020205020404" pitchFamily="49" charset="0"/>
-              </a:rPr>
-              <a:t>jenkins_home</a:t>
-            </a:r>
-            <a:r>
-              <a:rPr lang="pt-BR" dirty="0">
-                <a:latin typeface="Courier New" panose="02070309020205020404" pitchFamily="49" charset="0"/>
-                <a:cs typeface="Courier New" panose="02070309020205020404" pitchFamily="49" charset="0"/>
-              </a:rPr>
-              <a:t>/</a:t>
-            </a:r>
-            <a:r>
-              <a:rPr lang="pt-BR" dirty="0" err="1">
-                <a:latin typeface="Courier New" panose="02070309020205020404" pitchFamily="49" charset="0"/>
-                <a:cs typeface="Courier New" panose="02070309020205020404" pitchFamily="49" charset="0"/>
-              </a:rPr>
-              <a:t>workspace</a:t>
-            </a:r>
-            <a:r>
-              <a:rPr lang="pt-BR" dirty="0">
-                <a:latin typeface="Courier New" panose="02070309020205020404" pitchFamily="49" charset="0"/>
-                <a:cs typeface="Courier New" panose="02070309020205020404" pitchFamily="49" charset="0"/>
-              </a:rPr>
-              <a:t>/Build-</a:t>
-            </a:r>
-            <a:r>
-              <a:rPr lang="pt-BR" dirty="0" err="1">
-                <a:latin typeface="Courier New" panose="02070309020205020404" pitchFamily="49" charset="0"/>
-                <a:cs typeface="Courier New" panose="02070309020205020404" pitchFamily="49" charset="0"/>
-              </a:rPr>
-              <a:t>Mapskills</a:t>
-            </a:r>
-            <a:r>
-              <a:rPr lang="pt-BR" dirty="0">
-                <a:latin typeface="Courier New" panose="02070309020205020404" pitchFamily="49" charset="0"/>
-                <a:cs typeface="Courier New" panose="02070309020205020404" pitchFamily="49" charset="0"/>
-              </a:rPr>
-              <a:t>-Front/</a:t>
-            </a:r>
-            <a:r>
-              <a:rPr lang="pt-BR" dirty="0" err="1">
-                <a:latin typeface="Courier New" panose="02070309020205020404" pitchFamily="49" charset="0"/>
-                <a:cs typeface="Courier New" panose="02070309020205020404" pitchFamily="49" charset="0"/>
-              </a:rPr>
-              <a:t>mapskills</a:t>
-            </a:r>
-            <a:r>
-              <a:rPr lang="pt-BR" dirty="0">
-                <a:latin typeface="Courier New" panose="02070309020205020404" pitchFamily="49" charset="0"/>
-                <a:cs typeface="Courier New" panose="02070309020205020404" pitchFamily="49" charset="0"/>
-              </a:rPr>
-              <a:t>-web/</a:t>
-            </a:r>
-            <a:r>
-              <a:rPr lang="pt-BR" dirty="0" err="1">
-                <a:latin typeface="Courier New" panose="02070309020205020404" pitchFamily="49" charset="0"/>
-                <a:cs typeface="Courier New" panose="02070309020205020404" pitchFamily="49" charset="0"/>
-              </a:rPr>
-              <a:t>target</a:t>
-            </a:r>
-            <a:r>
-              <a:rPr lang="pt-BR" dirty="0">
-                <a:latin typeface="Courier New" panose="02070309020205020404" pitchFamily="49" charset="0"/>
-                <a:cs typeface="Courier New" panose="02070309020205020404" pitchFamily="49" charset="0"/>
-              </a:rPr>
-              <a:t>/</a:t>
-            </a:r>
-            <a:r>
-              <a:rPr lang="pt-BR" dirty="0" err="1">
-                <a:latin typeface="Courier New" panose="02070309020205020404" pitchFamily="49" charset="0"/>
-                <a:cs typeface="Courier New" panose="02070309020205020404" pitchFamily="49" charset="0"/>
-              </a:rPr>
-              <a:t>mapskills-web.war</a:t>
-            </a:r>
-            <a:r>
-              <a:rPr lang="pt-BR" dirty="0">
-                <a:latin typeface="Courier New" panose="02070309020205020404" pitchFamily="49" charset="0"/>
-                <a:cs typeface="Courier New" panose="02070309020205020404" pitchFamily="49" charset="0"/>
-              </a:rPr>
-              <a:t> /</a:t>
-            </a:r>
-            <a:r>
-              <a:rPr lang="pt-BR" dirty="0" err="1">
-                <a:latin typeface="Courier New" panose="02070309020205020404" pitchFamily="49" charset="0"/>
-                <a:cs typeface="Courier New" panose="02070309020205020404" pitchFamily="49" charset="0"/>
-              </a:rPr>
-              <a:t>mapskills</a:t>
-            </a:r>
-            <a:r>
-              <a:rPr lang="pt-BR" dirty="0">
-                <a:latin typeface="Courier New" panose="02070309020205020404" pitchFamily="49" charset="0"/>
-                <a:cs typeface="Courier New" panose="02070309020205020404" pitchFamily="49" charset="0"/>
-              </a:rPr>
-              <a:t>/front</a:t>
-            </a:r>
-          </a:p>
-        </p:txBody>
-      </p:sp>
-      <p:sp>
-        <p:nvSpPr>
-          <p:cNvPr id="4" name="Retângulo 3"/>
-          <p:cNvSpPr/>
-          <p:nvPr/>
-        </p:nvSpPr>
-        <p:spPr>
-          <a:xfrm>
-            <a:off x="680321" y="250521"/>
-            <a:ext cx="2231701" cy="369332"/>
-          </a:xfrm>
-          <a:prstGeom prst="rect">
-            <a:avLst/>
-          </a:prstGeom>
-        </p:spPr>
-        <p:txBody>
-          <a:bodyPr wrap="none">
-            <a:spAutoFit/>
-          </a:bodyPr>
-          <a:lstStyle/>
-          <a:p>
-            <a:pPr marL="285750" indent="-285750">
-              <a:buFont typeface="Arial" panose="020B0604020202020204" pitchFamily="34" charset="0"/>
-              <a:buChar char="•"/>
-            </a:pPr>
-            <a:r>
-              <a:rPr lang="pt-BR" dirty="0"/>
-              <a:t>Desenvolvimento</a:t>
-            </a:r>
           </a:p>
         </p:txBody>
       </p:sp>
       <p:pic>
         <p:nvPicPr>
-          <p:cNvPr id="5" name="Imagem 4"/>
+          <p:cNvPr id="6" name="Imagem 5"/>
           <p:cNvPicPr>
             <a:picLocks noChangeAspect="1"/>
           </p:cNvPicPr>
           <p:nvPr/>
         </p:nvPicPr>
         <p:blipFill>
-          <a:blip r:embed="rId2" cstate="print">
+          <a:blip r:embed="rId2">
             <a:extLst>
               <a:ext uri="{28A0092B-C50C-407E-A947-70E740481C1C}">
                 <a14:useLocalDpi xmlns:a14="http://schemas.microsoft.com/office/drawing/2010/main" val="0"/>
@@ -14126,8 +14033,8 @@
         </p:blipFill>
         <p:spPr>
           <a:xfrm>
-            <a:off x="10602142" y="920672"/>
-            <a:ext cx="1589858" cy="650549"/>
+            <a:off x="9326880" y="123838"/>
+            <a:ext cx="3065961" cy="1254551"/>
           </a:xfrm>
           <a:prstGeom prst="rect">
             <a:avLst/>
@@ -14137,912 +14044,7 @@
     </p:spTree>
     <p:extLst>
       <p:ext uri="{BB962C8B-B14F-4D97-AF65-F5344CB8AC3E}">
-        <p14:creationId xmlns:p14="http://schemas.microsoft.com/office/powerpoint/2010/main" val="1070249952"/>
-      </p:ext>
-    </p:extLst>
-  </p:cSld>
-  <p:clrMapOvr>
-    <a:masterClrMapping/>
-  </p:clrMapOvr>
-</p:sld>
-</file>
-
-<file path=ppt/slides/slide35.xml><?xml version="1.0" encoding="utf-8"?>
-<p:sld xmlns:a="http://schemas.openxmlformats.org/drawingml/2006/main" xmlns:r="http://schemas.openxmlformats.org/officeDocument/2006/relationships" xmlns:p="http://schemas.openxmlformats.org/presentationml/2006/main">
-  <p:cSld>
-    <p:spTree>
-      <p:nvGrpSpPr>
-        <p:cNvPr id="1" name=""/>
-        <p:cNvGrpSpPr/>
-        <p:nvPr/>
-      </p:nvGrpSpPr>
-      <p:grpSpPr>
-        <a:xfrm>
-          <a:off x="0" y="0"/>
-          <a:ext cx="0" cy="0"/>
-          <a:chOff x="0" y="0"/>
-          <a:chExt cx="0" cy="0"/>
-        </a:xfrm>
-      </p:grpSpPr>
-      <p:sp>
-        <p:nvSpPr>
-          <p:cNvPr id="2" name="Título 1"/>
-          <p:cNvSpPr>
-            <a:spLocks noGrp="1"/>
-          </p:cNvSpPr>
-          <p:nvPr>
-            <p:ph type="title"/>
-          </p:nvPr>
-        </p:nvSpPr>
-        <p:spPr/>
-        <p:txBody>
-          <a:bodyPr/>
-          <a:lstStyle/>
-          <a:p>
-            <a:r>
-              <a:rPr lang="pt-BR" dirty="0" err="1"/>
-              <a:t>Job</a:t>
-            </a:r>
-            <a:r>
-              <a:rPr lang="pt-BR" dirty="0"/>
-              <a:t> – </a:t>
-            </a:r>
-            <a:r>
-              <a:rPr lang="pt-BR" dirty="0" err="1"/>
-              <a:t>Deploy</a:t>
-            </a:r>
-            <a:r>
-              <a:rPr lang="pt-BR" dirty="0"/>
-              <a:t> </a:t>
-            </a:r>
-            <a:r>
-              <a:rPr lang="pt-BR" dirty="0" err="1"/>
-              <a:t>Mapskills</a:t>
-            </a:r>
-            <a:endParaRPr lang="pt-BR" dirty="0"/>
-          </a:p>
-        </p:txBody>
-      </p:sp>
-      <p:sp>
-        <p:nvSpPr>
-          <p:cNvPr id="3" name="Espaço Reservado para Conteúdo 2"/>
-          <p:cNvSpPr>
-            <a:spLocks noGrp="1"/>
-          </p:cNvSpPr>
-          <p:nvPr>
-            <p:ph idx="1"/>
-          </p:nvPr>
-        </p:nvSpPr>
-        <p:spPr>
-          <a:xfrm>
-            <a:off x="680321" y="2336873"/>
-            <a:ext cx="10893370" cy="3599316"/>
-          </a:xfrm>
-        </p:spPr>
-        <p:txBody>
-          <a:bodyPr/>
-          <a:lstStyle/>
-          <a:p>
-            <a:pPr hangingPunct="0"/>
-            <a:r>
-              <a:rPr lang="pt-BR" dirty="0" err="1" smtClean="0"/>
-              <a:t>Reponsável</a:t>
-            </a:r>
-            <a:r>
-              <a:rPr lang="pt-BR" dirty="0" smtClean="0"/>
-              <a:t> por </a:t>
-            </a:r>
-            <a:r>
-              <a:rPr lang="pt-BR" dirty="0"/>
-              <a:t>disponibilizar os projetos de </a:t>
-            </a:r>
-            <a:r>
-              <a:rPr lang="pt-BR" i="1" dirty="0"/>
-              <a:t>front</a:t>
-            </a:r>
-            <a:r>
-              <a:rPr lang="pt-BR" dirty="0"/>
-              <a:t> e </a:t>
-            </a:r>
-            <a:r>
-              <a:rPr lang="pt-BR" i="1" dirty="0" err="1"/>
-              <a:t>back-end</a:t>
-            </a:r>
-            <a:r>
-              <a:rPr lang="pt-BR" dirty="0"/>
-              <a:t> em produção. Para que seja esteja em produção, é executado o arquivo “</a:t>
-            </a:r>
-            <a:r>
-              <a:rPr lang="pt-BR" dirty="0" err="1"/>
-              <a:t>docker-compose.yml</a:t>
-            </a:r>
-            <a:r>
-              <a:rPr lang="pt-BR" dirty="0"/>
-              <a:t>”.</a:t>
-            </a:r>
-          </a:p>
-          <a:p>
-            <a:pPr marL="0" indent="0" hangingPunct="0">
-              <a:buNone/>
-            </a:pPr>
-            <a:endParaRPr lang="en-US" dirty="0"/>
-          </a:p>
-          <a:p>
-            <a:pPr marL="0" indent="0" algn="ctr" hangingPunct="0">
-              <a:buNone/>
-            </a:pPr>
-            <a:r>
-              <a:rPr lang="en-US" dirty="0" err="1">
-                <a:latin typeface="Courier New" panose="02070309020205020404" pitchFamily="49" charset="0"/>
-                <a:cs typeface="Courier New" panose="02070309020205020404" pitchFamily="49" charset="0"/>
-              </a:rPr>
-              <a:t>sudo</a:t>
-            </a:r>
-            <a:r>
-              <a:rPr lang="en-US" dirty="0">
-                <a:latin typeface="Courier New" panose="02070309020205020404" pitchFamily="49" charset="0"/>
-                <a:cs typeface="Courier New" panose="02070309020205020404" pitchFamily="49" charset="0"/>
-              </a:rPr>
-              <a:t> </a:t>
-            </a:r>
-            <a:r>
-              <a:rPr lang="en-US" dirty="0" err="1">
-                <a:latin typeface="Courier New" panose="02070309020205020404" pitchFamily="49" charset="0"/>
-                <a:cs typeface="Courier New" panose="02070309020205020404" pitchFamily="49" charset="0"/>
-              </a:rPr>
-              <a:t>docker</a:t>
-            </a:r>
-            <a:r>
-              <a:rPr lang="en-US" dirty="0">
-                <a:latin typeface="Courier New" panose="02070309020205020404" pitchFamily="49" charset="0"/>
-                <a:cs typeface="Courier New" panose="02070309020205020404" pitchFamily="49" charset="0"/>
-              </a:rPr>
-              <a:t>-compose -f /</a:t>
-            </a:r>
-            <a:r>
-              <a:rPr lang="en-US" dirty="0" err="1">
-                <a:latin typeface="Courier New" panose="02070309020205020404" pitchFamily="49" charset="0"/>
-                <a:cs typeface="Courier New" panose="02070309020205020404" pitchFamily="49" charset="0"/>
-              </a:rPr>
-              <a:t>mapskills</a:t>
-            </a:r>
-            <a:r>
-              <a:rPr lang="en-US" dirty="0">
-                <a:latin typeface="Courier New" panose="02070309020205020404" pitchFamily="49" charset="0"/>
-                <a:cs typeface="Courier New" panose="02070309020205020404" pitchFamily="49" charset="0"/>
-              </a:rPr>
-              <a:t>/</a:t>
-            </a:r>
-            <a:r>
-              <a:rPr lang="en-US" dirty="0" err="1">
-                <a:latin typeface="Courier New" panose="02070309020205020404" pitchFamily="49" charset="0"/>
-                <a:cs typeface="Courier New" panose="02070309020205020404" pitchFamily="49" charset="0"/>
-              </a:rPr>
-              <a:t>docker-compose.yml</a:t>
-            </a:r>
-            <a:r>
-              <a:rPr lang="en-US" dirty="0">
-                <a:latin typeface="Courier New" panose="02070309020205020404" pitchFamily="49" charset="0"/>
-                <a:cs typeface="Courier New" panose="02070309020205020404" pitchFamily="49" charset="0"/>
-              </a:rPr>
-              <a:t> up -d</a:t>
-            </a:r>
-            <a:endParaRPr lang="pt-BR" dirty="0">
-              <a:latin typeface="Courier New" panose="02070309020205020404" pitchFamily="49" charset="0"/>
-              <a:cs typeface="Courier New" panose="02070309020205020404" pitchFamily="49" charset="0"/>
-            </a:endParaRPr>
-          </a:p>
-          <a:p>
-            <a:endParaRPr lang="pt-BR" dirty="0"/>
-          </a:p>
-        </p:txBody>
-      </p:sp>
-      <p:sp>
-        <p:nvSpPr>
-          <p:cNvPr id="4" name="Retângulo 3"/>
-          <p:cNvSpPr/>
-          <p:nvPr/>
-        </p:nvSpPr>
-        <p:spPr>
-          <a:xfrm>
-            <a:off x="680321" y="250521"/>
-            <a:ext cx="2231701" cy="369332"/>
-          </a:xfrm>
-          <a:prstGeom prst="rect">
-            <a:avLst/>
-          </a:prstGeom>
-        </p:spPr>
-        <p:txBody>
-          <a:bodyPr wrap="none">
-            <a:spAutoFit/>
-          </a:bodyPr>
-          <a:lstStyle/>
-          <a:p>
-            <a:pPr marL="285750" indent="-285750">
-              <a:buFont typeface="Arial" panose="020B0604020202020204" pitchFamily="34" charset="0"/>
-              <a:buChar char="•"/>
-            </a:pPr>
-            <a:r>
-              <a:rPr lang="pt-BR" dirty="0"/>
-              <a:t>Desenvolvimento</a:t>
-            </a:r>
-          </a:p>
-        </p:txBody>
-      </p:sp>
-      <p:pic>
-        <p:nvPicPr>
-          <p:cNvPr id="5" name="Imagem 4"/>
-          <p:cNvPicPr>
-            <a:picLocks noChangeAspect="1"/>
-          </p:cNvPicPr>
-          <p:nvPr/>
-        </p:nvPicPr>
-        <p:blipFill>
-          <a:blip r:embed="rId2" cstate="print">
-            <a:extLst>
-              <a:ext uri="{28A0092B-C50C-407E-A947-70E740481C1C}">
-                <a14:useLocalDpi xmlns:a14="http://schemas.microsoft.com/office/drawing/2010/main" val="0"/>
-              </a:ext>
-            </a:extLst>
-          </a:blip>
-          <a:stretch>
-            <a:fillRect/>
-          </a:stretch>
-        </p:blipFill>
-        <p:spPr>
-          <a:xfrm>
-            <a:off x="10602142" y="920672"/>
-            <a:ext cx="1589858" cy="650549"/>
-          </a:xfrm>
-          <a:prstGeom prst="rect">
-            <a:avLst/>
-          </a:prstGeom>
-        </p:spPr>
-      </p:pic>
-    </p:spTree>
-    <p:extLst>
-      <p:ext uri="{BB962C8B-B14F-4D97-AF65-F5344CB8AC3E}">
-        <p14:creationId xmlns:p14="http://schemas.microsoft.com/office/powerpoint/2010/main" val="2729253744"/>
-      </p:ext>
-    </p:extLst>
-  </p:cSld>
-  <p:clrMapOvr>
-    <a:masterClrMapping/>
-  </p:clrMapOvr>
-</p:sld>
-</file>
-
-<file path=ppt/slides/slide36.xml><?xml version="1.0" encoding="utf-8"?>
-<p:sld xmlns:a="http://schemas.openxmlformats.org/drawingml/2006/main" xmlns:r="http://schemas.openxmlformats.org/officeDocument/2006/relationships" xmlns:p="http://schemas.openxmlformats.org/presentationml/2006/main">
-  <p:cSld>
-    <p:spTree>
-      <p:nvGrpSpPr>
-        <p:cNvPr id="1" name=""/>
-        <p:cNvGrpSpPr/>
-        <p:nvPr/>
-      </p:nvGrpSpPr>
-      <p:grpSpPr>
-        <a:xfrm>
-          <a:off x="0" y="0"/>
-          <a:ext cx="0" cy="0"/>
-          <a:chOff x="0" y="0"/>
-          <a:chExt cx="0" cy="0"/>
-        </a:xfrm>
-      </p:grpSpPr>
-      <p:sp>
-        <p:nvSpPr>
-          <p:cNvPr id="2" name="Título 1"/>
-          <p:cNvSpPr>
-            <a:spLocks noGrp="1"/>
-          </p:cNvSpPr>
-          <p:nvPr>
-            <p:ph type="ctrTitle"/>
-          </p:nvPr>
-        </p:nvSpPr>
-        <p:spPr/>
-        <p:txBody>
-          <a:bodyPr/>
-          <a:lstStyle/>
-          <a:p>
-            <a:r>
-              <a:rPr lang="pt-BR" dirty="0"/>
-              <a:t>Resultados</a:t>
-            </a:r>
-          </a:p>
-        </p:txBody>
-      </p:sp>
-      <p:sp>
-        <p:nvSpPr>
-          <p:cNvPr id="3" name="Subtítulo 2"/>
-          <p:cNvSpPr>
-            <a:spLocks noGrp="1"/>
-          </p:cNvSpPr>
-          <p:nvPr>
-            <p:ph type="subTitle" idx="1"/>
-          </p:nvPr>
-        </p:nvSpPr>
-        <p:spPr/>
-        <p:txBody>
-          <a:bodyPr/>
-          <a:lstStyle/>
-          <a:p>
-            <a:endParaRPr lang="pt-BR"/>
-          </a:p>
-        </p:txBody>
-      </p:sp>
-    </p:spTree>
-    <p:extLst>
-      <p:ext uri="{BB962C8B-B14F-4D97-AF65-F5344CB8AC3E}">
-        <p14:creationId xmlns:p14="http://schemas.microsoft.com/office/powerpoint/2010/main" val="1979354097"/>
-      </p:ext>
-    </p:extLst>
-  </p:cSld>
-  <p:clrMapOvr>
-    <a:masterClrMapping/>
-  </p:clrMapOvr>
-</p:sld>
-</file>
-
-<file path=ppt/slides/slide37.xml><?xml version="1.0" encoding="utf-8"?>
-<p:sld xmlns:a="http://schemas.openxmlformats.org/drawingml/2006/main" xmlns:r="http://schemas.openxmlformats.org/officeDocument/2006/relationships" xmlns:p="http://schemas.openxmlformats.org/presentationml/2006/main">
-  <p:cSld>
-    <p:spTree>
-      <p:nvGrpSpPr>
-        <p:cNvPr id="1" name=""/>
-        <p:cNvGrpSpPr/>
-        <p:nvPr/>
-      </p:nvGrpSpPr>
-      <p:grpSpPr>
-        <a:xfrm>
-          <a:off x="0" y="0"/>
-          <a:ext cx="0" cy="0"/>
-          <a:chOff x="0" y="0"/>
-          <a:chExt cx="0" cy="0"/>
-        </a:xfrm>
-      </p:grpSpPr>
-      <p:sp>
-        <p:nvSpPr>
-          <p:cNvPr id="2" name="Título 1"/>
-          <p:cNvSpPr>
-            <a:spLocks noGrp="1"/>
-          </p:cNvSpPr>
-          <p:nvPr>
-            <p:ph type="title"/>
-          </p:nvPr>
-        </p:nvSpPr>
-        <p:spPr/>
-        <p:txBody>
-          <a:bodyPr/>
-          <a:lstStyle/>
-          <a:p>
-            <a:r>
-              <a:rPr lang="pt-BR" dirty="0"/>
-              <a:t>Escopo dos Resultados</a:t>
-            </a:r>
-          </a:p>
-        </p:txBody>
-      </p:sp>
-      <p:sp>
-        <p:nvSpPr>
-          <p:cNvPr id="3" name="Espaço Reservado para Conteúdo 2"/>
-          <p:cNvSpPr>
-            <a:spLocks noGrp="1"/>
-          </p:cNvSpPr>
-          <p:nvPr>
-            <p:ph idx="1"/>
-          </p:nvPr>
-        </p:nvSpPr>
-        <p:spPr/>
-        <p:txBody>
-          <a:bodyPr/>
-          <a:lstStyle/>
-          <a:p>
-            <a:r>
-              <a:rPr lang="pt-BR" dirty="0"/>
-              <a:t>Realizado com alunos da FATEC Prof. </a:t>
-            </a:r>
-            <a:r>
-              <a:rPr lang="pt-BR" dirty="0" err="1"/>
-              <a:t>Jessen</a:t>
-            </a:r>
-            <a:r>
-              <a:rPr lang="pt-BR" dirty="0"/>
-              <a:t> Vidal.</a:t>
-            </a:r>
-          </a:p>
-          <a:p>
-            <a:r>
-              <a:rPr lang="pt-BR" dirty="0"/>
-              <a:t>Entre os meses de março, abril e maio.</a:t>
-            </a:r>
-          </a:p>
-          <a:p>
-            <a:r>
-              <a:rPr lang="pt-BR" dirty="0"/>
-              <a:t>Testado por mais de </a:t>
-            </a:r>
-            <a:r>
-              <a:rPr lang="pt-BR" dirty="0" smtClean="0"/>
-              <a:t>250 alunos.</a:t>
-            </a:r>
-          </a:p>
-        </p:txBody>
-      </p:sp>
-      <p:sp>
-        <p:nvSpPr>
-          <p:cNvPr id="6" name="Retângulo 5"/>
-          <p:cNvSpPr/>
-          <p:nvPr/>
-        </p:nvSpPr>
-        <p:spPr>
-          <a:xfrm>
-            <a:off x="680321" y="250521"/>
-            <a:ext cx="1569917" cy="369332"/>
-          </a:xfrm>
-          <a:prstGeom prst="rect">
-            <a:avLst/>
-          </a:prstGeom>
-        </p:spPr>
-        <p:txBody>
-          <a:bodyPr wrap="none">
-            <a:spAutoFit/>
-          </a:bodyPr>
-          <a:lstStyle/>
-          <a:p>
-            <a:pPr marL="285750" indent="-285750">
-              <a:buFont typeface="Arial" panose="020B0604020202020204" pitchFamily="34" charset="0"/>
-              <a:buChar char="•"/>
-            </a:pPr>
-            <a:r>
-              <a:rPr lang="pt-BR" dirty="0"/>
-              <a:t>Resultados</a:t>
-            </a:r>
-          </a:p>
-        </p:txBody>
-      </p:sp>
-      <p:pic>
-        <p:nvPicPr>
-          <p:cNvPr id="5" name="Imagem 4"/>
-          <p:cNvPicPr>
-            <a:picLocks noChangeAspect="1"/>
-          </p:cNvPicPr>
-          <p:nvPr/>
-        </p:nvPicPr>
-        <p:blipFill>
-          <a:blip r:embed="rId2" cstate="print">
-            <a:extLst>
-              <a:ext uri="{28A0092B-C50C-407E-A947-70E740481C1C}">
-                <a14:useLocalDpi xmlns:a14="http://schemas.microsoft.com/office/drawing/2010/main" val="0"/>
-              </a:ext>
-            </a:extLst>
-          </a:blip>
-          <a:stretch>
-            <a:fillRect/>
-          </a:stretch>
-        </p:blipFill>
-        <p:spPr>
-          <a:xfrm>
-            <a:off x="10602142" y="920672"/>
-            <a:ext cx="1589858" cy="650549"/>
-          </a:xfrm>
-          <a:prstGeom prst="rect">
-            <a:avLst/>
-          </a:prstGeom>
-        </p:spPr>
-      </p:pic>
-    </p:spTree>
-    <p:extLst>
-      <p:ext uri="{BB962C8B-B14F-4D97-AF65-F5344CB8AC3E}">
-        <p14:creationId xmlns:p14="http://schemas.microsoft.com/office/powerpoint/2010/main" val="1937326064"/>
-      </p:ext>
-    </p:extLst>
-  </p:cSld>
-  <p:clrMapOvr>
-    <a:masterClrMapping/>
-  </p:clrMapOvr>
-</p:sld>
-</file>
-
-<file path=ppt/slides/slide38.xml><?xml version="1.0" encoding="utf-8"?>
-<p:sld xmlns:a="http://schemas.openxmlformats.org/drawingml/2006/main" xmlns:r="http://schemas.openxmlformats.org/officeDocument/2006/relationships" xmlns:p="http://schemas.openxmlformats.org/presentationml/2006/main">
-  <p:cSld>
-    <p:spTree>
-      <p:nvGrpSpPr>
-        <p:cNvPr id="1" name=""/>
-        <p:cNvGrpSpPr/>
-        <p:nvPr/>
-      </p:nvGrpSpPr>
-      <p:grpSpPr>
-        <a:xfrm>
-          <a:off x="0" y="0"/>
-          <a:ext cx="0" cy="0"/>
-          <a:chOff x="0" y="0"/>
-          <a:chExt cx="0" cy="0"/>
-        </a:xfrm>
-      </p:grpSpPr>
-      <p:sp>
-        <p:nvSpPr>
-          <p:cNvPr id="2" name="Título 1"/>
-          <p:cNvSpPr>
-            <a:spLocks noGrp="1"/>
-          </p:cNvSpPr>
-          <p:nvPr>
-            <p:ph type="title"/>
-          </p:nvPr>
-        </p:nvSpPr>
-        <p:spPr/>
-        <p:txBody>
-          <a:bodyPr/>
-          <a:lstStyle/>
-          <a:p>
-            <a:r>
-              <a:rPr lang="pt-BR" dirty="0"/>
-              <a:t>Experimento 1</a:t>
-            </a:r>
-          </a:p>
-        </p:txBody>
-      </p:sp>
-      <p:sp>
-        <p:nvSpPr>
-          <p:cNvPr id="3" name="Espaço Reservado para Conteúdo 2"/>
-          <p:cNvSpPr>
-            <a:spLocks noGrp="1"/>
-          </p:cNvSpPr>
-          <p:nvPr>
-            <p:ph idx="1"/>
-          </p:nvPr>
-        </p:nvSpPr>
-        <p:spPr/>
-        <p:txBody>
-          <a:bodyPr>
-            <a:normAutofit fontScale="92500"/>
-          </a:bodyPr>
-          <a:lstStyle/>
-          <a:p>
-            <a:r>
-              <a:rPr lang="pt-BR" dirty="0"/>
-              <a:t>Rede Interna</a:t>
-            </a:r>
-          </a:p>
-          <a:p>
-            <a:r>
-              <a:rPr lang="pt-BR" dirty="0"/>
-              <a:t>Data: 08 de março de 2017</a:t>
-            </a:r>
-          </a:p>
-          <a:p>
-            <a:r>
-              <a:rPr lang="pt-BR" dirty="0"/>
-              <a:t>Horário: 19h às 21h30.</a:t>
-            </a:r>
-          </a:p>
-          <a:p>
-            <a:r>
-              <a:rPr lang="pt-BR" dirty="0"/>
-              <a:t>Quantidade de Alunos: 120.</a:t>
-            </a:r>
-          </a:p>
-          <a:p>
-            <a:r>
-              <a:rPr lang="pt-BR" dirty="0"/>
-              <a:t>Localidade: FATEC São José dos Campos</a:t>
-            </a:r>
-          </a:p>
-          <a:p>
-            <a:pPr hangingPunct="0"/>
-            <a:r>
-              <a:rPr lang="pt-BR" dirty="0"/>
-              <a:t>Resultado: </a:t>
-            </a:r>
-          </a:p>
-          <a:p>
-            <a:pPr lvl="1" hangingPunct="0"/>
-            <a:r>
-              <a:rPr lang="pt-BR" dirty="0"/>
-              <a:t>Consumo de Memória pois eram realizadas diversas tarefas </a:t>
-            </a:r>
-            <a:r>
-              <a:rPr lang="pt-BR" dirty="0" smtClean="0"/>
-              <a:t>concorrentemente</a:t>
-            </a:r>
-            <a:r>
-              <a:rPr lang="pt-BR" dirty="0"/>
-              <a:t>.</a:t>
-            </a:r>
-          </a:p>
-          <a:p>
-            <a:pPr lvl="1" hangingPunct="0"/>
-            <a:r>
-              <a:rPr lang="pt-BR" dirty="0"/>
-              <a:t>Acesso ao banco de dados.</a:t>
-            </a:r>
-          </a:p>
-          <a:p>
-            <a:pPr lvl="1" hangingPunct="0"/>
-            <a:r>
-              <a:rPr lang="pt-BR" dirty="0" smtClean="0"/>
-              <a:t>Adicionado </a:t>
-            </a:r>
-            <a:r>
-              <a:rPr lang="pt-BR" dirty="0" err="1"/>
-              <a:t>balanceador</a:t>
-            </a:r>
-            <a:r>
-              <a:rPr lang="pt-BR" dirty="0"/>
-              <a:t> de carga.</a:t>
-            </a:r>
-          </a:p>
-          <a:p>
-            <a:endParaRPr lang="pt-BR" dirty="0"/>
-          </a:p>
-        </p:txBody>
-      </p:sp>
-      <p:sp>
-        <p:nvSpPr>
-          <p:cNvPr id="4" name="Retângulo 3"/>
-          <p:cNvSpPr/>
-          <p:nvPr/>
-        </p:nvSpPr>
-        <p:spPr>
-          <a:xfrm>
-            <a:off x="680321" y="250521"/>
-            <a:ext cx="1569917" cy="369332"/>
-          </a:xfrm>
-          <a:prstGeom prst="rect">
-            <a:avLst/>
-          </a:prstGeom>
-        </p:spPr>
-        <p:txBody>
-          <a:bodyPr wrap="none">
-            <a:spAutoFit/>
-          </a:bodyPr>
-          <a:lstStyle/>
-          <a:p>
-            <a:pPr marL="285750" indent="-285750">
-              <a:buFont typeface="Arial" panose="020B0604020202020204" pitchFamily="34" charset="0"/>
-              <a:buChar char="•"/>
-            </a:pPr>
-            <a:r>
-              <a:rPr lang="pt-BR" dirty="0"/>
-              <a:t>Resultados</a:t>
-            </a:r>
-          </a:p>
-        </p:txBody>
-      </p:sp>
-      <p:pic>
-        <p:nvPicPr>
-          <p:cNvPr id="5" name="Imagem 4"/>
-          <p:cNvPicPr>
-            <a:picLocks noChangeAspect="1"/>
-          </p:cNvPicPr>
-          <p:nvPr/>
-        </p:nvPicPr>
-        <p:blipFill>
-          <a:blip r:embed="rId2" cstate="print">
-            <a:extLst>
-              <a:ext uri="{28A0092B-C50C-407E-A947-70E740481C1C}">
-                <a14:useLocalDpi xmlns:a14="http://schemas.microsoft.com/office/drawing/2010/main" val="0"/>
-              </a:ext>
-            </a:extLst>
-          </a:blip>
-          <a:stretch>
-            <a:fillRect/>
-          </a:stretch>
-        </p:blipFill>
-        <p:spPr>
-          <a:xfrm>
-            <a:off x="10602142" y="920672"/>
-            <a:ext cx="1589858" cy="650549"/>
-          </a:xfrm>
-          <a:prstGeom prst="rect">
-            <a:avLst/>
-          </a:prstGeom>
-        </p:spPr>
-      </p:pic>
-    </p:spTree>
-    <p:extLst>
-      <p:ext uri="{BB962C8B-B14F-4D97-AF65-F5344CB8AC3E}">
-        <p14:creationId xmlns:p14="http://schemas.microsoft.com/office/powerpoint/2010/main" val="3970051832"/>
-      </p:ext>
-    </p:extLst>
-  </p:cSld>
-  <p:clrMapOvr>
-    <a:masterClrMapping/>
-  </p:clrMapOvr>
-</p:sld>
-</file>
-
-<file path=ppt/slides/slide39.xml><?xml version="1.0" encoding="utf-8"?>
-<p:sld xmlns:a="http://schemas.openxmlformats.org/drawingml/2006/main" xmlns:r="http://schemas.openxmlformats.org/officeDocument/2006/relationships" xmlns:p="http://schemas.openxmlformats.org/presentationml/2006/main">
-  <p:cSld>
-    <p:spTree>
-      <p:nvGrpSpPr>
-        <p:cNvPr id="1" name=""/>
-        <p:cNvGrpSpPr/>
-        <p:nvPr/>
-      </p:nvGrpSpPr>
-      <p:grpSpPr>
-        <a:xfrm>
-          <a:off x="0" y="0"/>
-          <a:ext cx="0" cy="0"/>
-          <a:chOff x="0" y="0"/>
-          <a:chExt cx="0" cy="0"/>
-        </a:xfrm>
-      </p:grpSpPr>
-      <p:sp>
-        <p:nvSpPr>
-          <p:cNvPr id="2" name="Título 1"/>
-          <p:cNvSpPr>
-            <a:spLocks noGrp="1"/>
-          </p:cNvSpPr>
-          <p:nvPr>
-            <p:ph type="title"/>
-          </p:nvPr>
-        </p:nvSpPr>
-        <p:spPr/>
-        <p:txBody>
-          <a:bodyPr/>
-          <a:lstStyle/>
-          <a:p>
-            <a:r>
-              <a:rPr lang="pt-BR" dirty="0"/>
-              <a:t>Experimento 2</a:t>
-            </a:r>
-          </a:p>
-        </p:txBody>
-      </p:sp>
-      <p:sp>
-        <p:nvSpPr>
-          <p:cNvPr id="3" name="Espaço Reservado para Conteúdo 2"/>
-          <p:cNvSpPr>
-            <a:spLocks noGrp="1"/>
-          </p:cNvSpPr>
-          <p:nvPr>
-            <p:ph idx="1"/>
-          </p:nvPr>
-        </p:nvSpPr>
-        <p:spPr/>
-        <p:txBody>
-          <a:bodyPr>
-            <a:normAutofit/>
-          </a:bodyPr>
-          <a:lstStyle/>
-          <a:p>
-            <a:r>
-              <a:rPr lang="pt-BR" dirty="0"/>
-              <a:t>Rede Interna e </a:t>
-            </a:r>
-            <a:r>
-              <a:rPr lang="pt-BR" dirty="0" err="1"/>
-              <a:t>Cloud</a:t>
-            </a:r>
-            <a:r>
-              <a:rPr lang="pt-BR" dirty="0"/>
-              <a:t> </a:t>
-            </a:r>
-            <a:r>
-              <a:rPr lang="pt-BR" dirty="0" err="1"/>
-              <a:t>Azure</a:t>
-            </a:r>
-            <a:r>
-              <a:rPr lang="pt-BR" dirty="0"/>
-              <a:t>.</a:t>
-            </a:r>
-          </a:p>
-          <a:p>
-            <a:r>
-              <a:rPr lang="pt-BR" dirty="0"/>
-              <a:t>Data: 01 de agosto de 2017.</a:t>
-            </a:r>
-          </a:p>
-          <a:p>
-            <a:r>
-              <a:rPr lang="pt-BR" dirty="0"/>
-              <a:t>Horário: 19h às 21h30.</a:t>
-            </a:r>
-          </a:p>
-          <a:p>
-            <a:r>
-              <a:rPr lang="pt-BR" dirty="0"/>
-              <a:t>Quantidade de Alunos: 150.</a:t>
-            </a:r>
-          </a:p>
-          <a:p>
-            <a:r>
-              <a:rPr lang="pt-BR" dirty="0"/>
-              <a:t>Localidade: FATEC São José dos Campos.</a:t>
-            </a:r>
-          </a:p>
-          <a:p>
-            <a:pPr hangingPunct="0"/>
-            <a:r>
-              <a:rPr lang="pt-BR" dirty="0"/>
-              <a:t>Resultado: </a:t>
-            </a:r>
-          </a:p>
-          <a:p>
-            <a:pPr lvl="1" hangingPunct="0"/>
-            <a:r>
-              <a:rPr lang="pt-BR" dirty="0"/>
-              <a:t>Monitorar o acesso a plataforma e os recursos utilizados pelo servidor. </a:t>
-            </a:r>
-          </a:p>
-          <a:p>
-            <a:pPr lvl="1" hangingPunct="0"/>
-            <a:r>
-              <a:rPr lang="pt-BR" dirty="0" smtClean="0"/>
-              <a:t>Divisão da arquitetura.</a:t>
-            </a:r>
-            <a:endParaRPr lang="pt-BR" dirty="0"/>
-          </a:p>
-        </p:txBody>
-      </p:sp>
-      <p:sp>
-        <p:nvSpPr>
-          <p:cNvPr id="4" name="Retângulo 3"/>
-          <p:cNvSpPr/>
-          <p:nvPr/>
-        </p:nvSpPr>
-        <p:spPr>
-          <a:xfrm>
-            <a:off x="680321" y="250521"/>
-            <a:ext cx="1569917" cy="369332"/>
-          </a:xfrm>
-          <a:prstGeom prst="rect">
-            <a:avLst/>
-          </a:prstGeom>
-        </p:spPr>
-        <p:txBody>
-          <a:bodyPr wrap="none">
-            <a:spAutoFit/>
-          </a:bodyPr>
-          <a:lstStyle/>
-          <a:p>
-            <a:pPr marL="285750" indent="-285750">
-              <a:buFont typeface="Arial" panose="020B0604020202020204" pitchFamily="34" charset="0"/>
-              <a:buChar char="•"/>
-            </a:pPr>
-            <a:r>
-              <a:rPr lang="pt-BR" dirty="0"/>
-              <a:t>Resultados</a:t>
-            </a:r>
-          </a:p>
-        </p:txBody>
-      </p:sp>
-      <p:pic>
-        <p:nvPicPr>
-          <p:cNvPr id="5" name="Imagem 4"/>
-          <p:cNvPicPr>
-            <a:picLocks noChangeAspect="1"/>
-          </p:cNvPicPr>
-          <p:nvPr/>
-        </p:nvPicPr>
-        <p:blipFill>
-          <a:blip r:embed="rId2" cstate="print">
-            <a:extLst>
-              <a:ext uri="{28A0092B-C50C-407E-A947-70E740481C1C}">
-                <a14:useLocalDpi xmlns:a14="http://schemas.microsoft.com/office/drawing/2010/main" val="0"/>
-              </a:ext>
-            </a:extLst>
-          </a:blip>
-          <a:stretch>
-            <a:fillRect/>
-          </a:stretch>
-        </p:blipFill>
-        <p:spPr>
-          <a:xfrm>
-            <a:off x="10602142" y="920672"/>
-            <a:ext cx="1589858" cy="650549"/>
-          </a:xfrm>
-          <a:prstGeom prst="rect">
-            <a:avLst/>
-          </a:prstGeom>
-        </p:spPr>
-      </p:pic>
-    </p:spTree>
-    <p:extLst>
-      <p:ext uri="{BB962C8B-B14F-4D97-AF65-F5344CB8AC3E}">
-        <p14:creationId xmlns:p14="http://schemas.microsoft.com/office/powerpoint/2010/main" val="3404476178"/>
+        <p14:creationId xmlns:p14="http://schemas.microsoft.com/office/powerpoint/2010/main" val="3337624431"/>
       </p:ext>
     </p:extLst>
   </p:cSld>
@@ -15224,10 +14226,17 @@
   <p:clrMapOvr>
     <a:masterClrMapping/>
   </p:clrMapOvr>
+  <p:timing>
+    <p:tnLst>
+      <p:par>
+        <p:cTn id="1" dur="indefinite" restart="never" nodeType="tmRoot"/>
+      </p:par>
+    </p:tnLst>
+  </p:timing>
 </p:sld>
 </file>
 
-<file path=ppt/slides/slide40.xml><?xml version="1.0" encoding="utf-8"?>
+<file path=ppt/slides/slide5.xml><?xml version="1.0" encoding="utf-8"?>
 <p:sld xmlns:a="http://schemas.openxmlformats.org/drawingml/2006/main" xmlns:r="http://schemas.openxmlformats.org/officeDocument/2006/relationships" xmlns:p="http://schemas.openxmlformats.org/presentationml/2006/main">
   <p:cSld>
     <p:spTree>
@@ -15251,7 +14260,7 @@
             <a:spLocks noGrp="1"/>
           </p:cNvSpPr>
           <p:nvPr>
-            <p:ph type="ctrTitle"/>
+            <p:ph type="title"/>
           </p:nvPr>
         </p:nvSpPr>
         <p:spPr/>
@@ -15261,19 +14270,19 @@
           <a:p>
             <a:r>
               <a:rPr lang="pt-BR" dirty="0"/>
-              <a:t>Considerações Finais</a:t>
-            </a:r>
-          </a:p>
-        </p:txBody>
-      </p:sp>
-      <p:sp>
-        <p:nvSpPr>
-          <p:cNvPr id="3" name="Subtítulo 2"/>
-          <p:cNvSpPr>
-            <a:spLocks noGrp="1"/>
-          </p:cNvSpPr>
-          <p:nvPr>
-            <p:ph type="subTitle" idx="1"/>
+              <a:t>Problema</a:t>
+            </a:r>
+          </a:p>
+        </p:txBody>
+      </p:sp>
+      <p:sp>
+        <p:nvSpPr>
+          <p:cNvPr id="3" name="Espaço Reservado para Conteúdo 2"/>
+          <p:cNvSpPr>
+            <a:spLocks noGrp="1"/>
+          </p:cNvSpPr>
+          <p:nvPr>
+            <p:ph idx="1"/>
           </p:nvPr>
         </p:nvSpPr>
         <p:spPr/>
@@ -15281,188 +14290,60 @@
           <a:bodyPr/>
           <a:lstStyle/>
           <a:p>
-            <a:endParaRPr lang="pt-BR"/>
-          </a:p>
-        </p:txBody>
-      </p:sp>
-    </p:spTree>
-    <p:extLst>
-      <p:ext uri="{BB962C8B-B14F-4D97-AF65-F5344CB8AC3E}">
-        <p14:creationId xmlns:p14="http://schemas.microsoft.com/office/powerpoint/2010/main" val="4192372709"/>
-      </p:ext>
-    </p:extLst>
-  </p:cSld>
-  <p:clrMapOvr>
-    <a:masterClrMapping/>
-  </p:clrMapOvr>
-</p:sld>
-</file>
-
-<file path=ppt/slides/slide41.xml><?xml version="1.0" encoding="utf-8"?>
-<p:sld xmlns:a="http://schemas.openxmlformats.org/drawingml/2006/main" xmlns:r="http://schemas.openxmlformats.org/officeDocument/2006/relationships" xmlns:p="http://schemas.openxmlformats.org/presentationml/2006/main">
-  <p:cSld>
-    <p:spTree>
-      <p:nvGrpSpPr>
-        <p:cNvPr id="1" name=""/>
-        <p:cNvGrpSpPr/>
-        <p:nvPr/>
-      </p:nvGrpSpPr>
-      <p:grpSpPr>
-        <a:xfrm>
-          <a:off x="0" y="0"/>
-          <a:ext cx="0" cy="0"/>
-          <a:chOff x="0" y="0"/>
-          <a:chExt cx="0" cy="0"/>
-        </a:xfrm>
-      </p:grpSpPr>
-      <p:sp>
-        <p:nvSpPr>
-          <p:cNvPr id="2" name="Título 1"/>
-          <p:cNvSpPr>
-            <a:spLocks noGrp="1"/>
-          </p:cNvSpPr>
-          <p:nvPr>
-            <p:ph type="title"/>
-          </p:nvPr>
-        </p:nvSpPr>
-        <p:spPr/>
-        <p:txBody>
-          <a:bodyPr/>
-          <a:lstStyle/>
-          <a:p>
             <a:r>
               <a:rPr lang="pt-BR" dirty="0"/>
-              <a:t>Trabalhos Futuros</a:t>
-            </a:r>
-          </a:p>
-        </p:txBody>
-      </p:sp>
-      <p:sp>
-        <p:nvSpPr>
-          <p:cNvPr id="3" name="Espaço Reservado para Conteúdo 2"/>
-          <p:cNvSpPr>
-            <a:spLocks noGrp="1"/>
-          </p:cNvSpPr>
-          <p:nvPr>
-            <p:ph idx="1"/>
-          </p:nvPr>
-        </p:nvSpPr>
-        <p:spPr/>
-        <p:txBody>
-          <a:bodyPr>
-            <a:normAutofit/>
-          </a:bodyPr>
-          <a:lstStyle/>
-          <a:p>
+              <a:t>Falta de </a:t>
+            </a:r>
+            <a:r>
+              <a:rPr lang="pt-BR" dirty="0" smtClean="0"/>
+              <a:t>pessoal </a:t>
+            </a:r>
             <a:r>
               <a:rPr lang="pt-BR" dirty="0"/>
-              <a:t>Alterar o Servidor de Controle de Versão </a:t>
-            </a:r>
-            <a:r>
-              <a:rPr lang="pt-BR" dirty="0" smtClean="0"/>
-              <a:t>para o </a:t>
-            </a:r>
-            <a:r>
-              <a:rPr lang="pt-BR" dirty="0" err="1"/>
-              <a:t>GitLab</a:t>
-            </a:r>
+              <a:t>para dar Suporte a todas Aplicações já Implantadas no Centro Paula Souza.</a:t>
+            </a:r>
+          </a:p>
+          <a:p>
             <a:r>
               <a:rPr lang="pt-BR" dirty="0"/>
-              <a:t>.</a:t>
+              <a:t>Gerenciamento dos serviços necessários para a Plataforma de forma independente.</a:t>
             </a:r>
           </a:p>
           <a:p>
             <a:r>
               <a:rPr lang="pt-BR" dirty="0"/>
-              <a:t>Deixar flexível o </a:t>
-            </a:r>
-            <a:r>
-              <a:rPr lang="pt-BR" dirty="0" smtClean="0"/>
-              <a:t>arquivo </a:t>
-            </a:r>
-            <a:r>
-              <a:rPr lang="pt-BR" i="1" dirty="0" err="1" smtClean="0"/>
-              <a:t>application.properties</a:t>
-            </a:r>
-            <a:r>
-              <a:rPr lang="pt-BR" dirty="0" smtClean="0"/>
-              <a:t> da aplicação </a:t>
-            </a:r>
-            <a:r>
-              <a:rPr lang="pt-BR" i="1" dirty="0" err="1" smtClean="0"/>
-              <a:t>back-end</a:t>
-            </a:r>
-            <a:r>
-              <a:rPr lang="pt-BR" i="1" dirty="0" smtClean="0"/>
-              <a:t> </a:t>
-            </a:r>
-            <a:r>
-              <a:rPr lang="pt-BR" dirty="0" smtClean="0"/>
-              <a:t>para configuração do </a:t>
-            </a:r>
-            <a:r>
-              <a:rPr lang="pt-BR" dirty="0"/>
-              <a:t>local onde ficarão as imagens das cenas dos jogos. </a:t>
-            </a:r>
-          </a:p>
-          <a:p>
-            <a:r>
-              <a:rPr lang="pt-BR" dirty="0"/>
-              <a:t>Separar do Servidor de Banco de Dados para garantir a integridade e disponibilidade.</a:t>
-            </a:r>
-          </a:p>
-          <a:p>
-            <a:r>
-              <a:rPr lang="pt-BR" dirty="0"/>
-              <a:t>Implementar uma arquitetura de clusters utilizando do </a:t>
-            </a:r>
-            <a:r>
-              <a:rPr lang="pt-BR" dirty="0" err="1"/>
-              <a:t>Docker</a:t>
-            </a:r>
-            <a:r>
-              <a:rPr lang="pt-BR" dirty="0"/>
-              <a:t> </a:t>
-            </a:r>
-            <a:r>
-              <a:rPr lang="pt-BR" dirty="0" err="1"/>
-              <a:t>Swarm</a:t>
-            </a:r>
-            <a:r>
-              <a:rPr lang="pt-BR" dirty="0"/>
-              <a:t> ou </a:t>
-            </a:r>
-            <a:r>
-              <a:rPr lang="pt-BR" dirty="0" err="1"/>
-              <a:t>Kubernets</a:t>
-            </a:r>
-            <a:r>
-              <a:rPr lang="pt-BR" dirty="0"/>
-              <a:t>, onde vários computadores trabalham juntos afim de garantir desempenho e disponibilidade da plataforma.</a:t>
+              <a:t>Garantir que a Plataforma esteja sempre disponível.</a:t>
             </a:r>
           </a:p>
           <a:p>
             <a:endParaRPr lang="pt-BR" dirty="0"/>
           </a:p>
-        </p:txBody>
-      </p:sp>
-      <p:sp>
-        <p:nvSpPr>
-          <p:cNvPr id="4" name="Retângulo 3"/>
-          <p:cNvSpPr/>
+          <a:p>
+            <a:pPr marL="0" indent="0">
+              <a:buNone/>
+            </a:pPr>
+            <a:endParaRPr lang="pt-BR" dirty="0"/>
+          </a:p>
+        </p:txBody>
+      </p:sp>
+      <p:sp>
+        <p:nvSpPr>
+          <p:cNvPr id="4" name="CaixaDeTexto 3"/>
+          <p:cNvSpPr txBox="1"/>
           <p:nvPr/>
         </p:nvSpPr>
         <p:spPr>
           <a:xfrm>
             <a:off x="680321" y="250521"/>
-            <a:ext cx="2606804" cy="369332"/>
+            <a:ext cx="1582484" cy="369332"/>
           </a:xfrm>
           <a:prstGeom prst="rect">
             <a:avLst/>
           </a:prstGeom>
-        </p:spPr>
-        <p:txBody>
-          <a:bodyPr wrap="none">
+          <a:noFill/>
+        </p:spPr>
+        <p:txBody>
+          <a:bodyPr wrap="none" rtlCol="0">
             <a:spAutoFit/>
           </a:bodyPr>
           <a:lstStyle/>
@@ -15473,7 +14354,7 @@
             </a:pPr>
             <a:r>
               <a:rPr lang="pt-BR" dirty="0"/>
-              <a:t>Considerações Finais</a:t>
+              <a:t>Introdução</a:t>
             </a:r>
           </a:p>
         </p:txBody>
@@ -15511,479 +14392,6 @@
     </p:spTree>
     <p:extLst>
       <p:ext uri="{BB962C8B-B14F-4D97-AF65-F5344CB8AC3E}">
-        <p14:creationId xmlns:p14="http://schemas.microsoft.com/office/powerpoint/2010/main" val="671967937"/>
-      </p:ext>
-    </p:extLst>
-  </p:cSld>
-  <p:clrMapOvr>
-    <a:masterClrMapping/>
-  </p:clrMapOvr>
-</p:sld>
-</file>
-
-<file path=ppt/slides/slide42.xml><?xml version="1.0" encoding="utf-8"?>
-<p:sld xmlns:a="http://schemas.openxmlformats.org/drawingml/2006/main" xmlns:r="http://schemas.openxmlformats.org/officeDocument/2006/relationships" xmlns:p="http://schemas.openxmlformats.org/presentationml/2006/main">
-  <p:cSld>
-    <p:spTree>
-      <p:nvGrpSpPr>
-        <p:cNvPr id="1" name=""/>
-        <p:cNvGrpSpPr/>
-        <p:nvPr/>
-      </p:nvGrpSpPr>
-      <p:grpSpPr>
-        <a:xfrm>
-          <a:off x="0" y="0"/>
-          <a:ext cx="0" cy="0"/>
-          <a:chOff x="0" y="0"/>
-          <a:chExt cx="0" cy="0"/>
-        </a:xfrm>
-      </p:grpSpPr>
-      <p:sp>
-        <p:nvSpPr>
-          <p:cNvPr id="2" name="Título 1"/>
-          <p:cNvSpPr>
-            <a:spLocks noGrp="1"/>
-          </p:cNvSpPr>
-          <p:nvPr>
-            <p:ph type="title"/>
-          </p:nvPr>
-        </p:nvSpPr>
-        <p:spPr/>
-        <p:txBody>
-          <a:bodyPr/>
-          <a:lstStyle/>
-          <a:p>
-            <a:r>
-              <a:rPr lang="pt-BR" dirty="0"/>
-              <a:t>Agradecimentos</a:t>
-            </a:r>
-          </a:p>
-        </p:txBody>
-      </p:sp>
-      <p:sp>
-        <p:nvSpPr>
-          <p:cNvPr id="3" name="Espaço Reservado para Conteúdo 2"/>
-          <p:cNvSpPr>
-            <a:spLocks noGrp="1"/>
-          </p:cNvSpPr>
-          <p:nvPr>
-            <p:ph idx="1"/>
-          </p:nvPr>
-        </p:nvSpPr>
-        <p:spPr/>
-        <p:txBody>
-          <a:bodyPr>
-            <a:normAutofit fontScale="92500" lnSpcReduction="10000"/>
-          </a:bodyPr>
-          <a:lstStyle/>
-          <a:p>
-            <a:pPr algn="just">
-              <a:lnSpc>
-                <a:spcPct val="160000"/>
-              </a:lnSpc>
-            </a:pPr>
-            <a:r>
-              <a:rPr lang="pt-BR" dirty="0"/>
-              <a:t>Agradeço em primeiro lugar aquele que permite que todas as coisas se concretizem, </a:t>
-            </a:r>
-            <a:r>
-              <a:rPr lang="pt-BR" dirty="0" smtClean="0"/>
-              <a:t>Deus.</a:t>
-            </a:r>
-            <a:endParaRPr lang="pt-BR" dirty="0"/>
-          </a:p>
-          <a:p>
-            <a:pPr algn="just">
-              <a:lnSpc>
-                <a:spcPct val="160000"/>
-              </a:lnSpc>
-            </a:pPr>
-            <a:r>
-              <a:rPr lang="pt-BR" dirty="0"/>
-              <a:t>Ao orientador Prof. Me. Eduardo </a:t>
-            </a:r>
-            <a:r>
-              <a:rPr lang="pt-BR" dirty="0" err="1"/>
-              <a:t>Sakaue</a:t>
-            </a:r>
-            <a:r>
-              <a:rPr lang="pt-BR" dirty="0"/>
-              <a:t>, por todo apoio.</a:t>
-            </a:r>
-          </a:p>
-          <a:p>
-            <a:pPr algn="just">
-              <a:lnSpc>
-                <a:spcPct val="160000"/>
-              </a:lnSpc>
-            </a:pPr>
-            <a:r>
-              <a:rPr lang="pt-BR" dirty="0"/>
-              <a:t>A todos professores da FATEC, que são responsáveis pela minha formação técnica.</a:t>
-            </a:r>
-          </a:p>
-          <a:p>
-            <a:pPr algn="just">
-              <a:lnSpc>
-                <a:spcPct val="160000"/>
-              </a:lnSpc>
-            </a:pPr>
-            <a:r>
-              <a:rPr lang="pt-BR" dirty="0"/>
-              <a:t>A todos amigos e colegas que formei durante os anos de estudo.</a:t>
-            </a:r>
-          </a:p>
-          <a:p>
-            <a:pPr marL="0" indent="0">
-              <a:buNone/>
-            </a:pPr>
-            <a:endParaRPr lang="pt-BR" dirty="0"/>
-          </a:p>
-        </p:txBody>
-      </p:sp>
-      <p:sp>
-        <p:nvSpPr>
-          <p:cNvPr id="4" name="Retângulo 3"/>
-          <p:cNvSpPr/>
-          <p:nvPr/>
-        </p:nvSpPr>
-        <p:spPr>
-          <a:xfrm>
-            <a:off x="680321" y="250521"/>
-            <a:ext cx="2606804" cy="369332"/>
-          </a:xfrm>
-          <a:prstGeom prst="rect">
-            <a:avLst/>
-          </a:prstGeom>
-        </p:spPr>
-        <p:txBody>
-          <a:bodyPr wrap="none">
-            <a:spAutoFit/>
-          </a:bodyPr>
-          <a:lstStyle/>
-          <a:p>
-            <a:pPr marL="285750" indent="-285750">
-              <a:buFont typeface="Arial" panose="020B0604020202020204" pitchFamily="34" charset="0"/>
-              <a:buChar char="•"/>
-            </a:pPr>
-            <a:r>
-              <a:rPr lang="pt-BR" dirty="0"/>
-              <a:t>Considerações Finais</a:t>
-            </a:r>
-          </a:p>
-        </p:txBody>
-      </p:sp>
-      <p:pic>
-        <p:nvPicPr>
-          <p:cNvPr id="5" name="Imagem 4"/>
-          <p:cNvPicPr>
-            <a:picLocks noChangeAspect="1"/>
-          </p:cNvPicPr>
-          <p:nvPr/>
-        </p:nvPicPr>
-        <p:blipFill>
-          <a:blip r:embed="rId2" cstate="print">
-            <a:extLst>
-              <a:ext uri="{28A0092B-C50C-407E-A947-70E740481C1C}">
-                <a14:useLocalDpi xmlns:a14="http://schemas.microsoft.com/office/drawing/2010/main" val="0"/>
-              </a:ext>
-            </a:extLst>
-          </a:blip>
-          <a:stretch>
-            <a:fillRect/>
-          </a:stretch>
-        </p:blipFill>
-        <p:spPr>
-          <a:xfrm>
-            <a:off x="10602142" y="920672"/>
-            <a:ext cx="1589858" cy="650549"/>
-          </a:xfrm>
-          <a:prstGeom prst="rect">
-            <a:avLst/>
-          </a:prstGeom>
-        </p:spPr>
-      </p:pic>
-    </p:spTree>
-    <p:extLst>
-      <p:ext uri="{BB962C8B-B14F-4D97-AF65-F5344CB8AC3E}">
-        <p14:creationId xmlns:p14="http://schemas.microsoft.com/office/powerpoint/2010/main" val="3788730561"/>
-      </p:ext>
-    </p:extLst>
-  </p:cSld>
-  <p:clrMapOvr>
-    <a:masterClrMapping/>
-  </p:clrMapOvr>
-</p:sld>
-</file>
-
-<file path=ppt/slides/slide43.xml><?xml version="1.0" encoding="utf-8"?>
-<p:sld xmlns:a="http://schemas.openxmlformats.org/drawingml/2006/main" xmlns:r="http://schemas.openxmlformats.org/officeDocument/2006/relationships" xmlns:p="http://schemas.openxmlformats.org/presentationml/2006/main">
-  <p:cSld>
-    <p:spTree>
-      <p:nvGrpSpPr>
-        <p:cNvPr id="1" name=""/>
-        <p:cNvGrpSpPr/>
-        <p:nvPr/>
-      </p:nvGrpSpPr>
-      <p:grpSpPr>
-        <a:xfrm>
-          <a:off x="0" y="0"/>
-          <a:ext cx="0" cy="0"/>
-          <a:chOff x="0" y="0"/>
-          <a:chExt cx="0" cy="0"/>
-        </a:xfrm>
-      </p:grpSpPr>
-      <p:sp>
-        <p:nvSpPr>
-          <p:cNvPr id="4" name="Título 3"/>
-          <p:cNvSpPr>
-            <a:spLocks noGrp="1"/>
-          </p:cNvSpPr>
-          <p:nvPr>
-            <p:ph type="ctrTitle"/>
-          </p:nvPr>
-        </p:nvSpPr>
-        <p:spPr/>
-        <p:txBody>
-          <a:bodyPr/>
-          <a:lstStyle/>
-          <a:p>
-            <a:r>
-              <a:rPr lang="pt-BR" sz="3600"/>
-              <a:t>Planejamento e Implatação da Plataforma para Mapeamento para Competências </a:t>
-            </a:r>
-            <a:endParaRPr lang="pt-BR" sz="3600" dirty="0"/>
-          </a:p>
-        </p:txBody>
-      </p:sp>
-      <p:sp>
-        <p:nvSpPr>
-          <p:cNvPr id="5" name="Subtítulo 4"/>
-          <p:cNvSpPr>
-            <a:spLocks noGrp="1"/>
-          </p:cNvSpPr>
-          <p:nvPr>
-            <p:ph type="subTitle" idx="1"/>
-          </p:nvPr>
-        </p:nvSpPr>
-        <p:spPr/>
-        <p:txBody>
-          <a:bodyPr/>
-          <a:lstStyle/>
-          <a:p>
-            <a:r>
-              <a:rPr lang="pt-BR"/>
-              <a:t>Thiago Luis Silva Fortunato</a:t>
-            </a:r>
-          </a:p>
-          <a:p>
-            <a:r>
-              <a:rPr lang="pt-BR"/>
-              <a:t>Orientador: Prof. Me. Eduardo Sakaue</a:t>
-            </a:r>
-            <a:endParaRPr lang="pt-BR" dirty="0"/>
-          </a:p>
-        </p:txBody>
-      </p:sp>
-      <p:pic>
-        <p:nvPicPr>
-          <p:cNvPr id="6" name="Imagem 5"/>
-          <p:cNvPicPr>
-            <a:picLocks noChangeAspect="1"/>
-          </p:cNvPicPr>
-          <p:nvPr/>
-        </p:nvPicPr>
-        <p:blipFill>
-          <a:blip r:embed="rId2">
-            <a:extLst>
-              <a:ext uri="{28A0092B-C50C-407E-A947-70E740481C1C}">
-                <a14:useLocalDpi xmlns:a14="http://schemas.microsoft.com/office/drawing/2010/main" val="0"/>
-              </a:ext>
-            </a:extLst>
-          </a:blip>
-          <a:stretch>
-            <a:fillRect/>
-          </a:stretch>
-        </p:blipFill>
-        <p:spPr>
-          <a:xfrm>
-            <a:off x="9326880" y="123838"/>
-            <a:ext cx="3065961" cy="1254551"/>
-          </a:xfrm>
-          <a:prstGeom prst="rect">
-            <a:avLst/>
-          </a:prstGeom>
-        </p:spPr>
-      </p:pic>
-    </p:spTree>
-    <p:extLst>
-      <p:ext uri="{BB962C8B-B14F-4D97-AF65-F5344CB8AC3E}">
-        <p14:creationId xmlns:p14="http://schemas.microsoft.com/office/powerpoint/2010/main" val="3337624431"/>
-      </p:ext>
-    </p:extLst>
-  </p:cSld>
-  <p:clrMapOvr>
-    <a:masterClrMapping/>
-  </p:clrMapOvr>
-</p:sld>
-</file>
-
-<file path=ppt/slides/slide5.xml><?xml version="1.0" encoding="utf-8"?>
-<p:sld xmlns:a="http://schemas.openxmlformats.org/drawingml/2006/main" xmlns:r="http://schemas.openxmlformats.org/officeDocument/2006/relationships" xmlns:p="http://schemas.openxmlformats.org/presentationml/2006/main">
-  <p:cSld>
-    <p:spTree>
-      <p:nvGrpSpPr>
-        <p:cNvPr id="1" name=""/>
-        <p:cNvGrpSpPr/>
-        <p:nvPr/>
-      </p:nvGrpSpPr>
-      <p:grpSpPr>
-        <a:xfrm>
-          <a:off x="0" y="0"/>
-          <a:ext cx="0" cy="0"/>
-          <a:chOff x="0" y="0"/>
-          <a:chExt cx="0" cy="0"/>
-        </a:xfrm>
-      </p:grpSpPr>
-      <p:sp>
-        <p:nvSpPr>
-          <p:cNvPr id="2" name="Título 1"/>
-          <p:cNvSpPr>
-            <a:spLocks noGrp="1"/>
-          </p:cNvSpPr>
-          <p:nvPr>
-            <p:ph type="title"/>
-          </p:nvPr>
-        </p:nvSpPr>
-        <p:spPr/>
-        <p:txBody>
-          <a:bodyPr/>
-          <a:lstStyle/>
-          <a:p>
-            <a:r>
-              <a:rPr lang="pt-BR" dirty="0"/>
-              <a:t>Problema</a:t>
-            </a:r>
-          </a:p>
-        </p:txBody>
-      </p:sp>
-      <p:sp>
-        <p:nvSpPr>
-          <p:cNvPr id="3" name="Espaço Reservado para Conteúdo 2"/>
-          <p:cNvSpPr>
-            <a:spLocks noGrp="1"/>
-          </p:cNvSpPr>
-          <p:nvPr>
-            <p:ph idx="1"/>
-          </p:nvPr>
-        </p:nvSpPr>
-        <p:spPr/>
-        <p:txBody>
-          <a:bodyPr/>
-          <a:lstStyle/>
-          <a:p>
-            <a:r>
-              <a:rPr lang="pt-BR" dirty="0"/>
-              <a:t>Falta de </a:t>
-            </a:r>
-            <a:r>
-              <a:rPr lang="pt-BR" dirty="0" smtClean="0"/>
-              <a:t>pessoal </a:t>
-            </a:r>
-            <a:r>
-              <a:rPr lang="pt-BR" dirty="0"/>
-              <a:t>para dar Suporte a todas Aplicações já Implantadas no Centro Paula Souza.</a:t>
-            </a:r>
-          </a:p>
-          <a:p>
-            <a:r>
-              <a:rPr lang="pt-BR" dirty="0"/>
-              <a:t>Gerenciamento dos serviços necessários para a Plataforma de forma independente.</a:t>
-            </a:r>
-          </a:p>
-          <a:p>
-            <a:r>
-              <a:rPr lang="pt-BR" dirty="0"/>
-              <a:t>Garantir que a Plataforma esteja sempre disponível.</a:t>
-            </a:r>
-          </a:p>
-          <a:p>
-            <a:endParaRPr lang="pt-BR" dirty="0"/>
-          </a:p>
-          <a:p>
-            <a:pPr marL="0" indent="0">
-              <a:buNone/>
-            </a:pPr>
-            <a:endParaRPr lang="pt-BR" dirty="0"/>
-          </a:p>
-        </p:txBody>
-      </p:sp>
-      <p:sp>
-        <p:nvSpPr>
-          <p:cNvPr id="4" name="CaixaDeTexto 3"/>
-          <p:cNvSpPr txBox="1"/>
-          <p:nvPr/>
-        </p:nvSpPr>
-        <p:spPr>
-          <a:xfrm>
-            <a:off x="680321" y="250521"/>
-            <a:ext cx="1582484" cy="369332"/>
-          </a:xfrm>
-          <a:prstGeom prst="rect">
-            <a:avLst/>
-          </a:prstGeom>
-          <a:noFill/>
-        </p:spPr>
-        <p:txBody>
-          <a:bodyPr wrap="none" rtlCol="0">
-            <a:spAutoFit/>
-          </a:bodyPr>
-          <a:lstStyle/>
-          <a:p>
-            <a:pPr marL="285750" indent="-285750">
-              <a:buFont typeface="Arial" panose="020B0604020202020204" pitchFamily="34" charset="0"/>
-              <a:buChar char="•"/>
-            </a:pPr>
-            <a:r>
-              <a:rPr lang="pt-BR" dirty="0"/>
-              <a:t>Introdução</a:t>
-            </a:r>
-          </a:p>
-        </p:txBody>
-      </p:sp>
-      <p:pic>
-        <p:nvPicPr>
-          <p:cNvPr id="5" name="Imagem 4"/>
-          <p:cNvPicPr>
-            <a:picLocks noChangeAspect="1"/>
-          </p:cNvPicPr>
-          <p:nvPr/>
-        </p:nvPicPr>
-        <p:blipFill>
-          <a:blip r:embed="rId2" cstate="print">
-            <a:extLst>
-              <a:ext uri="{28A0092B-C50C-407E-A947-70E740481C1C}">
-                <a14:useLocalDpi xmlns:a14="http://schemas.microsoft.com/office/drawing/2010/main" val="0"/>
-              </a:ext>
-            </a:extLst>
-          </a:blip>
-          <a:stretch>
-            <a:fillRect/>
-          </a:stretch>
-        </p:blipFill>
-        <p:spPr>
-          <a:xfrm>
-            <a:off x="10602142" y="920672"/>
-            <a:ext cx="1589858" cy="650549"/>
-          </a:xfrm>
-          <a:prstGeom prst="rect">
-            <a:avLst/>
-          </a:prstGeom>
-        </p:spPr>
-      </p:pic>
-    </p:spTree>
-    <p:extLst>
-      <p:ext uri="{BB962C8B-B14F-4D97-AF65-F5344CB8AC3E}">
         <p14:creationId xmlns:p14="http://schemas.microsoft.com/office/powerpoint/2010/main" val="3432355427"/>
       </p:ext>
     </p:extLst>
@@ -15991,6 +14399,13 @@
   <p:clrMapOvr>
     <a:masterClrMapping/>
   </p:clrMapOvr>
+  <p:timing>
+    <p:tnLst>
+      <p:par>
+        <p:cTn id="1" dur="indefinite" restart="never" nodeType="tmRoot"/>
+      </p:par>
+    </p:tnLst>
+  </p:timing>
 </p:sld>
 </file>
 
@@ -16075,11 +14490,7 @@
             </a:r>
             <a:r>
               <a:rPr lang="pt-BR" dirty="0"/>
-              <a:t>e </a:t>
-            </a:r>
-            <a:r>
-              <a:rPr lang="pt-BR" dirty="0"/>
-              <a:t>E</a:t>
+              <a:t>e E</a:t>
             </a:r>
             <a:r>
               <a:rPr lang="pt-BR" dirty="0" smtClean="0"/>
@@ -16295,9 +14706,10 @@
           <a:lstStyle/>
           <a:p>
             <a:r>
-              <a:rPr lang="pt-BR" dirty="0"/>
-              <a:t>Maquina Virtual</a:t>
-            </a:r>
+              <a:rPr lang="pt-BR" dirty="0" smtClean="0"/>
+              <a:t>Requisitos	</a:t>
+            </a:r>
+            <a:endParaRPr lang="pt-BR" dirty="0"/>
           </a:p>
         </p:txBody>
       </p:sp>
@@ -16319,39 +14731,80 @@
           <a:lstStyle/>
           <a:p>
             <a:r>
+              <a:rPr lang="pt-BR" dirty="0" smtClean="0"/>
+              <a:t>Plataforma </a:t>
+            </a:r>
+            <a:r>
+              <a:rPr lang="pt-BR" dirty="0" err="1" smtClean="0"/>
+              <a:t>Cloud</a:t>
+            </a:r>
+            <a:r>
+              <a:rPr lang="pt-BR" dirty="0" smtClean="0"/>
+              <a:t> Microsoft </a:t>
+            </a:r>
+            <a:r>
+              <a:rPr lang="pt-BR" dirty="0" err="1" smtClean="0"/>
+              <a:t>Azure</a:t>
+            </a:r>
+            <a:r>
+              <a:rPr lang="pt-BR" dirty="0" smtClean="0"/>
+              <a:t>.</a:t>
+            </a:r>
+          </a:p>
+          <a:p>
+            <a:r>
               <a:rPr lang="pt-BR" dirty="0"/>
-              <a:t>Plataforma </a:t>
+              <a:t>Servidor Web Front-</a:t>
             </a:r>
             <a:r>
               <a:rPr lang="pt-BR" dirty="0" err="1"/>
-              <a:t>Cloud</a:t>
+              <a:t>End</a:t>
             </a:r>
             <a:r>
               <a:rPr lang="pt-BR" dirty="0"/>
-              <a:t> </a:t>
-            </a:r>
-            <a:r>
-              <a:rPr lang="pt-BR" dirty="0" err="1"/>
-              <a:t>Azure</a:t>
-            </a:r>
+              <a:t> e Back-End</a:t>
+            </a:r>
+            <a:r>
+              <a:rPr lang="pt-BR" dirty="0" smtClean="0"/>
+              <a:t>.</a:t>
+            </a:r>
+          </a:p>
+          <a:p>
             <a:r>
               <a:rPr lang="pt-BR" dirty="0"/>
-              <a:t>.</a:t>
-            </a:r>
-            <a:endParaRPr lang="en-US" dirty="0"/>
-          </a:p>
-          <a:p>
+              <a:t>Servidor de Banco de </a:t>
+            </a:r>
+            <a:r>
+              <a:rPr lang="pt-BR" dirty="0" smtClean="0"/>
+              <a:t>Dados.</a:t>
+            </a:r>
             <a:r>
               <a:rPr lang="pt-BR" dirty="0"/>
-              <a:t>Seja Escalável </a:t>
-            </a:r>
-            <a:endParaRPr lang="pt-BR"/>
-          </a:p>
-          <a:p>
-            <a:r>
-              <a:rPr lang="pt-BR" dirty="0"/>
-              <a:t>Acesso Remoto através de usuário e Senha.</a:t>
-            </a:r>
+              <a:t>	</a:t>
+            </a:r>
+          </a:p>
+          <a:p>
+            <a:r>
+              <a:rPr lang="pt-BR" dirty="0" err="1" smtClean="0"/>
+              <a:t>Balanceador</a:t>
+            </a:r>
+            <a:r>
+              <a:rPr lang="pt-BR" dirty="0" smtClean="0"/>
+              <a:t> de Carga.</a:t>
+            </a:r>
+          </a:p>
+          <a:p>
+            <a:r>
+              <a:rPr lang="pt-BR" dirty="0" smtClean="0"/>
+              <a:t>Interface de Monitoramento.</a:t>
+            </a:r>
+          </a:p>
+          <a:p>
+            <a:r>
+              <a:rPr lang="pt-BR" dirty="0" smtClean="0"/>
+              <a:t>Quantidade e Escalabilidade</a:t>
+            </a:r>
+            <a:endParaRPr lang="pt-BR" dirty="0"/>
           </a:p>
         </p:txBody>
       </p:sp>
@@ -16396,7 +14849,7 @@
           <p:nvPr/>
         </p:nvPicPr>
         <p:blipFill>
-          <a:blip r:embed="rId2" cstate="print">
+          <a:blip r:embed="rId3" cstate="print">
             <a:extLst>
               <a:ext uri="{28A0092B-C50C-407E-A947-70E740481C1C}">
                 <a14:useLocalDpi xmlns:a14="http://schemas.microsoft.com/office/drawing/2010/main" val="0"/>
@@ -16463,17 +14916,10 @@
           <a:lstStyle/>
           <a:p>
             <a:r>
-              <a:rPr lang="pt-BR" dirty="0"/>
-              <a:t>Servidor Web Front-</a:t>
-            </a:r>
-            <a:r>
-              <a:rPr lang="pt-BR" dirty="0" err="1"/>
-              <a:t>End</a:t>
-            </a:r>
-            <a:r>
-              <a:rPr lang="pt-BR" dirty="0"/>
-              <a:t> e Back-End.</a:t>
-            </a:r>
+              <a:rPr lang="pt-BR" dirty="0" smtClean="0"/>
+              <a:t>Requisitos</a:t>
+            </a:r>
+            <a:endParaRPr lang="pt-BR" dirty="0"/>
           </a:p>
         </p:txBody>
       </p:sp>
@@ -16495,101 +14941,31 @@
           <a:lstStyle/>
           <a:p>
             <a:r>
-              <a:rPr lang="pt-BR" dirty="0"/>
-              <a:t>Servidor Web para disponibilizar interface de comunicação com o usuário</a:t>
-            </a:r>
-            <a:r>
-              <a:rPr lang="pt-BR" dirty="0" smtClean="0"/>
-              <a:t>.</a:t>
+              <a:rPr lang="en-US" dirty="0" err="1" smtClean="0"/>
+              <a:t>Integração</a:t>
+            </a:r>
+            <a:r>
+              <a:rPr lang="en-US" dirty="0" smtClean="0"/>
+              <a:t> </a:t>
+            </a:r>
+            <a:r>
+              <a:rPr lang="en-US" dirty="0" err="1" smtClean="0"/>
+              <a:t>Contínua</a:t>
             </a:r>
             <a:endParaRPr lang="en-US" dirty="0"/>
-          </a:p>
-          <a:p>
-            <a:r>
-              <a:rPr lang="pt-BR" dirty="0"/>
-              <a:t>Servidor com suporte o modelo Cliente-Servidor.</a:t>
-            </a:r>
-          </a:p>
-          <a:p>
-            <a:r>
-              <a:rPr lang="pt-BR" dirty="0"/>
-              <a:t>Dar suporte ao </a:t>
-            </a:r>
-            <a:r>
-              <a:rPr lang="pt-BR" dirty="0" smtClean="0"/>
-              <a:t>protocolo </a:t>
-            </a:r>
-            <a:r>
-              <a:rPr lang="pt-BR" dirty="0"/>
-              <a:t>HTTP, comunicação entre as aplicações de front e </a:t>
-            </a:r>
-            <a:r>
-              <a:rPr lang="pt-BR" dirty="0" err="1"/>
-              <a:t>back</a:t>
-            </a:r>
-            <a:r>
-              <a:rPr lang="pt-BR" dirty="0"/>
-              <a:t>-end.</a:t>
-            </a:r>
-          </a:p>
-          <a:p>
-            <a:r>
-              <a:rPr lang="pt-BR" dirty="0"/>
-              <a:t>Ter suporte Java 8 e aplicações compilada no formato .</a:t>
-            </a:r>
-            <a:r>
-              <a:rPr lang="pt-BR" dirty="0" err="1"/>
-              <a:t>war</a:t>
-            </a:r>
-            <a:r>
-              <a:rPr lang="pt-BR" dirty="0"/>
-              <a:t>. </a:t>
-            </a:r>
-          </a:p>
-        </p:txBody>
-      </p:sp>
-      <p:sp>
-        <p:nvSpPr>
-          <p:cNvPr id="4" name="Retângulo 3"/>
-          <p:cNvSpPr/>
-          <p:nvPr/>
-        </p:nvSpPr>
-        <p:spPr>
-          <a:xfrm>
-            <a:off x="680321" y="250521"/>
-            <a:ext cx="3384516" cy="369332"/>
-          </a:xfrm>
-          <a:prstGeom prst="rect">
-            <a:avLst/>
-          </a:prstGeom>
-        </p:spPr>
-        <p:txBody>
-          <a:bodyPr wrap="none">
-            <a:spAutoFit/>
-          </a:bodyPr>
-          <a:lstStyle/>
-          <a:p>
-            <a:pPr marL="285750" indent="-285750">
-              <a:buFont typeface="Arial" panose="020B0604020202020204" pitchFamily="34" charset="0"/>
-              <a:buChar char="•"/>
-            </a:pPr>
-            <a:r>
-              <a:rPr lang="pt-BR" dirty="0"/>
-              <a:t>Levantamento de Requisitos</a:t>
-            </a:r>
           </a:p>
         </p:txBody>
       </p:sp>
       <p:pic>
         <p:nvPicPr>
-          <p:cNvPr id="5" name="Imagem 4"/>
+          <p:cNvPr id="4" name="Imagem 3"/>
           <p:cNvPicPr>
             <a:picLocks noChangeAspect="1"/>
           </p:cNvPicPr>
           <p:nvPr/>
         </p:nvPicPr>
         <p:blipFill>
-          <a:blip r:embed="rId2" cstate="print">
+          <a:blip r:embed="rId2">
             <a:extLst>
               <a:ext uri="{28A0092B-C50C-407E-A947-70E740481C1C}">
                 <a14:useLocalDpi xmlns:a14="http://schemas.microsoft.com/office/drawing/2010/main" val="0"/>
@@ -16602,6 +14978,68 @@
         </p:blipFill>
         <p:spPr>
           <a:xfrm>
+            <a:off x="2664294" y="3358662"/>
+            <a:ext cx="5963511" cy="3080234"/>
+          </a:xfrm>
+          <a:prstGeom prst="rect">
+            <a:avLst/>
+          </a:prstGeom>
+        </p:spPr>
+      </p:pic>
+      <p:sp>
+        <p:nvSpPr>
+          <p:cNvPr id="5" name="Retângulo 4"/>
+          <p:cNvSpPr/>
+          <p:nvPr/>
+        </p:nvSpPr>
+        <p:spPr>
+          <a:xfrm>
+            <a:off x="680321" y="250521"/>
+            <a:ext cx="3384516" cy="369332"/>
+          </a:xfrm>
+          <a:prstGeom prst="rect">
+            <a:avLst/>
+          </a:prstGeom>
+        </p:spPr>
+        <p:txBody>
+          <a:bodyPr wrap="none">
+            <a:spAutoFit/>
+          </a:bodyPr>
+          <a:lstStyle/>
+          <a:p>
+            <a:pPr marL="285750" indent="-285750">
+              <a:buFont typeface="Arial" panose="020B0604020202020204" pitchFamily="34" charset="0"/>
+              <a:buChar char="•"/>
+            </a:pPr>
+            <a:r>
+              <a:rPr lang="pt-BR" dirty="0"/>
+              <a:t>Levantamento de Requisitos</a:t>
+            </a:r>
+          </a:p>
+        </p:txBody>
+      </p:sp>
+      <p:pic>
+        <p:nvPicPr>
+          <p:cNvPr id="6" name="Imagem 5"/>
+          <p:cNvPicPr>
+            <a:picLocks noChangeAspect="1"/>
+          </p:cNvPicPr>
+          <p:nvPr/>
+        </p:nvPicPr>
+        <p:blipFill>
+          <a:blip r:embed="rId3" cstate="print">
+            <a:extLst>
+              <a:ext uri="{28A0092B-C50C-407E-A947-70E740481C1C}">
+                <a14:useLocalDpi xmlns:a14="http://schemas.microsoft.com/office/drawing/2010/main" val="0"/>
+              </a:ext>
+            </a:extLst>
+          </a:blip>
+          <a:stretch>
+            <a:fillRect/>
+          </a:stretch>
+        </p:blipFill>
+        <p:spPr>
+          <a:xfrm>
             <a:off x="10602142" y="920672"/>
             <a:ext cx="1589858" cy="650549"/>
           </a:xfrm>
@@ -16613,7 +15051,7 @@
     </p:spTree>
     <p:extLst>
       <p:ext uri="{BB962C8B-B14F-4D97-AF65-F5344CB8AC3E}">
-        <p14:creationId xmlns:p14="http://schemas.microsoft.com/office/powerpoint/2010/main" val="3655480647"/>
+        <p14:creationId xmlns:p14="http://schemas.microsoft.com/office/powerpoint/2010/main" val="3480261159"/>
       </p:ext>
     </p:extLst>
   </p:cSld>
